--- a/pics/2019-08-12_Laplace_Transform/pics.pptx
+++ b/pics/2019-08-12_Laplace_Transform/pics.pptx
@@ -6,6 +6,7 @@
   </p:sldMasterIdLst>
   <p:sldIdLst>
     <p:sldId id="256" r:id="rId2"/>
+    <p:sldId id="257" r:id="rId3"/>
   </p:sldIdLst>
   <p:sldSz cx="9144000" cy="6858000" type="screen4x3"/>
   <p:notesSz cx="6858000" cy="9144000"/>
@@ -104,6 +105,11 @@
       </a:defRPr>
     </a:lvl9pPr>
   </p:defaultTextStyle>
+  <p:extLst>
+    <p:ext uri="{EFAFB233-063F-42B5-8137-9DF3F51BA10A}">
+      <p15:sldGuideLst xmlns:p15="http://schemas.microsoft.com/office/powerpoint/2012/main"/>
+    </p:ext>
+  </p:extLst>
 </p:presentation>
 </file>
 
@@ -238,7 +244,7 @@
           <a:p>
             <a:fld id="{BFC48532-E652-433E-A703-484C3AEDFF2A}" type="datetimeFigureOut">
               <a:rPr lang="ko-KR" altLang="en-US" smtClean="0"/>
-              <a:t>2019-08-12</a:t>
+              <a:t>2022-01-22</a:t>
             </a:fld>
             <a:endParaRPr lang="ko-KR" altLang="en-US"/>
           </a:p>
@@ -408,7 +414,7 @@
           <a:p>
             <a:fld id="{BFC48532-E652-433E-A703-484C3AEDFF2A}" type="datetimeFigureOut">
               <a:rPr lang="ko-KR" altLang="en-US" smtClean="0"/>
-              <a:t>2019-08-12</a:t>
+              <a:t>2022-01-22</a:t>
             </a:fld>
             <a:endParaRPr lang="ko-KR" altLang="en-US"/>
           </a:p>
@@ -588,7 +594,7 @@
           <a:p>
             <a:fld id="{BFC48532-E652-433E-A703-484C3AEDFF2A}" type="datetimeFigureOut">
               <a:rPr lang="ko-KR" altLang="en-US" smtClean="0"/>
-              <a:t>2019-08-12</a:t>
+              <a:t>2022-01-22</a:t>
             </a:fld>
             <a:endParaRPr lang="ko-KR" altLang="en-US"/>
           </a:p>
@@ -758,7 +764,7 @@
           <a:p>
             <a:fld id="{BFC48532-E652-433E-A703-484C3AEDFF2A}" type="datetimeFigureOut">
               <a:rPr lang="ko-KR" altLang="en-US" smtClean="0"/>
-              <a:t>2019-08-12</a:t>
+              <a:t>2022-01-22</a:t>
             </a:fld>
             <a:endParaRPr lang="ko-KR" altLang="en-US"/>
           </a:p>
@@ -1002,7 +1008,7 @@
           <a:p>
             <a:fld id="{BFC48532-E652-433E-A703-484C3AEDFF2A}" type="datetimeFigureOut">
               <a:rPr lang="ko-KR" altLang="en-US" smtClean="0"/>
-              <a:t>2019-08-12</a:t>
+              <a:t>2022-01-22</a:t>
             </a:fld>
             <a:endParaRPr lang="ko-KR" altLang="en-US"/>
           </a:p>
@@ -1234,7 +1240,7 @@
           <a:p>
             <a:fld id="{BFC48532-E652-433E-A703-484C3AEDFF2A}" type="datetimeFigureOut">
               <a:rPr lang="ko-KR" altLang="en-US" smtClean="0"/>
-              <a:t>2019-08-12</a:t>
+              <a:t>2022-01-22</a:t>
             </a:fld>
             <a:endParaRPr lang="ko-KR" altLang="en-US"/>
           </a:p>
@@ -1601,7 +1607,7 @@
           <a:p>
             <a:fld id="{BFC48532-E652-433E-A703-484C3AEDFF2A}" type="datetimeFigureOut">
               <a:rPr lang="ko-KR" altLang="en-US" smtClean="0"/>
-              <a:t>2019-08-12</a:t>
+              <a:t>2022-01-22</a:t>
             </a:fld>
             <a:endParaRPr lang="ko-KR" altLang="en-US"/>
           </a:p>
@@ -1719,7 +1725,7 @@
           <a:p>
             <a:fld id="{BFC48532-E652-433E-A703-484C3AEDFF2A}" type="datetimeFigureOut">
               <a:rPr lang="ko-KR" altLang="en-US" smtClean="0"/>
-              <a:t>2019-08-12</a:t>
+              <a:t>2022-01-22</a:t>
             </a:fld>
             <a:endParaRPr lang="ko-KR" altLang="en-US"/>
           </a:p>
@@ -1814,7 +1820,7 @@
           <a:p>
             <a:fld id="{BFC48532-E652-433E-A703-484C3AEDFF2A}" type="datetimeFigureOut">
               <a:rPr lang="ko-KR" altLang="en-US" smtClean="0"/>
-              <a:t>2019-08-12</a:t>
+              <a:t>2022-01-22</a:t>
             </a:fld>
             <a:endParaRPr lang="ko-KR" altLang="en-US"/>
           </a:p>
@@ -2091,7 +2097,7 @@
           <a:p>
             <a:fld id="{BFC48532-E652-433E-A703-484C3AEDFF2A}" type="datetimeFigureOut">
               <a:rPr lang="ko-KR" altLang="en-US" smtClean="0"/>
-              <a:t>2019-08-12</a:t>
+              <a:t>2022-01-22</a:t>
             </a:fld>
             <a:endParaRPr lang="ko-KR" altLang="en-US"/>
           </a:p>
@@ -2348,7 +2354,7 @@
           <a:p>
             <a:fld id="{BFC48532-E652-433E-A703-484C3AEDFF2A}" type="datetimeFigureOut">
               <a:rPr lang="ko-KR" altLang="en-US" smtClean="0"/>
-              <a:t>2019-08-12</a:t>
+              <a:t>2022-01-22</a:t>
             </a:fld>
             <a:endParaRPr lang="ko-KR" altLang="en-US"/>
           </a:p>
@@ -2561,7 +2567,7 @@
           <a:p>
             <a:fld id="{BFC48532-E652-433E-A703-484C3AEDFF2A}" type="datetimeFigureOut">
               <a:rPr lang="ko-KR" altLang="en-US" smtClean="0"/>
-              <a:t>2019-08-12</a:t>
+              <a:t>2022-01-22</a:t>
             </a:fld>
             <a:endParaRPr lang="ko-KR" altLang="en-US"/>
           </a:p>
@@ -3177,8 +3183,8 @@
           </a:p>
         </p:txBody>
       </p:sp>
-      <mc:AlternateContent xmlns:mc="http://schemas.openxmlformats.org/markup-compatibility/2006">
-        <mc:Choice xmlns:a14="http://schemas.microsoft.com/office/drawing/2010/main" Requires="a14">
+      <mc:AlternateContent xmlns:mc="http://schemas.openxmlformats.org/markup-compatibility/2006" xmlns:a14="http://schemas.microsoft.com/office/drawing/2010/main">
+        <mc:Choice Requires="a14">
           <p:sp>
             <p:nvSpPr>
               <p:cNvPr id="7" name="TextBox 6">
@@ -3207,6 +3213,7 @@
               </a:bodyPr>
               <a:lstStyle/>
               <a:p>
+                <a:pPr/>
                 <a14:m>
                   <m:oMathPara xmlns:m="http://schemas.openxmlformats.org/officeDocument/2006/math">
                     <m:oMathParaPr>
@@ -3248,7 +3255,7 @@
             </p:txBody>
           </p:sp>
         </mc:Choice>
-        <mc:Fallback>
+        <mc:Fallback xmlns="">
           <p:sp>
             <p:nvSpPr>
               <p:cNvPr id="7" name="TextBox 6">
@@ -3293,8 +3300,8 @@
           </p:sp>
         </mc:Fallback>
       </mc:AlternateContent>
-      <mc:AlternateContent xmlns:mc="http://schemas.openxmlformats.org/markup-compatibility/2006">
-        <mc:Choice xmlns:a14="http://schemas.microsoft.com/office/drawing/2010/main" Requires="a14">
+      <mc:AlternateContent xmlns:mc="http://schemas.openxmlformats.org/markup-compatibility/2006" xmlns:a14="http://schemas.microsoft.com/office/drawing/2010/main">
+        <mc:Choice Requires="a14">
           <p:sp>
             <p:nvSpPr>
               <p:cNvPr id="8" name="TextBox 7">
@@ -3362,7 +3369,7 @@
             </p:txBody>
           </p:sp>
         </mc:Choice>
-        <mc:Fallback>
+        <mc:Fallback xmlns="">
           <p:sp>
             <p:nvSpPr>
               <p:cNvPr id="8" name="TextBox 7">
@@ -3407,8 +3414,8 @@
           </p:sp>
         </mc:Fallback>
       </mc:AlternateContent>
-      <mc:AlternateContent xmlns:mc="http://schemas.openxmlformats.org/markup-compatibility/2006">
-        <mc:Choice xmlns:a14="http://schemas.microsoft.com/office/drawing/2010/main" Requires="a14">
+      <mc:AlternateContent xmlns:mc="http://schemas.openxmlformats.org/markup-compatibility/2006" xmlns:a14="http://schemas.microsoft.com/office/drawing/2010/main">
+        <mc:Choice Requires="a14">
           <p:sp>
             <p:nvSpPr>
               <p:cNvPr id="9" name="TextBox 8">
@@ -3476,7 +3483,7 @@
             </p:txBody>
           </p:sp>
         </mc:Choice>
-        <mc:Fallback>
+        <mc:Fallback xmlns="">
           <p:sp>
             <p:nvSpPr>
               <p:cNvPr id="9" name="TextBox 8">
@@ -3720,8 +3727,8 @@
           </a:fontRef>
         </p:style>
       </p:cxnSp>
-      <mc:AlternateContent xmlns:mc="http://schemas.openxmlformats.org/markup-compatibility/2006">
-        <mc:Choice xmlns:a14="http://schemas.microsoft.com/office/drawing/2010/main" Requires="a14">
+      <mc:AlternateContent xmlns:mc="http://schemas.openxmlformats.org/markup-compatibility/2006" xmlns:a14="http://schemas.microsoft.com/office/drawing/2010/main">
+        <mc:Choice Requires="a14">
           <p:sp>
             <p:nvSpPr>
               <p:cNvPr id="31" name="TextBox 30">
@@ -3750,6 +3757,7 @@
               </a:bodyPr>
               <a:lstStyle/>
               <a:p>
+                <a:pPr/>
                 <a14:m>
                   <m:oMathPara xmlns:m="http://schemas.openxmlformats.org/officeDocument/2006/math">
                     <m:oMathParaPr>
@@ -3807,7 +3815,7 @@
             </p:txBody>
           </p:sp>
         </mc:Choice>
-        <mc:Fallback>
+        <mc:Fallback xmlns="">
           <p:sp>
             <p:nvSpPr>
               <p:cNvPr id="31" name="TextBox 30">
@@ -3954,8 +3962,8 @@
           </a:p>
         </p:txBody>
       </p:sp>
-      <mc:AlternateContent xmlns:mc="http://schemas.openxmlformats.org/markup-compatibility/2006">
-        <mc:Choice xmlns:a14="http://schemas.microsoft.com/office/drawing/2010/main" Requires="a14">
+      <mc:AlternateContent xmlns:mc="http://schemas.openxmlformats.org/markup-compatibility/2006" xmlns:a14="http://schemas.microsoft.com/office/drawing/2010/main">
+        <mc:Choice Requires="a14">
           <p:sp>
             <p:nvSpPr>
               <p:cNvPr id="34" name="TextBox 33">
@@ -3989,6 +3997,7 @@
               </a:bodyPr>
               <a:lstStyle/>
               <a:p>
+                <a:pPr/>
                 <a14:m>
                   <m:oMathPara xmlns:m="http://schemas.openxmlformats.org/officeDocument/2006/math">
                     <m:oMathParaPr>
@@ -4052,7 +4061,7 @@
             </p:txBody>
           </p:sp>
         </mc:Choice>
-        <mc:Fallback>
+        <mc:Fallback xmlns="">
           <p:sp>
             <p:nvSpPr>
               <p:cNvPr id="34" name="TextBox 33">
@@ -4187,8 +4196,8 @@
           </a:p>
         </p:txBody>
       </p:sp>
-      <mc:AlternateContent xmlns:mc="http://schemas.openxmlformats.org/markup-compatibility/2006">
-        <mc:Choice xmlns:a14="http://schemas.microsoft.com/office/drawing/2010/main" Requires="a14">
+      <mc:AlternateContent xmlns:mc="http://schemas.openxmlformats.org/markup-compatibility/2006" xmlns:a14="http://schemas.microsoft.com/office/drawing/2010/main">
+        <mc:Choice Requires="a14">
           <p:sp>
             <p:nvSpPr>
               <p:cNvPr id="41" name="TextBox 40">
@@ -4222,6 +4231,7 @@
               </a:bodyPr>
               <a:lstStyle/>
               <a:p>
+                <a:pPr/>
                 <a14:m>
                   <m:oMathPara xmlns:m="http://schemas.openxmlformats.org/officeDocument/2006/math">
                     <m:oMathParaPr>
@@ -4309,7 +4319,7 @@
             </p:txBody>
           </p:sp>
         </mc:Choice>
-        <mc:Fallback>
+        <mc:Fallback xmlns="">
           <p:sp>
             <p:nvSpPr>
               <p:cNvPr id="41" name="TextBox 40">
@@ -4359,8 +4369,8 @@
           </p:sp>
         </mc:Fallback>
       </mc:AlternateContent>
-      <mc:AlternateContent xmlns:mc="http://schemas.openxmlformats.org/markup-compatibility/2006">
-        <mc:Choice xmlns:a14="http://schemas.microsoft.com/office/drawing/2010/main" Requires="a14">
+      <mc:AlternateContent xmlns:mc="http://schemas.openxmlformats.org/markup-compatibility/2006" xmlns:a14="http://schemas.microsoft.com/office/drawing/2010/main">
+        <mc:Choice Requires="a14">
           <p:sp>
             <p:nvSpPr>
               <p:cNvPr id="4" name="TextBox 3">
@@ -4389,6 +4399,7 @@
               </a:bodyPr>
               <a:lstStyle/>
               <a:p>
+                <a:pPr/>
                 <a14:m>
                   <m:oMathPara xmlns:m="http://schemas.openxmlformats.org/officeDocument/2006/math">
                     <m:oMathParaPr>
@@ -4427,7 +4438,7 @@
             </p:txBody>
           </p:sp>
         </mc:Choice>
-        <mc:Fallback>
+        <mc:Fallback xmlns="">
           <p:sp>
             <p:nvSpPr>
               <p:cNvPr id="4" name="TextBox 3">
@@ -4472,8 +4483,8 @@
           </p:sp>
         </mc:Fallback>
       </mc:AlternateContent>
-      <mc:AlternateContent xmlns:mc="http://schemas.openxmlformats.org/markup-compatibility/2006">
-        <mc:Choice xmlns:a14="http://schemas.microsoft.com/office/drawing/2010/main" Requires="a14">
+      <mc:AlternateContent xmlns:mc="http://schemas.openxmlformats.org/markup-compatibility/2006" xmlns:a14="http://schemas.microsoft.com/office/drawing/2010/main">
+        <mc:Choice Requires="a14">
           <p:sp>
             <p:nvSpPr>
               <p:cNvPr id="5" name="TextBox 4">
@@ -4502,6 +4513,7 @@
               </a:bodyPr>
               <a:lstStyle/>
               <a:p>
+                <a:pPr/>
                 <a14:m>
                   <m:oMathPara xmlns:m="http://schemas.openxmlformats.org/officeDocument/2006/math">
                     <m:oMathParaPr>
@@ -4543,7 +4555,7 @@
             </p:txBody>
           </p:sp>
         </mc:Choice>
-        <mc:Fallback>
+        <mc:Fallback xmlns="">
           <p:sp>
             <p:nvSpPr>
               <p:cNvPr id="5" name="TextBox 4">
@@ -4588,8 +4600,8 @@
           </p:sp>
         </mc:Fallback>
       </mc:AlternateContent>
-      <mc:AlternateContent xmlns:mc="http://schemas.openxmlformats.org/markup-compatibility/2006">
-        <mc:Choice xmlns:a14="http://schemas.microsoft.com/office/drawing/2010/main" Requires="a14">
+      <mc:AlternateContent xmlns:mc="http://schemas.openxmlformats.org/markup-compatibility/2006" xmlns:a14="http://schemas.microsoft.com/office/drawing/2010/main">
+        <mc:Choice Requires="a14">
           <p:sp>
             <p:nvSpPr>
               <p:cNvPr id="6" name="TextBox 5">
@@ -4618,6 +4630,7 @@
               </a:bodyPr>
               <a:lstStyle/>
               <a:p>
+                <a:pPr/>
                 <a14:m>
                   <m:oMathPara xmlns:m="http://schemas.openxmlformats.org/officeDocument/2006/math">
                     <m:oMathParaPr>
@@ -4659,7 +4672,7 @@
             </p:txBody>
           </p:sp>
         </mc:Choice>
-        <mc:Fallback>
+        <mc:Fallback xmlns="">
           <p:sp>
             <p:nvSpPr>
               <p:cNvPr id="6" name="TextBox 5">
@@ -4895,8 +4908,8 @@
           </a:fontRef>
         </p:style>
       </p:cxnSp>
-      <mc:AlternateContent xmlns:mc="http://schemas.openxmlformats.org/markup-compatibility/2006">
-        <mc:Choice xmlns:a14="http://schemas.microsoft.com/office/drawing/2010/main" Requires="a14">
+      <mc:AlternateContent xmlns:mc="http://schemas.openxmlformats.org/markup-compatibility/2006" xmlns:a14="http://schemas.microsoft.com/office/drawing/2010/main">
+        <mc:Choice Requires="a14">
           <p:sp>
             <p:nvSpPr>
               <p:cNvPr id="29" name="TextBox 28">
@@ -4925,6 +4938,7 @@
               </a:bodyPr>
               <a:lstStyle/>
               <a:p>
+                <a:pPr/>
                 <a14:m>
                   <m:oMathPara xmlns:m="http://schemas.openxmlformats.org/officeDocument/2006/math">
                     <m:oMathParaPr>
@@ -4966,7 +4980,7 @@
             </p:txBody>
           </p:sp>
         </mc:Choice>
-        <mc:Fallback>
+        <mc:Fallback xmlns="">
           <p:sp>
             <p:nvSpPr>
               <p:cNvPr id="29" name="TextBox 28">
@@ -5979,8 +5993,8 @@
           </a:p>
         </p:txBody>
       </p:sp>
-      <mc:AlternateContent xmlns:mc="http://schemas.openxmlformats.org/markup-compatibility/2006">
-        <mc:Choice xmlns:a14="http://schemas.microsoft.com/office/drawing/2010/main" Requires="a14">
+      <mc:AlternateContent xmlns:mc="http://schemas.openxmlformats.org/markup-compatibility/2006" xmlns:a14="http://schemas.microsoft.com/office/drawing/2010/main">
+        <mc:Choice Requires="a14">
           <p:sp>
             <p:nvSpPr>
               <p:cNvPr id="95" name="TextBox 94">
@@ -6048,7 +6062,7 @@
             </p:txBody>
           </p:sp>
         </mc:Choice>
-        <mc:Fallback>
+        <mc:Fallback xmlns="">
           <p:sp>
             <p:nvSpPr>
               <p:cNvPr id="95" name="TextBox 94">
@@ -6435,6 +6449,66 @@
     <p:extLst>
       <p:ext uri="{BB962C8B-B14F-4D97-AF65-F5344CB8AC3E}">
         <p14:creationId xmlns:p14="http://schemas.microsoft.com/office/powerpoint/2010/main" val="176494449"/>
+      </p:ext>
+    </p:extLst>
+  </p:cSld>
+  <p:clrMapOvr>
+    <a:masterClrMapping/>
+  </p:clrMapOvr>
+</p:sld>
+</file>
+
+<file path=ppt/slides/slide2.xml><?xml version="1.0" encoding="utf-8"?>
+<p:sld xmlns:a="http://schemas.openxmlformats.org/drawingml/2006/main" xmlns:r="http://schemas.openxmlformats.org/officeDocument/2006/relationships" xmlns:p="http://schemas.openxmlformats.org/presentationml/2006/main">
+  <p:cSld>
+    <p:spTree>
+      <p:nvGrpSpPr>
+        <p:cNvPr id="1" name=""/>
+        <p:cNvGrpSpPr/>
+        <p:nvPr/>
+      </p:nvGrpSpPr>
+      <p:grpSpPr>
+        <a:xfrm>
+          <a:off x="0" y="0"/>
+          <a:ext cx="0" cy="0"/>
+          <a:chOff x="0" y="0"/>
+          <a:chExt cx="0" cy="0"/>
+        </a:xfrm>
+      </p:grpSpPr>
+      <p:pic>
+        <p:nvPicPr>
+          <p:cNvPr id="5" name="그림 4">
+            <a:extLst>
+              <a:ext uri="{FF2B5EF4-FFF2-40B4-BE49-F238E27FC236}">
+                <a16:creationId xmlns:a16="http://schemas.microsoft.com/office/drawing/2014/main" id="{6714A808-5F48-4315-9D34-BE9D73A02524}"/>
+              </a:ext>
+            </a:extLst>
+          </p:cNvPr>
+          <p:cNvPicPr>
+            <a:picLocks noChangeAspect="1"/>
+          </p:cNvPicPr>
+          <p:nvPr/>
+        </p:nvPicPr>
+        <p:blipFill>
+          <a:blip r:embed="rId2"/>
+          <a:stretch>
+            <a:fillRect/>
+          </a:stretch>
+        </p:blipFill>
+        <p:spPr>
+          <a:xfrm>
+            <a:off x="1905000" y="1428750"/>
+            <a:ext cx="5334000" cy="4000500"/>
+          </a:xfrm>
+          <a:prstGeom prst="rect">
+            <a:avLst/>
+          </a:prstGeom>
+        </p:spPr>
+      </p:pic>
+    </p:spTree>
+    <p:extLst>
+      <p:ext uri="{BB962C8B-B14F-4D97-AF65-F5344CB8AC3E}">
+        <p14:creationId xmlns:p14="http://schemas.microsoft.com/office/powerpoint/2010/main" val="817937865"/>
       </p:ext>
     </p:extLst>
   </p:cSld>

--- a/pics/2019-08-12_Laplace_Transform/pics.pptx
+++ b/pics/2019-08-12_Laplace_Transform/pics.pptx
@@ -7,6 +7,7 @@
   <p:sldIdLst>
     <p:sldId id="256" r:id="rId2"/>
     <p:sldId id="257" r:id="rId3"/>
+    <p:sldId id="258" r:id="rId4"/>
   </p:sldIdLst>
   <p:sldSz cx="9144000" cy="6858000" type="screen4x3"/>
   <p:notesSz cx="6858000" cy="9144000"/>
@@ -6518,6 +6519,1296 @@
 </p:sld>
 </file>
 
+<file path=ppt/slides/slide3.xml><?xml version="1.0" encoding="utf-8"?>
+<p:sld xmlns:a="http://schemas.openxmlformats.org/drawingml/2006/main" xmlns:r="http://schemas.openxmlformats.org/officeDocument/2006/relationships" xmlns:p="http://schemas.openxmlformats.org/presentationml/2006/main">
+  <p:cSld>
+    <p:spTree>
+      <p:nvGrpSpPr>
+        <p:cNvPr id="1" name=""/>
+        <p:cNvGrpSpPr/>
+        <p:nvPr/>
+      </p:nvGrpSpPr>
+      <p:grpSpPr>
+        <a:xfrm>
+          <a:off x="0" y="0"/>
+          <a:ext cx="0" cy="0"/>
+          <a:chOff x="0" y="0"/>
+          <a:chExt cx="0" cy="0"/>
+        </a:xfrm>
+      </p:grpSpPr>
+      <p:pic>
+        <p:nvPicPr>
+          <p:cNvPr id="5" name="그림 4">
+            <a:extLst>
+              <a:ext uri="{FF2B5EF4-FFF2-40B4-BE49-F238E27FC236}">
+                <a16:creationId xmlns:a16="http://schemas.microsoft.com/office/drawing/2014/main" id="{8C35F38E-7DE9-453C-A3A3-73950088AB5B}"/>
+              </a:ext>
+            </a:extLst>
+          </p:cNvPr>
+          <p:cNvPicPr>
+            <a:picLocks noChangeAspect="1"/>
+          </p:cNvPicPr>
+          <p:nvPr/>
+        </p:nvPicPr>
+        <p:blipFill>
+          <a:blip r:embed="rId2"/>
+          <a:stretch>
+            <a:fillRect/>
+          </a:stretch>
+        </p:blipFill>
+        <p:spPr>
+          <a:xfrm>
+            <a:off x="0" y="457200"/>
+            <a:ext cx="9144000" cy="5943600"/>
+          </a:xfrm>
+          <a:prstGeom prst="rect">
+            <a:avLst/>
+          </a:prstGeom>
+        </p:spPr>
+      </p:pic>
+      <p:sp>
+        <p:nvSpPr>
+          <p:cNvPr id="6" name="직사각형 5">
+            <a:extLst>
+              <a:ext uri="{FF2B5EF4-FFF2-40B4-BE49-F238E27FC236}">
+                <a16:creationId xmlns:a16="http://schemas.microsoft.com/office/drawing/2014/main" id="{CE2527F9-55B2-4A03-ADB5-68C3410E8A30}"/>
+              </a:ext>
+            </a:extLst>
+          </p:cNvPr>
+          <p:cNvSpPr/>
+          <p:nvPr/>
+        </p:nvSpPr>
+        <p:spPr>
+          <a:xfrm>
+            <a:off x="7001435" y="3021106"/>
+            <a:ext cx="224118" cy="215153"/>
+          </a:xfrm>
+          <a:prstGeom prst="rect">
+            <a:avLst/>
+          </a:prstGeom>
+          <a:solidFill>
+            <a:schemeClr val="bg1"/>
+          </a:solidFill>
+          <a:ln>
+            <a:noFill/>
+          </a:ln>
+        </p:spPr>
+        <p:style>
+          <a:lnRef idx="2">
+            <a:schemeClr val="accent1">
+              <a:shade val="50000"/>
+            </a:schemeClr>
+          </a:lnRef>
+          <a:fillRef idx="1">
+            <a:schemeClr val="accent1"/>
+          </a:fillRef>
+          <a:effectRef idx="0">
+            <a:schemeClr val="accent1"/>
+          </a:effectRef>
+          <a:fontRef idx="minor">
+            <a:schemeClr val="lt1"/>
+          </a:fontRef>
+        </p:style>
+        <p:txBody>
+          <a:bodyPr rtlCol="0" anchor="ctr"/>
+          <a:lstStyle/>
+          <a:p>
+            <a:pPr algn="ctr"/>
+            <a:endParaRPr lang="ko-KR" altLang="en-US"/>
+          </a:p>
+        </p:txBody>
+      </p:sp>
+      <p:sp>
+        <p:nvSpPr>
+          <p:cNvPr id="7" name="직사각형 6">
+            <a:extLst>
+              <a:ext uri="{FF2B5EF4-FFF2-40B4-BE49-F238E27FC236}">
+                <a16:creationId xmlns:a16="http://schemas.microsoft.com/office/drawing/2014/main" id="{352CCF27-FC0E-4E91-AD82-ED6C48C4A6F1}"/>
+              </a:ext>
+            </a:extLst>
+          </p:cNvPr>
+          <p:cNvSpPr/>
+          <p:nvPr/>
+        </p:nvSpPr>
+        <p:spPr>
+          <a:xfrm>
+            <a:off x="4459941" y="762004"/>
+            <a:ext cx="224118" cy="215153"/>
+          </a:xfrm>
+          <a:prstGeom prst="rect">
+            <a:avLst/>
+          </a:prstGeom>
+          <a:solidFill>
+            <a:schemeClr val="bg1"/>
+          </a:solidFill>
+          <a:ln>
+            <a:noFill/>
+          </a:ln>
+        </p:spPr>
+        <p:style>
+          <a:lnRef idx="2">
+            <a:schemeClr val="accent1">
+              <a:shade val="50000"/>
+            </a:schemeClr>
+          </a:lnRef>
+          <a:fillRef idx="1">
+            <a:schemeClr val="accent1"/>
+          </a:fillRef>
+          <a:effectRef idx="0">
+            <a:schemeClr val="accent1"/>
+          </a:effectRef>
+          <a:fontRef idx="minor">
+            <a:schemeClr val="lt1"/>
+          </a:fontRef>
+        </p:style>
+        <p:txBody>
+          <a:bodyPr rtlCol="0" anchor="ctr"/>
+          <a:lstStyle/>
+          <a:p>
+            <a:pPr algn="ctr"/>
+            <a:endParaRPr lang="ko-KR" altLang="en-US"/>
+          </a:p>
+        </p:txBody>
+      </p:sp>
+      <p:sp>
+        <p:nvSpPr>
+          <p:cNvPr id="8" name="직사각형 7">
+            <a:extLst>
+              <a:ext uri="{FF2B5EF4-FFF2-40B4-BE49-F238E27FC236}">
+                <a16:creationId xmlns:a16="http://schemas.microsoft.com/office/drawing/2014/main" id="{FF1F5EAF-A178-48FC-996E-BA0D29CAA2B2}"/>
+              </a:ext>
+            </a:extLst>
+          </p:cNvPr>
+          <p:cNvSpPr/>
+          <p:nvPr/>
+        </p:nvSpPr>
+        <p:spPr>
+          <a:xfrm>
+            <a:off x="6463553" y="3396781"/>
+            <a:ext cx="224118" cy="215153"/>
+          </a:xfrm>
+          <a:prstGeom prst="rect">
+            <a:avLst/>
+          </a:prstGeom>
+          <a:solidFill>
+            <a:schemeClr val="bg1"/>
+          </a:solidFill>
+          <a:ln>
+            <a:noFill/>
+          </a:ln>
+        </p:spPr>
+        <p:style>
+          <a:lnRef idx="2">
+            <a:schemeClr val="accent1">
+              <a:shade val="50000"/>
+            </a:schemeClr>
+          </a:lnRef>
+          <a:fillRef idx="1">
+            <a:schemeClr val="accent1"/>
+          </a:fillRef>
+          <a:effectRef idx="0">
+            <a:schemeClr val="accent1"/>
+          </a:effectRef>
+          <a:fontRef idx="minor">
+            <a:schemeClr val="lt1"/>
+          </a:fontRef>
+        </p:style>
+        <p:txBody>
+          <a:bodyPr rtlCol="0" anchor="ctr"/>
+          <a:lstStyle/>
+          <a:p>
+            <a:pPr algn="ctr"/>
+            <a:endParaRPr lang="ko-KR" altLang="en-US"/>
+          </a:p>
+        </p:txBody>
+      </p:sp>
+      <p:sp>
+        <p:nvSpPr>
+          <p:cNvPr id="9" name="직사각형 8">
+            <a:extLst>
+              <a:ext uri="{FF2B5EF4-FFF2-40B4-BE49-F238E27FC236}">
+                <a16:creationId xmlns:a16="http://schemas.microsoft.com/office/drawing/2014/main" id="{A0F27E60-3BC2-4843-BEAF-5793579EB1EE}"/>
+              </a:ext>
+            </a:extLst>
+          </p:cNvPr>
+          <p:cNvSpPr/>
+          <p:nvPr/>
+        </p:nvSpPr>
+        <p:spPr>
+          <a:xfrm>
+            <a:off x="5477435" y="3396781"/>
+            <a:ext cx="224118" cy="215153"/>
+          </a:xfrm>
+          <a:prstGeom prst="rect">
+            <a:avLst/>
+          </a:prstGeom>
+          <a:solidFill>
+            <a:schemeClr val="bg1"/>
+          </a:solidFill>
+          <a:ln>
+            <a:noFill/>
+          </a:ln>
+        </p:spPr>
+        <p:style>
+          <a:lnRef idx="2">
+            <a:schemeClr val="accent1">
+              <a:shade val="50000"/>
+            </a:schemeClr>
+          </a:lnRef>
+          <a:fillRef idx="1">
+            <a:schemeClr val="accent1"/>
+          </a:fillRef>
+          <a:effectRef idx="0">
+            <a:schemeClr val="accent1"/>
+          </a:effectRef>
+          <a:fontRef idx="minor">
+            <a:schemeClr val="lt1"/>
+          </a:fontRef>
+        </p:style>
+        <p:txBody>
+          <a:bodyPr rtlCol="0" anchor="ctr"/>
+          <a:lstStyle/>
+          <a:p>
+            <a:pPr algn="ctr"/>
+            <a:endParaRPr lang="ko-KR" altLang="en-US"/>
+          </a:p>
+        </p:txBody>
+      </p:sp>
+      <p:sp>
+        <p:nvSpPr>
+          <p:cNvPr id="10" name="직사각형 9">
+            <a:extLst>
+              <a:ext uri="{FF2B5EF4-FFF2-40B4-BE49-F238E27FC236}">
+                <a16:creationId xmlns:a16="http://schemas.microsoft.com/office/drawing/2014/main" id="{73C4BCDE-D65A-4902-82C7-817FF67DDB9D}"/>
+              </a:ext>
+            </a:extLst>
+          </p:cNvPr>
+          <p:cNvSpPr/>
+          <p:nvPr/>
+        </p:nvSpPr>
+        <p:spPr>
+          <a:xfrm>
+            <a:off x="3620339" y="3396781"/>
+            <a:ext cx="224118" cy="215153"/>
+          </a:xfrm>
+          <a:prstGeom prst="rect">
+            <a:avLst/>
+          </a:prstGeom>
+          <a:solidFill>
+            <a:schemeClr val="bg1"/>
+          </a:solidFill>
+          <a:ln>
+            <a:noFill/>
+          </a:ln>
+        </p:spPr>
+        <p:style>
+          <a:lnRef idx="2">
+            <a:schemeClr val="accent1">
+              <a:shade val="50000"/>
+            </a:schemeClr>
+          </a:lnRef>
+          <a:fillRef idx="1">
+            <a:schemeClr val="accent1"/>
+          </a:fillRef>
+          <a:effectRef idx="0">
+            <a:schemeClr val="accent1"/>
+          </a:effectRef>
+          <a:fontRef idx="minor">
+            <a:schemeClr val="lt1"/>
+          </a:fontRef>
+        </p:style>
+        <p:txBody>
+          <a:bodyPr rtlCol="0" anchor="ctr"/>
+          <a:lstStyle/>
+          <a:p>
+            <a:pPr algn="ctr"/>
+            <a:endParaRPr lang="ko-KR" altLang="en-US"/>
+          </a:p>
+        </p:txBody>
+      </p:sp>
+      <p:sp>
+        <p:nvSpPr>
+          <p:cNvPr id="11" name="직사각형 10">
+            <a:extLst>
+              <a:ext uri="{FF2B5EF4-FFF2-40B4-BE49-F238E27FC236}">
+                <a16:creationId xmlns:a16="http://schemas.microsoft.com/office/drawing/2014/main" id="{778A92CE-4620-407B-BAD9-2DE487D1419C}"/>
+              </a:ext>
+            </a:extLst>
+          </p:cNvPr>
+          <p:cNvSpPr/>
+          <p:nvPr/>
+        </p:nvSpPr>
+        <p:spPr>
+          <a:xfrm>
+            <a:off x="2643747" y="3396781"/>
+            <a:ext cx="224118" cy="215153"/>
+          </a:xfrm>
+          <a:prstGeom prst="rect">
+            <a:avLst/>
+          </a:prstGeom>
+          <a:solidFill>
+            <a:schemeClr val="bg1"/>
+          </a:solidFill>
+          <a:ln>
+            <a:noFill/>
+          </a:ln>
+        </p:spPr>
+        <p:style>
+          <a:lnRef idx="2">
+            <a:schemeClr val="accent1">
+              <a:shade val="50000"/>
+            </a:schemeClr>
+          </a:lnRef>
+          <a:fillRef idx="1">
+            <a:schemeClr val="accent1"/>
+          </a:fillRef>
+          <a:effectRef idx="0">
+            <a:schemeClr val="accent1"/>
+          </a:effectRef>
+          <a:fontRef idx="minor">
+            <a:schemeClr val="lt1"/>
+          </a:fontRef>
+        </p:style>
+        <p:txBody>
+          <a:bodyPr rtlCol="0" anchor="ctr"/>
+          <a:lstStyle/>
+          <a:p>
+            <a:pPr algn="ctr"/>
+            <a:endParaRPr lang="ko-KR" altLang="en-US"/>
+          </a:p>
+        </p:txBody>
+      </p:sp>
+      <p:sp>
+        <p:nvSpPr>
+          <p:cNvPr id="12" name="직사각형 11">
+            <a:extLst>
+              <a:ext uri="{FF2B5EF4-FFF2-40B4-BE49-F238E27FC236}">
+                <a16:creationId xmlns:a16="http://schemas.microsoft.com/office/drawing/2014/main" id="{98736C02-3ED7-41C9-9CCD-570272A57292}"/>
+              </a:ext>
+            </a:extLst>
+          </p:cNvPr>
+          <p:cNvSpPr/>
+          <p:nvPr/>
+        </p:nvSpPr>
+        <p:spPr>
+          <a:xfrm>
+            <a:off x="4773816" y="2234731"/>
+            <a:ext cx="224118" cy="215153"/>
+          </a:xfrm>
+          <a:prstGeom prst="rect">
+            <a:avLst/>
+          </a:prstGeom>
+          <a:solidFill>
+            <a:schemeClr val="bg1"/>
+          </a:solidFill>
+          <a:ln>
+            <a:noFill/>
+          </a:ln>
+        </p:spPr>
+        <p:style>
+          <a:lnRef idx="2">
+            <a:schemeClr val="accent1">
+              <a:shade val="50000"/>
+            </a:schemeClr>
+          </a:lnRef>
+          <a:fillRef idx="1">
+            <a:schemeClr val="accent1"/>
+          </a:fillRef>
+          <a:effectRef idx="0">
+            <a:schemeClr val="accent1"/>
+          </a:effectRef>
+          <a:fontRef idx="minor">
+            <a:schemeClr val="lt1"/>
+          </a:fontRef>
+        </p:style>
+        <p:txBody>
+          <a:bodyPr rtlCol="0" anchor="ctr"/>
+          <a:lstStyle/>
+          <a:p>
+            <a:pPr algn="ctr"/>
+            <a:endParaRPr lang="ko-KR" altLang="en-US"/>
+          </a:p>
+        </p:txBody>
+      </p:sp>
+      <p:sp>
+        <p:nvSpPr>
+          <p:cNvPr id="13" name="직사각형 12">
+            <a:extLst>
+              <a:ext uri="{FF2B5EF4-FFF2-40B4-BE49-F238E27FC236}">
+                <a16:creationId xmlns:a16="http://schemas.microsoft.com/office/drawing/2014/main" id="{C373859C-CA16-47E0-81DA-10C07CE0E72E}"/>
+              </a:ext>
+            </a:extLst>
+          </p:cNvPr>
+          <p:cNvSpPr/>
+          <p:nvPr/>
+        </p:nvSpPr>
+        <p:spPr>
+          <a:xfrm>
+            <a:off x="4773816" y="4210188"/>
+            <a:ext cx="224118" cy="215153"/>
+          </a:xfrm>
+          <a:prstGeom prst="rect">
+            <a:avLst/>
+          </a:prstGeom>
+          <a:solidFill>
+            <a:schemeClr val="bg1"/>
+          </a:solidFill>
+          <a:ln>
+            <a:noFill/>
+          </a:ln>
+        </p:spPr>
+        <p:style>
+          <a:lnRef idx="2">
+            <a:schemeClr val="accent1">
+              <a:shade val="50000"/>
+            </a:schemeClr>
+          </a:lnRef>
+          <a:fillRef idx="1">
+            <a:schemeClr val="accent1"/>
+          </a:fillRef>
+          <a:effectRef idx="0">
+            <a:schemeClr val="accent1"/>
+          </a:effectRef>
+          <a:fontRef idx="minor">
+            <a:schemeClr val="lt1"/>
+          </a:fontRef>
+        </p:style>
+        <p:txBody>
+          <a:bodyPr rtlCol="0" anchor="ctr"/>
+          <a:lstStyle/>
+          <a:p>
+            <a:pPr algn="ctr"/>
+            <a:endParaRPr lang="ko-KR" altLang="en-US"/>
+          </a:p>
+        </p:txBody>
+      </p:sp>
+      <p:sp>
+        <p:nvSpPr>
+          <p:cNvPr id="14" name="직사각형 13">
+            <a:extLst>
+              <a:ext uri="{FF2B5EF4-FFF2-40B4-BE49-F238E27FC236}">
+                <a16:creationId xmlns:a16="http://schemas.microsoft.com/office/drawing/2014/main" id="{EA4F076B-2BC7-47F8-89C3-292F97967FC0}"/>
+              </a:ext>
+            </a:extLst>
+          </p:cNvPr>
+          <p:cNvSpPr/>
+          <p:nvPr/>
+        </p:nvSpPr>
+        <p:spPr>
+          <a:xfrm>
+            <a:off x="4773816" y="5148401"/>
+            <a:ext cx="224118" cy="215153"/>
+          </a:xfrm>
+          <a:prstGeom prst="rect">
+            <a:avLst/>
+          </a:prstGeom>
+          <a:solidFill>
+            <a:schemeClr val="bg1"/>
+          </a:solidFill>
+          <a:ln>
+            <a:noFill/>
+          </a:ln>
+        </p:spPr>
+        <p:style>
+          <a:lnRef idx="2">
+            <a:schemeClr val="accent1">
+              <a:shade val="50000"/>
+            </a:schemeClr>
+          </a:lnRef>
+          <a:fillRef idx="1">
+            <a:schemeClr val="accent1"/>
+          </a:fillRef>
+          <a:effectRef idx="0">
+            <a:schemeClr val="accent1"/>
+          </a:effectRef>
+          <a:fontRef idx="minor">
+            <a:schemeClr val="lt1"/>
+          </a:fontRef>
+        </p:style>
+        <p:txBody>
+          <a:bodyPr rtlCol="0" anchor="ctr"/>
+          <a:lstStyle/>
+          <a:p>
+            <a:pPr algn="ctr"/>
+            <a:endParaRPr lang="ko-KR" altLang="en-US"/>
+          </a:p>
+        </p:txBody>
+      </p:sp>
+      <p:sp>
+        <p:nvSpPr>
+          <p:cNvPr id="15" name="직사각형 14">
+            <a:extLst>
+              <a:ext uri="{FF2B5EF4-FFF2-40B4-BE49-F238E27FC236}">
+                <a16:creationId xmlns:a16="http://schemas.microsoft.com/office/drawing/2014/main" id="{C6EE84E2-EC34-460C-8C4F-97CFF4CC582C}"/>
+              </a:ext>
+            </a:extLst>
+          </p:cNvPr>
+          <p:cNvSpPr/>
+          <p:nvPr/>
+        </p:nvSpPr>
+        <p:spPr>
+          <a:xfrm>
+            <a:off x="4773816" y="1265006"/>
+            <a:ext cx="224118" cy="215153"/>
+          </a:xfrm>
+          <a:prstGeom prst="rect">
+            <a:avLst/>
+          </a:prstGeom>
+          <a:solidFill>
+            <a:schemeClr val="bg1"/>
+          </a:solidFill>
+          <a:ln>
+            <a:noFill/>
+          </a:ln>
+        </p:spPr>
+        <p:style>
+          <a:lnRef idx="2">
+            <a:schemeClr val="accent1">
+              <a:shade val="50000"/>
+            </a:schemeClr>
+          </a:lnRef>
+          <a:fillRef idx="1">
+            <a:schemeClr val="accent1"/>
+          </a:fillRef>
+          <a:effectRef idx="0">
+            <a:schemeClr val="accent1"/>
+          </a:effectRef>
+          <a:fontRef idx="minor">
+            <a:schemeClr val="lt1"/>
+          </a:fontRef>
+        </p:style>
+        <p:txBody>
+          <a:bodyPr rtlCol="0" anchor="ctr"/>
+          <a:lstStyle/>
+          <a:p>
+            <a:pPr algn="ctr"/>
+            <a:endParaRPr lang="ko-KR" altLang="en-US"/>
+          </a:p>
+        </p:txBody>
+      </p:sp>
+      <mc:AlternateContent xmlns:mc="http://schemas.openxmlformats.org/markup-compatibility/2006">
+        <mc:Choice xmlns:a14="http://schemas.microsoft.com/office/drawing/2010/main" Requires="a14">
+          <p:sp>
+            <p:nvSpPr>
+              <p:cNvPr id="16" name="TextBox 15">
+                <a:extLst>
+                  <a:ext uri="{FF2B5EF4-FFF2-40B4-BE49-F238E27FC236}">
+                    <a16:creationId xmlns:a16="http://schemas.microsoft.com/office/drawing/2014/main" id="{1CBECB03-4301-48F7-B7AB-F2735282B56F}"/>
+                  </a:ext>
+                </a:extLst>
+              </p:cNvPr>
+              <p:cNvSpPr txBox="1"/>
+              <p:nvPr/>
+            </p:nvSpPr>
+            <p:spPr>
+              <a:xfrm>
+                <a:off x="7001435" y="2949388"/>
+                <a:ext cx="377860" cy="369332"/>
+              </a:xfrm>
+              <a:prstGeom prst="rect">
+                <a:avLst/>
+              </a:prstGeom>
+              <a:noFill/>
+            </p:spPr>
+            <p:txBody>
+              <a:bodyPr wrap="none" rtlCol="0">
+                <a:spAutoFit/>
+              </a:bodyPr>
+              <a:lstStyle/>
+              <a:p>
+                <a14:m>
+                  <m:oMathPara xmlns:m="http://schemas.openxmlformats.org/officeDocument/2006/math">
+                    <m:oMathParaPr>
+                      <m:jc m:val="centerGroup"/>
+                    </m:oMathParaPr>
+                    <m:oMath xmlns:m="http://schemas.openxmlformats.org/officeDocument/2006/math">
+                      <m:r>
+                        <a:rPr lang="en-US" altLang="ko-KR" b="0" i="1" smtClean="0">
+                          <a:latin typeface="Cambria Math" panose="02040503050406030204" pitchFamily="18" charset="0"/>
+                        </a:rPr>
+                        <m:t>𝜎</m:t>
+                      </m:r>
+                    </m:oMath>
+                  </m:oMathPara>
+                </a14:m>
+                <a:endParaRPr lang="ko-KR" altLang="en-US" dirty="0"/>
+              </a:p>
+            </p:txBody>
+          </p:sp>
+        </mc:Choice>
+        <mc:Fallback>
+          <p:sp>
+            <p:nvSpPr>
+              <p:cNvPr id="16" name="TextBox 15">
+                <a:extLst>
+                  <a:ext uri="{FF2B5EF4-FFF2-40B4-BE49-F238E27FC236}">
+                    <a16:creationId xmlns:a16="http://schemas.microsoft.com/office/drawing/2014/main" id="{1CBECB03-4301-48F7-B7AB-F2735282B56F}"/>
+                  </a:ext>
+                </a:extLst>
+              </p:cNvPr>
+              <p:cNvSpPr txBox="1">
+                <a:spLocks noRot="1" noChangeAspect="1" noMove="1" noResize="1" noEditPoints="1" noAdjustHandles="1" noChangeArrowheads="1" noChangeShapeType="1" noTextEdit="1"/>
+              </p:cNvSpPr>
+              <p:nvPr/>
+            </p:nvSpPr>
+            <p:spPr>
+              <a:xfrm>
+                <a:off x="7001435" y="2949388"/>
+                <a:ext cx="377860" cy="369332"/>
+              </a:xfrm>
+              <a:prstGeom prst="rect">
+                <a:avLst/>
+              </a:prstGeom>
+              <a:blipFill>
+                <a:blip r:embed="rId3"/>
+                <a:stretch>
+                  <a:fillRect/>
+                </a:stretch>
+              </a:blipFill>
+            </p:spPr>
+            <p:txBody>
+              <a:bodyPr/>
+              <a:lstStyle/>
+              <a:p>
+                <a:r>
+                  <a:rPr lang="ko-KR" altLang="en-US">
+                    <a:noFill/>
+                  </a:rPr>
+                  <a:t> </a:t>
+                </a:r>
+              </a:p>
+            </p:txBody>
+          </p:sp>
+        </mc:Fallback>
+      </mc:AlternateContent>
+      <mc:AlternateContent xmlns:mc="http://schemas.openxmlformats.org/markup-compatibility/2006">
+        <mc:Choice xmlns:a14="http://schemas.microsoft.com/office/drawing/2010/main" Requires="a14">
+          <p:sp>
+            <p:nvSpPr>
+              <p:cNvPr id="17" name="TextBox 16">
+                <a:extLst>
+                  <a:ext uri="{FF2B5EF4-FFF2-40B4-BE49-F238E27FC236}">
+                    <a16:creationId xmlns:a16="http://schemas.microsoft.com/office/drawing/2014/main" id="{89F51EED-46E7-4AB0-BC91-831661AF6CB1}"/>
+                  </a:ext>
+                </a:extLst>
+              </p:cNvPr>
+              <p:cNvSpPr txBox="1"/>
+              <p:nvPr/>
+            </p:nvSpPr>
+            <p:spPr>
+              <a:xfrm>
+                <a:off x="4271011" y="684914"/>
+                <a:ext cx="507127" cy="369332"/>
+              </a:xfrm>
+              <a:prstGeom prst="rect">
+                <a:avLst/>
+              </a:prstGeom>
+              <a:noFill/>
+            </p:spPr>
+            <p:txBody>
+              <a:bodyPr wrap="none" rtlCol="0">
+                <a:spAutoFit/>
+              </a:bodyPr>
+              <a:lstStyle/>
+              <a:p>
+                <a14:m>
+                  <m:oMathPara xmlns:m="http://schemas.openxmlformats.org/officeDocument/2006/math">
+                    <m:oMathParaPr>
+                      <m:jc m:val="centerGroup"/>
+                    </m:oMathParaPr>
+                    <m:oMath xmlns:m="http://schemas.openxmlformats.org/officeDocument/2006/math">
+                      <m:r>
+                        <a:rPr lang="en-US" altLang="ko-KR" b="0" i="1" smtClean="0">
+                          <a:latin typeface="Cambria Math" panose="02040503050406030204" pitchFamily="18" charset="0"/>
+                        </a:rPr>
+                        <m:t>𝑗</m:t>
+                      </m:r>
+                      <m:r>
+                        <a:rPr lang="en-US" altLang="ko-KR" b="0" i="1" smtClean="0">
+                          <a:latin typeface="Cambria Math" panose="02040503050406030204" pitchFamily="18" charset="0"/>
+                        </a:rPr>
+                        <m:t>𝜔</m:t>
+                      </m:r>
+                    </m:oMath>
+                  </m:oMathPara>
+                </a14:m>
+                <a:endParaRPr lang="ko-KR" altLang="en-US" dirty="0"/>
+              </a:p>
+            </p:txBody>
+          </p:sp>
+        </mc:Choice>
+        <mc:Fallback>
+          <p:sp>
+            <p:nvSpPr>
+              <p:cNvPr id="17" name="TextBox 16">
+                <a:extLst>
+                  <a:ext uri="{FF2B5EF4-FFF2-40B4-BE49-F238E27FC236}">
+                    <a16:creationId xmlns:a16="http://schemas.microsoft.com/office/drawing/2014/main" id="{89F51EED-46E7-4AB0-BC91-831661AF6CB1}"/>
+                  </a:ext>
+                </a:extLst>
+              </p:cNvPr>
+              <p:cNvSpPr txBox="1">
+                <a:spLocks noRot="1" noChangeAspect="1" noMove="1" noResize="1" noEditPoints="1" noAdjustHandles="1" noChangeArrowheads="1" noChangeShapeType="1" noTextEdit="1"/>
+              </p:cNvSpPr>
+              <p:nvPr/>
+            </p:nvSpPr>
+            <p:spPr>
+              <a:xfrm>
+                <a:off x="4271011" y="684914"/>
+                <a:ext cx="507127" cy="369332"/>
+              </a:xfrm>
+              <a:prstGeom prst="rect">
+                <a:avLst/>
+              </a:prstGeom>
+              <a:blipFill>
+                <a:blip r:embed="rId4"/>
+                <a:stretch>
+                  <a:fillRect b="-13115"/>
+                </a:stretch>
+              </a:blipFill>
+            </p:spPr>
+            <p:txBody>
+              <a:bodyPr/>
+              <a:lstStyle/>
+              <a:p>
+                <a:r>
+                  <a:rPr lang="ko-KR" altLang="en-US">
+                    <a:noFill/>
+                  </a:rPr>
+                  <a:t> </a:t>
+                </a:r>
+              </a:p>
+            </p:txBody>
+          </p:sp>
+        </mc:Fallback>
+      </mc:AlternateContent>
+      <p:cxnSp>
+        <p:nvCxnSpPr>
+          <p:cNvPr id="19" name="직선 연결선 18">
+            <a:extLst>
+              <a:ext uri="{FF2B5EF4-FFF2-40B4-BE49-F238E27FC236}">
+                <a16:creationId xmlns:a16="http://schemas.microsoft.com/office/drawing/2014/main" id="{FEE2CCEF-AA20-459D-8562-36B6687FFCA2}"/>
+              </a:ext>
+            </a:extLst>
+          </p:cNvPr>
+          <p:cNvCxnSpPr>
+            <a:cxnSpLocks/>
+          </p:cNvCxnSpPr>
+          <p:nvPr/>
+        </p:nvCxnSpPr>
+        <p:spPr>
+          <a:xfrm>
+            <a:off x="5893806" y="1295670"/>
+            <a:ext cx="0" cy="4266661"/>
+          </a:xfrm>
+          <a:prstGeom prst="line">
+            <a:avLst/>
+          </a:prstGeom>
+          <a:ln w="28575">
+            <a:solidFill>
+              <a:schemeClr val="accent2"/>
+            </a:solidFill>
+            <a:headEnd type="arrow" w="med" len="med"/>
+            <a:tailEnd type="arrow" w="med" len="med"/>
+          </a:ln>
+        </p:spPr>
+        <p:style>
+          <a:lnRef idx="1">
+            <a:schemeClr val="accent1"/>
+          </a:lnRef>
+          <a:fillRef idx="0">
+            <a:schemeClr val="accent1"/>
+          </a:fillRef>
+          <a:effectRef idx="0">
+            <a:schemeClr val="accent1"/>
+          </a:effectRef>
+          <a:fontRef idx="minor">
+            <a:schemeClr val="tx1"/>
+          </a:fontRef>
+        </p:style>
+      </p:cxnSp>
+      <mc:AlternateContent xmlns:mc="http://schemas.openxmlformats.org/markup-compatibility/2006">
+        <mc:Choice xmlns:a14="http://schemas.microsoft.com/office/drawing/2010/main" Requires="a14">
+          <p:sp>
+            <p:nvSpPr>
+              <p:cNvPr id="20" name="TextBox 19">
+                <a:extLst>
+                  <a:ext uri="{FF2B5EF4-FFF2-40B4-BE49-F238E27FC236}">
+                    <a16:creationId xmlns:a16="http://schemas.microsoft.com/office/drawing/2014/main" id="{C0AE0851-4F5E-40EA-97E4-C03E55E8D58C}"/>
+                  </a:ext>
+                </a:extLst>
+              </p:cNvPr>
+              <p:cNvSpPr txBox="1"/>
+              <p:nvPr/>
+            </p:nvSpPr>
+            <p:spPr>
+              <a:xfrm>
+                <a:off x="5477435" y="895674"/>
+                <a:ext cx="927113" cy="369332"/>
+              </a:xfrm>
+              <a:prstGeom prst="rect">
+                <a:avLst/>
+              </a:prstGeom>
+              <a:noFill/>
+            </p:spPr>
+            <p:txBody>
+              <a:bodyPr wrap="none" rtlCol="0">
+                <a:spAutoFit/>
+              </a:bodyPr>
+              <a:lstStyle/>
+              <a:p>
+                <a14:m>
+                  <m:oMathPara xmlns:m="http://schemas.openxmlformats.org/officeDocument/2006/math">
+                    <m:oMathParaPr>
+                      <m:jc m:val="centerGroup"/>
+                    </m:oMathParaPr>
+                    <m:oMath xmlns:m="http://schemas.openxmlformats.org/officeDocument/2006/math">
+                      <m:r>
+                        <a:rPr lang="en-US" altLang="ko-KR" b="0" i="1" smtClean="0">
+                          <a:solidFill>
+                            <a:schemeClr val="accent2"/>
+                          </a:solidFill>
+                          <a:latin typeface="Cambria Math" panose="02040503050406030204" pitchFamily="18" charset="0"/>
+                        </a:rPr>
+                        <m:t>𝜔</m:t>
+                      </m:r>
+                      <m:r>
+                        <a:rPr lang="en-US" altLang="ko-KR" b="0" i="1" smtClean="0">
+                          <a:solidFill>
+                            <a:schemeClr val="accent2"/>
+                          </a:solidFill>
+                          <a:latin typeface="Cambria Math" panose="02040503050406030204" pitchFamily="18" charset="0"/>
+                        </a:rPr>
+                        <m:t>→∞</m:t>
+                      </m:r>
+                    </m:oMath>
+                  </m:oMathPara>
+                </a14:m>
+                <a:endParaRPr lang="ko-KR" altLang="en-US" dirty="0">
+                  <a:solidFill>
+                    <a:schemeClr val="accent2"/>
+                  </a:solidFill>
+                </a:endParaRPr>
+              </a:p>
+            </p:txBody>
+          </p:sp>
+        </mc:Choice>
+        <mc:Fallback>
+          <p:sp>
+            <p:nvSpPr>
+              <p:cNvPr id="20" name="TextBox 19">
+                <a:extLst>
+                  <a:ext uri="{FF2B5EF4-FFF2-40B4-BE49-F238E27FC236}">
+                    <a16:creationId xmlns:a16="http://schemas.microsoft.com/office/drawing/2014/main" id="{C0AE0851-4F5E-40EA-97E4-C03E55E8D58C}"/>
+                  </a:ext>
+                </a:extLst>
+              </p:cNvPr>
+              <p:cNvSpPr txBox="1">
+                <a:spLocks noRot="1" noChangeAspect="1" noMove="1" noResize="1" noEditPoints="1" noAdjustHandles="1" noChangeArrowheads="1" noChangeShapeType="1" noTextEdit="1"/>
+              </p:cNvSpPr>
+              <p:nvPr/>
+            </p:nvSpPr>
+            <p:spPr>
+              <a:xfrm>
+                <a:off x="5477435" y="895674"/>
+                <a:ext cx="927113" cy="369332"/>
+              </a:xfrm>
+              <a:prstGeom prst="rect">
+                <a:avLst/>
+              </a:prstGeom>
+              <a:blipFill>
+                <a:blip r:embed="rId5"/>
+                <a:stretch>
+                  <a:fillRect/>
+                </a:stretch>
+              </a:blipFill>
+            </p:spPr>
+            <p:txBody>
+              <a:bodyPr/>
+              <a:lstStyle/>
+              <a:p>
+                <a:r>
+                  <a:rPr lang="ko-KR" altLang="en-US">
+                    <a:noFill/>
+                  </a:rPr>
+                  <a:t> </a:t>
+                </a:r>
+              </a:p>
+            </p:txBody>
+          </p:sp>
+        </mc:Fallback>
+      </mc:AlternateContent>
+      <mc:AlternateContent xmlns:mc="http://schemas.openxmlformats.org/markup-compatibility/2006">
+        <mc:Choice xmlns:a14="http://schemas.microsoft.com/office/drawing/2010/main" Requires="a14">
+          <p:sp>
+            <p:nvSpPr>
+              <p:cNvPr id="21" name="TextBox 20">
+                <a:extLst>
+                  <a:ext uri="{FF2B5EF4-FFF2-40B4-BE49-F238E27FC236}">
+                    <a16:creationId xmlns:a16="http://schemas.microsoft.com/office/drawing/2014/main" id="{909770B8-C511-4A2D-88C1-C76BEB66D5BB}"/>
+                  </a:ext>
+                </a:extLst>
+              </p:cNvPr>
+              <p:cNvSpPr txBox="1"/>
+              <p:nvPr/>
+            </p:nvSpPr>
+            <p:spPr>
+              <a:xfrm>
+                <a:off x="5477435" y="5566282"/>
+                <a:ext cx="1100238" cy="369332"/>
+              </a:xfrm>
+              <a:prstGeom prst="rect">
+                <a:avLst/>
+              </a:prstGeom>
+              <a:noFill/>
+            </p:spPr>
+            <p:txBody>
+              <a:bodyPr wrap="none" rtlCol="0">
+                <a:spAutoFit/>
+              </a:bodyPr>
+              <a:lstStyle/>
+              <a:p>
+                <a14:m>
+                  <m:oMathPara xmlns:m="http://schemas.openxmlformats.org/officeDocument/2006/math">
+                    <m:oMathParaPr>
+                      <m:jc m:val="centerGroup"/>
+                    </m:oMathParaPr>
+                    <m:oMath xmlns:m="http://schemas.openxmlformats.org/officeDocument/2006/math">
+                      <m:r>
+                        <a:rPr lang="en-US" altLang="ko-KR" b="0" i="1" smtClean="0">
+                          <a:solidFill>
+                            <a:schemeClr val="accent2"/>
+                          </a:solidFill>
+                          <a:latin typeface="Cambria Math" panose="02040503050406030204" pitchFamily="18" charset="0"/>
+                        </a:rPr>
+                        <m:t>𝜔</m:t>
+                      </m:r>
+                      <m:r>
+                        <a:rPr lang="en-US" altLang="ko-KR" b="0" i="1" smtClean="0">
+                          <a:solidFill>
+                            <a:schemeClr val="accent2"/>
+                          </a:solidFill>
+                          <a:latin typeface="Cambria Math" panose="02040503050406030204" pitchFamily="18" charset="0"/>
+                        </a:rPr>
+                        <m:t>→−∞</m:t>
+                      </m:r>
+                    </m:oMath>
+                  </m:oMathPara>
+                </a14:m>
+                <a:endParaRPr lang="ko-KR" altLang="en-US" dirty="0">
+                  <a:solidFill>
+                    <a:schemeClr val="accent2"/>
+                  </a:solidFill>
+                </a:endParaRPr>
+              </a:p>
+            </p:txBody>
+          </p:sp>
+        </mc:Choice>
+        <mc:Fallback>
+          <p:sp>
+            <p:nvSpPr>
+              <p:cNvPr id="21" name="TextBox 20">
+                <a:extLst>
+                  <a:ext uri="{FF2B5EF4-FFF2-40B4-BE49-F238E27FC236}">
+                    <a16:creationId xmlns:a16="http://schemas.microsoft.com/office/drawing/2014/main" id="{909770B8-C511-4A2D-88C1-C76BEB66D5BB}"/>
+                  </a:ext>
+                </a:extLst>
+              </p:cNvPr>
+              <p:cNvSpPr txBox="1">
+                <a:spLocks noRot="1" noChangeAspect="1" noMove="1" noResize="1" noEditPoints="1" noAdjustHandles="1" noChangeArrowheads="1" noChangeShapeType="1" noTextEdit="1"/>
+              </p:cNvSpPr>
+              <p:nvPr/>
+            </p:nvSpPr>
+            <p:spPr>
+              <a:xfrm>
+                <a:off x="5477435" y="5566282"/>
+                <a:ext cx="1100238" cy="369332"/>
+              </a:xfrm>
+              <a:prstGeom prst="rect">
+                <a:avLst/>
+              </a:prstGeom>
+              <a:blipFill>
+                <a:blip r:embed="rId6"/>
+                <a:stretch>
+                  <a:fillRect/>
+                </a:stretch>
+              </a:blipFill>
+            </p:spPr>
+            <p:txBody>
+              <a:bodyPr/>
+              <a:lstStyle/>
+              <a:p>
+                <a:r>
+                  <a:rPr lang="ko-KR" altLang="en-US">
+                    <a:noFill/>
+                  </a:rPr>
+                  <a:t> </a:t>
+                </a:r>
+              </a:p>
+            </p:txBody>
+          </p:sp>
+        </mc:Fallback>
+      </mc:AlternateContent>
+      <mc:AlternateContent xmlns:mc="http://schemas.openxmlformats.org/markup-compatibility/2006">
+        <mc:Choice xmlns:a14="http://schemas.microsoft.com/office/drawing/2010/main" Requires="a14">
+          <p:sp>
+            <p:nvSpPr>
+              <p:cNvPr id="22" name="TextBox 21">
+                <a:extLst>
+                  <a:ext uri="{FF2B5EF4-FFF2-40B4-BE49-F238E27FC236}">
+                    <a16:creationId xmlns:a16="http://schemas.microsoft.com/office/drawing/2014/main" id="{4C770C0E-C592-4E95-8297-5241A0059ABD}"/>
+                  </a:ext>
+                </a:extLst>
+              </p:cNvPr>
+              <p:cNvSpPr txBox="1"/>
+              <p:nvPr/>
+            </p:nvSpPr>
+            <p:spPr>
+              <a:xfrm>
+                <a:off x="5913434" y="3375833"/>
+                <a:ext cx="458459" cy="369332"/>
+              </a:xfrm>
+              <a:prstGeom prst="rect">
+                <a:avLst/>
+              </a:prstGeom>
+              <a:noFill/>
+            </p:spPr>
+            <p:txBody>
+              <a:bodyPr wrap="none" rtlCol="0">
+                <a:spAutoFit/>
+              </a:bodyPr>
+              <a:lstStyle/>
+              <a:p>
+                <a14:m>
+                  <m:oMathPara xmlns:m="http://schemas.openxmlformats.org/officeDocument/2006/math">
+                    <m:oMathParaPr>
+                      <m:jc m:val="centerGroup"/>
+                    </m:oMathParaPr>
+                    <m:oMath xmlns:m="http://schemas.openxmlformats.org/officeDocument/2006/math">
+                      <m:sSub>
+                        <m:sSubPr>
+                          <m:ctrlPr>
+                            <a:rPr lang="en-US" altLang="ko-KR" b="0" i="1" smtClean="0">
+                              <a:solidFill>
+                                <a:schemeClr val="accent2"/>
+                              </a:solidFill>
+                              <a:latin typeface="Cambria Math" panose="02040503050406030204" pitchFamily="18" charset="0"/>
+                            </a:rPr>
+                          </m:ctrlPr>
+                        </m:sSubPr>
+                        <m:e>
+                          <m:r>
+                            <a:rPr lang="en-US" altLang="ko-KR" b="0" i="1" smtClean="0">
+                              <a:solidFill>
+                                <a:schemeClr val="accent2"/>
+                              </a:solidFill>
+                              <a:latin typeface="Cambria Math" panose="02040503050406030204" pitchFamily="18" charset="0"/>
+                            </a:rPr>
+                            <m:t>𝜎</m:t>
+                          </m:r>
+                        </m:e>
+                        <m:sub>
+                          <m:r>
+                            <a:rPr lang="en-US" altLang="ko-KR" b="0" i="1" smtClean="0">
+                              <a:solidFill>
+                                <a:schemeClr val="accent2"/>
+                              </a:solidFill>
+                              <a:latin typeface="Cambria Math" panose="02040503050406030204" pitchFamily="18" charset="0"/>
+                            </a:rPr>
+                            <m:t>1</m:t>
+                          </m:r>
+                        </m:sub>
+                      </m:sSub>
+                    </m:oMath>
+                  </m:oMathPara>
+                </a14:m>
+                <a:endParaRPr lang="ko-KR" altLang="en-US" dirty="0">
+                  <a:solidFill>
+                    <a:schemeClr val="accent2"/>
+                  </a:solidFill>
+                </a:endParaRPr>
+              </a:p>
+            </p:txBody>
+          </p:sp>
+        </mc:Choice>
+        <mc:Fallback>
+          <p:sp>
+            <p:nvSpPr>
+              <p:cNvPr id="22" name="TextBox 21">
+                <a:extLst>
+                  <a:ext uri="{FF2B5EF4-FFF2-40B4-BE49-F238E27FC236}">
+                    <a16:creationId xmlns:a16="http://schemas.microsoft.com/office/drawing/2014/main" id="{4C770C0E-C592-4E95-8297-5241A0059ABD}"/>
+                  </a:ext>
+                </a:extLst>
+              </p:cNvPr>
+              <p:cNvSpPr txBox="1">
+                <a:spLocks noRot="1" noChangeAspect="1" noMove="1" noResize="1" noEditPoints="1" noAdjustHandles="1" noChangeArrowheads="1" noChangeShapeType="1" noTextEdit="1"/>
+              </p:cNvSpPr>
+              <p:nvPr/>
+            </p:nvSpPr>
+            <p:spPr>
+              <a:xfrm>
+                <a:off x="5913434" y="3375833"/>
+                <a:ext cx="458459" cy="369332"/>
+              </a:xfrm>
+              <a:prstGeom prst="rect">
+                <a:avLst/>
+              </a:prstGeom>
+              <a:blipFill>
+                <a:blip r:embed="rId7"/>
+                <a:stretch>
+                  <a:fillRect/>
+                </a:stretch>
+              </a:blipFill>
+            </p:spPr>
+            <p:txBody>
+              <a:bodyPr/>
+              <a:lstStyle/>
+              <a:p>
+                <a:r>
+                  <a:rPr lang="ko-KR" altLang="en-US">
+                    <a:noFill/>
+                  </a:rPr>
+                  <a:t> </a:t>
+                </a:r>
+              </a:p>
+            </p:txBody>
+          </p:sp>
+        </mc:Fallback>
+      </mc:AlternateContent>
+      <mc:AlternateContent xmlns:mc="http://schemas.openxmlformats.org/markup-compatibility/2006">
+        <mc:Choice xmlns:a14="http://schemas.microsoft.com/office/drawing/2010/main" Requires="a14">
+          <p:sp>
+            <p:nvSpPr>
+              <p:cNvPr id="23" name="TextBox 22">
+                <a:extLst>
+                  <a:ext uri="{FF2B5EF4-FFF2-40B4-BE49-F238E27FC236}">
+                    <a16:creationId xmlns:a16="http://schemas.microsoft.com/office/drawing/2014/main" id="{055C1C9F-4C8E-48EB-9ED8-CF001660D380}"/>
+                  </a:ext>
+                </a:extLst>
+              </p:cNvPr>
+              <p:cNvSpPr txBox="1"/>
+              <p:nvPr/>
+            </p:nvSpPr>
+            <p:spPr>
+              <a:xfrm>
+                <a:off x="2488444" y="4240675"/>
+                <a:ext cx="1205971" cy="369332"/>
+              </a:xfrm>
+              <a:prstGeom prst="rect">
+                <a:avLst/>
+              </a:prstGeom>
+              <a:noFill/>
+            </p:spPr>
+            <p:txBody>
+              <a:bodyPr wrap="none" rtlCol="0">
+                <a:spAutoFit/>
+              </a:bodyPr>
+              <a:lstStyle/>
+              <a:p>
+                <a14:m>
+                  <m:oMathPara xmlns:m="http://schemas.openxmlformats.org/officeDocument/2006/math">
+                    <m:oMathParaPr>
+                      <m:jc m:val="centerGroup"/>
+                    </m:oMathParaPr>
+                    <m:oMath xmlns:m="http://schemas.openxmlformats.org/officeDocument/2006/math">
+                      <m:r>
+                        <a:rPr lang="en-US" altLang="ko-KR" b="0" i="1" smtClean="0">
+                          <a:solidFill>
+                            <a:schemeClr val="accent2"/>
+                          </a:solidFill>
+                          <a:latin typeface="Cambria Math" panose="02040503050406030204" pitchFamily="18" charset="0"/>
+                        </a:rPr>
+                        <m:t>𝑠</m:t>
+                      </m:r>
+                      <m:r>
+                        <a:rPr lang="en-US" altLang="ko-KR" b="0" i="1" smtClean="0">
+                          <a:solidFill>
+                            <a:schemeClr val="accent2"/>
+                          </a:solidFill>
+                          <a:latin typeface="Cambria Math" panose="02040503050406030204" pitchFamily="18" charset="0"/>
+                        </a:rPr>
+                        <m:t>−</m:t>
+                      </m:r>
+                      <m:r>
+                        <a:rPr lang="en-US" altLang="ko-KR" b="0" i="1" smtClean="0">
+                          <a:solidFill>
+                            <a:schemeClr val="accent2"/>
+                          </a:solidFill>
+                          <a:latin typeface="Cambria Math" panose="02040503050406030204" pitchFamily="18" charset="0"/>
+                        </a:rPr>
+                        <m:t>𝑝𝑙𝑎𝑛𝑒</m:t>
+                      </m:r>
+                    </m:oMath>
+                  </m:oMathPara>
+                </a14:m>
+                <a:endParaRPr lang="ko-KR" altLang="en-US" dirty="0">
+                  <a:solidFill>
+                    <a:schemeClr val="accent2"/>
+                  </a:solidFill>
+                </a:endParaRPr>
+              </a:p>
+            </p:txBody>
+          </p:sp>
+        </mc:Choice>
+        <mc:Fallback>
+          <p:sp>
+            <p:nvSpPr>
+              <p:cNvPr id="23" name="TextBox 22">
+                <a:extLst>
+                  <a:ext uri="{FF2B5EF4-FFF2-40B4-BE49-F238E27FC236}">
+                    <a16:creationId xmlns:a16="http://schemas.microsoft.com/office/drawing/2014/main" id="{055C1C9F-4C8E-48EB-9ED8-CF001660D380}"/>
+                  </a:ext>
+                </a:extLst>
+              </p:cNvPr>
+              <p:cNvSpPr txBox="1">
+                <a:spLocks noRot="1" noChangeAspect="1" noMove="1" noResize="1" noEditPoints="1" noAdjustHandles="1" noChangeArrowheads="1" noChangeShapeType="1" noTextEdit="1"/>
+              </p:cNvSpPr>
+              <p:nvPr/>
+            </p:nvSpPr>
+            <p:spPr>
+              <a:xfrm>
+                <a:off x="2488444" y="4240675"/>
+                <a:ext cx="1205971" cy="369332"/>
+              </a:xfrm>
+              <a:prstGeom prst="rect">
+                <a:avLst/>
+              </a:prstGeom>
+              <a:blipFill>
+                <a:blip r:embed="rId8"/>
+                <a:stretch>
+                  <a:fillRect b="-13333"/>
+                </a:stretch>
+              </a:blipFill>
+            </p:spPr>
+            <p:txBody>
+              <a:bodyPr/>
+              <a:lstStyle/>
+              <a:p>
+                <a:r>
+                  <a:rPr lang="ko-KR" altLang="en-US">
+                    <a:noFill/>
+                  </a:rPr>
+                  <a:t> </a:t>
+                </a:r>
+              </a:p>
+            </p:txBody>
+          </p:sp>
+        </mc:Fallback>
+      </mc:AlternateContent>
+    </p:spTree>
+    <p:extLst>
+      <p:ext uri="{BB962C8B-B14F-4D97-AF65-F5344CB8AC3E}">
+        <p14:creationId xmlns:p14="http://schemas.microsoft.com/office/powerpoint/2010/main" val="4204533877"/>
+      </p:ext>
+    </p:extLst>
+  </p:cSld>
+  <p:clrMapOvr>
+    <a:masterClrMapping/>
+  </p:clrMapOvr>
+</p:sld>
+</file>
+
 <file path=ppt/theme/theme1.xml><?xml version="1.0" encoding="utf-8"?>
 <a:theme xmlns:a="http://schemas.openxmlformats.org/drawingml/2006/main" name="Office 테마">
   <a:themeElements>

--- a/pics/2019-08-12_Laplace_Transform/pics.pptx
+++ b/pics/2019-08-12_Laplace_Transform/pics.pptx
@@ -245,7 +245,7 @@
           <a:p>
             <a:fld id="{BFC48532-E652-433E-A703-484C3AEDFF2A}" type="datetimeFigureOut">
               <a:rPr lang="ko-KR" altLang="en-US" smtClean="0"/>
-              <a:t>2022-01-22</a:t>
+              <a:t>2022-01-23</a:t>
             </a:fld>
             <a:endParaRPr lang="ko-KR" altLang="en-US"/>
           </a:p>
@@ -415,7 +415,7 @@
           <a:p>
             <a:fld id="{BFC48532-E652-433E-A703-484C3AEDFF2A}" type="datetimeFigureOut">
               <a:rPr lang="ko-KR" altLang="en-US" smtClean="0"/>
-              <a:t>2022-01-22</a:t>
+              <a:t>2022-01-23</a:t>
             </a:fld>
             <a:endParaRPr lang="ko-KR" altLang="en-US"/>
           </a:p>
@@ -595,7 +595,7 @@
           <a:p>
             <a:fld id="{BFC48532-E652-433E-A703-484C3AEDFF2A}" type="datetimeFigureOut">
               <a:rPr lang="ko-KR" altLang="en-US" smtClean="0"/>
-              <a:t>2022-01-22</a:t>
+              <a:t>2022-01-23</a:t>
             </a:fld>
             <a:endParaRPr lang="ko-KR" altLang="en-US"/>
           </a:p>
@@ -765,7 +765,7 @@
           <a:p>
             <a:fld id="{BFC48532-E652-433E-A703-484C3AEDFF2A}" type="datetimeFigureOut">
               <a:rPr lang="ko-KR" altLang="en-US" smtClean="0"/>
-              <a:t>2022-01-22</a:t>
+              <a:t>2022-01-23</a:t>
             </a:fld>
             <a:endParaRPr lang="ko-KR" altLang="en-US"/>
           </a:p>
@@ -1009,7 +1009,7 @@
           <a:p>
             <a:fld id="{BFC48532-E652-433E-A703-484C3AEDFF2A}" type="datetimeFigureOut">
               <a:rPr lang="ko-KR" altLang="en-US" smtClean="0"/>
-              <a:t>2022-01-22</a:t>
+              <a:t>2022-01-23</a:t>
             </a:fld>
             <a:endParaRPr lang="ko-KR" altLang="en-US"/>
           </a:p>
@@ -1241,7 +1241,7 @@
           <a:p>
             <a:fld id="{BFC48532-E652-433E-A703-484C3AEDFF2A}" type="datetimeFigureOut">
               <a:rPr lang="ko-KR" altLang="en-US" smtClean="0"/>
-              <a:t>2022-01-22</a:t>
+              <a:t>2022-01-23</a:t>
             </a:fld>
             <a:endParaRPr lang="ko-KR" altLang="en-US"/>
           </a:p>
@@ -1608,7 +1608,7 @@
           <a:p>
             <a:fld id="{BFC48532-E652-433E-A703-484C3AEDFF2A}" type="datetimeFigureOut">
               <a:rPr lang="ko-KR" altLang="en-US" smtClean="0"/>
-              <a:t>2022-01-22</a:t>
+              <a:t>2022-01-23</a:t>
             </a:fld>
             <a:endParaRPr lang="ko-KR" altLang="en-US"/>
           </a:p>
@@ -1726,7 +1726,7 @@
           <a:p>
             <a:fld id="{BFC48532-E652-433E-A703-484C3AEDFF2A}" type="datetimeFigureOut">
               <a:rPr lang="ko-KR" altLang="en-US" smtClean="0"/>
-              <a:t>2022-01-22</a:t>
+              <a:t>2022-01-23</a:t>
             </a:fld>
             <a:endParaRPr lang="ko-KR" altLang="en-US"/>
           </a:p>
@@ -1821,7 +1821,7 @@
           <a:p>
             <a:fld id="{BFC48532-E652-433E-A703-484C3AEDFF2A}" type="datetimeFigureOut">
               <a:rPr lang="ko-KR" altLang="en-US" smtClean="0"/>
-              <a:t>2022-01-22</a:t>
+              <a:t>2022-01-23</a:t>
             </a:fld>
             <a:endParaRPr lang="ko-KR" altLang="en-US"/>
           </a:p>
@@ -2098,7 +2098,7 @@
           <a:p>
             <a:fld id="{BFC48532-E652-433E-A703-484C3AEDFF2A}" type="datetimeFigureOut">
               <a:rPr lang="ko-KR" altLang="en-US" smtClean="0"/>
-              <a:t>2022-01-22</a:t>
+              <a:t>2022-01-23</a:t>
             </a:fld>
             <a:endParaRPr lang="ko-KR" altLang="en-US"/>
           </a:p>
@@ -2355,7 +2355,7 @@
           <a:p>
             <a:fld id="{BFC48532-E652-433E-A703-484C3AEDFF2A}" type="datetimeFigureOut">
               <a:rPr lang="ko-KR" altLang="en-US" smtClean="0"/>
-              <a:t>2022-01-22</a:t>
+              <a:t>2022-01-23</a:t>
             </a:fld>
             <a:endParaRPr lang="ko-KR" altLang="en-US"/>
           </a:p>
@@ -2568,7 +2568,7 @@
           <a:p>
             <a:fld id="{BFC48532-E652-433E-A703-484C3AEDFF2A}" type="datetimeFigureOut">
               <a:rPr lang="ko-KR" altLang="en-US" smtClean="0"/>
-              <a:t>2022-01-22</a:t>
+              <a:t>2022-01-23</a:t>
             </a:fld>
             <a:endParaRPr lang="ko-KR" altLang="en-US"/>
           </a:p>
@@ -6672,110 +6672,6 @@
       </p:sp>
       <p:sp>
         <p:nvSpPr>
-          <p:cNvPr id="8" name="직사각형 7">
-            <a:extLst>
-              <a:ext uri="{FF2B5EF4-FFF2-40B4-BE49-F238E27FC236}">
-                <a16:creationId xmlns:a16="http://schemas.microsoft.com/office/drawing/2014/main" id="{FF1F5EAF-A178-48FC-996E-BA0D29CAA2B2}"/>
-              </a:ext>
-            </a:extLst>
-          </p:cNvPr>
-          <p:cNvSpPr/>
-          <p:nvPr/>
-        </p:nvSpPr>
-        <p:spPr>
-          <a:xfrm>
-            <a:off x="6463553" y="3396781"/>
-            <a:ext cx="224118" cy="215153"/>
-          </a:xfrm>
-          <a:prstGeom prst="rect">
-            <a:avLst/>
-          </a:prstGeom>
-          <a:solidFill>
-            <a:schemeClr val="bg1"/>
-          </a:solidFill>
-          <a:ln>
-            <a:noFill/>
-          </a:ln>
-        </p:spPr>
-        <p:style>
-          <a:lnRef idx="2">
-            <a:schemeClr val="accent1">
-              <a:shade val="50000"/>
-            </a:schemeClr>
-          </a:lnRef>
-          <a:fillRef idx="1">
-            <a:schemeClr val="accent1"/>
-          </a:fillRef>
-          <a:effectRef idx="0">
-            <a:schemeClr val="accent1"/>
-          </a:effectRef>
-          <a:fontRef idx="minor">
-            <a:schemeClr val="lt1"/>
-          </a:fontRef>
-        </p:style>
-        <p:txBody>
-          <a:bodyPr rtlCol="0" anchor="ctr"/>
-          <a:lstStyle/>
-          <a:p>
-            <a:pPr algn="ctr"/>
-            <a:endParaRPr lang="ko-KR" altLang="en-US"/>
-          </a:p>
-        </p:txBody>
-      </p:sp>
-      <p:sp>
-        <p:nvSpPr>
-          <p:cNvPr id="9" name="직사각형 8">
-            <a:extLst>
-              <a:ext uri="{FF2B5EF4-FFF2-40B4-BE49-F238E27FC236}">
-                <a16:creationId xmlns:a16="http://schemas.microsoft.com/office/drawing/2014/main" id="{A0F27E60-3BC2-4843-BEAF-5793579EB1EE}"/>
-              </a:ext>
-            </a:extLst>
-          </p:cNvPr>
-          <p:cNvSpPr/>
-          <p:nvPr/>
-        </p:nvSpPr>
-        <p:spPr>
-          <a:xfrm>
-            <a:off x="5477435" y="3396781"/>
-            <a:ext cx="224118" cy="215153"/>
-          </a:xfrm>
-          <a:prstGeom prst="rect">
-            <a:avLst/>
-          </a:prstGeom>
-          <a:solidFill>
-            <a:schemeClr val="bg1"/>
-          </a:solidFill>
-          <a:ln>
-            <a:noFill/>
-          </a:ln>
-        </p:spPr>
-        <p:style>
-          <a:lnRef idx="2">
-            <a:schemeClr val="accent1">
-              <a:shade val="50000"/>
-            </a:schemeClr>
-          </a:lnRef>
-          <a:fillRef idx="1">
-            <a:schemeClr val="accent1"/>
-          </a:fillRef>
-          <a:effectRef idx="0">
-            <a:schemeClr val="accent1"/>
-          </a:effectRef>
-          <a:fontRef idx="minor">
-            <a:schemeClr val="lt1"/>
-          </a:fontRef>
-        </p:style>
-        <p:txBody>
-          <a:bodyPr rtlCol="0" anchor="ctr"/>
-          <a:lstStyle/>
-          <a:p>
-            <a:pPr algn="ctr"/>
-            <a:endParaRPr lang="ko-KR" altLang="en-US"/>
-          </a:p>
-        </p:txBody>
-      </p:sp>
-      <p:sp>
-        <p:nvSpPr>
           <p:cNvPr id="10" name="직사각형 9">
             <a:extLst>
               <a:ext uri="{FF2B5EF4-FFF2-40B4-BE49-F238E27FC236}">
@@ -7086,8 +6982,8 @@
           </a:p>
         </p:txBody>
       </p:sp>
-      <mc:AlternateContent xmlns:mc="http://schemas.openxmlformats.org/markup-compatibility/2006">
-        <mc:Choice xmlns:a14="http://schemas.microsoft.com/office/drawing/2010/main" Requires="a14">
+      <mc:AlternateContent xmlns:mc="http://schemas.openxmlformats.org/markup-compatibility/2006" xmlns:a14="http://schemas.microsoft.com/office/drawing/2010/main">
+        <mc:Choice Requires="a14">
           <p:sp>
             <p:nvSpPr>
               <p:cNvPr id="16" name="TextBox 15">
@@ -7116,6 +7012,7 @@
               </a:bodyPr>
               <a:lstStyle/>
               <a:p>
+                <a:pPr/>
                 <a14:m>
                   <m:oMathPara xmlns:m="http://schemas.openxmlformats.org/officeDocument/2006/math">
                     <m:oMathParaPr>
@@ -7136,7 +7033,7 @@
             </p:txBody>
           </p:sp>
         </mc:Choice>
-        <mc:Fallback>
+        <mc:Fallback xmlns="">
           <p:sp>
             <p:nvSpPr>
               <p:cNvPr id="16" name="TextBox 15">
@@ -7181,8 +7078,8 @@
           </p:sp>
         </mc:Fallback>
       </mc:AlternateContent>
-      <mc:AlternateContent xmlns:mc="http://schemas.openxmlformats.org/markup-compatibility/2006">
-        <mc:Choice xmlns:a14="http://schemas.microsoft.com/office/drawing/2010/main" Requires="a14">
+      <mc:AlternateContent xmlns:mc="http://schemas.openxmlformats.org/markup-compatibility/2006" xmlns:a14="http://schemas.microsoft.com/office/drawing/2010/main">
+        <mc:Choice Requires="a14">
           <p:sp>
             <p:nvSpPr>
               <p:cNvPr id="17" name="TextBox 16">
@@ -7211,6 +7108,7 @@
               </a:bodyPr>
               <a:lstStyle/>
               <a:p>
+                <a:pPr/>
                 <a14:m>
                   <m:oMathPara xmlns:m="http://schemas.openxmlformats.org/officeDocument/2006/math">
                     <m:oMathParaPr>
@@ -7237,7 +7135,7 @@
             </p:txBody>
           </p:sp>
         </mc:Choice>
-        <mc:Fallback>
+        <mc:Fallback xmlns="">
           <p:sp>
             <p:nvSpPr>
               <p:cNvPr id="17" name="TextBox 16">
@@ -7282,59 +7180,14 @@
           </p:sp>
         </mc:Fallback>
       </mc:AlternateContent>
-      <p:cxnSp>
-        <p:nvCxnSpPr>
-          <p:cNvPr id="19" name="직선 연결선 18">
-            <a:extLst>
-              <a:ext uri="{FF2B5EF4-FFF2-40B4-BE49-F238E27FC236}">
-                <a16:creationId xmlns:a16="http://schemas.microsoft.com/office/drawing/2014/main" id="{FEE2CCEF-AA20-459D-8562-36B6687FFCA2}"/>
-              </a:ext>
-            </a:extLst>
-          </p:cNvPr>
-          <p:cNvCxnSpPr>
-            <a:cxnSpLocks/>
-          </p:cNvCxnSpPr>
-          <p:nvPr/>
-        </p:nvCxnSpPr>
-        <p:spPr>
-          <a:xfrm>
-            <a:off x="5893806" y="1295670"/>
-            <a:ext cx="0" cy="4266661"/>
-          </a:xfrm>
-          <a:prstGeom prst="line">
-            <a:avLst/>
-          </a:prstGeom>
-          <a:ln w="28575">
-            <a:solidFill>
-              <a:schemeClr val="accent2"/>
-            </a:solidFill>
-            <a:headEnd type="arrow" w="med" len="med"/>
-            <a:tailEnd type="arrow" w="med" len="med"/>
-          </a:ln>
-        </p:spPr>
-        <p:style>
-          <a:lnRef idx="1">
-            <a:schemeClr val="accent1"/>
-          </a:lnRef>
-          <a:fillRef idx="0">
-            <a:schemeClr val="accent1"/>
-          </a:fillRef>
-          <a:effectRef idx="0">
-            <a:schemeClr val="accent1"/>
-          </a:effectRef>
-          <a:fontRef idx="minor">
-            <a:schemeClr val="tx1"/>
-          </a:fontRef>
-        </p:style>
-      </p:cxnSp>
       <mc:AlternateContent xmlns:mc="http://schemas.openxmlformats.org/markup-compatibility/2006">
         <mc:Choice xmlns:a14="http://schemas.microsoft.com/office/drawing/2010/main" Requires="a14">
           <p:sp>
             <p:nvSpPr>
-              <p:cNvPr id="20" name="TextBox 19">
+              <p:cNvPr id="23" name="TextBox 22">
                 <a:extLst>
                   <a:ext uri="{FF2B5EF4-FFF2-40B4-BE49-F238E27FC236}">
-                    <a16:creationId xmlns:a16="http://schemas.microsoft.com/office/drawing/2014/main" id="{C0AE0851-4F5E-40EA-97E4-C03E55E8D58C}"/>
+                    <a16:creationId xmlns:a16="http://schemas.microsoft.com/office/drawing/2014/main" id="{055C1C9F-4C8E-48EB-9ED8-CF001660D380}"/>
                   </a:ext>
                 </a:extLst>
               </p:cNvPr>
@@ -7343,8 +7196,8 @@
             </p:nvSpPr>
             <p:spPr>
               <a:xfrm>
-                <a:off x="5477435" y="895674"/>
-                <a:ext cx="927113" cy="369332"/>
+                <a:off x="2498544" y="4163731"/>
+                <a:ext cx="1773306" cy="523220"/>
               </a:xfrm>
               <a:prstGeom prst="rect">
                 <a:avLst/>
@@ -7357,6 +7210,7 @@
               </a:bodyPr>
               <a:lstStyle/>
               <a:p>
+                <a:pPr/>
                 <a14:m>
                   <m:oMathPara xmlns:m="http://schemas.openxmlformats.org/officeDocument/2006/math">
                     <m:oMathParaPr>
@@ -7364,27 +7218,36 @@
                     </m:oMathParaPr>
                     <m:oMath xmlns:m="http://schemas.openxmlformats.org/officeDocument/2006/math">
                       <m:r>
-                        <a:rPr lang="en-US" altLang="ko-KR" b="0" i="1" smtClean="0">
+                        <a:rPr lang="en-US" altLang="ko-KR" sz="2800" b="0" i="1" smtClean="0">
                           <a:solidFill>
                             <a:schemeClr val="accent2"/>
                           </a:solidFill>
                           <a:latin typeface="Cambria Math" panose="02040503050406030204" pitchFamily="18" charset="0"/>
                         </a:rPr>
-                        <m:t>𝜔</m:t>
+                        <m:t>𝑠</m:t>
                       </m:r>
                       <m:r>
-                        <a:rPr lang="en-US" altLang="ko-KR" b="0" i="1" smtClean="0">
+                        <a:rPr lang="en-US" altLang="ko-KR" sz="2800" b="0" i="1" smtClean="0">
                           <a:solidFill>
                             <a:schemeClr val="accent2"/>
                           </a:solidFill>
                           <a:latin typeface="Cambria Math" panose="02040503050406030204" pitchFamily="18" charset="0"/>
                         </a:rPr>
-                        <m:t>→∞</m:t>
+                        <m:t>−</m:t>
+                      </m:r>
+                      <m:r>
+                        <a:rPr lang="en-US" altLang="ko-KR" sz="2800" b="0" i="1" smtClean="0">
+                          <a:solidFill>
+                            <a:schemeClr val="accent2"/>
+                          </a:solidFill>
+                          <a:latin typeface="Cambria Math" panose="02040503050406030204" pitchFamily="18" charset="0"/>
+                        </a:rPr>
+                        <m:t>𝑝𝑙𝑎𝑛𝑒</m:t>
                       </m:r>
                     </m:oMath>
                   </m:oMathPara>
                 </a14:m>
-                <a:endParaRPr lang="ko-KR" altLang="en-US" dirty="0">
+                <a:endParaRPr lang="ko-KR" altLang="en-US" sz="2800" dirty="0">
                   <a:solidFill>
                     <a:schemeClr val="accent2"/>
                   </a:solidFill>
@@ -7396,10 +7259,10 @@
         <mc:Fallback>
           <p:sp>
             <p:nvSpPr>
-              <p:cNvPr id="20" name="TextBox 19">
+              <p:cNvPr id="23" name="TextBox 22">
                 <a:extLst>
                   <a:ext uri="{FF2B5EF4-FFF2-40B4-BE49-F238E27FC236}">
-                    <a16:creationId xmlns:a16="http://schemas.microsoft.com/office/drawing/2014/main" id="{C0AE0851-4F5E-40EA-97E4-C03E55E8D58C}"/>
+                    <a16:creationId xmlns:a16="http://schemas.microsoft.com/office/drawing/2014/main" id="{055C1C9F-4C8E-48EB-9ED8-CF001660D380}"/>
                   </a:ext>
                 </a:extLst>
               </p:cNvPr>
@@ -7410,8 +7273,8 @@
             </p:nvSpPr>
             <p:spPr>
               <a:xfrm>
-                <a:off x="5477435" y="895674"/>
-                <a:ext cx="927113" cy="369332"/>
+                <a:off x="2498544" y="4163731"/>
+                <a:ext cx="1773306" cy="523220"/>
               </a:xfrm>
               <a:prstGeom prst="rect">
                 <a:avLst/>
@@ -7438,14 +7301,155 @@
           </p:sp>
         </mc:Fallback>
       </mc:AlternateContent>
+      <p:sp>
+        <p:nvSpPr>
+          <p:cNvPr id="2" name="타원 1">
+            <a:extLst>
+              <a:ext uri="{FF2B5EF4-FFF2-40B4-BE49-F238E27FC236}">
+                <a16:creationId xmlns:a16="http://schemas.microsoft.com/office/drawing/2014/main" id="{4CAEBFD2-411E-4412-9877-F3E28C38AF9A}"/>
+              </a:ext>
+            </a:extLst>
+          </p:cNvPr>
+          <p:cNvSpPr/>
+          <p:nvPr/>
+        </p:nvSpPr>
+        <p:spPr>
+          <a:xfrm>
+            <a:off x="5894094" y="2073308"/>
+            <a:ext cx="66796" cy="66796"/>
+          </a:xfrm>
+          <a:prstGeom prst="ellipse">
+            <a:avLst/>
+          </a:prstGeom>
+          <a:solidFill>
+            <a:schemeClr val="tx1"/>
+          </a:solidFill>
+          <a:ln>
+            <a:noFill/>
+          </a:ln>
+        </p:spPr>
+        <p:style>
+          <a:lnRef idx="2">
+            <a:schemeClr val="accent1">
+              <a:shade val="50000"/>
+            </a:schemeClr>
+          </a:lnRef>
+          <a:fillRef idx="1">
+            <a:schemeClr val="accent1"/>
+          </a:fillRef>
+          <a:effectRef idx="0">
+            <a:schemeClr val="accent1"/>
+          </a:effectRef>
+          <a:fontRef idx="minor">
+            <a:schemeClr val="lt1"/>
+          </a:fontRef>
+        </p:style>
+        <p:txBody>
+          <a:bodyPr rtlCol="0" anchor="ctr"/>
+          <a:lstStyle/>
+          <a:p>
+            <a:pPr algn="ctr"/>
+            <a:endParaRPr lang="ko-KR" altLang="en-US"/>
+          </a:p>
+        </p:txBody>
+      </p:sp>
+      <p:cxnSp>
+        <p:nvCxnSpPr>
+          <p:cNvPr id="4" name="직선 연결선 3">
+            <a:extLst>
+              <a:ext uri="{FF2B5EF4-FFF2-40B4-BE49-F238E27FC236}">
+                <a16:creationId xmlns:a16="http://schemas.microsoft.com/office/drawing/2014/main" id="{7FC4B49A-7CC5-4942-86E7-41FC8A75BA57}"/>
+              </a:ext>
+            </a:extLst>
+          </p:cNvPr>
+          <p:cNvCxnSpPr>
+            <a:cxnSpLocks/>
+            <a:stCxn id="2" idx="2"/>
+          </p:cNvCxnSpPr>
+          <p:nvPr/>
+        </p:nvCxnSpPr>
+        <p:spPr>
+          <a:xfrm flipH="1" flipV="1">
+            <a:off x="4726784" y="2101850"/>
+            <a:ext cx="1167310" cy="4856"/>
+          </a:xfrm>
+          <a:prstGeom prst="line">
+            <a:avLst/>
+          </a:prstGeom>
+          <a:ln>
+            <a:solidFill>
+              <a:schemeClr val="tx1"/>
+            </a:solidFill>
+            <a:prstDash val="dash"/>
+          </a:ln>
+        </p:spPr>
+        <p:style>
+          <a:lnRef idx="1">
+            <a:schemeClr val="accent4"/>
+          </a:lnRef>
+          <a:fillRef idx="0">
+            <a:schemeClr val="accent4"/>
+          </a:fillRef>
+          <a:effectRef idx="0">
+            <a:schemeClr val="accent4"/>
+          </a:effectRef>
+          <a:fontRef idx="minor">
+            <a:schemeClr val="tx1"/>
+          </a:fontRef>
+        </p:style>
+      </p:cxnSp>
+      <p:cxnSp>
+        <p:nvCxnSpPr>
+          <p:cNvPr id="24" name="직선 연결선 23">
+            <a:extLst>
+              <a:ext uri="{FF2B5EF4-FFF2-40B4-BE49-F238E27FC236}">
+                <a16:creationId xmlns:a16="http://schemas.microsoft.com/office/drawing/2014/main" id="{EAC32ECB-C112-4961-9192-FC59D390ADB0}"/>
+              </a:ext>
+            </a:extLst>
+          </p:cNvPr>
+          <p:cNvCxnSpPr>
+            <a:cxnSpLocks/>
+          </p:cNvCxnSpPr>
+          <p:nvPr/>
+        </p:nvCxnSpPr>
+        <p:spPr>
+          <a:xfrm rot="16200000" flipH="1" flipV="1">
+            <a:off x="5331743" y="2732637"/>
+            <a:ext cx="1167310" cy="4856"/>
+          </a:xfrm>
+          <a:prstGeom prst="line">
+            <a:avLst/>
+          </a:prstGeom>
+          <a:ln>
+            <a:solidFill>
+              <a:schemeClr val="tx1"/>
+            </a:solidFill>
+            <a:prstDash val="dash"/>
+          </a:ln>
+        </p:spPr>
+        <p:style>
+          <a:lnRef idx="1">
+            <a:schemeClr val="accent4"/>
+          </a:lnRef>
+          <a:fillRef idx="0">
+            <a:schemeClr val="accent4"/>
+          </a:fillRef>
+          <a:effectRef idx="0">
+            <a:schemeClr val="accent4"/>
+          </a:effectRef>
+          <a:fontRef idx="minor">
+            <a:schemeClr val="tx1"/>
+          </a:fontRef>
+        </p:style>
+      </p:cxnSp>
       <mc:AlternateContent xmlns:mc="http://schemas.openxmlformats.org/markup-compatibility/2006">
         <mc:Choice xmlns:a14="http://schemas.microsoft.com/office/drawing/2010/main" Requires="a14">
           <p:sp>
             <p:nvSpPr>
-              <p:cNvPr id="21" name="TextBox 20">
+              <p:cNvPr id="25" name="TextBox 24">
                 <a:extLst>
                   <a:ext uri="{FF2B5EF4-FFF2-40B4-BE49-F238E27FC236}">
-                    <a16:creationId xmlns:a16="http://schemas.microsoft.com/office/drawing/2014/main" id="{909770B8-C511-4A2D-88C1-C76BEB66D5BB}"/>
+                    <a16:creationId xmlns:a16="http://schemas.microsoft.com/office/drawing/2014/main" id="{C572D9FC-3080-451C-AFA5-9884183298D8}"/>
                   </a:ext>
                 </a:extLst>
               </p:cNvPr>
@@ -7454,8 +7458,8 @@
             </p:nvSpPr>
             <p:spPr>
               <a:xfrm>
-                <a:off x="5477435" y="5566282"/>
-                <a:ext cx="1100238" cy="369332"/>
+                <a:off x="2719499" y="4573884"/>
+                <a:ext cx="1322221" cy="369332"/>
               </a:xfrm>
               <a:prstGeom prst="rect">
                 <a:avLst/>
@@ -7468,6 +7472,7 @@
               </a:bodyPr>
               <a:lstStyle/>
               <a:p>
+                <a:pPr/>
                 <a14:m>
                   <m:oMathPara xmlns:m="http://schemas.openxmlformats.org/officeDocument/2006/math">
                     <m:oMathParaPr>
@@ -7481,7 +7486,7 @@
                           </a:solidFill>
                           <a:latin typeface="Cambria Math" panose="02040503050406030204" pitchFamily="18" charset="0"/>
                         </a:rPr>
-                        <m:t>𝜔</m:t>
+                        <m:t>𝑠</m:t>
                       </m:r>
                       <m:r>
                         <a:rPr lang="en-US" altLang="ko-KR" b="0" i="1" smtClean="0">
@@ -7490,7 +7495,43 @@
                           </a:solidFill>
                           <a:latin typeface="Cambria Math" panose="02040503050406030204" pitchFamily="18" charset="0"/>
                         </a:rPr>
-                        <m:t>→−∞</m:t>
+                        <m:t>=</m:t>
+                      </m:r>
+                      <m:r>
+                        <a:rPr lang="en-US" altLang="ko-KR" b="0" i="1" smtClean="0">
+                          <a:solidFill>
+                            <a:schemeClr val="accent2"/>
+                          </a:solidFill>
+                          <a:latin typeface="Cambria Math" panose="02040503050406030204" pitchFamily="18" charset="0"/>
+                        </a:rPr>
+                        <m:t>𝜎</m:t>
+                      </m:r>
+                      <m:r>
+                        <a:rPr lang="en-US" altLang="ko-KR" b="0" i="1" smtClean="0">
+                          <a:solidFill>
+                            <a:schemeClr val="accent2"/>
+                          </a:solidFill>
+                          <a:latin typeface="Cambria Math" panose="02040503050406030204" pitchFamily="18" charset="0"/>
+                        </a:rPr>
+                        <m:t>+</m:t>
+                      </m:r>
+                      <m:r>
+                        <a:rPr lang="en-US" altLang="ko-KR" b="0" i="1" smtClean="0">
+                          <a:solidFill>
+                            <a:schemeClr val="accent2"/>
+                          </a:solidFill>
+                          <a:latin typeface="Cambria Math" panose="02040503050406030204" pitchFamily="18" charset="0"/>
+                        </a:rPr>
+                        <m:t>𝑗</m:t>
+                      </m:r>
+                      <m:r>
+                        <a:rPr lang="en-US" altLang="ko-KR" b="0" i="1" smtClean="0">
+                          <a:solidFill>
+                            <a:schemeClr val="accent2"/>
+                          </a:solidFill>
+                          <a:latin typeface="Cambria Math" panose="02040503050406030204" pitchFamily="18" charset="0"/>
+                        </a:rPr>
+                        <m:t>𝜔</m:t>
                       </m:r>
                     </m:oMath>
                   </m:oMathPara>
@@ -7507,10 +7548,10 @@
         <mc:Fallback>
           <p:sp>
             <p:nvSpPr>
-              <p:cNvPr id="21" name="TextBox 20">
+              <p:cNvPr id="25" name="TextBox 24">
                 <a:extLst>
                   <a:ext uri="{FF2B5EF4-FFF2-40B4-BE49-F238E27FC236}">
-                    <a16:creationId xmlns:a16="http://schemas.microsoft.com/office/drawing/2014/main" id="{909770B8-C511-4A2D-88C1-C76BEB66D5BB}"/>
+                    <a16:creationId xmlns:a16="http://schemas.microsoft.com/office/drawing/2014/main" id="{C572D9FC-3080-451C-AFA5-9884183298D8}"/>
                   </a:ext>
                 </a:extLst>
               </p:cNvPr>
@@ -7521,8 +7562,8 @@
             </p:nvSpPr>
             <p:spPr>
               <a:xfrm>
-                <a:off x="5477435" y="5566282"/>
-                <a:ext cx="1100238" cy="369332"/>
+                <a:off x="2719499" y="4573884"/>
+                <a:ext cx="1322221" cy="369332"/>
               </a:xfrm>
               <a:prstGeom prst="rect">
                 <a:avLst/>
@@ -7530,7 +7571,7 @@
               <a:blipFill>
                 <a:blip r:embed="rId6"/>
                 <a:stretch>
-                  <a:fillRect/>
+                  <a:fillRect b="-13115"/>
                 </a:stretch>
               </a:blipFill>
             </p:spPr>
@@ -7553,10 +7594,10 @@
         <mc:Choice xmlns:a14="http://schemas.microsoft.com/office/drawing/2010/main" Requires="a14">
           <p:sp>
             <p:nvSpPr>
-              <p:cNvPr id="22" name="TextBox 21">
+              <p:cNvPr id="26" name="TextBox 25">
                 <a:extLst>
                   <a:ext uri="{FF2B5EF4-FFF2-40B4-BE49-F238E27FC236}">
-                    <a16:creationId xmlns:a16="http://schemas.microsoft.com/office/drawing/2014/main" id="{4C770C0E-C592-4E95-8297-5241A0059ABD}"/>
+                    <a16:creationId xmlns:a16="http://schemas.microsoft.com/office/drawing/2014/main" id="{A2064732-880E-487B-8A71-C301820DA220}"/>
                   </a:ext>
                 </a:extLst>
               </p:cNvPr>
@@ -7565,8 +7606,8 @@
             </p:nvSpPr>
             <p:spPr>
               <a:xfrm>
-                <a:off x="5913434" y="3375833"/>
-                <a:ext cx="458459" cy="369332"/>
+                <a:off x="5024913" y="1692671"/>
+                <a:ext cx="1800301" cy="369332"/>
               </a:xfrm>
               <a:prstGeom prst="rect">
                 <a:avLst/>
@@ -7579,14 +7620,15 @@
               </a:bodyPr>
               <a:lstStyle/>
               <a:p>
+                <a:pPr/>
                 <a14:m>
                   <m:oMathPara xmlns:m="http://schemas.openxmlformats.org/officeDocument/2006/math">
                     <m:oMathParaPr>
                       <m:jc m:val="centerGroup"/>
                     </m:oMathParaPr>
                     <m:oMath xmlns:m="http://schemas.openxmlformats.org/officeDocument/2006/math">
-                      <m:sSub>
-                        <m:sSubPr>
+                      <m:d>
+                        <m:dPr>
                           <m:ctrlPr>
                             <a:rPr lang="en-US" altLang="ko-KR" b="0" i="1" smtClean="0">
                               <a:solidFill>
@@ -7595,7 +7637,7 @@
                               <a:latin typeface="Cambria Math" panose="02040503050406030204" pitchFamily="18" charset="0"/>
                             </a:rPr>
                           </m:ctrlPr>
-                        </m:sSubPr>
+                        </m:dPr>
                         <m:e>
                           <m:r>
                             <a:rPr lang="en-US" altLang="ko-KR" b="0" i="1" smtClean="0">
@@ -7606,8 +7648,6 @@
                             </a:rPr>
                             <m:t>𝜎</m:t>
                           </m:r>
-                        </m:e>
-                        <m:sub>
                           <m:r>
                             <a:rPr lang="en-US" altLang="ko-KR" b="0" i="1" smtClean="0">
                               <a:solidFill>
@@ -7615,103 +7655,19 @@
                               </a:solidFill>
                               <a:latin typeface="Cambria Math" panose="02040503050406030204" pitchFamily="18" charset="0"/>
                             </a:rPr>
-                            <m:t>1</m:t>
+                            <m:t>,</m:t>
                           </m:r>
-                        </m:sub>
-                      </m:sSub>
-                    </m:oMath>
-                  </m:oMathPara>
-                </a14:m>
-                <a:endParaRPr lang="ko-KR" altLang="en-US" dirty="0">
-                  <a:solidFill>
-                    <a:schemeClr val="accent2"/>
-                  </a:solidFill>
-                </a:endParaRPr>
-              </a:p>
-            </p:txBody>
-          </p:sp>
-        </mc:Choice>
-        <mc:Fallback>
-          <p:sp>
-            <p:nvSpPr>
-              <p:cNvPr id="22" name="TextBox 21">
-                <a:extLst>
-                  <a:ext uri="{FF2B5EF4-FFF2-40B4-BE49-F238E27FC236}">
-                    <a16:creationId xmlns:a16="http://schemas.microsoft.com/office/drawing/2014/main" id="{4C770C0E-C592-4E95-8297-5241A0059ABD}"/>
-                  </a:ext>
-                </a:extLst>
-              </p:cNvPr>
-              <p:cNvSpPr txBox="1">
-                <a:spLocks noRot="1" noChangeAspect="1" noMove="1" noResize="1" noEditPoints="1" noAdjustHandles="1" noChangeArrowheads="1" noChangeShapeType="1" noTextEdit="1"/>
-              </p:cNvSpPr>
-              <p:nvPr/>
-            </p:nvSpPr>
-            <p:spPr>
-              <a:xfrm>
-                <a:off x="5913434" y="3375833"/>
-                <a:ext cx="458459" cy="369332"/>
-              </a:xfrm>
-              <a:prstGeom prst="rect">
-                <a:avLst/>
-              </a:prstGeom>
-              <a:blipFill>
-                <a:blip r:embed="rId7"/>
-                <a:stretch>
-                  <a:fillRect/>
-                </a:stretch>
-              </a:blipFill>
-            </p:spPr>
-            <p:txBody>
-              <a:bodyPr/>
-              <a:lstStyle/>
-              <a:p>
-                <a:r>
-                  <a:rPr lang="ko-KR" altLang="en-US">
-                    <a:noFill/>
-                  </a:rPr>
-                  <a:t> </a:t>
-                </a:r>
-              </a:p>
-            </p:txBody>
-          </p:sp>
-        </mc:Fallback>
-      </mc:AlternateContent>
-      <mc:AlternateContent xmlns:mc="http://schemas.openxmlformats.org/markup-compatibility/2006">
-        <mc:Choice xmlns:a14="http://schemas.microsoft.com/office/drawing/2010/main" Requires="a14">
-          <p:sp>
-            <p:nvSpPr>
-              <p:cNvPr id="23" name="TextBox 22">
-                <a:extLst>
-                  <a:ext uri="{FF2B5EF4-FFF2-40B4-BE49-F238E27FC236}">
-                    <a16:creationId xmlns:a16="http://schemas.microsoft.com/office/drawing/2014/main" id="{055C1C9F-4C8E-48EB-9ED8-CF001660D380}"/>
-                  </a:ext>
-                </a:extLst>
-              </p:cNvPr>
-              <p:cNvSpPr txBox="1"/>
-              <p:nvPr/>
-            </p:nvSpPr>
-            <p:spPr>
-              <a:xfrm>
-                <a:off x="2488444" y="4240675"/>
-                <a:ext cx="1205971" cy="369332"/>
-              </a:xfrm>
-              <a:prstGeom prst="rect">
-                <a:avLst/>
-              </a:prstGeom>
-              <a:noFill/>
-            </p:spPr>
-            <p:txBody>
-              <a:bodyPr wrap="none" rtlCol="0">
-                <a:spAutoFit/>
-              </a:bodyPr>
-              <a:lstStyle/>
-              <a:p>
-                <a14:m>
-                  <m:oMathPara xmlns:m="http://schemas.openxmlformats.org/officeDocument/2006/math">
-                    <m:oMathParaPr>
-                      <m:jc m:val="centerGroup"/>
-                    </m:oMathParaPr>
-                    <m:oMath xmlns:m="http://schemas.openxmlformats.org/officeDocument/2006/math">
+                          <m:r>
+                            <a:rPr lang="en-US" altLang="ko-KR" b="0" i="1" smtClean="0">
+                              <a:solidFill>
+                                <a:schemeClr val="accent2"/>
+                              </a:solidFill>
+                              <a:latin typeface="Cambria Math" panose="02040503050406030204" pitchFamily="18" charset="0"/>
+                            </a:rPr>
+                            <m:t>𝜔</m:t>
+                          </m:r>
+                        </m:e>
+                      </m:d>
                       <m:r>
                         <a:rPr lang="en-US" altLang="ko-KR" b="0" i="1" smtClean="0">
                           <a:solidFill>
@@ -7719,7 +7675,7 @@
                           </a:solidFill>
                           <a:latin typeface="Cambria Math" panose="02040503050406030204" pitchFamily="18" charset="0"/>
                         </a:rPr>
-                        <m:t>𝑠</m:t>
+                        <m:t>=</m:t>
                       </m:r>
                       <m:r>
                         <a:rPr lang="en-US" altLang="ko-KR" b="0" i="1" smtClean="0">
@@ -7728,7 +7684,7 @@
                           </a:solidFill>
                           <a:latin typeface="Cambria Math" panose="02040503050406030204" pitchFamily="18" charset="0"/>
                         </a:rPr>
-                        <m:t>−</m:t>
+                        <m:t>𝜎</m:t>
                       </m:r>
                       <m:r>
                         <a:rPr lang="en-US" altLang="ko-KR" b="0" i="1" smtClean="0">
@@ -7737,7 +7693,25 @@
                           </a:solidFill>
                           <a:latin typeface="Cambria Math" panose="02040503050406030204" pitchFamily="18" charset="0"/>
                         </a:rPr>
-                        <m:t>𝑝𝑙𝑎𝑛𝑒</m:t>
+                        <m:t>+</m:t>
+                      </m:r>
+                      <m:r>
+                        <a:rPr lang="en-US" altLang="ko-KR" b="0" i="1" smtClean="0">
+                          <a:solidFill>
+                            <a:schemeClr val="accent2"/>
+                          </a:solidFill>
+                          <a:latin typeface="Cambria Math" panose="02040503050406030204" pitchFamily="18" charset="0"/>
+                        </a:rPr>
+                        <m:t>𝑗</m:t>
+                      </m:r>
+                      <m:r>
+                        <a:rPr lang="en-US" altLang="ko-KR" b="0" i="1" smtClean="0">
+                          <a:solidFill>
+                            <a:schemeClr val="accent2"/>
+                          </a:solidFill>
+                          <a:latin typeface="Cambria Math" panose="02040503050406030204" pitchFamily="18" charset="0"/>
+                        </a:rPr>
+                        <m:t>𝜔</m:t>
                       </m:r>
                     </m:oMath>
                   </m:oMathPara>
@@ -7754,10 +7728,10 @@
         <mc:Fallback>
           <p:sp>
             <p:nvSpPr>
-              <p:cNvPr id="23" name="TextBox 22">
+              <p:cNvPr id="26" name="TextBox 25">
                 <a:extLst>
                   <a:ext uri="{FF2B5EF4-FFF2-40B4-BE49-F238E27FC236}">
-                    <a16:creationId xmlns:a16="http://schemas.microsoft.com/office/drawing/2014/main" id="{055C1C9F-4C8E-48EB-9ED8-CF001660D380}"/>
+                    <a16:creationId xmlns:a16="http://schemas.microsoft.com/office/drawing/2014/main" id="{A2064732-880E-487B-8A71-C301820DA220}"/>
                   </a:ext>
                 </a:extLst>
               </p:cNvPr>
@@ -7768,14 +7742,14 @@
             </p:nvSpPr>
             <p:spPr>
               <a:xfrm>
-                <a:off x="2488444" y="4240675"/>
-                <a:ext cx="1205971" cy="369332"/>
+                <a:off x="5024913" y="1692671"/>
+                <a:ext cx="1800301" cy="369332"/>
               </a:xfrm>
               <a:prstGeom prst="rect">
                 <a:avLst/>
               </a:prstGeom>
               <a:blipFill>
-                <a:blip r:embed="rId8"/>
+                <a:blip r:embed="rId7"/>
                 <a:stretch>
                   <a:fillRect b="-13333"/>
                 </a:stretch>

--- a/pics/2019-08-12_Laplace_Transform/pics.pptx
+++ b/pics/2019-08-12_Laplace_Transform/pics.pptx
@@ -6,8 +6,10 @@
   </p:sldMasterIdLst>
   <p:sldIdLst>
     <p:sldId id="256" r:id="rId2"/>
-    <p:sldId id="257" r:id="rId3"/>
-    <p:sldId id="258" r:id="rId4"/>
+    <p:sldId id="259" r:id="rId3"/>
+    <p:sldId id="260" r:id="rId4"/>
+    <p:sldId id="257" r:id="rId5"/>
+    <p:sldId id="258" r:id="rId6"/>
   </p:sldIdLst>
   <p:sldSz cx="9144000" cy="6858000" type="screen4x3"/>
   <p:notesSz cx="6858000" cy="9144000"/>
@@ -6478,6 +6480,5550 @@
       </p:grpSpPr>
       <p:pic>
         <p:nvPicPr>
+          <p:cNvPr id="35" name="그림 34">
+            <a:extLst>
+              <a:ext uri="{FF2B5EF4-FFF2-40B4-BE49-F238E27FC236}">
+                <a16:creationId xmlns:a16="http://schemas.microsoft.com/office/drawing/2014/main" id="{119EFC60-51AA-4681-B7EE-9111B9B07C14}"/>
+              </a:ext>
+            </a:extLst>
+          </p:cNvPr>
+          <p:cNvPicPr>
+            <a:picLocks noChangeAspect="1"/>
+          </p:cNvPicPr>
+          <p:nvPr/>
+        </p:nvPicPr>
+        <p:blipFill>
+          <a:blip r:embed="rId2"/>
+          <a:stretch>
+            <a:fillRect/>
+          </a:stretch>
+        </p:blipFill>
+        <p:spPr>
+          <a:xfrm>
+            <a:off x="1203470" y="790124"/>
+            <a:ext cx="1313593" cy="792326"/>
+          </a:xfrm>
+          <a:prstGeom prst="rect">
+            <a:avLst/>
+          </a:prstGeom>
+        </p:spPr>
+      </p:pic>
+      <p:pic>
+        <p:nvPicPr>
+          <p:cNvPr id="33" name="그림 32">
+            <a:extLst>
+              <a:ext uri="{FF2B5EF4-FFF2-40B4-BE49-F238E27FC236}">
+                <a16:creationId xmlns:a16="http://schemas.microsoft.com/office/drawing/2014/main" id="{100FBD2A-71B2-4B54-A339-BE63DD323415}"/>
+              </a:ext>
+            </a:extLst>
+          </p:cNvPr>
+          <p:cNvPicPr>
+            <a:picLocks noChangeAspect="1"/>
+          </p:cNvPicPr>
+          <p:nvPr/>
+        </p:nvPicPr>
+        <p:blipFill>
+          <a:blip r:embed="rId3"/>
+          <a:stretch>
+            <a:fillRect/>
+          </a:stretch>
+        </p:blipFill>
+        <p:spPr>
+          <a:xfrm>
+            <a:off x="1204302" y="2976438"/>
+            <a:ext cx="1311930" cy="791322"/>
+          </a:xfrm>
+          <a:prstGeom prst="rect">
+            <a:avLst/>
+          </a:prstGeom>
+        </p:spPr>
+      </p:pic>
+      <p:pic>
+        <p:nvPicPr>
+          <p:cNvPr id="37" name="그림 36">
+            <a:extLst>
+              <a:ext uri="{FF2B5EF4-FFF2-40B4-BE49-F238E27FC236}">
+                <a16:creationId xmlns:a16="http://schemas.microsoft.com/office/drawing/2014/main" id="{EF543F94-FC25-4832-A99F-0EB4CFFB48C7}"/>
+              </a:ext>
+            </a:extLst>
+          </p:cNvPr>
+          <p:cNvPicPr>
+            <a:picLocks noChangeAspect="1"/>
+          </p:cNvPicPr>
+          <p:nvPr/>
+        </p:nvPicPr>
+        <p:blipFill>
+          <a:blip r:embed="rId4"/>
+          <a:stretch>
+            <a:fillRect/>
+          </a:stretch>
+        </p:blipFill>
+        <p:spPr>
+          <a:xfrm>
+            <a:off x="1203470" y="1519230"/>
+            <a:ext cx="1313594" cy="792326"/>
+          </a:xfrm>
+          <a:prstGeom prst="rect">
+            <a:avLst/>
+          </a:prstGeom>
+        </p:spPr>
+      </p:pic>
+      <p:pic>
+        <p:nvPicPr>
+          <p:cNvPr id="39" name="그림 38">
+            <a:extLst>
+              <a:ext uri="{FF2B5EF4-FFF2-40B4-BE49-F238E27FC236}">
+                <a16:creationId xmlns:a16="http://schemas.microsoft.com/office/drawing/2014/main" id="{F55BED15-5E83-4CC7-8618-9803FA109F1F}"/>
+              </a:ext>
+            </a:extLst>
+          </p:cNvPr>
+          <p:cNvPicPr>
+            <a:picLocks noChangeAspect="1"/>
+          </p:cNvPicPr>
+          <p:nvPr/>
+        </p:nvPicPr>
+        <p:blipFill>
+          <a:blip r:embed="rId5"/>
+          <a:stretch>
+            <a:fillRect/>
+          </a:stretch>
+        </p:blipFill>
+        <p:spPr>
+          <a:xfrm>
+            <a:off x="1204302" y="2248336"/>
+            <a:ext cx="1311930" cy="791322"/>
+          </a:xfrm>
+          <a:prstGeom prst="rect">
+            <a:avLst/>
+          </a:prstGeom>
+        </p:spPr>
+      </p:pic>
+      <p:pic>
+        <p:nvPicPr>
+          <p:cNvPr id="42" name="그림 41">
+            <a:extLst>
+              <a:ext uri="{FF2B5EF4-FFF2-40B4-BE49-F238E27FC236}">
+                <a16:creationId xmlns:a16="http://schemas.microsoft.com/office/drawing/2014/main" id="{FDE1EBFF-DB33-4FD3-8ECE-65CE1C93FEE8}"/>
+              </a:ext>
+            </a:extLst>
+          </p:cNvPr>
+          <p:cNvPicPr>
+            <a:picLocks noChangeAspect="1"/>
+          </p:cNvPicPr>
+          <p:nvPr/>
+        </p:nvPicPr>
+        <p:blipFill>
+          <a:blip r:embed="rId6"/>
+          <a:stretch>
+            <a:fillRect/>
+          </a:stretch>
+        </p:blipFill>
+        <p:spPr>
+          <a:xfrm>
+            <a:off x="1205407" y="3704540"/>
+            <a:ext cx="1309721" cy="789990"/>
+          </a:xfrm>
+          <a:prstGeom prst="rect">
+            <a:avLst/>
+          </a:prstGeom>
+        </p:spPr>
+      </p:pic>
+      <p:pic>
+        <p:nvPicPr>
+          <p:cNvPr id="44" name="그림 43">
+            <a:extLst>
+              <a:ext uri="{FF2B5EF4-FFF2-40B4-BE49-F238E27FC236}">
+                <a16:creationId xmlns:a16="http://schemas.microsoft.com/office/drawing/2014/main" id="{77B8E12D-4F06-437D-9994-A1CCB88FCB27}"/>
+              </a:ext>
+            </a:extLst>
+          </p:cNvPr>
+          <p:cNvPicPr>
+            <a:picLocks noChangeAspect="1"/>
+          </p:cNvPicPr>
+          <p:nvPr/>
+        </p:nvPicPr>
+        <p:blipFill>
+          <a:blip r:embed="rId7"/>
+          <a:stretch>
+            <a:fillRect/>
+          </a:stretch>
+        </p:blipFill>
+        <p:spPr>
+          <a:xfrm>
+            <a:off x="1205407" y="4431310"/>
+            <a:ext cx="1309721" cy="789990"/>
+          </a:xfrm>
+          <a:prstGeom prst="rect">
+            <a:avLst/>
+          </a:prstGeom>
+        </p:spPr>
+      </p:pic>
+      <p:pic>
+        <p:nvPicPr>
+          <p:cNvPr id="46" name="그림 45">
+            <a:extLst>
+              <a:ext uri="{FF2B5EF4-FFF2-40B4-BE49-F238E27FC236}">
+                <a16:creationId xmlns:a16="http://schemas.microsoft.com/office/drawing/2014/main" id="{F52882CE-BD02-4502-8360-C0E89A7DBA71}"/>
+              </a:ext>
+            </a:extLst>
+          </p:cNvPr>
+          <p:cNvPicPr>
+            <a:picLocks noChangeAspect="1"/>
+          </p:cNvPicPr>
+          <p:nvPr/>
+        </p:nvPicPr>
+        <p:blipFill>
+          <a:blip r:embed="rId8"/>
+          <a:stretch>
+            <a:fillRect/>
+          </a:stretch>
+        </p:blipFill>
+        <p:spPr>
+          <a:xfrm>
+            <a:off x="1205407" y="5158080"/>
+            <a:ext cx="1309721" cy="789990"/>
+          </a:xfrm>
+          <a:prstGeom prst="rect">
+            <a:avLst/>
+          </a:prstGeom>
+        </p:spPr>
+      </p:pic>
+      <mc:AlternateContent xmlns:mc="http://schemas.openxmlformats.org/markup-compatibility/2006">
+        <mc:Choice xmlns:a14="http://schemas.microsoft.com/office/drawing/2010/main" Requires="a14">
+          <p:sp>
+            <p:nvSpPr>
+              <p:cNvPr id="51" name="TextBox 50">
+                <a:extLst>
+                  <a:ext uri="{FF2B5EF4-FFF2-40B4-BE49-F238E27FC236}">
+                    <a16:creationId xmlns:a16="http://schemas.microsoft.com/office/drawing/2014/main" id="{2BB5BF33-1BF3-4EC6-8A26-CDAABDF211AF}"/>
+                  </a:ext>
+                </a:extLst>
+              </p:cNvPr>
+              <p:cNvSpPr txBox="1"/>
+              <p:nvPr/>
+            </p:nvSpPr>
+            <p:spPr>
+              <a:xfrm>
+                <a:off x="2232273" y="2259291"/>
+                <a:ext cx="1258566" cy="338554"/>
+              </a:xfrm>
+              <a:prstGeom prst="rect">
+                <a:avLst/>
+              </a:prstGeom>
+              <a:noFill/>
+            </p:spPr>
+            <p:txBody>
+              <a:bodyPr wrap="square" rtlCol="0">
+                <a:spAutoFit/>
+              </a:bodyPr>
+              <a:lstStyle/>
+              <a:p>
+                <a14:m>
+                  <m:oMathPara xmlns:m="http://schemas.openxmlformats.org/officeDocument/2006/math">
+                    <m:oMathParaPr>
+                      <m:jc m:val="centerGroup"/>
+                    </m:oMathParaPr>
+                    <m:oMath xmlns:m="http://schemas.openxmlformats.org/officeDocument/2006/math">
+                      <m:r>
+                        <m:rPr>
+                          <m:sty m:val="p"/>
+                        </m:rPr>
+                        <a:rPr lang="en-US" altLang="ko-KR" sz="1600" b="0" i="0" smtClean="0">
+                          <a:solidFill>
+                            <a:schemeClr val="accent2"/>
+                          </a:solidFill>
+                          <a:latin typeface="Cambria Math" panose="02040503050406030204" pitchFamily="18" charset="0"/>
+                        </a:rPr>
+                        <m:t>exp</m:t>
+                      </m:r>
+                      <m:r>
+                        <a:rPr lang="en-US" altLang="ko-KR" sz="1600" b="0" i="1" smtClean="0">
+                          <a:solidFill>
+                            <a:schemeClr val="accent2"/>
+                          </a:solidFill>
+                          <a:latin typeface="Cambria Math" panose="02040503050406030204" pitchFamily="18" charset="0"/>
+                        </a:rPr>
+                        <m:t>⁡(</m:t>
+                      </m:r>
+                      <m:r>
+                        <a:rPr lang="en-US" altLang="ko-KR" sz="1600" b="0" i="1" smtClean="0">
+                          <a:solidFill>
+                            <a:schemeClr val="accent2"/>
+                          </a:solidFill>
+                          <a:latin typeface="Cambria Math" panose="02040503050406030204" pitchFamily="18" charset="0"/>
+                        </a:rPr>
+                        <m:t>𝑗</m:t>
+                      </m:r>
+                      <m:r>
+                        <a:rPr lang="en-US" altLang="ko-KR" sz="1600" b="0" i="1" smtClean="0">
+                          <a:solidFill>
+                            <a:schemeClr val="accent2"/>
+                          </a:solidFill>
+                          <a:latin typeface="Cambria Math" panose="02040503050406030204" pitchFamily="18" charset="0"/>
+                        </a:rPr>
+                        <m:t>2</m:t>
+                      </m:r>
+                      <m:r>
+                        <a:rPr lang="en-US" altLang="ko-KR" sz="1600" b="0" i="1" smtClean="0">
+                          <a:solidFill>
+                            <a:schemeClr val="accent2"/>
+                          </a:solidFill>
+                          <a:latin typeface="Cambria Math" panose="02040503050406030204" pitchFamily="18" charset="0"/>
+                        </a:rPr>
+                        <m:t>𝜋</m:t>
+                      </m:r>
+                      <m:r>
+                        <a:rPr lang="en-US" altLang="ko-KR" sz="1600" b="0" i="1" smtClean="0">
+                          <a:solidFill>
+                            <a:schemeClr val="accent2"/>
+                          </a:solidFill>
+                          <a:latin typeface="Cambria Math" panose="02040503050406030204" pitchFamily="18" charset="0"/>
+                        </a:rPr>
+                        <m:t>𝑡</m:t>
+                      </m:r>
+                      <m:r>
+                        <a:rPr lang="en-US" altLang="ko-KR" sz="1600" b="0" i="1" smtClean="0">
+                          <a:solidFill>
+                            <a:schemeClr val="accent2"/>
+                          </a:solidFill>
+                          <a:latin typeface="Cambria Math" panose="02040503050406030204" pitchFamily="18" charset="0"/>
+                        </a:rPr>
+                        <m:t>)</m:t>
+                      </m:r>
+                    </m:oMath>
+                  </m:oMathPara>
+                </a14:m>
+                <a:endParaRPr lang="ko-KR" altLang="en-US" sz="1600" dirty="0">
+                  <a:solidFill>
+                    <a:schemeClr val="accent2"/>
+                  </a:solidFill>
+                </a:endParaRPr>
+              </a:p>
+            </p:txBody>
+          </p:sp>
+        </mc:Choice>
+        <mc:Fallback>
+          <p:sp>
+            <p:nvSpPr>
+              <p:cNvPr id="51" name="TextBox 50">
+                <a:extLst>
+                  <a:ext uri="{FF2B5EF4-FFF2-40B4-BE49-F238E27FC236}">
+                    <a16:creationId xmlns:a16="http://schemas.microsoft.com/office/drawing/2014/main" id="{2BB5BF33-1BF3-4EC6-8A26-CDAABDF211AF}"/>
+                  </a:ext>
+                </a:extLst>
+              </p:cNvPr>
+              <p:cNvSpPr txBox="1">
+                <a:spLocks noRot="1" noChangeAspect="1" noMove="1" noResize="1" noEditPoints="1" noAdjustHandles="1" noChangeArrowheads="1" noChangeShapeType="1" noTextEdit="1"/>
+              </p:cNvSpPr>
+              <p:nvPr/>
+            </p:nvSpPr>
+            <p:spPr>
+              <a:xfrm>
+                <a:off x="2232273" y="2259291"/>
+                <a:ext cx="1258566" cy="338554"/>
+              </a:xfrm>
+              <a:prstGeom prst="rect">
+                <a:avLst/>
+              </a:prstGeom>
+              <a:blipFill>
+                <a:blip r:embed="rId9"/>
+                <a:stretch>
+                  <a:fillRect b="-10909"/>
+                </a:stretch>
+              </a:blipFill>
+            </p:spPr>
+            <p:txBody>
+              <a:bodyPr/>
+              <a:lstStyle/>
+              <a:p>
+                <a:r>
+                  <a:rPr lang="ko-KR" altLang="en-US">
+                    <a:noFill/>
+                  </a:rPr>
+                  <a:t> </a:t>
+                </a:r>
+              </a:p>
+            </p:txBody>
+          </p:sp>
+        </mc:Fallback>
+      </mc:AlternateContent>
+      <mc:AlternateContent xmlns:mc="http://schemas.openxmlformats.org/markup-compatibility/2006">
+        <mc:Choice xmlns:a14="http://schemas.microsoft.com/office/drawing/2010/main" Requires="a14">
+          <p:sp>
+            <p:nvSpPr>
+              <p:cNvPr id="59" name="TextBox 58">
+                <a:extLst>
+                  <a:ext uri="{FF2B5EF4-FFF2-40B4-BE49-F238E27FC236}">
+                    <a16:creationId xmlns:a16="http://schemas.microsoft.com/office/drawing/2014/main" id="{FBD37D93-85E5-466C-921A-A8E30D7C65B4}"/>
+                  </a:ext>
+                </a:extLst>
+              </p:cNvPr>
+              <p:cNvSpPr txBox="1"/>
+              <p:nvPr/>
+            </p:nvSpPr>
+            <p:spPr>
+              <a:xfrm>
+                <a:off x="2232273" y="1512065"/>
+                <a:ext cx="1258566" cy="338554"/>
+              </a:xfrm>
+              <a:prstGeom prst="rect">
+                <a:avLst/>
+              </a:prstGeom>
+              <a:noFill/>
+            </p:spPr>
+            <p:txBody>
+              <a:bodyPr wrap="square" rtlCol="0">
+                <a:spAutoFit/>
+              </a:bodyPr>
+              <a:lstStyle/>
+              <a:p>
+                <a14:m>
+                  <m:oMathPara xmlns:m="http://schemas.openxmlformats.org/officeDocument/2006/math">
+                    <m:oMathParaPr>
+                      <m:jc m:val="centerGroup"/>
+                    </m:oMathParaPr>
+                    <m:oMath xmlns:m="http://schemas.openxmlformats.org/officeDocument/2006/math">
+                      <m:r>
+                        <m:rPr>
+                          <m:sty m:val="p"/>
+                        </m:rPr>
+                        <a:rPr lang="en-US" altLang="ko-KR" sz="1600" b="0" i="0" smtClean="0">
+                          <a:solidFill>
+                            <a:schemeClr val="accent2"/>
+                          </a:solidFill>
+                          <a:latin typeface="Cambria Math" panose="02040503050406030204" pitchFamily="18" charset="0"/>
+                        </a:rPr>
+                        <m:t>exp</m:t>
+                      </m:r>
+                      <m:r>
+                        <a:rPr lang="en-US" altLang="ko-KR" sz="1600" b="0" i="1" smtClean="0">
+                          <a:solidFill>
+                            <a:schemeClr val="accent2"/>
+                          </a:solidFill>
+                          <a:latin typeface="Cambria Math" panose="02040503050406030204" pitchFamily="18" charset="0"/>
+                        </a:rPr>
+                        <m:t>⁡(</m:t>
+                      </m:r>
+                      <m:r>
+                        <a:rPr lang="en-US" altLang="ko-KR" sz="1600" b="0" i="1" smtClean="0">
+                          <a:solidFill>
+                            <a:schemeClr val="accent2"/>
+                          </a:solidFill>
+                          <a:latin typeface="Cambria Math" panose="02040503050406030204" pitchFamily="18" charset="0"/>
+                        </a:rPr>
+                        <m:t>𝑗</m:t>
+                      </m:r>
+                      <m:r>
+                        <a:rPr lang="en-US" altLang="ko-KR" sz="1600" b="0" i="1" smtClean="0">
+                          <a:solidFill>
+                            <a:schemeClr val="accent2"/>
+                          </a:solidFill>
+                          <a:latin typeface="Cambria Math" panose="02040503050406030204" pitchFamily="18" charset="0"/>
+                        </a:rPr>
+                        <m:t>4</m:t>
+                      </m:r>
+                      <m:r>
+                        <a:rPr lang="en-US" altLang="ko-KR" sz="1600" b="0" i="1" smtClean="0">
+                          <a:solidFill>
+                            <a:schemeClr val="accent2"/>
+                          </a:solidFill>
+                          <a:latin typeface="Cambria Math" panose="02040503050406030204" pitchFamily="18" charset="0"/>
+                        </a:rPr>
+                        <m:t>𝜋</m:t>
+                      </m:r>
+                      <m:r>
+                        <a:rPr lang="en-US" altLang="ko-KR" sz="1600" b="0" i="1" smtClean="0">
+                          <a:solidFill>
+                            <a:schemeClr val="accent2"/>
+                          </a:solidFill>
+                          <a:latin typeface="Cambria Math" panose="02040503050406030204" pitchFamily="18" charset="0"/>
+                        </a:rPr>
+                        <m:t>𝑡</m:t>
+                      </m:r>
+                      <m:r>
+                        <a:rPr lang="en-US" altLang="ko-KR" sz="1600" b="0" i="1" smtClean="0">
+                          <a:solidFill>
+                            <a:schemeClr val="accent2"/>
+                          </a:solidFill>
+                          <a:latin typeface="Cambria Math" panose="02040503050406030204" pitchFamily="18" charset="0"/>
+                        </a:rPr>
+                        <m:t>)</m:t>
+                      </m:r>
+                    </m:oMath>
+                  </m:oMathPara>
+                </a14:m>
+                <a:endParaRPr lang="ko-KR" altLang="en-US" sz="1600" dirty="0">
+                  <a:solidFill>
+                    <a:schemeClr val="accent2"/>
+                  </a:solidFill>
+                </a:endParaRPr>
+              </a:p>
+            </p:txBody>
+          </p:sp>
+        </mc:Choice>
+        <mc:Fallback>
+          <p:sp>
+            <p:nvSpPr>
+              <p:cNvPr id="59" name="TextBox 58">
+                <a:extLst>
+                  <a:ext uri="{FF2B5EF4-FFF2-40B4-BE49-F238E27FC236}">
+                    <a16:creationId xmlns:a16="http://schemas.microsoft.com/office/drawing/2014/main" id="{FBD37D93-85E5-466C-921A-A8E30D7C65B4}"/>
+                  </a:ext>
+                </a:extLst>
+              </p:cNvPr>
+              <p:cNvSpPr txBox="1">
+                <a:spLocks noRot="1" noChangeAspect="1" noMove="1" noResize="1" noEditPoints="1" noAdjustHandles="1" noChangeArrowheads="1" noChangeShapeType="1" noTextEdit="1"/>
+              </p:cNvSpPr>
+              <p:nvPr/>
+            </p:nvSpPr>
+            <p:spPr>
+              <a:xfrm>
+                <a:off x="2232273" y="1512065"/>
+                <a:ext cx="1258566" cy="338554"/>
+              </a:xfrm>
+              <a:prstGeom prst="rect">
+                <a:avLst/>
+              </a:prstGeom>
+              <a:blipFill>
+                <a:blip r:embed="rId10"/>
+                <a:stretch>
+                  <a:fillRect b="-8929"/>
+                </a:stretch>
+              </a:blipFill>
+            </p:spPr>
+            <p:txBody>
+              <a:bodyPr/>
+              <a:lstStyle/>
+              <a:p>
+                <a:r>
+                  <a:rPr lang="ko-KR" altLang="en-US">
+                    <a:noFill/>
+                  </a:rPr>
+                  <a:t> </a:t>
+                </a:r>
+              </a:p>
+            </p:txBody>
+          </p:sp>
+        </mc:Fallback>
+      </mc:AlternateContent>
+      <mc:AlternateContent xmlns:mc="http://schemas.openxmlformats.org/markup-compatibility/2006">
+        <mc:Choice xmlns:a14="http://schemas.microsoft.com/office/drawing/2010/main" Requires="a14">
+          <p:sp>
+            <p:nvSpPr>
+              <p:cNvPr id="60" name="TextBox 59">
+                <a:extLst>
+                  <a:ext uri="{FF2B5EF4-FFF2-40B4-BE49-F238E27FC236}">
+                    <a16:creationId xmlns:a16="http://schemas.microsoft.com/office/drawing/2014/main" id="{B0415BD8-AD6C-4FE1-89F3-0A719EA11FD1}"/>
+                  </a:ext>
+                </a:extLst>
+              </p:cNvPr>
+              <p:cNvSpPr txBox="1"/>
+              <p:nvPr/>
+            </p:nvSpPr>
+            <p:spPr>
+              <a:xfrm>
+                <a:off x="2232273" y="760935"/>
+                <a:ext cx="1258566" cy="338554"/>
+              </a:xfrm>
+              <a:prstGeom prst="rect">
+                <a:avLst/>
+              </a:prstGeom>
+              <a:noFill/>
+            </p:spPr>
+            <p:txBody>
+              <a:bodyPr wrap="square" rtlCol="0">
+                <a:spAutoFit/>
+              </a:bodyPr>
+              <a:lstStyle/>
+              <a:p>
+                <a14:m>
+                  <m:oMathPara xmlns:m="http://schemas.openxmlformats.org/officeDocument/2006/math">
+                    <m:oMathParaPr>
+                      <m:jc m:val="centerGroup"/>
+                    </m:oMathParaPr>
+                    <m:oMath xmlns:m="http://schemas.openxmlformats.org/officeDocument/2006/math">
+                      <m:r>
+                        <m:rPr>
+                          <m:sty m:val="p"/>
+                        </m:rPr>
+                        <a:rPr lang="en-US" altLang="ko-KR" sz="1600" b="0" i="0" smtClean="0">
+                          <a:solidFill>
+                            <a:schemeClr val="accent2"/>
+                          </a:solidFill>
+                          <a:latin typeface="Cambria Math" panose="02040503050406030204" pitchFamily="18" charset="0"/>
+                        </a:rPr>
+                        <m:t>exp</m:t>
+                      </m:r>
+                      <m:r>
+                        <a:rPr lang="en-US" altLang="ko-KR" sz="1600" b="0" i="1" smtClean="0">
+                          <a:solidFill>
+                            <a:schemeClr val="accent2"/>
+                          </a:solidFill>
+                          <a:latin typeface="Cambria Math" panose="02040503050406030204" pitchFamily="18" charset="0"/>
+                        </a:rPr>
+                        <m:t>⁡(</m:t>
+                      </m:r>
+                      <m:r>
+                        <a:rPr lang="en-US" altLang="ko-KR" sz="1600" b="0" i="1" smtClean="0">
+                          <a:solidFill>
+                            <a:schemeClr val="accent2"/>
+                          </a:solidFill>
+                          <a:latin typeface="Cambria Math" panose="02040503050406030204" pitchFamily="18" charset="0"/>
+                        </a:rPr>
+                        <m:t>𝑗</m:t>
+                      </m:r>
+                      <m:r>
+                        <a:rPr lang="en-US" altLang="ko-KR" sz="1600" b="0" i="1" smtClean="0">
+                          <a:solidFill>
+                            <a:schemeClr val="accent2"/>
+                          </a:solidFill>
+                          <a:latin typeface="Cambria Math" panose="02040503050406030204" pitchFamily="18" charset="0"/>
+                        </a:rPr>
+                        <m:t>6</m:t>
+                      </m:r>
+                      <m:r>
+                        <a:rPr lang="en-US" altLang="ko-KR" sz="1600" b="0" i="1" smtClean="0">
+                          <a:solidFill>
+                            <a:schemeClr val="accent2"/>
+                          </a:solidFill>
+                          <a:latin typeface="Cambria Math" panose="02040503050406030204" pitchFamily="18" charset="0"/>
+                        </a:rPr>
+                        <m:t>𝜋</m:t>
+                      </m:r>
+                      <m:r>
+                        <a:rPr lang="en-US" altLang="ko-KR" sz="1600" b="0" i="1" smtClean="0">
+                          <a:solidFill>
+                            <a:schemeClr val="accent2"/>
+                          </a:solidFill>
+                          <a:latin typeface="Cambria Math" panose="02040503050406030204" pitchFamily="18" charset="0"/>
+                        </a:rPr>
+                        <m:t>𝑡</m:t>
+                      </m:r>
+                      <m:r>
+                        <a:rPr lang="en-US" altLang="ko-KR" sz="1600" b="0" i="1" smtClean="0">
+                          <a:solidFill>
+                            <a:schemeClr val="accent2"/>
+                          </a:solidFill>
+                          <a:latin typeface="Cambria Math" panose="02040503050406030204" pitchFamily="18" charset="0"/>
+                        </a:rPr>
+                        <m:t>)</m:t>
+                      </m:r>
+                    </m:oMath>
+                  </m:oMathPara>
+                </a14:m>
+                <a:endParaRPr lang="ko-KR" altLang="en-US" sz="1600" dirty="0">
+                  <a:solidFill>
+                    <a:schemeClr val="accent2"/>
+                  </a:solidFill>
+                </a:endParaRPr>
+              </a:p>
+            </p:txBody>
+          </p:sp>
+        </mc:Choice>
+        <mc:Fallback>
+          <p:sp>
+            <p:nvSpPr>
+              <p:cNvPr id="60" name="TextBox 59">
+                <a:extLst>
+                  <a:ext uri="{FF2B5EF4-FFF2-40B4-BE49-F238E27FC236}">
+                    <a16:creationId xmlns:a16="http://schemas.microsoft.com/office/drawing/2014/main" id="{B0415BD8-AD6C-4FE1-89F3-0A719EA11FD1}"/>
+                  </a:ext>
+                </a:extLst>
+              </p:cNvPr>
+              <p:cNvSpPr txBox="1">
+                <a:spLocks noRot="1" noChangeAspect="1" noMove="1" noResize="1" noEditPoints="1" noAdjustHandles="1" noChangeArrowheads="1" noChangeShapeType="1" noTextEdit="1"/>
+              </p:cNvSpPr>
+              <p:nvPr/>
+            </p:nvSpPr>
+            <p:spPr>
+              <a:xfrm>
+                <a:off x="2232273" y="760935"/>
+                <a:ext cx="1258566" cy="338554"/>
+              </a:xfrm>
+              <a:prstGeom prst="rect">
+                <a:avLst/>
+              </a:prstGeom>
+              <a:blipFill>
+                <a:blip r:embed="rId11"/>
+                <a:stretch>
+                  <a:fillRect b="-10909"/>
+                </a:stretch>
+              </a:blipFill>
+            </p:spPr>
+            <p:txBody>
+              <a:bodyPr/>
+              <a:lstStyle/>
+              <a:p>
+                <a:r>
+                  <a:rPr lang="ko-KR" altLang="en-US">
+                    <a:noFill/>
+                  </a:rPr>
+                  <a:t> </a:t>
+                </a:r>
+              </a:p>
+            </p:txBody>
+          </p:sp>
+        </mc:Fallback>
+      </mc:AlternateContent>
+      <mc:AlternateContent xmlns:mc="http://schemas.openxmlformats.org/markup-compatibility/2006">
+        <mc:Choice xmlns:a14="http://schemas.microsoft.com/office/drawing/2010/main" Requires="a14">
+          <p:sp>
+            <p:nvSpPr>
+              <p:cNvPr id="61" name="TextBox 60">
+                <a:extLst>
+                  <a:ext uri="{FF2B5EF4-FFF2-40B4-BE49-F238E27FC236}">
+                    <a16:creationId xmlns:a16="http://schemas.microsoft.com/office/drawing/2014/main" id="{FA759093-3796-43F2-B82A-1E4406B2DD43}"/>
+                  </a:ext>
+                </a:extLst>
+              </p:cNvPr>
+              <p:cNvSpPr txBox="1"/>
+              <p:nvPr/>
+            </p:nvSpPr>
+            <p:spPr>
+              <a:xfrm>
+                <a:off x="2232273" y="5443965"/>
+                <a:ext cx="1258566" cy="338554"/>
+              </a:xfrm>
+              <a:prstGeom prst="rect">
+                <a:avLst/>
+              </a:prstGeom>
+              <a:noFill/>
+            </p:spPr>
+            <p:txBody>
+              <a:bodyPr wrap="square" rtlCol="0">
+                <a:spAutoFit/>
+              </a:bodyPr>
+              <a:lstStyle/>
+              <a:p>
+                <a14:m>
+                  <m:oMathPara xmlns:m="http://schemas.openxmlformats.org/officeDocument/2006/math">
+                    <m:oMathParaPr>
+                      <m:jc m:val="centerGroup"/>
+                    </m:oMathParaPr>
+                    <m:oMath xmlns:m="http://schemas.openxmlformats.org/officeDocument/2006/math">
+                      <m:r>
+                        <m:rPr>
+                          <m:sty m:val="p"/>
+                        </m:rPr>
+                        <a:rPr lang="en-US" altLang="ko-KR" sz="1600" b="0" i="0" smtClean="0">
+                          <a:solidFill>
+                            <a:schemeClr val="accent1"/>
+                          </a:solidFill>
+                          <a:latin typeface="Cambria Math" panose="02040503050406030204" pitchFamily="18" charset="0"/>
+                        </a:rPr>
+                        <m:t>exp</m:t>
+                      </m:r>
+                      <m:r>
+                        <a:rPr lang="en-US" altLang="ko-KR" sz="1600" b="0" i="1" smtClean="0">
+                          <a:solidFill>
+                            <a:schemeClr val="accent1"/>
+                          </a:solidFill>
+                          <a:latin typeface="Cambria Math" panose="02040503050406030204" pitchFamily="18" charset="0"/>
+                        </a:rPr>
+                        <m:t>⁡(−</m:t>
+                      </m:r>
+                      <m:r>
+                        <a:rPr lang="en-US" altLang="ko-KR" sz="1600" b="0" i="1" smtClean="0">
+                          <a:solidFill>
+                            <a:schemeClr val="accent1"/>
+                          </a:solidFill>
+                          <a:latin typeface="Cambria Math" panose="02040503050406030204" pitchFamily="18" charset="0"/>
+                        </a:rPr>
+                        <m:t>𝑗</m:t>
+                      </m:r>
+                      <m:r>
+                        <a:rPr lang="en-US" altLang="ko-KR" sz="1600" b="0" i="1" smtClean="0">
+                          <a:solidFill>
+                            <a:schemeClr val="accent1"/>
+                          </a:solidFill>
+                          <a:latin typeface="Cambria Math" panose="02040503050406030204" pitchFamily="18" charset="0"/>
+                        </a:rPr>
+                        <m:t>6</m:t>
+                      </m:r>
+                      <m:r>
+                        <a:rPr lang="en-US" altLang="ko-KR" sz="1600" b="0" i="1" smtClean="0">
+                          <a:solidFill>
+                            <a:schemeClr val="accent1"/>
+                          </a:solidFill>
+                          <a:latin typeface="Cambria Math" panose="02040503050406030204" pitchFamily="18" charset="0"/>
+                        </a:rPr>
+                        <m:t>𝜋</m:t>
+                      </m:r>
+                      <m:r>
+                        <a:rPr lang="en-US" altLang="ko-KR" sz="1600" b="0" i="1" smtClean="0">
+                          <a:solidFill>
+                            <a:schemeClr val="accent1"/>
+                          </a:solidFill>
+                          <a:latin typeface="Cambria Math" panose="02040503050406030204" pitchFamily="18" charset="0"/>
+                        </a:rPr>
+                        <m:t>𝑡</m:t>
+                      </m:r>
+                      <m:r>
+                        <a:rPr lang="en-US" altLang="ko-KR" sz="1600" b="0" i="1" smtClean="0">
+                          <a:solidFill>
+                            <a:schemeClr val="accent1"/>
+                          </a:solidFill>
+                          <a:latin typeface="Cambria Math" panose="02040503050406030204" pitchFamily="18" charset="0"/>
+                        </a:rPr>
+                        <m:t>)</m:t>
+                      </m:r>
+                    </m:oMath>
+                  </m:oMathPara>
+                </a14:m>
+                <a:endParaRPr lang="ko-KR" altLang="en-US" sz="1600" dirty="0">
+                  <a:solidFill>
+                    <a:schemeClr val="accent1"/>
+                  </a:solidFill>
+                </a:endParaRPr>
+              </a:p>
+            </p:txBody>
+          </p:sp>
+        </mc:Choice>
+        <mc:Fallback>
+          <p:sp>
+            <p:nvSpPr>
+              <p:cNvPr id="61" name="TextBox 60">
+                <a:extLst>
+                  <a:ext uri="{FF2B5EF4-FFF2-40B4-BE49-F238E27FC236}">
+                    <a16:creationId xmlns:a16="http://schemas.microsoft.com/office/drawing/2014/main" id="{FA759093-3796-43F2-B82A-1E4406B2DD43}"/>
+                  </a:ext>
+                </a:extLst>
+              </p:cNvPr>
+              <p:cNvSpPr txBox="1">
+                <a:spLocks noRot="1" noChangeAspect="1" noMove="1" noResize="1" noEditPoints="1" noAdjustHandles="1" noChangeArrowheads="1" noChangeShapeType="1" noTextEdit="1"/>
+              </p:cNvSpPr>
+              <p:nvPr/>
+            </p:nvSpPr>
+            <p:spPr>
+              <a:xfrm>
+                <a:off x="2232273" y="5443965"/>
+                <a:ext cx="1258566" cy="338554"/>
+              </a:xfrm>
+              <a:prstGeom prst="rect">
+                <a:avLst/>
+              </a:prstGeom>
+              <a:blipFill>
+                <a:blip r:embed="rId12"/>
+                <a:stretch>
+                  <a:fillRect b="-8929"/>
+                </a:stretch>
+              </a:blipFill>
+            </p:spPr>
+            <p:txBody>
+              <a:bodyPr/>
+              <a:lstStyle/>
+              <a:p>
+                <a:r>
+                  <a:rPr lang="ko-KR" altLang="en-US">
+                    <a:noFill/>
+                  </a:rPr>
+                  <a:t> </a:t>
+                </a:r>
+              </a:p>
+            </p:txBody>
+          </p:sp>
+        </mc:Fallback>
+      </mc:AlternateContent>
+      <mc:AlternateContent xmlns:mc="http://schemas.openxmlformats.org/markup-compatibility/2006">
+        <mc:Choice xmlns:a14="http://schemas.microsoft.com/office/drawing/2010/main" Requires="a14">
+          <p:sp>
+            <p:nvSpPr>
+              <p:cNvPr id="62" name="TextBox 61">
+                <a:extLst>
+                  <a:ext uri="{FF2B5EF4-FFF2-40B4-BE49-F238E27FC236}">
+                    <a16:creationId xmlns:a16="http://schemas.microsoft.com/office/drawing/2014/main" id="{CEA5366B-D622-401F-9035-000182D0183D}"/>
+                  </a:ext>
+                </a:extLst>
+              </p:cNvPr>
+              <p:cNvSpPr txBox="1"/>
+              <p:nvPr/>
+            </p:nvSpPr>
+            <p:spPr>
+              <a:xfrm>
+                <a:off x="2232273" y="4696739"/>
+                <a:ext cx="1258566" cy="338554"/>
+              </a:xfrm>
+              <a:prstGeom prst="rect">
+                <a:avLst/>
+              </a:prstGeom>
+              <a:noFill/>
+            </p:spPr>
+            <p:txBody>
+              <a:bodyPr wrap="square" rtlCol="0">
+                <a:spAutoFit/>
+              </a:bodyPr>
+              <a:lstStyle/>
+              <a:p>
+                <a14:m>
+                  <m:oMathPara xmlns:m="http://schemas.openxmlformats.org/officeDocument/2006/math">
+                    <m:oMathParaPr>
+                      <m:jc m:val="centerGroup"/>
+                    </m:oMathParaPr>
+                    <m:oMath xmlns:m="http://schemas.openxmlformats.org/officeDocument/2006/math">
+                      <m:r>
+                        <m:rPr>
+                          <m:sty m:val="p"/>
+                        </m:rPr>
+                        <a:rPr lang="en-US" altLang="ko-KR" sz="1600" b="0" i="0" smtClean="0">
+                          <a:solidFill>
+                            <a:schemeClr val="accent1"/>
+                          </a:solidFill>
+                          <a:latin typeface="Cambria Math" panose="02040503050406030204" pitchFamily="18" charset="0"/>
+                        </a:rPr>
+                        <m:t>exp</m:t>
+                      </m:r>
+                      <m:r>
+                        <a:rPr lang="en-US" altLang="ko-KR" sz="1600" b="0" i="1" smtClean="0">
+                          <a:solidFill>
+                            <a:schemeClr val="accent1"/>
+                          </a:solidFill>
+                          <a:latin typeface="Cambria Math" panose="02040503050406030204" pitchFamily="18" charset="0"/>
+                        </a:rPr>
+                        <m:t>⁡(−</m:t>
+                      </m:r>
+                      <m:r>
+                        <a:rPr lang="en-US" altLang="ko-KR" sz="1600" b="0" i="1" smtClean="0">
+                          <a:solidFill>
+                            <a:schemeClr val="accent1"/>
+                          </a:solidFill>
+                          <a:latin typeface="Cambria Math" panose="02040503050406030204" pitchFamily="18" charset="0"/>
+                        </a:rPr>
+                        <m:t>𝑗</m:t>
+                      </m:r>
+                      <m:r>
+                        <a:rPr lang="en-US" altLang="ko-KR" sz="1600" b="0" i="1" smtClean="0">
+                          <a:solidFill>
+                            <a:schemeClr val="accent1"/>
+                          </a:solidFill>
+                          <a:latin typeface="Cambria Math" panose="02040503050406030204" pitchFamily="18" charset="0"/>
+                        </a:rPr>
+                        <m:t>4</m:t>
+                      </m:r>
+                      <m:r>
+                        <a:rPr lang="en-US" altLang="ko-KR" sz="1600" b="0" i="1" smtClean="0">
+                          <a:solidFill>
+                            <a:schemeClr val="accent1"/>
+                          </a:solidFill>
+                          <a:latin typeface="Cambria Math" panose="02040503050406030204" pitchFamily="18" charset="0"/>
+                        </a:rPr>
+                        <m:t>𝜋</m:t>
+                      </m:r>
+                      <m:r>
+                        <a:rPr lang="en-US" altLang="ko-KR" sz="1600" b="0" i="1" smtClean="0">
+                          <a:solidFill>
+                            <a:schemeClr val="accent1"/>
+                          </a:solidFill>
+                          <a:latin typeface="Cambria Math" panose="02040503050406030204" pitchFamily="18" charset="0"/>
+                        </a:rPr>
+                        <m:t>𝑡</m:t>
+                      </m:r>
+                      <m:r>
+                        <a:rPr lang="en-US" altLang="ko-KR" sz="1600" b="0" i="1" smtClean="0">
+                          <a:solidFill>
+                            <a:schemeClr val="accent1"/>
+                          </a:solidFill>
+                          <a:latin typeface="Cambria Math" panose="02040503050406030204" pitchFamily="18" charset="0"/>
+                        </a:rPr>
+                        <m:t>)</m:t>
+                      </m:r>
+                    </m:oMath>
+                  </m:oMathPara>
+                </a14:m>
+                <a:endParaRPr lang="ko-KR" altLang="en-US" sz="1600" dirty="0">
+                  <a:solidFill>
+                    <a:schemeClr val="accent1"/>
+                  </a:solidFill>
+                </a:endParaRPr>
+              </a:p>
+            </p:txBody>
+          </p:sp>
+        </mc:Choice>
+        <mc:Fallback>
+          <p:sp>
+            <p:nvSpPr>
+              <p:cNvPr id="62" name="TextBox 61">
+                <a:extLst>
+                  <a:ext uri="{FF2B5EF4-FFF2-40B4-BE49-F238E27FC236}">
+                    <a16:creationId xmlns:a16="http://schemas.microsoft.com/office/drawing/2014/main" id="{CEA5366B-D622-401F-9035-000182D0183D}"/>
+                  </a:ext>
+                </a:extLst>
+              </p:cNvPr>
+              <p:cNvSpPr txBox="1">
+                <a:spLocks noRot="1" noChangeAspect="1" noMove="1" noResize="1" noEditPoints="1" noAdjustHandles="1" noChangeArrowheads="1" noChangeShapeType="1" noTextEdit="1"/>
+              </p:cNvSpPr>
+              <p:nvPr/>
+            </p:nvSpPr>
+            <p:spPr>
+              <a:xfrm>
+                <a:off x="2232273" y="4696739"/>
+                <a:ext cx="1258566" cy="338554"/>
+              </a:xfrm>
+              <a:prstGeom prst="rect">
+                <a:avLst/>
+              </a:prstGeom>
+              <a:blipFill>
+                <a:blip r:embed="rId13"/>
+                <a:stretch>
+                  <a:fillRect b="-8929"/>
+                </a:stretch>
+              </a:blipFill>
+            </p:spPr>
+            <p:txBody>
+              <a:bodyPr/>
+              <a:lstStyle/>
+              <a:p>
+                <a:r>
+                  <a:rPr lang="ko-KR" altLang="en-US">
+                    <a:noFill/>
+                  </a:rPr>
+                  <a:t> </a:t>
+                </a:r>
+              </a:p>
+            </p:txBody>
+          </p:sp>
+        </mc:Fallback>
+      </mc:AlternateContent>
+      <mc:AlternateContent xmlns:mc="http://schemas.openxmlformats.org/markup-compatibility/2006">
+        <mc:Choice xmlns:a14="http://schemas.microsoft.com/office/drawing/2010/main" Requires="a14">
+          <p:sp>
+            <p:nvSpPr>
+              <p:cNvPr id="63" name="TextBox 62">
+                <a:extLst>
+                  <a:ext uri="{FF2B5EF4-FFF2-40B4-BE49-F238E27FC236}">
+                    <a16:creationId xmlns:a16="http://schemas.microsoft.com/office/drawing/2014/main" id="{745898ED-90E4-431A-8794-E38973638037}"/>
+                  </a:ext>
+                </a:extLst>
+              </p:cNvPr>
+              <p:cNvSpPr txBox="1"/>
+              <p:nvPr/>
+            </p:nvSpPr>
+            <p:spPr>
+              <a:xfrm>
+                <a:off x="2232273" y="3945609"/>
+                <a:ext cx="1258566" cy="338554"/>
+              </a:xfrm>
+              <a:prstGeom prst="rect">
+                <a:avLst/>
+              </a:prstGeom>
+              <a:noFill/>
+            </p:spPr>
+            <p:txBody>
+              <a:bodyPr wrap="square" rtlCol="0">
+                <a:spAutoFit/>
+              </a:bodyPr>
+              <a:lstStyle/>
+              <a:p>
+                <a14:m>
+                  <m:oMathPara xmlns:m="http://schemas.openxmlformats.org/officeDocument/2006/math">
+                    <m:oMathParaPr>
+                      <m:jc m:val="centerGroup"/>
+                    </m:oMathParaPr>
+                    <m:oMath xmlns:m="http://schemas.openxmlformats.org/officeDocument/2006/math">
+                      <m:r>
+                        <m:rPr>
+                          <m:sty m:val="p"/>
+                        </m:rPr>
+                        <a:rPr lang="en-US" altLang="ko-KR" sz="1600" b="0" i="0" smtClean="0">
+                          <a:solidFill>
+                            <a:schemeClr val="accent1"/>
+                          </a:solidFill>
+                          <a:latin typeface="Cambria Math" panose="02040503050406030204" pitchFamily="18" charset="0"/>
+                        </a:rPr>
+                        <m:t>exp</m:t>
+                      </m:r>
+                      <m:r>
+                        <a:rPr lang="en-US" altLang="ko-KR" sz="1600" b="0" i="1" smtClean="0">
+                          <a:solidFill>
+                            <a:schemeClr val="accent1"/>
+                          </a:solidFill>
+                          <a:latin typeface="Cambria Math" panose="02040503050406030204" pitchFamily="18" charset="0"/>
+                        </a:rPr>
+                        <m:t>⁡(−</m:t>
+                      </m:r>
+                      <m:r>
+                        <a:rPr lang="en-US" altLang="ko-KR" sz="1600" b="0" i="1" smtClean="0">
+                          <a:solidFill>
+                            <a:schemeClr val="accent1"/>
+                          </a:solidFill>
+                          <a:latin typeface="Cambria Math" panose="02040503050406030204" pitchFamily="18" charset="0"/>
+                        </a:rPr>
+                        <m:t>𝑗</m:t>
+                      </m:r>
+                      <m:r>
+                        <a:rPr lang="en-US" altLang="ko-KR" sz="1600" b="0" i="1" smtClean="0">
+                          <a:solidFill>
+                            <a:schemeClr val="accent1"/>
+                          </a:solidFill>
+                          <a:latin typeface="Cambria Math" panose="02040503050406030204" pitchFamily="18" charset="0"/>
+                        </a:rPr>
+                        <m:t>2</m:t>
+                      </m:r>
+                      <m:r>
+                        <a:rPr lang="en-US" altLang="ko-KR" sz="1600" b="0" i="1" smtClean="0">
+                          <a:solidFill>
+                            <a:schemeClr val="accent1"/>
+                          </a:solidFill>
+                          <a:latin typeface="Cambria Math" panose="02040503050406030204" pitchFamily="18" charset="0"/>
+                        </a:rPr>
+                        <m:t>𝜋</m:t>
+                      </m:r>
+                      <m:r>
+                        <a:rPr lang="en-US" altLang="ko-KR" sz="1600" b="0" i="1" smtClean="0">
+                          <a:solidFill>
+                            <a:schemeClr val="accent1"/>
+                          </a:solidFill>
+                          <a:latin typeface="Cambria Math" panose="02040503050406030204" pitchFamily="18" charset="0"/>
+                        </a:rPr>
+                        <m:t>𝑡</m:t>
+                      </m:r>
+                      <m:r>
+                        <a:rPr lang="en-US" altLang="ko-KR" sz="1600" b="0" i="1" smtClean="0">
+                          <a:solidFill>
+                            <a:schemeClr val="accent1"/>
+                          </a:solidFill>
+                          <a:latin typeface="Cambria Math" panose="02040503050406030204" pitchFamily="18" charset="0"/>
+                        </a:rPr>
+                        <m:t>)</m:t>
+                      </m:r>
+                    </m:oMath>
+                  </m:oMathPara>
+                </a14:m>
+                <a:endParaRPr lang="ko-KR" altLang="en-US" sz="1600" dirty="0">
+                  <a:solidFill>
+                    <a:schemeClr val="accent1"/>
+                  </a:solidFill>
+                </a:endParaRPr>
+              </a:p>
+            </p:txBody>
+          </p:sp>
+        </mc:Choice>
+        <mc:Fallback>
+          <p:sp>
+            <p:nvSpPr>
+              <p:cNvPr id="63" name="TextBox 62">
+                <a:extLst>
+                  <a:ext uri="{FF2B5EF4-FFF2-40B4-BE49-F238E27FC236}">
+                    <a16:creationId xmlns:a16="http://schemas.microsoft.com/office/drawing/2014/main" id="{745898ED-90E4-431A-8794-E38973638037}"/>
+                  </a:ext>
+                </a:extLst>
+              </p:cNvPr>
+              <p:cNvSpPr txBox="1">
+                <a:spLocks noRot="1" noChangeAspect="1" noMove="1" noResize="1" noEditPoints="1" noAdjustHandles="1" noChangeArrowheads="1" noChangeShapeType="1" noTextEdit="1"/>
+              </p:cNvSpPr>
+              <p:nvPr/>
+            </p:nvSpPr>
+            <p:spPr>
+              <a:xfrm>
+                <a:off x="2232273" y="3945609"/>
+                <a:ext cx="1258566" cy="338554"/>
+              </a:xfrm>
+              <a:prstGeom prst="rect">
+                <a:avLst/>
+              </a:prstGeom>
+              <a:blipFill>
+                <a:blip r:embed="rId14"/>
+                <a:stretch>
+                  <a:fillRect b="-8929"/>
+                </a:stretch>
+              </a:blipFill>
+            </p:spPr>
+            <p:txBody>
+              <a:bodyPr/>
+              <a:lstStyle/>
+              <a:p>
+                <a:r>
+                  <a:rPr lang="ko-KR" altLang="en-US">
+                    <a:noFill/>
+                  </a:rPr>
+                  <a:t> </a:t>
+                </a:r>
+              </a:p>
+            </p:txBody>
+          </p:sp>
+        </mc:Fallback>
+      </mc:AlternateContent>
+      <mc:AlternateContent xmlns:mc="http://schemas.openxmlformats.org/markup-compatibility/2006">
+        <mc:Choice xmlns:a14="http://schemas.microsoft.com/office/drawing/2010/main" Requires="a14">
+          <p:sp>
+            <p:nvSpPr>
+              <p:cNvPr id="64" name="TextBox 63">
+                <a:extLst>
+                  <a:ext uri="{FF2B5EF4-FFF2-40B4-BE49-F238E27FC236}">
+                    <a16:creationId xmlns:a16="http://schemas.microsoft.com/office/drawing/2014/main" id="{EB3DB81E-9790-48DE-BA6E-21A2DA347F39}"/>
+                  </a:ext>
+                </a:extLst>
+              </p:cNvPr>
+              <p:cNvSpPr txBox="1"/>
+              <p:nvPr/>
+            </p:nvSpPr>
+            <p:spPr>
+              <a:xfrm>
+                <a:off x="2232273" y="3180642"/>
+                <a:ext cx="1258566" cy="338554"/>
+              </a:xfrm>
+              <a:prstGeom prst="rect">
+                <a:avLst/>
+              </a:prstGeom>
+              <a:noFill/>
+            </p:spPr>
+            <p:txBody>
+              <a:bodyPr wrap="square" rtlCol="0">
+                <a:spAutoFit/>
+              </a:bodyPr>
+              <a:lstStyle/>
+              <a:p>
+                <a14:m>
+                  <m:oMathPara xmlns:m="http://schemas.openxmlformats.org/officeDocument/2006/math">
+                    <m:oMathParaPr>
+                      <m:jc m:val="centerGroup"/>
+                    </m:oMathParaPr>
+                    <m:oMath xmlns:m="http://schemas.openxmlformats.org/officeDocument/2006/math">
+                      <m:r>
+                        <m:rPr>
+                          <m:sty m:val="p"/>
+                        </m:rPr>
+                        <a:rPr lang="en-US" altLang="ko-KR" sz="1600" b="0" i="0" smtClean="0">
+                          <a:solidFill>
+                            <a:schemeClr val="tx1"/>
+                          </a:solidFill>
+                          <a:latin typeface="Cambria Math" panose="02040503050406030204" pitchFamily="18" charset="0"/>
+                        </a:rPr>
+                        <m:t>exp</m:t>
+                      </m:r>
+                      <m:r>
+                        <a:rPr lang="en-US" altLang="ko-KR" sz="1600" b="0" i="1" smtClean="0">
+                          <a:solidFill>
+                            <a:schemeClr val="tx1"/>
+                          </a:solidFill>
+                          <a:latin typeface="Cambria Math" panose="02040503050406030204" pitchFamily="18" charset="0"/>
+                        </a:rPr>
+                        <m:t>⁡(</m:t>
+                      </m:r>
+                      <m:r>
+                        <a:rPr lang="en-US" altLang="ko-KR" sz="1600" b="0" i="1" smtClean="0">
+                          <a:solidFill>
+                            <a:schemeClr val="tx1"/>
+                          </a:solidFill>
+                          <a:latin typeface="Cambria Math" panose="02040503050406030204" pitchFamily="18" charset="0"/>
+                        </a:rPr>
+                        <m:t>𝑗</m:t>
+                      </m:r>
+                      <m:r>
+                        <a:rPr lang="en-US" altLang="ko-KR" sz="1600" b="0" i="1" smtClean="0">
+                          <a:solidFill>
+                            <a:schemeClr val="tx1"/>
+                          </a:solidFill>
+                          <a:latin typeface="Cambria Math" panose="02040503050406030204" pitchFamily="18" charset="0"/>
+                        </a:rPr>
+                        <m:t>(0)</m:t>
+                      </m:r>
+                      <m:r>
+                        <a:rPr lang="en-US" altLang="ko-KR" sz="1600" b="0" i="1" smtClean="0">
+                          <a:solidFill>
+                            <a:schemeClr val="tx1"/>
+                          </a:solidFill>
+                          <a:latin typeface="Cambria Math" panose="02040503050406030204" pitchFamily="18" charset="0"/>
+                        </a:rPr>
+                        <m:t>𝑡</m:t>
+                      </m:r>
+                      <m:r>
+                        <a:rPr lang="en-US" altLang="ko-KR" sz="1600" b="0" i="1" smtClean="0">
+                          <a:solidFill>
+                            <a:schemeClr val="tx1"/>
+                          </a:solidFill>
+                          <a:latin typeface="Cambria Math" panose="02040503050406030204" pitchFamily="18" charset="0"/>
+                        </a:rPr>
+                        <m:t>)</m:t>
+                      </m:r>
+                    </m:oMath>
+                  </m:oMathPara>
+                </a14:m>
+                <a:endParaRPr lang="ko-KR" altLang="en-US" sz="1600" dirty="0">
+                  <a:solidFill>
+                    <a:schemeClr val="tx1"/>
+                  </a:solidFill>
+                </a:endParaRPr>
+              </a:p>
+            </p:txBody>
+          </p:sp>
+        </mc:Choice>
+        <mc:Fallback>
+          <p:sp>
+            <p:nvSpPr>
+              <p:cNvPr id="64" name="TextBox 63">
+                <a:extLst>
+                  <a:ext uri="{FF2B5EF4-FFF2-40B4-BE49-F238E27FC236}">
+                    <a16:creationId xmlns:a16="http://schemas.microsoft.com/office/drawing/2014/main" id="{EB3DB81E-9790-48DE-BA6E-21A2DA347F39}"/>
+                  </a:ext>
+                </a:extLst>
+              </p:cNvPr>
+              <p:cNvSpPr txBox="1">
+                <a:spLocks noRot="1" noChangeAspect="1" noMove="1" noResize="1" noEditPoints="1" noAdjustHandles="1" noChangeArrowheads="1" noChangeShapeType="1" noTextEdit="1"/>
+              </p:cNvSpPr>
+              <p:nvPr/>
+            </p:nvSpPr>
+            <p:spPr>
+              <a:xfrm>
+                <a:off x="2232273" y="3180642"/>
+                <a:ext cx="1258566" cy="338554"/>
+              </a:xfrm>
+              <a:prstGeom prst="rect">
+                <a:avLst/>
+              </a:prstGeom>
+              <a:blipFill>
+                <a:blip r:embed="rId15"/>
+                <a:stretch>
+                  <a:fillRect b="-10909"/>
+                </a:stretch>
+              </a:blipFill>
+            </p:spPr>
+            <p:txBody>
+              <a:bodyPr/>
+              <a:lstStyle/>
+              <a:p>
+                <a:r>
+                  <a:rPr lang="ko-KR" altLang="en-US">
+                    <a:noFill/>
+                  </a:rPr>
+                  <a:t> </a:t>
+                </a:r>
+              </a:p>
+            </p:txBody>
+          </p:sp>
+        </mc:Fallback>
+      </mc:AlternateContent>
+      <p:cxnSp>
+        <p:nvCxnSpPr>
+          <p:cNvPr id="5" name="직선 화살표 연결선 4">
+            <a:extLst>
+              <a:ext uri="{FF2B5EF4-FFF2-40B4-BE49-F238E27FC236}">
+                <a16:creationId xmlns:a16="http://schemas.microsoft.com/office/drawing/2014/main" id="{7B0E8DF2-7958-4B9C-9FDB-C3ACA6C8A704}"/>
+              </a:ext>
+            </a:extLst>
+          </p:cNvPr>
+          <p:cNvCxnSpPr>
+            <a:cxnSpLocks/>
+          </p:cNvCxnSpPr>
+          <p:nvPr/>
+        </p:nvCxnSpPr>
+        <p:spPr>
+          <a:xfrm flipV="1">
+            <a:off x="1200488" y="648894"/>
+            <a:ext cx="0" cy="5396753"/>
+          </a:xfrm>
+          <a:prstGeom prst="straightConnector1">
+            <a:avLst/>
+          </a:prstGeom>
+          <a:ln w="19050">
+            <a:solidFill>
+              <a:schemeClr val="tx1"/>
+            </a:solidFill>
+            <a:tailEnd type="triangle"/>
+          </a:ln>
+        </p:spPr>
+        <p:style>
+          <a:lnRef idx="1">
+            <a:schemeClr val="accent1"/>
+          </a:lnRef>
+          <a:fillRef idx="0">
+            <a:schemeClr val="accent1"/>
+          </a:fillRef>
+          <a:effectRef idx="0">
+            <a:schemeClr val="accent1"/>
+          </a:effectRef>
+          <a:fontRef idx="minor">
+            <a:schemeClr val="tx1"/>
+          </a:fontRef>
+        </p:style>
+      </p:cxnSp>
+      <mc:AlternateContent xmlns:mc="http://schemas.openxmlformats.org/markup-compatibility/2006">
+        <mc:Choice xmlns:a14="http://schemas.microsoft.com/office/drawing/2010/main" Requires="a14">
+          <p:sp>
+            <p:nvSpPr>
+              <p:cNvPr id="6" name="TextBox 5">
+                <a:extLst>
+                  <a:ext uri="{FF2B5EF4-FFF2-40B4-BE49-F238E27FC236}">
+                    <a16:creationId xmlns:a16="http://schemas.microsoft.com/office/drawing/2014/main" id="{488E739C-4E51-4020-B5EA-9CE08308E718}"/>
+                  </a:ext>
+                </a:extLst>
+              </p:cNvPr>
+              <p:cNvSpPr txBox="1"/>
+              <p:nvPr/>
+            </p:nvSpPr>
+            <p:spPr>
+              <a:xfrm>
+                <a:off x="954139" y="254446"/>
+                <a:ext cx="492699" cy="369332"/>
+              </a:xfrm>
+              <a:prstGeom prst="rect">
+                <a:avLst/>
+              </a:prstGeom>
+              <a:noFill/>
+            </p:spPr>
+            <p:txBody>
+              <a:bodyPr wrap="none" rtlCol="0">
+                <a:spAutoFit/>
+              </a:bodyPr>
+              <a:lstStyle/>
+              <a:p>
+                <a14:m>
+                  <m:oMathPara xmlns:m="http://schemas.openxmlformats.org/officeDocument/2006/math">
+                    <m:oMathParaPr>
+                      <m:jc m:val="centerGroup"/>
+                    </m:oMathParaPr>
+                    <m:oMath xmlns:m="http://schemas.openxmlformats.org/officeDocument/2006/math">
+                      <m:r>
+                        <a:rPr lang="en-US" altLang="ko-KR" b="0" i="1" smtClean="0">
+                          <a:latin typeface="Cambria Math" panose="02040503050406030204" pitchFamily="18" charset="0"/>
+                        </a:rPr>
+                        <m:t>𝑗</m:t>
+                      </m:r>
+                      <m:r>
+                        <a:rPr lang="en-US" altLang="ko-KR" b="0" i="1" smtClean="0">
+                          <a:latin typeface="Cambria Math" panose="02040503050406030204" pitchFamily="18" charset="0"/>
+                        </a:rPr>
+                        <m:t>𝜔</m:t>
+                      </m:r>
+                    </m:oMath>
+                  </m:oMathPara>
+                </a14:m>
+                <a:endParaRPr lang="ko-KR" altLang="en-US" dirty="0"/>
+              </a:p>
+            </p:txBody>
+          </p:sp>
+        </mc:Choice>
+        <mc:Fallback>
+          <p:sp>
+            <p:nvSpPr>
+              <p:cNvPr id="6" name="TextBox 5">
+                <a:extLst>
+                  <a:ext uri="{FF2B5EF4-FFF2-40B4-BE49-F238E27FC236}">
+                    <a16:creationId xmlns:a16="http://schemas.microsoft.com/office/drawing/2014/main" id="{488E739C-4E51-4020-B5EA-9CE08308E718}"/>
+                  </a:ext>
+                </a:extLst>
+              </p:cNvPr>
+              <p:cNvSpPr txBox="1">
+                <a:spLocks noRot="1" noChangeAspect="1" noMove="1" noResize="1" noEditPoints="1" noAdjustHandles="1" noChangeArrowheads="1" noChangeShapeType="1" noTextEdit="1"/>
+              </p:cNvSpPr>
+              <p:nvPr/>
+            </p:nvSpPr>
+            <p:spPr>
+              <a:xfrm>
+                <a:off x="954139" y="254446"/>
+                <a:ext cx="492699" cy="369332"/>
+              </a:xfrm>
+              <a:prstGeom prst="rect">
+                <a:avLst/>
+              </a:prstGeom>
+              <a:blipFill>
+                <a:blip r:embed="rId16"/>
+                <a:stretch>
+                  <a:fillRect b="-13333"/>
+                </a:stretch>
+              </a:blipFill>
+            </p:spPr>
+            <p:txBody>
+              <a:bodyPr/>
+              <a:lstStyle/>
+              <a:p>
+                <a:r>
+                  <a:rPr lang="ko-KR" altLang="en-US">
+                    <a:noFill/>
+                  </a:rPr>
+                  <a:t> </a:t>
+                </a:r>
+              </a:p>
+            </p:txBody>
+          </p:sp>
+        </mc:Fallback>
+      </mc:AlternateContent>
+      <p:cxnSp>
+        <p:nvCxnSpPr>
+          <p:cNvPr id="8" name="직선 연결선 7">
+            <a:extLst>
+              <a:ext uri="{FF2B5EF4-FFF2-40B4-BE49-F238E27FC236}">
+                <a16:creationId xmlns:a16="http://schemas.microsoft.com/office/drawing/2014/main" id="{9576299D-E9A6-4C41-8D7C-DAF04CBEFC98}"/>
+              </a:ext>
+            </a:extLst>
+          </p:cNvPr>
+          <p:cNvCxnSpPr>
+            <a:cxnSpLocks/>
+          </p:cNvCxnSpPr>
+          <p:nvPr/>
+        </p:nvCxnSpPr>
+        <p:spPr>
+          <a:xfrm>
+            <a:off x="1092891" y="3369682"/>
+            <a:ext cx="215194" cy="0"/>
+          </a:xfrm>
+          <a:prstGeom prst="line">
+            <a:avLst/>
+          </a:prstGeom>
+          <a:ln w="12700">
+            <a:solidFill>
+              <a:schemeClr val="tx1"/>
+            </a:solidFill>
+          </a:ln>
+        </p:spPr>
+        <p:style>
+          <a:lnRef idx="1">
+            <a:schemeClr val="accent1"/>
+          </a:lnRef>
+          <a:fillRef idx="0">
+            <a:schemeClr val="accent1"/>
+          </a:fillRef>
+          <a:effectRef idx="0">
+            <a:schemeClr val="accent1"/>
+          </a:effectRef>
+          <a:fontRef idx="minor">
+            <a:schemeClr val="tx1"/>
+          </a:fontRef>
+        </p:style>
+      </p:cxnSp>
+      <mc:AlternateContent xmlns:mc="http://schemas.openxmlformats.org/markup-compatibility/2006">
+        <mc:Choice xmlns:a14="http://schemas.microsoft.com/office/drawing/2010/main" Requires="a14">
+          <p:sp>
+            <p:nvSpPr>
+              <p:cNvPr id="9" name="TextBox 8">
+                <a:extLst>
+                  <a:ext uri="{FF2B5EF4-FFF2-40B4-BE49-F238E27FC236}">
+                    <a16:creationId xmlns:a16="http://schemas.microsoft.com/office/drawing/2014/main" id="{E768E94B-42F6-49BB-BF66-F33A9D91C693}"/>
+                  </a:ext>
+                </a:extLst>
+              </p:cNvPr>
+              <p:cNvSpPr txBox="1"/>
+              <p:nvPr/>
+            </p:nvSpPr>
+            <p:spPr>
+              <a:xfrm>
+                <a:off x="518624" y="3185016"/>
+                <a:ext cx="365805" cy="369332"/>
+              </a:xfrm>
+              <a:prstGeom prst="rect">
+                <a:avLst/>
+              </a:prstGeom>
+              <a:noFill/>
+            </p:spPr>
+            <p:txBody>
+              <a:bodyPr wrap="none" rtlCol="0">
+                <a:spAutoFit/>
+              </a:bodyPr>
+              <a:lstStyle/>
+              <a:p>
+                <a14:m>
+                  <m:oMathPara xmlns:m="http://schemas.openxmlformats.org/officeDocument/2006/math">
+                    <m:oMathParaPr>
+                      <m:jc m:val="centerGroup"/>
+                    </m:oMathParaPr>
+                    <m:oMath xmlns:m="http://schemas.openxmlformats.org/officeDocument/2006/math">
+                      <m:r>
+                        <a:rPr lang="en-US" altLang="ko-KR" b="0" i="1" smtClean="0">
+                          <a:latin typeface="Cambria Math" panose="02040503050406030204" pitchFamily="18" charset="0"/>
+                        </a:rPr>
+                        <m:t>0</m:t>
+                      </m:r>
+                    </m:oMath>
+                  </m:oMathPara>
+                </a14:m>
+                <a:endParaRPr lang="ko-KR" altLang="en-US" dirty="0"/>
+              </a:p>
+            </p:txBody>
+          </p:sp>
+        </mc:Choice>
+        <mc:Fallback>
+          <p:sp>
+            <p:nvSpPr>
+              <p:cNvPr id="9" name="TextBox 8">
+                <a:extLst>
+                  <a:ext uri="{FF2B5EF4-FFF2-40B4-BE49-F238E27FC236}">
+                    <a16:creationId xmlns:a16="http://schemas.microsoft.com/office/drawing/2014/main" id="{E768E94B-42F6-49BB-BF66-F33A9D91C693}"/>
+                  </a:ext>
+                </a:extLst>
+              </p:cNvPr>
+              <p:cNvSpPr txBox="1">
+                <a:spLocks noRot="1" noChangeAspect="1" noMove="1" noResize="1" noEditPoints="1" noAdjustHandles="1" noChangeArrowheads="1" noChangeShapeType="1" noTextEdit="1"/>
+              </p:cNvSpPr>
+              <p:nvPr/>
+            </p:nvSpPr>
+            <p:spPr>
+              <a:xfrm>
+                <a:off x="518624" y="3185016"/>
+                <a:ext cx="365805" cy="369332"/>
+              </a:xfrm>
+              <a:prstGeom prst="rect">
+                <a:avLst/>
+              </a:prstGeom>
+              <a:blipFill>
+                <a:blip r:embed="rId17"/>
+                <a:stretch>
+                  <a:fillRect/>
+                </a:stretch>
+              </a:blipFill>
+            </p:spPr>
+            <p:txBody>
+              <a:bodyPr/>
+              <a:lstStyle/>
+              <a:p>
+                <a:r>
+                  <a:rPr lang="ko-KR" altLang="en-US">
+                    <a:noFill/>
+                  </a:rPr>
+                  <a:t> </a:t>
+                </a:r>
+              </a:p>
+            </p:txBody>
+          </p:sp>
+        </mc:Fallback>
+      </mc:AlternateContent>
+      <mc:AlternateContent xmlns:mc="http://schemas.openxmlformats.org/markup-compatibility/2006">
+        <mc:Choice xmlns:a14="http://schemas.microsoft.com/office/drawing/2010/main" Requires="a14">
+          <p:sp>
+            <p:nvSpPr>
+              <p:cNvPr id="10" name="TextBox 9">
+                <a:extLst>
+                  <a:ext uri="{FF2B5EF4-FFF2-40B4-BE49-F238E27FC236}">
+                    <a16:creationId xmlns:a16="http://schemas.microsoft.com/office/drawing/2014/main" id="{EE7AB238-6611-4EA3-A485-F705997A9040}"/>
+                  </a:ext>
+                </a:extLst>
+              </p:cNvPr>
+              <p:cNvSpPr txBox="1"/>
+              <p:nvPr/>
+            </p:nvSpPr>
+            <p:spPr>
+              <a:xfrm>
+                <a:off x="308181" y="2466968"/>
+                <a:ext cx="786690" cy="369332"/>
+              </a:xfrm>
+              <a:prstGeom prst="rect">
+                <a:avLst/>
+              </a:prstGeom>
+              <a:noFill/>
+            </p:spPr>
+            <p:txBody>
+              <a:bodyPr wrap="none" rtlCol="0">
+                <a:spAutoFit/>
+              </a:bodyPr>
+              <a:lstStyle/>
+              <a:p>
+                <a14:m>
+                  <m:oMathPara xmlns:m="http://schemas.openxmlformats.org/officeDocument/2006/math">
+                    <m:oMathParaPr>
+                      <m:jc m:val="centerGroup"/>
+                    </m:oMathParaPr>
+                    <m:oMath xmlns:m="http://schemas.openxmlformats.org/officeDocument/2006/math">
+                      <m:r>
+                        <a:rPr lang="en-US" altLang="ko-KR" b="0" i="1" smtClean="0">
+                          <a:latin typeface="Cambria Math" panose="02040503050406030204" pitchFamily="18" charset="0"/>
+                        </a:rPr>
+                        <m:t>𝑗</m:t>
+                      </m:r>
+                      <m:r>
+                        <a:rPr lang="en-US" altLang="ko-KR" b="0" i="1" smtClean="0">
+                          <a:latin typeface="Cambria Math" panose="02040503050406030204" pitchFamily="18" charset="0"/>
+                        </a:rPr>
+                        <m:t>(</m:t>
+                      </m:r>
+                      <m:r>
+                        <a:rPr lang="en-US" altLang="ko-KR" b="0" i="0" smtClean="0">
+                          <a:latin typeface="Cambria Math" panose="02040503050406030204" pitchFamily="18" charset="0"/>
+                        </a:rPr>
+                        <m:t>2</m:t>
+                      </m:r>
+                      <m:r>
+                        <a:rPr lang="en-US" altLang="ko-KR" b="0" i="1" smtClean="0">
+                          <a:latin typeface="Cambria Math" panose="02040503050406030204" pitchFamily="18" charset="0"/>
+                        </a:rPr>
+                        <m:t>𝜋</m:t>
+                      </m:r>
+                      <m:r>
+                        <a:rPr lang="en-US" altLang="ko-KR" b="0" i="1" smtClean="0">
+                          <a:latin typeface="Cambria Math" panose="02040503050406030204" pitchFamily="18" charset="0"/>
+                        </a:rPr>
+                        <m:t>)</m:t>
+                      </m:r>
+                    </m:oMath>
+                  </m:oMathPara>
+                </a14:m>
+                <a:endParaRPr lang="ko-KR" altLang="en-US" dirty="0"/>
+              </a:p>
+            </p:txBody>
+          </p:sp>
+        </mc:Choice>
+        <mc:Fallback>
+          <p:sp>
+            <p:nvSpPr>
+              <p:cNvPr id="10" name="TextBox 9">
+                <a:extLst>
+                  <a:ext uri="{FF2B5EF4-FFF2-40B4-BE49-F238E27FC236}">
+                    <a16:creationId xmlns:a16="http://schemas.microsoft.com/office/drawing/2014/main" id="{EE7AB238-6611-4EA3-A485-F705997A9040}"/>
+                  </a:ext>
+                </a:extLst>
+              </p:cNvPr>
+              <p:cNvSpPr txBox="1">
+                <a:spLocks noRot="1" noChangeAspect="1" noMove="1" noResize="1" noEditPoints="1" noAdjustHandles="1" noChangeArrowheads="1" noChangeShapeType="1" noTextEdit="1"/>
+              </p:cNvSpPr>
+              <p:nvPr/>
+            </p:nvSpPr>
+            <p:spPr>
+              <a:xfrm>
+                <a:off x="308181" y="2466968"/>
+                <a:ext cx="786690" cy="369332"/>
+              </a:xfrm>
+              <a:prstGeom prst="rect">
+                <a:avLst/>
+              </a:prstGeom>
+              <a:blipFill>
+                <a:blip r:embed="rId18"/>
+                <a:stretch>
+                  <a:fillRect b="-13333"/>
+                </a:stretch>
+              </a:blipFill>
+            </p:spPr>
+            <p:txBody>
+              <a:bodyPr/>
+              <a:lstStyle/>
+              <a:p>
+                <a:r>
+                  <a:rPr lang="ko-KR" altLang="en-US">
+                    <a:noFill/>
+                  </a:rPr>
+                  <a:t> </a:t>
+                </a:r>
+              </a:p>
+            </p:txBody>
+          </p:sp>
+        </mc:Fallback>
+      </mc:AlternateContent>
+      <p:cxnSp>
+        <p:nvCxnSpPr>
+          <p:cNvPr id="11" name="직선 연결선 10">
+            <a:extLst>
+              <a:ext uri="{FF2B5EF4-FFF2-40B4-BE49-F238E27FC236}">
+                <a16:creationId xmlns:a16="http://schemas.microsoft.com/office/drawing/2014/main" id="{198BCB0D-46DA-4B3D-B5FC-8CD0ACEBC5BE}"/>
+              </a:ext>
+            </a:extLst>
+          </p:cNvPr>
+          <p:cNvCxnSpPr>
+            <a:cxnSpLocks/>
+          </p:cNvCxnSpPr>
+          <p:nvPr/>
+        </p:nvCxnSpPr>
+        <p:spPr>
+          <a:xfrm>
+            <a:off x="1092891" y="2651634"/>
+            <a:ext cx="215194" cy="0"/>
+          </a:xfrm>
+          <a:prstGeom prst="line">
+            <a:avLst/>
+          </a:prstGeom>
+          <a:ln w="12700">
+            <a:solidFill>
+              <a:schemeClr val="tx1"/>
+            </a:solidFill>
+          </a:ln>
+        </p:spPr>
+        <p:style>
+          <a:lnRef idx="1">
+            <a:schemeClr val="accent1"/>
+          </a:lnRef>
+          <a:fillRef idx="0">
+            <a:schemeClr val="accent1"/>
+          </a:fillRef>
+          <a:effectRef idx="0">
+            <a:schemeClr val="accent1"/>
+          </a:effectRef>
+          <a:fontRef idx="minor">
+            <a:schemeClr val="tx1"/>
+          </a:fontRef>
+        </p:style>
+      </p:cxnSp>
+      <mc:AlternateContent xmlns:mc="http://schemas.openxmlformats.org/markup-compatibility/2006">
+        <mc:Choice xmlns:a14="http://schemas.microsoft.com/office/drawing/2010/main" Requires="a14">
+          <p:sp>
+            <p:nvSpPr>
+              <p:cNvPr id="15" name="TextBox 14">
+                <a:extLst>
+                  <a:ext uri="{FF2B5EF4-FFF2-40B4-BE49-F238E27FC236}">
+                    <a16:creationId xmlns:a16="http://schemas.microsoft.com/office/drawing/2014/main" id="{655F6A28-AF99-4C9F-9DC0-55F0C8D24FB7}"/>
+                  </a:ext>
+                </a:extLst>
+              </p:cNvPr>
+              <p:cNvSpPr txBox="1"/>
+              <p:nvPr/>
+            </p:nvSpPr>
+            <p:spPr>
+              <a:xfrm>
+                <a:off x="308181" y="1719793"/>
+                <a:ext cx="786690" cy="369332"/>
+              </a:xfrm>
+              <a:prstGeom prst="rect">
+                <a:avLst/>
+              </a:prstGeom>
+              <a:noFill/>
+            </p:spPr>
+            <p:txBody>
+              <a:bodyPr wrap="none" rtlCol="0">
+                <a:spAutoFit/>
+              </a:bodyPr>
+              <a:lstStyle/>
+              <a:p>
+                <a14:m>
+                  <m:oMathPara xmlns:m="http://schemas.openxmlformats.org/officeDocument/2006/math">
+                    <m:oMathParaPr>
+                      <m:jc m:val="centerGroup"/>
+                    </m:oMathParaPr>
+                    <m:oMath xmlns:m="http://schemas.openxmlformats.org/officeDocument/2006/math">
+                      <m:r>
+                        <a:rPr lang="en-US" altLang="ko-KR" b="0" i="1" smtClean="0">
+                          <a:latin typeface="Cambria Math" panose="02040503050406030204" pitchFamily="18" charset="0"/>
+                        </a:rPr>
+                        <m:t>𝑗</m:t>
+                      </m:r>
+                      <m:r>
+                        <a:rPr lang="en-US" altLang="ko-KR" b="0" i="1" smtClean="0">
+                          <a:latin typeface="Cambria Math" panose="02040503050406030204" pitchFamily="18" charset="0"/>
+                        </a:rPr>
+                        <m:t>(</m:t>
+                      </m:r>
+                      <m:r>
+                        <a:rPr lang="en-US" altLang="ko-KR" b="0" i="0" smtClean="0">
+                          <a:latin typeface="Cambria Math" panose="02040503050406030204" pitchFamily="18" charset="0"/>
+                        </a:rPr>
+                        <m:t>4</m:t>
+                      </m:r>
+                      <m:r>
+                        <a:rPr lang="en-US" altLang="ko-KR" b="0" i="1" smtClean="0">
+                          <a:latin typeface="Cambria Math" panose="02040503050406030204" pitchFamily="18" charset="0"/>
+                        </a:rPr>
+                        <m:t>𝜋</m:t>
+                      </m:r>
+                      <m:r>
+                        <a:rPr lang="en-US" altLang="ko-KR" b="0" i="1" smtClean="0">
+                          <a:latin typeface="Cambria Math" panose="02040503050406030204" pitchFamily="18" charset="0"/>
+                        </a:rPr>
+                        <m:t>)</m:t>
+                      </m:r>
+                    </m:oMath>
+                  </m:oMathPara>
+                </a14:m>
+                <a:endParaRPr lang="ko-KR" altLang="en-US" dirty="0"/>
+              </a:p>
+            </p:txBody>
+          </p:sp>
+        </mc:Choice>
+        <mc:Fallback>
+          <p:sp>
+            <p:nvSpPr>
+              <p:cNvPr id="15" name="TextBox 14">
+                <a:extLst>
+                  <a:ext uri="{FF2B5EF4-FFF2-40B4-BE49-F238E27FC236}">
+                    <a16:creationId xmlns:a16="http://schemas.microsoft.com/office/drawing/2014/main" id="{655F6A28-AF99-4C9F-9DC0-55F0C8D24FB7}"/>
+                  </a:ext>
+                </a:extLst>
+              </p:cNvPr>
+              <p:cNvSpPr txBox="1">
+                <a:spLocks noRot="1" noChangeAspect="1" noMove="1" noResize="1" noEditPoints="1" noAdjustHandles="1" noChangeArrowheads="1" noChangeShapeType="1" noTextEdit="1"/>
+              </p:cNvSpPr>
+              <p:nvPr/>
+            </p:nvSpPr>
+            <p:spPr>
+              <a:xfrm>
+                <a:off x="308181" y="1719793"/>
+                <a:ext cx="786690" cy="369332"/>
+              </a:xfrm>
+              <a:prstGeom prst="rect">
+                <a:avLst/>
+              </a:prstGeom>
+              <a:blipFill>
+                <a:blip r:embed="rId19"/>
+                <a:stretch>
+                  <a:fillRect b="-13115"/>
+                </a:stretch>
+              </a:blipFill>
+            </p:spPr>
+            <p:txBody>
+              <a:bodyPr/>
+              <a:lstStyle/>
+              <a:p>
+                <a:r>
+                  <a:rPr lang="ko-KR" altLang="en-US">
+                    <a:noFill/>
+                  </a:rPr>
+                  <a:t> </a:t>
+                </a:r>
+              </a:p>
+            </p:txBody>
+          </p:sp>
+        </mc:Fallback>
+      </mc:AlternateContent>
+      <p:cxnSp>
+        <p:nvCxnSpPr>
+          <p:cNvPr id="16" name="직선 연결선 15">
+            <a:extLst>
+              <a:ext uri="{FF2B5EF4-FFF2-40B4-BE49-F238E27FC236}">
+                <a16:creationId xmlns:a16="http://schemas.microsoft.com/office/drawing/2014/main" id="{C7B5E9F1-F267-4693-A00F-3DDFE8193F13}"/>
+              </a:ext>
+            </a:extLst>
+          </p:cNvPr>
+          <p:cNvCxnSpPr>
+            <a:cxnSpLocks/>
+          </p:cNvCxnSpPr>
+          <p:nvPr/>
+        </p:nvCxnSpPr>
+        <p:spPr>
+          <a:xfrm>
+            <a:off x="1092891" y="1904459"/>
+            <a:ext cx="215194" cy="0"/>
+          </a:xfrm>
+          <a:prstGeom prst="line">
+            <a:avLst/>
+          </a:prstGeom>
+          <a:ln w="12700">
+            <a:solidFill>
+              <a:schemeClr val="tx1"/>
+            </a:solidFill>
+          </a:ln>
+        </p:spPr>
+        <p:style>
+          <a:lnRef idx="1">
+            <a:schemeClr val="accent1"/>
+          </a:lnRef>
+          <a:fillRef idx="0">
+            <a:schemeClr val="accent1"/>
+          </a:fillRef>
+          <a:effectRef idx="0">
+            <a:schemeClr val="accent1"/>
+          </a:effectRef>
+          <a:fontRef idx="minor">
+            <a:schemeClr val="tx1"/>
+          </a:fontRef>
+        </p:style>
+      </p:cxnSp>
+      <p:cxnSp>
+        <p:nvCxnSpPr>
+          <p:cNvPr id="18" name="직선 연결선 17">
+            <a:extLst>
+              <a:ext uri="{FF2B5EF4-FFF2-40B4-BE49-F238E27FC236}">
+                <a16:creationId xmlns:a16="http://schemas.microsoft.com/office/drawing/2014/main" id="{6F285346-0324-4432-A5B2-57B5FB7DF781}"/>
+              </a:ext>
+            </a:extLst>
+          </p:cNvPr>
+          <p:cNvCxnSpPr>
+            <a:cxnSpLocks/>
+          </p:cNvCxnSpPr>
+          <p:nvPr/>
+        </p:nvCxnSpPr>
+        <p:spPr>
+          <a:xfrm>
+            <a:off x="1092891" y="1186287"/>
+            <a:ext cx="215194" cy="0"/>
+          </a:xfrm>
+          <a:prstGeom prst="line">
+            <a:avLst/>
+          </a:prstGeom>
+          <a:ln w="12700">
+            <a:solidFill>
+              <a:schemeClr val="tx1"/>
+            </a:solidFill>
+          </a:ln>
+        </p:spPr>
+        <p:style>
+          <a:lnRef idx="1">
+            <a:schemeClr val="accent1"/>
+          </a:lnRef>
+          <a:fillRef idx="0">
+            <a:schemeClr val="accent1"/>
+          </a:fillRef>
+          <a:effectRef idx="0">
+            <a:schemeClr val="accent1"/>
+          </a:effectRef>
+          <a:fontRef idx="minor">
+            <a:schemeClr val="tx1"/>
+          </a:fontRef>
+        </p:style>
+      </p:cxnSp>
+      <mc:AlternateContent xmlns:mc="http://schemas.openxmlformats.org/markup-compatibility/2006">
+        <mc:Choice xmlns:a14="http://schemas.microsoft.com/office/drawing/2010/main" Requires="a14">
+          <p:sp>
+            <p:nvSpPr>
+              <p:cNvPr id="19" name="TextBox 18">
+                <a:extLst>
+                  <a:ext uri="{FF2B5EF4-FFF2-40B4-BE49-F238E27FC236}">
+                    <a16:creationId xmlns:a16="http://schemas.microsoft.com/office/drawing/2014/main" id="{AF343008-7937-477B-8EEA-C910278DEC13}"/>
+                  </a:ext>
+                </a:extLst>
+              </p:cNvPr>
+              <p:cNvSpPr txBox="1"/>
+              <p:nvPr/>
+            </p:nvSpPr>
+            <p:spPr>
+              <a:xfrm>
+                <a:off x="221619" y="5368410"/>
+                <a:ext cx="959815" cy="369332"/>
+              </a:xfrm>
+              <a:prstGeom prst="rect">
+                <a:avLst/>
+              </a:prstGeom>
+              <a:noFill/>
+            </p:spPr>
+            <p:txBody>
+              <a:bodyPr wrap="none" rtlCol="0">
+                <a:spAutoFit/>
+              </a:bodyPr>
+              <a:lstStyle/>
+              <a:p>
+                <a14:m>
+                  <m:oMathPara xmlns:m="http://schemas.openxmlformats.org/officeDocument/2006/math">
+                    <m:oMathParaPr>
+                      <m:jc m:val="centerGroup"/>
+                    </m:oMathParaPr>
+                    <m:oMath xmlns:m="http://schemas.openxmlformats.org/officeDocument/2006/math">
+                      <m:r>
+                        <a:rPr lang="en-US" altLang="ko-KR" b="0" i="1" smtClean="0">
+                          <a:latin typeface="Cambria Math" panose="02040503050406030204" pitchFamily="18" charset="0"/>
+                        </a:rPr>
+                        <m:t>−</m:t>
+                      </m:r>
+                      <m:r>
+                        <a:rPr lang="en-US" altLang="ko-KR" b="0" i="1" smtClean="0">
+                          <a:latin typeface="Cambria Math" panose="02040503050406030204" pitchFamily="18" charset="0"/>
+                        </a:rPr>
+                        <m:t>𝑗</m:t>
+                      </m:r>
+                      <m:r>
+                        <a:rPr lang="en-US" altLang="ko-KR" b="0" i="1" smtClean="0">
+                          <a:latin typeface="Cambria Math" panose="02040503050406030204" pitchFamily="18" charset="0"/>
+                        </a:rPr>
+                        <m:t>(6</m:t>
+                      </m:r>
+                      <m:r>
+                        <a:rPr lang="en-US" altLang="ko-KR" b="0" i="1" smtClean="0">
+                          <a:latin typeface="Cambria Math" panose="02040503050406030204" pitchFamily="18" charset="0"/>
+                        </a:rPr>
+                        <m:t>𝜋</m:t>
+                      </m:r>
+                      <m:r>
+                        <a:rPr lang="en-US" altLang="ko-KR" b="0" i="1" smtClean="0">
+                          <a:latin typeface="Cambria Math" panose="02040503050406030204" pitchFamily="18" charset="0"/>
+                        </a:rPr>
+                        <m:t>)</m:t>
+                      </m:r>
+                    </m:oMath>
+                  </m:oMathPara>
+                </a14:m>
+                <a:endParaRPr lang="ko-KR" altLang="en-US" dirty="0"/>
+              </a:p>
+            </p:txBody>
+          </p:sp>
+        </mc:Choice>
+        <mc:Fallback>
+          <p:sp>
+            <p:nvSpPr>
+              <p:cNvPr id="19" name="TextBox 18">
+                <a:extLst>
+                  <a:ext uri="{FF2B5EF4-FFF2-40B4-BE49-F238E27FC236}">
+                    <a16:creationId xmlns:a16="http://schemas.microsoft.com/office/drawing/2014/main" id="{AF343008-7937-477B-8EEA-C910278DEC13}"/>
+                  </a:ext>
+                </a:extLst>
+              </p:cNvPr>
+              <p:cNvSpPr txBox="1">
+                <a:spLocks noRot="1" noChangeAspect="1" noMove="1" noResize="1" noEditPoints="1" noAdjustHandles="1" noChangeArrowheads="1" noChangeShapeType="1" noTextEdit="1"/>
+              </p:cNvSpPr>
+              <p:nvPr/>
+            </p:nvSpPr>
+            <p:spPr>
+              <a:xfrm>
+                <a:off x="221619" y="5368410"/>
+                <a:ext cx="959815" cy="369332"/>
+              </a:xfrm>
+              <a:prstGeom prst="rect">
+                <a:avLst/>
+              </a:prstGeom>
+              <a:blipFill>
+                <a:blip r:embed="rId20"/>
+                <a:stretch>
+                  <a:fillRect b="-13333"/>
+                </a:stretch>
+              </a:blipFill>
+            </p:spPr>
+            <p:txBody>
+              <a:bodyPr/>
+              <a:lstStyle/>
+              <a:p>
+                <a:r>
+                  <a:rPr lang="ko-KR" altLang="en-US">
+                    <a:noFill/>
+                  </a:rPr>
+                  <a:t> </a:t>
+                </a:r>
+              </a:p>
+            </p:txBody>
+          </p:sp>
+        </mc:Fallback>
+      </mc:AlternateContent>
+      <p:cxnSp>
+        <p:nvCxnSpPr>
+          <p:cNvPr id="20" name="직선 연결선 19">
+            <a:extLst>
+              <a:ext uri="{FF2B5EF4-FFF2-40B4-BE49-F238E27FC236}">
+                <a16:creationId xmlns:a16="http://schemas.microsoft.com/office/drawing/2014/main" id="{BAA200AA-9F40-4322-B341-0923DE988743}"/>
+              </a:ext>
+            </a:extLst>
+          </p:cNvPr>
+          <p:cNvCxnSpPr>
+            <a:cxnSpLocks/>
+          </p:cNvCxnSpPr>
+          <p:nvPr/>
+        </p:nvCxnSpPr>
+        <p:spPr>
+          <a:xfrm>
+            <a:off x="1092891" y="5553076"/>
+            <a:ext cx="215194" cy="0"/>
+          </a:xfrm>
+          <a:prstGeom prst="line">
+            <a:avLst/>
+          </a:prstGeom>
+          <a:ln w="12700">
+            <a:solidFill>
+              <a:schemeClr val="tx1"/>
+            </a:solidFill>
+          </a:ln>
+        </p:spPr>
+        <p:style>
+          <a:lnRef idx="1">
+            <a:schemeClr val="accent1"/>
+          </a:lnRef>
+          <a:fillRef idx="0">
+            <a:schemeClr val="accent1"/>
+          </a:fillRef>
+          <a:effectRef idx="0">
+            <a:schemeClr val="accent1"/>
+          </a:effectRef>
+          <a:fontRef idx="minor">
+            <a:schemeClr val="tx1"/>
+          </a:fontRef>
+        </p:style>
+      </p:cxnSp>
+      <mc:AlternateContent xmlns:mc="http://schemas.openxmlformats.org/markup-compatibility/2006">
+        <mc:Choice xmlns:a14="http://schemas.microsoft.com/office/drawing/2010/main" Requires="a14">
+          <p:sp>
+            <p:nvSpPr>
+              <p:cNvPr id="21" name="TextBox 20">
+                <a:extLst>
+                  <a:ext uri="{FF2B5EF4-FFF2-40B4-BE49-F238E27FC236}">
+                    <a16:creationId xmlns:a16="http://schemas.microsoft.com/office/drawing/2014/main" id="{867A1091-9BA3-4C97-9FF8-82232F21B4E7}"/>
+                  </a:ext>
+                </a:extLst>
+              </p:cNvPr>
+              <p:cNvSpPr txBox="1"/>
+              <p:nvPr/>
+            </p:nvSpPr>
+            <p:spPr>
+              <a:xfrm>
+                <a:off x="221619" y="4621235"/>
+                <a:ext cx="959815" cy="369332"/>
+              </a:xfrm>
+              <a:prstGeom prst="rect">
+                <a:avLst/>
+              </a:prstGeom>
+              <a:noFill/>
+            </p:spPr>
+            <p:txBody>
+              <a:bodyPr wrap="none" rtlCol="0">
+                <a:spAutoFit/>
+              </a:bodyPr>
+              <a:lstStyle/>
+              <a:p>
+                <a14:m>
+                  <m:oMathPara xmlns:m="http://schemas.openxmlformats.org/officeDocument/2006/math">
+                    <m:oMathParaPr>
+                      <m:jc m:val="centerGroup"/>
+                    </m:oMathParaPr>
+                    <m:oMath xmlns:m="http://schemas.openxmlformats.org/officeDocument/2006/math">
+                      <m:r>
+                        <a:rPr lang="en-US" altLang="ko-KR" b="0" i="1" smtClean="0">
+                          <a:latin typeface="Cambria Math" panose="02040503050406030204" pitchFamily="18" charset="0"/>
+                        </a:rPr>
+                        <m:t>−</m:t>
+                      </m:r>
+                      <m:r>
+                        <a:rPr lang="en-US" altLang="ko-KR" b="0" i="1" smtClean="0">
+                          <a:latin typeface="Cambria Math" panose="02040503050406030204" pitchFamily="18" charset="0"/>
+                        </a:rPr>
+                        <m:t>𝑗</m:t>
+                      </m:r>
+                      <m:r>
+                        <a:rPr lang="en-US" altLang="ko-KR" b="0" i="1" smtClean="0">
+                          <a:latin typeface="Cambria Math" panose="02040503050406030204" pitchFamily="18" charset="0"/>
+                        </a:rPr>
+                        <m:t>(4</m:t>
+                      </m:r>
+                      <m:r>
+                        <a:rPr lang="en-US" altLang="ko-KR" b="0" i="1" smtClean="0">
+                          <a:latin typeface="Cambria Math" panose="02040503050406030204" pitchFamily="18" charset="0"/>
+                        </a:rPr>
+                        <m:t>𝜋</m:t>
+                      </m:r>
+                      <m:r>
+                        <a:rPr lang="en-US" altLang="ko-KR" b="0" i="1" smtClean="0">
+                          <a:latin typeface="Cambria Math" panose="02040503050406030204" pitchFamily="18" charset="0"/>
+                        </a:rPr>
+                        <m:t>)</m:t>
+                      </m:r>
+                    </m:oMath>
+                  </m:oMathPara>
+                </a14:m>
+                <a:endParaRPr lang="ko-KR" altLang="en-US" dirty="0"/>
+              </a:p>
+            </p:txBody>
+          </p:sp>
+        </mc:Choice>
+        <mc:Fallback>
+          <p:sp>
+            <p:nvSpPr>
+              <p:cNvPr id="21" name="TextBox 20">
+                <a:extLst>
+                  <a:ext uri="{FF2B5EF4-FFF2-40B4-BE49-F238E27FC236}">
+                    <a16:creationId xmlns:a16="http://schemas.microsoft.com/office/drawing/2014/main" id="{867A1091-9BA3-4C97-9FF8-82232F21B4E7}"/>
+                  </a:ext>
+                </a:extLst>
+              </p:cNvPr>
+              <p:cNvSpPr txBox="1">
+                <a:spLocks noRot="1" noChangeAspect="1" noMove="1" noResize="1" noEditPoints="1" noAdjustHandles="1" noChangeArrowheads="1" noChangeShapeType="1" noTextEdit="1"/>
+              </p:cNvSpPr>
+              <p:nvPr/>
+            </p:nvSpPr>
+            <p:spPr>
+              <a:xfrm>
+                <a:off x="221619" y="4621235"/>
+                <a:ext cx="959815" cy="369332"/>
+              </a:xfrm>
+              <a:prstGeom prst="rect">
+                <a:avLst/>
+              </a:prstGeom>
+              <a:blipFill>
+                <a:blip r:embed="rId21"/>
+                <a:stretch>
+                  <a:fillRect b="-13115"/>
+                </a:stretch>
+              </a:blipFill>
+            </p:spPr>
+            <p:txBody>
+              <a:bodyPr/>
+              <a:lstStyle/>
+              <a:p>
+                <a:r>
+                  <a:rPr lang="ko-KR" altLang="en-US">
+                    <a:noFill/>
+                  </a:rPr>
+                  <a:t> </a:t>
+                </a:r>
+              </a:p>
+            </p:txBody>
+          </p:sp>
+        </mc:Fallback>
+      </mc:AlternateContent>
+      <p:cxnSp>
+        <p:nvCxnSpPr>
+          <p:cNvPr id="22" name="직선 연결선 21">
+            <a:extLst>
+              <a:ext uri="{FF2B5EF4-FFF2-40B4-BE49-F238E27FC236}">
+                <a16:creationId xmlns:a16="http://schemas.microsoft.com/office/drawing/2014/main" id="{38F72EC0-D506-4DDF-9BBB-6DE89493DF22}"/>
+              </a:ext>
+            </a:extLst>
+          </p:cNvPr>
+          <p:cNvCxnSpPr>
+            <a:cxnSpLocks/>
+          </p:cNvCxnSpPr>
+          <p:nvPr/>
+        </p:nvCxnSpPr>
+        <p:spPr>
+          <a:xfrm>
+            <a:off x="1092891" y="4805901"/>
+            <a:ext cx="215194" cy="0"/>
+          </a:xfrm>
+          <a:prstGeom prst="line">
+            <a:avLst/>
+          </a:prstGeom>
+          <a:ln w="12700">
+            <a:solidFill>
+              <a:schemeClr val="tx1"/>
+            </a:solidFill>
+          </a:ln>
+        </p:spPr>
+        <p:style>
+          <a:lnRef idx="1">
+            <a:schemeClr val="accent1"/>
+          </a:lnRef>
+          <a:fillRef idx="0">
+            <a:schemeClr val="accent1"/>
+          </a:fillRef>
+          <a:effectRef idx="0">
+            <a:schemeClr val="accent1"/>
+          </a:effectRef>
+          <a:fontRef idx="minor">
+            <a:schemeClr val="tx1"/>
+          </a:fontRef>
+        </p:style>
+      </p:cxnSp>
+      <mc:AlternateContent xmlns:mc="http://schemas.openxmlformats.org/markup-compatibility/2006">
+        <mc:Choice xmlns:a14="http://schemas.microsoft.com/office/drawing/2010/main" Requires="a14">
+          <p:sp>
+            <p:nvSpPr>
+              <p:cNvPr id="23" name="TextBox 22">
+                <a:extLst>
+                  <a:ext uri="{FF2B5EF4-FFF2-40B4-BE49-F238E27FC236}">
+                    <a16:creationId xmlns:a16="http://schemas.microsoft.com/office/drawing/2014/main" id="{A7CEDBB0-545A-435C-86A0-CF14E761009C}"/>
+                  </a:ext>
+                </a:extLst>
+              </p:cNvPr>
+              <p:cNvSpPr txBox="1"/>
+              <p:nvPr/>
+            </p:nvSpPr>
+            <p:spPr>
+              <a:xfrm>
+                <a:off x="221619" y="3903063"/>
+                <a:ext cx="959815" cy="369332"/>
+              </a:xfrm>
+              <a:prstGeom prst="rect">
+                <a:avLst/>
+              </a:prstGeom>
+              <a:noFill/>
+            </p:spPr>
+            <p:txBody>
+              <a:bodyPr wrap="none" rtlCol="0">
+                <a:spAutoFit/>
+              </a:bodyPr>
+              <a:lstStyle/>
+              <a:p>
+                <a14:m>
+                  <m:oMathPara xmlns:m="http://schemas.openxmlformats.org/officeDocument/2006/math">
+                    <m:oMathParaPr>
+                      <m:jc m:val="centerGroup"/>
+                    </m:oMathParaPr>
+                    <m:oMath xmlns:m="http://schemas.openxmlformats.org/officeDocument/2006/math">
+                      <m:r>
+                        <a:rPr lang="en-US" altLang="ko-KR" b="0" i="1" smtClean="0">
+                          <a:latin typeface="Cambria Math" panose="02040503050406030204" pitchFamily="18" charset="0"/>
+                        </a:rPr>
+                        <m:t>−</m:t>
+                      </m:r>
+                      <m:r>
+                        <a:rPr lang="en-US" altLang="ko-KR" b="0" i="1" smtClean="0">
+                          <a:latin typeface="Cambria Math" panose="02040503050406030204" pitchFamily="18" charset="0"/>
+                        </a:rPr>
+                        <m:t>𝑗</m:t>
+                      </m:r>
+                      <m:r>
+                        <a:rPr lang="en-US" altLang="ko-KR" b="0" i="1" smtClean="0">
+                          <a:latin typeface="Cambria Math" panose="02040503050406030204" pitchFamily="18" charset="0"/>
+                        </a:rPr>
+                        <m:t>(2</m:t>
+                      </m:r>
+                      <m:r>
+                        <a:rPr lang="en-US" altLang="ko-KR" b="0" i="1" smtClean="0">
+                          <a:latin typeface="Cambria Math" panose="02040503050406030204" pitchFamily="18" charset="0"/>
+                        </a:rPr>
+                        <m:t>𝜋</m:t>
+                      </m:r>
+                      <m:r>
+                        <a:rPr lang="en-US" altLang="ko-KR" b="0" i="1" smtClean="0">
+                          <a:latin typeface="Cambria Math" panose="02040503050406030204" pitchFamily="18" charset="0"/>
+                        </a:rPr>
+                        <m:t>)</m:t>
+                      </m:r>
+                    </m:oMath>
+                  </m:oMathPara>
+                </a14:m>
+                <a:endParaRPr lang="ko-KR" altLang="en-US" dirty="0"/>
+              </a:p>
+            </p:txBody>
+          </p:sp>
+        </mc:Choice>
+        <mc:Fallback>
+          <p:sp>
+            <p:nvSpPr>
+              <p:cNvPr id="23" name="TextBox 22">
+                <a:extLst>
+                  <a:ext uri="{FF2B5EF4-FFF2-40B4-BE49-F238E27FC236}">
+                    <a16:creationId xmlns:a16="http://schemas.microsoft.com/office/drawing/2014/main" id="{A7CEDBB0-545A-435C-86A0-CF14E761009C}"/>
+                  </a:ext>
+                </a:extLst>
+              </p:cNvPr>
+              <p:cNvSpPr txBox="1">
+                <a:spLocks noRot="1" noChangeAspect="1" noMove="1" noResize="1" noEditPoints="1" noAdjustHandles="1" noChangeArrowheads="1" noChangeShapeType="1" noTextEdit="1"/>
+              </p:cNvSpPr>
+              <p:nvPr/>
+            </p:nvSpPr>
+            <p:spPr>
+              <a:xfrm>
+                <a:off x="221619" y="3903063"/>
+                <a:ext cx="959815" cy="369332"/>
+              </a:xfrm>
+              <a:prstGeom prst="rect">
+                <a:avLst/>
+              </a:prstGeom>
+              <a:blipFill>
+                <a:blip r:embed="rId22"/>
+                <a:stretch>
+                  <a:fillRect b="-13115"/>
+                </a:stretch>
+              </a:blipFill>
+            </p:spPr>
+            <p:txBody>
+              <a:bodyPr/>
+              <a:lstStyle/>
+              <a:p>
+                <a:r>
+                  <a:rPr lang="ko-KR" altLang="en-US">
+                    <a:noFill/>
+                  </a:rPr>
+                  <a:t> </a:t>
+                </a:r>
+              </a:p>
+            </p:txBody>
+          </p:sp>
+        </mc:Fallback>
+      </mc:AlternateContent>
+      <p:cxnSp>
+        <p:nvCxnSpPr>
+          <p:cNvPr id="24" name="직선 연결선 23">
+            <a:extLst>
+              <a:ext uri="{FF2B5EF4-FFF2-40B4-BE49-F238E27FC236}">
+                <a16:creationId xmlns:a16="http://schemas.microsoft.com/office/drawing/2014/main" id="{FF71668E-0C75-44BC-BD39-711DDBD1F706}"/>
+              </a:ext>
+            </a:extLst>
+          </p:cNvPr>
+          <p:cNvCxnSpPr>
+            <a:cxnSpLocks/>
+          </p:cNvCxnSpPr>
+          <p:nvPr/>
+        </p:nvCxnSpPr>
+        <p:spPr>
+          <a:xfrm>
+            <a:off x="1092891" y="4087729"/>
+            <a:ext cx="215194" cy="0"/>
+          </a:xfrm>
+          <a:prstGeom prst="line">
+            <a:avLst/>
+          </a:prstGeom>
+          <a:ln w="12700">
+            <a:solidFill>
+              <a:schemeClr val="tx1"/>
+            </a:solidFill>
+          </a:ln>
+        </p:spPr>
+        <p:style>
+          <a:lnRef idx="1">
+            <a:schemeClr val="accent1"/>
+          </a:lnRef>
+          <a:fillRef idx="0">
+            <a:schemeClr val="accent1"/>
+          </a:fillRef>
+          <a:effectRef idx="0">
+            <a:schemeClr val="accent1"/>
+          </a:effectRef>
+          <a:fontRef idx="minor">
+            <a:schemeClr val="tx1"/>
+          </a:fontRef>
+        </p:style>
+      </p:cxnSp>
+      <mc:AlternateContent xmlns:mc="http://schemas.openxmlformats.org/markup-compatibility/2006">
+        <mc:Choice xmlns:a14="http://schemas.microsoft.com/office/drawing/2010/main" Requires="a14">
+          <p:sp>
+            <p:nvSpPr>
+              <p:cNvPr id="57" name="TextBox 56">
+                <a:extLst>
+                  <a:ext uri="{FF2B5EF4-FFF2-40B4-BE49-F238E27FC236}">
+                    <a16:creationId xmlns:a16="http://schemas.microsoft.com/office/drawing/2014/main" id="{B578BD7B-3936-47A6-BA52-C6EFD71DD6B7}"/>
+                  </a:ext>
+                </a:extLst>
+              </p:cNvPr>
+              <p:cNvSpPr txBox="1"/>
+              <p:nvPr/>
+            </p:nvSpPr>
+            <p:spPr>
+              <a:xfrm>
+                <a:off x="308181" y="958068"/>
+                <a:ext cx="786690" cy="369332"/>
+              </a:xfrm>
+              <a:prstGeom prst="rect">
+                <a:avLst/>
+              </a:prstGeom>
+              <a:noFill/>
+            </p:spPr>
+            <p:txBody>
+              <a:bodyPr wrap="none" rtlCol="0">
+                <a:spAutoFit/>
+              </a:bodyPr>
+              <a:lstStyle/>
+              <a:p>
+                <a14:m>
+                  <m:oMathPara xmlns:m="http://schemas.openxmlformats.org/officeDocument/2006/math">
+                    <m:oMathParaPr>
+                      <m:jc m:val="centerGroup"/>
+                    </m:oMathParaPr>
+                    <m:oMath xmlns:m="http://schemas.openxmlformats.org/officeDocument/2006/math">
+                      <m:r>
+                        <a:rPr lang="en-US" altLang="ko-KR" b="0" i="1" smtClean="0">
+                          <a:latin typeface="Cambria Math" panose="02040503050406030204" pitchFamily="18" charset="0"/>
+                        </a:rPr>
+                        <m:t>𝑗</m:t>
+                      </m:r>
+                      <m:r>
+                        <a:rPr lang="en-US" altLang="ko-KR" b="0" i="1" smtClean="0">
+                          <a:latin typeface="Cambria Math" panose="02040503050406030204" pitchFamily="18" charset="0"/>
+                        </a:rPr>
+                        <m:t>(</m:t>
+                      </m:r>
+                      <m:r>
+                        <a:rPr lang="en-US" altLang="ko-KR" b="0" i="0" smtClean="0">
+                          <a:latin typeface="Cambria Math" panose="02040503050406030204" pitchFamily="18" charset="0"/>
+                        </a:rPr>
+                        <m:t>6</m:t>
+                      </m:r>
+                      <m:r>
+                        <a:rPr lang="en-US" altLang="ko-KR" b="0" i="1" smtClean="0">
+                          <a:latin typeface="Cambria Math" panose="02040503050406030204" pitchFamily="18" charset="0"/>
+                        </a:rPr>
+                        <m:t>𝜋</m:t>
+                      </m:r>
+                      <m:r>
+                        <a:rPr lang="en-US" altLang="ko-KR" b="0" i="1" smtClean="0">
+                          <a:latin typeface="Cambria Math" panose="02040503050406030204" pitchFamily="18" charset="0"/>
+                        </a:rPr>
+                        <m:t>)</m:t>
+                      </m:r>
+                    </m:oMath>
+                  </m:oMathPara>
+                </a14:m>
+                <a:endParaRPr lang="ko-KR" altLang="en-US" dirty="0"/>
+              </a:p>
+            </p:txBody>
+          </p:sp>
+        </mc:Choice>
+        <mc:Fallback>
+          <p:sp>
+            <p:nvSpPr>
+              <p:cNvPr id="57" name="TextBox 56">
+                <a:extLst>
+                  <a:ext uri="{FF2B5EF4-FFF2-40B4-BE49-F238E27FC236}">
+                    <a16:creationId xmlns:a16="http://schemas.microsoft.com/office/drawing/2014/main" id="{B578BD7B-3936-47A6-BA52-C6EFD71DD6B7}"/>
+                  </a:ext>
+                </a:extLst>
+              </p:cNvPr>
+              <p:cNvSpPr txBox="1">
+                <a:spLocks noRot="1" noChangeAspect="1" noMove="1" noResize="1" noEditPoints="1" noAdjustHandles="1" noChangeArrowheads="1" noChangeShapeType="1" noTextEdit="1"/>
+              </p:cNvSpPr>
+              <p:nvPr/>
+            </p:nvSpPr>
+            <p:spPr>
+              <a:xfrm>
+                <a:off x="308181" y="958068"/>
+                <a:ext cx="786690" cy="369332"/>
+              </a:xfrm>
+              <a:prstGeom prst="rect">
+                <a:avLst/>
+              </a:prstGeom>
+              <a:blipFill>
+                <a:blip r:embed="rId23"/>
+                <a:stretch>
+                  <a:fillRect b="-13115"/>
+                </a:stretch>
+              </a:blipFill>
+            </p:spPr>
+            <p:txBody>
+              <a:bodyPr/>
+              <a:lstStyle/>
+              <a:p>
+                <a:r>
+                  <a:rPr lang="ko-KR" altLang="en-US">
+                    <a:noFill/>
+                  </a:rPr>
+                  <a:t> </a:t>
+                </a:r>
+              </a:p>
+            </p:txBody>
+          </p:sp>
+        </mc:Fallback>
+      </mc:AlternateContent>
+      <mc:AlternateContent xmlns:mc="http://schemas.openxmlformats.org/markup-compatibility/2006">
+        <mc:Choice xmlns:a14="http://schemas.microsoft.com/office/drawing/2010/main" Requires="a14">
+          <p:sp>
+            <p:nvSpPr>
+              <p:cNvPr id="58" name="TextBox 57">
+                <a:extLst>
+                  <a:ext uri="{FF2B5EF4-FFF2-40B4-BE49-F238E27FC236}">
+                    <a16:creationId xmlns:a16="http://schemas.microsoft.com/office/drawing/2014/main" id="{380E4F80-D06A-4F22-91C0-40F4666218FA}"/>
+                  </a:ext>
+                </a:extLst>
+              </p:cNvPr>
+              <p:cNvSpPr txBox="1"/>
+              <p:nvPr/>
+            </p:nvSpPr>
+            <p:spPr>
+              <a:xfrm>
+                <a:off x="1218805" y="6273066"/>
+                <a:ext cx="2026934" cy="343235"/>
+              </a:xfrm>
+              <a:prstGeom prst="rect">
+                <a:avLst/>
+              </a:prstGeom>
+              <a:noFill/>
+            </p:spPr>
+            <p:txBody>
+              <a:bodyPr wrap="square" rtlCol="0">
+                <a:spAutoFit/>
+              </a:bodyPr>
+              <a:lstStyle/>
+              <a:p>
+                <a:pPr algn="ctr"/>
+                <a:r>
+                  <a:rPr lang="ko-KR" altLang="en-US" sz="1600" dirty="0"/>
+                  <a:t>표</a:t>
+                </a:r>
+                <a14:m>
+                  <m:oMath xmlns:m="http://schemas.openxmlformats.org/officeDocument/2006/math">
+                    <m:r>
+                      <a:rPr lang="ko-KR" altLang="en-US" sz="1600" i="1" smtClean="0">
+                        <a:latin typeface="Cambria Math" panose="02040503050406030204" pitchFamily="18" charset="0"/>
+                      </a:rPr>
+                      <m:t>시</m:t>
+                    </m:r>
+                    <m:r>
+                      <a:rPr lang="en-US" altLang="ko-KR" sz="1600" b="0" i="1" smtClean="0">
+                        <a:latin typeface="Cambria Math" panose="02040503050406030204" pitchFamily="18" charset="0"/>
+                      </a:rPr>
+                      <m:t> </m:t>
+                    </m:r>
+                    <m:r>
+                      <a:rPr lang="ko-KR" altLang="en-US" sz="1600" i="1">
+                        <a:latin typeface="Cambria Math" panose="02040503050406030204" pitchFamily="18" charset="0"/>
+                      </a:rPr>
+                      <m:t>시</m:t>
+                    </m:r>
+                    <m:r>
+                      <a:rPr lang="ko-KR" altLang="en-US" sz="1600" i="1" smtClean="0">
+                        <a:latin typeface="Cambria Math" panose="02040503050406030204" pitchFamily="18" charset="0"/>
+                      </a:rPr>
+                      <m:t>간</m:t>
+                    </m:r>
+                    <m:r>
+                      <a:rPr lang="en-US" altLang="ko-KR" sz="1600" b="0" i="1" smtClean="0">
+                        <a:latin typeface="Cambria Math" panose="02040503050406030204" pitchFamily="18" charset="0"/>
+                      </a:rPr>
+                      <m:t>: </m:t>
+                    </m:r>
+                    <m:r>
+                      <a:rPr lang="en-US" altLang="ko-KR" sz="1600" i="1" smtClean="0">
+                        <a:latin typeface="Cambria Math" panose="02040503050406030204" pitchFamily="18" charset="0"/>
+                      </a:rPr>
+                      <m:t>𝑡</m:t>
+                    </m:r>
+                    <m:r>
+                      <a:rPr lang="en-US" altLang="ko-KR" sz="1600" b="0" i="1" smtClean="0">
+                        <a:latin typeface="Cambria Math" panose="02040503050406030204" pitchFamily="18" charset="0"/>
+                      </a:rPr>
+                      <m:t>=0~3</m:t>
+                    </m:r>
+                    <m:r>
+                      <m:rPr>
+                        <m:sty m:val="p"/>
+                      </m:rPr>
+                      <a:rPr lang="en-US" altLang="ko-KR" sz="1600" b="0" i="0" smtClean="0">
+                        <a:latin typeface="Cambria Math" panose="02040503050406030204" pitchFamily="18" charset="0"/>
+                      </a:rPr>
+                      <m:t>s</m:t>
+                    </m:r>
+                  </m:oMath>
+                </a14:m>
+                <a:endParaRPr lang="ko-KR" altLang="en-US" sz="1600" dirty="0"/>
+              </a:p>
+            </p:txBody>
+          </p:sp>
+        </mc:Choice>
+        <mc:Fallback>
+          <p:sp>
+            <p:nvSpPr>
+              <p:cNvPr id="58" name="TextBox 57">
+                <a:extLst>
+                  <a:ext uri="{FF2B5EF4-FFF2-40B4-BE49-F238E27FC236}">
+                    <a16:creationId xmlns:a16="http://schemas.microsoft.com/office/drawing/2014/main" id="{380E4F80-D06A-4F22-91C0-40F4666218FA}"/>
+                  </a:ext>
+                </a:extLst>
+              </p:cNvPr>
+              <p:cNvSpPr txBox="1">
+                <a:spLocks noRot="1" noChangeAspect="1" noMove="1" noResize="1" noEditPoints="1" noAdjustHandles="1" noChangeArrowheads="1" noChangeShapeType="1" noTextEdit="1"/>
+              </p:cNvSpPr>
+              <p:nvPr/>
+            </p:nvSpPr>
+            <p:spPr>
+              <a:xfrm>
+                <a:off x="1218805" y="6273066"/>
+                <a:ext cx="2026934" cy="343235"/>
+              </a:xfrm>
+              <a:prstGeom prst="rect">
+                <a:avLst/>
+              </a:prstGeom>
+              <a:blipFill>
+                <a:blip r:embed="rId24"/>
+                <a:stretch>
+                  <a:fillRect l="-602" t="-7143" b="-19643"/>
+                </a:stretch>
+              </a:blipFill>
+            </p:spPr>
+            <p:txBody>
+              <a:bodyPr/>
+              <a:lstStyle/>
+              <a:p>
+                <a:r>
+                  <a:rPr lang="ko-KR" altLang="en-US">
+                    <a:noFill/>
+                  </a:rPr>
+                  <a:t> </a:t>
+                </a:r>
+              </a:p>
+            </p:txBody>
+          </p:sp>
+        </mc:Fallback>
+      </mc:AlternateContent>
+      <mc:AlternateContent xmlns:mc="http://schemas.openxmlformats.org/markup-compatibility/2006">
+        <mc:Choice xmlns:a14="http://schemas.microsoft.com/office/drawing/2010/main" Requires="a14">
+          <p:sp>
+            <p:nvSpPr>
+              <p:cNvPr id="65" name="TextBox 64">
+                <a:extLst>
+                  <a:ext uri="{FF2B5EF4-FFF2-40B4-BE49-F238E27FC236}">
+                    <a16:creationId xmlns:a16="http://schemas.microsoft.com/office/drawing/2014/main" id="{F34167B1-E053-4828-94E4-10A3F3121157}"/>
+                  </a:ext>
+                </a:extLst>
+              </p:cNvPr>
+              <p:cNvSpPr txBox="1"/>
+              <p:nvPr/>
+            </p:nvSpPr>
+            <p:spPr>
+              <a:xfrm>
+                <a:off x="1602990" y="241700"/>
+                <a:ext cx="1258566" cy="338554"/>
+              </a:xfrm>
+              <a:prstGeom prst="rect">
+                <a:avLst/>
+              </a:prstGeom>
+              <a:noFill/>
+            </p:spPr>
+            <p:txBody>
+              <a:bodyPr wrap="square" rtlCol="0">
+                <a:spAutoFit/>
+              </a:bodyPr>
+              <a:lstStyle/>
+              <a:p>
+                <a14:m>
+                  <m:oMathPara xmlns:m="http://schemas.openxmlformats.org/officeDocument/2006/math">
+                    <m:oMathParaPr>
+                      <m:jc m:val="centerGroup"/>
+                    </m:oMathParaPr>
+                    <m:oMath xmlns:m="http://schemas.openxmlformats.org/officeDocument/2006/math">
+                      <m:r>
+                        <a:rPr lang="en-US" altLang="ko-KR" sz="1600" b="0" i="1" smtClean="0">
+                          <a:solidFill>
+                            <a:schemeClr val="tx1"/>
+                          </a:solidFill>
+                          <a:latin typeface="Cambria Math" panose="02040503050406030204" pitchFamily="18" charset="0"/>
+                        </a:rPr>
+                        <m:t>⋮</m:t>
+                      </m:r>
+                    </m:oMath>
+                  </m:oMathPara>
+                </a14:m>
+                <a:endParaRPr lang="ko-KR" altLang="en-US" sz="1600" dirty="0">
+                  <a:solidFill>
+                    <a:schemeClr val="tx1"/>
+                  </a:solidFill>
+                </a:endParaRPr>
+              </a:p>
+            </p:txBody>
+          </p:sp>
+        </mc:Choice>
+        <mc:Fallback>
+          <p:sp>
+            <p:nvSpPr>
+              <p:cNvPr id="65" name="TextBox 64">
+                <a:extLst>
+                  <a:ext uri="{FF2B5EF4-FFF2-40B4-BE49-F238E27FC236}">
+                    <a16:creationId xmlns:a16="http://schemas.microsoft.com/office/drawing/2014/main" id="{F34167B1-E053-4828-94E4-10A3F3121157}"/>
+                  </a:ext>
+                </a:extLst>
+              </p:cNvPr>
+              <p:cNvSpPr txBox="1">
+                <a:spLocks noRot="1" noChangeAspect="1" noMove="1" noResize="1" noEditPoints="1" noAdjustHandles="1" noChangeArrowheads="1" noChangeShapeType="1" noTextEdit="1"/>
+              </p:cNvSpPr>
+              <p:nvPr/>
+            </p:nvSpPr>
+            <p:spPr>
+              <a:xfrm>
+                <a:off x="1602990" y="241700"/>
+                <a:ext cx="1258566" cy="338554"/>
+              </a:xfrm>
+              <a:prstGeom prst="rect">
+                <a:avLst/>
+              </a:prstGeom>
+              <a:blipFill>
+                <a:blip r:embed="rId25"/>
+                <a:stretch>
+                  <a:fillRect/>
+                </a:stretch>
+              </a:blipFill>
+            </p:spPr>
+            <p:txBody>
+              <a:bodyPr/>
+              <a:lstStyle/>
+              <a:p>
+                <a:r>
+                  <a:rPr lang="ko-KR" altLang="en-US">
+                    <a:noFill/>
+                  </a:rPr>
+                  <a:t> </a:t>
+                </a:r>
+              </a:p>
+            </p:txBody>
+          </p:sp>
+        </mc:Fallback>
+      </mc:AlternateContent>
+      <mc:AlternateContent xmlns:mc="http://schemas.openxmlformats.org/markup-compatibility/2006">
+        <mc:Choice xmlns:a14="http://schemas.microsoft.com/office/drawing/2010/main" Requires="a14">
+          <p:sp>
+            <p:nvSpPr>
+              <p:cNvPr id="66" name="TextBox 65">
+                <a:extLst>
+                  <a:ext uri="{FF2B5EF4-FFF2-40B4-BE49-F238E27FC236}">
+                    <a16:creationId xmlns:a16="http://schemas.microsoft.com/office/drawing/2014/main" id="{DF9AEB99-3832-49D3-858B-1AB38BCE8342}"/>
+                  </a:ext>
+                </a:extLst>
+              </p:cNvPr>
+              <p:cNvSpPr txBox="1"/>
+              <p:nvPr/>
+            </p:nvSpPr>
+            <p:spPr>
+              <a:xfrm>
+                <a:off x="1602990" y="6000702"/>
+                <a:ext cx="1258566" cy="338554"/>
+              </a:xfrm>
+              <a:prstGeom prst="rect">
+                <a:avLst/>
+              </a:prstGeom>
+              <a:noFill/>
+            </p:spPr>
+            <p:txBody>
+              <a:bodyPr wrap="square" rtlCol="0">
+                <a:spAutoFit/>
+              </a:bodyPr>
+              <a:lstStyle/>
+              <a:p>
+                <a14:m>
+                  <m:oMathPara xmlns:m="http://schemas.openxmlformats.org/officeDocument/2006/math">
+                    <m:oMathParaPr>
+                      <m:jc m:val="centerGroup"/>
+                    </m:oMathParaPr>
+                    <m:oMath xmlns:m="http://schemas.openxmlformats.org/officeDocument/2006/math">
+                      <m:r>
+                        <a:rPr lang="en-US" altLang="ko-KR" sz="1600" b="0" i="1" smtClean="0">
+                          <a:solidFill>
+                            <a:schemeClr val="tx1"/>
+                          </a:solidFill>
+                          <a:latin typeface="Cambria Math" panose="02040503050406030204" pitchFamily="18" charset="0"/>
+                        </a:rPr>
+                        <m:t>⋮</m:t>
+                      </m:r>
+                    </m:oMath>
+                  </m:oMathPara>
+                </a14:m>
+                <a:endParaRPr lang="ko-KR" altLang="en-US" sz="1600" dirty="0">
+                  <a:solidFill>
+                    <a:schemeClr val="tx1"/>
+                  </a:solidFill>
+                </a:endParaRPr>
+              </a:p>
+            </p:txBody>
+          </p:sp>
+        </mc:Choice>
+        <mc:Fallback>
+          <p:sp>
+            <p:nvSpPr>
+              <p:cNvPr id="66" name="TextBox 65">
+                <a:extLst>
+                  <a:ext uri="{FF2B5EF4-FFF2-40B4-BE49-F238E27FC236}">
+                    <a16:creationId xmlns:a16="http://schemas.microsoft.com/office/drawing/2014/main" id="{DF9AEB99-3832-49D3-858B-1AB38BCE8342}"/>
+                  </a:ext>
+                </a:extLst>
+              </p:cNvPr>
+              <p:cNvSpPr txBox="1">
+                <a:spLocks noRot="1" noChangeAspect="1" noMove="1" noResize="1" noEditPoints="1" noAdjustHandles="1" noChangeArrowheads="1" noChangeShapeType="1" noTextEdit="1"/>
+              </p:cNvSpPr>
+              <p:nvPr/>
+            </p:nvSpPr>
+            <p:spPr>
+              <a:xfrm>
+                <a:off x="1602990" y="6000702"/>
+                <a:ext cx="1258566" cy="338554"/>
+              </a:xfrm>
+              <a:prstGeom prst="rect">
+                <a:avLst/>
+              </a:prstGeom>
+              <a:blipFill>
+                <a:blip r:embed="rId26"/>
+                <a:stretch>
+                  <a:fillRect/>
+                </a:stretch>
+              </a:blipFill>
+            </p:spPr>
+            <p:txBody>
+              <a:bodyPr/>
+              <a:lstStyle/>
+              <a:p>
+                <a:r>
+                  <a:rPr lang="ko-KR" altLang="en-US">
+                    <a:noFill/>
+                  </a:rPr>
+                  <a:t> </a:t>
+                </a:r>
+              </a:p>
+            </p:txBody>
+          </p:sp>
+        </mc:Fallback>
+      </mc:AlternateContent>
+      <mc:AlternateContent xmlns:mc="http://schemas.openxmlformats.org/markup-compatibility/2006">
+        <mc:Choice xmlns:a14="http://schemas.microsoft.com/office/drawing/2010/main" Requires="a14">
+          <p:sp>
+            <p:nvSpPr>
+              <p:cNvPr id="70" name="TextBox 69">
+                <a:extLst>
+                  <a:ext uri="{FF2B5EF4-FFF2-40B4-BE49-F238E27FC236}">
+                    <a16:creationId xmlns:a16="http://schemas.microsoft.com/office/drawing/2014/main" id="{EC5DC36E-26E7-4F96-AECD-953BA57CBCED}"/>
+                  </a:ext>
+                </a:extLst>
+              </p:cNvPr>
+              <p:cNvSpPr txBox="1"/>
+              <p:nvPr/>
+            </p:nvSpPr>
+            <p:spPr>
+              <a:xfrm>
+                <a:off x="3784246" y="3816265"/>
+                <a:ext cx="5155642" cy="1569660"/>
+              </a:xfrm>
+              <a:prstGeom prst="rect">
+                <a:avLst/>
+              </a:prstGeom>
+              <a:noFill/>
+            </p:spPr>
+            <p:txBody>
+              <a:bodyPr wrap="none" rtlCol="0">
+                <a:spAutoFit/>
+              </a:bodyPr>
+              <a:lstStyle/>
+              <a:p>
+                <a:pPr algn="ctr"/>
+                <a:r>
+                  <a:rPr lang="ko-KR" altLang="en-US" sz="2400" u="sng" dirty="0">
+                    <a:latin typeface="마루 부리 Beta" panose="020B0600000101010101" pitchFamily="50" charset="-127"/>
+                    <a:ea typeface="마루 부리 Beta" panose="020B0600000101010101" pitchFamily="50" charset="-127"/>
+                  </a:rPr>
+                  <a:t>푸리에 변환의 의미</a:t>
+                </a:r>
+                <a:r>
+                  <a:rPr lang="en-US" altLang="ko-KR" sz="2400" dirty="0">
+                    <a:latin typeface="마루 부리 Beta" panose="020B0600000101010101" pitchFamily="50" charset="-127"/>
+                    <a:ea typeface="마루 부리 Beta" panose="020B0600000101010101" pitchFamily="50" charset="-127"/>
+                  </a:rPr>
+                  <a:t>:</a:t>
+                </a:r>
+              </a:p>
+              <a:p>
+                <a:pPr algn="ctr"/>
+                <a:r>
+                  <a:rPr lang="ko-KR" altLang="en-US" sz="2400" dirty="0">
+                    <a:latin typeface="마루 부리 Beta" panose="020B0600000101010101" pitchFamily="50" charset="-127"/>
+                    <a:ea typeface="마루 부리 Beta" panose="020B0600000101010101" pitchFamily="50" charset="-127"/>
+                  </a:rPr>
+                  <a:t>각 각주파수 </a:t>
+                </a:r>
+                <a14:m>
+                  <m:oMath xmlns:m="http://schemas.openxmlformats.org/officeDocument/2006/math">
+                    <m:r>
+                      <a:rPr lang="en-US" altLang="ko-KR" sz="2400" b="0" i="1" smtClean="0">
+                        <a:latin typeface="Cambria Math" panose="02040503050406030204" pitchFamily="18" charset="0"/>
+                        <a:ea typeface="마루 부리 Beta" panose="020B0600000101010101" pitchFamily="50" charset="-127"/>
+                      </a:rPr>
+                      <m:t>𝜔</m:t>
+                    </m:r>
+                  </m:oMath>
+                </a14:m>
+                <a:r>
+                  <a:rPr lang="ko-KR" altLang="en-US" sz="2400" dirty="0">
+                    <a:latin typeface="마루 부리 Beta" panose="020B0600000101010101" pitchFamily="50" charset="-127"/>
+                    <a:ea typeface="마루 부리 Beta" panose="020B0600000101010101" pitchFamily="50" charset="-127"/>
+                  </a:rPr>
+                  <a:t>에 대해 원 신호 </a:t>
+                </a:r>
+                <a14:m>
+                  <m:oMath xmlns:m="http://schemas.openxmlformats.org/officeDocument/2006/math">
+                    <m:r>
+                      <a:rPr lang="en-US" altLang="ko-KR" sz="2400" b="0" i="1" smtClean="0">
+                        <a:latin typeface="Cambria Math" panose="02040503050406030204" pitchFamily="18" charset="0"/>
+                      </a:rPr>
+                      <m:t>𝑥</m:t>
+                    </m:r>
+                    <m:d>
+                      <m:dPr>
+                        <m:ctrlPr>
+                          <a:rPr lang="en-US" altLang="ko-KR" sz="2400" b="0" i="1" smtClean="0">
+                            <a:latin typeface="Cambria Math" panose="02040503050406030204" pitchFamily="18" charset="0"/>
+                          </a:rPr>
+                        </m:ctrlPr>
+                      </m:dPr>
+                      <m:e>
+                        <m:r>
+                          <a:rPr lang="en-US" altLang="ko-KR" sz="2400" b="0" i="1" smtClean="0">
+                            <a:latin typeface="Cambria Math" panose="02040503050406030204" pitchFamily="18" charset="0"/>
+                          </a:rPr>
+                          <m:t>𝑡</m:t>
+                        </m:r>
+                      </m:e>
+                    </m:d>
+                  </m:oMath>
+                </a14:m>
+                <a:r>
+                  <a:rPr lang="ko-KR" altLang="en-US" sz="2400" b="0" dirty="0">
+                    <a:latin typeface="마루 부리 Beta" panose="020B0600000101010101" pitchFamily="50" charset="-127"/>
+                    <a:ea typeface="마루 부리 Beta" panose="020B0600000101010101" pitchFamily="50" charset="-127"/>
+                  </a:rPr>
+                  <a:t>와 </a:t>
+                </a:r>
+                <a:endParaRPr lang="en-US" altLang="ko-KR" sz="2400" b="0" dirty="0">
+                  <a:latin typeface="마루 부리 Beta" panose="020B0600000101010101" pitchFamily="50" charset="-127"/>
+                  <a:ea typeface="마루 부리 Beta" panose="020B0600000101010101" pitchFamily="50" charset="-127"/>
+                </a:endParaRPr>
+              </a:p>
+              <a:p>
+                <a:pPr algn="ctr"/>
+                <a:r>
+                  <a:rPr lang="ko-KR" altLang="en-US" sz="2400" b="0" dirty="0">
+                    <a:latin typeface="마루 부리 Beta" panose="020B0600000101010101" pitchFamily="50" charset="-127"/>
+                    <a:ea typeface="마루 부리 Beta" panose="020B0600000101010101" pitchFamily="50" charset="-127"/>
+                  </a:rPr>
+                  <a:t>복소정현파 </a:t>
+                </a:r>
+                <a14:m>
+                  <m:oMath xmlns:m="http://schemas.openxmlformats.org/officeDocument/2006/math">
+                    <m:r>
+                      <m:rPr>
+                        <m:sty m:val="p"/>
+                      </m:rPr>
+                      <a:rPr lang="en-US" altLang="ko-KR" sz="2400" b="0" i="0" smtClean="0">
+                        <a:latin typeface="Cambria Math" panose="02040503050406030204" pitchFamily="18" charset="0"/>
+                      </a:rPr>
+                      <m:t>exp</m:t>
+                    </m:r>
+                    <m:r>
+                      <a:rPr lang="en-US" altLang="ko-KR" sz="2400" b="0" i="1" smtClean="0">
+                        <a:latin typeface="Cambria Math" panose="02040503050406030204" pitchFamily="18" charset="0"/>
+                      </a:rPr>
+                      <m:t>⁡(</m:t>
+                    </m:r>
+                    <m:r>
+                      <a:rPr lang="en-US" altLang="ko-KR" sz="2400" b="0" i="1" smtClean="0">
+                        <a:latin typeface="Cambria Math" panose="02040503050406030204" pitchFamily="18" charset="0"/>
+                      </a:rPr>
+                      <m:t>𝑗</m:t>
+                    </m:r>
+                    <m:r>
+                      <a:rPr lang="en-US" altLang="ko-KR" sz="2400" b="0" i="1" smtClean="0">
+                        <a:latin typeface="Cambria Math" panose="02040503050406030204" pitchFamily="18" charset="0"/>
+                      </a:rPr>
+                      <m:t>𝜔</m:t>
+                    </m:r>
+                    <m:r>
+                      <a:rPr lang="en-US" altLang="ko-KR" sz="2400" b="0" i="1" smtClean="0">
+                        <a:latin typeface="Cambria Math" panose="02040503050406030204" pitchFamily="18" charset="0"/>
+                      </a:rPr>
+                      <m:t>𝑡</m:t>
+                    </m:r>
+                    <m:r>
+                      <a:rPr lang="en-US" altLang="ko-KR" sz="2400" b="0" i="1" smtClean="0">
+                        <a:latin typeface="Cambria Math" panose="02040503050406030204" pitchFamily="18" charset="0"/>
+                      </a:rPr>
+                      <m:t>)</m:t>
+                    </m:r>
+                  </m:oMath>
+                </a14:m>
+                <a:r>
+                  <a:rPr lang="ko-KR" altLang="en-US" sz="2400" b="0" dirty="0">
+                    <a:latin typeface="마루 부리 Beta" panose="020B0600000101010101" pitchFamily="50" charset="-127"/>
+                    <a:ea typeface="마루 부리 Beta" panose="020B0600000101010101" pitchFamily="50" charset="-127"/>
+                  </a:rPr>
+                  <a:t>가 얼마나</a:t>
+                </a:r>
+                <a:endParaRPr lang="en-US" altLang="ko-KR" sz="2400" b="0" dirty="0">
+                  <a:latin typeface="마루 부리 Beta" panose="020B0600000101010101" pitchFamily="50" charset="-127"/>
+                  <a:ea typeface="마루 부리 Beta" panose="020B0600000101010101" pitchFamily="50" charset="-127"/>
+                </a:endParaRPr>
+              </a:p>
+              <a:p>
+                <a:pPr algn="ctr"/>
+                <a:r>
+                  <a:rPr lang="ko-KR" altLang="en-US" sz="2400" dirty="0">
+                    <a:latin typeface="마루 부리 Beta" panose="020B0600000101010101" pitchFamily="50" charset="-127"/>
+                    <a:ea typeface="마루 부리 Beta" panose="020B0600000101010101" pitchFamily="50" charset="-127"/>
+                  </a:rPr>
+                  <a:t>닮았는지를 계산하여 내놓은 것</a:t>
+                </a:r>
+                <a:endParaRPr lang="en-US" altLang="ko-KR" sz="2400" b="0" dirty="0">
+                  <a:latin typeface="마루 부리 Beta" panose="020B0600000101010101" pitchFamily="50" charset="-127"/>
+                  <a:ea typeface="마루 부리 Beta" panose="020B0600000101010101" pitchFamily="50" charset="-127"/>
+                </a:endParaRPr>
+              </a:p>
+            </p:txBody>
+          </p:sp>
+        </mc:Choice>
+        <mc:Fallback>
+          <p:sp>
+            <p:nvSpPr>
+              <p:cNvPr id="70" name="TextBox 69">
+                <a:extLst>
+                  <a:ext uri="{FF2B5EF4-FFF2-40B4-BE49-F238E27FC236}">
+                    <a16:creationId xmlns:a16="http://schemas.microsoft.com/office/drawing/2014/main" id="{EC5DC36E-26E7-4F96-AECD-953BA57CBCED}"/>
+                  </a:ext>
+                </a:extLst>
+              </p:cNvPr>
+              <p:cNvSpPr txBox="1">
+                <a:spLocks noRot="1" noChangeAspect="1" noMove="1" noResize="1" noEditPoints="1" noAdjustHandles="1" noChangeArrowheads="1" noChangeShapeType="1" noTextEdit="1"/>
+              </p:cNvSpPr>
+              <p:nvPr/>
+            </p:nvSpPr>
+            <p:spPr>
+              <a:xfrm>
+                <a:off x="3784246" y="3816265"/>
+                <a:ext cx="5155642" cy="1569660"/>
+              </a:xfrm>
+              <a:prstGeom prst="rect">
+                <a:avLst/>
+              </a:prstGeom>
+              <a:blipFill>
+                <a:blip r:embed="rId27"/>
+                <a:stretch>
+                  <a:fillRect l="-1418" t="-2713" b="-8140"/>
+                </a:stretch>
+              </a:blipFill>
+            </p:spPr>
+            <p:txBody>
+              <a:bodyPr/>
+              <a:lstStyle/>
+              <a:p>
+                <a:r>
+                  <a:rPr lang="ko-KR" altLang="en-US">
+                    <a:noFill/>
+                  </a:rPr>
+                  <a:t> </a:t>
+                </a:r>
+              </a:p>
+            </p:txBody>
+          </p:sp>
+        </mc:Fallback>
+      </mc:AlternateContent>
+      <p:sp>
+        <p:nvSpPr>
+          <p:cNvPr id="69" name="직사각형 68">
+            <a:extLst>
+              <a:ext uri="{FF2B5EF4-FFF2-40B4-BE49-F238E27FC236}">
+                <a16:creationId xmlns:a16="http://schemas.microsoft.com/office/drawing/2014/main" id="{79485227-5E72-4A5C-B943-2F506B4B6379}"/>
+              </a:ext>
+            </a:extLst>
+          </p:cNvPr>
+          <p:cNvSpPr/>
+          <p:nvPr/>
+        </p:nvSpPr>
+        <p:spPr>
+          <a:xfrm>
+            <a:off x="6472456" y="2583880"/>
+            <a:ext cx="1936438" cy="664332"/>
+          </a:xfrm>
+          <a:prstGeom prst="rect">
+            <a:avLst/>
+          </a:prstGeom>
+          <a:solidFill>
+            <a:schemeClr val="accent4">
+              <a:lumMod val="40000"/>
+              <a:lumOff val="60000"/>
+            </a:schemeClr>
+          </a:solidFill>
+          <a:ln>
+            <a:noFill/>
+          </a:ln>
+        </p:spPr>
+        <p:style>
+          <a:lnRef idx="2">
+            <a:schemeClr val="accent1">
+              <a:shade val="50000"/>
+            </a:schemeClr>
+          </a:lnRef>
+          <a:fillRef idx="1">
+            <a:schemeClr val="accent1"/>
+          </a:fillRef>
+          <a:effectRef idx="0">
+            <a:schemeClr val="accent1"/>
+          </a:effectRef>
+          <a:fontRef idx="minor">
+            <a:schemeClr val="lt1"/>
+          </a:fontRef>
+        </p:style>
+        <p:txBody>
+          <a:bodyPr rtlCol="0" anchor="ctr"/>
+          <a:lstStyle/>
+          <a:p>
+            <a:pPr algn="ctr"/>
+            <a:endParaRPr lang="ko-KR" altLang="en-US"/>
+          </a:p>
+        </p:txBody>
+      </p:sp>
+      <p:sp>
+        <p:nvSpPr>
+          <p:cNvPr id="68" name="직사각형 67">
+            <a:extLst>
+              <a:ext uri="{FF2B5EF4-FFF2-40B4-BE49-F238E27FC236}">
+                <a16:creationId xmlns:a16="http://schemas.microsoft.com/office/drawing/2014/main" id="{6BD57E02-BD38-4FDC-AD1D-16722C6E256F}"/>
+              </a:ext>
+            </a:extLst>
+          </p:cNvPr>
+          <p:cNvSpPr/>
+          <p:nvPr/>
+        </p:nvSpPr>
+        <p:spPr>
+          <a:xfrm>
+            <a:off x="5585012" y="2583880"/>
+            <a:ext cx="878542" cy="664332"/>
+          </a:xfrm>
+          <a:prstGeom prst="rect">
+            <a:avLst/>
+          </a:prstGeom>
+          <a:solidFill>
+            <a:schemeClr val="accent6">
+              <a:lumMod val="40000"/>
+              <a:lumOff val="60000"/>
+            </a:schemeClr>
+          </a:solidFill>
+          <a:ln>
+            <a:noFill/>
+          </a:ln>
+        </p:spPr>
+        <p:style>
+          <a:lnRef idx="2">
+            <a:schemeClr val="accent1">
+              <a:shade val="50000"/>
+            </a:schemeClr>
+          </a:lnRef>
+          <a:fillRef idx="1">
+            <a:schemeClr val="accent1"/>
+          </a:fillRef>
+          <a:effectRef idx="0">
+            <a:schemeClr val="accent1"/>
+          </a:effectRef>
+          <a:fontRef idx="minor">
+            <a:schemeClr val="lt1"/>
+          </a:fontRef>
+        </p:style>
+        <p:txBody>
+          <a:bodyPr rtlCol="0" anchor="ctr"/>
+          <a:lstStyle/>
+          <a:p>
+            <a:pPr algn="ctr"/>
+            <a:endParaRPr lang="ko-KR" altLang="en-US"/>
+          </a:p>
+        </p:txBody>
+      </p:sp>
+      <mc:AlternateContent xmlns:mc="http://schemas.openxmlformats.org/markup-compatibility/2006">
+        <mc:Choice xmlns:a14="http://schemas.microsoft.com/office/drawing/2010/main" Requires="a14">
+          <p:sp>
+            <p:nvSpPr>
+              <p:cNvPr id="49" name="TextBox 48">
+                <a:extLst>
+                  <a:ext uri="{FF2B5EF4-FFF2-40B4-BE49-F238E27FC236}">
+                    <a16:creationId xmlns:a16="http://schemas.microsoft.com/office/drawing/2014/main" id="{898EC822-CD16-4A0F-990A-A903ABE5A8E7}"/>
+                  </a:ext>
+                </a:extLst>
+              </p:cNvPr>
+              <p:cNvSpPr txBox="1"/>
+              <p:nvPr/>
+            </p:nvSpPr>
+            <p:spPr>
+              <a:xfrm>
+                <a:off x="3248685" y="2323236"/>
+                <a:ext cx="5946290" cy="1154803"/>
+              </a:xfrm>
+              <a:prstGeom prst="rect">
+                <a:avLst/>
+              </a:prstGeom>
+              <a:noFill/>
+            </p:spPr>
+            <p:txBody>
+              <a:bodyPr wrap="square" rtlCol="0">
+                <a:spAutoFit/>
+              </a:bodyPr>
+              <a:lstStyle/>
+              <a:p>
+                <a:pPr/>
+                <a14:m>
+                  <m:oMathPara xmlns:m="http://schemas.openxmlformats.org/officeDocument/2006/math">
+                    <m:oMathParaPr>
+                      <m:jc m:val="center"/>
+                    </m:oMathParaPr>
+                    <m:oMath xmlns:m="http://schemas.openxmlformats.org/officeDocument/2006/math">
+                      <m:r>
+                        <a:rPr lang="en-US" altLang="ko-KR" sz="3200" i="1" smtClean="0">
+                          <a:latin typeface="Cambria Math" panose="02040503050406030204" pitchFamily="18" charset="0"/>
+                        </a:rPr>
+                        <m:t>𝑋</m:t>
+                      </m:r>
+                      <m:r>
+                        <a:rPr lang="en-US" altLang="ko-KR" sz="3200" b="0" i="1" smtClean="0">
+                          <a:latin typeface="Cambria Math" panose="02040503050406030204" pitchFamily="18" charset="0"/>
+                        </a:rPr>
+                        <m:t>(</m:t>
+                      </m:r>
+                      <m:r>
+                        <a:rPr lang="en-US" altLang="ko-KR" sz="3200" b="0" i="1" smtClean="0">
+                          <a:latin typeface="Cambria Math" panose="02040503050406030204" pitchFamily="18" charset="0"/>
+                        </a:rPr>
+                        <m:t>𝜔</m:t>
+                      </m:r>
+                      <m:r>
+                        <a:rPr lang="en-US" altLang="ko-KR" sz="3200" b="0" i="1" smtClean="0">
+                          <a:latin typeface="Cambria Math" panose="02040503050406030204" pitchFamily="18" charset="0"/>
+                        </a:rPr>
+                        <m:t>)=</m:t>
+                      </m:r>
+                      <m:nary>
+                        <m:naryPr>
+                          <m:ctrlPr>
+                            <a:rPr lang="en-US" altLang="ko-KR" sz="3200" b="0" i="1" smtClean="0">
+                              <a:latin typeface="Cambria Math" panose="02040503050406030204" pitchFamily="18" charset="0"/>
+                            </a:rPr>
+                          </m:ctrlPr>
+                        </m:naryPr>
+                        <m:sub>
+                          <m:r>
+                            <m:rPr>
+                              <m:brk m:alnAt="23"/>
+                            </m:rPr>
+                            <a:rPr lang="en-US" altLang="ko-KR" sz="3200" b="0" i="1" smtClean="0">
+                              <a:latin typeface="Cambria Math" panose="02040503050406030204" pitchFamily="18" charset="0"/>
+                            </a:rPr>
+                            <m:t>−</m:t>
+                          </m:r>
+                          <m:r>
+                            <a:rPr lang="en-US" altLang="ko-KR" sz="3200" b="0" i="1" smtClean="0">
+                              <a:latin typeface="Cambria Math" panose="02040503050406030204" pitchFamily="18" charset="0"/>
+                            </a:rPr>
+                            <m:t>∞</m:t>
+                          </m:r>
+                        </m:sub>
+                        <m:sup>
+                          <m:r>
+                            <a:rPr lang="en-US" altLang="ko-KR" sz="3200" b="0" i="1" smtClean="0">
+                              <a:latin typeface="Cambria Math" panose="02040503050406030204" pitchFamily="18" charset="0"/>
+                            </a:rPr>
+                            <m:t>∞</m:t>
+                          </m:r>
+                        </m:sup>
+                        <m:e>
+                          <m:r>
+                            <a:rPr lang="en-US" altLang="ko-KR" sz="3200" b="0" i="1" smtClean="0">
+                              <a:latin typeface="Cambria Math" panose="02040503050406030204" pitchFamily="18" charset="0"/>
+                            </a:rPr>
+                            <m:t>𝑥</m:t>
+                          </m:r>
+                          <m:d>
+                            <m:dPr>
+                              <m:ctrlPr>
+                                <a:rPr lang="en-US" altLang="ko-KR" sz="3200" b="0" i="1" smtClean="0">
+                                  <a:latin typeface="Cambria Math" panose="02040503050406030204" pitchFamily="18" charset="0"/>
+                                </a:rPr>
+                              </m:ctrlPr>
+                            </m:dPr>
+                            <m:e>
+                              <m:r>
+                                <a:rPr lang="en-US" altLang="ko-KR" sz="3200" b="0" i="1" smtClean="0">
+                                  <a:latin typeface="Cambria Math" panose="02040503050406030204" pitchFamily="18" charset="0"/>
+                                </a:rPr>
+                                <m:t>𝑡</m:t>
+                              </m:r>
+                            </m:e>
+                          </m:d>
+                          <m:func>
+                            <m:funcPr>
+                              <m:ctrlPr>
+                                <a:rPr lang="en-US" altLang="ko-KR" sz="3200" b="0" i="1" smtClean="0">
+                                  <a:latin typeface="Cambria Math" panose="02040503050406030204" pitchFamily="18" charset="0"/>
+                                </a:rPr>
+                              </m:ctrlPr>
+                            </m:funcPr>
+                            <m:fName>
+                              <m:r>
+                                <m:rPr>
+                                  <m:sty m:val="p"/>
+                                </m:rPr>
+                                <a:rPr lang="en-US" altLang="ko-KR" sz="3200" b="0" i="0" smtClean="0">
+                                  <a:latin typeface="Cambria Math" panose="02040503050406030204" pitchFamily="18" charset="0"/>
+                                </a:rPr>
+                                <m:t>exp</m:t>
+                              </m:r>
+                            </m:fName>
+                            <m:e>
+                              <m:d>
+                                <m:dPr>
+                                  <m:ctrlPr>
+                                    <a:rPr lang="en-US" altLang="ko-KR" sz="3200" b="0" i="1" smtClean="0">
+                                      <a:latin typeface="Cambria Math" panose="02040503050406030204" pitchFamily="18" charset="0"/>
+                                    </a:rPr>
+                                  </m:ctrlPr>
+                                </m:dPr>
+                                <m:e>
+                                  <m:r>
+                                    <a:rPr lang="en-US" altLang="ko-KR" sz="3200" b="0" i="1" smtClean="0">
+                                      <a:latin typeface="Cambria Math" panose="02040503050406030204" pitchFamily="18" charset="0"/>
+                                    </a:rPr>
+                                    <m:t>−</m:t>
+                                  </m:r>
+                                  <m:r>
+                                    <a:rPr lang="en-US" altLang="ko-KR" sz="3200" b="0" i="1" smtClean="0">
+                                      <a:latin typeface="Cambria Math" panose="02040503050406030204" pitchFamily="18" charset="0"/>
+                                    </a:rPr>
+                                    <m:t>𝑗</m:t>
+                                  </m:r>
+                                  <m:r>
+                                    <a:rPr lang="en-US" altLang="ko-KR" sz="3200" b="0" i="1" smtClean="0">
+                                      <a:latin typeface="Cambria Math" panose="02040503050406030204" pitchFamily="18" charset="0"/>
+                                    </a:rPr>
+                                    <m:t>𝜔</m:t>
+                                  </m:r>
+                                  <m:r>
+                                    <a:rPr lang="en-US" altLang="ko-KR" sz="3200" b="0" i="1" smtClean="0">
+                                      <a:latin typeface="Cambria Math" panose="02040503050406030204" pitchFamily="18" charset="0"/>
+                                    </a:rPr>
+                                    <m:t>𝑡</m:t>
+                                  </m:r>
+                                </m:e>
+                              </m:d>
+                            </m:e>
+                          </m:func>
+                          <m:r>
+                            <a:rPr lang="en-US" altLang="ko-KR" sz="3200" b="0" i="1" smtClean="0">
+                              <a:latin typeface="Cambria Math" panose="02040503050406030204" pitchFamily="18" charset="0"/>
+                            </a:rPr>
+                            <m:t>𝑑𝑡</m:t>
+                          </m:r>
+                        </m:e>
+                      </m:nary>
+                    </m:oMath>
+                  </m:oMathPara>
+                </a14:m>
+                <a:endParaRPr lang="ko-KR" altLang="en-US" sz="3200" dirty="0"/>
+              </a:p>
+            </p:txBody>
+          </p:sp>
+        </mc:Choice>
+        <mc:Fallback>
+          <p:sp>
+            <p:nvSpPr>
+              <p:cNvPr id="49" name="TextBox 48">
+                <a:extLst>
+                  <a:ext uri="{FF2B5EF4-FFF2-40B4-BE49-F238E27FC236}">
+                    <a16:creationId xmlns:a16="http://schemas.microsoft.com/office/drawing/2014/main" id="{898EC822-CD16-4A0F-990A-A903ABE5A8E7}"/>
+                  </a:ext>
+                </a:extLst>
+              </p:cNvPr>
+              <p:cNvSpPr txBox="1">
+                <a:spLocks noRot="1" noChangeAspect="1" noMove="1" noResize="1" noEditPoints="1" noAdjustHandles="1" noChangeArrowheads="1" noChangeShapeType="1" noTextEdit="1"/>
+              </p:cNvSpPr>
+              <p:nvPr/>
+            </p:nvSpPr>
+            <p:spPr>
+              <a:xfrm>
+                <a:off x="3248685" y="2323236"/>
+                <a:ext cx="5946290" cy="1154803"/>
+              </a:xfrm>
+              <a:prstGeom prst="rect">
+                <a:avLst/>
+              </a:prstGeom>
+              <a:blipFill>
+                <a:blip r:embed="rId28"/>
+                <a:stretch>
+                  <a:fillRect/>
+                </a:stretch>
+              </a:blipFill>
+            </p:spPr>
+            <p:txBody>
+              <a:bodyPr/>
+              <a:lstStyle/>
+              <a:p>
+                <a:r>
+                  <a:rPr lang="ko-KR" altLang="en-US">
+                    <a:noFill/>
+                  </a:rPr>
+                  <a:t> </a:t>
+                </a:r>
+              </a:p>
+            </p:txBody>
+          </p:sp>
+        </mc:Fallback>
+      </mc:AlternateContent>
+      <p:sp>
+        <p:nvSpPr>
+          <p:cNvPr id="73" name="TextBox 72">
+            <a:extLst>
+              <a:ext uri="{FF2B5EF4-FFF2-40B4-BE49-F238E27FC236}">
+                <a16:creationId xmlns:a16="http://schemas.microsoft.com/office/drawing/2014/main" id="{45B0DA60-2F16-42B9-9F6D-BBC714E68580}"/>
+              </a:ext>
+            </a:extLst>
+          </p:cNvPr>
+          <p:cNvSpPr txBox="1"/>
+          <p:nvPr/>
+        </p:nvSpPr>
+        <p:spPr>
+          <a:xfrm>
+            <a:off x="5585012" y="2229553"/>
+            <a:ext cx="927847" cy="369332"/>
+          </a:xfrm>
+          <a:prstGeom prst="rect">
+            <a:avLst/>
+          </a:prstGeom>
+          <a:noFill/>
+        </p:spPr>
+        <p:txBody>
+          <a:bodyPr wrap="square">
+            <a:spAutoFit/>
+          </a:bodyPr>
+          <a:lstStyle/>
+          <a:p>
+            <a:pPr algn="ctr"/>
+            <a:r>
+              <a:rPr lang="ko-KR" altLang="en-US" sz="1800" dirty="0">
+                <a:solidFill>
+                  <a:schemeClr val="bg1">
+                    <a:lumMod val="50000"/>
+                  </a:schemeClr>
+                </a:solidFill>
+                <a:latin typeface="마루 부리 Beta" panose="020B0600000101010101" pitchFamily="50" charset="-127"/>
+                <a:ea typeface="마루 부리 Beta" panose="020B0600000101010101" pitchFamily="50" charset="-127"/>
+              </a:rPr>
+              <a:t>원 신호 </a:t>
+            </a:r>
+            <a:endParaRPr lang="ko-KR" altLang="en-US" dirty="0">
+              <a:solidFill>
+                <a:schemeClr val="bg1">
+                  <a:lumMod val="50000"/>
+                </a:schemeClr>
+              </a:solidFill>
+            </a:endParaRPr>
+          </a:p>
+        </p:txBody>
+      </p:sp>
+      <p:sp>
+        <p:nvSpPr>
+          <p:cNvPr id="74" name="TextBox 73">
+            <a:extLst>
+              <a:ext uri="{FF2B5EF4-FFF2-40B4-BE49-F238E27FC236}">
+                <a16:creationId xmlns:a16="http://schemas.microsoft.com/office/drawing/2014/main" id="{C27A8E72-236D-4CD2-AE80-C4F05A351A74}"/>
+              </a:ext>
+            </a:extLst>
+          </p:cNvPr>
+          <p:cNvSpPr txBox="1"/>
+          <p:nvPr/>
+        </p:nvSpPr>
+        <p:spPr>
+          <a:xfrm>
+            <a:off x="6446212" y="2229553"/>
+            <a:ext cx="1988924" cy="369332"/>
+          </a:xfrm>
+          <a:prstGeom prst="rect">
+            <a:avLst/>
+          </a:prstGeom>
+          <a:noFill/>
+        </p:spPr>
+        <p:txBody>
+          <a:bodyPr wrap="square">
+            <a:spAutoFit/>
+          </a:bodyPr>
+          <a:lstStyle/>
+          <a:p>
+            <a:pPr algn="ctr"/>
+            <a:r>
+              <a:rPr lang="ko-KR" altLang="en-US" sz="1800" dirty="0">
+                <a:solidFill>
+                  <a:schemeClr val="bg1">
+                    <a:lumMod val="50000"/>
+                  </a:schemeClr>
+                </a:solidFill>
+                <a:latin typeface="마루 부리 Beta" panose="020B0600000101010101" pitchFamily="50" charset="-127"/>
+                <a:ea typeface="마루 부리 Beta" panose="020B0600000101010101" pitchFamily="50" charset="-127"/>
+              </a:rPr>
+              <a:t>복소 정현파 세트</a:t>
+            </a:r>
+            <a:endParaRPr lang="ko-KR" altLang="en-US" dirty="0">
+              <a:solidFill>
+                <a:schemeClr val="bg1">
+                  <a:lumMod val="50000"/>
+                </a:schemeClr>
+              </a:solidFill>
+            </a:endParaRPr>
+          </a:p>
+        </p:txBody>
+      </p:sp>
+      <p:sp>
+        <p:nvSpPr>
+          <p:cNvPr id="75" name="왼쪽 중괄호 74">
+            <a:extLst>
+              <a:ext uri="{FF2B5EF4-FFF2-40B4-BE49-F238E27FC236}">
+                <a16:creationId xmlns:a16="http://schemas.microsoft.com/office/drawing/2014/main" id="{A4EF1206-03D7-4002-85E8-D6635346DA13}"/>
+              </a:ext>
+            </a:extLst>
+          </p:cNvPr>
+          <p:cNvSpPr/>
+          <p:nvPr/>
+        </p:nvSpPr>
+        <p:spPr>
+          <a:xfrm rot="5400000">
+            <a:off x="6921849" y="117129"/>
+            <a:ext cx="218171" cy="3609770"/>
+          </a:xfrm>
+          <a:prstGeom prst="leftBrace">
+            <a:avLst>
+              <a:gd name="adj1" fmla="val 183986"/>
+              <a:gd name="adj2" fmla="val 50000"/>
+            </a:avLst>
+          </a:prstGeom>
+          <a:ln w="19050">
+            <a:solidFill>
+              <a:schemeClr val="bg1">
+                <a:lumMod val="50000"/>
+              </a:schemeClr>
+            </a:solidFill>
+          </a:ln>
+        </p:spPr>
+        <p:style>
+          <a:lnRef idx="1">
+            <a:schemeClr val="accent1"/>
+          </a:lnRef>
+          <a:fillRef idx="0">
+            <a:schemeClr val="accent1"/>
+          </a:fillRef>
+          <a:effectRef idx="0">
+            <a:schemeClr val="accent1"/>
+          </a:effectRef>
+          <a:fontRef idx="minor">
+            <a:schemeClr val="tx1"/>
+          </a:fontRef>
+        </p:style>
+        <p:txBody>
+          <a:bodyPr rtlCol="0" anchor="ctr"/>
+          <a:lstStyle/>
+          <a:p>
+            <a:pPr algn="ctr"/>
+            <a:endParaRPr lang="ko-KR" altLang="en-US">
+              <a:solidFill>
+                <a:schemeClr val="bg1">
+                  <a:lumMod val="50000"/>
+                </a:schemeClr>
+              </a:solidFill>
+            </a:endParaRPr>
+          </a:p>
+        </p:txBody>
+      </p:sp>
+      <p:sp>
+        <p:nvSpPr>
+          <p:cNvPr id="76" name="TextBox 75">
+            <a:extLst>
+              <a:ext uri="{FF2B5EF4-FFF2-40B4-BE49-F238E27FC236}">
+                <a16:creationId xmlns:a16="http://schemas.microsoft.com/office/drawing/2014/main" id="{A26CC2DD-0FE1-4D60-89E0-1DDAB1BFD270}"/>
+              </a:ext>
+            </a:extLst>
+          </p:cNvPr>
+          <p:cNvSpPr txBox="1"/>
+          <p:nvPr/>
+        </p:nvSpPr>
+        <p:spPr>
+          <a:xfrm>
+            <a:off x="5580481" y="1146073"/>
+            <a:ext cx="2911984" cy="646331"/>
+          </a:xfrm>
+          <a:prstGeom prst="rect">
+            <a:avLst/>
+          </a:prstGeom>
+          <a:noFill/>
+        </p:spPr>
+        <p:txBody>
+          <a:bodyPr wrap="square">
+            <a:spAutoFit/>
+          </a:bodyPr>
+          <a:lstStyle/>
+          <a:p>
+            <a:pPr algn="ctr"/>
+            <a:r>
+              <a:rPr lang="ko-KR" altLang="en-US" sz="1800" dirty="0">
+                <a:solidFill>
+                  <a:schemeClr val="bg1">
+                    <a:lumMod val="50000"/>
+                  </a:schemeClr>
+                </a:solidFill>
+                <a:latin typeface="마루 부리 Beta" panose="020B0600000101010101" pitchFamily="50" charset="-127"/>
+                <a:ea typeface="마루 부리 Beta" panose="020B0600000101010101" pitchFamily="50" charset="-127"/>
+              </a:rPr>
+              <a:t>원 신호와 정현파 세트 간의 닮은 정도 계산</a:t>
+            </a:r>
+            <a:endParaRPr lang="ko-KR" altLang="en-US" dirty="0">
+              <a:solidFill>
+                <a:schemeClr val="bg1">
+                  <a:lumMod val="50000"/>
+                </a:schemeClr>
+              </a:solidFill>
+            </a:endParaRPr>
+          </a:p>
+        </p:txBody>
+      </p:sp>
+    </p:spTree>
+    <p:extLst>
+      <p:ext uri="{BB962C8B-B14F-4D97-AF65-F5344CB8AC3E}">
+        <p14:creationId xmlns:p14="http://schemas.microsoft.com/office/powerpoint/2010/main" val="2680548772"/>
+      </p:ext>
+    </p:extLst>
+  </p:cSld>
+  <p:clrMapOvr>
+    <a:masterClrMapping/>
+  </p:clrMapOvr>
+</p:sld>
+</file>
+
+<file path=ppt/slides/slide3.xml><?xml version="1.0" encoding="utf-8"?>
+<p:sld xmlns:a="http://schemas.openxmlformats.org/drawingml/2006/main" xmlns:r="http://schemas.openxmlformats.org/officeDocument/2006/relationships" xmlns:p="http://schemas.openxmlformats.org/presentationml/2006/main">
+  <p:cSld>
+    <p:spTree>
+      <p:nvGrpSpPr>
+        <p:cNvPr id="1" name=""/>
+        <p:cNvGrpSpPr/>
+        <p:nvPr/>
+      </p:nvGrpSpPr>
+      <p:grpSpPr>
+        <a:xfrm>
+          <a:off x="0" y="0"/>
+          <a:ext cx="0" cy="0"/>
+          <a:chOff x="0" y="0"/>
+          <a:chExt cx="0" cy="0"/>
+        </a:xfrm>
+      </p:grpSpPr>
+      <p:pic>
+        <p:nvPicPr>
+          <p:cNvPr id="49" name="그림 48">
+            <a:extLst>
+              <a:ext uri="{FF2B5EF4-FFF2-40B4-BE49-F238E27FC236}">
+                <a16:creationId xmlns:a16="http://schemas.microsoft.com/office/drawing/2014/main" id="{3659FCB4-66CD-4B48-80E0-1D5D792A9A64}"/>
+              </a:ext>
+            </a:extLst>
+          </p:cNvPr>
+          <p:cNvPicPr>
+            <a:picLocks noChangeAspect="1"/>
+          </p:cNvPicPr>
+          <p:nvPr/>
+        </p:nvPicPr>
+        <p:blipFill>
+          <a:blip r:embed="rId2"/>
+          <a:stretch>
+            <a:fillRect/>
+          </a:stretch>
+        </p:blipFill>
+        <p:spPr>
+          <a:xfrm>
+            <a:off x="526873" y="2224941"/>
+            <a:ext cx="1193684" cy="720000"/>
+          </a:xfrm>
+          <a:prstGeom prst="rect">
+            <a:avLst/>
+          </a:prstGeom>
+        </p:spPr>
+      </p:pic>
+      <p:pic>
+        <p:nvPicPr>
+          <p:cNvPr id="47" name="그림 46">
+            <a:extLst>
+              <a:ext uri="{FF2B5EF4-FFF2-40B4-BE49-F238E27FC236}">
+                <a16:creationId xmlns:a16="http://schemas.microsoft.com/office/drawing/2014/main" id="{9B5C98BD-3CDE-4F9E-8119-0309288D41ED}"/>
+              </a:ext>
+            </a:extLst>
+          </p:cNvPr>
+          <p:cNvPicPr>
+            <a:picLocks noChangeAspect="1"/>
+          </p:cNvPicPr>
+          <p:nvPr/>
+        </p:nvPicPr>
+        <p:blipFill>
+          <a:blip r:embed="rId3"/>
+          <a:stretch>
+            <a:fillRect/>
+          </a:stretch>
+        </p:blipFill>
+        <p:spPr>
+          <a:xfrm>
+            <a:off x="1157774" y="1108291"/>
+            <a:ext cx="1193684" cy="720000"/>
+          </a:xfrm>
+          <a:prstGeom prst="rect">
+            <a:avLst/>
+          </a:prstGeom>
+        </p:spPr>
+      </p:pic>
+      <p:pic>
+        <p:nvPicPr>
+          <p:cNvPr id="44" name="그림 43">
+            <a:extLst>
+              <a:ext uri="{FF2B5EF4-FFF2-40B4-BE49-F238E27FC236}">
+                <a16:creationId xmlns:a16="http://schemas.microsoft.com/office/drawing/2014/main" id="{3145958F-C2D1-4947-A5D1-34A80EA8B5C8}"/>
+              </a:ext>
+            </a:extLst>
+          </p:cNvPr>
+          <p:cNvPicPr>
+            <a:picLocks noChangeAspect="1"/>
+          </p:cNvPicPr>
+          <p:nvPr/>
+        </p:nvPicPr>
+        <p:blipFill>
+          <a:blip r:embed="rId4"/>
+          <a:stretch>
+            <a:fillRect/>
+          </a:stretch>
+        </p:blipFill>
+        <p:spPr>
+          <a:xfrm>
+            <a:off x="4103451" y="1108291"/>
+            <a:ext cx="1193684" cy="720000"/>
+          </a:xfrm>
+          <a:prstGeom prst="rect">
+            <a:avLst/>
+          </a:prstGeom>
+        </p:spPr>
+      </p:pic>
+      <p:pic>
+        <p:nvPicPr>
+          <p:cNvPr id="4" name="그림 3">
+            <a:extLst>
+              <a:ext uri="{FF2B5EF4-FFF2-40B4-BE49-F238E27FC236}">
+                <a16:creationId xmlns:a16="http://schemas.microsoft.com/office/drawing/2014/main" id="{80FC7CEC-57F0-4545-8827-A960A67D3185}"/>
+              </a:ext>
+            </a:extLst>
+          </p:cNvPr>
+          <p:cNvPicPr>
+            <a:picLocks noChangeAspect="1"/>
+          </p:cNvPicPr>
+          <p:nvPr/>
+        </p:nvPicPr>
+        <p:blipFill>
+          <a:blip r:embed="rId5"/>
+          <a:stretch>
+            <a:fillRect/>
+          </a:stretch>
+        </p:blipFill>
+        <p:spPr>
+          <a:xfrm>
+            <a:off x="2630405" y="1102724"/>
+            <a:ext cx="1011392" cy="610046"/>
+          </a:xfrm>
+          <a:prstGeom prst="rect">
+            <a:avLst/>
+          </a:prstGeom>
+        </p:spPr>
+      </p:pic>
+      <p:pic>
+        <p:nvPicPr>
+          <p:cNvPr id="7" name="그림 6">
+            <a:extLst>
+              <a:ext uri="{FF2B5EF4-FFF2-40B4-BE49-F238E27FC236}">
+                <a16:creationId xmlns:a16="http://schemas.microsoft.com/office/drawing/2014/main" id="{043402C9-C9A6-4213-B5D0-262E87892BBC}"/>
+              </a:ext>
+            </a:extLst>
+          </p:cNvPr>
+          <p:cNvPicPr>
+            <a:picLocks noChangeAspect="1"/>
+          </p:cNvPicPr>
+          <p:nvPr/>
+        </p:nvPicPr>
+        <p:blipFill>
+          <a:blip r:embed="rId6"/>
+          <a:stretch>
+            <a:fillRect/>
+          </a:stretch>
+        </p:blipFill>
+        <p:spPr>
+          <a:xfrm>
+            <a:off x="2631044" y="2225464"/>
+            <a:ext cx="1010111" cy="609273"/>
+          </a:xfrm>
+          <a:prstGeom prst="rect">
+            <a:avLst/>
+          </a:prstGeom>
+        </p:spPr>
+      </p:pic>
+      <p:pic>
+        <p:nvPicPr>
+          <p:cNvPr id="8" name="그림 7">
+            <a:extLst>
+              <a:ext uri="{FF2B5EF4-FFF2-40B4-BE49-F238E27FC236}">
+                <a16:creationId xmlns:a16="http://schemas.microsoft.com/office/drawing/2014/main" id="{F450C0AB-3CDB-46B9-ABD9-EB049BFFE15D}"/>
+              </a:ext>
+            </a:extLst>
+          </p:cNvPr>
+          <p:cNvPicPr>
+            <a:picLocks noChangeAspect="1"/>
+          </p:cNvPicPr>
+          <p:nvPr/>
+        </p:nvPicPr>
+        <p:blipFill>
+          <a:blip r:embed="rId7"/>
+          <a:stretch>
+            <a:fillRect/>
+          </a:stretch>
+        </p:blipFill>
+        <p:spPr>
+          <a:xfrm>
+            <a:off x="2631895" y="3346658"/>
+            <a:ext cx="1008410" cy="608247"/>
+          </a:xfrm>
+          <a:prstGeom prst="rect">
+            <a:avLst/>
+          </a:prstGeom>
+        </p:spPr>
+      </p:pic>
+      <p:pic>
+        <p:nvPicPr>
+          <p:cNvPr id="10" name="그림 9">
+            <a:extLst>
+              <a:ext uri="{FF2B5EF4-FFF2-40B4-BE49-F238E27FC236}">
+                <a16:creationId xmlns:a16="http://schemas.microsoft.com/office/drawing/2014/main" id="{4BD88B93-A8E2-419D-B5C5-FC6C834F58BC}"/>
+              </a:ext>
+            </a:extLst>
+          </p:cNvPr>
+          <p:cNvPicPr>
+            <a:picLocks noChangeAspect="1"/>
+          </p:cNvPicPr>
+          <p:nvPr/>
+        </p:nvPicPr>
+        <p:blipFill>
+          <a:blip r:embed="rId8"/>
+          <a:stretch>
+            <a:fillRect/>
+          </a:stretch>
+        </p:blipFill>
+        <p:spPr>
+          <a:xfrm>
+            <a:off x="2631895" y="4465801"/>
+            <a:ext cx="1008410" cy="608247"/>
+          </a:xfrm>
+          <a:prstGeom prst="rect">
+            <a:avLst/>
+          </a:prstGeom>
+        </p:spPr>
+      </p:pic>
+      <p:cxnSp>
+        <p:nvCxnSpPr>
+          <p:cNvPr id="18" name="직선 화살표 연결선 17">
+            <a:extLst>
+              <a:ext uri="{FF2B5EF4-FFF2-40B4-BE49-F238E27FC236}">
+                <a16:creationId xmlns:a16="http://schemas.microsoft.com/office/drawing/2014/main" id="{27F31ADF-A189-47DA-A5AB-351971B21B71}"/>
+              </a:ext>
+            </a:extLst>
+          </p:cNvPr>
+          <p:cNvCxnSpPr>
+            <a:cxnSpLocks/>
+          </p:cNvCxnSpPr>
+          <p:nvPr/>
+        </p:nvCxnSpPr>
+        <p:spPr>
+          <a:xfrm flipV="1">
+            <a:off x="3144263" y="993985"/>
+            <a:ext cx="0" cy="4155192"/>
+          </a:xfrm>
+          <a:prstGeom prst="straightConnector1">
+            <a:avLst/>
+          </a:prstGeom>
+          <a:ln w="19050">
+            <a:solidFill>
+              <a:schemeClr val="tx1"/>
+            </a:solidFill>
+            <a:tailEnd type="triangle"/>
+          </a:ln>
+        </p:spPr>
+        <p:style>
+          <a:lnRef idx="1">
+            <a:schemeClr val="accent1"/>
+          </a:lnRef>
+          <a:fillRef idx="0">
+            <a:schemeClr val="accent1"/>
+          </a:fillRef>
+          <a:effectRef idx="0">
+            <a:schemeClr val="accent1"/>
+          </a:effectRef>
+          <a:fontRef idx="minor">
+            <a:schemeClr val="tx1"/>
+          </a:fontRef>
+        </p:style>
+      </p:cxnSp>
+      <mc:AlternateContent xmlns:mc="http://schemas.openxmlformats.org/markup-compatibility/2006">
+        <mc:Choice xmlns:a14="http://schemas.microsoft.com/office/drawing/2010/main" Requires="a14">
+          <p:sp>
+            <p:nvSpPr>
+              <p:cNvPr id="19" name="TextBox 18">
+                <a:extLst>
+                  <a:ext uri="{FF2B5EF4-FFF2-40B4-BE49-F238E27FC236}">
+                    <a16:creationId xmlns:a16="http://schemas.microsoft.com/office/drawing/2014/main" id="{CA4260B2-031F-47D5-B076-9B1FF3CB7EB9}"/>
+                  </a:ext>
+                </a:extLst>
+              </p:cNvPr>
+              <p:cNvSpPr txBox="1"/>
+              <p:nvPr/>
+            </p:nvSpPr>
+            <p:spPr>
+              <a:xfrm>
+                <a:off x="2952292" y="690283"/>
+                <a:ext cx="379350" cy="369332"/>
+              </a:xfrm>
+              <a:prstGeom prst="rect">
+                <a:avLst/>
+              </a:prstGeom>
+              <a:noFill/>
+            </p:spPr>
+            <p:txBody>
+              <a:bodyPr wrap="square" rtlCol="0">
+                <a:spAutoFit/>
+              </a:bodyPr>
+              <a:lstStyle/>
+              <a:p>
+                <a14:m>
+                  <m:oMathPara xmlns:m="http://schemas.openxmlformats.org/officeDocument/2006/math">
+                    <m:oMathParaPr>
+                      <m:jc m:val="centerGroup"/>
+                    </m:oMathParaPr>
+                    <m:oMath xmlns:m="http://schemas.openxmlformats.org/officeDocument/2006/math">
+                      <m:r>
+                        <a:rPr lang="en-US" altLang="ko-KR" b="0" i="1" smtClean="0">
+                          <a:latin typeface="Cambria Math" panose="02040503050406030204" pitchFamily="18" charset="0"/>
+                        </a:rPr>
+                        <m:t>𝑗</m:t>
+                      </m:r>
+                      <m:r>
+                        <a:rPr lang="en-US" altLang="ko-KR" b="0" i="1" smtClean="0">
+                          <a:latin typeface="Cambria Math" panose="02040503050406030204" pitchFamily="18" charset="0"/>
+                        </a:rPr>
+                        <m:t>𝜔</m:t>
+                      </m:r>
+                    </m:oMath>
+                  </m:oMathPara>
+                </a14:m>
+                <a:endParaRPr lang="ko-KR" altLang="en-US" dirty="0"/>
+              </a:p>
+            </p:txBody>
+          </p:sp>
+        </mc:Choice>
+        <mc:Fallback>
+          <p:sp>
+            <p:nvSpPr>
+              <p:cNvPr id="19" name="TextBox 18">
+                <a:extLst>
+                  <a:ext uri="{FF2B5EF4-FFF2-40B4-BE49-F238E27FC236}">
+                    <a16:creationId xmlns:a16="http://schemas.microsoft.com/office/drawing/2014/main" id="{CA4260B2-031F-47D5-B076-9B1FF3CB7EB9}"/>
+                  </a:ext>
+                </a:extLst>
+              </p:cNvPr>
+              <p:cNvSpPr txBox="1">
+                <a:spLocks noRot="1" noChangeAspect="1" noMove="1" noResize="1" noEditPoints="1" noAdjustHandles="1" noChangeArrowheads="1" noChangeShapeType="1" noTextEdit="1"/>
+              </p:cNvSpPr>
+              <p:nvPr/>
+            </p:nvSpPr>
+            <p:spPr>
+              <a:xfrm>
+                <a:off x="2952292" y="690283"/>
+                <a:ext cx="379350" cy="369332"/>
+              </a:xfrm>
+              <a:prstGeom prst="rect">
+                <a:avLst/>
+              </a:prstGeom>
+              <a:blipFill>
+                <a:blip r:embed="rId9"/>
+                <a:stretch>
+                  <a:fillRect l="-4762" r="-19048" b="-13115"/>
+                </a:stretch>
+              </a:blipFill>
+            </p:spPr>
+            <p:txBody>
+              <a:bodyPr/>
+              <a:lstStyle/>
+              <a:p>
+                <a:r>
+                  <a:rPr lang="ko-KR" altLang="en-US">
+                    <a:noFill/>
+                  </a:rPr>
+                  <a:t> </a:t>
+                </a:r>
+              </a:p>
+            </p:txBody>
+          </p:sp>
+        </mc:Fallback>
+      </mc:AlternateContent>
+      <p:cxnSp>
+        <p:nvCxnSpPr>
+          <p:cNvPr id="20" name="직선 연결선 19">
+            <a:extLst>
+              <a:ext uri="{FF2B5EF4-FFF2-40B4-BE49-F238E27FC236}">
+                <a16:creationId xmlns:a16="http://schemas.microsoft.com/office/drawing/2014/main" id="{7556573B-8881-44FC-B604-B86738A8CBBB}"/>
+              </a:ext>
+            </a:extLst>
+          </p:cNvPr>
+          <p:cNvCxnSpPr>
+            <a:cxnSpLocks/>
+          </p:cNvCxnSpPr>
+          <p:nvPr/>
+        </p:nvCxnSpPr>
+        <p:spPr>
+          <a:xfrm>
+            <a:off x="3059123" y="3088837"/>
+            <a:ext cx="165687" cy="0"/>
+          </a:xfrm>
+          <a:prstGeom prst="line">
+            <a:avLst/>
+          </a:prstGeom>
+          <a:ln w="12700">
+            <a:solidFill>
+              <a:schemeClr val="tx1"/>
+            </a:solidFill>
+          </a:ln>
+        </p:spPr>
+        <p:style>
+          <a:lnRef idx="1">
+            <a:schemeClr val="accent1"/>
+          </a:lnRef>
+          <a:fillRef idx="0">
+            <a:schemeClr val="accent1"/>
+          </a:fillRef>
+          <a:effectRef idx="0">
+            <a:schemeClr val="accent1"/>
+          </a:effectRef>
+          <a:fontRef idx="minor">
+            <a:schemeClr val="tx1"/>
+          </a:fontRef>
+        </p:style>
+      </p:cxnSp>
+      <mc:AlternateContent xmlns:mc="http://schemas.openxmlformats.org/markup-compatibility/2006">
+        <mc:Choice xmlns:a14="http://schemas.microsoft.com/office/drawing/2010/main" Requires="a14">
+          <p:sp>
+            <p:nvSpPr>
+              <p:cNvPr id="21" name="TextBox 20">
+                <a:extLst>
+                  <a:ext uri="{FF2B5EF4-FFF2-40B4-BE49-F238E27FC236}">
+                    <a16:creationId xmlns:a16="http://schemas.microsoft.com/office/drawing/2014/main" id="{654D486C-23F7-4B12-ACB3-C60E500BD822}"/>
+                  </a:ext>
+                </a:extLst>
+              </p:cNvPr>
+              <p:cNvSpPr txBox="1"/>
+              <p:nvPr/>
+            </p:nvSpPr>
+            <p:spPr>
+              <a:xfrm>
+                <a:off x="2891223" y="3056438"/>
+                <a:ext cx="281649" cy="284365"/>
+              </a:xfrm>
+              <a:prstGeom prst="rect">
+                <a:avLst/>
+              </a:prstGeom>
+              <a:noFill/>
+            </p:spPr>
+            <p:txBody>
+              <a:bodyPr wrap="none" rtlCol="0">
+                <a:spAutoFit/>
+              </a:bodyPr>
+              <a:lstStyle/>
+              <a:p>
+                <a14:m>
+                  <m:oMathPara xmlns:m="http://schemas.openxmlformats.org/officeDocument/2006/math">
+                    <m:oMathParaPr>
+                      <m:jc m:val="centerGroup"/>
+                    </m:oMathParaPr>
+                    <m:oMath xmlns:m="http://schemas.openxmlformats.org/officeDocument/2006/math">
+                      <m:r>
+                        <a:rPr lang="en-US" altLang="ko-KR" b="0" i="1" smtClean="0">
+                          <a:latin typeface="Cambria Math" panose="02040503050406030204" pitchFamily="18" charset="0"/>
+                        </a:rPr>
+                        <m:t>0</m:t>
+                      </m:r>
+                    </m:oMath>
+                  </m:oMathPara>
+                </a14:m>
+                <a:endParaRPr lang="ko-KR" altLang="en-US" dirty="0"/>
+              </a:p>
+            </p:txBody>
+          </p:sp>
+        </mc:Choice>
+        <mc:Fallback>
+          <p:sp>
+            <p:nvSpPr>
+              <p:cNvPr id="21" name="TextBox 20">
+                <a:extLst>
+                  <a:ext uri="{FF2B5EF4-FFF2-40B4-BE49-F238E27FC236}">
+                    <a16:creationId xmlns:a16="http://schemas.microsoft.com/office/drawing/2014/main" id="{654D486C-23F7-4B12-ACB3-C60E500BD822}"/>
+                  </a:ext>
+                </a:extLst>
+              </p:cNvPr>
+              <p:cNvSpPr txBox="1">
+                <a:spLocks noRot="1" noChangeAspect="1" noMove="1" noResize="1" noEditPoints="1" noAdjustHandles="1" noChangeArrowheads="1" noChangeShapeType="1" noTextEdit="1"/>
+              </p:cNvSpPr>
+              <p:nvPr/>
+            </p:nvSpPr>
+            <p:spPr>
+              <a:xfrm>
+                <a:off x="2891223" y="3056438"/>
+                <a:ext cx="281649" cy="284365"/>
+              </a:xfrm>
+              <a:prstGeom prst="rect">
+                <a:avLst/>
+              </a:prstGeom>
+              <a:blipFill>
+                <a:blip r:embed="rId10"/>
+                <a:stretch>
+                  <a:fillRect r="-8696" b="-19149"/>
+                </a:stretch>
+              </a:blipFill>
+            </p:spPr>
+            <p:txBody>
+              <a:bodyPr/>
+              <a:lstStyle/>
+              <a:p>
+                <a:r>
+                  <a:rPr lang="ko-KR" altLang="en-US">
+                    <a:noFill/>
+                  </a:rPr>
+                  <a:t> </a:t>
+                </a:r>
+              </a:p>
+            </p:txBody>
+          </p:sp>
+        </mc:Fallback>
+      </mc:AlternateContent>
+      <p:cxnSp>
+        <p:nvCxnSpPr>
+          <p:cNvPr id="38" name="직선 화살표 연결선 37">
+            <a:extLst>
+              <a:ext uri="{FF2B5EF4-FFF2-40B4-BE49-F238E27FC236}">
+                <a16:creationId xmlns:a16="http://schemas.microsoft.com/office/drawing/2014/main" id="{44964995-6A2B-44ED-A2E8-9B4C4DD40A72}"/>
+              </a:ext>
+            </a:extLst>
+          </p:cNvPr>
+          <p:cNvCxnSpPr>
+            <a:cxnSpLocks/>
+          </p:cNvCxnSpPr>
+          <p:nvPr/>
+        </p:nvCxnSpPr>
+        <p:spPr>
+          <a:xfrm>
+            <a:off x="466166" y="3092674"/>
+            <a:ext cx="5708214" cy="1"/>
+          </a:xfrm>
+          <a:prstGeom prst="straightConnector1">
+            <a:avLst/>
+          </a:prstGeom>
+          <a:ln w="19050">
+            <a:solidFill>
+              <a:schemeClr val="tx1"/>
+            </a:solidFill>
+            <a:tailEnd type="triangle"/>
+          </a:ln>
+        </p:spPr>
+        <p:style>
+          <a:lnRef idx="1">
+            <a:schemeClr val="accent1"/>
+          </a:lnRef>
+          <a:fillRef idx="0">
+            <a:schemeClr val="accent1"/>
+          </a:fillRef>
+          <a:effectRef idx="0">
+            <a:schemeClr val="accent1"/>
+          </a:effectRef>
+          <a:fontRef idx="minor">
+            <a:schemeClr val="tx1"/>
+          </a:fontRef>
+        </p:style>
+      </p:cxnSp>
+      <p:pic>
+        <p:nvPicPr>
+          <p:cNvPr id="51" name="그림 50">
+            <a:extLst>
+              <a:ext uri="{FF2B5EF4-FFF2-40B4-BE49-F238E27FC236}">
+                <a16:creationId xmlns:a16="http://schemas.microsoft.com/office/drawing/2014/main" id="{1CE9B913-B017-4680-A0C0-0E2CCC64BDCD}"/>
+              </a:ext>
+            </a:extLst>
+          </p:cNvPr>
+          <p:cNvPicPr>
+            <a:picLocks noChangeAspect="1"/>
+          </p:cNvPicPr>
+          <p:nvPr/>
+        </p:nvPicPr>
+        <p:blipFill>
+          <a:blip r:embed="rId11"/>
+          <a:stretch>
+            <a:fillRect/>
+          </a:stretch>
+        </p:blipFill>
+        <p:spPr>
+          <a:xfrm>
+            <a:off x="4734351" y="2240542"/>
+            <a:ext cx="1193684" cy="720000"/>
+          </a:xfrm>
+          <a:prstGeom prst="rect">
+            <a:avLst/>
+          </a:prstGeom>
+        </p:spPr>
+      </p:pic>
+      <p:pic>
+        <p:nvPicPr>
+          <p:cNvPr id="53" name="그림 52">
+            <a:extLst>
+              <a:ext uri="{FF2B5EF4-FFF2-40B4-BE49-F238E27FC236}">
+                <a16:creationId xmlns:a16="http://schemas.microsoft.com/office/drawing/2014/main" id="{067887BD-EAAA-43E1-B0DC-13B7E510C1DC}"/>
+              </a:ext>
+            </a:extLst>
+          </p:cNvPr>
+          <p:cNvPicPr>
+            <a:picLocks noChangeAspect="1"/>
+          </p:cNvPicPr>
+          <p:nvPr/>
+        </p:nvPicPr>
+        <p:blipFill>
+          <a:blip r:embed="rId12"/>
+          <a:stretch>
+            <a:fillRect/>
+          </a:stretch>
+        </p:blipFill>
+        <p:spPr>
+          <a:xfrm>
+            <a:off x="1227217" y="3745140"/>
+            <a:ext cx="1193684" cy="720000"/>
+          </a:xfrm>
+          <a:prstGeom prst="rect">
+            <a:avLst/>
+          </a:prstGeom>
+        </p:spPr>
+      </p:pic>
+      <p:pic>
+        <p:nvPicPr>
+          <p:cNvPr id="55" name="그림 54">
+            <a:extLst>
+              <a:ext uri="{FF2B5EF4-FFF2-40B4-BE49-F238E27FC236}">
+                <a16:creationId xmlns:a16="http://schemas.microsoft.com/office/drawing/2014/main" id="{9332C493-13C7-425E-9988-65837EEA91F5}"/>
+              </a:ext>
+            </a:extLst>
+          </p:cNvPr>
+          <p:cNvPicPr>
+            <a:picLocks noChangeAspect="1"/>
+          </p:cNvPicPr>
+          <p:nvPr/>
+        </p:nvPicPr>
+        <p:blipFill>
+          <a:blip r:embed="rId13"/>
+          <a:stretch>
+            <a:fillRect/>
+          </a:stretch>
+        </p:blipFill>
+        <p:spPr>
+          <a:xfrm>
+            <a:off x="526872" y="4518274"/>
+            <a:ext cx="1193684" cy="720000"/>
+          </a:xfrm>
+          <a:prstGeom prst="rect">
+            <a:avLst/>
+          </a:prstGeom>
+        </p:spPr>
+      </p:pic>
+      <mc:AlternateContent xmlns:mc="http://schemas.openxmlformats.org/markup-compatibility/2006">
+        <mc:Choice xmlns:a14="http://schemas.microsoft.com/office/drawing/2010/main" Requires="a14">
+          <p:sp>
+            <p:nvSpPr>
+              <p:cNvPr id="63" name="TextBox 62">
+                <a:extLst>
+                  <a:ext uri="{FF2B5EF4-FFF2-40B4-BE49-F238E27FC236}">
+                    <a16:creationId xmlns:a16="http://schemas.microsoft.com/office/drawing/2014/main" id="{CF115BEC-40D7-415F-B1EB-C0B4A0F4813B}"/>
+                  </a:ext>
+                </a:extLst>
+              </p:cNvPr>
+              <p:cNvSpPr txBox="1"/>
+              <p:nvPr/>
+            </p:nvSpPr>
+            <p:spPr>
+              <a:xfrm>
+                <a:off x="1579514" y="5327370"/>
+                <a:ext cx="5984973" cy="1323439"/>
+              </a:xfrm>
+              <a:prstGeom prst="rect">
+                <a:avLst/>
+              </a:prstGeom>
+              <a:noFill/>
+            </p:spPr>
+            <p:txBody>
+              <a:bodyPr wrap="none" rtlCol="0">
+                <a:spAutoFit/>
+              </a:bodyPr>
+              <a:lstStyle/>
+              <a:p>
+                <a:pPr algn="ctr"/>
+                <a:r>
+                  <a:rPr lang="ko-KR" altLang="en-US" sz="2000" u="sng" dirty="0">
+                    <a:latin typeface="마루 부리 Beta" panose="020B0600000101010101" pitchFamily="50" charset="-127"/>
+                    <a:ea typeface="마루 부리 Beta" panose="020B0600000101010101" pitchFamily="50" charset="-127"/>
+                  </a:rPr>
+                  <a:t>라플라스 변환의 의미</a:t>
+                </a:r>
+                <a:r>
+                  <a:rPr lang="en-US" altLang="ko-KR" sz="2000" dirty="0">
+                    <a:latin typeface="마루 부리 Beta" panose="020B0600000101010101" pitchFamily="50" charset="-127"/>
+                    <a:ea typeface="마루 부리 Beta" panose="020B0600000101010101" pitchFamily="50" charset="-127"/>
+                  </a:rPr>
+                  <a:t>:</a:t>
+                </a:r>
+              </a:p>
+              <a:p>
+                <a:pPr algn="ctr"/>
+                <a:r>
+                  <a:rPr lang="ko-KR" altLang="en-US" sz="2000" dirty="0">
+                    <a:latin typeface="마루 부리 Beta" panose="020B0600000101010101" pitchFamily="50" charset="-127"/>
+                    <a:ea typeface="마루 부리 Beta" panose="020B0600000101010101" pitchFamily="50" charset="-127"/>
+                  </a:rPr>
+                  <a:t>각주파수 </a:t>
+                </a:r>
+                <a14:m>
+                  <m:oMath xmlns:m="http://schemas.openxmlformats.org/officeDocument/2006/math">
+                    <m:r>
+                      <a:rPr lang="en-US" altLang="ko-KR" sz="2000" b="0" i="1" smtClean="0">
+                        <a:latin typeface="Cambria Math" panose="02040503050406030204" pitchFamily="18" charset="0"/>
+                        <a:ea typeface="마루 부리 Beta" panose="020B0600000101010101" pitchFamily="50" charset="-127"/>
+                      </a:rPr>
+                      <m:t>𝜔</m:t>
+                    </m:r>
+                  </m:oMath>
+                </a14:m>
+                <a:r>
+                  <a:rPr lang="ko-KR" altLang="en-US" sz="2000" dirty="0">
+                    <a:latin typeface="마루 부리 Beta" panose="020B0600000101010101" pitchFamily="50" charset="-127"/>
+                    <a:ea typeface="마루 부리 Beta" panose="020B0600000101010101" pitchFamily="50" charset="-127"/>
+                  </a:rPr>
+                  <a:t>와 수렴</a:t>
+                </a:r>
+                <a:r>
+                  <a:rPr lang="en-US" altLang="ko-KR" sz="2000" dirty="0">
+                    <a:latin typeface="마루 부리 Beta" panose="020B0600000101010101" pitchFamily="50" charset="-127"/>
+                    <a:ea typeface="마루 부리 Beta" panose="020B0600000101010101" pitchFamily="50" charset="-127"/>
+                  </a:rPr>
+                  <a:t>/</a:t>
+                </a:r>
+                <a:r>
+                  <a:rPr lang="ko-KR" altLang="en-US" sz="2000" dirty="0">
+                    <a:latin typeface="마루 부리 Beta" panose="020B0600000101010101" pitchFamily="50" charset="-127"/>
+                    <a:ea typeface="마루 부리 Beta" panose="020B0600000101010101" pitchFamily="50" charset="-127"/>
+                  </a:rPr>
+                  <a:t>발산 </a:t>
+                </a:r>
+                <a:r>
+                  <a:rPr lang="en-US" altLang="ko-KR" sz="2000" dirty="0">
+                    <a:latin typeface="마루 부리 Beta" panose="020B0600000101010101" pitchFamily="50" charset="-127"/>
+                    <a:ea typeface="마루 부리 Beta" panose="020B0600000101010101" pitchFamily="50" charset="-127"/>
+                  </a:rPr>
+                  <a:t>factor</a:t>
+                </a:r>
+                <a:r>
+                  <a:rPr lang="ko-KR" altLang="en-US" sz="2000" dirty="0">
+                    <a:latin typeface="마루 부리 Beta" panose="020B0600000101010101" pitchFamily="50" charset="-127"/>
+                    <a:ea typeface="마루 부리 Beta" panose="020B0600000101010101" pitchFamily="50" charset="-127"/>
+                  </a:rPr>
+                  <a:t> </a:t>
+                </a:r>
+                <a14:m>
+                  <m:oMath xmlns:m="http://schemas.openxmlformats.org/officeDocument/2006/math">
+                    <m:r>
+                      <a:rPr lang="en-US" altLang="ko-KR" sz="2000" b="0" i="1" smtClean="0">
+                        <a:latin typeface="Cambria Math" panose="02040503050406030204" pitchFamily="18" charset="0"/>
+                        <a:ea typeface="마루 부리 Beta" panose="020B0600000101010101" pitchFamily="50" charset="-127"/>
+                      </a:rPr>
+                      <m:t>𝜎</m:t>
+                    </m:r>
+                    <m:r>
+                      <a:rPr lang="ko-KR" altLang="en-US" sz="2000" i="1">
+                        <a:latin typeface="Cambria Math" panose="02040503050406030204" pitchFamily="18" charset="0"/>
+                        <a:ea typeface="마루 부리 Beta" panose="020B0600000101010101" pitchFamily="50" charset="-127"/>
+                      </a:rPr>
+                      <m:t>에</m:t>
+                    </m:r>
+                  </m:oMath>
+                </a14:m>
+                <a:r>
+                  <a:rPr lang="ko-KR" altLang="en-US" sz="2000" dirty="0">
+                    <a:latin typeface="마루 부리 Beta" panose="020B0600000101010101" pitchFamily="50" charset="-127"/>
+                    <a:ea typeface="마루 부리 Beta" panose="020B0600000101010101" pitchFamily="50" charset="-127"/>
+                  </a:rPr>
+                  <a:t> 대해</a:t>
+                </a:r>
+                <a:endParaRPr lang="en-US" altLang="ko-KR" sz="2000" dirty="0">
+                  <a:latin typeface="마루 부리 Beta" panose="020B0600000101010101" pitchFamily="50" charset="-127"/>
+                  <a:ea typeface="마루 부리 Beta" panose="020B0600000101010101" pitchFamily="50" charset="-127"/>
+                </a:endParaRPr>
+              </a:p>
+              <a:p>
+                <a:pPr algn="ctr"/>
+                <a:r>
+                  <a:rPr lang="ko-KR" altLang="en-US" sz="2000" dirty="0">
+                    <a:latin typeface="마루 부리 Beta" panose="020B0600000101010101" pitchFamily="50" charset="-127"/>
+                    <a:ea typeface="마루 부리 Beta" panose="020B0600000101010101" pitchFamily="50" charset="-127"/>
+                  </a:rPr>
+                  <a:t>원 신호 </a:t>
+                </a:r>
+                <a14:m>
+                  <m:oMath xmlns:m="http://schemas.openxmlformats.org/officeDocument/2006/math">
+                    <m:r>
+                      <a:rPr lang="en-US" altLang="ko-KR" sz="2000" b="0" i="1" smtClean="0">
+                        <a:latin typeface="Cambria Math" panose="02040503050406030204" pitchFamily="18" charset="0"/>
+                      </a:rPr>
+                      <m:t>𝑥</m:t>
+                    </m:r>
+                    <m:d>
+                      <m:dPr>
+                        <m:ctrlPr>
+                          <a:rPr lang="en-US" altLang="ko-KR" sz="2000" b="0" i="1" smtClean="0">
+                            <a:latin typeface="Cambria Math" panose="02040503050406030204" pitchFamily="18" charset="0"/>
+                          </a:rPr>
+                        </m:ctrlPr>
+                      </m:dPr>
+                      <m:e>
+                        <m:r>
+                          <a:rPr lang="en-US" altLang="ko-KR" sz="2000" b="0" i="1" smtClean="0">
+                            <a:latin typeface="Cambria Math" panose="02040503050406030204" pitchFamily="18" charset="0"/>
+                          </a:rPr>
+                          <m:t>𝑡</m:t>
+                        </m:r>
+                      </m:e>
+                    </m:d>
+                  </m:oMath>
+                </a14:m>
+                <a:r>
+                  <a:rPr lang="ko-KR" altLang="en-US" sz="2000" b="0" dirty="0">
+                    <a:latin typeface="마루 부리 Beta" panose="020B0600000101010101" pitchFamily="50" charset="-127"/>
+                    <a:ea typeface="마루 부리 Beta" panose="020B0600000101010101" pitchFamily="50" charset="-127"/>
+                  </a:rPr>
+                  <a:t>와  복소 신호 </a:t>
+                </a:r>
+                <a14:m>
+                  <m:oMath xmlns:m="http://schemas.openxmlformats.org/officeDocument/2006/math">
+                    <m:r>
+                      <m:rPr>
+                        <m:sty m:val="p"/>
+                      </m:rPr>
+                      <a:rPr lang="en-US" altLang="ko-KR" sz="2000" b="0" i="0" smtClean="0">
+                        <a:latin typeface="Cambria Math" panose="02040503050406030204" pitchFamily="18" charset="0"/>
+                      </a:rPr>
+                      <m:t>exp</m:t>
+                    </m:r>
+                    <m:r>
+                      <a:rPr lang="en-US" altLang="ko-KR" sz="2000" b="0" i="0" smtClean="0">
+                        <a:latin typeface="Cambria Math" panose="02040503050406030204" pitchFamily="18" charset="0"/>
+                      </a:rPr>
+                      <m:t>(</m:t>
+                    </m:r>
+                    <m:r>
+                      <a:rPr lang="en-US" altLang="ko-KR" sz="2000" b="0" i="1" smtClean="0">
+                        <a:latin typeface="Cambria Math" panose="02040503050406030204" pitchFamily="18" charset="0"/>
+                      </a:rPr>
+                      <m:t>𝜎</m:t>
+                    </m:r>
+                    <m:r>
+                      <a:rPr lang="en-US" altLang="ko-KR" sz="2000" b="0" i="1" smtClean="0">
+                        <a:latin typeface="Cambria Math" panose="02040503050406030204" pitchFamily="18" charset="0"/>
+                      </a:rPr>
+                      <m:t>𝑡</m:t>
+                    </m:r>
+                    <m:r>
+                      <a:rPr lang="en-US" altLang="ko-KR" sz="2000" b="0" i="1" smtClean="0">
+                        <a:latin typeface="Cambria Math" panose="02040503050406030204" pitchFamily="18" charset="0"/>
+                      </a:rPr>
+                      <m:t>)</m:t>
+                    </m:r>
+                    <m:r>
+                      <m:rPr>
+                        <m:sty m:val="p"/>
+                      </m:rPr>
+                      <a:rPr lang="en-US" altLang="ko-KR" sz="2000" b="0" i="0" smtClean="0">
+                        <a:latin typeface="Cambria Math" panose="02040503050406030204" pitchFamily="18" charset="0"/>
+                      </a:rPr>
+                      <m:t>exp</m:t>
+                    </m:r>
+                    <m:r>
+                      <a:rPr lang="en-US" altLang="ko-KR" sz="2000" b="0" i="1" smtClean="0">
+                        <a:latin typeface="Cambria Math" panose="02040503050406030204" pitchFamily="18" charset="0"/>
+                      </a:rPr>
+                      <m:t>⁡(</m:t>
+                    </m:r>
+                    <m:r>
+                      <a:rPr lang="en-US" altLang="ko-KR" sz="2000" b="0" i="1" smtClean="0">
+                        <a:latin typeface="Cambria Math" panose="02040503050406030204" pitchFamily="18" charset="0"/>
+                      </a:rPr>
+                      <m:t>𝑗</m:t>
+                    </m:r>
+                    <m:r>
+                      <a:rPr lang="en-US" altLang="ko-KR" sz="2000" b="0" i="1" smtClean="0">
+                        <a:latin typeface="Cambria Math" panose="02040503050406030204" pitchFamily="18" charset="0"/>
+                      </a:rPr>
+                      <m:t>𝜔</m:t>
+                    </m:r>
+                    <m:r>
+                      <a:rPr lang="en-US" altLang="ko-KR" sz="2000" b="0" i="1" smtClean="0">
+                        <a:latin typeface="Cambria Math" panose="02040503050406030204" pitchFamily="18" charset="0"/>
+                      </a:rPr>
+                      <m:t>𝑡</m:t>
+                    </m:r>
+                    <m:r>
+                      <a:rPr lang="en-US" altLang="ko-KR" sz="2000" b="0" i="1" smtClean="0">
+                        <a:latin typeface="Cambria Math" panose="02040503050406030204" pitchFamily="18" charset="0"/>
+                      </a:rPr>
+                      <m:t>)</m:t>
+                    </m:r>
+                  </m:oMath>
+                </a14:m>
+                <a:r>
+                  <a:rPr lang="ko-KR" altLang="en-US" sz="2000" b="0" dirty="0">
+                    <a:latin typeface="마루 부리 Beta" panose="020B0600000101010101" pitchFamily="50" charset="-127"/>
+                    <a:ea typeface="마루 부리 Beta" panose="020B0600000101010101" pitchFamily="50" charset="-127"/>
+                  </a:rPr>
+                  <a:t>가 얼마나</a:t>
+                </a:r>
+                <a:endParaRPr lang="en-US" altLang="ko-KR" sz="2000" b="0" dirty="0">
+                  <a:latin typeface="마루 부리 Beta" panose="020B0600000101010101" pitchFamily="50" charset="-127"/>
+                  <a:ea typeface="마루 부리 Beta" panose="020B0600000101010101" pitchFamily="50" charset="-127"/>
+                </a:endParaRPr>
+              </a:p>
+              <a:p>
+                <a:pPr algn="ctr"/>
+                <a:r>
+                  <a:rPr lang="ko-KR" altLang="en-US" sz="2000" dirty="0">
+                    <a:latin typeface="마루 부리 Beta" panose="020B0600000101010101" pitchFamily="50" charset="-127"/>
+                    <a:ea typeface="마루 부리 Beta" panose="020B0600000101010101" pitchFamily="50" charset="-127"/>
+                  </a:rPr>
+                  <a:t>닮았는지를 계산하여 내놓은 것</a:t>
+                </a:r>
+                <a:endParaRPr lang="en-US" altLang="ko-KR" sz="2000" b="0" dirty="0">
+                  <a:latin typeface="마루 부리 Beta" panose="020B0600000101010101" pitchFamily="50" charset="-127"/>
+                  <a:ea typeface="마루 부리 Beta" panose="020B0600000101010101" pitchFamily="50" charset="-127"/>
+                </a:endParaRPr>
+              </a:p>
+            </p:txBody>
+          </p:sp>
+        </mc:Choice>
+        <mc:Fallback>
+          <p:sp>
+            <p:nvSpPr>
+              <p:cNvPr id="63" name="TextBox 62">
+                <a:extLst>
+                  <a:ext uri="{FF2B5EF4-FFF2-40B4-BE49-F238E27FC236}">
+                    <a16:creationId xmlns:a16="http://schemas.microsoft.com/office/drawing/2014/main" id="{CF115BEC-40D7-415F-B1EB-C0B4A0F4813B}"/>
+                  </a:ext>
+                </a:extLst>
+              </p:cNvPr>
+              <p:cNvSpPr txBox="1">
+                <a:spLocks noRot="1" noChangeAspect="1" noMove="1" noResize="1" noEditPoints="1" noAdjustHandles="1" noChangeArrowheads="1" noChangeShapeType="1" noTextEdit="1"/>
+              </p:cNvSpPr>
+              <p:nvPr/>
+            </p:nvSpPr>
+            <p:spPr>
+              <a:xfrm>
+                <a:off x="1579514" y="5327370"/>
+                <a:ext cx="5984973" cy="1323439"/>
+              </a:xfrm>
+              <a:prstGeom prst="rect">
+                <a:avLst/>
+              </a:prstGeom>
+              <a:blipFill>
+                <a:blip r:embed="rId14"/>
+                <a:stretch>
+                  <a:fillRect l="-611" t="-2765" r="-611" b="-7373"/>
+                </a:stretch>
+              </a:blipFill>
+            </p:spPr>
+            <p:txBody>
+              <a:bodyPr/>
+              <a:lstStyle/>
+              <a:p>
+                <a:r>
+                  <a:rPr lang="ko-KR" altLang="en-US">
+                    <a:noFill/>
+                  </a:rPr>
+                  <a:t> </a:t>
+                </a:r>
+              </a:p>
+            </p:txBody>
+          </p:sp>
+        </mc:Fallback>
+      </mc:AlternateContent>
+      <p:sp>
+        <p:nvSpPr>
+          <p:cNvPr id="76" name="직사각형 75">
+            <a:extLst>
+              <a:ext uri="{FF2B5EF4-FFF2-40B4-BE49-F238E27FC236}">
+                <a16:creationId xmlns:a16="http://schemas.microsoft.com/office/drawing/2014/main" id="{9A167B80-329A-4932-B32A-2450520FB6A3}"/>
+              </a:ext>
+            </a:extLst>
+          </p:cNvPr>
+          <p:cNvSpPr/>
+          <p:nvPr/>
+        </p:nvSpPr>
+        <p:spPr>
+          <a:xfrm>
+            <a:off x="7179438" y="3916929"/>
+            <a:ext cx="1396050" cy="478484"/>
+          </a:xfrm>
+          <a:prstGeom prst="rect">
+            <a:avLst/>
+          </a:prstGeom>
+          <a:solidFill>
+            <a:schemeClr val="accent4">
+              <a:lumMod val="40000"/>
+              <a:lumOff val="60000"/>
+            </a:schemeClr>
+          </a:solidFill>
+          <a:ln>
+            <a:noFill/>
+          </a:ln>
+        </p:spPr>
+        <p:style>
+          <a:lnRef idx="2">
+            <a:schemeClr val="accent1">
+              <a:shade val="50000"/>
+            </a:schemeClr>
+          </a:lnRef>
+          <a:fillRef idx="1">
+            <a:schemeClr val="accent1"/>
+          </a:fillRef>
+          <a:effectRef idx="0">
+            <a:schemeClr val="accent1"/>
+          </a:effectRef>
+          <a:fontRef idx="minor">
+            <a:schemeClr val="lt1"/>
+          </a:fontRef>
+        </p:style>
+        <p:txBody>
+          <a:bodyPr rtlCol="0" anchor="ctr"/>
+          <a:lstStyle/>
+          <a:p>
+            <a:pPr algn="ctr"/>
+            <a:endParaRPr lang="ko-KR" altLang="en-US"/>
+          </a:p>
+        </p:txBody>
+      </p:sp>
+      <p:sp>
+        <p:nvSpPr>
+          <p:cNvPr id="72" name="직사각형 71">
+            <a:extLst>
+              <a:ext uri="{FF2B5EF4-FFF2-40B4-BE49-F238E27FC236}">
+                <a16:creationId xmlns:a16="http://schemas.microsoft.com/office/drawing/2014/main" id="{5D06340D-60F4-4D5A-90C1-5D52646E5C31}"/>
+              </a:ext>
+            </a:extLst>
+          </p:cNvPr>
+          <p:cNvSpPr/>
+          <p:nvPr/>
+        </p:nvSpPr>
+        <p:spPr>
+          <a:xfrm>
+            <a:off x="5892803" y="3916929"/>
+            <a:ext cx="1280962" cy="478484"/>
+          </a:xfrm>
+          <a:prstGeom prst="rect">
+            <a:avLst/>
+          </a:prstGeom>
+          <a:solidFill>
+            <a:srgbClr val="FFCCFF"/>
+          </a:solidFill>
+          <a:ln>
+            <a:noFill/>
+          </a:ln>
+        </p:spPr>
+        <p:style>
+          <a:lnRef idx="2">
+            <a:schemeClr val="accent1">
+              <a:shade val="50000"/>
+            </a:schemeClr>
+          </a:lnRef>
+          <a:fillRef idx="1">
+            <a:schemeClr val="accent1"/>
+          </a:fillRef>
+          <a:effectRef idx="0">
+            <a:schemeClr val="accent1"/>
+          </a:effectRef>
+          <a:fontRef idx="minor">
+            <a:schemeClr val="lt1"/>
+          </a:fontRef>
+        </p:style>
+        <p:txBody>
+          <a:bodyPr rtlCol="0" anchor="ctr"/>
+          <a:lstStyle/>
+          <a:p>
+            <a:pPr algn="ctr"/>
+            <a:endParaRPr lang="ko-KR" altLang="en-US"/>
+          </a:p>
+        </p:txBody>
+      </p:sp>
+      <p:sp>
+        <p:nvSpPr>
+          <p:cNvPr id="73" name="직사각형 72">
+            <a:extLst>
+              <a:ext uri="{FF2B5EF4-FFF2-40B4-BE49-F238E27FC236}">
+                <a16:creationId xmlns:a16="http://schemas.microsoft.com/office/drawing/2014/main" id="{8BA5E4C3-A9B1-4FF9-A177-B09BFA4FE09F}"/>
+              </a:ext>
+            </a:extLst>
+          </p:cNvPr>
+          <p:cNvSpPr/>
+          <p:nvPr/>
+        </p:nvSpPr>
+        <p:spPr>
+          <a:xfrm>
+            <a:off x="5246719" y="3916929"/>
+            <a:ext cx="632768" cy="478484"/>
+          </a:xfrm>
+          <a:prstGeom prst="rect">
+            <a:avLst/>
+          </a:prstGeom>
+          <a:solidFill>
+            <a:schemeClr val="accent6">
+              <a:lumMod val="40000"/>
+              <a:lumOff val="60000"/>
+            </a:schemeClr>
+          </a:solidFill>
+          <a:ln>
+            <a:noFill/>
+          </a:ln>
+        </p:spPr>
+        <p:style>
+          <a:lnRef idx="2">
+            <a:schemeClr val="accent1">
+              <a:shade val="50000"/>
+            </a:schemeClr>
+          </a:lnRef>
+          <a:fillRef idx="1">
+            <a:schemeClr val="accent1"/>
+          </a:fillRef>
+          <a:effectRef idx="0">
+            <a:schemeClr val="accent1"/>
+          </a:effectRef>
+          <a:fontRef idx="minor">
+            <a:schemeClr val="lt1"/>
+          </a:fontRef>
+        </p:style>
+        <p:txBody>
+          <a:bodyPr rtlCol="0" anchor="ctr"/>
+          <a:lstStyle/>
+          <a:p>
+            <a:pPr algn="ctr"/>
+            <a:endParaRPr lang="ko-KR" altLang="en-US"/>
+          </a:p>
+        </p:txBody>
+      </p:sp>
+      <mc:AlternateContent xmlns:mc="http://schemas.openxmlformats.org/markup-compatibility/2006">
+        <mc:Choice xmlns:a14="http://schemas.microsoft.com/office/drawing/2010/main" Requires="a14">
+          <p:sp>
+            <p:nvSpPr>
+              <p:cNvPr id="66" name="TextBox 65">
+                <a:extLst>
+                  <a:ext uri="{FF2B5EF4-FFF2-40B4-BE49-F238E27FC236}">
+                    <a16:creationId xmlns:a16="http://schemas.microsoft.com/office/drawing/2014/main" id="{C0D5A067-822D-4308-A65D-20D02E434FEA}"/>
+                  </a:ext>
+                </a:extLst>
+              </p:cNvPr>
+              <p:cNvSpPr txBox="1"/>
+              <p:nvPr/>
+            </p:nvSpPr>
+            <p:spPr>
+              <a:xfrm>
+                <a:off x="3614574" y="3698660"/>
+                <a:ext cx="5529426" cy="889154"/>
+              </a:xfrm>
+              <a:prstGeom prst="rect">
+                <a:avLst/>
+              </a:prstGeom>
+              <a:noFill/>
+            </p:spPr>
+            <p:txBody>
+              <a:bodyPr wrap="square" rtlCol="0">
+                <a:spAutoFit/>
+              </a:bodyPr>
+              <a:lstStyle/>
+              <a:p>
+                <a:pPr/>
+                <a14:m>
+                  <m:oMathPara xmlns:m="http://schemas.openxmlformats.org/officeDocument/2006/math">
+                    <m:oMathParaPr>
+                      <m:jc m:val="center"/>
+                    </m:oMathParaPr>
+                    <m:oMath xmlns:m="http://schemas.openxmlformats.org/officeDocument/2006/math">
+                      <m:r>
+                        <a:rPr lang="en-US" altLang="ko-KR" sz="2400" i="1" smtClean="0">
+                          <a:latin typeface="Cambria Math" panose="02040503050406030204" pitchFamily="18" charset="0"/>
+                        </a:rPr>
+                        <m:t>𝑋</m:t>
+                      </m:r>
+                      <m:r>
+                        <a:rPr lang="en-US" altLang="ko-KR" sz="2400" b="0" i="1" smtClean="0">
+                          <a:latin typeface="Cambria Math" panose="02040503050406030204" pitchFamily="18" charset="0"/>
+                        </a:rPr>
+                        <m:t>(</m:t>
+                      </m:r>
+                      <m:r>
+                        <a:rPr lang="en-US" altLang="ko-KR" sz="2400" b="0" i="1" smtClean="0">
+                          <a:latin typeface="Cambria Math" panose="02040503050406030204" pitchFamily="18" charset="0"/>
+                        </a:rPr>
+                        <m:t>𝑠</m:t>
+                      </m:r>
+                      <m:r>
+                        <a:rPr lang="en-US" altLang="ko-KR" sz="2400" b="0" i="1" smtClean="0">
+                          <a:latin typeface="Cambria Math" panose="02040503050406030204" pitchFamily="18" charset="0"/>
+                        </a:rPr>
+                        <m:t>)=</m:t>
+                      </m:r>
+                      <m:nary>
+                        <m:naryPr>
+                          <m:ctrlPr>
+                            <a:rPr lang="en-US" altLang="ko-KR" sz="2400" b="0" i="1" smtClean="0">
+                              <a:latin typeface="Cambria Math" panose="02040503050406030204" pitchFamily="18" charset="0"/>
+                            </a:rPr>
+                          </m:ctrlPr>
+                        </m:naryPr>
+                        <m:sub>
+                          <m:r>
+                            <m:rPr>
+                              <m:brk m:alnAt="23"/>
+                            </m:rPr>
+                            <a:rPr lang="en-US" altLang="ko-KR" sz="2400" b="0" i="1" smtClean="0">
+                              <a:latin typeface="Cambria Math" panose="02040503050406030204" pitchFamily="18" charset="0"/>
+                            </a:rPr>
+                            <m:t>−</m:t>
+                          </m:r>
+                          <m:r>
+                            <a:rPr lang="en-US" altLang="ko-KR" sz="2400" b="0" i="1" smtClean="0">
+                              <a:latin typeface="Cambria Math" panose="02040503050406030204" pitchFamily="18" charset="0"/>
+                            </a:rPr>
+                            <m:t>∞</m:t>
+                          </m:r>
+                        </m:sub>
+                        <m:sup>
+                          <m:r>
+                            <a:rPr lang="en-US" altLang="ko-KR" sz="2400" b="0" i="1" smtClean="0">
+                              <a:latin typeface="Cambria Math" panose="02040503050406030204" pitchFamily="18" charset="0"/>
+                            </a:rPr>
+                            <m:t>∞</m:t>
+                          </m:r>
+                        </m:sup>
+                        <m:e>
+                          <m:r>
+                            <a:rPr lang="en-US" altLang="ko-KR" sz="2400" b="0" i="1" smtClean="0">
+                              <a:latin typeface="Cambria Math" panose="02040503050406030204" pitchFamily="18" charset="0"/>
+                            </a:rPr>
+                            <m:t>𝑥</m:t>
+                          </m:r>
+                          <m:d>
+                            <m:dPr>
+                              <m:ctrlPr>
+                                <a:rPr lang="en-US" altLang="ko-KR" sz="2400" b="0" i="1" smtClean="0">
+                                  <a:latin typeface="Cambria Math" panose="02040503050406030204" pitchFamily="18" charset="0"/>
+                                </a:rPr>
+                              </m:ctrlPr>
+                            </m:dPr>
+                            <m:e>
+                              <m:r>
+                                <a:rPr lang="en-US" altLang="ko-KR" sz="2400" b="0" i="1" smtClean="0">
+                                  <a:latin typeface="Cambria Math" panose="02040503050406030204" pitchFamily="18" charset="0"/>
+                                </a:rPr>
+                                <m:t>𝑡</m:t>
+                              </m:r>
+                            </m:e>
+                          </m:d>
+                          <m:func>
+                            <m:funcPr>
+                              <m:ctrlPr>
+                                <a:rPr lang="en-US" altLang="ko-KR" sz="2400" b="0" i="1" smtClean="0">
+                                  <a:latin typeface="Cambria Math" panose="02040503050406030204" pitchFamily="18" charset="0"/>
+                                </a:rPr>
+                              </m:ctrlPr>
+                            </m:funcPr>
+                            <m:fName>
+                              <m:r>
+                                <m:rPr>
+                                  <m:sty m:val="p"/>
+                                </m:rPr>
+                                <a:rPr lang="en-US" altLang="ko-KR" sz="2400" b="0" i="0" smtClean="0">
+                                  <a:latin typeface="Cambria Math" panose="02040503050406030204" pitchFamily="18" charset="0"/>
+                                </a:rPr>
+                                <m:t>exp</m:t>
+                              </m:r>
+                              <m:r>
+                                <a:rPr lang="en-US" altLang="ko-KR" sz="2400" b="0" i="0" smtClean="0">
+                                  <a:latin typeface="Cambria Math" panose="02040503050406030204" pitchFamily="18" charset="0"/>
+                                </a:rPr>
+                                <m:t>(−</m:t>
+                              </m:r>
+                              <m:r>
+                                <a:rPr lang="en-US" altLang="ko-KR" sz="2400" b="0" i="1" smtClean="0">
+                                  <a:latin typeface="Cambria Math" panose="02040503050406030204" pitchFamily="18" charset="0"/>
+                                </a:rPr>
+                                <m:t>𝜎</m:t>
+                              </m:r>
+                              <m:r>
+                                <a:rPr lang="en-US" altLang="ko-KR" sz="2400" b="0" i="1" smtClean="0">
+                                  <a:latin typeface="Cambria Math" panose="02040503050406030204" pitchFamily="18" charset="0"/>
+                                </a:rPr>
+                                <m:t>𝑡</m:t>
+                              </m:r>
+                              <m:r>
+                                <a:rPr lang="en-US" altLang="ko-KR" sz="2400" b="0" i="1" smtClean="0">
+                                  <a:latin typeface="Cambria Math" panose="02040503050406030204" pitchFamily="18" charset="0"/>
+                                </a:rPr>
+                                <m:t>)</m:t>
+                              </m:r>
+                              <m:r>
+                                <m:rPr>
+                                  <m:sty m:val="p"/>
+                                </m:rPr>
+                                <a:rPr lang="en-US" altLang="ko-KR" sz="2400" b="0" i="0" smtClean="0">
+                                  <a:latin typeface="Cambria Math" panose="02040503050406030204" pitchFamily="18" charset="0"/>
+                                </a:rPr>
+                                <m:t>exp</m:t>
+                              </m:r>
+                            </m:fName>
+                            <m:e>
+                              <m:d>
+                                <m:dPr>
+                                  <m:ctrlPr>
+                                    <a:rPr lang="en-US" altLang="ko-KR" sz="2400" b="0" i="1" smtClean="0">
+                                      <a:latin typeface="Cambria Math" panose="02040503050406030204" pitchFamily="18" charset="0"/>
+                                    </a:rPr>
+                                  </m:ctrlPr>
+                                </m:dPr>
+                                <m:e>
+                                  <m:r>
+                                    <a:rPr lang="en-US" altLang="ko-KR" sz="2400" b="0" i="1" smtClean="0">
+                                      <a:latin typeface="Cambria Math" panose="02040503050406030204" pitchFamily="18" charset="0"/>
+                                    </a:rPr>
+                                    <m:t>−</m:t>
+                                  </m:r>
+                                  <m:r>
+                                    <a:rPr lang="en-US" altLang="ko-KR" sz="2400" b="0" i="1" smtClean="0">
+                                      <a:latin typeface="Cambria Math" panose="02040503050406030204" pitchFamily="18" charset="0"/>
+                                    </a:rPr>
+                                    <m:t>𝑗</m:t>
+                                  </m:r>
+                                  <m:r>
+                                    <a:rPr lang="en-US" altLang="ko-KR" sz="2400" b="0" i="1" smtClean="0">
+                                      <a:latin typeface="Cambria Math" panose="02040503050406030204" pitchFamily="18" charset="0"/>
+                                    </a:rPr>
+                                    <m:t>𝜔</m:t>
+                                  </m:r>
+                                  <m:r>
+                                    <a:rPr lang="en-US" altLang="ko-KR" sz="2400" b="0" i="1" smtClean="0">
+                                      <a:latin typeface="Cambria Math" panose="02040503050406030204" pitchFamily="18" charset="0"/>
+                                    </a:rPr>
+                                    <m:t>𝑡</m:t>
+                                  </m:r>
+                                </m:e>
+                              </m:d>
+                            </m:e>
+                          </m:func>
+                          <m:r>
+                            <a:rPr lang="en-US" altLang="ko-KR" sz="2400" b="0" i="1" smtClean="0">
+                              <a:latin typeface="Cambria Math" panose="02040503050406030204" pitchFamily="18" charset="0"/>
+                            </a:rPr>
+                            <m:t>𝑑𝑡</m:t>
+                          </m:r>
+                        </m:e>
+                      </m:nary>
+                    </m:oMath>
+                  </m:oMathPara>
+                </a14:m>
+                <a:endParaRPr lang="ko-KR" altLang="en-US" sz="2400" dirty="0"/>
+              </a:p>
+            </p:txBody>
+          </p:sp>
+        </mc:Choice>
+        <mc:Fallback>
+          <p:sp>
+            <p:nvSpPr>
+              <p:cNvPr id="66" name="TextBox 65">
+                <a:extLst>
+                  <a:ext uri="{FF2B5EF4-FFF2-40B4-BE49-F238E27FC236}">
+                    <a16:creationId xmlns:a16="http://schemas.microsoft.com/office/drawing/2014/main" id="{C0D5A067-822D-4308-A65D-20D02E434FEA}"/>
+                  </a:ext>
+                </a:extLst>
+              </p:cNvPr>
+              <p:cNvSpPr txBox="1">
+                <a:spLocks noRot="1" noChangeAspect="1" noMove="1" noResize="1" noEditPoints="1" noAdjustHandles="1" noChangeArrowheads="1" noChangeShapeType="1" noTextEdit="1"/>
+              </p:cNvSpPr>
+              <p:nvPr/>
+            </p:nvSpPr>
+            <p:spPr>
+              <a:xfrm>
+                <a:off x="3614574" y="3698660"/>
+                <a:ext cx="5529426" cy="889154"/>
+              </a:xfrm>
+              <a:prstGeom prst="rect">
+                <a:avLst/>
+              </a:prstGeom>
+              <a:blipFill>
+                <a:blip r:embed="rId15"/>
+                <a:stretch>
+                  <a:fillRect/>
+                </a:stretch>
+              </a:blipFill>
+            </p:spPr>
+            <p:txBody>
+              <a:bodyPr/>
+              <a:lstStyle/>
+              <a:p>
+                <a:r>
+                  <a:rPr lang="ko-KR" altLang="en-US">
+                    <a:noFill/>
+                  </a:rPr>
+                  <a:t> </a:t>
+                </a:r>
+              </a:p>
+            </p:txBody>
+          </p:sp>
+        </mc:Fallback>
+      </mc:AlternateContent>
+      <p:sp>
+        <p:nvSpPr>
+          <p:cNvPr id="77" name="TextBox 76">
+            <a:extLst>
+              <a:ext uri="{FF2B5EF4-FFF2-40B4-BE49-F238E27FC236}">
+                <a16:creationId xmlns:a16="http://schemas.microsoft.com/office/drawing/2014/main" id="{EB5214AB-C57A-4788-90CB-776402586713}"/>
+              </a:ext>
+            </a:extLst>
+          </p:cNvPr>
+          <p:cNvSpPr txBox="1"/>
+          <p:nvPr/>
+        </p:nvSpPr>
+        <p:spPr>
+          <a:xfrm>
+            <a:off x="7560597" y="3553049"/>
+            <a:ext cx="633732" cy="369332"/>
+          </a:xfrm>
+          <a:prstGeom prst="rect">
+            <a:avLst/>
+          </a:prstGeom>
+          <a:noFill/>
+        </p:spPr>
+        <p:txBody>
+          <a:bodyPr wrap="square">
+            <a:spAutoFit/>
+          </a:bodyPr>
+          <a:lstStyle/>
+          <a:p>
+            <a:pPr algn="ctr"/>
+            <a:r>
+              <a:rPr lang="ko-KR" altLang="en-US">
+                <a:solidFill>
+                  <a:schemeClr val="bg1">
+                    <a:lumMod val="50000"/>
+                  </a:schemeClr>
+                </a:solidFill>
+                <a:latin typeface="마루 부리 Beta" panose="020B0600000101010101" pitchFamily="50" charset="-127"/>
+                <a:ea typeface="마루 부리 Beta" panose="020B0600000101010101" pitchFamily="50" charset="-127"/>
+              </a:rPr>
+              <a:t>회전</a:t>
+            </a:r>
+            <a:endParaRPr lang="ko-KR" altLang="en-US" dirty="0">
+              <a:solidFill>
+                <a:schemeClr val="bg1">
+                  <a:lumMod val="50000"/>
+                </a:schemeClr>
+              </a:solidFill>
+            </a:endParaRPr>
+          </a:p>
+        </p:txBody>
+      </p:sp>
+      <p:sp>
+        <p:nvSpPr>
+          <p:cNvPr id="78" name="TextBox 77">
+            <a:extLst>
+              <a:ext uri="{FF2B5EF4-FFF2-40B4-BE49-F238E27FC236}">
+                <a16:creationId xmlns:a16="http://schemas.microsoft.com/office/drawing/2014/main" id="{36C5E5AF-15A1-419B-91BF-450D8278EF01}"/>
+              </a:ext>
+            </a:extLst>
+          </p:cNvPr>
+          <p:cNvSpPr txBox="1"/>
+          <p:nvPr/>
+        </p:nvSpPr>
+        <p:spPr>
+          <a:xfrm>
+            <a:off x="5764521" y="3562574"/>
+            <a:ext cx="1494309" cy="646331"/>
+          </a:xfrm>
+          <a:prstGeom prst="rect">
+            <a:avLst/>
+          </a:prstGeom>
+          <a:noFill/>
+        </p:spPr>
+        <p:txBody>
+          <a:bodyPr wrap="square">
+            <a:spAutoFit/>
+          </a:bodyPr>
+          <a:lstStyle/>
+          <a:p>
+            <a:pPr algn="ctr"/>
+            <a:r>
+              <a:rPr lang="ko-KR" altLang="en-US" dirty="0">
+                <a:solidFill>
+                  <a:schemeClr val="bg1">
+                    <a:lumMod val="50000"/>
+                  </a:schemeClr>
+                </a:solidFill>
+                <a:latin typeface="마루 부리 Beta" panose="020B0600000101010101" pitchFamily="50" charset="-127"/>
+                <a:ea typeface="마루 부리 Beta" panose="020B0600000101010101" pitchFamily="50" charset="-127"/>
+              </a:rPr>
+              <a:t>수렴</a:t>
+            </a:r>
+            <a:r>
+              <a:rPr lang="en-US" altLang="ko-KR" dirty="0">
+                <a:solidFill>
+                  <a:schemeClr val="bg1">
+                    <a:lumMod val="50000"/>
+                  </a:schemeClr>
+                </a:solidFill>
+                <a:latin typeface="마루 부리 Beta" panose="020B0600000101010101" pitchFamily="50" charset="-127"/>
+                <a:ea typeface="마루 부리 Beta" panose="020B0600000101010101" pitchFamily="50" charset="-127"/>
+              </a:rPr>
+              <a:t>/</a:t>
+            </a:r>
+            <a:r>
+              <a:rPr lang="ko-KR" altLang="en-US" dirty="0">
+                <a:solidFill>
+                  <a:schemeClr val="bg1">
+                    <a:lumMod val="50000"/>
+                  </a:schemeClr>
+                </a:solidFill>
+                <a:latin typeface="마루 부리 Beta" panose="020B0600000101010101" pitchFamily="50" charset="-127"/>
+                <a:ea typeface="마루 부리 Beta" panose="020B0600000101010101" pitchFamily="50" charset="-127"/>
+              </a:rPr>
+              <a:t>발산량</a:t>
+            </a:r>
+            <a:endParaRPr lang="ko-KR" altLang="en-US" dirty="0">
+              <a:solidFill>
+                <a:schemeClr val="bg1">
+                  <a:lumMod val="50000"/>
+                </a:schemeClr>
+              </a:solidFill>
+            </a:endParaRPr>
+          </a:p>
+        </p:txBody>
+      </p:sp>
+      <p:sp>
+        <p:nvSpPr>
+          <p:cNvPr id="79" name="TextBox 78">
+            <a:extLst>
+              <a:ext uri="{FF2B5EF4-FFF2-40B4-BE49-F238E27FC236}">
+                <a16:creationId xmlns:a16="http://schemas.microsoft.com/office/drawing/2014/main" id="{DC415553-4285-4112-AE79-A13BD9AD2DC4}"/>
+              </a:ext>
+            </a:extLst>
+          </p:cNvPr>
+          <p:cNvSpPr txBox="1"/>
+          <p:nvPr/>
+        </p:nvSpPr>
+        <p:spPr>
+          <a:xfrm>
+            <a:off x="217557" y="674709"/>
+            <a:ext cx="1808114" cy="369332"/>
+          </a:xfrm>
+          <a:prstGeom prst="rect">
+            <a:avLst/>
+          </a:prstGeom>
+          <a:solidFill>
+            <a:srgbClr val="FFCCFF"/>
+          </a:solidFill>
+        </p:spPr>
+        <p:txBody>
+          <a:bodyPr wrap="square">
+            <a:spAutoFit/>
+          </a:bodyPr>
+          <a:lstStyle/>
+          <a:p>
+            <a:pPr algn="ctr"/>
+            <a:r>
+              <a:rPr lang="ko-KR" altLang="en-US" dirty="0">
+                <a:solidFill>
+                  <a:schemeClr val="tx1">
+                    <a:lumMod val="85000"/>
+                    <a:lumOff val="15000"/>
+                  </a:schemeClr>
+                </a:solidFill>
+                <a:latin typeface="마루 부리 Beta" panose="020B0600000101010101" pitchFamily="50" charset="-127"/>
+                <a:ea typeface="마루 부리 Beta" panose="020B0600000101010101" pitchFamily="50" charset="-127"/>
+              </a:rPr>
+              <a:t>수렴하는 신호들</a:t>
+            </a:r>
+            <a:endParaRPr lang="ko-KR" altLang="en-US" dirty="0">
+              <a:solidFill>
+                <a:schemeClr val="tx1">
+                  <a:lumMod val="85000"/>
+                  <a:lumOff val="15000"/>
+                </a:schemeClr>
+              </a:solidFill>
+            </a:endParaRPr>
+          </a:p>
+        </p:txBody>
+      </p:sp>
+      <p:sp>
+        <p:nvSpPr>
+          <p:cNvPr id="80" name="TextBox 79">
+            <a:extLst>
+              <a:ext uri="{FF2B5EF4-FFF2-40B4-BE49-F238E27FC236}">
+                <a16:creationId xmlns:a16="http://schemas.microsoft.com/office/drawing/2014/main" id="{1647F010-088F-45F1-A2F4-0E516E9A23E0}"/>
+              </a:ext>
+            </a:extLst>
+          </p:cNvPr>
+          <p:cNvSpPr txBox="1"/>
+          <p:nvPr/>
+        </p:nvSpPr>
+        <p:spPr>
+          <a:xfrm>
+            <a:off x="4342662" y="674709"/>
+            <a:ext cx="1808114" cy="369332"/>
+          </a:xfrm>
+          <a:prstGeom prst="rect">
+            <a:avLst/>
+          </a:prstGeom>
+          <a:solidFill>
+            <a:schemeClr val="accent1">
+              <a:lumMod val="40000"/>
+              <a:lumOff val="60000"/>
+            </a:schemeClr>
+          </a:solidFill>
+        </p:spPr>
+        <p:txBody>
+          <a:bodyPr wrap="square">
+            <a:spAutoFit/>
+          </a:bodyPr>
+          <a:lstStyle/>
+          <a:p>
+            <a:pPr algn="ctr"/>
+            <a:r>
+              <a:rPr lang="ko-KR" altLang="en-US">
+                <a:solidFill>
+                  <a:schemeClr val="tx1">
+                    <a:lumMod val="85000"/>
+                    <a:lumOff val="15000"/>
+                  </a:schemeClr>
+                </a:solidFill>
+                <a:latin typeface="마루 부리 Beta" panose="020B0600000101010101" pitchFamily="50" charset="-127"/>
+                <a:ea typeface="마루 부리 Beta" panose="020B0600000101010101" pitchFamily="50" charset="-127"/>
+              </a:rPr>
+              <a:t>발산하는 신호들</a:t>
+            </a:r>
+            <a:endParaRPr lang="ko-KR" altLang="en-US" dirty="0">
+              <a:solidFill>
+                <a:schemeClr val="tx1">
+                  <a:lumMod val="85000"/>
+                  <a:lumOff val="15000"/>
+                </a:schemeClr>
+              </a:solidFill>
+            </a:endParaRPr>
+          </a:p>
+        </p:txBody>
+      </p:sp>
+      <p:sp>
+        <p:nvSpPr>
+          <p:cNvPr id="82" name="TextBox 81">
+            <a:extLst>
+              <a:ext uri="{FF2B5EF4-FFF2-40B4-BE49-F238E27FC236}">
+                <a16:creationId xmlns:a16="http://schemas.microsoft.com/office/drawing/2014/main" id="{14692830-FDD7-4A02-AFB6-5FAF79B8BBF4}"/>
+              </a:ext>
+            </a:extLst>
+          </p:cNvPr>
+          <p:cNvSpPr txBox="1"/>
+          <p:nvPr/>
+        </p:nvSpPr>
+        <p:spPr>
+          <a:xfrm>
+            <a:off x="2253172" y="134120"/>
+            <a:ext cx="1808114" cy="646331"/>
+          </a:xfrm>
+          <a:prstGeom prst="rect">
+            <a:avLst/>
+          </a:prstGeom>
+          <a:solidFill>
+            <a:schemeClr val="accent4">
+              <a:lumMod val="40000"/>
+              <a:lumOff val="60000"/>
+            </a:schemeClr>
+          </a:solidFill>
+        </p:spPr>
+        <p:txBody>
+          <a:bodyPr wrap="square">
+            <a:spAutoFit/>
+          </a:bodyPr>
+          <a:lstStyle/>
+          <a:p>
+            <a:pPr algn="ctr"/>
+            <a:r>
+              <a:rPr lang="ko-KR" altLang="en-US">
+                <a:solidFill>
+                  <a:schemeClr val="tx1">
+                    <a:lumMod val="85000"/>
+                    <a:lumOff val="15000"/>
+                  </a:schemeClr>
+                </a:solidFill>
+                <a:latin typeface="마루 부리 Beta" panose="020B0600000101010101" pitchFamily="50" charset="-127"/>
+                <a:ea typeface="마루 부리 Beta" panose="020B0600000101010101" pitchFamily="50" charset="-127"/>
+              </a:rPr>
+              <a:t>계속 회전 하는 신호들</a:t>
+            </a:r>
+            <a:endParaRPr lang="ko-KR" altLang="en-US" dirty="0">
+              <a:solidFill>
+                <a:schemeClr val="tx1">
+                  <a:lumMod val="85000"/>
+                  <a:lumOff val="15000"/>
+                </a:schemeClr>
+              </a:solidFill>
+            </a:endParaRPr>
+          </a:p>
+        </p:txBody>
+      </p:sp>
+      <mc:AlternateContent xmlns:mc="http://schemas.openxmlformats.org/markup-compatibility/2006">
+        <mc:Choice xmlns:a14="http://schemas.microsoft.com/office/drawing/2010/main" Requires="a14">
+          <p:sp>
+            <p:nvSpPr>
+              <p:cNvPr id="84" name="TextBox 83">
+                <a:extLst>
+                  <a:ext uri="{FF2B5EF4-FFF2-40B4-BE49-F238E27FC236}">
+                    <a16:creationId xmlns:a16="http://schemas.microsoft.com/office/drawing/2014/main" id="{AE223BC2-8933-4FC8-BA7D-09465666D606}"/>
+                  </a:ext>
+                </a:extLst>
+              </p:cNvPr>
+              <p:cNvSpPr txBox="1"/>
+              <p:nvPr/>
+            </p:nvSpPr>
+            <p:spPr>
+              <a:xfrm>
+                <a:off x="6127419" y="2899442"/>
+                <a:ext cx="379350" cy="369332"/>
+              </a:xfrm>
+              <a:prstGeom prst="rect">
+                <a:avLst/>
+              </a:prstGeom>
+              <a:noFill/>
+            </p:spPr>
+            <p:txBody>
+              <a:bodyPr wrap="square" rtlCol="0">
+                <a:spAutoFit/>
+              </a:bodyPr>
+              <a:lstStyle/>
+              <a:p>
+                <a14:m>
+                  <m:oMathPara xmlns:m="http://schemas.openxmlformats.org/officeDocument/2006/math">
+                    <m:oMathParaPr>
+                      <m:jc m:val="centerGroup"/>
+                    </m:oMathParaPr>
+                    <m:oMath xmlns:m="http://schemas.openxmlformats.org/officeDocument/2006/math">
+                      <m:r>
+                        <a:rPr lang="en-US" altLang="ko-KR" b="0" i="1" smtClean="0">
+                          <a:latin typeface="Cambria Math" panose="02040503050406030204" pitchFamily="18" charset="0"/>
+                        </a:rPr>
+                        <m:t>𝜎</m:t>
+                      </m:r>
+                    </m:oMath>
+                  </m:oMathPara>
+                </a14:m>
+                <a:endParaRPr lang="ko-KR" altLang="en-US" dirty="0"/>
+              </a:p>
+            </p:txBody>
+          </p:sp>
+        </mc:Choice>
+        <mc:Fallback>
+          <p:sp>
+            <p:nvSpPr>
+              <p:cNvPr id="84" name="TextBox 83">
+                <a:extLst>
+                  <a:ext uri="{FF2B5EF4-FFF2-40B4-BE49-F238E27FC236}">
+                    <a16:creationId xmlns:a16="http://schemas.microsoft.com/office/drawing/2014/main" id="{AE223BC2-8933-4FC8-BA7D-09465666D606}"/>
+                  </a:ext>
+                </a:extLst>
+              </p:cNvPr>
+              <p:cNvSpPr txBox="1">
+                <a:spLocks noRot="1" noChangeAspect="1" noMove="1" noResize="1" noEditPoints="1" noAdjustHandles="1" noChangeArrowheads="1" noChangeShapeType="1" noTextEdit="1"/>
+              </p:cNvSpPr>
+              <p:nvPr/>
+            </p:nvSpPr>
+            <p:spPr>
+              <a:xfrm>
+                <a:off x="6127419" y="2899442"/>
+                <a:ext cx="379350" cy="369332"/>
+              </a:xfrm>
+              <a:prstGeom prst="rect">
+                <a:avLst/>
+              </a:prstGeom>
+              <a:blipFill>
+                <a:blip r:embed="rId16"/>
+                <a:stretch>
+                  <a:fillRect/>
+                </a:stretch>
+              </a:blipFill>
+            </p:spPr>
+            <p:txBody>
+              <a:bodyPr/>
+              <a:lstStyle/>
+              <a:p>
+                <a:r>
+                  <a:rPr lang="ko-KR" altLang="en-US">
+                    <a:noFill/>
+                  </a:rPr>
+                  <a:t> </a:t>
+                </a:r>
+              </a:p>
+            </p:txBody>
+          </p:sp>
+        </mc:Fallback>
+      </mc:AlternateContent>
+    </p:spTree>
+    <p:extLst>
+      <p:ext uri="{BB962C8B-B14F-4D97-AF65-F5344CB8AC3E}">
+        <p14:creationId xmlns:p14="http://schemas.microsoft.com/office/powerpoint/2010/main" val="3576864306"/>
+      </p:ext>
+    </p:extLst>
+  </p:cSld>
+  <p:clrMapOvr>
+    <a:masterClrMapping/>
+  </p:clrMapOvr>
+</p:sld>
+</file>
+
+<file path=ppt/slides/slide4.xml><?xml version="1.0" encoding="utf-8"?>
+<p:sld xmlns:a="http://schemas.openxmlformats.org/drawingml/2006/main" xmlns:r="http://schemas.openxmlformats.org/officeDocument/2006/relationships" xmlns:p="http://schemas.openxmlformats.org/presentationml/2006/main">
+  <p:cSld>
+    <p:spTree>
+      <p:nvGrpSpPr>
+        <p:cNvPr id="1" name=""/>
+        <p:cNvGrpSpPr/>
+        <p:nvPr/>
+      </p:nvGrpSpPr>
+      <p:grpSpPr>
+        <a:xfrm>
+          <a:off x="0" y="0"/>
+          <a:ext cx="0" cy="0"/>
+          <a:chOff x="0" y="0"/>
+          <a:chExt cx="0" cy="0"/>
+        </a:xfrm>
+      </p:grpSpPr>
+      <p:pic>
+        <p:nvPicPr>
           <p:cNvPr id="5" name="그림 4">
             <a:extLst>
               <a:ext uri="{FF2B5EF4-FFF2-40B4-BE49-F238E27FC236}">
@@ -6519,7 +12065,7 @@
 </p:sld>
 </file>
 
-<file path=ppt/slides/slide3.xml><?xml version="1.0" encoding="utf-8"?>
+<file path=ppt/slides/slide5.xml><?xml version="1.0" encoding="utf-8"?>
 <p:sld xmlns:a="http://schemas.openxmlformats.org/drawingml/2006/main" xmlns:r="http://schemas.openxmlformats.org/officeDocument/2006/relationships" xmlns:p="http://schemas.openxmlformats.org/presentationml/2006/main">
   <p:cSld>
     <p:spTree>
@@ -7180,8 +12726,8 @@
           </p:sp>
         </mc:Fallback>
       </mc:AlternateContent>
-      <mc:AlternateContent xmlns:mc="http://schemas.openxmlformats.org/markup-compatibility/2006">
-        <mc:Choice xmlns:a14="http://schemas.microsoft.com/office/drawing/2010/main" Requires="a14">
+      <mc:AlternateContent xmlns:mc="http://schemas.openxmlformats.org/markup-compatibility/2006" xmlns:a14="http://schemas.microsoft.com/office/drawing/2010/main">
+        <mc:Choice Requires="a14">
           <p:sp>
             <p:nvSpPr>
               <p:cNvPr id="23" name="TextBox 22">
@@ -7256,7 +12802,7 @@
             </p:txBody>
           </p:sp>
         </mc:Choice>
-        <mc:Fallback>
+        <mc:Fallback xmlns="">
           <p:sp>
             <p:nvSpPr>
               <p:cNvPr id="23" name="TextBox 22">
@@ -7442,8 +12988,8 @@
           </a:fontRef>
         </p:style>
       </p:cxnSp>
-      <mc:AlternateContent xmlns:mc="http://schemas.openxmlformats.org/markup-compatibility/2006">
-        <mc:Choice xmlns:a14="http://schemas.microsoft.com/office/drawing/2010/main" Requires="a14">
+      <mc:AlternateContent xmlns:mc="http://schemas.openxmlformats.org/markup-compatibility/2006" xmlns:a14="http://schemas.microsoft.com/office/drawing/2010/main">
+        <mc:Choice Requires="a14">
           <p:sp>
             <p:nvSpPr>
               <p:cNvPr id="25" name="TextBox 24">
@@ -7545,7 +13091,7 @@
             </p:txBody>
           </p:sp>
         </mc:Choice>
-        <mc:Fallback>
+        <mc:Fallback xmlns="">
           <p:sp>
             <p:nvSpPr>
               <p:cNvPr id="25" name="TextBox 24">
@@ -7590,8 +13136,8 @@
           </p:sp>
         </mc:Fallback>
       </mc:AlternateContent>
-      <mc:AlternateContent xmlns:mc="http://schemas.openxmlformats.org/markup-compatibility/2006">
-        <mc:Choice xmlns:a14="http://schemas.microsoft.com/office/drawing/2010/main" Requires="a14">
+      <mc:AlternateContent xmlns:mc="http://schemas.openxmlformats.org/markup-compatibility/2006" xmlns:a14="http://schemas.microsoft.com/office/drawing/2010/main">
+        <mc:Choice Requires="a14">
           <p:sp>
             <p:nvSpPr>
               <p:cNvPr id="26" name="TextBox 25">
@@ -7725,7 +13271,7 @@
             </p:txBody>
           </p:sp>
         </mc:Choice>
-        <mc:Fallback>
+        <mc:Fallback xmlns="">
           <p:sp>
             <p:nvSpPr>
               <p:cNvPr id="26" name="TextBox 25">

--- a/pics/2019-08-12_Laplace_Transform/pics.pptx
+++ b/pics/2019-08-12_Laplace_Transform/pics.pptx
@@ -10,6 +10,8 @@
     <p:sldId id="260" r:id="rId4"/>
     <p:sldId id="257" r:id="rId5"/>
     <p:sldId id="258" r:id="rId6"/>
+    <p:sldId id="261" r:id="rId7"/>
+    <p:sldId id="262" r:id="rId8"/>
   </p:sldIdLst>
   <p:sldSz cx="9144000" cy="6858000" type="screen4x3"/>
   <p:notesSz cx="6858000" cy="9144000"/>
@@ -6688,8 +6690,8 @@
           </a:prstGeom>
         </p:spPr>
       </p:pic>
-      <mc:AlternateContent xmlns:mc="http://schemas.openxmlformats.org/markup-compatibility/2006">
-        <mc:Choice xmlns:a14="http://schemas.microsoft.com/office/drawing/2010/main" Requires="a14">
+      <mc:AlternateContent xmlns:mc="http://schemas.openxmlformats.org/markup-compatibility/2006" xmlns:a14="http://schemas.microsoft.com/office/drawing/2010/main">
+        <mc:Choice Requires="a14">
           <p:sp>
             <p:nvSpPr>
               <p:cNvPr id="51" name="TextBox 50">
@@ -6718,6 +6720,7 @@
               </a:bodyPr>
               <a:lstStyle/>
               <a:p>
+                <a:pPr/>
                 <a14:m>
                   <m:oMathPara xmlns:m="http://schemas.openxmlformats.org/officeDocument/2006/math">
                     <m:oMathParaPr>
@@ -6802,7 +6805,7 @@
             </p:txBody>
           </p:sp>
         </mc:Choice>
-        <mc:Fallback>
+        <mc:Fallback xmlns="">
           <p:sp>
             <p:nvSpPr>
               <p:cNvPr id="51" name="TextBox 50">
@@ -6847,8 +6850,8 @@
           </p:sp>
         </mc:Fallback>
       </mc:AlternateContent>
-      <mc:AlternateContent xmlns:mc="http://schemas.openxmlformats.org/markup-compatibility/2006">
-        <mc:Choice xmlns:a14="http://schemas.microsoft.com/office/drawing/2010/main" Requires="a14">
+      <mc:AlternateContent xmlns:mc="http://schemas.openxmlformats.org/markup-compatibility/2006" xmlns:a14="http://schemas.microsoft.com/office/drawing/2010/main">
+        <mc:Choice Requires="a14">
           <p:sp>
             <p:nvSpPr>
               <p:cNvPr id="59" name="TextBox 58">
@@ -6877,6 +6880,7 @@
               </a:bodyPr>
               <a:lstStyle/>
               <a:p>
+                <a:pPr/>
                 <a14:m>
                   <m:oMathPara xmlns:m="http://schemas.openxmlformats.org/officeDocument/2006/math">
                     <m:oMathParaPr>
@@ -6961,7 +6965,7 @@
             </p:txBody>
           </p:sp>
         </mc:Choice>
-        <mc:Fallback>
+        <mc:Fallback xmlns="">
           <p:sp>
             <p:nvSpPr>
               <p:cNvPr id="59" name="TextBox 58">
@@ -7006,8 +7010,8 @@
           </p:sp>
         </mc:Fallback>
       </mc:AlternateContent>
-      <mc:AlternateContent xmlns:mc="http://schemas.openxmlformats.org/markup-compatibility/2006">
-        <mc:Choice xmlns:a14="http://schemas.microsoft.com/office/drawing/2010/main" Requires="a14">
+      <mc:AlternateContent xmlns:mc="http://schemas.openxmlformats.org/markup-compatibility/2006" xmlns:a14="http://schemas.microsoft.com/office/drawing/2010/main">
+        <mc:Choice Requires="a14">
           <p:sp>
             <p:nvSpPr>
               <p:cNvPr id="60" name="TextBox 59">
@@ -7036,6 +7040,7 @@
               </a:bodyPr>
               <a:lstStyle/>
               <a:p>
+                <a:pPr/>
                 <a14:m>
                   <m:oMathPara xmlns:m="http://schemas.openxmlformats.org/officeDocument/2006/math">
                     <m:oMathParaPr>
@@ -7120,7 +7125,7 @@
             </p:txBody>
           </p:sp>
         </mc:Choice>
-        <mc:Fallback>
+        <mc:Fallback xmlns="">
           <p:sp>
             <p:nvSpPr>
               <p:cNvPr id="60" name="TextBox 59">
@@ -7165,8 +7170,8 @@
           </p:sp>
         </mc:Fallback>
       </mc:AlternateContent>
-      <mc:AlternateContent xmlns:mc="http://schemas.openxmlformats.org/markup-compatibility/2006">
-        <mc:Choice xmlns:a14="http://schemas.microsoft.com/office/drawing/2010/main" Requires="a14">
+      <mc:AlternateContent xmlns:mc="http://schemas.openxmlformats.org/markup-compatibility/2006" xmlns:a14="http://schemas.microsoft.com/office/drawing/2010/main">
+        <mc:Choice Requires="a14">
           <p:sp>
             <p:nvSpPr>
               <p:cNvPr id="61" name="TextBox 60">
@@ -7195,6 +7200,7 @@
               </a:bodyPr>
               <a:lstStyle/>
               <a:p>
+                <a:pPr/>
                 <a14:m>
                   <m:oMathPara xmlns:m="http://schemas.openxmlformats.org/officeDocument/2006/math">
                     <m:oMathParaPr>
@@ -7279,7 +7285,7 @@
             </p:txBody>
           </p:sp>
         </mc:Choice>
-        <mc:Fallback>
+        <mc:Fallback xmlns="">
           <p:sp>
             <p:nvSpPr>
               <p:cNvPr id="61" name="TextBox 60">
@@ -7324,8 +7330,8 @@
           </p:sp>
         </mc:Fallback>
       </mc:AlternateContent>
-      <mc:AlternateContent xmlns:mc="http://schemas.openxmlformats.org/markup-compatibility/2006">
-        <mc:Choice xmlns:a14="http://schemas.microsoft.com/office/drawing/2010/main" Requires="a14">
+      <mc:AlternateContent xmlns:mc="http://schemas.openxmlformats.org/markup-compatibility/2006" xmlns:a14="http://schemas.microsoft.com/office/drawing/2010/main">
+        <mc:Choice Requires="a14">
           <p:sp>
             <p:nvSpPr>
               <p:cNvPr id="62" name="TextBox 61">
@@ -7354,6 +7360,7 @@
               </a:bodyPr>
               <a:lstStyle/>
               <a:p>
+                <a:pPr/>
                 <a14:m>
                   <m:oMathPara xmlns:m="http://schemas.openxmlformats.org/officeDocument/2006/math">
                     <m:oMathParaPr>
@@ -7438,7 +7445,7 @@
             </p:txBody>
           </p:sp>
         </mc:Choice>
-        <mc:Fallback>
+        <mc:Fallback xmlns="">
           <p:sp>
             <p:nvSpPr>
               <p:cNvPr id="62" name="TextBox 61">
@@ -7483,8 +7490,8 @@
           </p:sp>
         </mc:Fallback>
       </mc:AlternateContent>
-      <mc:AlternateContent xmlns:mc="http://schemas.openxmlformats.org/markup-compatibility/2006">
-        <mc:Choice xmlns:a14="http://schemas.microsoft.com/office/drawing/2010/main" Requires="a14">
+      <mc:AlternateContent xmlns:mc="http://schemas.openxmlformats.org/markup-compatibility/2006" xmlns:a14="http://schemas.microsoft.com/office/drawing/2010/main">
+        <mc:Choice Requires="a14">
           <p:sp>
             <p:nvSpPr>
               <p:cNvPr id="63" name="TextBox 62">
@@ -7513,6 +7520,7 @@
               </a:bodyPr>
               <a:lstStyle/>
               <a:p>
+                <a:pPr/>
                 <a14:m>
                   <m:oMathPara xmlns:m="http://schemas.openxmlformats.org/officeDocument/2006/math">
                     <m:oMathParaPr>
@@ -7597,7 +7605,7 @@
             </p:txBody>
           </p:sp>
         </mc:Choice>
-        <mc:Fallback>
+        <mc:Fallback xmlns="">
           <p:sp>
             <p:nvSpPr>
               <p:cNvPr id="63" name="TextBox 62">
@@ -7642,8 +7650,8 @@
           </p:sp>
         </mc:Fallback>
       </mc:AlternateContent>
-      <mc:AlternateContent xmlns:mc="http://schemas.openxmlformats.org/markup-compatibility/2006">
-        <mc:Choice xmlns:a14="http://schemas.microsoft.com/office/drawing/2010/main" Requires="a14">
+      <mc:AlternateContent xmlns:mc="http://schemas.openxmlformats.org/markup-compatibility/2006" xmlns:a14="http://schemas.microsoft.com/office/drawing/2010/main">
+        <mc:Choice Requires="a14">
           <p:sp>
             <p:nvSpPr>
               <p:cNvPr id="64" name="TextBox 63">
@@ -7672,6 +7680,7 @@
               </a:bodyPr>
               <a:lstStyle/>
               <a:p>
+                <a:pPr/>
                 <a14:m>
                   <m:oMathPara xmlns:m="http://schemas.openxmlformats.org/officeDocument/2006/math">
                     <m:oMathParaPr>
@@ -7747,7 +7756,7 @@
             </p:txBody>
           </p:sp>
         </mc:Choice>
-        <mc:Fallback>
+        <mc:Fallback xmlns="">
           <p:sp>
             <p:nvSpPr>
               <p:cNvPr id="64" name="TextBox 63">
@@ -7836,8 +7845,8 @@
           </a:fontRef>
         </p:style>
       </p:cxnSp>
-      <mc:AlternateContent xmlns:mc="http://schemas.openxmlformats.org/markup-compatibility/2006">
-        <mc:Choice xmlns:a14="http://schemas.microsoft.com/office/drawing/2010/main" Requires="a14">
+      <mc:AlternateContent xmlns:mc="http://schemas.openxmlformats.org/markup-compatibility/2006" xmlns:a14="http://schemas.microsoft.com/office/drawing/2010/main">
+        <mc:Choice Requires="a14">
           <p:sp>
             <p:nvSpPr>
               <p:cNvPr id="6" name="TextBox 5">
@@ -7866,6 +7875,7 @@
               </a:bodyPr>
               <a:lstStyle/>
               <a:p>
+                <a:pPr/>
                 <a14:m>
                   <m:oMathPara xmlns:m="http://schemas.openxmlformats.org/officeDocument/2006/math">
                     <m:oMathParaPr>
@@ -7892,7 +7902,7 @@
             </p:txBody>
           </p:sp>
         </mc:Choice>
-        <mc:Fallback>
+        <mc:Fallback xmlns="">
           <p:sp>
             <p:nvSpPr>
               <p:cNvPr id="6" name="TextBox 5">
@@ -7980,8 +7990,8 @@
           </a:fontRef>
         </p:style>
       </p:cxnSp>
-      <mc:AlternateContent xmlns:mc="http://schemas.openxmlformats.org/markup-compatibility/2006">
-        <mc:Choice xmlns:a14="http://schemas.microsoft.com/office/drawing/2010/main" Requires="a14">
+      <mc:AlternateContent xmlns:mc="http://schemas.openxmlformats.org/markup-compatibility/2006" xmlns:a14="http://schemas.microsoft.com/office/drawing/2010/main">
+        <mc:Choice Requires="a14">
           <p:sp>
             <p:nvSpPr>
               <p:cNvPr id="9" name="TextBox 8">
@@ -8010,6 +8020,7 @@
               </a:bodyPr>
               <a:lstStyle/>
               <a:p>
+                <a:pPr/>
                 <a14:m>
                   <m:oMathPara xmlns:m="http://schemas.openxmlformats.org/officeDocument/2006/math">
                     <m:oMathParaPr>
@@ -8030,7 +8041,7 @@
             </p:txBody>
           </p:sp>
         </mc:Choice>
-        <mc:Fallback>
+        <mc:Fallback xmlns="">
           <p:sp>
             <p:nvSpPr>
               <p:cNvPr id="9" name="TextBox 8">
@@ -8075,8 +8086,8 @@
           </p:sp>
         </mc:Fallback>
       </mc:AlternateContent>
-      <mc:AlternateContent xmlns:mc="http://schemas.openxmlformats.org/markup-compatibility/2006">
-        <mc:Choice xmlns:a14="http://schemas.microsoft.com/office/drawing/2010/main" Requires="a14">
+      <mc:AlternateContent xmlns:mc="http://schemas.openxmlformats.org/markup-compatibility/2006" xmlns:a14="http://schemas.microsoft.com/office/drawing/2010/main">
+        <mc:Choice Requires="a14">
           <p:sp>
             <p:nvSpPr>
               <p:cNvPr id="10" name="TextBox 9">
@@ -8105,6 +8116,7 @@
               </a:bodyPr>
               <a:lstStyle/>
               <a:p>
+                <a:pPr/>
                 <a14:m>
                   <m:oMathPara xmlns:m="http://schemas.openxmlformats.org/officeDocument/2006/math">
                     <m:oMathParaPr>
@@ -8149,7 +8161,7 @@
             </p:txBody>
           </p:sp>
         </mc:Choice>
-        <mc:Fallback>
+        <mc:Fallback xmlns="">
           <p:sp>
             <p:nvSpPr>
               <p:cNvPr id="10" name="TextBox 9">
@@ -8237,8 +8249,8 @@
           </a:fontRef>
         </p:style>
       </p:cxnSp>
-      <mc:AlternateContent xmlns:mc="http://schemas.openxmlformats.org/markup-compatibility/2006">
-        <mc:Choice xmlns:a14="http://schemas.microsoft.com/office/drawing/2010/main" Requires="a14">
+      <mc:AlternateContent xmlns:mc="http://schemas.openxmlformats.org/markup-compatibility/2006" xmlns:a14="http://schemas.microsoft.com/office/drawing/2010/main">
+        <mc:Choice Requires="a14">
           <p:sp>
             <p:nvSpPr>
               <p:cNvPr id="15" name="TextBox 14">
@@ -8267,6 +8279,7 @@
               </a:bodyPr>
               <a:lstStyle/>
               <a:p>
+                <a:pPr/>
                 <a14:m>
                   <m:oMathPara xmlns:m="http://schemas.openxmlformats.org/officeDocument/2006/math">
                     <m:oMathParaPr>
@@ -8311,7 +8324,7 @@
             </p:txBody>
           </p:sp>
         </mc:Choice>
-        <mc:Fallback>
+        <mc:Fallback xmlns="">
           <p:sp>
             <p:nvSpPr>
               <p:cNvPr id="15" name="TextBox 14">
@@ -8442,8 +8455,8 @@
           </a:fontRef>
         </p:style>
       </p:cxnSp>
-      <mc:AlternateContent xmlns:mc="http://schemas.openxmlformats.org/markup-compatibility/2006">
-        <mc:Choice xmlns:a14="http://schemas.microsoft.com/office/drawing/2010/main" Requires="a14">
+      <mc:AlternateContent xmlns:mc="http://schemas.openxmlformats.org/markup-compatibility/2006" xmlns:a14="http://schemas.microsoft.com/office/drawing/2010/main">
+        <mc:Choice Requires="a14">
           <p:sp>
             <p:nvSpPr>
               <p:cNvPr id="19" name="TextBox 18">
@@ -8472,6 +8485,7 @@
               </a:bodyPr>
               <a:lstStyle/>
               <a:p>
+                <a:pPr/>
                 <a14:m>
                   <m:oMathPara xmlns:m="http://schemas.openxmlformats.org/officeDocument/2006/math">
                     <m:oMathParaPr>
@@ -8516,7 +8530,7 @@
             </p:txBody>
           </p:sp>
         </mc:Choice>
-        <mc:Fallback>
+        <mc:Fallback xmlns="">
           <p:sp>
             <p:nvSpPr>
               <p:cNvPr id="19" name="TextBox 18">
@@ -8604,8 +8618,8 @@
           </a:fontRef>
         </p:style>
       </p:cxnSp>
-      <mc:AlternateContent xmlns:mc="http://schemas.openxmlformats.org/markup-compatibility/2006">
-        <mc:Choice xmlns:a14="http://schemas.microsoft.com/office/drawing/2010/main" Requires="a14">
+      <mc:AlternateContent xmlns:mc="http://schemas.openxmlformats.org/markup-compatibility/2006" xmlns:a14="http://schemas.microsoft.com/office/drawing/2010/main">
+        <mc:Choice Requires="a14">
           <p:sp>
             <p:nvSpPr>
               <p:cNvPr id="21" name="TextBox 20">
@@ -8634,6 +8648,7 @@
               </a:bodyPr>
               <a:lstStyle/>
               <a:p>
+                <a:pPr/>
                 <a14:m>
                   <m:oMathPara xmlns:m="http://schemas.openxmlformats.org/officeDocument/2006/math">
                     <m:oMathParaPr>
@@ -8678,7 +8693,7 @@
             </p:txBody>
           </p:sp>
         </mc:Choice>
-        <mc:Fallback>
+        <mc:Fallback xmlns="">
           <p:sp>
             <p:nvSpPr>
               <p:cNvPr id="21" name="TextBox 20">
@@ -8766,8 +8781,8 @@
           </a:fontRef>
         </p:style>
       </p:cxnSp>
-      <mc:AlternateContent xmlns:mc="http://schemas.openxmlformats.org/markup-compatibility/2006">
-        <mc:Choice xmlns:a14="http://schemas.microsoft.com/office/drawing/2010/main" Requires="a14">
+      <mc:AlternateContent xmlns:mc="http://schemas.openxmlformats.org/markup-compatibility/2006" xmlns:a14="http://schemas.microsoft.com/office/drawing/2010/main">
+        <mc:Choice Requires="a14">
           <p:sp>
             <p:nvSpPr>
               <p:cNvPr id="23" name="TextBox 22">
@@ -8796,6 +8811,7 @@
               </a:bodyPr>
               <a:lstStyle/>
               <a:p>
+                <a:pPr/>
                 <a14:m>
                   <m:oMathPara xmlns:m="http://schemas.openxmlformats.org/officeDocument/2006/math">
                     <m:oMathParaPr>
@@ -8840,7 +8856,7 @@
             </p:txBody>
           </p:sp>
         </mc:Choice>
-        <mc:Fallback>
+        <mc:Fallback xmlns="">
           <p:sp>
             <p:nvSpPr>
               <p:cNvPr id="23" name="TextBox 22">
@@ -8928,8 +8944,8 @@
           </a:fontRef>
         </p:style>
       </p:cxnSp>
-      <mc:AlternateContent xmlns:mc="http://schemas.openxmlformats.org/markup-compatibility/2006">
-        <mc:Choice xmlns:a14="http://schemas.microsoft.com/office/drawing/2010/main" Requires="a14">
+      <mc:AlternateContent xmlns:mc="http://schemas.openxmlformats.org/markup-compatibility/2006" xmlns:a14="http://schemas.microsoft.com/office/drawing/2010/main">
+        <mc:Choice Requires="a14">
           <p:sp>
             <p:nvSpPr>
               <p:cNvPr id="57" name="TextBox 56">
@@ -8958,6 +8974,7 @@
               </a:bodyPr>
               <a:lstStyle/>
               <a:p>
+                <a:pPr/>
                 <a14:m>
                   <m:oMathPara xmlns:m="http://schemas.openxmlformats.org/officeDocument/2006/math">
                     <m:oMathParaPr>
@@ -9002,7 +9019,7 @@
             </p:txBody>
           </p:sp>
         </mc:Choice>
-        <mc:Fallback>
+        <mc:Fallback xmlns="">
           <p:sp>
             <p:nvSpPr>
               <p:cNvPr id="57" name="TextBox 56">
@@ -9047,8 +9064,8 @@
           </p:sp>
         </mc:Fallback>
       </mc:AlternateContent>
-      <mc:AlternateContent xmlns:mc="http://schemas.openxmlformats.org/markup-compatibility/2006">
-        <mc:Choice xmlns:a14="http://schemas.microsoft.com/office/drawing/2010/main" Requires="a14">
+      <mc:AlternateContent xmlns:mc="http://schemas.openxmlformats.org/markup-compatibility/2006" xmlns:a14="http://schemas.microsoft.com/office/drawing/2010/main">
+        <mc:Choice Requires="a14">
           <p:sp>
             <p:nvSpPr>
               <p:cNvPr id="58" name="TextBox 57">
@@ -9142,7 +9159,7 @@
             </p:txBody>
           </p:sp>
         </mc:Choice>
-        <mc:Fallback>
+        <mc:Fallback xmlns="">
           <p:sp>
             <p:nvSpPr>
               <p:cNvPr id="58" name="TextBox 57">
@@ -9187,8 +9204,8 @@
           </p:sp>
         </mc:Fallback>
       </mc:AlternateContent>
-      <mc:AlternateContent xmlns:mc="http://schemas.openxmlformats.org/markup-compatibility/2006">
-        <mc:Choice xmlns:a14="http://schemas.microsoft.com/office/drawing/2010/main" Requires="a14">
+      <mc:AlternateContent xmlns:mc="http://schemas.openxmlformats.org/markup-compatibility/2006" xmlns:a14="http://schemas.microsoft.com/office/drawing/2010/main">
+        <mc:Choice Requires="a14">
           <p:sp>
             <p:nvSpPr>
               <p:cNvPr id="65" name="TextBox 64">
@@ -9217,6 +9234,7 @@
               </a:bodyPr>
               <a:lstStyle/>
               <a:p>
+                <a:pPr/>
                 <a14:m>
                   <m:oMathPara xmlns:m="http://schemas.openxmlformats.org/officeDocument/2006/math">
                     <m:oMathParaPr>
@@ -9244,7 +9262,7 @@
             </p:txBody>
           </p:sp>
         </mc:Choice>
-        <mc:Fallback>
+        <mc:Fallback xmlns="">
           <p:sp>
             <p:nvSpPr>
               <p:cNvPr id="65" name="TextBox 64">
@@ -9289,8 +9307,8 @@
           </p:sp>
         </mc:Fallback>
       </mc:AlternateContent>
-      <mc:AlternateContent xmlns:mc="http://schemas.openxmlformats.org/markup-compatibility/2006">
-        <mc:Choice xmlns:a14="http://schemas.microsoft.com/office/drawing/2010/main" Requires="a14">
+      <mc:AlternateContent xmlns:mc="http://schemas.openxmlformats.org/markup-compatibility/2006" xmlns:a14="http://schemas.microsoft.com/office/drawing/2010/main">
+        <mc:Choice Requires="a14">
           <p:sp>
             <p:nvSpPr>
               <p:cNvPr id="66" name="TextBox 65">
@@ -9319,6 +9337,7 @@
               </a:bodyPr>
               <a:lstStyle/>
               <a:p>
+                <a:pPr/>
                 <a14:m>
                   <m:oMathPara xmlns:m="http://schemas.openxmlformats.org/officeDocument/2006/math">
                     <m:oMathParaPr>
@@ -9346,7 +9365,7 @@
             </p:txBody>
           </p:sp>
         </mc:Choice>
-        <mc:Fallback>
+        <mc:Fallback xmlns="">
           <p:sp>
             <p:nvSpPr>
               <p:cNvPr id="66" name="TextBox 65">
@@ -9391,8 +9410,8 @@
           </p:sp>
         </mc:Fallback>
       </mc:AlternateContent>
-      <mc:AlternateContent xmlns:mc="http://schemas.openxmlformats.org/markup-compatibility/2006">
-        <mc:Choice xmlns:a14="http://schemas.microsoft.com/office/drawing/2010/main" Requires="a14">
+      <mc:AlternateContent xmlns:mc="http://schemas.openxmlformats.org/markup-compatibility/2006" xmlns:a14="http://schemas.microsoft.com/office/drawing/2010/main">
+        <mc:Choice Requires="a14">
           <p:sp>
             <p:nvSpPr>
               <p:cNvPr id="70" name="TextBox 69">
@@ -9584,7 +9603,7 @@
             </p:txBody>
           </p:sp>
         </mc:Choice>
-        <mc:Fallback>
+        <mc:Fallback xmlns="">
           <p:sp>
             <p:nvSpPr>
               <p:cNvPr id="70" name="TextBox 69">
@@ -9739,8 +9758,8 @@
           </a:p>
         </p:txBody>
       </p:sp>
-      <mc:AlternateContent xmlns:mc="http://schemas.openxmlformats.org/markup-compatibility/2006">
-        <mc:Choice xmlns:a14="http://schemas.microsoft.com/office/drawing/2010/main" Requires="a14">
+      <mc:AlternateContent xmlns:mc="http://schemas.openxmlformats.org/markup-compatibility/2006" xmlns:a14="http://schemas.microsoft.com/office/drawing/2010/main">
+        <mc:Choice Requires="a14">
           <p:sp>
             <p:nvSpPr>
               <p:cNvPr id="49" name="TextBox 48">
@@ -9930,7 +9949,7 @@
             </p:txBody>
           </p:sp>
         </mc:Choice>
-        <mc:Fallback>
+        <mc:Fallback xmlns="">
           <p:sp>
             <p:nvSpPr>
               <p:cNvPr id="49" name="TextBox 48">
@@ -10220,6 +10239,66 @@
       </p:grpSpPr>
       <p:pic>
         <p:nvPicPr>
+          <p:cNvPr id="28" name="그림 27">
+            <a:extLst>
+              <a:ext uri="{FF2B5EF4-FFF2-40B4-BE49-F238E27FC236}">
+                <a16:creationId xmlns:a16="http://schemas.microsoft.com/office/drawing/2014/main" id="{B1199570-2777-4280-972E-F7DE7A5E983E}"/>
+              </a:ext>
+            </a:extLst>
+          </p:cNvPr>
+          <p:cNvPicPr>
+            <a:picLocks noChangeAspect="1"/>
+          </p:cNvPicPr>
+          <p:nvPr/>
+        </p:nvPicPr>
+        <p:blipFill>
+          <a:blip r:embed="rId2"/>
+          <a:stretch>
+            <a:fillRect/>
+          </a:stretch>
+        </p:blipFill>
+        <p:spPr>
+          <a:xfrm>
+            <a:off x="2625673" y="1707660"/>
+            <a:ext cx="1014632" cy="612000"/>
+          </a:xfrm>
+          <a:prstGeom prst="rect">
+            <a:avLst/>
+          </a:prstGeom>
+        </p:spPr>
+      </p:pic>
+      <p:pic>
+        <p:nvPicPr>
+          <p:cNvPr id="29" name="그림 28">
+            <a:extLst>
+              <a:ext uri="{FF2B5EF4-FFF2-40B4-BE49-F238E27FC236}">
+                <a16:creationId xmlns:a16="http://schemas.microsoft.com/office/drawing/2014/main" id="{4FCC245B-59B4-4FCC-A87F-56D8CBB5EDD9}"/>
+              </a:ext>
+            </a:extLst>
+          </p:cNvPr>
+          <p:cNvPicPr>
+            <a:picLocks noChangeAspect="1"/>
+          </p:cNvPicPr>
+          <p:nvPr/>
+        </p:nvPicPr>
+        <p:blipFill>
+          <a:blip r:embed="rId3"/>
+          <a:stretch>
+            <a:fillRect/>
+          </a:stretch>
+        </p:blipFill>
+        <p:spPr>
+          <a:xfrm>
+            <a:off x="2627610" y="3916229"/>
+            <a:ext cx="1014632" cy="612000"/>
+          </a:xfrm>
+          <a:prstGeom prst="rect">
+            <a:avLst/>
+          </a:prstGeom>
+        </p:spPr>
+      </p:pic>
+      <p:pic>
+        <p:nvPicPr>
           <p:cNvPr id="49" name="그림 48">
             <a:extLst>
               <a:ext uri="{FF2B5EF4-FFF2-40B4-BE49-F238E27FC236}">
@@ -10233,7 +10312,7 @@
           <p:nvPr/>
         </p:nvPicPr>
         <p:blipFill>
-          <a:blip r:embed="rId2"/>
+          <a:blip r:embed="rId4"/>
           <a:stretch>
             <a:fillRect/>
           </a:stretch>
@@ -10263,7 +10342,7 @@
           <p:nvPr/>
         </p:nvPicPr>
         <p:blipFill>
-          <a:blip r:embed="rId3"/>
+          <a:blip r:embed="rId5"/>
           <a:stretch>
             <a:fillRect/>
           </a:stretch>
@@ -10293,7 +10372,7 @@
           <p:nvPr/>
         </p:nvPicPr>
         <p:blipFill>
-          <a:blip r:embed="rId4"/>
+          <a:blip r:embed="rId6"/>
           <a:stretch>
             <a:fillRect/>
           </a:stretch>
@@ -10323,7 +10402,7 @@
           <p:nvPr/>
         </p:nvPicPr>
         <p:blipFill>
-          <a:blip r:embed="rId5"/>
+          <a:blip r:embed="rId7"/>
           <a:stretch>
             <a:fillRect/>
           </a:stretch>
@@ -10353,7 +10432,7 @@
           <p:nvPr/>
         </p:nvPicPr>
         <p:blipFill>
-          <a:blip r:embed="rId6"/>
+          <a:blip r:embed="rId8"/>
           <a:stretch>
             <a:fillRect/>
           </a:stretch>
@@ -10383,7 +10462,7 @@
           <p:nvPr/>
         </p:nvPicPr>
         <p:blipFill>
-          <a:blip r:embed="rId7"/>
+          <a:blip r:embed="rId9"/>
           <a:stretch>
             <a:fillRect/>
           </a:stretch>
@@ -10413,7 +10492,7 @@
           <p:nvPr/>
         </p:nvPicPr>
         <p:blipFill>
-          <a:blip r:embed="rId8"/>
+          <a:blip r:embed="rId10"/>
           <a:stretch>
             <a:fillRect/>
           </a:stretch>
@@ -10472,8 +10551,8 @@
           </a:fontRef>
         </p:style>
       </p:cxnSp>
-      <mc:AlternateContent xmlns:mc="http://schemas.openxmlformats.org/markup-compatibility/2006">
-        <mc:Choice xmlns:a14="http://schemas.microsoft.com/office/drawing/2010/main" Requires="a14">
+      <mc:AlternateContent xmlns:mc="http://schemas.openxmlformats.org/markup-compatibility/2006" xmlns:a14="http://schemas.microsoft.com/office/drawing/2010/main">
+        <mc:Choice Requires="a14">
           <p:sp>
             <p:nvSpPr>
               <p:cNvPr id="19" name="TextBox 18">
@@ -10502,6 +10581,7 @@
               </a:bodyPr>
               <a:lstStyle/>
               <a:p>
+                <a:pPr/>
                 <a14:m>
                   <m:oMathPara xmlns:m="http://schemas.openxmlformats.org/officeDocument/2006/math">
                     <m:oMathParaPr>
@@ -10528,7 +10608,7 @@
             </p:txBody>
           </p:sp>
         </mc:Choice>
-        <mc:Fallback>
+        <mc:Fallback xmlns="">
           <p:sp>
             <p:nvSpPr>
               <p:cNvPr id="19" name="TextBox 18">
@@ -10552,7 +10632,7 @@
                 <a:avLst/>
               </a:prstGeom>
               <a:blipFill>
-                <a:blip r:embed="rId9"/>
+                <a:blip r:embed="rId11"/>
                 <a:stretch>
                   <a:fillRect l="-4762" r="-19048" b="-13115"/>
                 </a:stretch>
@@ -10616,8 +10696,8 @@
           </a:fontRef>
         </p:style>
       </p:cxnSp>
-      <mc:AlternateContent xmlns:mc="http://schemas.openxmlformats.org/markup-compatibility/2006">
-        <mc:Choice xmlns:a14="http://schemas.microsoft.com/office/drawing/2010/main" Requires="a14">
+      <mc:AlternateContent xmlns:mc="http://schemas.openxmlformats.org/markup-compatibility/2006" xmlns:a14="http://schemas.microsoft.com/office/drawing/2010/main">
+        <mc:Choice Requires="a14">
           <p:sp>
             <p:nvSpPr>
               <p:cNvPr id="21" name="TextBox 20">
@@ -10646,6 +10726,7 @@
               </a:bodyPr>
               <a:lstStyle/>
               <a:p>
+                <a:pPr/>
                 <a14:m>
                   <m:oMathPara xmlns:m="http://schemas.openxmlformats.org/officeDocument/2006/math">
                     <m:oMathParaPr>
@@ -10666,7 +10747,7 @@
             </p:txBody>
           </p:sp>
         </mc:Choice>
-        <mc:Fallback>
+        <mc:Fallback xmlns="">
           <p:sp>
             <p:nvSpPr>
               <p:cNvPr id="21" name="TextBox 20">
@@ -10690,7 +10771,7 @@
                 <a:avLst/>
               </a:prstGeom>
               <a:blipFill>
-                <a:blip r:embed="rId10"/>
+                <a:blip r:embed="rId12"/>
                 <a:stretch>
                   <a:fillRect r="-8696" b="-19149"/>
                 </a:stretch>
@@ -10770,7 +10851,7 @@
           <p:nvPr/>
         </p:nvPicPr>
         <p:blipFill>
-          <a:blip r:embed="rId11"/>
+          <a:blip r:embed="rId13"/>
           <a:stretch>
             <a:fillRect/>
           </a:stretch>
@@ -10800,7 +10881,7 @@
           <p:nvPr/>
         </p:nvPicPr>
         <p:blipFill>
-          <a:blip r:embed="rId12"/>
+          <a:blip r:embed="rId14"/>
           <a:stretch>
             <a:fillRect/>
           </a:stretch>
@@ -10830,7 +10911,7 @@
           <p:nvPr/>
         </p:nvPicPr>
         <p:blipFill>
-          <a:blip r:embed="rId13"/>
+          <a:blip r:embed="rId15"/>
           <a:stretch>
             <a:fillRect/>
           </a:stretch>
@@ -10845,8 +10926,8 @@
           </a:prstGeom>
         </p:spPr>
       </p:pic>
-      <mc:AlternateContent xmlns:mc="http://schemas.openxmlformats.org/markup-compatibility/2006">
-        <mc:Choice xmlns:a14="http://schemas.microsoft.com/office/drawing/2010/main" Requires="a14">
+      <mc:AlternateContent xmlns:mc="http://schemas.openxmlformats.org/markup-compatibility/2006" xmlns:a14="http://schemas.microsoft.com/office/drawing/2010/main">
+        <mc:Choice Requires="a14">
           <p:sp>
             <p:nvSpPr>
               <p:cNvPr id="63" name="TextBox 62">
@@ -11124,7 +11205,7 @@
             </p:txBody>
           </p:sp>
         </mc:Choice>
-        <mc:Fallback>
+        <mc:Fallback xmlns="">
           <p:sp>
             <p:nvSpPr>
               <p:cNvPr id="63" name="TextBox 62">
@@ -11148,7 +11229,7 @@
                 <a:avLst/>
               </a:prstGeom>
               <a:blipFill>
-                <a:blip r:embed="rId14"/>
+                <a:blip r:embed="rId16"/>
                 <a:stretch>
                   <a:fillRect l="-611" t="-2765" r="-611" b="-7373"/>
                 </a:stretch>
@@ -11183,7 +11264,7 @@
         </p:nvSpPr>
         <p:spPr>
           <a:xfrm>
-            <a:off x="7179438" y="3916929"/>
+            <a:off x="7179438" y="3755563"/>
             <a:ext cx="1396050" cy="478484"/>
           </a:xfrm>
           <a:prstGeom prst="rect">
@@ -11238,7 +11319,7 @@
         </p:nvSpPr>
         <p:spPr>
           <a:xfrm>
-            <a:off x="5892803" y="3916929"/>
+            <a:off x="5892803" y="3755563"/>
             <a:ext cx="1280962" cy="478484"/>
           </a:xfrm>
           <a:prstGeom prst="rect">
@@ -11290,7 +11371,7 @@
         </p:nvSpPr>
         <p:spPr>
           <a:xfrm>
-            <a:off x="5246719" y="3916929"/>
+            <a:off x="5246719" y="3755563"/>
             <a:ext cx="632768" cy="478484"/>
           </a:xfrm>
           <a:prstGeom prst="rect">
@@ -11347,8 +11428,8 @@
             </p:nvSpPr>
             <p:spPr>
               <a:xfrm>
-                <a:off x="3614574" y="3698660"/>
-                <a:ext cx="5529426" cy="889154"/>
+                <a:off x="3614574" y="3537294"/>
+                <a:ext cx="5529426" cy="1685974"/>
               </a:xfrm>
               <a:prstGeom prst="rect">
                 <a:avLst/>
@@ -11374,23 +11455,220 @@
                         </a:rPr>
                         <m:t>𝑋</m:t>
                       </m:r>
+                      <m:d>
+                        <m:dPr>
+                          <m:ctrlPr>
+                            <a:rPr lang="en-US" altLang="ko-KR" sz="2400" b="0" i="1" smtClean="0">
+                              <a:latin typeface="Cambria Math" panose="02040503050406030204" pitchFamily="18" charset="0"/>
+                            </a:rPr>
+                          </m:ctrlPr>
+                        </m:dPr>
+                        <m:e>
+                          <m:r>
+                            <a:rPr lang="en-US" altLang="ko-KR" sz="2400" b="0" i="1" smtClean="0">
+                              <a:latin typeface="Cambria Math" panose="02040503050406030204" pitchFamily="18" charset="0"/>
+                            </a:rPr>
+                            <m:t>𝑠</m:t>
+                          </m:r>
+                        </m:e>
+                      </m:d>
                       <m:r>
                         <a:rPr lang="en-US" altLang="ko-KR" sz="2400" b="0" i="1" smtClean="0">
                           <a:latin typeface="Cambria Math" panose="02040503050406030204" pitchFamily="18" charset="0"/>
                         </a:rPr>
-                        <m:t>(</m:t>
-                      </m:r>
+                        <m:t>=</m:t>
+                      </m:r>
+                      <m:nary>
+                        <m:naryPr>
+                          <m:ctrlPr>
+                            <a:rPr lang="en-US" altLang="ko-KR" sz="2400" b="0" i="1" smtClean="0">
+                              <a:latin typeface="Cambria Math" panose="02040503050406030204" pitchFamily="18" charset="0"/>
+                            </a:rPr>
+                          </m:ctrlPr>
+                        </m:naryPr>
+                        <m:sub>
+                          <m:r>
+                            <m:rPr>
+                              <m:brk m:alnAt="23"/>
+                            </m:rPr>
+                            <a:rPr lang="en-US" altLang="ko-KR" sz="2400" b="0" i="1" smtClean="0">
+                              <a:latin typeface="Cambria Math" panose="02040503050406030204" pitchFamily="18" charset="0"/>
+                            </a:rPr>
+                            <m:t>−</m:t>
+                          </m:r>
+                          <m:r>
+                            <a:rPr lang="en-US" altLang="ko-KR" sz="2400" b="0" i="1" smtClean="0">
+                              <a:latin typeface="Cambria Math" panose="02040503050406030204" pitchFamily="18" charset="0"/>
+                            </a:rPr>
+                            <m:t>∞</m:t>
+                          </m:r>
+                        </m:sub>
+                        <m:sup>
+                          <m:r>
+                            <a:rPr lang="en-US" altLang="ko-KR" sz="2400" b="0" i="1" smtClean="0">
+                              <a:latin typeface="Cambria Math" panose="02040503050406030204" pitchFamily="18" charset="0"/>
+                            </a:rPr>
+                            <m:t>∞</m:t>
+                          </m:r>
+                        </m:sup>
+                        <m:e>
+                          <m:r>
+                            <a:rPr lang="en-US" altLang="ko-KR" sz="2400" b="0" i="1" smtClean="0">
+                              <a:latin typeface="Cambria Math" panose="02040503050406030204" pitchFamily="18" charset="0"/>
+                            </a:rPr>
+                            <m:t>𝑥</m:t>
+                          </m:r>
+                          <m:d>
+                            <m:dPr>
+                              <m:ctrlPr>
+                                <a:rPr lang="en-US" altLang="ko-KR" sz="2400" b="0" i="1" smtClean="0">
+                                  <a:latin typeface="Cambria Math" panose="02040503050406030204" pitchFamily="18" charset="0"/>
+                                </a:rPr>
+                              </m:ctrlPr>
+                            </m:dPr>
+                            <m:e>
+                              <m:r>
+                                <a:rPr lang="en-US" altLang="ko-KR" sz="2400" b="0" i="1" smtClean="0">
+                                  <a:latin typeface="Cambria Math" panose="02040503050406030204" pitchFamily="18" charset="0"/>
+                                </a:rPr>
+                                <m:t>𝑡</m:t>
+                              </m:r>
+                            </m:e>
+                          </m:d>
+                          <m:func>
+                            <m:funcPr>
+                              <m:ctrlPr>
+                                <a:rPr lang="en-US" altLang="ko-KR" sz="2400" b="0" i="1" smtClean="0">
+                                  <a:latin typeface="Cambria Math" panose="02040503050406030204" pitchFamily="18" charset="0"/>
+                                </a:rPr>
+                              </m:ctrlPr>
+                            </m:funcPr>
+                            <m:fName>
+                              <m:func>
+                                <m:funcPr>
+                                  <m:ctrlPr>
+                                    <a:rPr lang="en-US" altLang="ko-KR" sz="2400" b="0" i="0" smtClean="0">
+                                      <a:latin typeface="Cambria Math" panose="02040503050406030204" pitchFamily="18" charset="0"/>
+                                    </a:rPr>
+                                  </m:ctrlPr>
+                                </m:funcPr>
+                                <m:fName>
+                                  <m:r>
+                                    <m:rPr>
+                                      <m:sty m:val="p"/>
+                                    </m:rPr>
+                                    <a:rPr lang="en-US" altLang="ko-KR" sz="2400" b="0" i="0" smtClean="0">
+                                      <a:latin typeface="Cambria Math" panose="02040503050406030204" pitchFamily="18" charset="0"/>
+                                    </a:rPr>
+                                    <m:t>exp</m:t>
+                                  </m:r>
+                                </m:fName>
+                                <m:e>
+                                  <m:d>
+                                    <m:dPr>
+                                      <m:ctrlPr>
+                                        <a:rPr lang="en-US" altLang="ko-KR" sz="2400" b="0" i="0" smtClean="0">
+                                          <a:latin typeface="Cambria Math" panose="02040503050406030204" pitchFamily="18" charset="0"/>
+                                        </a:rPr>
+                                      </m:ctrlPr>
+                                    </m:dPr>
+                                    <m:e>
+                                      <m:r>
+                                        <a:rPr lang="en-US" altLang="ko-KR" sz="2400" b="0" i="0" smtClean="0">
+                                          <a:latin typeface="Cambria Math" panose="02040503050406030204" pitchFamily="18" charset="0"/>
+                                        </a:rPr>
+                                        <m:t>−</m:t>
+                                      </m:r>
+                                      <m:r>
+                                        <a:rPr lang="en-US" altLang="ko-KR" sz="2400" b="0" i="1" smtClean="0">
+                                          <a:latin typeface="Cambria Math" panose="02040503050406030204" pitchFamily="18" charset="0"/>
+                                        </a:rPr>
+                                        <m:t>𝜎</m:t>
+                                      </m:r>
+                                      <m:r>
+                                        <a:rPr lang="en-US" altLang="ko-KR" sz="2400" b="0" i="1" smtClean="0">
+                                          <a:latin typeface="Cambria Math" panose="02040503050406030204" pitchFamily="18" charset="0"/>
+                                        </a:rPr>
+                                        <m:t>𝑡</m:t>
+                                      </m:r>
+                                    </m:e>
+                                  </m:d>
+                                </m:e>
+                              </m:func>
+                              <m:r>
+                                <m:rPr>
+                                  <m:sty m:val="p"/>
+                                </m:rPr>
+                                <a:rPr lang="en-US" altLang="ko-KR" sz="2400" b="0" i="0" smtClean="0">
+                                  <a:latin typeface="Cambria Math" panose="02040503050406030204" pitchFamily="18" charset="0"/>
+                                </a:rPr>
+                                <m:t>exp</m:t>
+                              </m:r>
+                            </m:fName>
+                            <m:e>
+                              <m:d>
+                                <m:dPr>
+                                  <m:ctrlPr>
+                                    <a:rPr lang="en-US" altLang="ko-KR" sz="2400" b="0" i="1" smtClean="0">
+                                      <a:latin typeface="Cambria Math" panose="02040503050406030204" pitchFamily="18" charset="0"/>
+                                    </a:rPr>
+                                  </m:ctrlPr>
+                                </m:dPr>
+                                <m:e>
+                                  <m:r>
+                                    <a:rPr lang="en-US" altLang="ko-KR" sz="2400" b="0" i="1" smtClean="0">
+                                      <a:latin typeface="Cambria Math" panose="02040503050406030204" pitchFamily="18" charset="0"/>
+                                    </a:rPr>
+                                    <m:t>−</m:t>
+                                  </m:r>
+                                  <m:r>
+                                    <a:rPr lang="en-US" altLang="ko-KR" sz="2400" b="0" i="1" smtClean="0">
+                                      <a:latin typeface="Cambria Math" panose="02040503050406030204" pitchFamily="18" charset="0"/>
+                                    </a:rPr>
+                                    <m:t>𝑗</m:t>
+                                  </m:r>
+                                  <m:r>
+                                    <a:rPr lang="en-US" altLang="ko-KR" sz="2400" b="0" i="1" smtClean="0">
+                                      <a:latin typeface="Cambria Math" panose="02040503050406030204" pitchFamily="18" charset="0"/>
+                                    </a:rPr>
+                                    <m:t>𝜔</m:t>
+                                  </m:r>
+                                  <m:r>
+                                    <a:rPr lang="en-US" altLang="ko-KR" sz="2400" b="0" i="1" smtClean="0">
+                                      <a:latin typeface="Cambria Math" panose="02040503050406030204" pitchFamily="18" charset="0"/>
+                                    </a:rPr>
+                                    <m:t>𝑡</m:t>
+                                  </m:r>
+                                </m:e>
+                              </m:d>
+                            </m:e>
+                          </m:func>
+                          <m:r>
+                            <a:rPr lang="en-US" altLang="ko-KR" sz="2400" b="0" i="1" smtClean="0">
+                              <a:latin typeface="Cambria Math" panose="02040503050406030204" pitchFamily="18" charset="0"/>
+                            </a:rPr>
+                            <m:t>𝑑𝑡</m:t>
+                          </m:r>
+                        </m:e>
+                      </m:nary>
+                    </m:oMath>
+                  </m:oMathPara>
+                </a14:m>
+                <a:endParaRPr lang="en-US" altLang="ko-KR" sz="2400" b="0" dirty="0"/>
+              </a:p>
+              <a:p>
+                <a:pPr/>
+                <a14:m>
+                  <m:oMathPara xmlns:m="http://schemas.openxmlformats.org/officeDocument/2006/math">
+                    <m:oMathParaPr>
+                      <m:jc m:val="center"/>
+                    </m:oMathParaPr>
+                    <m:oMath xmlns:m="http://schemas.openxmlformats.org/officeDocument/2006/math">
                       <m:r>
                         <a:rPr lang="en-US" altLang="ko-KR" sz="2400" b="0" i="1" smtClean="0">
                           <a:latin typeface="Cambria Math" panose="02040503050406030204" pitchFamily="18" charset="0"/>
                         </a:rPr>
-                        <m:t>𝑠</m:t>
-                      </m:r>
-                      <m:r>
-                        <a:rPr lang="en-US" altLang="ko-KR" sz="2400" b="0" i="1" smtClean="0">
-                          <a:latin typeface="Cambria Math" panose="02040503050406030204" pitchFamily="18" charset="0"/>
-                        </a:rPr>
-                        <m:t>)=</m:t>
+                        <m:t>=</m:t>
                       </m:r>
                       <m:nary>
                         <m:naryPr>
@@ -11467,8 +11745,10 @@
                                 </a:rPr>
                                 <m:t>exp</m:t>
                               </m:r>
+                            </m:fName>
+                            <m:e>
                               <m:r>
-                                <a:rPr lang="en-US" altLang="ko-KR" sz="2400" b="0" i="0" smtClean="0">
+                                <a:rPr lang="en-US" altLang="ko-KR" sz="2400" b="0" i="1" smtClean="0">
                                   <a:latin typeface="Cambria Math" panose="02040503050406030204" pitchFamily="18" charset="0"/>
                                 </a:rPr>
                                 <m:t>(−</m:t>
@@ -11477,13 +11757,7 @@
                                 <a:rPr lang="en-US" altLang="ko-KR" sz="2400" b="0" i="1" smtClean="0">
                                   <a:latin typeface="Cambria Math" panose="02040503050406030204" pitchFamily="18" charset="0"/>
                                 </a:rPr>
-                                <m:t>𝜎</m:t>
-                              </m:r>
-                              <m:r>
-                                <a:rPr lang="en-US" altLang="ko-KR" sz="2400" b="0" i="1" smtClean="0">
-                                  <a:latin typeface="Cambria Math" panose="02040503050406030204" pitchFamily="18" charset="0"/>
-                                </a:rPr>
-                                <m:t>𝑡</m:t>
+                                <m:t>𝑠𝑡</m:t>
                               </m:r>
                               <m:r>
                                 <a:rPr lang="en-US" altLang="ko-KR" sz="2400" b="0" i="1" smtClean="0">
@@ -11491,52 +11765,6 @@
                                 </a:rPr>
                                 <m:t>)</m:t>
                               </m:r>
-                              <m:r>
-                                <m:rPr>
-                                  <m:sty m:val="p"/>
-                                </m:rPr>
-                                <a:rPr lang="en-US" altLang="ko-KR" sz="2400" b="0" i="0" smtClean="0">
-                                  <a:latin typeface="Cambria Math" panose="02040503050406030204" pitchFamily="18" charset="0"/>
-                                </a:rPr>
-                                <m:t>exp</m:t>
-                              </m:r>
-                            </m:fName>
-                            <m:e>
-                              <m:d>
-                                <m:dPr>
-                                  <m:ctrlPr>
-                                    <a:rPr lang="en-US" altLang="ko-KR" sz="2400" b="0" i="1" smtClean="0">
-                                      <a:latin typeface="Cambria Math" panose="02040503050406030204" pitchFamily="18" charset="0"/>
-                                    </a:rPr>
-                                  </m:ctrlPr>
-                                </m:dPr>
-                                <m:e>
-                                  <m:r>
-                                    <a:rPr lang="en-US" altLang="ko-KR" sz="2400" b="0" i="1" smtClean="0">
-                                      <a:latin typeface="Cambria Math" panose="02040503050406030204" pitchFamily="18" charset="0"/>
-                                    </a:rPr>
-                                    <m:t>−</m:t>
-                                  </m:r>
-                                  <m:r>
-                                    <a:rPr lang="en-US" altLang="ko-KR" sz="2400" b="0" i="1" smtClean="0">
-                                      <a:latin typeface="Cambria Math" panose="02040503050406030204" pitchFamily="18" charset="0"/>
-                                    </a:rPr>
-                                    <m:t>𝑗</m:t>
-                                  </m:r>
-                                  <m:r>
-                                    <a:rPr lang="en-US" altLang="ko-KR" sz="2400" b="0" i="1" smtClean="0">
-                                      <a:latin typeface="Cambria Math" panose="02040503050406030204" pitchFamily="18" charset="0"/>
-                                    </a:rPr>
-                                    <m:t>𝜔</m:t>
-                                  </m:r>
-                                  <m:r>
-                                    <a:rPr lang="en-US" altLang="ko-KR" sz="2400" b="0" i="1" smtClean="0">
-                                      <a:latin typeface="Cambria Math" panose="02040503050406030204" pitchFamily="18" charset="0"/>
-                                    </a:rPr>
-                                    <m:t>𝑡</m:t>
-                                  </m:r>
-                                </m:e>
-                              </m:d>
                             </m:e>
                           </m:func>
                           <m:r>
@@ -11572,14 +11800,14 @@
             </p:nvSpPr>
             <p:spPr>
               <a:xfrm>
-                <a:off x="3614574" y="3698660"/>
-                <a:ext cx="5529426" cy="889154"/>
+                <a:off x="3614574" y="3537294"/>
+                <a:ext cx="5529426" cy="1685974"/>
               </a:xfrm>
               <a:prstGeom prst="rect">
                 <a:avLst/>
               </a:prstGeom>
               <a:blipFill>
-                <a:blip r:embed="rId15"/>
+                <a:blip r:embed="rId17"/>
                 <a:stretch>
                   <a:fillRect/>
                 </a:stretch>
@@ -11614,7 +11842,7 @@
         </p:nvSpPr>
         <p:spPr>
           <a:xfrm>
-            <a:off x="7560597" y="3553049"/>
+            <a:off x="7560597" y="3391683"/>
             <a:ext cx="633732" cy="369332"/>
           </a:xfrm>
           <a:prstGeom prst="rect">
@@ -11665,7 +11893,7 @@
         </p:nvSpPr>
         <p:spPr>
           <a:xfrm>
-            <a:off x="5764521" y="3562574"/>
+            <a:off x="5764521" y="3401208"/>
             <a:ext cx="1494309" cy="646331"/>
           </a:xfrm>
           <a:prstGeom prst="rect">
@@ -11740,7 +11968,7 @@
         </p:nvSpPr>
         <p:spPr>
           <a:xfrm>
-            <a:off x="217557" y="674709"/>
+            <a:off x="158679" y="674709"/>
             <a:ext cx="1808114" cy="369332"/>
           </a:xfrm>
           <a:prstGeom prst="rect">
@@ -11853,8 +12081,8 @@
         </p:nvSpPr>
         <p:spPr>
           <a:xfrm>
-            <a:off x="2253172" y="134120"/>
-            <a:ext cx="1808114" cy="646331"/>
+            <a:off x="1971796" y="26970"/>
+            <a:ext cx="2370866" cy="646331"/>
           </a:xfrm>
           <a:prstGeom prst="rect">
             <a:avLst/>
@@ -11874,7 +12102,7 @@
           <a:p>
             <a:pPr algn="ctr"/>
             <a:r>
-              <a:rPr lang="ko-KR" altLang="en-US">
+              <a:rPr lang="ko-KR" altLang="en-US" dirty="0">
                 <a:solidFill>
                   <a:schemeClr val="tx1">
                     <a:lumMod val="85000"/>
@@ -11884,7 +12112,33 @@
                 <a:latin typeface="마루 부리 Beta" panose="020B0600000101010101" pitchFamily="50" charset="-127"/>
                 <a:ea typeface="마루 부리 Beta" panose="020B0600000101010101" pitchFamily="50" charset="-127"/>
               </a:rPr>
-              <a:t>계속 회전 하는 신호들</a:t>
+              <a:t>계속 회전 하는 신호들 </a:t>
+            </a:r>
+            <a:r>
+              <a:rPr lang="en-US" altLang="ko-KR" dirty="0">
+                <a:solidFill>
+                  <a:schemeClr val="tx1">
+                    <a:lumMod val="85000"/>
+                    <a:lumOff val="15000"/>
+                  </a:schemeClr>
+                </a:solidFill>
+                <a:latin typeface="마루 부리 Beta" panose="020B0600000101010101" pitchFamily="50" charset="-127"/>
+                <a:ea typeface="마루 부리 Beta" panose="020B0600000101010101" pitchFamily="50" charset="-127"/>
+              </a:rPr>
+              <a:t>= </a:t>
+            </a:r>
+            <a:r>
+              <a:rPr lang="ko-KR" altLang="en-US" dirty="0">
+                <a:solidFill>
+                  <a:schemeClr val="tx1">
+                    <a:lumMod val="85000"/>
+                    <a:lumOff val="15000"/>
+                  </a:schemeClr>
+                </a:solidFill>
+                <a:latin typeface="마루 부리 Beta" panose="020B0600000101010101" pitchFamily="50" charset="-127"/>
+                <a:ea typeface="마루 부리 Beta" panose="020B0600000101010101" pitchFamily="50" charset="-127"/>
+              </a:rPr>
+              <a:t>복소정현파</a:t>
             </a:r>
             <a:endParaRPr lang="ko-KR" altLang="en-US" dirty="0">
               <a:solidFill>
@@ -11897,8 +12151,8 @@
           </a:p>
         </p:txBody>
       </p:sp>
-      <mc:AlternateContent xmlns:mc="http://schemas.openxmlformats.org/markup-compatibility/2006">
-        <mc:Choice xmlns:a14="http://schemas.microsoft.com/office/drawing/2010/main" Requires="a14">
+      <mc:AlternateContent xmlns:mc="http://schemas.openxmlformats.org/markup-compatibility/2006" xmlns:a14="http://schemas.microsoft.com/office/drawing/2010/main">
+        <mc:Choice Requires="a14">
           <p:sp>
             <p:nvSpPr>
               <p:cNvPr id="84" name="TextBox 83">
@@ -11927,6 +12181,7 @@
               </a:bodyPr>
               <a:lstStyle/>
               <a:p>
+                <a:pPr/>
                 <a14:m>
                   <m:oMathPara xmlns:m="http://schemas.openxmlformats.org/officeDocument/2006/math">
                     <m:oMathParaPr>
@@ -11947,7 +12202,7 @@
             </p:txBody>
           </p:sp>
         </mc:Choice>
-        <mc:Fallback>
+        <mc:Fallback xmlns="">
           <p:sp>
             <p:nvSpPr>
               <p:cNvPr id="84" name="TextBox 83">
@@ -11971,7 +12226,7 @@
                 <a:avLst/>
               </a:prstGeom>
               <a:blipFill>
-                <a:blip r:embed="rId16"/>
+                <a:blip r:embed="rId18"/>
                 <a:stretch>
                   <a:fillRect/>
                 </a:stretch>
@@ -13320,6 +13575,126 @@
     <p:extLst>
       <p:ext uri="{BB962C8B-B14F-4D97-AF65-F5344CB8AC3E}">
         <p14:creationId xmlns:p14="http://schemas.microsoft.com/office/powerpoint/2010/main" val="4204533877"/>
+      </p:ext>
+    </p:extLst>
+  </p:cSld>
+  <p:clrMapOvr>
+    <a:masterClrMapping/>
+  </p:clrMapOvr>
+</p:sld>
+</file>
+
+<file path=ppt/slides/slide6.xml><?xml version="1.0" encoding="utf-8"?>
+<p:sld xmlns:a="http://schemas.openxmlformats.org/drawingml/2006/main" xmlns:r="http://schemas.openxmlformats.org/officeDocument/2006/relationships" xmlns:p="http://schemas.openxmlformats.org/presentationml/2006/main">
+  <p:cSld>
+    <p:spTree>
+      <p:nvGrpSpPr>
+        <p:cNvPr id="1" name=""/>
+        <p:cNvGrpSpPr/>
+        <p:nvPr/>
+      </p:nvGrpSpPr>
+      <p:grpSpPr>
+        <a:xfrm>
+          <a:off x="0" y="0"/>
+          <a:ext cx="0" cy="0"/>
+          <a:chOff x="0" y="0"/>
+          <a:chExt cx="0" cy="0"/>
+        </a:xfrm>
+      </p:grpSpPr>
+      <p:pic>
+        <p:nvPicPr>
+          <p:cNvPr id="5" name="그림 4">
+            <a:extLst>
+              <a:ext uri="{FF2B5EF4-FFF2-40B4-BE49-F238E27FC236}">
+                <a16:creationId xmlns:a16="http://schemas.microsoft.com/office/drawing/2014/main" id="{EAC58A12-B9FC-49AE-95C5-32F5B2872552}"/>
+              </a:ext>
+            </a:extLst>
+          </p:cNvPr>
+          <p:cNvPicPr>
+            <a:picLocks noChangeAspect="1"/>
+          </p:cNvPicPr>
+          <p:nvPr/>
+        </p:nvPicPr>
+        <p:blipFill>
+          <a:blip r:embed="rId2"/>
+          <a:stretch>
+            <a:fillRect/>
+          </a:stretch>
+        </p:blipFill>
+        <p:spPr>
+          <a:xfrm>
+            <a:off x="0" y="847052"/>
+            <a:ext cx="9144000" cy="5163896"/>
+          </a:xfrm>
+          <a:prstGeom prst="rect">
+            <a:avLst/>
+          </a:prstGeom>
+        </p:spPr>
+      </p:pic>
+    </p:spTree>
+    <p:extLst>
+      <p:ext uri="{BB962C8B-B14F-4D97-AF65-F5344CB8AC3E}">
+        <p14:creationId xmlns:p14="http://schemas.microsoft.com/office/powerpoint/2010/main" val="3140058278"/>
+      </p:ext>
+    </p:extLst>
+  </p:cSld>
+  <p:clrMapOvr>
+    <a:masterClrMapping/>
+  </p:clrMapOvr>
+</p:sld>
+</file>
+
+<file path=ppt/slides/slide7.xml><?xml version="1.0" encoding="utf-8"?>
+<p:sld xmlns:a="http://schemas.openxmlformats.org/drawingml/2006/main" xmlns:r="http://schemas.openxmlformats.org/officeDocument/2006/relationships" xmlns:p="http://schemas.openxmlformats.org/presentationml/2006/main">
+  <p:cSld>
+    <p:spTree>
+      <p:nvGrpSpPr>
+        <p:cNvPr id="1" name=""/>
+        <p:cNvGrpSpPr/>
+        <p:nvPr/>
+      </p:nvGrpSpPr>
+      <p:grpSpPr>
+        <a:xfrm>
+          <a:off x="0" y="0"/>
+          <a:ext cx="0" cy="0"/>
+          <a:chOff x="0" y="0"/>
+          <a:chExt cx="0" cy="0"/>
+        </a:xfrm>
+      </p:grpSpPr>
+      <p:pic>
+        <p:nvPicPr>
+          <p:cNvPr id="5" name="그림 4">
+            <a:extLst>
+              <a:ext uri="{FF2B5EF4-FFF2-40B4-BE49-F238E27FC236}">
+                <a16:creationId xmlns:a16="http://schemas.microsoft.com/office/drawing/2014/main" id="{ABD7862C-558E-4E68-9777-6B98A6DE8288}"/>
+              </a:ext>
+            </a:extLst>
+          </p:cNvPr>
+          <p:cNvPicPr>
+            <a:picLocks noChangeAspect="1"/>
+          </p:cNvPicPr>
+          <p:nvPr/>
+        </p:nvPicPr>
+        <p:blipFill>
+          <a:blip r:embed="rId2"/>
+          <a:stretch>
+            <a:fillRect/>
+          </a:stretch>
+        </p:blipFill>
+        <p:spPr>
+          <a:xfrm>
+            <a:off x="0" y="847052"/>
+            <a:ext cx="9144000" cy="5163896"/>
+          </a:xfrm>
+          <a:prstGeom prst="rect">
+            <a:avLst/>
+          </a:prstGeom>
+        </p:spPr>
+      </p:pic>
+    </p:spTree>
+    <p:extLst>
+      <p:ext uri="{BB962C8B-B14F-4D97-AF65-F5344CB8AC3E}">
+        <p14:creationId xmlns:p14="http://schemas.microsoft.com/office/powerpoint/2010/main" val="1070833170"/>
       </p:ext>
     </p:extLst>
   </p:cSld>

--- a/pics/2019-08-12_Laplace_Transform/pics.pptx
+++ b/pics/2019-08-12_Laplace_Transform/pics.pptx
@@ -6,12 +6,13 @@
   </p:sldMasterIdLst>
   <p:sldIdLst>
     <p:sldId id="256" r:id="rId2"/>
-    <p:sldId id="259" r:id="rId3"/>
-    <p:sldId id="260" r:id="rId4"/>
-    <p:sldId id="257" r:id="rId5"/>
-    <p:sldId id="258" r:id="rId6"/>
-    <p:sldId id="261" r:id="rId7"/>
-    <p:sldId id="262" r:id="rId8"/>
+    <p:sldId id="263" r:id="rId3"/>
+    <p:sldId id="259" r:id="rId4"/>
+    <p:sldId id="260" r:id="rId5"/>
+    <p:sldId id="257" r:id="rId6"/>
+    <p:sldId id="258" r:id="rId7"/>
+    <p:sldId id="261" r:id="rId8"/>
+    <p:sldId id="262" r:id="rId9"/>
   </p:sldIdLst>
   <p:sldSz cx="9144000" cy="6858000" type="screen4x3"/>
   <p:notesSz cx="6858000" cy="9144000"/>
@@ -249,7 +250,7 @@
           <a:p>
             <a:fld id="{BFC48532-E652-433E-A703-484C3AEDFF2A}" type="datetimeFigureOut">
               <a:rPr lang="ko-KR" altLang="en-US" smtClean="0"/>
-              <a:t>2022-01-23</a:t>
+              <a:t>2022-01-24</a:t>
             </a:fld>
             <a:endParaRPr lang="ko-KR" altLang="en-US"/>
           </a:p>
@@ -419,7 +420,7 @@
           <a:p>
             <a:fld id="{BFC48532-E652-433E-A703-484C3AEDFF2A}" type="datetimeFigureOut">
               <a:rPr lang="ko-KR" altLang="en-US" smtClean="0"/>
-              <a:t>2022-01-23</a:t>
+              <a:t>2022-01-24</a:t>
             </a:fld>
             <a:endParaRPr lang="ko-KR" altLang="en-US"/>
           </a:p>
@@ -599,7 +600,7 @@
           <a:p>
             <a:fld id="{BFC48532-E652-433E-A703-484C3AEDFF2A}" type="datetimeFigureOut">
               <a:rPr lang="ko-KR" altLang="en-US" smtClean="0"/>
-              <a:t>2022-01-23</a:t>
+              <a:t>2022-01-24</a:t>
             </a:fld>
             <a:endParaRPr lang="ko-KR" altLang="en-US"/>
           </a:p>
@@ -769,7 +770,7 @@
           <a:p>
             <a:fld id="{BFC48532-E652-433E-A703-484C3AEDFF2A}" type="datetimeFigureOut">
               <a:rPr lang="ko-KR" altLang="en-US" smtClean="0"/>
-              <a:t>2022-01-23</a:t>
+              <a:t>2022-01-24</a:t>
             </a:fld>
             <a:endParaRPr lang="ko-KR" altLang="en-US"/>
           </a:p>
@@ -1013,7 +1014,7 @@
           <a:p>
             <a:fld id="{BFC48532-E652-433E-A703-484C3AEDFF2A}" type="datetimeFigureOut">
               <a:rPr lang="ko-KR" altLang="en-US" smtClean="0"/>
-              <a:t>2022-01-23</a:t>
+              <a:t>2022-01-24</a:t>
             </a:fld>
             <a:endParaRPr lang="ko-KR" altLang="en-US"/>
           </a:p>
@@ -1245,7 +1246,7 @@
           <a:p>
             <a:fld id="{BFC48532-E652-433E-A703-484C3AEDFF2A}" type="datetimeFigureOut">
               <a:rPr lang="ko-KR" altLang="en-US" smtClean="0"/>
-              <a:t>2022-01-23</a:t>
+              <a:t>2022-01-24</a:t>
             </a:fld>
             <a:endParaRPr lang="ko-KR" altLang="en-US"/>
           </a:p>
@@ -1612,7 +1613,7 @@
           <a:p>
             <a:fld id="{BFC48532-E652-433E-A703-484C3AEDFF2A}" type="datetimeFigureOut">
               <a:rPr lang="ko-KR" altLang="en-US" smtClean="0"/>
-              <a:t>2022-01-23</a:t>
+              <a:t>2022-01-24</a:t>
             </a:fld>
             <a:endParaRPr lang="ko-KR" altLang="en-US"/>
           </a:p>
@@ -1730,7 +1731,7 @@
           <a:p>
             <a:fld id="{BFC48532-E652-433E-A703-484C3AEDFF2A}" type="datetimeFigureOut">
               <a:rPr lang="ko-KR" altLang="en-US" smtClean="0"/>
-              <a:t>2022-01-23</a:t>
+              <a:t>2022-01-24</a:t>
             </a:fld>
             <a:endParaRPr lang="ko-KR" altLang="en-US"/>
           </a:p>
@@ -1825,7 +1826,7 @@
           <a:p>
             <a:fld id="{BFC48532-E652-433E-A703-484C3AEDFF2A}" type="datetimeFigureOut">
               <a:rPr lang="ko-KR" altLang="en-US" smtClean="0"/>
-              <a:t>2022-01-23</a:t>
+              <a:t>2022-01-24</a:t>
             </a:fld>
             <a:endParaRPr lang="ko-KR" altLang="en-US"/>
           </a:p>
@@ -2102,7 +2103,7 @@
           <a:p>
             <a:fld id="{BFC48532-E652-433E-A703-484C3AEDFF2A}" type="datetimeFigureOut">
               <a:rPr lang="ko-KR" altLang="en-US" smtClean="0"/>
-              <a:t>2022-01-23</a:t>
+              <a:t>2022-01-24</a:t>
             </a:fld>
             <a:endParaRPr lang="ko-KR" altLang="en-US"/>
           </a:p>
@@ -2359,7 +2360,7 @@
           <a:p>
             <a:fld id="{BFC48532-E652-433E-A703-484C3AEDFF2A}" type="datetimeFigureOut">
               <a:rPr lang="ko-KR" altLang="en-US" smtClean="0"/>
-              <a:t>2022-01-23</a:t>
+              <a:t>2022-01-24</a:t>
             </a:fld>
             <a:endParaRPr lang="ko-KR" altLang="en-US"/>
           </a:p>
@@ -2572,7 +2573,7 @@
           <a:p>
             <a:fld id="{BFC48532-E652-433E-A703-484C3AEDFF2A}" type="datetimeFigureOut">
               <a:rPr lang="ko-KR" altLang="en-US" smtClean="0"/>
-              <a:t>2022-01-23</a:t>
+              <a:t>2022-01-24</a:t>
             </a:fld>
             <a:endParaRPr lang="ko-KR" altLang="en-US"/>
           </a:p>
@@ -6482,6 +6483,66 @@
       </p:grpSpPr>
       <p:pic>
         <p:nvPicPr>
+          <p:cNvPr id="7" name="그림 6">
+            <a:extLst>
+              <a:ext uri="{FF2B5EF4-FFF2-40B4-BE49-F238E27FC236}">
+                <a16:creationId xmlns:a16="http://schemas.microsoft.com/office/drawing/2014/main" id="{8C283814-9C8B-4353-A6BC-C150EA4595CD}"/>
+              </a:ext>
+            </a:extLst>
+          </p:cNvPr>
+          <p:cNvPicPr>
+            <a:picLocks noChangeAspect="1"/>
+          </p:cNvPicPr>
+          <p:nvPr/>
+        </p:nvPicPr>
+        <p:blipFill>
+          <a:blip r:embed="rId2"/>
+          <a:stretch>
+            <a:fillRect/>
+          </a:stretch>
+        </p:blipFill>
+        <p:spPr>
+          <a:xfrm>
+            <a:off x="1905000" y="1428750"/>
+            <a:ext cx="5334000" cy="4000500"/>
+          </a:xfrm>
+          <a:prstGeom prst="rect">
+            <a:avLst/>
+          </a:prstGeom>
+        </p:spPr>
+      </p:pic>
+    </p:spTree>
+    <p:extLst>
+      <p:ext uri="{BB962C8B-B14F-4D97-AF65-F5344CB8AC3E}">
+        <p14:creationId xmlns:p14="http://schemas.microsoft.com/office/powerpoint/2010/main" val="594287652"/>
+      </p:ext>
+    </p:extLst>
+  </p:cSld>
+  <p:clrMapOvr>
+    <a:masterClrMapping/>
+  </p:clrMapOvr>
+</p:sld>
+</file>
+
+<file path=ppt/slides/slide3.xml><?xml version="1.0" encoding="utf-8"?>
+<p:sld xmlns:a="http://schemas.openxmlformats.org/drawingml/2006/main" xmlns:r="http://schemas.openxmlformats.org/officeDocument/2006/relationships" xmlns:p="http://schemas.openxmlformats.org/presentationml/2006/main">
+  <p:cSld>
+    <p:spTree>
+      <p:nvGrpSpPr>
+        <p:cNvPr id="1" name=""/>
+        <p:cNvGrpSpPr/>
+        <p:nvPr/>
+      </p:nvGrpSpPr>
+      <p:grpSpPr>
+        <a:xfrm>
+          <a:off x="0" y="0"/>
+          <a:ext cx="0" cy="0"/>
+          <a:chOff x="0" y="0"/>
+          <a:chExt cx="0" cy="0"/>
+        </a:xfrm>
+      </p:grpSpPr>
+      <p:pic>
+        <p:nvPicPr>
           <p:cNvPr id="35" name="그림 34">
             <a:extLst>
               <a:ext uri="{FF2B5EF4-FFF2-40B4-BE49-F238E27FC236}">
@@ -10220,7 +10281,7 @@
 </p:sld>
 </file>
 
-<file path=ppt/slides/slide3.xml><?xml version="1.0" encoding="utf-8"?>
+<file path=ppt/slides/slide4.xml><?xml version="1.0" encoding="utf-8"?>
 <p:sld xmlns:a="http://schemas.openxmlformats.org/drawingml/2006/main" xmlns:r="http://schemas.openxmlformats.org/officeDocument/2006/relationships" xmlns:p="http://schemas.openxmlformats.org/presentationml/2006/main">
   <p:cSld>
     <p:spTree>
@@ -11412,8 +11473,8 @@
           </a:p>
         </p:txBody>
       </p:sp>
-      <mc:AlternateContent xmlns:mc="http://schemas.openxmlformats.org/markup-compatibility/2006">
-        <mc:Choice xmlns:a14="http://schemas.microsoft.com/office/drawing/2010/main" Requires="a14">
+      <mc:AlternateContent xmlns:mc="http://schemas.openxmlformats.org/markup-compatibility/2006" xmlns:a14="http://schemas.microsoft.com/office/drawing/2010/main">
+        <mc:Choice Requires="a14">
           <p:sp>
             <p:nvSpPr>
               <p:cNvPr id="66" name="TextBox 65">
@@ -11547,7 +11608,7 @@
                               <m:func>
                                 <m:funcPr>
                                   <m:ctrlPr>
-                                    <a:rPr lang="en-US" altLang="ko-KR" sz="2400" b="0" i="0" smtClean="0">
+                                    <a:rPr lang="en-US" altLang="ko-KR" sz="2400" b="0" i="1" smtClean="0">
                                       <a:latin typeface="Cambria Math" panose="02040503050406030204" pitchFamily="18" charset="0"/>
                                     </a:rPr>
                                   </m:ctrlPr>
@@ -11567,7 +11628,7 @@
                                   <m:d>
                                     <m:dPr>
                                       <m:ctrlPr>
-                                        <a:rPr lang="en-US" altLang="ko-KR" sz="2400" b="0" i="0" smtClean="0">
+                                        <a:rPr lang="en-US" altLang="ko-KR" sz="2400" b="0" i="1" smtClean="0">
                                           <a:latin typeface="Cambria Math" panose="02040503050406030204" pitchFamily="18" charset="0"/>
                                         </a:rPr>
                                       </m:ctrlPr>
@@ -11783,7 +11844,7 @@
             </p:txBody>
           </p:sp>
         </mc:Choice>
-        <mc:Fallback>
+        <mc:Fallback xmlns="">
           <p:sp>
             <p:nvSpPr>
               <p:cNvPr id="66" name="TextBox 65">
@@ -12260,7 +12321,7 @@
 </p:sld>
 </file>
 
-<file path=ppt/slides/slide4.xml><?xml version="1.0" encoding="utf-8"?>
+<file path=ppt/slides/slide5.xml><?xml version="1.0" encoding="utf-8"?>
 <p:sld xmlns:a="http://schemas.openxmlformats.org/drawingml/2006/main" xmlns:r="http://schemas.openxmlformats.org/officeDocument/2006/relationships" xmlns:p="http://schemas.openxmlformats.org/presentationml/2006/main">
   <p:cSld>
     <p:spTree>
@@ -12320,7 +12381,7 @@
 </p:sld>
 </file>
 
-<file path=ppt/slides/slide5.xml><?xml version="1.0" encoding="utf-8"?>
+<file path=ppt/slides/slide6.xml><?xml version="1.0" encoding="utf-8"?>
 <p:sld xmlns:a="http://schemas.openxmlformats.org/drawingml/2006/main" xmlns:r="http://schemas.openxmlformats.org/officeDocument/2006/relationships" xmlns:p="http://schemas.openxmlformats.org/presentationml/2006/main">
   <p:cSld>
     <p:spTree>
@@ -13584,7 +13645,7 @@
 </p:sld>
 </file>
 
-<file path=ppt/slides/slide6.xml><?xml version="1.0" encoding="utf-8"?>
+<file path=ppt/slides/slide7.xml><?xml version="1.0" encoding="utf-8"?>
 <p:sld xmlns:a="http://schemas.openxmlformats.org/drawingml/2006/main" xmlns:r="http://schemas.openxmlformats.org/officeDocument/2006/relationships" xmlns:p="http://schemas.openxmlformats.org/presentationml/2006/main">
   <p:cSld>
     <p:spTree>
@@ -13644,7 +13705,7 @@
 </p:sld>
 </file>
 
-<file path=ppt/slides/slide7.xml><?xml version="1.0" encoding="utf-8"?>
+<file path=ppt/slides/slide8.xml><?xml version="1.0" encoding="utf-8"?>
 <p:sld xmlns:a="http://schemas.openxmlformats.org/drawingml/2006/main" xmlns:r="http://schemas.openxmlformats.org/officeDocument/2006/relationships" xmlns:p="http://schemas.openxmlformats.org/presentationml/2006/main">
   <p:cSld>
     <p:spTree>

--- a/pics/2019-08-12_Laplace_Transform/pics.pptx
+++ b/pics/2019-08-12_Laplace_Transform/pics.pptx
@@ -7,12 +7,14 @@
   <p:sldIdLst>
     <p:sldId id="256" r:id="rId2"/>
     <p:sldId id="263" r:id="rId3"/>
-    <p:sldId id="259" r:id="rId4"/>
-    <p:sldId id="260" r:id="rId5"/>
-    <p:sldId id="257" r:id="rId6"/>
-    <p:sldId id="258" r:id="rId7"/>
-    <p:sldId id="261" r:id="rId8"/>
-    <p:sldId id="262" r:id="rId9"/>
+    <p:sldId id="264" r:id="rId4"/>
+    <p:sldId id="265" r:id="rId5"/>
+    <p:sldId id="259" r:id="rId6"/>
+    <p:sldId id="260" r:id="rId7"/>
+    <p:sldId id="257" r:id="rId8"/>
+    <p:sldId id="258" r:id="rId9"/>
+    <p:sldId id="261" r:id="rId10"/>
+    <p:sldId id="262" r:id="rId11"/>
   </p:sldIdLst>
   <p:sldSz cx="9144000" cy="6858000" type="screen4x3"/>
   <p:notesSz cx="6858000" cy="9144000"/>
@@ -250,7 +252,7 @@
           <a:p>
             <a:fld id="{BFC48532-E652-433E-A703-484C3AEDFF2A}" type="datetimeFigureOut">
               <a:rPr lang="ko-KR" altLang="en-US" smtClean="0"/>
-              <a:t>2022-01-24</a:t>
+              <a:t>2022-01-25</a:t>
             </a:fld>
             <a:endParaRPr lang="ko-KR" altLang="en-US"/>
           </a:p>
@@ -420,7 +422,7 @@
           <a:p>
             <a:fld id="{BFC48532-E652-433E-A703-484C3AEDFF2A}" type="datetimeFigureOut">
               <a:rPr lang="ko-KR" altLang="en-US" smtClean="0"/>
-              <a:t>2022-01-24</a:t>
+              <a:t>2022-01-25</a:t>
             </a:fld>
             <a:endParaRPr lang="ko-KR" altLang="en-US"/>
           </a:p>
@@ -600,7 +602,7 @@
           <a:p>
             <a:fld id="{BFC48532-E652-433E-A703-484C3AEDFF2A}" type="datetimeFigureOut">
               <a:rPr lang="ko-KR" altLang="en-US" smtClean="0"/>
-              <a:t>2022-01-24</a:t>
+              <a:t>2022-01-25</a:t>
             </a:fld>
             <a:endParaRPr lang="ko-KR" altLang="en-US"/>
           </a:p>
@@ -770,7 +772,7 @@
           <a:p>
             <a:fld id="{BFC48532-E652-433E-A703-484C3AEDFF2A}" type="datetimeFigureOut">
               <a:rPr lang="ko-KR" altLang="en-US" smtClean="0"/>
-              <a:t>2022-01-24</a:t>
+              <a:t>2022-01-25</a:t>
             </a:fld>
             <a:endParaRPr lang="ko-KR" altLang="en-US"/>
           </a:p>
@@ -1014,7 +1016,7 @@
           <a:p>
             <a:fld id="{BFC48532-E652-433E-A703-484C3AEDFF2A}" type="datetimeFigureOut">
               <a:rPr lang="ko-KR" altLang="en-US" smtClean="0"/>
-              <a:t>2022-01-24</a:t>
+              <a:t>2022-01-25</a:t>
             </a:fld>
             <a:endParaRPr lang="ko-KR" altLang="en-US"/>
           </a:p>
@@ -1246,7 +1248,7 @@
           <a:p>
             <a:fld id="{BFC48532-E652-433E-A703-484C3AEDFF2A}" type="datetimeFigureOut">
               <a:rPr lang="ko-KR" altLang="en-US" smtClean="0"/>
-              <a:t>2022-01-24</a:t>
+              <a:t>2022-01-25</a:t>
             </a:fld>
             <a:endParaRPr lang="ko-KR" altLang="en-US"/>
           </a:p>
@@ -1613,7 +1615,7 @@
           <a:p>
             <a:fld id="{BFC48532-E652-433E-A703-484C3AEDFF2A}" type="datetimeFigureOut">
               <a:rPr lang="ko-KR" altLang="en-US" smtClean="0"/>
-              <a:t>2022-01-24</a:t>
+              <a:t>2022-01-25</a:t>
             </a:fld>
             <a:endParaRPr lang="ko-KR" altLang="en-US"/>
           </a:p>
@@ -1731,7 +1733,7 @@
           <a:p>
             <a:fld id="{BFC48532-E652-433E-A703-484C3AEDFF2A}" type="datetimeFigureOut">
               <a:rPr lang="ko-KR" altLang="en-US" smtClean="0"/>
-              <a:t>2022-01-24</a:t>
+              <a:t>2022-01-25</a:t>
             </a:fld>
             <a:endParaRPr lang="ko-KR" altLang="en-US"/>
           </a:p>
@@ -1826,7 +1828,7 @@
           <a:p>
             <a:fld id="{BFC48532-E652-433E-A703-484C3AEDFF2A}" type="datetimeFigureOut">
               <a:rPr lang="ko-KR" altLang="en-US" smtClean="0"/>
-              <a:t>2022-01-24</a:t>
+              <a:t>2022-01-25</a:t>
             </a:fld>
             <a:endParaRPr lang="ko-KR" altLang="en-US"/>
           </a:p>
@@ -2103,7 +2105,7 @@
           <a:p>
             <a:fld id="{BFC48532-E652-433E-A703-484C3AEDFF2A}" type="datetimeFigureOut">
               <a:rPr lang="ko-KR" altLang="en-US" smtClean="0"/>
-              <a:t>2022-01-24</a:t>
+              <a:t>2022-01-25</a:t>
             </a:fld>
             <a:endParaRPr lang="ko-KR" altLang="en-US"/>
           </a:p>
@@ -2360,7 +2362,7 @@
           <a:p>
             <a:fld id="{BFC48532-E652-433E-A703-484C3AEDFF2A}" type="datetimeFigureOut">
               <a:rPr lang="ko-KR" altLang="en-US" smtClean="0"/>
-              <a:t>2022-01-24</a:t>
+              <a:t>2022-01-25</a:t>
             </a:fld>
             <a:endParaRPr lang="ko-KR" altLang="en-US"/>
           </a:p>
@@ -2573,7 +2575,7 @@
           <a:p>
             <a:fld id="{BFC48532-E652-433E-A703-484C3AEDFF2A}" type="datetimeFigureOut">
               <a:rPr lang="ko-KR" altLang="en-US" smtClean="0"/>
-              <a:t>2022-01-24</a:t>
+              <a:t>2022-01-25</a:t>
             </a:fld>
             <a:endParaRPr lang="ko-KR" altLang="en-US"/>
           </a:p>
@@ -6464,7 +6466,7 @@
 </p:sld>
 </file>
 
-<file path=ppt/slides/slide2.xml><?xml version="1.0" encoding="utf-8"?>
+<file path=ppt/slides/slide10.xml><?xml version="1.0" encoding="utf-8"?>
 <p:sld xmlns:a="http://schemas.openxmlformats.org/drawingml/2006/main" xmlns:r="http://schemas.openxmlformats.org/officeDocument/2006/relationships" xmlns:p="http://schemas.openxmlformats.org/presentationml/2006/main">
   <p:cSld>
     <p:spTree>
@@ -6483,10 +6485,10 @@
       </p:grpSpPr>
       <p:pic>
         <p:nvPicPr>
-          <p:cNvPr id="7" name="그림 6">
+          <p:cNvPr id="5" name="그림 4">
             <a:extLst>
               <a:ext uri="{FF2B5EF4-FFF2-40B4-BE49-F238E27FC236}">
-                <a16:creationId xmlns:a16="http://schemas.microsoft.com/office/drawing/2014/main" id="{8C283814-9C8B-4353-A6BC-C150EA4595CD}"/>
+                <a16:creationId xmlns:a16="http://schemas.microsoft.com/office/drawing/2014/main" id="{ABD7862C-558E-4E68-9777-6B98A6DE8288}"/>
               </a:ext>
             </a:extLst>
           </p:cNvPr>
@@ -6503,7 +6505,109 @@
         </p:blipFill>
         <p:spPr>
           <a:xfrm>
-            <a:off x="1905000" y="1428750"/>
+            <a:off x="0" y="847052"/>
+            <a:ext cx="9144000" cy="5163896"/>
+          </a:xfrm>
+          <a:prstGeom prst="rect">
+            <a:avLst/>
+          </a:prstGeom>
+        </p:spPr>
+      </p:pic>
+    </p:spTree>
+    <p:extLst>
+      <p:ext uri="{BB962C8B-B14F-4D97-AF65-F5344CB8AC3E}">
+        <p14:creationId xmlns:p14="http://schemas.microsoft.com/office/powerpoint/2010/main" val="1070833170"/>
+      </p:ext>
+    </p:extLst>
+  </p:cSld>
+  <p:clrMapOvr>
+    <a:masterClrMapping/>
+  </p:clrMapOvr>
+</p:sld>
+</file>
+
+<file path=ppt/slides/slide2.xml><?xml version="1.0" encoding="utf-8"?>
+<p:sld xmlns:a="http://schemas.openxmlformats.org/drawingml/2006/main" xmlns:r="http://schemas.openxmlformats.org/officeDocument/2006/relationships" xmlns:p="http://schemas.openxmlformats.org/presentationml/2006/main">
+  <p:cSld>
+    <p:spTree>
+      <p:nvGrpSpPr>
+        <p:cNvPr id="1" name=""/>
+        <p:cNvGrpSpPr/>
+        <p:nvPr/>
+      </p:nvGrpSpPr>
+      <p:grpSpPr>
+        <a:xfrm>
+          <a:off x="0" y="0"/>
+          <a:ext cx="0" cy="0"/>
+          <a:chOff x="0" y="0"/>
+          <a:chExt cx="0" cy="0"/>
+        </a:xfrm>
+      </p:grpSpPr>
+      <p:cxnSp>
+        <p:nvCxnSpPr>
+          <p:cNvPr id="5" name="직선 화살표 연결선 4">
+            <a:extLst>
+              <a:ext uri="{FF2B5EF4-FFF2-40B4-BE49-F238E27FC236}">
+                <a16:creationId xmlns:a16="http://schemas.microsoft.com/office/drawing/2014/main" id="{172A731C-15BD-40E8-A9CB-E90389040415}"/>
+              </a:ext>
+            </a:extLst>
+          </p:cNvPr>
+          <p:cNvCxnSpPr/>
+          <p:nvPr/>
+        </p:nvCxnSpPr>
+        <p:spPr>
+          <a:xfrm>
+            <a:off x="2501153" y="3379694"/>
+            <a:ext cx="4805082" cy="0"/>
+          </a:xfrm>
+          <a:prstGeom prst="straightConnector1">
+            <a:avLst/>
+          </a:prstGeom>
+          <a:ln w="38100">
+            <a:solidFill>
+              <a:schemeClr val="tx1"/>
+            </a:solidFill>
+            <a:tailEnd type="triangle"/>
+          </a:ln>
+        </p:spPr>
+        <p:style>
+          <a:lnRef idx="1">
+            <a:schemeClr val="accent1"/>
+          </a:lnRef>
+          <a:fillRef idx="0">
+            <a:schemeClr val="accent1"/>
+          </a:fillRef>
+          <a:effectRef idx="0">
+            <a:schemeClr val="accent1"/>
+          </a:effectRef>
+          <a:fontRef idx="minor">
+            <a:schemeClr val="tx1"/>
+          </a:fontRef>
+        </p:style>
+      </p:cxnSp>
+      <p:pic>
+        <p:nvPicPr>
+          <p:cNvPr id="3" name="그림 2">
+            <a:extLst>
+              <a:ext uri="{FF2B5EF4-FFF2-40B4-BE49-F238E27FC236}">
+                <a16:creationId xmlns:a16="http://schemas.microsoft.com/office/drawing/2014/main" id="{EA99D084-5230-4632-8816-CF48F5D88E55}"/>
+              </a:ext>
+            </a:extLst>
+          </p:cNvPr>
+          <p:cNvPicPr>
+            <a:picLocks noChangeAspect="1"/>
+          </p:cNvPicPr>
+          <p:nvPr/>
+        </p:nvPicPr>
+        <p:blipFill>
+          <a:blip r:embed="rId2"/>
+          <a:stretch>
+            <a:fillRect/>
+          </a:stretch>
+        </p:blipFill>
+        <p:spPr>
+          <a:xfrm>
+            <a:off x="1905000" y="1267385"/>
             <a:ext cx="5334000" cy="4000500"/>
           </a:xfrm>
           <a:prstGeom prst="rect">
@@ -6511,6 +6615,376 @@
           </a:prstGeom>
         </p:spPr>
       </p:pic>
+      <mc:AlternateContent xmlns:mc="http://schemas.openxmlformats.org/markup-compatibility/2006" xmlns:a14="http://schemas.microsoft.com/office/drawing/2010/main">
+        <mc:Choice Requires="a14">
+          <p:sp>
+            <p:nvSpPr>
+              <p:cNvPr id="6" name="TextBox 5">
+                <a:extLst>
+                  <a:ext uri="{FF2B5EF4-FFF2-40B4-BE49-F238E27FC236}">
+                    <a16:creationId xmlns:a16="http://schemas.microsoft.com/office/drawing/2014/main" id="{12E36ECF-BD35-43A6-9CB9-4F8AC3B0BED8}"/>
+                  </a:ext>
+                </a:extLst>
+              </p:cNvPr>
+              <p:cNvSpPr txBox="1"/>
+              <p:nvPr/>
+            </p:nvSpPr>
+            <p:spPr>
+              <a:xfrm>
+                <a:off x="7028329" y="2967317"/>
+                <a:ext cx="334579" cy="369332"/>
+              </a:xfrm>
+              <a:prstGeom prst="rect">
+                <a:avLst/>
+              </a:prstGeom>
+              <a:noFill/>
+            </p:spPr>
+            <p:txBody>
+              <a:bodyPr wrap="none" rtlCol="0">
+                <a:spAutoFit/>
+              </a:bodyPr>
+              <a:lstStyle/>
+              <a:p>
+                <a:pPr/>
+                <a14:m>
+                  <m:oMathPara xmlns:m="http://schemas.openxmlformats.org/officeDocument/2006/math">
+                    <m:oMathParaPr>
+                      <m:jc m:val="centerGroup"/>
+                    </m:oMathParaPr>
+                    <m:oMath xmlns:m="http://schemas.openxmlformats.org/officeDocument/2006/math">
+                      <m:r>
+                        <a:rPr lang="en-US" altLang="ko-KR" b="0" i="1" smtClean="0">
+                          <a:latin typeface="Cambria Math" panose="02040503050406030204" pitchFamily="18" charset="0"/>
+                        </a:rPr>
+                        <m:t>𝑡</m:t>
+                      </m:r>
+                    </m:oMath>
+                  </m:oMathPara>
+                </a14:m>
+                <a:endParaRPr lang="ko-KR" altLang="en-US" dirty="0"/>
+              </a:p>
+            </p:txBody>
+          </p:sp>
+        </mc:Choice>
+        <mc:Fallback xmlns="">
+          <p:sp>
+            <p:nvSpPr>
+              <p:cNvPr id="6" name="TextBox 5">
+                <a:extLst>
+                  <a:ext uri="{FF2B5EF4-FFF2-40B4-BE49-F238E27FC236}">
+                    <a16:creationId xmlns:a16="http://schemas.microsoft.com/office/drawing/2014/main" id="{12E36ECF-BD35-43A6-9CB9-4F8AC3B0BED8}"/>
+                  </a:ext>
+                </a:extLst>
+              </p:cNvPr>
+              <p:cNvSpPr txBox="1">
+                <a:spLocks noRot="1" noChangeAspect="1" noMove="1" noResize="1" noEditPoints="1" noAdjustHandles="1" noChangeArrowheads="1" noChangeShapeType="1" noTextEdit="1"/>
+              </p:cNvSpPr>
+              <p:nvPr/>
+            </p:nvSpPr>
+            <p:spPr>
+              <a:xfrm>
+                <a:off x="7028329" y="2967317"/>
+                <a:ext cx="334579" cy="369332"/>
+              </a:xfrm>
+              <a:prstGeom prst="rect">
+                <a:avLst/>
+              </a:prstGeom>
+              <a:blipFill>
+                <a:blip r:embed="rId3"/>
+                <a:stretch>
+                  <a:fillRect/>
+                </a:stretch>
+              </a:blipFill>
+            </p:spPr>
+            <p:txBody>
+              <a:bodyPr/>
+              <a:lstStyle/>
+              <a:p>
+                <a:r>
+                  <a:rPr lang="ko-KR" altLang="en-US">
+                    <a:noFill/>
+                  </a:rPr>
+                  <a:t> </a:t>
+                </a:r>
+              </a:p>
+            </p:txBody>
+          </p:sp>
+        </mc:Fallback>
+      </mc:AlternateContent>
+      <mc:AlternateContent xmlns:mc="http://schemas.openxmlformats.org/markup-compatibility/2006" xmlns:a14="http://schemas.microsoft.com/office/drawing/2010/main">
+        <mc:Choice Requires="a14">
+          <p:sp>
+            <p:nvSpPr>
+              <p:cNvPr id="8" name="TextBox 7">
+                <a:extLst>
+                  <a:ext uri="{FF2B5EF4-FFF2-40B4-BE49-F238E27FC236}">
+                    <a16:creationId xmlns:a16="http://schemas.microsoft.com/office/drawing/2014/main" id="{02D2F05F-ADD7-40D5-9C0F-3EC3FB0E5630}"/>
+                  </a:ext>
+                </a:extLst>
+              </p:cNvPr>
+              <p:cNvSpPr txBox="1"/>
+              <p:nvPr/>
+            </p:nvSpPr>
+            <p:spPr>
+              <a:xfrm>
+                <a:off x="3487270" y="3422740"/>
+                <a:ext cx="365806" cy="369332"/>
+              </a:xfrm>
+              <a:prstGeom prst="rect">
+                <a:avLst/>
+              </a:prstGeom>
+              <a:noFill/>
+            </p:spPr>
+            <p:txBody>
+              <a:bodyPr wrap="none" rtlCol="0">
+                <a:spAutoFit/>
+              </a:bodyPr>
+              <a:lstStyle/>
+              <a:p>
+                <a:pPr/>
+                <a14:m>
+                  <m:oMathPara xmlns:m="http://schemas.openxmlformats.org/officeDocument/2006/math">
+                    <m:oMathParaPr>
+                      <m:jc m:val="centerGroup"/>
+                    </m:oMathParaPr>
+                    <m:oMath xmlns:m="http://schemas.openxmlformats.org/officeDocument/2006/math">
+                      <m:r>
+                        <a:rPr lang="en-US" altLang="ko-KR" b="0" i="1" smtClean="0">
+                          <a:latin typeface="Cambria Math" panose="02040503050406030204" pitchFamily="18" charset="0"/>
+                        </a:rPr>
+                        <m:t>0</m:t>
+                      </m:r>
+                    </m:oMath>
+                  </m:oMathPara>
+                </a14:m>
+                <a:endParaRPr lang="ko-KR" altLang="en-US" dirty="0"/>
+              </a:p>
+            </p:txBody>
+          </p:sp>
+        </mc:Choice>
+        <mc:Fallback xmlns="">
+          <p:sp>
+            <p:nvSpPr>
+              <p:cNvPr id="8" name="TextBox 7">
+                <a:extLst>
+                  <a:ext uri="{FF2B5EF4-FFF2-40B4-BE49-F238E27FC236}">
+                    <a16:creationId xmlns:a16="http://schemas.microsoft.com/office/drawing/2014/main" id="{02D2F05F-ADD7-40D5-9C0F-3EC3FB0E5630}"/>
+                  </a:ext>
+                </a:extLst>
+              </p:cNvPr>
+              <p:cNvSpPr txBox="1">
+                <a:spLocks noRot="1" noChangeAspect="1" noMove="1" noResize="1" noEditPoints="1" noAdjustHandles="1" noChangeArrowheads="1" noChangeShapeType="1" noTextEdit="1"/>
+              </p:cNvSpPr>
+              <p:nvPr/>
+            </p:nvSpPr>
+            <p:spPr>
+              <a:xfrm>
+                <a:off x="3487270" y="3422740"/>
+                <a:ext cx="365806" cy="369332"/>
+              </a:xfrm>
+              <a:prstGeom prst="rect">
+                <a:avLst/>
+              </a:prstGeom>
+              <a:blipFill>
+                <a:blip r:embed="rId4"/>
+                <a:stretch>
+                  <a:fillRect/>
+                </a:stretch>
+              </a:blipFill>
+            </p:spPr>
+            <p:txBody>
+              <a:bodyPr/>
+              <a:lstStyle/>
+              <a:p>
+                <a:r>
+                  <a:rPr lang="ko-KR" altLang="en-US">
+                    <a:noFill/>
+                  </a:rPr>
+                  <a:t> </a:t>
+                </a:r>
+              </a:p>
+            </p:txBody>
+          </p:sp>
+        </mc:Fallback>
+      </mc:AlternateContent>
+      <mc:AlternateContent xmlns:mc="http://schemas.openxmlformats.org/markup-compatibility/2006">
+        <mc:Choice xmlns:a14="http://schemas.microsoft.com/office/drawing/2010/main" Requires="a14">
+          <p:sp>
+            <p:nvSpPr>
+              <p:cNvPr id="9" name="TextBox 8">
+                <a:extLst>
+                  <a:ext uri="{FF2B5EF4-FFF2-40B4-BE49-F238E27FC236}">
+                    <a16:creationId xmlns:a16="http://schemas.microsoft.com/office/drawing/2014/main" id="{8CE0829D-75B9-4B1B-A107-0197D882CA0F}"/>
+                  </a:ext>
+                </a:extLst>
+              </p:cNvPr>
+              <p:cNvSpPr txBox="1"/>
+              <p:nvPr/>
+            </p:nvSpPr>
+            <p:spPr>
+              <a:xfrm>
+                <a:off x="3672812" y="1769542"/>
+                <a:ext cx="1798377" cy="369332"/>
+              </a:xfrm>
+              <a:prstGeom prst="rect">
+                <a:avLst/>
+              </a:prstGeom>
+              <a:noFill/>
+            </p:spPr>
+            <p:txBody>
+              <a:bodyPr wrap="none" rtlCol="0">
+                <a:spAutoFit/>
+              </a:bodyPr>
+              <a:lstStyle/>
+              <a:p>
+                <a:pPr/>
+                <a14:m>
+                  <m:oMathPara xmlns:m="http://schemas.openxmlformats.org/officeDocument/2006/math">
+                    <m:oMathParaPr>
+                      <m:jc m:val="centerGroup"/>
+                    </m:oMathParaPr>
+                    <m:oMath xmlns:m="http://schemas.openxmlformats.org/officeDocument/2006/math">
+                      <m:sSup>
+                        <m:sSupPr>
+                          <m:ctrlPr>
+                            <a:rPr lang="en-US" altLang="ko-KR" b="0" i="1" smtClean="0">
+                              <a:latin typeface="Cambria Math" panose="02040503050406030204" pitchFamily="18" charset="0"/>
+                            </a:rPr>
+                          </m:ctrlPr>
+                        </m:sSupPr>
+                        <m:e>
+                          <m:r>
+                            <a:rPr lang="en-US" altLang="ko-KR" b="0" i="1" smtClean="0">
+                              <a:latin typeface="Cambria Math" panose="02040503050406030204" pitchFamily="18" charset="0"/>
+                            </a:rPr>
+                            <m:t>𝑒</m:t>
+                          </m:r>
+                        </m:e>
+                        <m:sup>
+                          <m:r>
+                            <a:rPr lang="en-US" altLang="ko-KR" b="0" i="1" smtClean="0">
+                              <a:latin typeface="Cambria Math" panose="02040503050406030204" pitchFamily="18" charset="0"/>
+                            </a:rPr>
+                            <m:t>𝑎𝑡</m:t>
+                          </m:r>
+                        </m:sup>
+                      </m:sSup>
+                      <m:func>
+                        <m:funcPr>
+                          <m:ctrlPr>
+                            <a:rPr lang="en-US" altLang="ko-KR" b="0" i="1" smtClean="0">
+                              <a:latin typeface="Cambria Math" panose="02040503050406030204" pitchFamily="18" charset="0"/>
+                            </a:rPr>
+                          </m:ctrlPr>
+                        </m:funcPr>
+                        <m:fName>
+                          <m:r>
+                            <m:rPr>
+                              <m:sty m:val="p"/>
+                            </m:rPr>
+                            <a:rPr lang="en-US" altLang="ko-KR" b="0" i="0" smtClean="0">
+                              <a:latin typeface="Cambria Math" panose="02040503050406030204" pitchFamily="18" charset="0"/>
+                            </a:rPr>
+                            <m:t>cos</m:t>
+                          </m:r>
+                        </m:fName>
+                        <m:e>
+                          <m:d>
+                            <m:dPr>
+                              <m:ctrlPr>
+                                <a:rPr lang="en-US" altLang="ko-KR" b="0" i="1" smtClean="0">
+                                  <a:latin typeface="Cambria Math" panose="02040503050406030204" pitchFamily="18" charset="0"/>
+                                </a:rPr>
+                              </m:ctrlPr>
+                            </m:dPr>
+                            <m:e>
+                              <m:r>
+                                <a:rPr lang="en-US" altLang="ko-KR" b="0" i="1" smtClean="0">
+                                  <a:latin typeface="Cambria Math" panose="02040503050406030204" pitchFamily="18" charset="0"/>
+                                </a:rPr>
+                                <m:t>𝑏𝑡</m:t>
+                              </m:r>
+                            </m:e>
+                          </m:d>
+                        </m:e>
+                      </m:func>
+                      <m:r>
+                        <a:rPr lang="en-US" altLang="ko-KR" b="0" i="1" smtClean="0">
+                          <a:latin typeface="Cambria Math" panose="02040503050406030204" pitchFamily="18" charset="0"/>
+                        </a:rPr>
+                        <m:t>𝑢</m:t>
+                      </m:r>
+                      <m:r>
+                        <a:rPr lang="en-US" altLang="ko-KR" b="0" i="1" smtClean="0">
+                          <a:latin typeface="Cambria Math" panose="02040503050406030204" pitchFamily="18" charset="0"/>
+                        </a:rPr>
+                        <m:t>(</m:t>
+                      </m:r>
+                      <m:r>
+                        <a:rPr lang="en-US" altLang="ko-KR" b="0" i="1" smtClean="0">
+                          <a:latin typeface="Cambria Math" panose="02040503050406030204" pitchFamily="18" charset="0"/>
+                        </a:rPr>
+                        <m:t>𝑡</m:t>
+                      </m:r>
+                      <m:r>
+                        <a:rPr lang="en-US" altLang="ko-KR" b="0" i="1" smtClean="0">
+                          <a:latin typeface="Cambria Math" panose="02040503050406030204" pitchFamily="18" charset="0"/>
+                        </a:rPr>
+                        <m:t>)</m:t>
+                      </m:r>
+                    </m:oMath>
+                  </m:oMathPara>
+                </a14:m>
+                <a:endParaRPr lang="ko-KR" altLang="en-US" dirty="0"/>
+              </a:p>
+            </p:txBody>
+          </p:sp>
+        </mc:Choice>
+        <mc:Fallback>
+          <p:sp>
+            <p:nvSpPr>
+              <p:cNvPr id="9" name="TextBox 8">
+                <a:extLst>
+                  <a:ext uri="{FF2B5EF4-FFF2-40B4-BE49-F238E27FC236}">
+                    <a16:creationId xmlns:a16="http://schemas.microsoft.com/office/drawing/2014/main" id="{8CE0829D-75B9-4B1B-A107-0197D882CA0F}"/>
+                  </a:ext>
+                </a:extLst>
+              </p:cNvPr>
+              <p:cNvSpPr txBox="1">
+                <a:spLocks noRot="1" noChangeAspect="1" noMove="1" noResize="1" noEditPoints="1" noAdjustHandles="1" noChangeArrowheads="1" noChangeShapeType="1" noTextEdit="1"/>
+              </p:cNvSpPr>
+              <p:nvPr/>
+            </p:nvSpPr>
+            <p:spPr>
+              <a:xfrm>
+                <a:off x="3672812" y="1769542"/>
+                <a:ext cx="1798377" cy="369332"/>
+              </a:xfrm>
+              <a:prstGeom prst="rect">
+                <a:avLst/>
+              </a:prstGeom>
+              <a:blipFill>
+                <a:blip r:embed="rId5"/>
+                <a:stretch>
+                  <a:fillRect b="-13115"/>
+                </a:stretch>
+              </a:blipFill>
+            </p:spPr>
+            <p:txBody>
+              <a:bodyPr/>
+              <a:lstStyle/>
+              <a:p>
+                <a:r>
+                  <a:rPr lang="ko-KR" altLang="en-US">
+                    <a:noFill/>
+                  </a:rPr>
+                  <a:t> </a:t>
+                </a:r>
+              </a:p>
+            </p:txBody>
+          </p:sp>
+        </mc:Fallback>
+      </mc:AlternateContent>
     </p:spTree>
     <p:extLst>
       <p:ext uri="{BB962C8B-B14F-4D97-AF65-F5344CB8AC3E}">
@@ -6525,6 +6999,1908 @@
 </file>
 
 <file path=ppt/slides/slide3.xml><?xml version="1.0" encoding="utf-8"?>
+<p:sld xmlns:a="http://schemas.openxmlformats.org/drawingml/2006/main" xmlns:r="http://schemas.openxmlformats.org/officeDocument/2006/relationships" xmlns:p="http://schemas.openxmlformats.org/presentationml/2006/main">
+  <p:cSld>
+    <p:spTree>
+      <p:nvGrpSpPr>
+        <p:cNvPr id="1" name=""/>
+        <p:cNvGrpSpPr/>
+        <p:nvPr/>
+      </p:nvGrpSpPr>
+      <p:grpSpPr>
+        <a:xfrm>
+          <a:off x="0" y="0"/>
+          <a:ext cx="0" cy="0"/>
+          <a:chOff x="0" y="0"/>
+          <a:chExt cx="0" cy="0"/>
+        </a:xfrm>
+      </p:grpSpPr>
+      <p:grpSp>
+        <p:nvGrpSpPr>
+          <p:cNvPr id="36" name="그룹 35">
+            <a:extLst>
+              <a:ext uri="{FF2B5EF4-FFF2-40B4-BE49-F238E27FC236}">
+                <a16:creationId xmlns:a16="http://schemas.microsoft.com/office/drawing/2014/main" id="{4E56DC1B-BF1F-461C-8870-9EAE87458140}"/>
+              </a:ext>
+            </a:extLst>
+          </p:cNvPr>
+          <p:cNvGrpSpPr/>
+          <p:nvPr/>
+        </p:nvGrpSpPr>
+        <p:grpSpPr>
+          <a:xfrm>
+            <a:off x="128588" y="1067023"/>
+            <a:ext cx="3885058" cy="2847642"/>
+            <a:chOff x="166688" y="1067023"/>
+            <a:chExt cx="3885058" cy="2847642"/>
+          </a:xfrm>
+        </p:grpSpPr>
+        <p:pic>
+          <p:nvPicPr>
+            <p:cNvPr id="10" name="그림 9">
+              <a:extLst>
+                <a:ext uri="{FF2B5EF4-FFF2-40B4-BE49-F238E27FC236}">
+                  <a16:creationId xmlns:a16="http://schemas.microsoft.com/office/drawing/2014/main" id="{F4B7829B-1368-4FE5-933B-3768EB6B1D5F}"/>
+                </a:ext>
+              </a:extLst>
+            </p:cNvPr>
+            <p:cNvPicPr>
+              <a:picLocks noChangeAspect="1"/>
+            </p:cNvPicPr>
+            <p:nvPr/>
+          </p:nvPicPr>
+          <p:blipFill>
+            <a:blip r:embed="rId2"/>
+            <a:stretch>
+              <a:fillRect/>
+            </a:stretch>
+          </p:blipFill>
+          <p:spPr>
+            <a:xfrm>
+              <a:off x="166688" y="1067023"/>
+              <a:ext cx="3796857" cy="2847642"/>
+            </a:xfrm>
+            <a:prstGeom prst="rect">
+              <a:avLst/>
+            </a:prstGeom>
+          </p:spPr>
+        </p:pic>
+        <p:cxnSp>
+          <p:nvCxnSpPr>
+            <p:cNvPr id="9" name="직선 화살표 연결선 8">
+              <a:extLst>
+                <a:ext uri="{FF2B5EF4-FFF2-40B4-BE49-F238E27FC236}">
+                  <a16:creationId xmlns:a16="http://schemas.microsoft.com/office/drawing/2014/main" id="{6BD7A37D-A31F-45D4-8B7D-E59359BCE961}"/>
+                </a:ext>
+              </a:extLst>
+            </p:cNvPr>
+            <p:cNvCxnSpPr>
+              <a:cxnSpLocks/>
+            </p:cNvCxnSpPr>
+            <p:nvPr/>
+          </p:nvCxnSpPr>
+          <p:spPr>
+            <a:xfrm>
+              <a:off x="591043" y="2570610"/>
+              <a:ext cx="3420361" cy="0"/>
+            </a:xfrm>
+            <a:prstGeom prst="straightConnector1">
+              <a:avLst/>
+            </a:prstGeom>
+            <a:ln w="38100">
+              <a:solidFill>
+                <a:schemeClr val="tx1"/>
+              </a:solidFill>
+              <a:tailEnd type="triangle"/>
+            </a:ln>
+          </p:spPr>
+          <p:style>
+            <a:lnRef idx="1">
+              <a:schemeClr val="accent1"/>
+            </a:lnRef>
+            <a:fillRef idx="0">
+              <a:schemeClr val="accent1"/>
+            </a:fillRef>
+            <a:effectRef idx="0">
+              <a:schemeClr val="accent1"/>
+            </a:effectRef>
+            <a:fontRef idx="minor">
+              <a:schemeClr val="tx1"/>
+            </a:fontRef>
+          </p:style>
+        </p:cxnSp>
+        <mc:AlternateContent xmlns:mc="http://schemas.openxmlformats.org/markup-compatibility/2006">
+          <mc:Choice xmlns:a14="http://schemas.microsoft.com/office/drawing/2010/main" Requires="a14">
+            <p:sp>
+              <p:nvSpPr>
+                <p:cNvPr id="11" name="TextBox 10">
+                  <a:extLst>
+                    <a:ext uri="{FF2B5EF4-FFF2-40B4-BE49-F238E27FC236}">
+                      <a16:creationId xmlns:a16="http://schemas.microsoft.com/office/drawing/2014/main" id="{57FDD76E-367D-4DBB-A822-719E4A2EE955}"/>
+                    </a:ext>
+                  </a:extLst>
+                </p:cNvPr>
+                <p:cNvSpPr txBox="1"/>
+                <p:nvPr/>
+              </p:nvSpPr>
+              <p:spPr>
+                <a:xfrm>
+                  <a:off x="3813585" y="2145621"/>
+                  <a:ext cx="238161" cy="262899"/>
+                </a:xfrm>
+                <a:prstGeom prst="rect">
+                  <a:avLst/>
+                </a:prstGeom>
+                <a:noFill/>
+              </p:spPr>
+              <p:txBody>
+                <a:bodyPr wrap="none" rtlCol="0">
+                  <a:spAutoFit/>
+                </a:bodyPr>
+                <a:lstStyle/>
+                <a:p>
+                  <a:pPr/>
+                  <a14:m>
+                    <m:oMathPara xmlns:m="http://schemas.openxmlformats.org/officeDocument/2006/math">
+                      <m:oMathParaPr>
+                        <m:jc m:val="centerGroup"/>
+                      </m:oMathParaPr>
+                      <m:oMath xmlns:m="http://schemas.openxmlformats.org/officeDocument/2006/math">
+                        <m:r>
+                          <a:rPr lang="en-US" altLang="ko-KR" b="0" i="1" smtClean="0">
+                            <a:latin typeface="Cambria Math" panose="02040503050406030204" pitchFamily="18" charset="0"/>
+                          </a:rPr>
+                          <m:t>𝑡</m:t>
+                        </m:r>
+                      </m:oMath>
+                    </m:oMathPara>
+                  </a14:m>
+                  <a:endParaRPr lang="ko-KR" altLang="en-US" dirty="0"/>
+                </a:p>
+              </p:txBody>
+            </p:sp>
+          </mc:Choice>
+          <mc:Fallback>
+            <p:sp>
+              <p:nvSpPr>
+                <p:cNvPr id="11" name="TextBox 10">
+                  <a:extLst>
+                    <a:ext uri="{FF2B5EF4-FFF2-40B4-BE49-F238E27FC236}">
+                      <a16:creationId xmlns:a16="http://schemas.microsoft.com/office/drawing/2014/main" id="{57FDD76E-367D-4DBB-A822-719E4A2EE955}"/>
+                    </a:ext>
+                  </a:extLst>
+                </p:cNvPr>
+                <p:cNvSpPr txBox="1">
+                  <a:spLocks noRot="1" noChangeAspect="1" noMove="1" noResize="1" noEditPoints="1" noAdjustHandles="1" noChangeArrowheads="1" noChangeShapeType="1" noTextEdit="1"/>
+                </p:cNvSpPr>
+                <p:nvPr/>
+              </p:nvSpPr>
+              <p:spPr>
+                <a:xfrm>
+                  <a:off x="3813585" y="2145621"/>
+                  <a:ext cx="238161" cy="262899"/>
+                </a:xfrm>
+                <a:prstGeom prst="rect">
+                  <a:avLst/>
+                </a:prstGeom>
+                <a:blipFill>
+                  <a:blip r:embed="rId3"/>
+                  <a:stretch>
+                    <a:fillRect r="-10256" b="-27907"/>
+                  </a:stretch>
+                </a:blipFill>
+              </p:spPr>
+              <p:txBody>
+                <a:bodyPr/>
+                <a:lstStyle/>
+                <a:p>
+                  <a:r>
+                    <a:rPr lang="ko-KR" altLang="en-US">
+                      <a:noFill/>
+                    </a:rPr>
+                    <a:t> </a:t>
+                  </a:r>
+                </a:p>
+              </p:txBody>
+            </p:sp>
+          </mc:Fallback>
+        </mc:AlternateContent>
+        <mc:AlternateContent xmlns:mc="http://schemas.openxmlformats.org/markup-compatibility/2006">
+          <mc:Choice xmlns:a14="http://schemas.microsoft.com/office/drawing/2010/main" Requires="a14">
+            <p:sp>
+              <p:nvSpPr>
+                <p:cNvPr id="12" name="TextBox 11">
+                  <a:extLst>
+                    <a:ext uri="{FF2B5EF4-FFF2-40B4-BE49-F238E27FC236}">
+                      <a16:creationId xmlns:a16="http://schemas.microsoft.com/office/drawing/2014/main" id="{8E9D957E-3A60-48D7-9795-9DC65A82581A}"/>
+                    </a:ext>
+                  </a:extLst>
+                </p:cNvPr>
+                <p:cNvSpPr txBox="1"/>
+                <p:nvPr/>
+              </p:nvSpPr>
+              <p:spPr>
+                <a:xfrm>
+                  <a:off x="1292982" y="2601250"/>
+                  <a:ext cx="260388" cy="262899"/>
+                </a:xfrm>
+                <a:prstGeom prst="rect">
+                  <a:avLst/>
+                </a:prstGeom>
+                <a:noFill/>
+              </p:spPr>
+              <p:txBody>
+                <a:bodyPr wrap="none" rtlCol="0">
+                  <a:spAutoFit/>
+                </a:bodyPr>
+                <a:lstStyle/>
+                <a:p>
+                  <a:pPr/>
+                  <a14:m>
+                    <m:oMathPara xmlns:m="http://schemas.openxmlformats.org/officeDocument/2006/math">
+                      <m:oMathParaPr>
+                        <m:jc m:val="centerGroup"/>
+                      </m:oMathParaPr>
+                      <m:oMath xmlns:m="http://schemas.openxmlformats.org/officeDocument/2006/math">
+                        <m:r>
+                          <a:rPr lang="en-US" altLang="ko-KR" b="0" i="1" smtClean="0">
+                            <a:latin typeface="Cambria Math" panose="02040503050406030204" pitchFamily="18" charset="0"/>
+                          </a:rPr>
+                          <m:t>0</m:t>
+                        </m:r>
+                      </m:oMath>
+                    </m:oMathPara>
+                  </a14:m>
+                  <a:endParaRPr lang="ko-KR" altLang="en-US" dirty="0"/>
+                </a:p>
+              </p:txBody>
+            </p:sp>
+          </mc:Choice>
+          <mc:Fallback>
+            <p:sp>
+              <p:nvSpPr>
+                <p:cNvPr id="12" name="TextBox 11">
+                  <a:extLst>
+                    <a:ext uri="{FF2B5EF4-FFF2-40B4-BE49-F238E27FC236}">
+                      <a16:creationId xmlns:a16="http://schemas.microsoft.com/office/drawing/2014/main" id="{8E9D957E-3A60-48D7-9795-9DC65A82581A}"/>
+                    </a:ext>
+                  </a:extLst>
+                </p:cNvPr>
+                <p:cNvSpPr txBox="1">
+                  <a:spLocks noRot="1" noChangeAspect="1" noMove="1" noResize="1" noEditPoints="1" noAdjustHandles="1" noChangeArrowheads="1" noChangeShapeType="1" noTextEdit="1"/>
+                </p:cNvSpPr>
+                <p:nvPr/>
+              </p:nvSpPr>
+              <p:spPr>
+                <a:xfrm>
+                  <a:off x="1292982" y="2601250"/>
+                  <a:ext cx="260388" cy="262899"/>
+                </a:xfrm>
+                <a:prstGeom prst="rect">
+                  <a:avLst/>
+                </a:prstGeom>
+                <a:blipFill>
+                  <a:blip r:embed="rId4"/>
+                  <a:stretch>
+                    <a:fillRect r="-13953" b="-30233"/>
+                  </a:stretch>
+                </a:blipFill>
+              </p:spPr>
+              <p:txBody>
+                <a:bodyPr/>
+                <a:lstStyle/>
+                <a:p>
+                  <a:r>
+                    <a:rPr lang="ko-KR" altLang="en-US">
+                      <a:noFill/>
+                    </a:rPr>
+                    <a:t> </a:t>
+                  </a:r>
+                </a:p>
+              </p:txBody>
+            </p:sp>
+          </mc:Fallback>
+        </mc:AlternateContent>
+        <mc:AlternateContent xmlns:mc="http://schemas.openxmlformats.org/markup-compatibility/2006">
+          <mc:Choice xmlns:a14="http://schemas.microsoft.com/office/drawing/2010/main" Requires="a14">
+            <p:sp>
+              <p:nvSpPr>
+                <p:cNvPr id="13" name="TextBox 12">
+                  <a:extLst>
+                    <a:ext uri="{FF2B5EF4-FFF2-40B4-BE49-F238E27FC236}">
+                      <a16:creationId xmlns:a16="http://schemas.microsoft.com/office/drawing/2014/main" id="{200803F0-224E-49FB-B0D9-1F78B49A3B6B}"/>
+                    </a:ext>
+                  </a:extLst>
+                </p:cNvPr>
+                <p:cNvSpPr txBox="1"/>
+                <p:nvPr/>
+              </p:nvSpPr>
+              <p:spPr>
+                <a:xfrm>
+                  <a:off x="1013602" y="1342074"/>
+                  <a:ext cx="2518766" cy="369332"/>
+                </a:xfrm>
+                <a:prstGeom prst="rect">
+                  <a:avLst/>
+                </a:prstGeom>
+                <a:noFill/>
+              </p:spPr>
+              <p:txBody>
+                <a:bodyPr wrap="none" rtlCol="0">
+                  <a:spAutoFit/>
+                </a:bodyPr>
+                <a:lstStyle/>
+                <a:p>
+                  <a:pPr/>
+                  <a14:m>
+                    <m:oMathPara xmlns:m="http://schemas.openxmlformats.org/officeDocument/2006/math">
+                      <m:oMathParaPr>
+                        <m:jc m:val="center"/>
+                      </m:oMathParaPr>
+                      <m:oMath xmlns:m="http://schemas.openxmlformats.org/officeDocument/2006/math">
+                        <m:r>
+                          <a:rPr lang="en-US" altLang="ko-KR" b="0" i="1" smtClean="0">
+                            <a:latin typeface="Cambria Math" panose="02040503050406030204" pitchFamily="18" charset="0"/>
+                          </a:rPr>
+                          <m:t>𝑥</m:t>
+                        </m:r>
+                        <m:d>
+                          <m:dPr>
+                            <m:ctrlPr>
+                              <a:rPr lang="en-US" altLang="ko-KR" b="0" i="1" smtClean="0">
+                                <a:latin typeface="Cambria Math" panose="02040503050406030204" pitchFamily="18" charset="0"/>
+                              </a:rPr>
+                            </m:ctrlPr>
+                          </m:dPr>
+                          <m:e>
+                            <m:r>
+                              <a:rPr lang="en-US" altLang="ko-KR" b="0" i="1" smtClean="0">
+                                <a:latin typeface="Cambria Math" panose="02040503050406030204" pitchFamily="18" charset="0"/>
+                              </a:rPr>
+                              <m:t>𝑡</m:t>
+                            </m:r>
+                          </m:e>
+                        </m:d>
+                        <m:r>
+                          <a:rPr lang="en-US" altLang="ko-KR" b="0" i="1" smtClean="0">
+                            <a:latin typeface="Cambria Math" panose="02040503050406030204" pitchFamily="18" charset="0"/>
+                          </a:rPr>
+                          <m:t>=</m:t>
+                        </m:r>
+                        <m:sSup>
+                          <m:sSupPr>
+                            <m:ctrlPr>
+                              <a:rPr lang="en-US" altLang="ko-KR" b="0" i="1" smtClean="0">
+                                <a:latin typeface="Cambria Math" panose="02040503050406030204" pitchFamily="18" charset="0"/>
+                              </a:rPr>
+                            </m:ctrlPr>
+                          </m:sSupPr>
+                          <m:e>
+                            <m:r>
+                              <a:rPr lang="en-US" altLang="ko-KR" b="0" i="1" smtClean="0">
+                                <a:latin typeface="Cambria Math" panose="02040503050406030204" pitchFamily="18" charset="0"/>
+                              </a:rPr>
+                              <m:t>𝑒</m:t>
+                            </m:r>
+                          </m:e>
+                          <m:sup>
+                            <m:r>
+                              <a:rPr lang="en-US" altLang="ko-KR" b="0" i="1" smtClean="0">
+                                <a:latin typeface="Cambria Math" panose="02040503050406030204" pitchFamily="18" charset="0"/>
+                              </a:rPr>
+                              <m:t>𝑎𝑡</m:t>
+                            </m:r>
+                          </m:sup>
+                        </m:sSup>
+                        <m:func>
+                          <m:funcPr>
+                            <m:ctrlPr>
+                              <a:rPr lang="en-US" altLang="ko-KR" b="0" i="1" smtClean="0">
+                                <a:latin typeface="Cambria Math" panose="02040503050406030204" pitchFamily="18" charset="0"/>
+                              </a:rPr>
+                            </m:ctrlPr>
+                          </m:funcPr>
+                          <m:fName>
+                            <m:r>
+                              <m:rPr>
+                                <m:sty m:val="p"/>
+                              </m:rPr>
+                              <a:rPr lang="en-US" altLang="ko-KR" b="0" i="0" smtClean="0">
+                                <a:latin typeface="Cambria Math" panose="02040503050406030204" pitchFamily="18" charset="0"/>
+                              </a:rPr>
+                              <m:t>cos</m:t>
+                            </m:r>
+                          </m:fName>
+                          <m:e>
+                            <m:d>
+                              <m:dPr>
+                                <m:ctrlPr>
+                                  <a:rPr lang="en-US" altLang="ko-KR" b="0" i="1" smtClean="0">
+                                    <a:latin typeface="Cambria Math" panose="02040503050406030204" pitchFamily="18" charset="0"/>
+                                  </a:rPr>
+                                </m:ctrlPr>
+                              </m:dPr>
+                              <m:e>
+                                <m:r>
+                                  <a:rPr lang="en-US" altLang="ko-KR" b="0" i="1" smtClean="0">
+                                    <a:latin typeface="Cambria Math" panose="02040503050406030204" pitchFamily="18" charset="0"/>
+                                  </a:rPr>
+                                  <m:t>𝑏𝑡</m:t>
+                                </m:r>
+                              </m:e>
+                            </m:d>
+                          </m:e>
+                        </m:func>
+                        <m:r>
+                          <a:rPr lang="en-US" altLang="ko-KR" b="0" i="1" smtClean="0">
+                            <a:latin typeface="Cambria Math" panose="02040503050406030204" pitchFamily="18" charset="0"/>
+                          </a:rPr>
+                          <m:t>𝑢</m:t>
+                        </m:r>
+                        <m:r>
+                          <a:rPr lang="en-US" altLang="ko-KR" b="0" i="1" smtClean="0">
+                            <a:latin typeface="Cambria Math" panose="02040503050406030204" pitchFamily="18" charset="0"/>
+                          </a:rPr>
+                          <m:t>(</m:t>
+                        </m:r>
+                        <m:r>
+                          <a:rPr lang="en-US" altLang="ko-KR" b="0" i="1" smtClean="0">
+                            <a:latin typeface="Cambria Math" panose="02040503050406030204" pitchFamily="18" charset="0"/>
+                          </a:rPr>
+                          <m:t>𝑡</m:t>
+                        </m:r>
+                        <m:r>
+                          <a:rPr lang="en-US" altLang="ko-KR" b="0" i="1" smtClean="0">
+                            <a:latin typeface="Cambria Math" panose="02040503050406030204" pitchFamily="18" charset="0"/>
+                          </a:rPr>
+                          <m:t>)</m:t>
+                        </m:r>
+                      </m:oMath>
+                    </m:oMathPara>
+                  </a14:m>
+                  <a:endParaRPr lang="ko-KR" altLang="en-US" dirty="0"/>
+                </a:p>
+              </p:txBody>
+            </p:sp>
+          </mc:Choice>
+          <mc:Fallback>
+            <p:sp>
+              <p:nvSpPr>
+                <p:cNvPr id="13" name="TextBox 12">
+                  <a:extLst>
+                    <a:ext uri="{FF2B5EF4-FFF2-40B4-BE49-F238E27FC236}">
+                      <a16:creationId xmlns:a16="http://schemas.microsoft.com/office/drawing/2014/main" id="{200803F0-224E-49FB-B0D9-1F78B49A3B6B}"/>
+                    </a:ext>
+                  </a:extLst>
+                </p:cNvPr>
+                <p:cNvSpPr txBox="1">
+                  <a:spLocks noRot="1" noChangeAspect="1" noMove="1" noResize="1" noEditPoints="1" noAdjustHandles="1" noChangeArrowheads="1" noChangeShapeType="1" noTextEdit="1"/>
+                </p:cNvSpPr>
+                <p:nvPr/>
+              </p:nvSpPr>
+              <p:spPr>
+                <a:xfrm>
+                  <a:off x="1013602" y="1342074"/>
+                  <a:ext cx="2518766" cy="369332"/>
+                </a:xfrm>
+                <a:prstGeom prst="rect">
+                  <a:avLst/>
+                </a:prstGeom>
+                <a:blipFill>
+                  <a:blip r:embed="rId5"/>
+                  <a:stretch>
+                    <a:fillRect b="-13115"/>
+                  </a:stretch>
+                </a:blipFill>
+              </p:spPr>
+              <p:txBody>
+                <a:bodyPr/>
+                <a:lstStyle/>
+                <a:p>
+                  <a:r>
+                    <a:rPr lang="ko-KR" altLang="en-US">
+                      <a:noFill/>
+                    </a:rPr>
+                    <a:t> </a:t>
+                  </a:r>
+                </a:p>
+              </p:txBody>
+            </p:sp>
+          </mc:Fallback>
+        </mc:AlternateContent>
+      </p:grpSp>
+      <p:pic>
+        <p:nvPicPr>
+          <p:cNvPr id="18" name="그림 17">
+            <a:extLst>
+              <a:ext uri="{FF2B5EF4-FFF2-40B4-BE49-F238E27FC236}">
+                <a16:creationId xmlns:a16="http://schemas.microsoft.com/office/drawing/2014/main" id="{8012F1CA-38D7-4D5D-BD6F-267BDC254F54}"/>
+              </a:ext>
+            </a:extLst>
+          </p:cNvPr>
+          <p:cNvPicPr>
+            <a:picLocks noChangeAspect="1"/>
+          </p:cNvPicPr>
+          <p:nvPr/>
+        </p:nvPicPr>
+        <p:blipFill>
+          <a:blip r:embed="rId6"/>
+          <a:stretch>
+            <a:fillRect/>
+          </a:stretch>
+        </p:blipFill>
+        <p:spPr>
+          <a:xfrm>
+            <a:off x="4780390" y="1308103"/>
+            <a:ext cx="4082623" cy="1424595"/>
+          </a:xfrm>
+          <a:prstGeom prst="rect">
+            <a:avLst/>
+          </a:prstGeom>
+        </p:spPr>
+      </p:pic>
+      <p:cxnSp>
+        <p:nvCxnSpPr>
+          <p:cNvPr id="20" name="직선 화살표 연결선 19">
+            <a:extLst>
+              <a:ext uri="{FF2B5EF4-FFF2-40B4-BE49-F238E27FC236}">
+                <a16:creationId xmlns:a16="http://schemas.microsoft.com/office/drawing/2014/main" id="{D99D84B1-3705-495A-AA85-0DB850CE16C1}"/>
+              </a:ext>
+            </a:extLst>
+          </p:cNvPr>
+          <p:cNvCxnSpPr>
+            <a:cxnSpLocks/>
+          </p:cNvCxnSpPr>
+          <p:nvPr/>
+        </p:nvCxnSpPr>
+        <p:spPr>
+          <a:xfrm>
+            <a:off x="5261281" y="2570610"/>
+            <a:ext cx="3420361" cy="0"/>
+          </a:xfrm>
+          <a:prstGeom prst="straightConnector1">
+            <a:avLst/>
+          </a:prstGeom>
+          <a:ln w="38100">
+            <a:solidFill>
+              <a:schemeClr val="tx1"/>
+            </a:solidFill>
+            <a:tailEnd type="triangle"/>
+          </a:ln>
+        </p:spPr>
+        <p:style>
+          <a:lnRef idx="1">
+            <a:schemeClr val="accent1"/>
+          </a:lnRef>
+          <a:fillRef idx="0">
+            <a:schemeClr val="accent1"/>
+          </a:fillRef>
+          <a:effectRef idx="0">
+            <a:schemeClr val="accent1"/>
+          </a:effectRef>
+          <a:fontRef idx="minor">
+            <a:schemeClr val="tx1"/>
+          </a:fontRef>
+        </p:style>
+      </p:cxnSp>
+      <mc:AlternateContent xmlns:mc="http://schemas.openxmlformats.org/markup-compatibility/2006">
+        <mc:Choice xmlns:a14="http://schemas.microsoft.com/office/drawing/2010/main" Requires="a14">
+          <p:sp>
+            <p:nvSpPr>
+              <p:cNvPr id="21" name="TextBox 20">
+                <a:extLst>
+                  <a:ext uri="{FF2B5EF4-FFF2-40B4-BE49-F238E27FC236}">
+                    <a16:creationId xmlns:a16="http://schemas.microsoft.com/office/drawing/2014/main" id="{B22A3DA4-9BC9-4898-93F6-2C6FBC3FD4C3}"/>
+                  </a:ext>
+                </a:extLst>
+              </p:cNvPr>
+              <p:cNvSpPr txBox="1"/>
+              <p:nvPr/>
+            </p:nvSpPr>
+            <p:spPr>
+              <a:xfrm>
+                <a:off x="8483821" y="2145620"/>
+                <a:ext cx="238161" cy="262899"/>
+              </a:xfrm>
+              <a:prstGeom prst="rect">
+                <a:avLst/>
+              </a:prstGeom>
+              <a:noFill/>
+            </p:spPr>
+            <p:txBody>
+              <a:bodyPr wrap="none" rtlCol="0">
+                <a:spAutoFit/>
+              </a:bodyPr>
+              <a:lstStyle/>
+              <a:p>
+                <a:pPr/>
+                <a14:m>
+                  <m:oMathPara xmlns:m="http://schemas.openxmlformats.org/officeDocument/2006/math">
+                    <m:oMathParaPr>
+                      <m:jc m:val="centerGroup"/>
+                    </m:oMathParaPr>
+                    <m:oMath xmlns:m="http://schemas.openxmlformats.org/officeDocument/2006/math">
+                      <m:r>
+                        <a:rPr lang="en-US" altLang="ko-KR" b="0" i="1" smtClean="0">
+                          <a:latin typeface="Cambria Math" panose="02040503050406030204" pitchFamily="18" charset="0"/>
+                        </a:rPr>
+                        <m:t>𝑡</m:t>
+                      </m:r>
+                    </m:oMath>
+                  </m:oMathPara>
+                </a14:m>
+                <a:endParaRPr lang="ko-KR" altLang="en-US" dirty="0"/>
+              </a:p>
+            </p:txBody>
+          </p:sp>
+        </mc:Choice>
+        <mc:Fallback>
+          <p:sp>
+            <p:nvSpPr>
+              <p:cNvPr id="21" name="TextBox 20">
+                <a:extLst>
+                  <a:ext uri="{FF2B5EF4-FFF2-40B4-BE49-F238E27FC236}">
+                    <a16:creationId xmlns:a16="http://schemas.microsoft.com/office/drawing/2014/main" id="{B22A3DA4-9BC9-4898-93F6-2C6FBC3FD4C3}"/>
+                  </a:ext>
+                </a:extLst>
+              </p:cNvPr>
+              <p:cNvSpPr txBox="1">
+                <a:spLocks noRot="1" noChangeAspect="1" noMove="1" noResize="1" noEditPoints="1" noAdjustHandles="1" noChangeArrowheads="1" noChangeShapeType="1" noTextEdit="1"/>
+              </p:cNvSpPr>
+              <p:nvPr/>
+            </p:nvSpPr>
+            <p:spPr>
+              <a:xfrm>
+                <a:off x="8483821" y="2145620"/>
+                <a:ext cx="238161" cy="262899"/>
+              </a:xfrm>
+              <a:prstGeom prst="rect">
+                <a:avLst/>
+              </a:prstGeom>
+              <a:blipFill>
+                <a:blip r:embed="rId7"/>
+                <a:stretch>
+                  <a:fillRect r="-7692" b="-27907"/>
+                </a:stretch>
+              </a:blipFill>
+            </p:spPr>
+            <p:txBody>
+              <a:bodyPr/>
+              <a:lstStyle/>
+              <a:p>
+                <a:r>
+                  <a:rPr lang="ko-KR" altLang="en-US">
+                    <a:noFill/>
+                  </a:rPr>
+                  <a:t> </a:t>
+                </a:r>
+              </a:p>
+            </p:txBody>
+          </p:sp>
+        </mc:Fallback>
+      </mc:AlternateContent>
+      <mc:AlternateContent xmlns:mc="http://schemas.openxmlformats.org/markup-compatibility/2006">
+        <mc:Choice xmlns:a14="http://schemas.microsoft.com/office/drawing/2010/main" Requires="a14">
+          <p:sp>
+            <p:nvSpPr>
+              <p:cNvPr id="22" name="TextBox 21">
+                <a:extLst>
+                  <a:ext uri="{FF2B5EF4-FFF2-40B4-BE49-F238E27FC236}">
+                    <a16:creationId xmlns:a16="http://schemas.microsoft.com/office/drawing/2014/main" id="{348B6DFF-758E-4DDB-9328-EFFDBC2028D7}"/>
+                  </a:ext>
+                </a:extLst>
+              </p:cNvPr>
+              <p:cNvSpPr txBox="1"/>
+              <p:nvPr/>
+            </p:nvSpPr>
+            <p:spPr>
+              <a:xfrm>
+                <a:off x="5963220" y="2601250"/>
+                <a:ext cx="260388" cy="262899"/>
+              </a:xfrm>
+              <a:prstGeom prst="rect">
+                <a:avLst/>
+              </a:prstGeom>
+              <a:noFill/>
+            </p:spPr>
+            <p:txBody>
+              <a:bodyPr wrap="none" rtlCol="0">
+                <a:spAutoFit/>
+              </a:bodyPr>
+              <a:lstStyle/>
+              <a:p>
+                <a:pPr/>
+                <a14:m>
+                  <m:oMathPara xmlns:m="http://schemas.openxmlformats.org/officeDocument/2006/math">
+                    <m:oMathParaPr>
+                      <m:jc m:val="centerGroup"/>
+                    </m:oMathParaPr>
+                    <m:oMath xmlns:m="http://schemas.openxmlformats.org/officeDocument/2006/math">
+                      <m:r>
+                        <a:rPr lang="en-US" altLang="ko-KR" b="0" i="1" smtClean="0">
+                          <a:latin typeface="Cambria Math" panose="02040503050406030204" pitchFamily="18" charset="0"/>
+                        </a:rPr>
+                        <m:t>0</m:t>
+                      </m:r>
+                    </m:oMath>
+                  </m:oMathPara>
+                </a14:m>
+                <a:endParaRPr lang="ko-KR" altLang="en-US" dirty="0"/>
+              </a:p>
+            </p:txBody>
+          </p:sp>
+        </mc:Choice>
+        <mc:Fallback>
+          <p:sp>
+            <p:nvSpPr>
+              <p:cNvPr id="22" name="TextBox 21">
+                <a:extLst>
+                  <a:ext uri="{FF2B5EF4-FFF2-40B4-BE49-F238E27FC236}">
+                    <a16:creationId xmlns:a16="http://schemas.microsoft.com/office/drawing/2014/main" id="{348B6DFF-758E-4DDB-9328-EFFDBC2028D7}"/>
+                  </a:ext>
+                </a:extLst>
+              </p:cNvPr>
+              <p:cNvSpPr txBox="1">
+                <a:spLocks noRot="1" noChangeAspect="1" noMove="1" noResize="1" noEditPoints="1" noAdjustHandles="1" noChangeArrowheads="1" noChangeShapeType="1" noTextEdit="1"/>
+              </p:cNvSpPr>
+              <p:nvPr/>
+            </p:nvSpPr>
+            <p:spPr>
+              <a:xfrm>
+                <a:off x="5963220" y="2601250"/>
+                <a:ext cx="260388" cy="262899"/>
+              </a:xfrm>
+              <a:prstGeom prst="rect">
+                <a:avLst/>
+              </a:prstGeom>
+              <a:blipFill>
+                <a:blip r:embed="rId8"/>
+                <a:stretch>
+                  <a:fillRect r="-16279" b="-30233"/>
+                </a:stretch>
+              </a:blipFill>
+            </p:spPr>
+            <p:txBody>
+              <a:bodyPr/>
+              <a:lstStyle/>
+              <a:p>
+                <a:r>
+                  <a:rPr lang="ko-KR" altLang="en-US">
+                    <a:noFill/>
+                  </a:rPr>
+                  <a:t> </a:t>
+                </a:r>
+              </a:p>
+            </p:txBody>
+          </p:sp>
+        </mc:Fallback>
+      </mc:AlternateContent>
+      <mc:AlternateContent xmlns:mc="http://schemas.openxmlformats.org/markup-compatibility/2006">
+        <mc:Choice xmlns:a14="http://schemas.microsoft.com/office/drawing/2010/main" Requires="a14">
+          <p:sp>
+            <p:nvSpPr>
+              <p:cNvPr id="23" name="TextBox 22">
+                <a:extLst>
+                  <a:ext uri="{FF2B5EF4-FFF2-40B4-BE49-F238E27FC236}">
+                    <a16:creationId xmlns:a16="http://schemas.microsoft.com/office/drawing/2014/main" id="{95370FD7-6F9A-45E0-B61D-69E0163EAEF9}"/>
+                  </a:ext>
+                </a:extLst>
+              </p:cNvPr>
+              <p:cNvSpPr txBox="1"/>
+              <p:nvPr/>
+            </p:nvSpPr>
+            <p:spPr>
+              <a:xfrm>
+                <a:off x="6821703" y="1342074"/>
+                <a:ext cx="587210" cy="317828"/>
+              </a:xfrm>
+              <a:prstGeom prst="rect">
+                <a:avLst/>
+              </a:prstGeom>
+              <a:noFill/>
+            </p:spPr>
+            <p:txBody>
+              <a:bodyPr wrap="none" rtlCol="0">
+                <a:spAutoFit/>
+              </a:bodyPr>
+              <a:lstStyle/>
+              <a:p>
+                <a:pPr/>
+                <a14:m>
+                  <m:oMathPara xmlns:m="http://schemas.openxmlformats.org/officeDocument/2006/math">
+                    <m:oMathParaPr>
+                      <m:jc m:val="center"/>
+                    </m:oMathParaPr>
+                    <m:oMath xmlns:m="http://schemas.openxmlformats.org/officeDocument/2006/math">
+                      <m:sSup>
+                        <m:sSupPr>
+                          <m:ctrlPr>
+                            <a:rPr lang="en-US" altLang="ko-KR" b="0" i="1" smtClean="0">
+                              <a:latin typeface="Cambria Math" panose="02040503050406030204" pitchFamily="18" charset="0"/>
+                            </a:rPr>
+                          </m:ctrlPr>
+                        </m:sSupPr>
+                        <m:e>
+                          <m:r>
+                            <a:rPr lang="en-US" altLang="ko-KR" b="0" i="1" smtClean="0">
+                              <a:latin typeface="Cambria Math" panose="02040503050406030204" pitchFamily="18" charset="0"/>
+                            </a:rPr>
+                            <m:t>𝑒</m:t>
+                          </m:r>
+                        </m:e>
+                        <m:sup>
+                          <m:r>
+                            <a:rPr lang="en-US" altLang="ko-KR" b="0" i="1" smtClean="0">
+                              <a:latin typeface="Cambria Math" panose="02040503050406030204" pitchFamily="18" charset="0"/>
+                            </a:rPr>
+                            <m:t>−</m:t>
+                          </m:r>
+                          <m:r>
+                            <a:rPr lang="en-US" altLang="ko-KR" b="0" i="1" smtClean="0">
+                              <a:latin typeface="Cambria Math" panose="02040503050406030204" pitchFamily="18" charset="0"/>
+                            </a:rPr>
+                            <m:t>𝜎</m:t>
+                          </m:r>
+                          <m:r>
+                            <a:rPr lang="en-US" altLang="ko-KR" b="0" i="1" smtClean="0">
+                              <a:latin typeface="Cambria Math" panose="02040503050406030204" pitchFamily="18" charset="0"/>
+                            </a:rPr>
+                            <m:t>𝑡</m:t>
+                          </m:r>
+                        </m:sup>
+                      </m:sSup>
+                    </m:oMath>
+                  </m:oMathPara>
+                </a14:m>
+                <a:endParaRPr lang="ko-KR" altLang="en-US" dirty="0"/>
+              </a:p>
+            </p:txBody>
+          </p:sp>
+        </mc:Choice>
+        <mc:Fallback>
+          <p:sp>
+            <p:nvSpPr>
+              <p:cNvPr id="23" name="TextBox 22">
+                <a:extLst>
+                  <a:ext uri="{FF2B5EF4-FFF2-40B4-BE49-F238E27FC236}">
+                    <a16:creationId xmlns:a16="http://schemas.microsoft.com/office/drawing/2014/main" id="{95370FD7-6F9A-45E0-B61D-69E0163EAEF9}"/>
+                  </a:ext>
+                </a:extLst>
+              </p:cNvPr>
+              <p:cNvSpPr txBox="1">
+                <a:spLocks noRot="1" noChangeAspect="1" noMove="1" noResize="1" noEditPoints="1" noAdjustHandles="1" noChangeArrowheads="1" noChangeShapeType="1" noTextEdit="1"/>
+              </p:cNvSpPr>
+              <p:nvPr/>
+            </p:nvSpPr>
+            <p:spPr>
+              <a:xfrm>
+                <a:off x="6821703" y="1342074"/>
+                <a:ext cx="587210" cy="317828"/>
+              </a:xfrm>
+              <a:prstGeom prst="rect">
+                <a:avLst/>
+              </a:prstGeom>
+              <a:blipFill>
+                <a:blip r:embed="rId9"/>
+                <a:stretch>
+                  <a:fillRect b="-1923"/>
+                </a:stretch>
+              </a:blipFill>
+            </p:spPr>
+            <p:txBody>
+              <a:bodyPr/>
+              <a:lstStyle/>
+              <a:p>
+                <a:r>
+                  <a:rPr lang="ko-KR" altLang="en-US">
+                    <a:noFill/>
+                  </a:rPr>
+                  <a:t> </a:t>
+                </a:r>
+              </a:p>
+            </p:txBody>
+          </p:sp>
+        </mc:Fallback>
+      </mc:AlternateContent>
+      <mc:AlternateContent xmlns:mc="http://schemas.openxmlformats.org/markup-compatibility/2006">
+        <mc:Choice xmlns:a14="http://schemas.microsoft.com/office/drawing/2010/main" Requires="a14">
+          <p:sp>
+            <p:nvSpPr>
+              <p:cNvPr id="26" name="TextBox 25">
+                <a:extLst>
+                  <a:ext uri="{FF2B5EF4-FFF2-40B4-BE49-F238E27FC236}">
+                    <a16:creationId xmlns:a16="http://schemas.microsoft.com/office/drawing/2014/main" id="{771BB8E1-4277-4CBE-8D1C-30158CF9D0C6}"/>
+                  </a:ext>
+                </a:extLst>
+              </p:cNvPr>
+              <p:cNvSpPr txBox="1"/>
+              <p:nvPr/>
+            </p:nvSpPr>
+            <p:spPr>
+              <a:xfrm>
+                <a:off x="4314208" y="2240870"/>
+                <a:ext cx="515585" cy="646331"/>
+              </a:xfrm>
+              <a:prstGeom prst="rect">
+                <a:avLst/>
+              </a:prstGeom>
+              <a:noFill/>
+            </p:spPr>
+            <p:txBody>
+              <a:bodyPr wrap="square" rtlCol="0">
+                <a:spAutoFit/>
+              </a:bodyPr>
+              <a:lstStyle/>
+              <a:p>
+                <a:pPr/>
+                <a14:m>
+                  <m:oMathPara xmlns:m="http://schemas.openxmlformats.org/officeDocument/2006/math">
+                    <m:oMathParaPr>
+                      <m:jc m:val="center"/>
+                    </m:oMathParaPr>
+                    <m:oMath xmlns:m="http://schemas.openxmlformats.org/officeDocument/2006/math">
+                      <m:r>
+                        <a:rPr lang="en-US" altLang="ko-KR" sz="3600" b="0" i="1" smtClean="0">
+                          <a:latin typeface="Cambria Math" panose="02040503050406030204" pitchFamily="18" charset="0"/>
+                        </a:rPr>
+                        <m:t>×</m:t>
+                      </m:r>
+                    </m:oMath>
+                  </m:oMathPara>
+                </a14:m>
+                <a:endParaRPr lang="ko-KR" altLang="en-US" sz="3600" dirty="0"/>
+              </a:p>
+            </p:txBody>
+          </p:sp>
+        </mc:Choice>
+        <mc:Fallback>
+          <p:sp>
+            <p:nvSpPr>
+              <p:cNvPr id="26" name="TextBox 25">
+                <a:extLst>
+                  <a:ext uri="{FF2B5EF4-FFF2-40B4-BE49-F238E27FC236}">
+                    <a16:creationId xmlns:a16="http://schemas.microsoft.com/office/drawing/2014/main" id="{771BB8E1-4277-4CBE-8D1C-30158CF9D0C6}"/>
+                  </a:ext>
+                </a:extLst>
+              </p:cNvPr>
+              <p:cNvSpPr txBox="1">
+                <a:spLocks noRot="1" noChangeAspect="1" noMove="1" noResize="1" noEditPoints="1" noAdjustHandles="1" noChangeArrowheads="1" noChangeShapeType="1" noTextEdit="1"/>
+              </p:cNvSpPr>
+              <p:nvPr/>
+            </p:nvSpPr>
+            <p:spPr>
+              <a:xfrm>
+                <a:off x="4314208" y="2240870"/>
+                <a:ext cx="515585" cy="646331"/>
+              </a:xfrm>
+              <a:prstGeom prst="rect">
+                <a:avLst/>
+              </a:prstGeom>
+              <a:blipFill>
+                <a:blip r:embed="rId10"/>
+                <a:stretch>
+                  <a:fillRect/>
+                </a:stretch>
+              </a:blipFill>
+            </p:spPr>
+            <p:txBody>
+              <a:bodyPr/>
+              <a:lstStyle/>
+              <a:p>
+                <a:r>
+                  <a:rPr lang="ko-KR" altLang="en-US">
+                    <a:noFill/>
+                  </a:rPr>
+                  <a:t> </a:t>
+                </a:r>
+              </a:p>
+            </p:txBody>
+          </p:sp>
+        </mc:Fallback>
+      </mc:AlternateContent>
+      <p:sp>
+        <p:nvSpPr>
+          <p:cNvPr id="30" name="화살표: 아래쪽 29">
+            <a:extLst>
+              <a:ext uri="{FF2B5EF4-FFF2-40B4-BE49-F238E27FC236}">
+                <a16:creationId xmlns:a16="http://schemas.microsoft.com/office/drawing/2014/main" id="{BD4CB5E3-37A7-44E4-84E9-B87BD8D8B134}"/>
+              </a:ext>
+            </a:extLst>
+          </p:cNvPr>
+          <p:cNvSpPr/>
+          <p:nvPr/>
+        </p:nvSpPr>
+        <p:spPr>
+          <a:xfrm>
+            <a:off x="4329684" y="3261668"/>
+            <a:ext cx="484632" cy="646331"/>
+          </a:xfrm>
+          <a:prstGeom prst="downArrow">
+            <a:avLst/>
+          </a:prstGeom>
+        </p:spPr>
+        <p:style>
+          <a:lnRef idx="2">
+            <a:schemeClr val="accent1">
+              <a:shade val="50000"/>
+            </a:schemeClr>
+          </a:lnRef>
+          <a:fillRef idx="1">
+            <a:schemeClr val="accent1"/>
+          </a:fillRef>
+          <a:effectRef idx="0">
+            <a:schemeClr val="accent1"/>
+          </a:effectRef>
+          <a:fontRef idx="minor">
+            <a:schemeClr val="lt1"/>
+          </a:fontRef>
+        </p:style>
+        <p:txBody>
+          <a:bodyPr rtlCol="0" anchor="ctr"/>
+          <a:lstStyle/>
+          <a:p>
+            <a:pPr algn="ctr"/>
+            <a:endParaRPr lang="ko-KR" altLang="en-US"/>
+          </a:p>
+        </p:txBody>
+      </p:sp>
+      <p:sp>
+        <p:nvSpPr>
+          <p:cNvPr id="31" name="TextBox 30">
+            <a:extLst>
+              <a:ext uri="{FF2B5EF4-FFF2-40B4-BE49-F238E27FC236}">
+                <a16:creationId xmlns:a16="http://schemas.microsoft.com/office/drawing/2014/main" id="{6305ECE1-4E7B-4A80-89DA-7975CA27CE5D}"/>
+              </a:ext>
+            </a:extLst>
+          </p:cNvPr>
+          <p:cNvSpPr txBox="1"/>
+          <p:nvPr/>
+        </p:nvSpPr>
+        <p:spPr>
+          <a:xfrm>
+            <a:off x="3149175" y="4030496"/>
+            <a:ext cx="2845651" cy="646331"/>
+          </a:xfrm>
+          <a:prstGeom prst="rect">
+            <a:avLst/>
+          </a:prstGeom>
+          <a:noFill/>
+        </p:spPr>
+        <p:txBody>
+          <a:bodyPr wrap="none" rtlCol="0">
+            <a:spAutoFit/>
+          </a:bodyPr>
+          <a:lstStyle/>
+          <a:p>
+            <a:pPr algn="ctr"/>
+            <a:r>
+              <a:rPr lang="ko-KR" altLang="en-US" dirty="0">
+                <a:latin typeface="마루 부리 Beta" panose="020B0600000101010101" pitchFamily="50" charset="-127"/>
+                <a:ea typeface="마루 부리 Beta" panose="020B0600000101010101" pitchFamily="50" charset="-127"/>
+              </a:rPr>
+              <a:t>신호의 </a:t>
+            </a:r>
+            <a:r>
+              <a:rPr lang="ko-KR" altLang="en-US">
+                <a:latin typeface="마루 부리 Beta" panose="020B0600000101010101" pitchFamily="50" charset="-127"/>
+                <a:ea typeface="마루 부리 Beta" panose="020B0600000101010101" pitchFamily="50" charset="-127"/>
+              </a:rPr>
+              <a:t>발산을 상쇄 해주어</a:t>
+            </a:r>
+            <a:endParaRPr lang="en-US" altLang="ko-KR" dirty="0">
+              <a:latin typeface="마루 부리 Beta" panose="020B0600000101010101" pitchFamily="50" charset="-127"/>
+              <a:ea typeface="마루 부리 Beta" panose="020B0600000101010101" pitchFamily="50" charset="-127"/>
+            </a:endParaRPr>
+          </a:p>
+          <a:p>
+            <a:pPr algn="ctr"/>
+            <a:r>
+              <a:rPr lang="ko-KR" altLang="en-US" dirty="0">
+                <a:latin typeface="마루 부리 Beta" panose="020B0600000101010101" pitchFamily="50" charset="-127"/>
+                <a:ea typeface="마루 부리 Beta" panose="020B0600000101010101" pitchFamily="50" charset="-127"/>
+              </a:rPr>
+              <a:t>푸리에 변환이 가능해짐</a:t>
+            </a:r>
+          </a:p>
+        </p:txBody>
+      </p:sp>
+      <p:grpSp>
+        <p:nvGrpSpPr>
+          <p:cNvPr id="37" name="그룹 36">
+            <a:extLst>
+              <a:ext uri="{FF2B5EF4-FFF2-40B4-BE49-F238E27FC236}">
+                <a16:creationId xmlns:a16="http://schemas.microsoft.com/office/drawing/2014/main" id="{E4333EBF-4D9C-4D97-81EA-1F1A2F3D613A}"/>
+              </a:ext>
+            </a:extLst>
+          </p:cNvPr>
+          <p:cNvGrpSpPr/>
+          <p:nvPr/>
+        </p:nvGrpSpPr>
+        <p:grpSpPr>
+          <a:xfrm>
+            <a:off x="1181100" y="4792658"/>
+            <a:ext cx="6781800" cy="1169770"/>
+            <a:chOff x="1347788" y="4792658"/>
+            <a:chExt cx="6781800" cy="1169770"/>
+          </a:xfrm>
+        </p:grpSpPr>
+        <p:pic>
+          <p:nvPicPr>
+            <p:cNvPr id="28" name="그림 27">
+              <a:extLst>
+                <a:ext uri="{FF2B5EF4-FFF2-40B4-BE49-F238E27FC236}">
+                  <a16:creationId xmlns:a16="http://schemas.microsoft.com/office/drawing/2014/main" id="{613995A0-DB42-4B88-A37E-9C8624AA8921}"/>
+                </a:ext>
+              </a:extLst>
+            </p:cNvPr>
+            <p:cNvPicPr>
+              <a:picLocks noChangeAspect="1"/>
+            </p:cNvPicPr>
+            <p:nvPr/>
+          </p:nvPicPr>
+          <p:blipFill>
+            <a:blip r:embed="rId11"/>
+            <a:stretch>
+              <a:fillRect/>
+            </a:stretch>
+          </p:blipFill>
+          <p:spPr>
+            <a:xfrm>
+              <a:off x="1347788" y="5272140"/>
+              <a:ext cx="6781800" cy="690288"/>
+            </a:xfrm>
+            <a:prstGeom prst="rect">
+              <a:avLst/>
+            </a:prstGeom>
+          </p:spPr>
+        </p:pic>
+        <mc:AlternateContent xmlns:mc="http://schemas.openxmlformats.org/markup-compatibility/2006">
+          <mc:Choice xmlns:a14="http://schemas.microsoft.com/office/drawing/2010/main" Requires="a14">
+            <p:sp>
+              <p:nvSpPr>
+                <p:cNvPr id="32" name="TextBox 31">
+                  <a:extLst>
+                    <a:ext uri="{FF2B5EF4-FFF2-40B4-BE49-F238E27FC236}">
+                      <a16:creationId xmlns:a16="http://schemas.microsoft.com/office/drawing/2014/main" id="{9F02F188-4377-4829-98E4-15FBA9E676AC}"/>
+                    </a:ext>
+                  </a:extLst>
+                </p:cNvPr>
+                <p:cNvSpPr txBox="1"/>
+                <p:nvPr/>
+              </p:nvSpPr>
+              <p:spPr>
+                <a:xfrm>
+                  <a:off x="4187992" y="4792658"/>
+                  <a:ext cx="1101392" cy="369332"/>
+                </a:xfrm>
+                <a:prstGeom prst="rect">
+                  <a:avLst/>
+                </a:prstGeom>
+                <a:noFill/>
+              </p:spPr>
+              <p:txBody>
+                <a:bodyPr wrap="none" rtlCol="0">
+                  <a:spAutoFit/>
+                </a:bodyPr>
+                <a:lstStyle/>
+                <a:p>
+                  <a:pPr/>
+                  <a14:m>
+                    <m:oMathPara xmlns:m="http://schemas.openxmlformats.org/officeDocument/2006/math">
+                      <m:oMathParaPr>
+                        <m:jc m:val="center"/>
+                      </m:oMathParaPr>
+                      <m:oMath xmlns:m="http://schemas.openxmlformats.org/officeDocument/2006/math">
+                        <m:r>
+                          <a:rPr lang="en-US" altLang="ko-KR" b="0" i="1" smtClean="0">
+                            <a:latin typeface="Cambria Math" panose="02040503050406030204" pitchFamily="18" charset="0"/>
+                          </a:rPr>
+                          <m:t>𝑥</m:t>
+                        </m:r>
+                        <m:d>
+                          <m:dPr>
+                            <m:ctrlPr>
+                              <a:rPr lang="en-US" altLang="ko-KR" b="0" i="1" smtClean="0">
+                                <a:latin typeface="Cambria Math" panose="02040503050406030204" pitchFamily="18" charset="0"/>
+                              </a:rPr>
+                            </m:ctrlPr>
+                          </m:dPr>
+                          <m:e>
+                            <m:r>
+                              <a:rPr lang="en-US" altLang="ko-KR" b="0" i="1" smtClean="0">
+                                <a:latin typeface="Cambria Math" panose="02040503050406030204" pitchFamily="18" charset="0"/>
+                              </a:rPr>
+                              <m:t>𝑡</m:t>
+                            </m:r>
+                          </m:e>
+                        </m:d>
+                        <m:sSup>
+                          <m:sSupPr>
+                            <m:ctrlPr>
+                              <a:rPr lang="en-US" altLang="ko-KR" b="0" i="1" smtClean="0">
+                                <a:latin typeface="Cambria Math" panose="02040503050406030204" pitchFamily="18" charset="0"/>
+                              </a:rPr>
+                            </m:ctrlPr>
+                          </m:sSupPr>
+                          <m:e>
+                            <m:r>
+                              <a:rPr lang="en-US" altLang="ko-KR" b="0" i="1" smtClean="0">
+                                <a:latin typeface="Cambria Math" panose="02040503050406030204" pitchFamily="18" charset="0"/>
+                              </a:rPr>
+                              <m:t>𝑒</m:t>
+                            </m:r>
+                          </m:e>
+                          <m:sup>
+                            <m:r>
+                              <a:rPr lang="en-US" altLang="ko-KR" b="0" i="1" smtClean="0">
+                                <a:latin typeface="Cambria Math" panose="02040503050406030204" pitchFamily="18" charset="0"/>
+                              </a:rPr>
+                              <m:t>−</m:t>
+                            </m:r>
+                            <m:r>
+                              <a:rPr lang="en-US" altLang="ko-KR" b="0" i="1" smtClean="0">
+                                <a:latin typeface="Cambria Math" panose="02040503050406030204" pitchFamily="18" charset="0"/>
+                              </a:rPr>
+                              <m:t>𝜎</m:t>
+                            </m:r>
+                            <m:r>
+                              <a:rPr lang="en-US" altLang="ko-KR" b="0" i="1" smtClean="0">
+                                <a:latin typeface="Cambria Math" panose="02040503050406030204" pitchFamily="18" charset="0"/>
+                              </a:rPr>
+                              <m:t>𝑡</m:t>
+                            </m:r>
+                          </m:sup>
+                        </m:sSup>
+                      </m:oMath>
+                    </m:oMathPara>
+                  </a14:m>
+                  <a:endParaRPr lang="ko-KR" altLang="en-US" dirty="0"/>
+                </a:p>
+              </p:txBody>
+            </p:sp>
+          </mc:Choice>
+          <mc:Fallback>
+            <p:sp>
+              <p:nvSpPr>
+                <p:cNvPr id="32" name="TextBox 31">
+                  <a:extLst>
+                    <a:ext uri="{FF2B5EF4-FFF2-40B4-BE49-F238E27FC236}">
+                      <a16:creationId xmlns:a16="http://schemas.microsoft.com/office/drawing/2014/main" id="{9F02F188-4377-4829-98E4-15FBA9E676AC}"/>
+                    </a:ext>
+                  </a:extLst>
+                </p:cNvPr>
+                <p:cNvSpPr txBox="1">
+                  <a:spLocks noRot="1" noChangeAspect="1" noMove="1" noResize="1" noEditPoints="1" noAdjustHandles="1" noChangeArrowheads="1" noChangeShapeType="1" noTextEdit="1"/>
+                </p:cNvSpPr>
+                <p:nvPr/>
+              </p:nvSpPr>
+              <p:spPr>
+                <a:xfrm>
+                  <a:off x="4187992" y="4792658"/>
+                  <a:ext cx="1101392" cy="369332"/>
+                </a:xfrm>
+                <a:prstGeom prst="rect">
+                  <a:avLst/>
+                </a:prstGeom>
+                <a:blipFill>
+                  <a:blip r:embed="rId12"/>
+                  <a:stretch>
+                    <a:fillRect/>
+                  </a:stretch>
+                </a:blipFill>
+              </p:spPr>
+              <p:txBody>
+                <a:bodyPr/>
+                <a:lstStyle/>
+                <a:p>
+                  <a:r>
+                    <a:rPr lang="ko-KR" altLang="en-US">
+                      <a:noFill/>
+                    </a:rPr>
+                    <a:t> </a:t>
+                  </a:r>
+                </a:p>
+              </p:txBody>
+            </p:sp>
+          </mc:Fallback>
+        </mc:AlternateContent>
+      </p:grpSp>
+      <p:sp>
+        <p:nvSpPr>
+          <p:cNvPr id="34" name="TextBox 33">
+            <a:extLst>
+              <a:ext uri="{FF2B5EF4-FFF2-40B4-BE49-F238E27FC236}">
+                <a16:creationId xmlns:a16="http://schemas.microsoft.com/office/drawing/2014/main" id="{847ECE3F-2109-489B-A50F-5AD699B29C1D}"/>
+              </a:ext>
+            </a:extLst>
+          </p:cNvPr>
+          <p:cNvSpPr txBox="1"/>
+          <p:nvPr/>
+        </p:nvSpPr>
+        <p:spPr>
+          <a:xfrm>
+            <a:off x="1052447" y="394235"/>
+            <a:ext cx="7039106" cy="461665"/>
+          </a:xfrm>
+          <a:prstGeom prst="rect">
+            <a:avLst/>
+          </a:prstGeom>
+          <a:solidFill>
+            <a:schemeClr val="accent4">
+              <a:lumMod val="40000"/>
+              <a:lumOff val="60000"/>
+            </a:schemeClr>
+          </a:solidFill>
+        </p:spPr>
+        <p:txBody>
+          <a:bodyPr wrap="none" rtlCol="0">
+            <a:spAutoFit/>
+          </a:bodyPr>
+          <a:lstStyle/>
+          <a:p>
+            <a:pPr algn="ctr"/>
+            <a:r>
+              <a:rPr lang="ko-KR" altLang="en-US" sz="2400" b="1" dirty="0">
+                <a:latin typeface="마루 부리 Beta" panose="020B0600000101010101" pitchFamily="50" charset="-127"/>
+                <a:ea typeface="마루 부리 Beta" panose="020B0600000101010101" pitchFamily="50" charset="-127"/>
+              </a:rPr>
+              <a:t>라플라스 변환의 핵심 아이디어</a:t>
+            </a:r>
+            <a:r>
+              <a:rPr lang="en-US" altLang="ko-KR" sz="2400" b="1" dirty="0">
+                <a:latin typeface="마루 부리 Beta" panose="020B0600000101010101" pitchFamily="50" charset="-127"/>
+                <a:ea typeface="마루 부리 Beta" panose="020B0600000101010101" pitchFamily="50" charset="-127"/>
+              </a:rPr>
+              <a:t>: </a:t>
+            </a:r>
+            <a:r>
+              <a:rPr lang="ko-KR" altLang="en-US" sz="2400" b="1" dirty="0">
+                <a:latin typeface="마루 부리 Beta" panose="020B0600000101010101" pitchFamily="50" charset="-127"/>
+                <a:ea typeface="마루 부리 Beta" panose="020B0600000101010101" pitchFamily="50" charset="-127"/>
+              </a:rPr>
+              <a:t>신호의 발산을 상쇄</a:t>
+            </a:r>
+          </a:p>
+        </p:txBody>
+      </p:sp>
+    </p:spTree>
+    <p:extLst>
+      <p:ext uri="{BB962C8B-B14F-4D97-AF65-F5344CB8AC3E}">
+        <p14:creationId xmlns:p14="http://schemas.microsoft.com/office/powerpoint/2010/main" val="3089864758"/>
+      </p:ext>
+    </p:extLst>
+  </p:cSld>
+  <p:clrMapOvr>
+    <a:masterClrMapping/>
+  </p:clrMapOvr>
+</p:sld>
+</file>
+
+<file path=ppt/slides/slide4.xml><?xml version="1.0" encoding="utf-8"?>
+<p:sld xmlns:a="http://schemas.openxmlformats.org/drawingml/2006/main" xmlns:r="http://schemas.openxmlformats.org/officeDocument/2006/relationships" xmlns:p="http://schemas.openxmlformats.org/presentationml/2006/main">
+  <p:cSld>
+    <p:spTree>
+      <p:nvGrpSpPr>
+        <p:cNvPr id="1" name=""/>
+        <p:cNvGrpSpPr/>
+        <p:nvPr/>
+      </p:nvGrpSpPr>
+      <p:grpSpPr>
+        <a:xfrm>
+          <a:off x="0" y="0"/>
+          <a:ext cx="0" cy="0"/>
+          <a:chOff x="0" y="0"/>
+          <a:chExt cx="0" cy="0"/>
+        </a:xfrm>
+      </p:grpSpPr>
+      <p:grpSp>
+        <p:nvGrpSpPr>
+          <p:cNvPr id="4" name="그룹 3">
+            <a:extLst>
+              <a:ext uri="{FF2B5EF4-FFF2-40B4-BE49-F238E27FC236}">
+                <a16:creationId xmlns:a16="http://schemas.microsoft.com/office/drawing/2014/main" id="{114A2BAE-1155-4244-82EE-1BEEAAD13D35}"/>
+              </a:ext>
+            </a:extLst>
+          </p:cNvPr>
+          <p:cNvGrpSpPr/>
+          <p:nvPr/>
+        </p:nvGrpSpPr>
+        <p:grpSpPr>
+          <a:xfrm>
+            <a:off x="2252663" y="0"/>
+            <a:ext cx="3885058" cy="2847642"/>
+            <a:chOff x="166688" y="1067023"/>
+            <a:chExt cx="3885058" cy="2847642"/>
+          </a:xfrm>
+        </p:grpSpPr>
+        <p:pic>
+          <p:nvPicPr>
+            <p:cNvPr id="5" name="그림 4">
+              <a:extLst>
+                <a:ext uri="{FF2B5EF4-FFF2-40B4-BE49-F238E27FC236}">
+                  <a16:creationId xmlns:a16="http://schemas.microsoft.com/office/drawing/2014/main" id="{4CF0B187-8B1C-4D96-8A17-BEF7E98B1BBE}"/>
+                </a:ext>
+              </a:extLst>
+            </p:cNvPr>
+            <p:cNvPicPr>
+              <a:picLocks noChangeAspect="1"/>
+            </p:cNvPicPr>
+            <p:nvPr/>
+          </p:nvPicPr>
+          <p:blipFill>
+            <a:blip r:embed="rId2"/>
+            <a:stretch>
+              <a:fillRect/>
+            </a:stretch>
+          </p:blipFill>
+          <p:spPr>
+            <a:xfrm>
+              <a:off x="166688" y="1067023"/>
+              <a:ext cx="3796857" cy="2847642"/>
+            </a:xfrm>
+            <a:prstGeom prst="rect">
+              <a:avLst/>
+            </a:prstGeom>
+          </p:spPr>
+        </p:pic>
+        <p:cxnSp>
+          <p:nvCxnSpPr>
+            <p:cNvPr id="6" name="직선 화살표 연결선 5">
+              <a:extLst>
+                <a:ext uri="{FF2B5EF4-FFF2-40B4-BE49-F238E27FC236}">
+                  <a16:creationId xmlns:a16="http://schemas.microsoft.com/office/drawing/2014/main" id="{1829591A-4CAC-47C9-978F-AA74CAFFE3D1}"/>
+                </a:ext>
+              </a:extLst>
+            </p:cNvPr>
+            <p:cNvCxnSpPr>
+              <a:cxnSpLocks/>
+            </p:cNvCxnSpPr>
+            <p:nvPr/>
+          </p:nvCxnSpPr>
+          <p:spPr>
+            <a:xfrm>
+              <a:off x="591043" y="2570610"/>
+              <a:ext cx="3420361" cy="0"/>
+            </a:xfrm>
+            <a:prstGeom prst="straightConnector1">
+              <a:avLst/>
+            </a:prstGeom>
+            <a:ln w="38100">
+              <a:solidFill>
+                <a:schemeClr val="tx1"/>
+              </a:solidFill>
+              <a:tailEnd type="triangle"/>
+            </a:ln>
+          </p:spPr>
+          <p:style>
+            <a:lnRef idx="1">
+              <a:schemeClr val="accent1"/>
+            </a:lnRef>
+            <a:fillRef idx="0">
+              <a:schemeClr val="accent1"/>
+            </a:fillRef>
+            <a:effectRef idx="0">
+              <a:schemeClr val="accent1"/>
+            </a:effectRef>
+            <a:fontRef idx="minor">
+              <a:schemeClr val="tx1"/>
+            </a:fontRef>
+          </p:style>
+        </p:cxnSp>
+        <mc:AlternateContent xmlns:mc="http://schemas.openxmlformats.org/markup-compatibility/2006">
+          <mc:Choice xmlns:a14="http://schemas.microsoft.com/office/drawing/2010/main" Requires="a14">
+            <p:sp>
+              <p:nvSpPr>
+                <p:cNvPr id="7" name="TextBox 6">
+                  <a:extLst>
+                    <a:ext uri="{FF2B5EF4-FFF2-40B4-BE49-F238E27FC236}">
+                      <a16:creationId xmlns:a16="http://schemas.microsoft.com/office/drawing/2014/main" id="{F4BC21A2-CE56-4ECB-A95E-DC82BDFFF4F9}"/>
+                    </a:ext>
+                  </a:extLst>
+                </p:cNvPr>
+                <p:cNvSpPr txBox="1"/>
+                <p:nvPr/>
+              </p:nvSpPr>
+              <p:spPr>
+                <a:xfrm>
+                  <a:off x="3813585" y="2145621"/>
+                  <a:ext cx="238161" cy="262899"/>
+                </a:xfrm>
+                <a:prstGeom prst="rect">
+                  <a:avLst/>
+                </a:prstGeom>
+                <a:noFill/>
+              </p:spPr>
+              <p:txBody>
+                <a:bodyPr wrap="none" rtlCol="0">
+                  <a:spAutoFit/>
+                </a:bodyPr>
+                <a:lstStyle/>
+                <a:p>
+                  <a:pPr/>
+                  <a14:m>
+                    <m:oMathPara xmlns:m="http://schemas.openxmlformats.org/officeDocument/2006/math">
+                      <m:oMathParaPr>
+                        <m:jc m:val="centerGroup"/>
+                      </m:oMathParaPr>
+                      <m:oMath xmlns:m="http://schemas.openxmlformats.org/officeDocument/2006/math">
+                        <m:r>
+                          <a:rPr lang="en-US" altLang="ko-KR" b="0" i="1" smtClean="0">
+                            <a:latin typeface="Cambria Math" panose="02040503050406030204" pitchFamily="18" charset="0"/>
+                          </a:rPr>
+                          <m:t>𝑡</m:t>
+                        </m:r>
+                      </m:oMath>
+                    </m:oMathPara>
+                  </a14:m>
+                  <a:endParaRPr lang="ko-KR" altLang="en-US" dirty="0"/>
+                </a:p>
+              </p:txBody>
+            </p:sp>
+          </mc:Choice>
+          <mc:Fallback>
+            <p:sp>
+              <p:nvSpPr>
+                <p:cNvPr id="7" name="TextBox 6">
+                  <a:extLst>
+                    <a:ext uri="{FF2B5EF4-FFF2-40B4-BE49-F238E27FC236}">
+                      <a16:creationId xmlns:a16="http://schemas.microsoft.com/office/drawing/2014/main" id="{F4BC21A2-CE56-4ECB-A95E-DC82BDFFF4F9}"/>
+                    </a:ext>
+                  </a:extLst>
+                </p:cNvPr>
+                <p:cNvSpPr txBox="1">
+                  <a:spLocks noRot="1" noChangeAspect="1" noMove="1" noResize="1" noEditPoints="1" noAdjustHandles="1" noChangeArrowheads="1" noChangeShapeType="1" noTextEdit="1"/>
+                </p:cNvSpPr>
+                <p:nvPr/>
+              </p:nvSpPr>
+              <p:spPr>
+                <a:xfrm>
+                  <a:off x="3813585" y="2145621"/>
+                  <a:ext cx="238161" cy="262899"/>
+                </a:xfrm>
+                <a:prstGeom prst="rect">
+                  <a:avLst/>
+                </a:prstGeom>
+                <a:blipFill>
+                  <a:blip r:embed="rId3"/>
+                  <a:stretch>
+                    <a:fillRect r="-7692" b="-27907"/>
+                  </a:stretch>
+                </a:blipFill>
+              </p:spPr>
+              <p:txBody>
+                <a:bodyPr/>
+                <a:lstStyle/>
+                <a:p>
+                  <a:r>
+                    <a:rPr lang="ko-KR" altLang="en-US">
+                      <a:noFill/>
+                    </a:rPr>
+                    <a:t> </a:t>
+                  </a:r>
+                </a:p>
+              </p:txBody>
+            </p:sp>
+          </mc:Fallback>
+        </mc:AlternateContent>
+        <mc:AlternateContent xmlns:mc="http://schemas.openxmlformats.org/markup-compatibility/2006">
+          <mc:Choice xmlns:a14="http://schemas.microsoft.com/office/drawing/2010/main" Requires="a14">
+            <p:sp>
+              <p:nvSpPr>
+                <p:cNvPr id="8" name="TextBox 7">
+                  <a:extLst>
+                    <a:ext uri="{FF2B5EF4-FFF2-40B4-BE49-F238E27FC236}">
+                      <a16:creationId xmlns:a16="http://schemas.microsoft.com/office/drawing/2014/main" id="{67CC2C7C-4CE0-451E-AFC5-5FDD664B7CD4}"/>
+                    </a:ext>
+                  </a:extLst>
+                </p:cNvPr>
+                <p:cNvSpPr txBox="1"/>
+                <p:nvPr/>
+              </p:nvSpPr>
+              <p:spPr>
+                <a:xfrm>
+                  <a:off x="1292982" y="2601250"/>
+                  <a:ext cx="260388" cy="262899"/>
+                </a:xfrm>
+                <a:prstGeom prst="rect">
+                  <a:avLst/>
+                </a:prstGeom>
+                <a:noFill/>
+              </p:spPr>
+              <p:txBody>
+                <a:bodyPr wrap="none" rtlCol="0">
+                  <a:spAutoFit/>
+                </a:bodyPr>
+                <a:lstStyle/>
+                <a:p>
+                  <a:pPr/>
+                  <a14:m>
+                    <m:oMathPara xmlns:m="http://schemas.openxmlformats.org/officeDocument/2006/math">
+                      <m:oMathParaPr>
+                        <m:jc m:val="centerGroup"/>
+                      </m:oMathParaPr>
+                      <m:oMath xmlns:m="http://schemas.openxmlformats.org/officeDocument/2006/math">
+                        <m:r>
+                          <a:rPr lang="en-US" altLang="ko-KR" b="0" i="1" smtClean="0">
+                            <a:latin typeface="Cambria Math" panose="02040503050406030204" pitchFamily="18" charset="0"/>
+                          </a:rPr>
+                          <m:t>0</m:t>
+                        </m:r>
+                      </m:oMath>
+                    </m:oMathPara>
+                  </a14:m>
+                  <a:endParaRPr lang="ko-KR" altLang="en-US" dirty="0"/>
+                </a:p>
+              </p:txBody>
+            </p:sp>
+          </mc:Choice>
+          <mc:Fallback>
+            <p:sp>
+              <p:nvSpPr>
+                <p:cNvPr id="8" name="TextBox 7">
+                  <a:extLst>
+                    <a:ext uri="{FF2B5EF4-FFF2-40B4-BE49-F238E27FC236}">
+                      <a16:creationId xmlns:a16="http://schemas.microsoft.com/office/drawing/2014/main" id="{67CC2C7C-4CE0-451E-AFC5-5FDD664B7CD4}"/>
+                    </a:ext>
+                  </a:extLst>
+                </p:cNvPr>
+                <p:cNvSpPr txBox="1">
+                  <a:spLocks noRot="1" noChangeAspect="1" noMove="1" noResize="1" noEditPoints="1" noAdjustHandles="1" noChangeArrowheads="1" noChangeShapeType="1" noTextEdit="1"/>
+                </p:cNvSpPr>
+                <p:nvPr/>
+              </p:nvSpPr>
+              <p:spPr>
+                <a:xfrm>
+                  <a:off x="1292982" y="2601250"/>
+                  <a:ext cx="260388" cy="262899"/>
+                </a:xfrm>
+                <a:prstGeom prst="rect">
+                  <a:avLst/>
+                </a:prstGeom>
+                <a:blipFill>
+                  <a:blip r:embed="rId4"/>
+                  <a:stretch>
+                    <a:fillRect r="-16279" b="-30233"/>
+                  </a:stretch>
+                </a:blipFill>
+              </p:spPr>
+              <p:txBody>
+                <a:bodyPr/>
+                <a:lstStyle/>
+                <a:p>
+                  <a:r>
+                    <a:rPr lang="ko-KR" altLang="en-US">
+                      <a:noFill/>
+                    </a:rPr>
+                    <a:t> </a:t>
+                  </a:r>
+                </a:p>
+              </p:txBody>
+            </p:sp>
+          </mc:Fallback>
+        </mc:AlternateContent>
+        <mc:AlternateContent xmlns:mc="http://schemas.openxmlformats.org/markup-compatibility/2006">
+          <mc:Choice xmlns:a14="http://schemas.microsoft.com/office/drawing/2010/main" Requires="a14">
+            <p:sp>
+              <p:nvSpPr>
+                <p:cNvPr id="9" name="TextBox 8">
+                  <a:extLst>
+                    <a:ext uri="{FF2B5EF4-FFF2-40B4-BE49-F238E27FC236}">
+                      <a16:creationId xmlns:a16="http://schemas.microsoft.com/office/drawing/2014/main" id="{BEC784C3-78A3-4A08-90E3-EF9D69DA1606}"/>
+                    </a:ext>
+                  </a:extLst>
+                </p:cNvPr>
+                <p:cNvSpPr txBox="1"/>
+                <p:nvPr/>
+              </p:nvSpPr>
+              <p:spPr>
+                <a:xfrm>
+                  <a:off x="1013602" y="1342074"/>
+                  <a:ext cx="2518766" cy="369332"/>
+                </a:xfrm>
+                <a:prstGeom prst="rect">
+                  <a:avLst/>
+                </a:prstGeom>
+                <a:noFill/>
+              </p:spPr>
+              <p:txBody>
+                <a:bodyPr wrap="none" rtlCol="0">
+                  <a:spAutoFit/>
+                </a:bodyPr>
+                <a:lstStyle/>
+                <a:p>
+                  <a:pPr/>
+                  <a14:m>
+                    <m:oMathPara xmlns:m="http://schemas.openxmlformats.org/officeDocument/2006/math">
+                      <m:oMathParaPr>
+                        <m:jc m:val="center"/>
+                      </m:oMathParaPr>
+                      <m:oMath xmlns:m="http://schemas.openxmlformats.org/officeDocument/2006/math">
+                        <m:r>
+                          <a:rPr lang="en-US" altLang="ko-KR" b="0" i="1" smtClean="0">
+                            <a:latin typeface="Cambria Math" panose="02040503050406030204" pitchFamily="18" charset="0"/>
+                          </a:rPr>
+                          <m:t>𝑥</m:t>
+                        </m:r>
+                        <m:d>
+                          <m:dPr>
+                            <m:ctrlPr>
+                              <a:rPr lang="en-US" altLang="ko-KR" b="0" i="1" smtClean="0">
+                                <a:latin typeface="Cambria Math" panose="02040503050406030204" pitchFamily="18" charset="0"/>
+                              </a:rPr>
+                            </m:ctrlPr>
+                          </m:dPr>
+                          <m:e>
+                            <m:r>
+                              <a:rPr lang="en-US" altLang="ko-KR" b="0" i="1" smtClean="0">
+                                <a:latin typeface="Cambria Math" panose="02040503050406030204" pitchFamily="18" charset="0"/>
+                              </a:rPr>
+                              <m:t>𝑡</m:t>
+                            </m:r>
+                          </m:e>
+                        </m:d>
+                        <m:r>
+                          <a:rPr lang="en-US" altLang="ko-KR" b="0" i="1" smtClean="0">
+                            <a:latin typeface="Cambria Math" panose="02040503050406030204" pitchFamily="18" charset="0"/>
+                          </a:rPr>
+                          <m:t>=</m:t>
+                        </m:r>
+                        <m:sSup>
+                          <m:sSupPr>
+                            <m:ctrlPr>
+                              <a:rPr lang="en-US" altLang="ko-KR" b="0" i="1" smtClean="0">
+                                <a:latin typeface="Cambria Math" panose="02040503050406030204" pitchFamily="18" charset="0"/>
+                              </a:rPr>
+                            </m:ctrlPr>
+                          </m:sSupPr>
+                          <m:e>
+                            <m:r>
+                              <a:rPr lang="en-US" altLang="ko-KR" b="0" i="1" smtClean="0">
+                                <a:latin typeface="Cambria Math" panose="02040503050406030204" pitchFamily="18" charset="0"/>
+                              </a:rPr>
+                              <m:t>𝑒</m:t>
+                            </m:r>
+                          </m:e>
+                          <m:sup>
+                            <m:r>
+                              <a:rPr lang="en-US" altLang="ko-KR" b="0" i="1" smtClean="0">
+                                <a:latin typeface="Cambria Math" panose="02040503050406030204" pitchFamily="18" charset="0"/>
+                              </a:rPr>
+                              <m:t>𝑎𝑡</m:t>
+                            </m:r>
+                          </m:sup>
+                        </m:sSup>
+                        <m:func>
+                          <m:funcPr>
+                            <m:ctrlPr>
+                              <a:rPr lang="en-US" altLang="ko-KR" b="0" i="1" smtClean="0">
+                                <a:latin typeface="Cambria Math" panose="02040503050406030204" pitchFamily="18" charset="0"/>
+                              </a:rPr>
+                            </m:ctrlPr>
+                          </m:funcPr>
+                          <m:fName>
+                            <m:r>
+                              <m:rPr>
+                                <m:sty m:val="p"/>
+                              </m:rPr>
+                              <a:rPr lang="en-US" altLang="ko-KR" b="0" i="0" smtClean="0">
+                                <a:latin typeface="Cambria Math" panose="02040503050406030204" pitchFamily="18" charset="0"/>
+                              </a:rPr>
+                              <m:t>cos</m:t>
+                            </m:r>
+                          </m:fName>
+                          <m:e>
+                            <m:d>
+                              <m:dPr>
+                                <m:ctrlPr>
+                                  <a:rPr lang="en-US" altLang="ko-KR" b="0" i="1" smtClean="0">
+                                    <a:latin typeface="Cambria Math" panose="02040503050406030204" pitchFamily="18" charset="0"/>
+                                  </a:rPr>
+                                </m:ctrlPr>
+                              </m:dPr>
+                              <m:e>
+                                <m:r>
+                                  <a:rPr lang="en-US" altLang="ko-KR" b="0" i="1" smtClean="0">
+                                    <a:latin typeface="Cambria Math" panose="02040503050406030204" pitchFamily="18" charset="0"/>
+                                  </a:rPr>
+                                  <m:t>𝑏𝑡</m:t>
+                                </m:r>
+                              </m:e>
+                            </m:d>
+                          </m:e>
+                        </m:func>
+                        <m:r>
+                          <a:rPr lang="en-US" altLang="ko-KR" b="0" i="1" smtClean="0">
+                            <a:latin typeface="Cambria Math" panose="02040503050406030204" pitchFamily="18" charset="0"/>
+                          </a:rPr>
+                          <m:t>𝑢</m:t>
+                        </m:r>
+                        <m:r>
+                          <a:rPr lang="en-US" altLang="ko-KR" b="0" i="1" smtClean="0">
+                            <a:latin typeface="Cambria Math" panose="02040503050406030204" pitchFamily="18" charset="0"/>
+                          </a:rPr>
+                          <m:t>(</m:t>
+                        </m:r>
+                        <m:r>
+                          <a:rPr lang="en-US" altLang="ko-KR" b="0" i="1" smtClean="0">
+                            <a:latin typeface="Cambria Math" panose="02040503050406030204" pitchFamily="18" charset="0"/>
+                          </a:rPr>
+                          <m:t>𝑡</m:t>
+                        </m:r>
+                        <m:r>
+                          <a:rPr lang="en-US" altLang="ko-KR" b="0" i="1" smtClean="0">
+                            <a:latin typeface="Cambria Math" panose="02040503050406030204" pitchFamily="18" charset="0"/>
+                          </a:rPr>
+                          <m:t>)</m:t>
+                        </m:r>
+                      </m:oMath>
+                    </m:oMathPara>
+                  </a14:m>
+                  <a:endParaRPr lang="ko-KR" altLang="en-US" dirty="0"/>
+                </a:p>
+              </p:txBody>
+            </p:sp>
+          </mc:Choice>
+          <mc:Fallback>
+            <p:sp>
+              <p:nvSpPr>
+                <p:cNvPr id="9" name="TextBox 8">
+                  <a:extLst>
+                    <a:ext uri="{FF2B5EF4-FFF2-40B4-BE49-F238E27FC236}">
+                      <a16:creationId xmlns:a16="http://schemas.microsoft.com/office/drawing/2014/main" id="{BEC784C3-78A3-4A08-90E3-EF9D69DA1606}"/>
+                    </a:ext>
+                  </a:extLst>
+                </p:cNvPr>
+                <p:cNvSpPr txBox="1">
+                  <a:spLocks noRot="1" noChangeAspect="1" noMove="1" noResize="1" noEditPoints="1" noAdjustHandles="1" noChangeArrowheads="1" noChangeShapeType="1" noTextEdit="1"/>
+                </p:cNvSpPr>
+                <p:nvPr/>
+              </p:nvSpPr>
+              <p:spPr>
+                <a:xfrm>
+                  <a:off x="1013602" y="1342074"/>
+                  <a:ext cx="2518766" cy="369332"/>
+                </a:xfrm>
+                <a:prstGeom prst="rect">
+                  <a:avLst/>
+                </a:prstGeom>
+                <a:blipFill>
+                  <a:blip r:embed="rId5"/>
+                  <a:stretch>
+                    <a:fillRect b="-13115"/>
+                  </a:stretch>
+                </a:blipFill>
+              </p:spPr>
+              <p:txBody>
+                <a:bodyPr/>
+                <a:lstStyle/>
+                <a:p>
+                  <a:r>
+                    <a:rPr lang="ko-KR" altLang="en-US">
+                      <a:noFill/>
+                    </a:rPr>
+                    <a:t> </a:t>
+                  </a:r>
+                </a:p>
+              </p:txBody>
+            </p:sp>
+          </mc:Fallback>
+        </mc:AlternateContent>
+      </p:grpSp>
+    </p:spTree>
+    <p:extLst>
+      <p:ext uri="{BB962C8B-B14F-4D97-AF65-F5344CB8AC3E}">
+        <p14:creationId xmlns:p14="http://schemas.microsoft.com/office/powerpoint/2010/main" val="473825962"/>
+      </p:ext>
+    </p:extLst>
+  </p:cSld>
+  <p:clrMapOvr>
+    <a:masterClrMapping/>
+  </p:clrMapOvr>
+</p:sld>
+</file>
+
+<file path=ppt/slides/slide5.xml><?xml version="1.0" encoding="utf-8"?>
 <p:sld xmlns:a="http://schemas.openxmlformats.org/drawingml/2006/main" xmlns:r="http://schemas.openxmlformats.org/officeDocument/2006/relationships" xmlns:p="http://schemas.openxmlformats.org/presentationml/2006/main">
   <p:cSld>
     <p:spTree>
@@ -10281,7 +12657,7 @@
 </p:sld>
 </file>
 
-<file path=ppt/slides/slide4.xml><?xml version="1.0" encoding="utf-8"?>
+<file path=ppt/slides/slide6.xml><?xml version="1.0" encoding="utf-8"?>
 <p:sld xmlns:a="http://schemas.openxmlformats.org/drawingml/2006/main" xmlns:r="http://schemas.openxmlformats.org/officeDocument/2006/relationships" xmlns:p="http://schemas.openxmlformats.org/presentationml/2006/main">
   <p:cSld>
     <p:spTree>
@@ -12321,7 +14697,7 @@
 </p:sld>
 </file>
 
-<file path=ppt/slides/slide5.xml><?xml version="1.0" encoding="utf-8"?>
+<file path=ppt/slides/slide7.xml><?xml version="1.0" encoding="utf-8"?>
 <p:sld xmlns:a="http://schemas.openxmlformats.org/drawingml/2006/main" xmlns:r="http://schemas.openxmlformats.org/officeDocument/2006/relationships" xmlns:p="http://schemas.openxmlformats.org/presentationml/2006/main">
   <p:cSld>
     <p:spTree>
@@ -12381,7 +14757,7 @@
 </p:sld>
 </file>
 
-<file path=ppt/slides/slide6.xml><?xml version="1.0" encoding="utf-8"?>
+<file path=ppt/slides/slide8.xml><?xml version="1.0" encoding="utf-8"?>
 <p:sld xmlns:a="http://schemas.openxmlformats.org/drawingml/2006/main" xmlns:r="http://schemas.openxmlformats.org/officeDocument/2006/relationships" xmlns:p="http://schemas.openxmlformats.org/presentationml/2006/main">
   <p:cSld>
     <p:spTree>
@@ -13645,7 +16021,7 @@
 </p:sld>
 </file>
 
-<file path=ppt/slides/slide7.xml><?xml version="1.0" encoding="utf-8"?>
+<file path=ppt/slides/slide9.xml><?xml version="1.0" encoding="utf-8"?>
 <p:sld xmlns:a="http://schemas.openxmlformats.org/drawingml/2006/main" xmlns:r="http://schemas.openxmlformats.org/officeDocument/2006/relationships" xmlns:p="http://schemas.openxmlformats.org/presentationml/2006/main">
   <p:cSld>
     <p:spTree>
@@ -13696,66 +16072,6 @@
     <p:extLst>
       <p:ext uri="{BB962C8B-B14F-4D97-AF65-F5344CB8AC3E}">
         <p14:creationId xmlns:p14="http://schemas.microsoft.com/office/powerpoint/2010/main" val="3140058278"/>
-      </p:ext>
-    </p:extLst>
-  </p:cSld>
-  <p:clrMapOvr>
-    <a:masterClrMapping/>
-  </p:clrMapOvr>
-</p:sld>
-</file>
-
-<file path=ppt/slides/slide8.xml><?xml version="1.0" encoding="utf-8"?>
-<p:sld xmlns:a="http://schemas.openxmlformats.org/drawingml/2006/main" xmlns:r="http://schemas.openxmlformats.org/officeDocument/2006/relationships" xmlns:p="http://schemas.openxmlformats.org/presentationml/2006/main">
-  <p:cSld>
-    <p:spTree>
-      <p:nvGrpSpPr>
-        <p:cNvPr id="1" name=""/>
-        <p:cNvGrpSpPr/>
-        <p:nvPr/>
-      </p:nvGrpSpPr>
-      <p:grpSpPr>
-        <a:xfrm>
-          <a:off x="0" y="0"/>
-          <a:ext cx="0" cy="0"/>
-          <a:chOff x="0" y="0"/>
-          <a:chExt cx="0" cy="0"/>
-        </a:xfrm>
-      </p:grpSpPr>
-      <p:pic>
-        <p:nvPicPr>
-          <p:cNvPr id="5" name="그림 4">
-            <a:extLst>
-              <a:ext uri="{FF2B5EF4-FFF2-40B4-BE49-F238E27FC236}">
-                <a16:creationId xmlns:a16="http://schemas.microsoft.com/office/drawing/2014/main" id="{ABD7862C-558E-4E68-9777-6B98A6DE8288}"/>
-              </a:ext>
-            </a:extLst>
-          </p:cNvPr>
-          <p:cNvPicPr>
-            <a:picLocks noChangeAspect="1"/>
-          </p:cNvPicPr>
-          <p:nvPr/>
-        </p:nvPicPr>
-        <p:blipFill>
-          <a:blip r:embed="rId2"/>
-          <a:stretch>
-            <a:fillRect/>
-          </a:stretch>
-        </p:blipFill>
-        <p:spPr>
-          <a:xfrm>
-            <a:off x="0" y="847052"/>
-            <a:ext cx="9144000" cy="5163896"/>
-          </a:xfrm>
-          <a:prstGeom prst="rect">
-            <a:avLst/>
-          </a:prstGeom>
-        </p:spPr>
-      </p:pic>
-    </p:spTree>
-    <p:extLst>
-      <p:ext uri="{BB962C8B-B14F-4D97-AF65-F5344CB8AC3E}">
-        <p14:creationId xmlns:p14="http://schemas.microsoft.com/office/powerpoint/2010/main" val="1070833170"/>
       </p:ext>
     </p:extLst>
   </p:cSld>

--- a/pics/2019-08-12_Laplace_Transform/pics.pptx
+++ b/pics/2019-08-12_Laplace_Transform/pics.pptx
@@ -6807,8 +6807,8 @@
           </p:sp>
         </mc:Fallback>
       </mc:AlternateContent>
-      <mc:AlternateContent xmlns:mc="http://schemas.openxmlformats.org/markup-compatibility/2006">
-        <mc:Choice xmlns:a14="http://schemas.microsoft.com/office/drawing/2010/main" Requires="a14">
+      <mc:AlternateContent xmlns:mc="http://schemas.openxmlformats.org/markup-compatibility/2006" xmlns:a14="http://schemas.microsoft.com/office/drawing/2010/main">
+        <mc:Choice Requires="a14">
           <p:sp>
             <p:nvSpPr>
               <p:cNvPr id="9" name="TextBox 8">
@@ -6940,7 +6940,7 @@
             </p:txBody>
           </p:sp>
         </mc:Choice>
-        <mc:Fallback>
+        <mc:Fallback xmlns="">
           <p:sp>
             <p:nvSpPr>
               <p:cNvPr id="9" name="TextBox 8">
@@ -7109,8 +7109,8 @@
             </a:fontRef>
           </p:style>
         </p:cxnSp>
-        <mc:AlternateContent xmlns:mc="http://schemas.openxmlformats.org/markup-compatibility/2006">
-          <mc:Choice xmlns:a14="http://schemas.microsoft.com/office/drawing/2010/main" Requires="a14">
+        <mc:AlternateContent xmlns:mc="http://schemas.openxmlformats.org/markup-compatibility/2006" xmlns:a14="http://schemas.microsoft.com/office/drawing/2010/main">
+          <mc:Choice Requires="a14">
             <p:sp>
               <p:nvSpPr>
                 <p:cNvPr id="11" name="TextBox 10">
@@ -7160,7 +7160,7 @@
               </p:txBody>
             </p:sp>
           </mc:Choice>
-          <mc:Fallback>
+          <mc:Fallback xmlns="">
             <p:sp>
               <p:nvSpPr>
                 <p:cNvPr id="11" name="TextBox 10">
@@ -7205,8 +7205,8 @@
             </p:sp>
           </mc:Fallback>
         </mc:AlternateContent>
-        <mc:AlternateContent xmlns:mc="http://schemas.openxmlformats.org/markup-compatibility/2006">
-          <mc:Choice xmlns:a14="http://schemas.microsoft.com/office/drawing/2010/main" Requires="a14">
+        <mc:AlternateContent xmlns:mc="http://schemas.openxmlformats.org/markup-compatibility/2006" xmlns:a14="http://schemas.microsoft.com/office/drawing/2010/main">
+          <mc:Choice Requires="a14">
             <p:sp>
               <p:nvSpPr>
                 <p:cNvPr id="12" name="TextBox 11">
@@ -7256,7 +7256,7 @@
               </p:txBody>
             </p:sp>
           </mc:Choice>
-          <mc:Fallback>
+          <mc:Fallback xmlns="">
             <p:sp>
               <p:nvSpPr>
                 <p:cNvPr id="12" name="TextBox 11">
@@ -7301,8 +7301,8 @@
             </p:sp>
           </mc:Fallback>
         </mc:AlternateContent>
-        <mc:AlternateContent xmlns:mc="http://schemas.openxmlformats.org/markup-compatibility/2006">
-          <mc:Choice xmlns:a14="http://schemas.microsoft.com/office/drawing/2010/main" Requires="a14">
+        <mc:AlternateContent xmlns:mc="http://schemas.openxmlformats.org/markup-compatibility/2006" xmlns:a14="http://schemas.microsoft.com/office/drawing/2010/main">
+          <mc:Choice Requires="a14">
             <p:sp>
               <p:nvSpPr>
                 <p:cNvPr id="13" name="TextBox 12">
@@ -7463,7 +7463,7 @@
               </p:txBody>
             </p:sp>
           </mc:Choice>
-          <mc:Fallback>
+          <mc:Fallback xmlns="">
             <p:sp>
               <p:nvSpPr>
                 <p:cNvPr id="13" name="TextBox 12">
@@ -7583,8 +7583,8 @@
           </a:fontRef>
         </p:style>
       </p:cxnSp>
-      <mc:AlternateContent xmlns:mc="http://schemas.openxmlformats.org/markup-compatibility/2006">
-        <mc:Choice xmlns:a14="http://schemas.microsoft.com/office/drawing/2010/main" Requires="a14">
+      <mc:AlternateContent xmlns:mc="http://schemas.openxmlformats.org/markup-compatibility/2006" xmlns:a14="http://schemas.microsoft.com/office/drawing/2010/main">
+        <mc:Choice Requires="a14">
           <p:sp>
             <p:nvSpPr>
               <p:cNvPr id="21" name="TextBox 20">
@@ -7634,7 +7634,7 @@
             </p:txBody>
           </p:sp>
         </mc:Choice>
-        <mc:Fallback>
+        <mc:Fallback xmlns="">
           <p:sp>
             <p:nvSpPr>
               <p:cNvPr id="21" name="TextBox 20">
@@ -7679,8 +7679,8 @@
           </p:sp>
         </mc:Fallback>
       </mc:AlternateContent>
-      <mc:AlternateContent xmlns:mc="http://schemas.openxmlformats.org/markup-compatibility/2006">
-        <mc:Choice xmlns:a14="http://schemas.microsoft.com/office/drawing/2010/main" Requires="a14">
+      <mc:AlternateContent xmlns:mc="http://schemas.openxmlformats.org/markup-compatibility/2006" xmlns:a14="http://schemas.microsoft.com/office/drawing/2010/main">
+        <mc:Choice Requires="a14">
           <p:sp>
             <p:nvSpPr>
               <p:cNvPr id="22" name="TextBox 21">
@@ -7730,7 +7730,7 @@
             </p:txBody>
           </p:sp>
         </mc:Choice>
-        <mc:Fallback>
+        <mc:Fallback xmlns="">
           <p:sp>
             <p:nvSpPr>
               <p:cNvPr id="22" name="TextBox 21">
@@ -7775,8 +7775,8 @@
           </p:sp>
         </mc:Fallback>
       </mc:AlternateContent>
-      <mc:AlternateContent xmlns:mc="http://schemas.openxmlformats.org/markup-compatibility/2006">
-        <mc:Choice xmlns:a14="http://schemas.microsoft.com/office/drawing/2010/main" Requires="a14">
+      <mc:AlternateContent xmlns:mc="http://schemas.openxmlformats.org/markup-compatibility/2006" xmlns:a14="http://schemas.microsoft.com/office/drawing/2010/main">
+        <mc:Choice Requires="a14">
           <p:sp>
             <p:nvSpPr>
               <p:cNvPr id="23" name="TextBox 22">
@@ -7857,7 +7857,7 @@
             </p:txBody>
           </p:sp>
         </mc:Choice>
-        <mc:Fallback>
+        <mc:Fallback xmlns="">
           <p:sp>
             <p:nvSpPr>
               <p:cNvPr id="23" name="TextBox 22">
@@ -7902,8 +7902,8 @@
           </p:sp>
         </mc:Fallback>
       </mc:AlternateContent>
-      <mc:AlternateContent xmlns:mc="http://schemas.openxmlformats.org/markup-compatibility/2006">
-        <mc:Choice xmlns:a14="http://schemas.microsoft.com/office/drawing/2010/main" Requires="a14">
+      <mc:AlternateContent xmlns:mc="http://schemas.openxmlformats.org/markup-compatibility/2006" xmlns:a14="http://schemas.microsoft.com/office/drawing/2010/main">
+        <mc:Choice Requires="a14">
           <p:sp>
             <p:nvSpPr>
               <p:cNvPr id="26" name="TextBox 25">
@@ -7953,7 +7953,7 @@
             </p:txBody>
           </p:sp>
         </mc:Choice>
-        <mc:Fallback>
+        <mc:Fallback xmlns="">
           <p:sp>
             <p:nvSpPr>
               <p:cNvPr id="26" name="TextBox 25">
@@ -8154,8 +8154,8 @@
             </a:prstGeom>
           </p:spPr>
         </p:pic>
-        <mc:AlternateContent xmlns:mc="http://schemas.openxmlformats.org/markup-compatibility/2006">
-          <mc:Choice xmlns:a14="http://schemas.microsoft.com/office/drawing/2010/main" Requires="a14">
+        <mc:AlternateContent xmlns:mc="http://schemas.openxmlformats.org/markup-compatibility/2006" xmlns:a14="http://schemas.microsoft.com/office/drawing/2010/main">
+          <mc:Choice Requires="a14">
             <p:sp>
               <p:nvSpPr>
                 <p:cNvPr id="32" name="TextBox 31">
@@ -8259,7 +8259,7 @@
               </p:txBody>
             </p:sp>
           </mc:Choice>
-          <mc:Fallback>
+          <mc:Fallback xmlns="">
             <p:sp>
               <p:nvSpPr>
                 <p:cNvPr id="32" name="TextBox 31">
@@ -8393,500 +8393,8467 @@
           <a:chExt cx="0" cy="0"/>
         </a:xfrm>
       </p:grpSpPr>
-      <p:grpSp>
-        <p:nvGrpSpPr>
-          <p:cNvPr id="4" name="그룹 3">
+      <p:pic>
+        <p:nvPicPr>
+          <p:cNvPr id="5" name="그림 4">
             <a:extLst>
               <a:ext uri="{FF2B5EF4-FFF2-40B4-BE49-F238E27FC236}">
-                <a16:creationId xmlns:a16="http://schemas.microsoft.com/office/drawing/2014/main" id="{114A2BAE-1155-4244-82EE-1BEEAAD13D35}"/>
+                <a16:creationId xmlns:a16="http://schemas.microsoft.com/office/drawing/2014/main" id="{4CF0B187-8B1C-4D96-8A17-BEF7E98B1BBE}"/>
               </a:ext>
             </a:extLst>
           </p:cNvPr>
-          <p:cNvGrpSpPr/>
+          <p:cNvPicPr>
+            <a:picLocks noChangeAspect="1"/>
+          </p:cNvPicPr>
           <p:nvPr/>
-        </p:nvGrpSpPr>
-        <p:grpSpPr>
+        </p:nvPicPr>
+        <p:blipFill>
+          <a:blip r:embed="rId2"/>
+          <a:stretch>
+            <a:fillRect/>
+          </a:stretch>
+        </p:blipFill>
+        <p:spPr>
           <a:xfrm>
-            <a:off x="2252663" y="0"/>
-            <a:ext cx="3885058" cy="2847642"/>
-            <a:chOff x="166688" y="1067023"/>
-            <a:chExt cx="3885058" cy="2847642"/>
+            <a:off x="3161251" y="112016"/>
+            <a:ext cx="2612430" cy="1959322"/>
           </a:xfrm>
-        </p:grpSpPr>
-        <p:pic>
-          <p:nvPicPr>
-            <p:cNvPr id="5" name="그림 4">
-              <a:extLst>
-                <a:ext uri="{FF2B5EF4-FFF2-40B4-BE49-F238E27FC236}">
-                  <a16:creationId xmlns:a16="http://schemas.microsoft.com/office/drawing/2014/main" id="{4CF0B187-8B1C-4D96-8A17-BEF7E98B1BBE}"/>
-                </a:ext>
-              </a:extLst>
-            </p:cNvPr>
-            <p:cNvPicPr>
-              <a:picLocks noChangeAspect="1"/>
-            </p:cNvPicPr>
-            <p:nvPr/>
-          </p:nvPicPr>
-          <p:blipFill>
-            <a:blip r:embed="rId2"/>
-            <a:stretch>
-              <a:fillRect/>
-            </a:stretch>
-          </p:blipFill>
-          <p:spPr>
-            <a:xfrm>
-              <a:off x="166688" y="1067023"/>
-              <a:ext cx="3796857" cy="2847642"/>
-            </a:xfrm>
-            <a:prstGeom prst="rect">
-              <a:avLst/>
-            </a:prstGeom>
-          </p:spPr>
-        </p:pic>
-        <p:cxnSp>
-          <p:nvCxnSpPr>
-            <p:cNvPr id="6" name="직선 화살표 연결선 5">
-              <a:extLst>
-                <a:ext uri="{FF2B5EF4-FFF2-40B4-BE49-F238E27FC236}">
-                  <a16:creationId xmlns:a16="http://schemas.microsoft.com/office/drawing/2014/main" id="{1829591A-4CAC-47C9-978F-AA74CAFFE3D1}"/>
-                </a:ext>
-              </a:extLst>
-            </p:cNvPr>
-            <p:cNvCxnSpPr>
-              <a:cxnSpLocks/>
-            </p:cNvCxnSpPr>
-            <p:nvPr/>
-          </p:nvCxnSpPr>
-          <p:spPr>
-            <a:xfrm>
-              <a:off x="591043" y="2570610"/>
-              <a:ext cx="3420361" cy="0"/>
-            </a:xfrm>
-            <a:prstGeom prst="straightConnector1">
-              <a:avLst/>
-            </a:prstGeom>
-            <a:ln w="38100">
+          <a:prstGeom prst="rect">
+            <a:avLst/>
+          </a:prstGeom>
+        </p:spPr>
+      </p:pic>
+      <p:cxnSp>
+        <p:nvCxnSpPr>
+          <p:cNvPr id="6" name="직선 화살표 연결선 5">
+            <a:extLst>
+              <a:ext uri="{FF2B5EF4-FFF2-40B4-BE49-F238E27FC236}">
+                <a16:creationId xmlns:a16="http://schemas.microsoft.com/office/drawing/2014/main" id="{1829591A-4CAC-47C9-978F-AA74CAFFE3D1}"/>
+              </a:ext>
+            </a:extLst>
+          </p:cNvPr>
+          <p:cNvCxnSpPr>
+            <a:cxnSpLocks/>
+          </p:cNvCxnSpPr>
+          <p:nvPr/>
+        </p:nvCxnSpPr>
+        <p:spPr>
+          <a:xfrm>
+            <a:off x="3249224" y="1157599"/>
+            <a:ext cx="2826744" cy="0"/>
+          </a:xfrm>
+          <a:prstGeom prst="straightConnector1">
+            <a:avLst/>
+          </a:prstGeom>
+          <a:ln w="38100">
+            <a:solidFill>
+              <a:schemeClr val="tx1"/>
+            </a:solidFill>
+            <a:tailEnd type="triangle"/>
+          </a:ln>
+        </p:spPr>
+        <p:style>
+          <a:lnRef idx="1">
+            <a:schemeClr val="accent1"/>
+          </a:lnRef>
+          <a:fillRef idx="0">
+            <a:schemeClr val="accent1"/>
+          </a:fillRef>
+          <a:effectRef idx="0">
+            <a:schemeClr val="accent1"/>
+          </a:effectRef>
+          <a:fontRef idx="minor">
+            <a:schemeClr val="tx1"/>
+          </a:fontRef>
+        </p:style>
+      </p:cxnSp>
+      <mc:AlternateContent xmlns:mc="http://schemas.openxmlformats.org/markup-compatibility/2006">
+        <mc:Choice xmlns:a14="http://schemas.microsoft.com/office/drawing/2010/main" Requires="a14">
+          <p:sp>
+            <p:nvSpPr>
+              <p:cNvPr id="7" name="TextBox 6">
+                <a:extLst>
+                  <a:ext uri="{FF2B5EF4-FFF2-40B4-BE49-F238E27FC236}">
+                    <a16:creationId xmlns:a16="http://schemas.microsoft.com/office/drawing/2014/main" id="{F4BC21A2-CE56-4ECB-A95E-DC82BDFFF4F9}"/>
+                  </a:ext>
+                </a:extLst>
+              </p:cNvPr>
+              <p:cNvSpPr txBox="1"/>
+              <p:nvPr/>
+            </p:nvSpPr>
+            <p:spPr>
+              <a:xfrm>
+                <a:off x="5876621" y="770508"/>
+                <a:ext cx="262734" cy="279797"/>
+              </a:xfrm>
+              <a:prstGeom prst="rect">
+                <a:avLst/>
+              </a:prstGeom>
+              <a:noFill/>
+            </p:spPr>
+            <p:txBody>
+              <a:bodyPr wrap="none" rtlCol="0">
+                <a:spAutoFit/>
+              </a:bodyPr>
+              <a:lstStyle/>
+              <a:p>
+                <a:pPr/>
+                <a14:m>
+                  <m:oMathPara xmlns:m="http://schemas.openxmlformats.org/officeDocument/2006/math">
+                    <m:oMathParaPr>
+                      <m:jc m:val="centerGroup"/>
+                    </m:oMathParaPr>
+                    <m:oMath xmlns:m="http://schemas.openxmlformats.org/officeDocument/2006/math">
+                      <m:r>
+                        <a:rPr lang="en-US" altLang="ko-KR" sz="1600" b="0" i="1" smtClean="0">
+                          <a:latin typeface="Cambria Math" panose="02040503050406030204" pitchFamily="18" charset="0"/>
+                        </a:rPr>
+                        <m:t>𝑡</m:t>
+                      </m:r>
+                    </m:oMath>
+                  </m:oMathPara>
+                </a14:m>
+                <a:endParaRPr lang="ko-KR" altLang="en-US" sz="1600" dirty="0"/>
+              </a:p>
+            </p:txBody>
+          </p:sp>
+        </mc:Choice>
+        <mc:Fallback>
+          <p:sp>
+            <p:nvSpPr>
+              <p:cNvPr id="7" name="TextBox 6">
+                <a:extLst>
+                  <a:ext uri="{FF2B5EF4-FFF2-40B4-BE49-F238E27FC236}">
+                    <a16:creationId xmlns:a16="http://schemas.microsoft.com/office/drawing/2014/main" id="{F4BC21A2-CE56-4ECB-A95E-DC82BDFFF4F9}"/>
+                  </a:ext>
+                </a:extLst>
+              </p:cNvPr>
+              <p:cNvSpPr txBox="1">
+                <a:spLocks noRot="1" noChangeAspect="1" noMove="1" noResize="1" noEditPoints="1" noAdjustHandles="1" noChangeArrowheads="1" noChangeShapeType="1" noTextEdit="1"/>
+              </p:cNvSpPr>
+              <p:nvPr/>
+            </p:nvSpPr>
+            <p:spPr>
+              <a:xfrm>
+                <a:off x="5876621" y="770508"/>
+                <a:ext cx="262734" cy="279797"/>
+              </a:xfrm>
+              <a:prstGeom prst="rect">
+                <a:avLst/>
+              </a:prstGeom>
+              <a:blipFill>
+                <a:blip r:embed="rId3"/>
+                <a:stretch>
+                  <a:fillRect b="-6522"/>
+                </a:stretch>
+              </a:blipFill>
+            </p:spPr>
+            <p:txBody>
+              <a:bodyPr/>
+              <a:lstStyle/>
+              <a:p>
+                <a:r>
+                  <a:rPr lang="ko-KR" altLang="en-US">
+                    <a:noFill/>
+                  </a:rPr>
+                  <a:t> </a:t>
+                </a:r>
+              </a:p>
+            </p:txBody>
+          </p:sp>
+        </mc:Fallback>
+      </mc:AlternateContent>
+      <mc:AlternateContent xmlns:mc="http://schemas.openxmlformats.org/markup-compatibility/2006">
+        <mc:Choice xmlns:a14="http://schemas.microsoft.com/office/drawing/2010/main" Requires="a14">
+          <p:sp>
+            <p:nvSpPr>
+              <p:cNvPr id="8" name="TextBox 7">
+                <a:extLst>
+                  <a:ext uri="{FF2B5EF4-FFF2-40B4-BE49-F238E27FC236}">
+                    <a16:creationId xmlns:a16="http://schemas.microsoft.com/office/drawing/2014/main" id="{67CC2C7C-4CE0-451E-AFC5-5FDD664B7CD4}"/>
+                  </a:ext>
+                </a:extLst>
+              </p:cNvPr>
+              <p:cNvSpPr txBox="1"/>
+              <p:nvPr/>
+            </p:nvSpPr>
+            <p:spPr>
+              <a:xfrm>
+                <a:off x="3766583" y="1164991"/>
+                <a:ext cx="285096" cy="279797"/>
+              </a:xfrm>
+              <a:prstGeom prst="rect">
+                <a:avLst/>
+              </a:prstGeom>
+              <a:noFill/>
+            </p:spPr>
+            <p:txBody>
+              <a:bodyPr wrap="none" rtlCol="0">
+                <a:spAutoFit/>
+              </a:bodyPr>
+              <a:lstStyle/>
+              <a:p>
+                <a:pPr/>
+                <a14:m>
+                  <m:oMathPara xmlns:m="http://schemas.openxmlformats.org/officeDocument/2006/math">
+                    <m:oMathParaPr>
+                      <m:jc m:val="centerGroup"/>
+                    </m:oMathParaPr>
+                    <m:oMath xmlns:m="http://schemas.openxmlformats.org/officeDocument/2006/math">
+                      <m:r>
+                        <a:rPr lang="en-US" altLang="ko-KR" sz="1600" b="0" i="1" smtClean="0">
+                          <a:latin typeface="Cambria Math" panose="02040503050406030204" pitchFamily="18" charset="0"/>
+                        </a:rPr>
+                        <m:t>0</m:t>
+                      </m:r>
+                    </m:oMath>
+                  </m:oMathPara>
+                </a14:m>
+                <a:endParaRPr lang="ko-KR" altLang="en-US" sz="1600" dirty="0"/>
+              </a:p>
+            </p:txBody>
+          </p:sp>
+        </mc:Choice>
+        <mc:Fallback>
+          <p:sp>
+            <p:nvSpPr>
+              <p:cNvPr id="8" name="TextBox 7">
+                <a:extLst>
+                  <a:ext uri="{FF2B5EF4-FFF2-40B4-BE49-F238E27FC236}">
+                    <a16:creationId xmlns:a16="http://schemas.microsoft.com/office/drawing/2014/main" id="{67CC2C7C-4CE0-451E-AFC5-5FDD664B7CD4}"/>
+                  </a:ext>
+                </a:extLst>
+              </p:cNvPr>
+              <p:cNvSpPr txBox="1">
+                <a:spLocks noRot="1" noChangeAspect="1" noMove="1" noResize="1" noEditPoints="1" noAdjustHandles="1" noChangeArrowheads="1" noChangeShapeType="1" noTextEdit="1"/>
+              </p:cNvSpPr>
+              <p:nvPr/>
+            </p:nvSpPr>
+            <p:spPr>
+              <a:xfrm>
+                <a:off x="3766583" y="1164991"/>
+                <a:ext cx="285096" cy="279797"/>
+              </a:xfrm>
+              <a:prstGeom prst="rect">
+                <a:avLst/>
+              </a:prstGeom>
+              <a:blipFill>
+                <a:blip r:embed="rId4"/>
+                <a:stretch>
+                  <a:fillRect b="-8696"/>
+                </a:stretch>
+              </a:blipFill>
+            </p:spPr>
+            <p:txBody>
+              <a:bodyPr/>
+              <a:lstStyle/>
+              <a:p>
+                <a:r>
+                  <a:rPr lang="ko-KR" altLang="en-US">
+                    <a:noFill/>
+                  </a:rPr>
+                  <a:t> </a:t>
+                </a:r>
+              </a:p>
+            </p:txBody>
+          </p:sp>
+        </mc:Fallback>
+      </mc:AlternateContent>
+      <mc:AlternateContent xmlns:mc="http://schemas.openxmlformats.org/markup-compatibility/2006">
+        <mc:Choice xmlns:a14="http://schemas.microsoft.com/office/drawing/2010/main" Requires="a14">
+          <p:sp>
+            <p:nvSpPr>
+              <p:cNvPr id="70" name="TextBox 69">
+                <a:extLst>
+                  <a:ext uri="{FF2B5EF4-FFF2-40B4-BE49-F238E27FC236}">
+                    <a16:creationId xmlns:a16="http://schemas.microsoft.com/office/drawing/2014/main" id="{F62CD534-30DA-4CA1-B218-D3E6E40E0422}"/>
+                  </a:ext>
+                </a:extLst>
+              </p:cNvPr>
+              <p:cNvSpPr txBox="1"/>
+              <p:nvPr/>
+            </p:nvSpPr>
+            <p:spPr>
+              <a:xfrm>
+                <a:off x="6850979" y="2474602"/>
+                <a:ext cx="1074525" cy="338554"/>
+              </a:xfrm>
+              <a:prstGeom prst="rect">
+                <a:avLst/>
+              </a:prstGeom>
+              <a:noFill/>
+              <a:ln>
+                <a:noFill/>
+              </a:ln>
+            </p:spPr>
+            <p:txBody>
+              <a:bodyPr wrap="none" rtlCol="0">
+                <a:spAutoFit/>
+              </a:bodyPr>
+              <a:lstStyle/>
+              <a:p>
+                <a14:m>
+                  <m:oMathPara xmlns:m="http://schemas.openxmlformats.org/officeDocument/2006/math">
+                    <m:oMathParaPr>
+                      <m:jc m:val="centerGroup"/>
+                    </m:oMathParaPr>
+                    <m:oMath xmlns:m="http://schemas.openxmlformats.org/officeDocument/2006/math">
+                      <m:r>
+                        <m:rPr>
+                          <m:sty m:val="p"/>
+                        </m:rPr>
+                        <a:rPr lang="en-US" altLang="ko-KR" sz="1600" b="0" i="0" smtClean="0">
+                          <a:solidFill>
+                            <a:schemeClr val="accent2"/>
+                          </a:solidFill>
+                          <a:latin typeface="Cambria Math" panose="02040503050406030204" pitchFamily="18" charset="0"/>
+                        </a:rPr>
+                        <m:t>exp</m:t>
+                      </m:r>
+                      <m:r>
+                        <a:rPr lang="en-US" altLang="ko-KR" sz="1600" b="0" i="1" smtClean="0">
+                          <a:solidFill>
+                            <a:schemeClr val="accent2"/>
+                          </a:solidFill>
+                          <a:latin typeface="Cambria Math" panose="02040503050406030204" pitchFamily="18" charset="0"/>
+                        </a:rPr>
+                        <m:t>⁡(−</m:t>
+                      </m:r>
+                      <m:r>
+                        <a:rPr lang="en-US" altLang="ko-KR" sz="1600" b="0" i="1" smtClean="0">
+                          <a:solidFill>
+                            <a:schemeClr val="accent2"/>
+                          </a:solidFill>
+                          <a:latin typeface="Cambria Math" panose="02040503050406030204" pitchFamily="18" charset="0"/>
+                        </a:rPr>
+                        <m:t>𝜎</m:t>
+                      </m:r>
+                      <m:r>
+                        <a:rPr lang="en-US" altLang="ko-KR" sz="1600" b="0" i="1" smtClean="0">
+                          <a:solidFill>
+                            <a:schemeClr val="accent2"/>
+                          </a:solidFill>
+                          <a:latin typeface="Cambria Math" panose="02040503050406030204" pitchFamily="18" charset="0"/>
+                        </a:rPr>
+                        <m:t>𝑡</m:t>
+                      </m:r>
+                      <m:r>
+                        <a:rPr lang="en-US" altLang="ko-KR" sz="1600" b="0" i="1" smtClean="0">
+                          <a:solidFill>
+                            <a:schemeClr val="accent2"/>
+                          </a:solidFill>
+                          <a:latin typeface="Cambria Math" panose="02040503050406030204" pitchFamily="18" charset="0"/>
+                        </a:rPr>
+                        <m:t>)</m:t>
+                      </m:r>
+                    </m:oMath>
+                  </m:oMathPara>
+                </a14:m>
+                <a:endParaRPr lang="ko-KR" altLang="en-US" sz="1600" dirty="0">
+                  <a:solidFill>
+                    <a:schemeClr val="accent2"/>
+                  </a:solidFill>
+                </a:endParaRPr>
+              </a:p>
+            </p:txBody>
+          </p:sp>
+        </mc:Choice>
+        <mc:Fallback>
+          <p:sp>
+            <p:nvSpPr>
+              <p:cNvPr id="70" name="TextBox 69">
+                <a:extLst>
+                  <a:ext uri="{FF2B5EF4-FFF2-40B4-BE49-F238E27FC236}">
+                    <a16:creationId xmlns:a16="http://schemas.microsoft.com/office/drawing/2014/main" id="{F62CD534-30DA-4CA1-B218-D3E6E40E0422}"/>
+                  </a:ext>
+                </a:extLst>
+              </p:cNvPr>
+              <p:cNvSpPr txBox="1">
+                <a:spLocks noRot="1" noChangeAspect="1" noMove="1" noResize="1" noEditPoints="1" noAdjustHandles="1" noChangeArrowheads="1" noChangeShapeType="1" noTextEdit="1"/>
+              </p:cNvSpPr>
+              <p:nvPr/>
+            </p:nvSpPr>
+            <p:spPr>
+              <a:xfrm>
+                <a:off x="6850979" y="2474602"/>
+                <a:ext cx="1074525" cy="338554"/>
+              </a:xfrm>
+              <a:prstGeom prst="rect">
+                <a:avLst/>
+              </a:prstGeom>
+              <a:blipFill>
+                <a:blip r:embed="rId5"/>
+                <a:stretch>
+                  <a:fillRect b="-10909"/>
+                </a:stretch>
+              </a:blipFill>
+              <a:ln>
+                <a:noFill/>
+              </a:ln>
+            </p:spPr>
+            <p:txBody>
+              <a:bodyPr/>
+              <a:lstStyle/>
+              <a:p>
+                <a:r>
+                  <a:rPr lang="ko-KR" altLang="en-US">
+                    <a:noFill/>
+                  </a:rPr>
+                  <a:t> </a:t>
+                </a:r>
+              </a:p>
+            </p:txBody>
+          </p:sp>
+        </mc:Fallback>
+      </mc:AlternateContent>
+      <mc:AlternateContent xmlns:mc="http://schemas.openxmlformats.org/markup-compatibility/2006">
+        <mc:Choice xmlns:a14="http://schemas.microsoft.com/office/drawing/2010/main" Requires="a14">
+          <p:sp>
+            <p:nvSpPr>
+              <p:cNvPr id="71" name="TextBox 70">
+                <a:extLst>
+                  <a:ext uri="{FF2B5EF4-FFF2-40B4-BE49-F238E27FC236}">
+                    <a16:creationId xmlns:a16="http://schemas.microsoft.com/office/drawing/2014/main" id="{EE4ADC0A-EBB8-4FBC-8428-1BC28673C363}"/>
+                  </a:ext>
+                </a:extLst>
+              </p:cNvPr>
+              <p:cNvSpPr txBox="1"/>
+              <p:nvPr/>
+            </p:nvSpPr>
+            <p:spPr>
+              <a:xfrm>
+                <a:off x="2900170" y="2189861"/>
+                <a:ext cx="670440" cy="261610"/>
+              </a:xfrm>
+              <a:prstGeom prst="rect">
+                <a:avLst/>
+              </a:prstGeom>
+              <a:noFill/>
+            </p:spPr>
+            <p:txBody>
+              <a:bodyPr wrap="none" rtlCol="0">
+                <a:spAutoFit/>
+              </a:bodyPr>
+              <a:lstStyle/>
+              <a:p>
+                <a14:m>
+                  <m:oMathPara xmlns:m="http://schemas.openxmlformats.org/officeDocument/2006/math">
+                    <m:oMathParaPr>
+                      <m:jc m:val="centerGroup"/>
+                    </m:oMathParaPr>
+                    <m:oMath xmlns:m="http://schemas.openxmlformats.org/officeDocument/2006/math">
+                      <m:r>
+                        <a:rPr lang="en-US" altLang="ko-KR" sz="1100" b="0" i="1" smtClean="0">
+                          <a:solidFill>
+                            <a:schemeClr val="accent2"/>
+                          </a:solidFill>
+                          <a:latin typeface="Cambria Math" panose="02040503050406030204" pitchFamily="18" charset="0"/>
+                        </a:rPr>
+                        <m:t>𝜎</m:t>
+                      </m:r>
+                      <m:r>
+                        <a:rPr lang="en-US" altLang="ko-KR" sz="1100" b="0" i="1" smtClean="0">
+                          <a:solidFill>
+                            <a:schemeClr val="accent2"/>
+                          </a:solidFill>
+                          <a:latin typeface="Cambria Math" panose="02040503050406030204" pitchFamily="18" charset="0"/>
+                        </a:rPr>
+                        <m:t>=−2</m:t>
+                      </m:r>
+                    </m:oMath>
+                  </m:oMathPara>
+                </a14:m>
+                <a:endParaRPr lang="ko-KR" altLang="en-US" sz="1100" dirty="0">
+                  <a:solidFill>
+                    <a:schemeClr val="accent2"/>
+                  </a:solidFill>
+                </a:endParaRPr>
+              </a:p>
+            </p:txBody>
+          </p:sp>
+        </mc:Choice>
+        <mc:Fallback>
+          <p:sp>
+            <p:nvSpPr>
+              <p:cNvPr id="71" name="TextBox 70">
+                <a:extLst>
+                  <a:ext uri="{FF2B5EF4-FFF2-40B4-BE49-F238E27FC236}">
+                    <a16:creationId xmlns:a16="http://schemas.microsoft.com/office/drawing/2014/main" id="{EE4ADC0A-EBB8-4FBC-8428-1BC28673C363}"/>
+                  </a:ext>
+                </a:extLst>
+              </p:cNvPr>
+              <p:cNvSpPr txBox="1">
+                <a:spLocks noRot="1" noChangeAspect="1" noMove="1" noResize="1" noEditPoints="1" noAdjustHandles="1" noChangeArrowheads="1" noChangeShapeType="1" noTextEdit="1"/>
+              </p:cNvSpPr>
+              <p:nvPr/>
+            </p:nvSpPr>
+            <p:spPr>
+              <a:xfrm>
+                <a:off x="2900170" y="2189861"/>
+                <a:ext cx="670440" cy="261610"/>
+              </a:xfrm>
+              <a:prstGeom prst="rect">
+                <a:avLst/>
+              </a:prstGeom>
+              <a:blipFill>
+                <a:blip r:embed="rId6"/>
+                <a:stretch>
+                  <a:fillRect/>
+                </a:stretch>
+              </a:blipFill>
+            </p:spPr>
+            <p:txBody>
+              <a:bodyPr/>
+              <a:lstStyle/>
+              <a:p>
+                <a:r>
+                  <a:rPr lang="ko-KR" altLang="en-US">
+                    <a:noFill/>
+                  </a:rPr>
+                  <a:t> </a:t>
+                </a:r>
+              </a:p>
+            </p:txBody>
+          </p:sp>
+        </mc:Fallback>
+      </mc:AlternateContent>
+      <mc:AlternateContent xmlns:mc="http://schemas.openxmlformats.org/markup-compatibility/2006">
+        <mc:Choice xmlns:a14="http://schemas.microsoft.com/office/drawing/2010/main" Requires="a14">
+          <p:sp>
+            <p:nvSpPr>
+              <p:cNvPr id="72" name="TextBox 71">
+                <a:extLst>
+                  <a:ext uri="{FF2B5EF4-FFF2-40B4-BE49-F238E27FC236}">
+                    <a16:creationId xmlns:a16="http://schemas.microsoft.com/office/drawing/2014/main" id="{E52D42E5-1DC5-4A32-AB18-CAD92D655742}"/>
+                  </a:ext>
+                </a:extLst>
+              </p:cNvPr>
+              <p:cNvSpPr txBox="1"/>
+              <p:nvPr/>
+            </p:nvSpPr>
+            <p:spPr>
+              <a:xfrm>
+                <a:off x="3556402" y="2189861"/>
+                <a:ext cx="670440" cy="261610"/>
+              </a:xfrm>
+              <a:prstGeom prst="rect">
+                <a:avLst/>
+              </a:prstGeom>
+              <a:noFill/>
+            </p:spPr>
+            <p:txBody>
+              <a:bodyPr wrap="none" rtlCol="0">
+                <a:spAutoFit/>
+              </a:bodyPr>
+              <a:lstStyle/>
+              <a:p>
+                <a14:m>
+                  <m:oMathPara xmlns:m="http://schemas.openxmlformats.org/officeDocument/2006/math">
+                    <m:oMathParaPr>
+                      <m:jc m:val="centerGroup"/>
+                    </m:oMathParaPr>
+                    <m:oMath xmlns:m="http://schemas.openxmlformats.org/officeDocument/2006/math">
+                      <m:r>
+                        <a:rPr lang="en-US" altLang="ko-KR" sz="1100" b="0" i="1" smtClean="0">
+                          <a:solidFill>
+                            <a:schemeClr val="accent2"/>
+                          </a:solidFill>
+                          <a:latin typeface="Cambria Math" panose="02040503050406030204" pitchFamily="18" charset="0"/>
+                        </a:rPr>
+                        <m:t>𝜎</m:t>
+                      </m:r>
+                      <m:r>
+                        <a:rPr lang="en-US" altLang="ko-KR" sz="1100" b="0" i="1" smtClean="0">
+                          <a:solidFill>
+                            <a:schemeClr val="accent2"/>
+                          </a:solidFill>
+                          <a:latin typeface="Cambria Math" panose="02040503050406030204" pitchFamily="18" charset="0"/>
+                        </a:rPr>
+                        <m:t>=−1</m:t>
+                      </m:r>
+                    </m:oMath>
+                  </m:oMathPara>
+                </a14:m>
+                <a:endParaRPr lang="ko-KR" altLang="en-US" sz="1100" dirty="0">
+                  <a:solidFill>
+                    <a:schemeClr val="accent2"/>
+                  </a:solidFill>
+                </a:endParaRPr>
+              </a:p>
+            </p:txBody>
+          </p:sp>
+        </mc:Choice>
+        <mc:Fallback>
+          <p:sp>
+            <p:nvSpPr>
+              <p:cNvPr id="72" name="TextBox 71">
+                <a:extLst>
+                  <a:ext uri="{FF2B5EF4-FFF2-40B4-BE49-F238E27FC236}">
+                    <a16:creationId xmlns:a16="http://schemas.microsoft.com/office/drawing/2014/main" id="{E52D42E5-1DC5-4A32-AB18-CAD92D655742}"/>
+                  </a:ext>
+                </a:extLst>
+              </p:cNvPr>
+              <p:cNvSpPr txBox="1">
+                <a:spLocks noRot="1" noChangeAspect="1" noMove="1" noResize="1" noEditPoints="1" noAdjustHandles="1" noChangeArrowheads="1" noChangeShapeType="1" noTextEdit="1"/>
+              </p:cNvSpPr>
+              <p:nvPr/>
+            </p:nvSpPr>
+            <p:spPr>
+              <a:xfrm>
+                <a:off x="3556402" y="2189861"/>
+                <a:ext cx="670440" cy="261610"/>
+              </a:xfrm>
+              <a:prstGeom prst="rect">
+                <a:avLst/>
+              </a:prstGeom>
+              <a:blipFill>
+                <a:blip r:embed="rId7"/>
+                <a:stretch>
+                  <a:fillRect/>
+                </a:stretch>
+              </a:blipFill>
+            </p:spPr>
+            <p:txBody>
+              <a:bodyPr/>
+              <a:lstStyle/>
+              <a:p>
+                <a:r>
+                  <a:rPr lang="ko-KR" altLang="en-US">
+                    <a:noFill/>
+                  </a:rPr>
+                  <a:t> </a:t>
+                </a:r>
+              </a:p>
+            </p:txBody>
+          </p:sp>
+        </mc:Fallback>
+      </mc:AlternateContent>
+      <mc:AlternateContent xmlns:mc="http://schemas.openxmlformats.org/markup-compatibility/2006">
+        <mc:Choice xmlns:a14="http://schemas.microsoft.com/office/drawing/2010/main" Requires="a14">
+          <p:sp>
+            <p:nvSpPr>
+              <p:cNvPr id="73" name="TextBox 72">
+                <a:extLst>
+                  <a:ext uri="{FF2B5EF4-FFF2-40B4-BE49-F238E27FC236}">
+                    <a16:creationId xmlns:a16="http://schemas.microsoft.com/office/drawing/2014/main" id="{AB1FAFDA-1355-45BB-B064-277A98789A43}"/>
+                  </a:ext>
+                </a:extLst>
+              </p:cNvPr>
+              <p:cNvSpPr txBox="1"/>
+              <p:nvPr/>
+            </p:nvSpPr>
+            <p:spPr>
+              <a:xfrm>
+                <a:off x="4247559" y="2189861"/>
+                <a:ext cx="564642" cy="261610"/>
+              </a:xfrm>
+              <a:prstGeom prst="rect">
+                <a:avLst/>
+              </a:prstGeom>
+              <a:noFill/>
+            </p:spPr>
+            <p:txBody>
+              <a:bodyPr wrap="none" rtlCol="0">
+                <a:spAutoFit/>
+              </a:bodyPr>
+              <a:lstStyle/>
+              <a:p>
+                <a14:m>
+                  <m:oMathPara xmlns:m="http://schemas.openxmlformats.org/officeDocument/2006/math">
+                    <m:oMathParaPr>
+                      <m:jc m:val="centerGroup"/>
+                    </m:oMathParaPr>
+                    <m:oMath xmlns:m="http://schemas.openxmlformats.org/officeDocument/2006/math">
+                      <m:r>
+                        <a:rPr lang="en-US" altLang="ko-KR" sz="1100" b="0" i="1" smtClean="0">
+                          <a:solidFill>
+                            <a:schemeClr val="accent2"/>
+                          </a:solidFill>
+                          <a:latin typeface="Cambria Math" panose="02040503050406030204" pitchFamily="18" charset="0"/>
+                        </a:rPr>
+                        <m:t>𝜎</m:t>
+                      </m:r>
+                      <m:r>
+                        <a:rPr lang="en-US" altLang="ko-KR" sz="1100" b="0" i="1" smtClean="0">
+                          <a:solidFill>
+                            <a:schemeClr val="accent2"/>
+                          </a:solidFill>
+                          <a:latin typeface="Cambria Math" panose="02040503050406030204" pitchFamily="18" charset="0"/>
+                        </a:rPr>
+                        <m:t>=0</m:t>
+                      </m:r>
+                    </m:oMath>
+                  </m:oMathPara>
+                </a14:m>
+                <a:endParaRPr lang="ko-KR" altLang="en-US" sz="1100" dirty="0">
+                  <a:solidFill>
+                    <a:schemeClr val="accent2"/>
+                  </a:solidFill>
+                </a:endParaRPr>
+              </a:p>
+            </p:txBody>
+          </p:sp>
+        </mc:Choice>
+        <mc:Fallback>
+          <p:sp>
+            <p:nvSpPr>
+              <p:cNvPr id="73" name="TextBox 72">
+                <a:extLst>
+                  <a:ext uri="{FF2B5EF4-FFF2-40B4-BE49-F238E27FC236}">
+                    <a16:creationId xmlns:a16="http://schemas.microsoft.com/office/drawing/2014/main" id="{AB1FAFDA-1355-45BB-B064-277A98789A43}"/>
+                  </a:ext>
+                </a:extLst>
+              </p:cNvPr>
+              <p:cNvSpPr txBox="1">
+                <a:spLocks noRot="1" noChangeAspect="1" noMove="1" noResize="1" noEditPoints="1" noAdjustHandles="1" noChangeArrowheads="1" noChangeShapeType="1" noTextEdit="1"/>
+              </p:cNvSpPr>
+              <p:nvPr/>
+            </p:nvSpPr>
+            <p:spPr>
+              <a:xfrm>
+                <a:off x="4247559" y="2189861"/>
+                <a:ext cx="564642" cy="261610"/>
+              </a:xfrm>
+              <a:prstGeom prst="rect">
+                <a:avLst/>
+              </a:prstGeom>
+              <a:blipFill>
+                <a:blip r:embed="rId8"/>
+                <a:stretch>
+                  <a:fillRect/>
+                </a:stretch>
+              </a:blipFill>
+            </p:spPr>
+            <p:txBody>
+              <a:bodyPr/>
+              <a:lstStyle/>
+              <a:p>
+                <a:r>
+                  <a:rPr lang="ko-KR" altLang="en-US">
+                    <a:noFill/>
+                  </a:rPr>
+                  <a:t> </a:t>
+                </a:r>
+              </a:p>
+            </p:txBody>
+          </p:sp>
+        </mc:Fallback>
+      </mc:AlternateContent>
+      <mc:AlternateContent xmlns:mc="http://schemas.openxmlformats.org/markup-compatibility/2006">
+        <mc:Choice xmlns:a14="http://schemas.microsoft.com/office/drawing/2010/main" Requires="a14">
+          <p:sp>
+            <p:nvSpPr>
+              <p:cNvPr id="74" name="TextBox 73">
+                <a:extLst>
+                  <a:ext uri="{FF2B5EF4-FFF2-40B4-BE49-F238E27FC236}">
+                    <a16:creationId xmlns:a16="http://schemas.microsoft.com/office/drawing/2014/main" id="{EEF7D069-6B14-4537-BD8F-0ED6E50ADC35}"/>
+                  </a:ext>
+                </a:extLst>
+              </p:cNvPr>
+              <p:cNvSpPr txBox="1"/>
+              <p:nvPr/>
+            </p:nvSpPr>
+            <p:spPr>
+              <a:xfrm>
+                <a:off x="4842443" y="2189861"/>
+                <a:ext cx="564642" cy="261610"/>
+              </a:xfrm>
+              <a:prstGeom prst="rect">
+                <a:avLst/>
+              </a:prstGeom>
+              <a:noFill/>
+            </p:spPr>
+            <p:txBody>
+              <a:bodyPr wrap="none" rtlCol="0">
+                <a:spAutoFit/>
+              </a:bodyPr>
+              <a:lstStyle/>
+              <a:p>
+                <a14:m>
+                  <m:oMathPara xmlns:m="http://schemas.openxmlformats.org/officeDocument/2006/math">
+                    <m:oMathParaPr>
+                      <m:jc m:val="centerGroup"/>
+                    </m:oMathParaPr>
+                    <m:oMath xmlns:m="http://schemas.openxmlformats.org/officeDocument/2006/math">
+                      <m:r>
+                        <a:rPr lang="en-US" altLang="ko-KR" sz="1100" b="0" i="1" smtClean="0">
+                          <a:solidFill>
+                            <a:schemeClr val="accent2"/>
+                          </a:solidFill>
+                          <a:latin typeface="Cambria Math" panose="02040503050406030204" pitchFamily="18" charset="0"/>
+                        </a:rPr>
+                        <m:t>𝜎</m:t>
+                      </m:r>
+                      <m:r>
+                        <a:rPr lang="en-US" altLang="ko-KR" sz="1100" b="0" i="1" smtClean="0">
+                          <a:solidFill>
+                            <a:schemeClr val="accent2"/>
+                          </a:solidFill>
+                          <a:latin typeface="Cambria Math" panose="02040503050406030204" pitchFamily="18" charset="0"/>
+                        </a:rPr>
+                        <m:t>=1</m:t>
+                      </m:r>
+                    </m:oMath>
+                  </m:oMathPara>
+                </a14:m>
+                <a:endParaRPr lang="ko-KR" altLang="en-US" sz="1100" dirty="0">
+                  <a:solidFill>
+                    <a:schemeClr val="accent2"/>
+                  </a:solidFill>
+                </a:endParaRPr>
+              </a:p>
+            </p:txBody>
+          </p:sp>
+        </mc:Choice>
+        <mc:Fallback>
+          <p:sp>
+            <p:nvSpPr>
+              <p:cNvPr id="74" name="TextBox 73">
+                <a:extLst>
+                  <a:ext uri="{FF2B5EF4-FFF2-40B4-BE49-F238E27FC236}">
+                    <a16:creationId xmlns:a16="http://schemas.microsoft.com/office/drawing/2014/main" id="{EEF7D069-6B14-4537-BD8F-0ED6E50ADC35}"/>
+                  </a:ext>
+                </a:extLst>
+              </p:cNvPr>
+              <p:cNvSpPr txBox="1">
+                <a:spLocks noRot="1" noChangeAspect="1" noMove="1" noResize="1" noEditPoints="1" noAdjustHandles="1" noChangeArrowheads="1" noChangeShapeType="1" noTextEdit="1"/>
+              </p:cNvSpPr>
+              <p:nvPr/>
+            </p:nvSpPr>
+            <p:spPr>
+              <a:xfrm>
+                <a:off x="4842443" y="2189861"/>
+                <a:ext cx="564642" cy="261610"/>
+              </a:xfrm>
+              <a:prstGeom prst="rect">
+                <a:avLst/>
+              </a:prstGeom>
+              <a:blipFill>
+                <a:blip r:embed="rId9"/>
+                <a:stretch>
+                  <a:fillRect/>
+                </a:stretch>
+              </a:blipFill>
+            </p:spPr>
+            <p:txBody>
+              <a:bodyPr/>
+              <a:lstStyle/>
+              <a:p>
+                <a:r>
+                  <a:rPr lang="ko-KR" altLang="en-US">
+                    <a:noFill/>
+                  </a:rPr>
+                  <a:t> </a:t>
+                </a:r>
+              </a:p>
+            </p:txBody>
+          </p:sp>
+        </mc:Fallback>
+      </mc:AlternateContent>
+      <mc:AlternateContent xmlns:mc="http://schemas.openxmlformats.org/markup-compatibility/2006">
+        <mc:Choice xmlns:a14="http://schemas.microsoft.com/office/drawing/2010/main" Requires="a14">
+          <p:sp>
+            <p:nvSpPr>
+              <p:cNvPr id="75" name="TextBox 74">
+                <a:extLst>
+                  <a:ext uri="{FF2B5EF4-FFF2-40B4-BE49-F238E27FC236}">
+                    <a16:creationId xmlns:a16="http://schemas.microsoft.com/office/drawing/2014/main" id="{D7F7374F-20AB-4803-983B-9188B19C7CE3}"/>
+                  </a:ext>
+                </a:extLst>
+              </p:cNvPr>
+              <p:cNvSpPr txBox="1"/>
+              <p:nvPr/>
+            </p:nvSpPr>
+            <p:spPr>
+              <a:xfrm>
+                <a:off x="5450027" y="2189861"/>
+                <a:ext cx="564642" cy="261610"/>
+              </a:xfrm>
+              <a:prstGeom prst="rect">
+                <a:avLst/>
+              </a:prstGeom>
+              <a:noFill/>
+            </p:spPr>
+            <p:txBody>
+              <a:bodyPr wrap="none" rtlCol="0">
+                <a:spAutoFit/>
+              </a:bodyPr>
+              <a:lstStyle/>
+              <a:p>
+                <a14:m>
+                  <m:oMathPara xmlns:m="http://schemas.openxmlformats.org/officeDocument/2006/math">
+                    <m:oMathParaPr>
+                      <m:jc m:val="centerGroup"/>
+                    </m:oMathParaPr>
+                    <m:oMath xmlns:m="http://schemas.openxmlformats.org/officeDocument/2006/math">
+                      <m:r>
+                        <a:rPr lang="en-US" altLang="ko-KR" sz="1100" b="0" i="1" smtClean="0">
+                          <a:solidFill>
+                            <a:schemeClr val="accent2"/>
+                          </a:solidFill>
+                          <a:latin typeface="Cambria Math" panose="02040503050406030204" pitchFamily="18" charset="0"/>
+                        </a:rPr>
+                        <m:t>𝜎</m:t>
+                      </m:r>
+                      <m:r>
+                        <a:rPr lang="en-US" altLang="ko-KR" sz="1100" b="0" i="1" smtClean="0">
+                          <a:solidFill>
+                            <a:schemeClr val="accent2"/>
+                          </a:solidFill>
+                          <a:latin typeface="Cambria Math" panose="02040503050406030204" pitchFamily="18" charset="0"/>
+                        </a:rPr>
+                        <m:t>=</m:t>
+                      </m:r>
+                      <m:r>
+                        <a:rPr lang="en-US" altLang="ko-KR" sz="1100" b="0" i="0" smtClean="0">
+                          <a:solidFill>
+                            <a:schemeClr val="accent2"/>
+                          </a:solidFill>
+                          <a:latin typeface="Cambria Math" panose="02040503050406030204" pitchFamily="18" charset="0"/>
+                        </a:rPr>
+                        <m:t>2</m:t>
+                      </m:r>
+                    </m:oMath>
+                  </m:oMathPara>
+                </a14:m>
+                <a:endParaRPr lang="ko-KR" altLang="en-US" sz="1100" dirty="0">
+                  <a:solidFill>
+                    <a:schemeClr val="accent2"/>
+                  </a:solidFill>
+                </a:endParaRPr>
+              </a:p>
+            </p:txBody>
+          </p:sp>
+        </mc:Choice>
+        <mc:Fallback>
+          <p:sp>
+            <p:nvSpPr>
+              <p:cNvPr id="75" name="TextBox 74">
+                <a:extLst>
+                  <a:ext uri="{FF2B5EF4-FFF2-40B4-BE49-F238E27FC236}">
+                    <a16:creationId xmlns:a16="http://schemas.microsoft.com/office/drawing/2014/main" id="{D7F7374F-20AB-4803-983B-9188B19C7CE3}"/>
+                  </a:ext>
+                </a:extLst>
+              </p:cNvPr>
+              <p:cNvSpPr txBox="1">
+                <a:spLocks noRot="1" noChangeAspect="1" noMove="1" noResize="1" noEditPoints="1" noAdjustHandles="1" noChangeArrowheads="1" noChangeShapeType="1" noTextEdit="1"/>
+              </p:cNvSpPr>
+              <p:nvPr/>
+            </p:nvSpPr>
+            <p:spPr>
+              <a:xfrm>
+                <a:off x="5450027" y="2189861"/>
+                <a:ext cx="564642" cy="261610"/>
+              </a:xfrm>
+              <a:prstGeom prst="rect">
+                <a:avLst/>
+              </a:prstGeom>
+              <a:blipFill>
+                <a:blip r:embed="rId10"/>
+                <a:stretch>
+                  <a:fillRect/>
+                </a:stretch>
+              </a:blipFill>
+            </p:spPr>
+            <p:txBody>
+              <a:bodyPr/>
+              <a:lstStyle/>
+              <a:p>
+                <a:r>
+                  <a:rPr lang="ko-KR" altLang="en-US">
+                    <a:noFill/>
+                  </a:rPr>
+                  <a:t> </a:t>
+                </a:r>
+              </a:p>
+            </p:txBody>
+          </p:sp>
+        </mc:Fallback>
+      </mc:AlternateContent>
+      <mc:AlternateContent xmlns:mc="http://schemas.openxmlformats.org/markup-compatibility/2006">
+        <mc:Choice xmlns:a14="http://schemas.microsoft.com/office/drawing/2010/main" Requires="a14">
+          <p:sp>
+            <p:nvSpPr>
+              <p:cNvPr id="76" name="TextBox 75">
+                <a:extLst>
+                  <a:ext uri="{FF2B5EF4-FFF2-40B4-BE49-F238E27FC236}">
+                    <a16:creationId xmlns:a16="http://schemas.microsoft.com/office/drawing/2014/main" id="{39924C07-0D39-4B75-B85A-AAA56DA5BE84}"/>
+                  </a:ext>
+                </a:extLst>
+              </p:cNvPr>
+              <p:cNvSpPr txBox="1"/>
+              <p:nvPr/>
+            </p:nvSpPr>
+            <p:spPr>
+              <a:xfrm>
+                <a:off x="6083009" y="2189861"/>
+                <a:ext cx="564642" cy="261610"/>
+              </a:xfrm>
+              <a:prstGeom prst="rect">
+                <a:avLst/>
+              </a:prstGeom>
+              <a:noFill/>
+            </p:spPr>
+            <p:txBody>
+              <a:bodyPr wrap="none" rtlCol="0">
+                <a:spAutoFit/>
+              </a:bodyPr>
+              <a:lstStyle/>
+              <a:p>
+                <a14:m>
+                  <m:oMathPara xmlns:m="http://schemas.openxmlformats.org/officeDocument/2006/math">
+                    <m:oMathParaPr>
+                      <m:jc m:val="centerGroup"/>
+                    </m:oMathParaPr>
+                    <m:oMath xmlns:m="http://schemas.openxmlformats.org/officeDocument/2006/math">
+                      <m:r>
+                        <a:rPr lang="en-US" altLang="ko-KR" sz="1100" b="0" i="1" smtClean="0">
+                          <a:solidFill>
+                            <a:schemeClr val="accent2"/>
+                          </a:solidFill>
+                          <a:latin typeface="Cambria Math" panose="02040503050406030204" pitchFamily="18" charset="0"/>
+                        </a:rPr>
+                        <m:t>𝜎</m:t>
+                      </m:r>
+                      <m:r>
+                        <a:rPr lang="en-US" altLang="ko-KR" sz="1100" b="0" i="1" smtClean="0">
+                          <a:solidFill>
+                            <a:schemeClr val="accent2"/>
+                          </a:solidFill>
+                          <a:latin typeface="Cambria Math" panose="02040503050406030204" pitchFamily="18" charset="0"/>
+                        </a:rPr>
+                        <m:t>=</m:t>
+                      </m:r>
+                      <m:r>
+                        <a:rPr lang="en-US" altLang="ko-KR" sz="1100" b="0" i="0" smtClean="0">
+                          <a:solidFill>
+                            <a:schemeClr val="accent2"/>
+                          </a:solidFill>
+                          <a:latin typeface="Cambria Math" panose="02040503050406030204" pitchFamily="18" charset="0"/>
+                        </a:rPr>
+                        <m:t>3</m:t>
+                      </m:r>
+                    </m:oMath>
+                  </m:oMathPara>
+                </a14:m>
+                <a:endParaRPr lang="ko-KR" altLang="en-US" sz="1100" dirty="0">
+                  <a:solidFill>
+                    <a:schemeClr val="accent2"/>
+                  </a:solidFill>
+                </a:endParaRPr>
+              </a:p>
+            </p:txBody>
+          </p:sp>
+        </mc:Choice>
+        <mc:Fallback>
+          <p:sp>
+            <p:nvSpPr>
+              <p:cNvPr id="76" name="TextBox 75">
+                <a:extLst>
+                  <a:ext uri="{FF2B5EF4-FFF2-40B4-BE49-F238E27FC236}">
+                    <a16:creationId xmlns:a16="http://schemas.microsoft.com/office/drawing/2014/main" id="{39924C07-0D39-4B75-B85A-AAA56DA5BE84}"/>
+                  </a:ext>
+                </a:extLst>
+              </p:cNvPr>
+              <p:cNvSpPr txBox="1">
+                <a:spLocks noRot="1" noChangeAspect="1" noMove="1" noResize="1" noEditPoints="1" noAdjustHandles="1" noChangeArrowheads="1" noChangeShapeType="1" noTextEdit="1"/>
+              </p:cNvSpPr>
+              <p:nvPr/>
+            </p:nvSpPr>
+            <p:spPr>
+              <a:xfrm>
+                <a:off x="6083009" y="2189861"/>
+                <a:ext cx="564642" cy="261610"/>
+              </a:xfrm>
+              <a:prstGeom prst="rect">
+                <a:avLst/>
+              </a:prstGeom>
+              <a:blipFill>
+                <a:blip r:embed="rId11"/>
+                <a:stretch>
+                  <a:fillRect/>
+                </a:stretch>
+              </a:blipFill>
+            </p:spPr>
+            <p:txBody>
+              <a:bodyPr/>
+              <a:lstStyle/>
+              <a:p>
+                <a:r>
+                  <a:rPr lang="ko-KR" altLang="en-US">
+                    <a:noFill/>
+                  </a:rPr>
+                  <a:t> </a:t>
+                </a:r>
+              </a:p>
+            </p:txBody>
+          </p:sp>
+        </mc:Fallback>
+      </mc:AlternateContent>
+      <p:sp>
+        <p:nvSpPr>
+          <p:cNvPr id="29" name="자유형: 도형 28">
+            <a:extLst>
+              <a:ext uri="{FF2B5EF4-FFF2-40B4-BE49-F238E27FC236}">
+                <a16:creationId xmlns:a16="http://schemas.microsoft.com/office/drawing/2014/main" id="{513EAE2C-F068-4971-8D09-4309C3E84BBA}"/>
+              </a:ext>
+            </a:extLst>
+          </p:cNvPr>
+          <p:cNvSpPr/>
+          <p:nvPr/>
+        </p:nvSpPr>
+        <p:spPr>
+          <a:xfrm>
+            <a:off x="2697661" y="2532402"/>
+            <a:ext cx="381000" cy="219075"/>
+          </a:xfrm>
+          <a:custGeom>
+            <a:avLst/>
+            <a:gdLst>
+              <a:gd name="connsiteX0" fmla="*/ 0 w 381000"/>
+              <a:gd name="connsiteY0" fmla="*/ 219075 h 219075"/>
+              <a:gd name="connsiteX1" fmla="*/ 136525 w 381000"/>
+              <a:gd name="connsiteY1" fmla="*/ 193675 h 219075"/>
+              <a:gd name="connsiteX2" fmla="*/ 263525 w 381000"/>
+              <a:gd name="connsiteY2" fmla="*/ 127000 h 219075"/>
+              <a:gd name="connsiteX3" fmla="*/ 346075 w 381000"/>
+              <a:gd name="connsiteY3" fmla="*/ 53975 h 219075"/>
+              <a:gd name="connsiteX4" fmla="*/ 381000 w 381000"/>
+              <a:gd name="connsiteY4" fmla="*/ 0 h 219075"/>
+            </a:gdLst>
+            <a:ahLst/>
+            <a:cxnLst>
+              <a:cxn ang="0">
+                <a:pos x="connsiteX0" y="connsiteY0"/>
+              </a:cxn>
+              <a:cxn ang="0">
+                <a:pos x="connsiteX1" y="connsiteY1"/>
+              </a:cxn>
+              <a:cxn ang="0">
+                <a:pos x="connsiteX2" y="connsiteY2"/>
+              </a:cxn>
+              <a:cxn ang="0">
+                <a:pos x="connsiteX3" y="connsiteY3"/>
+              </a:cxn>
+              <a:cxn ang="0">
+                <a:pos x="connsiteX4" y="connsiteY4"/>
+              </a:cxn>
+            </a:cxnLst>
+            <a:rect l="l" t="t" r="r" b="b"/>
+            <a:pathLst>
+              <a:path w="381000" h="219075">
+                <a:moveTo>
+                  <a:pt x="0" y="219075"/>
+                </a:moveTo>
+                <a:cubicBezTo>
+                  <a:pt x="46302" y="214048"/>
+                  <a:pt x="92604" y="209021"/>
+                  <a:pt x="136525" y="193675"/>
+                </a:cubicBezTo>
+                <a:cubicBezTo>
+                  <a:pt x="180446" y="178329"/>
+                  <a:pt x="228600" y="150283"/>
+                  <a:pt x="263525" y="127000"/>
+                </a:cubicBezTo>
+                <a:cubicBezTo>
+                  <a:pt x="298450" y="103717"/>
+                  <a:pt x="326496" y="75142"/>
+                  <a:pt x="346075" y="53975"/>
+                </a:cubicBezTo>
+                <a:cubicBezTo>
+                  <a:pt x="365654" y="32808"/>
+                  <a:pt x="373327" y="16404"/>
+                  <a:pt x="381000" y="0"/>
+                </a:cubicBezTo>
+              </a:path>
+            </a:pathLst>
+          </a:custGeom>
+          <a:noFill/>
+          <a:ln>
+            <a:solidFill>
+              <a:schemeClr val="accent2"/>
+            </a:solidFill>
+          </a:ln>
+        </p:spPr>
+        <p:style>
+          <a:lnRef idx="2">
+            <a:schemeClr val="accent1">
+              <a:shade val="50000"/>
+            </a:schemeClr>
+          </a:lnRef>
+          <a:fillRef idx="1">
+            <a:schemeClr val="accent1"/>
+          </a:fillRef>
+          <a:effectRef idx="0">
+            <a:schemeClr val="accent1"/>
+          </a:effectRef>
+          <a:fontRef idx="minor">
+            <a:schemeClr val="lt1"/>
+          </a:fontRef>
+        </p:style>
+        <p:txBody>
+          <a:bodyPr rtlCol="0" anchor="ctr"/>
+          <a:lstStyle/>
+          <a:p>
+            <a:pPr algn="ctr"/>
+            <a:endParaRPr lang="ko-KR" altLang="en-US"/>
+          </a:p>
+        </p:txBody>
+      </p:sp>
+      <p:sp>
+        <p:nvSpPr>
+          <p:cNvPr id="33" name="직사각형 32">
+            <a:extLst>
+              <a:ext uri="{FF2B5EF4-FFF2-40B4-BE49-F238E27FC236}">
+                <a16:creationId xmlns:a16="http://schemas.microsoft.com/office/drawing/2014/main" id="{3EAC0178-C5C3-4A78-A6AC-B27E643863AF}"/>
+              </a:ext>
+            </a:extLst>
+          </p:cNvPr>
+          <p:cNvSpPr/>
+          <p:nvPr/>
+        </p:nvSpPr>
+        <p:spPr>
+          <a:xfrm>
+            <a:off x="2651623" y="2495859"/>
+            <a:ext cx="490538" cy="327087"/>
+          </a:xfrm>
+          <a:prstGeom prst="rect">
+            <a:avLst/>
+          </a:prstGeom>
+          <a:noFill/>
+          <a:ln>
+            <a:solidFill>
+              <a:schemeClr val="tx1"/>
+            </a:solidFill>
+          </a:ln>
+        </p:spPr>
+        <p:style>
+          <a:lnRef idx="2">
+            <a:schemeClr val="accent1">
+              <a:shade val="50000"/>
+            </a:schemeClr>
+          </a:lnRef>
+          <a:fillRef idx="1">
+            <a:schemeClr val="accent1"/>
+          </a:fillRef>
+          <a:effectRef idx="0">
+            <a:schemeClr val="accent1"/>
+          </a:effectRef>
+          <a:fontRef idx="minor">
+            <a:schemeClr val="lt1"/>
+          </a:fontRef>
+        </p:style>
+        <p:txBody>
+          <a:bodyPr rtlCol="0" anchor="ctr"/>
+          <a:lstStyle/>
+          <a:p>
+            <a:pPr algn="ctr"/>
+            <a:endParaRPr lang="ko-KR" altLang="en-US"/>
+          </a:p>
+        </p:txBody>
+      </p:sp>
+      <p:cxnSp>
+        <p:nvCxnSpPr>
+          <p:cNvPr id="34" name="직선 화살표 연결선 33">
+            <a:extLst>
+              <a:ext uri="{FF2B5EF4-FFF2-40B4-BE49-F238E27FC236}">
+                <a16:creationId xmlns:a16="http://schemas.microsoft.com/office/drawing/2014/main" id="{B3FB011F-0818-4B93-BBE9-2775E073AD69}"/>
+              </a:ext>
+            </a:extLst>
+          </p:cNvPr>
+          <p:cNvCxnSpPr/>
+          <p:nvPr/>
+        </p:nvCxnSpPr>
+        <p:spPr>
+          <a:xfrm>
+            <a:off x="2691182" y="2773702"/>
+            <a:ext cx="414594" cy="0"/>
+          </a:xfrm>
+          <a:prstGeom prst="straightConnector1">
+            <a:avLst/>
+          </a:prstGeom>
+          <a:ln>
+            <a:solidFill>
+              <a:schemeClr val="tx1"/>
+            </a:solidFill>
+            <a:headEnd type="none" w="med" len="med"/>
+            <a:tailEnd type="none" w="med" len="med"/>
+          </a:ln>
+        </p:spPr>
+        <p:style>
+          <a:lnRef idx="1">
+            <a:schemeClr val="accent1"/>
+          </a:lnRef>
+          <a:fillRef idx="0">
+            <a:schemeClr val="accent1"/>
+          </a:fillRef>
+          <a:effectRef idx="0">
+            <a:schemeClr val="accent1"/>
+          </a:effectRef>
+          <a:fontRef idx="minor">
+            <a:schemeClr val="tx1"/>
+          </a:fontRef>
+        </p:style>
+      </p:cxnSp>
+      <p:cxnSp>
+        <p:nvCxnSpPr>
+          <p:cNvPr id="35" name="직선 화살표 연결선 34">
+            <a:extLst>
+              <a:ext uri="{FF2B5EF4-FFF2-40B4-BE49-F238E27FC236}">
+                <a16:creationId xmlns:a16="http://schemas.microsoft.com/office/drawing/2014/main" id="{71F835EB-34C4-429E-B529-DECD86DB3D94}"/>
+              </a:ext>
+            </a:extLst>
+          </p:cNvPr>
+          <p:cNvCxnSpPr>
+            <a:cxnSpLocks/>
+          </p:cNvCxnSpPr>
+          <p:nvPr/>
+        </p:nvCxnSpPr>
+        <p:spPr>
+          <a:xfrm rot="5400000">
+            <a:off x="2783846" y="2679243"/>
+            <a:ext cx="234028" cy="0"/>
+          </a:xfrm>
+          <a:prstGeom prst="straightConnector1">
+            <a:avLst/>
+          </a:prstGeom>
+          <a:ln>
+            <a:solidFill>
+              <a:schemeClr val="tx1"/>
+            </a:solidFill>
+            <a:headEnd type="none" w="med" len="med"/>
+            <a:tailEnd type="none" w="med" len="med"/>
+          </a:ln>
+        </p:spPr>
+        <p:style>
+          <a:lnRef idx="1">
+            <a:schemeClr val="accent1"/>
+          </a:lnRef>
+          <a:fillRef idx="0">
+            <a:schemeClr val="accent1"/>
+          </a:fillRef>
+          <a:effectRef idx="0">
+            <a:schemeClr val="accent1"/>
+          </a:effectRef>
+          <a:fontRef idx="minor">
+            <a:schemeClr val="tx1"/>
+          </a:fontRef>
+        </p:style>
+      </p:cxnSp>
+      <p:sp>
+        <p:nvSpPr>
+          <p:cNvPr id="30" name="자유형: 도형 29">
+            <a:extLst>
+              <a:ext uri="{FF2B5EF4-FFF2-40B4-BE49-F238E27FC236}">
+                <a16:creationId xmlns:a16="http://schemas.microsoft.com/office/drawing/2014/main" id="{442B54E9-1B5C-4D5F-9B8D-2670DEC74E15}"/>
+              </a:ext>
+            </a:extLst>
+          </p:cNvPr>
+          <p:cNvSpPr/>
+          <p:nvPr/>
+        </p:nvSpPr>
+        <p:spPr>
+          <a:xfrm>
+            <a:off x="3313394" y="2580027"/>
+            <a:ext cx="406400" cy="158750"/>
+          </a:xfrm>
+          <a:custGeom>
+            <a:avLst/>
+            <a:gdLst>
+              <a:gd name="connsiteX0" fmla="*/ 0 w 406400"/>
+              <a:gd name="connsiteY0" fmla="*/ 158750 h 158750"/>
+              <a:gd name="connsiteX1" fmla="*/ 136525 w 406400"/>
+              <a:gd name="connsiteY1" fmla="*/ 136525 h 158750"/>
+              <a:gd name="connsiteX2" fmla="*/ 282575 w 406400"/>
+              <a:gd name="connsiteY2" fmla="*/ 85725 h 158750"/>
+              <a:gd name="connsiteX3" fmla="*/ 406400 w 406400"/>
+              <a:gd name="connsiteY3" fmla="*/ 0 h 158750"/>
+            </a:gdLst>
+            <a:ahLst/>
+            <a:cxnLst>
+              <a:cxn ang="0">
+                <a:pos x="connsiteX0" y="connsiteY0"/>
+              </a:cxn>
+              <a:cxn ang="0">
+                <a:pos x="connsiteX1" y="connsiteY1"/>
+              </a:cxn>
+              <a:cxn ang="0">
+                <a:pos x="connsiteX2" y="connsiteY2"/>
+              </a:cxn>
+              <a:cxn ang="0">
+                <a:pos x="connsiteX3" y="connsiteY3"/>
+              </a:cxn>
+            </a:cxnLst>
+            <a:rect l="l" t="t" r="r" b="b"/>
+            <a:pathLst>
+              <a:path w="406400" h="158750">
+                <a:moveTo>
+                  <a:pt x="0" y="158750"/>
+                </a:moveTo>
+                <a:cubicBezTo>
+                  <a:pt x="44714" y="153723"/>
+                  <a:pt x="89429" y="148696"/>
+                  <a:pt x="136525" y="136525"/>
+                </a:cubicBezTo>
+                <a:cubicBezTo>
+                  <a:pt x="183621" y="124354"/>
+                  <a:pt x="237596" y="108479"/>
+                  <a:pt x="282575" y="85725"/>
+                </a:cubicBezTo>
+                <a:cubicBezTo>
+                  <a:pt x="327554" y="62971"/>
+                  <a:pt x="366977" y="31485"/>
+                  <a:pt x="406400" y="0"/>
+                </a:cubicBezTo>
+              </a:path>
+            </a:pathLst>
+          </a:custGeom>
+          <a:noFill/>
+          <a:ln>
+            <a:solidFill>
+              <a:schemeClr val="accent2"/>
+            </a:solidFill>
+          </a:ln>
+        </p:spPr>
+        <p:style>
+          <a:lnRef idx="2">
+            <a:schemeClr val="accent1">
+              <a:shade val="50000"/>
+            </a:schemeClr>
+          </a:lnRef>
+          <a:fillRef idx="1">
+            <a:schemeClr val="accent1"/>
+          </a:fillRef>
+          <a:effectRef idx="0">
+            <a:schemeClr val="accent1"/>
+          </a:effectRef>
+          <a:fontRef idx="minor">
+            <a:schemeClr val="lt1"/>
+          </a:fontRef>
+        </p:style>
+        <p:txBody>
+          <a:bodyPr rtlCol="0" anchor="ctr"/>
+          <a:lstStyle/>
+          <a:p>
+            <a:pPr algn="ctr"/>
+            <a:endParaRPr lang="ko-KR" altLang="en-US"/>
+          </a:p>
+        </p:txBody>
+      </p:sp>
+      <p:sp>
+        <p:nvSpPr>
+          <p:cNvPr id="36" name="직사각형 35">
+            <a:extLst>
+              <a:ext uri="{FF2B5EF4-FFF2-40B4-BE49-F238E27FC236}">
+                <a16:creationId xmlns:a16="http://schemas.microsoft.com/office/drawing/2014/main" id="{197935CE-27A2-4E8C-BB9B-D85388ED5A60}"/>
+              </a:ext>
+            </a:extLst>
+          </p:cNvPr>
+          <p:cNvSpPr/>
+          <p:nvPr/>
+        </p:nvSpPr>
+        <p:spPr>
+          <a:xfrm>
+            <a:off x="3265769" y="2495859"/>
+            <a:ext cx="490538" cy="327087"/>
+          </a:xfrm>
+          <a:prstGeom prst="rect">
+            <a:avLst/>
+          </a:prstGeom>
+          <a:noFill/>
+          <a:ln>
+            <a:solidFill>
+              <a:schemeClr val="tx1"/>
+            </a:solidFill>
+          </a:ln>
+        </p:spPr>
+        <p:style>
+          <a:lnRef idx="2">
+            <a:schemeClr val="accent1">
+              <a:shade val="50000"/>
+            </a:schemeClr>
+          </a:lnRef>
+          <a:fillRef idx="1">
+            <a:schemeClr val="accent1"/>
+          </a:fillRef>
+          <a:effectRef idx="0">
+            <a:schemeClr val="accent1"/>
+          </a:effectRef>
+          <a:fontRef idx="minor">
+            <a:schemeClr val="lt1"/>
+          </a:fontRef>
+        </p:style>
+        <p:txBody>
+          <a:bodyPr rtlCol="0" anchor="ctr"/>
+          <a:lstStyle/>
+          <a:p>
+            <a:pPr algn="ctr"/>
+            <a:endParaRPr lang="ko-KR" altLang="en-US"/>
+          </a:p>
+        </p:txBody>
+      </p:sp>
+      <p:cxnSp>
+        <p:nvCxnSpPr>
+          <p:cNvPr id="37" name="직선 화살표 연결선 36">
+            <a:extLst>
+              <a:ext uri="{FF2B5EF4-FFF2-40B4-BE49-F238E27FC236}">
+                <a16:creationId xmlns:a16="http://schemas.microsoft.com/office/drawing/2014/main" id="{85B853C7-5AD1-4900-A1EC-B1F45D26B0B9}"/>
+              </a:ext>
+            </a:extLst>
+          </p:cNvPr>
+          <p:cNvCxnSpPr/>
+          <p:nvPr/>
+        </p:nvCxnSpPr>
+        <p:spPr>
+          <a:xfrm>
+            <a:off x="3305328" y="2773702"/>
+            <a:ext cx="414594" cy="0"/>
+          </a:xfrm>
+          <a:prstGeom prst="straightConnector1">
+            <a:avLst/>
+          </a:prstGeom>
+          <a:ln>
+            <a:solidFill>
+              <a:schemeClr val="tx1"/>
+            </a:solidFill>
+            <a:headEnd type="none" w="med" len="med"/>
+            <a:tailEnd type="none" w="med" len="med"/>
+          </a:ln>
+        </p:spPr>
+        <p:style>
+          <a:lnRef idx="1">
+            <a:schemeClr val="accent1"/>
+          </a:lnRef>
+          <a:fillRef idx="0">
+            <a:schemeClr val="accent1"/>
+          </a:fillRef>
+          <a:effectRef idx="0">
+            <a:schemeClr val="accent1"/>
+          </a:effectRef>
+          <a:fontRef idx="minor">
+            <a:schemeClr val="tx1"/>
+          </a:fontRef>
+        </p:style>
+      </p:cxnSp>
+      <p:cxnSp>
+        <p:nvCxnSpPr>
+          <p:cNvPr id="38" name="직선 화살표 연결선 37">
+            <a:extLst>
+              <a:ext uri="{FF2B5EF4-FFF2-40B4-BE49-F238E27FC236}">
+                <a16:creationId xmlns:a16="http://schemas.microsoft.com/office/drawing/2014/main" id="{C6DF974D-07DF-4947-9EA3-489353FFF64E}"/>
+              </a:ext>
+            </a:extLst>
+          </p:cNvPr>
+          <p:cNvCxnSpPr>
+            <a:cxnSpLocks/>
+          </p:cNvCxnSpPr>
+          <p:nvPr/>
+        </p:nvCxnSpPr>
+        <p:spPr>
+          <a:xfrm rot="5400000">
+            <a:off x="3397992" y="2679243"/>
+            <a:ext cx="234028" cy="0"/>
+          </a:xfrm>
+          <a:prstGeom prst="straightConnector1">
+            <a:avLst/>
+          </a:prstGeom>
+          <a:ln>
+            <a:solidFill>
+              <a:schemeClr val="tx1"/>
+            </a:solidFill>
+            <a:headEnd type="none" w="med" len="med"/>
+            <a:tailEnd type="none" w="med" len="med"/>
+          </a:ln>
+        </p:spPr>
+        <p:style>
+          <a:lnRef idx="1">
+            <a:schemeClr val="accent1"/>
+          </a:lnRef>
+          <a:fillRef idx="0">
+            <a:schemeClr val="accent1"/>
+          </a:fillRef>
+          <a:effectRef idx="0">
+            <a:schemeClr val="accent1"/>
+          </a:effectRef>
+          <a:fontRef idx="minor">
+            <a:schemeClr val="tx1"/>
+          </a:fontRef>
+        </p:style>
+      </p:cxnSp>
+      <p:sp>
+        <p:nvSpPr>
+          <p:cNvPr id="31" name="자유형: 도형 30">
+            <a:extLst>
+              <a:ext uri="{FF2B5EF4-FFF2-40B4-BE49-F238E27FC236}">
+                <a16:creationId xmlns:a16="http://schemas.microsoft.com/office/drawing/2014/main" id="{0E612B73-0CF9-4BB8-8C5C-67B382EA1451}"/>
+              </a:ext>
+            </a:extLst>
+          </p:cNvPr>
+          <p:cNvSpPr/>
+          <p:nvPr/>
+        </p:nvSpPr>
+        <p:spPr>
+          <a:xfrm>
+            <a:off x="3933849" y="2646702"/>
+            <a:ext cx="393700" cy="69850"/>
+          </a:xfrm>
+          <a:custGeom>
+            <a:avLst/>
+            <a:gdLst>
+              <a:gd name="connsiteX0" fmla="*/ 0 w 393700"/>
+              <a:gd name="connsiteY0" fmla="*/ 69850 h 69850"/>
+              <a:gd name="connsiteX1" fmla="*/ 155575 w 393700"/>
+              <a:gd name="connsiteY1" fmla="*/ 53975 h 69850"/>
+              <a:gd name="connsiteX2" fmla="*/ 307975 w 393700"/>
+              <a:gd name="connsiteY2" fmla="*/ 25400 h 69850"/>
+              <a:gd name="connsiteX3" fmla="*/ 393700 w 393700"/>
+              <a:gd name="connsiteY3" fmla="*/ 0 h 69850"/>
+            </a:gdLst>
+            <a:ahLst/>
+            <a:cxnLst>
+              <a:cxn ang="0">
+                <a:pos x="connsiteX0" y="connsiteY0"/>
+              </a:cxn>
+              <a:cxn ang="0">
+                <a:pos x="connsiteX1" y="connsiteY1"/>
+              </a:cxn>
+              <a:cxn ang="0">
+                <a:pos x="connsiteX2" y="connsiteY2"/>
+              </a:cxn>
+              <a:cxn ang="0">
+                <a:pos x="connsiteX3" y="connsiteY3"/>
+              </a:cxn>
+            </a:cxnLst>
+            <a:rect l="l" t="t" r="r" b="b"/>
+            <a:pathLst>
+              <a:path w="393700" h="69850">
+                <a:moveTo>
+                  <a:pt x="0" y="69850"/>
+                </a:moveTo>
+                <a:cubicBezTo>
+                  <a:pt x="52123" y="65616"/>
+                  <a:pt x="104246" y="61383"/>
+                  <a:pt x="155575" y="53975"/>
+                </a:cubicBezTo>
+                <a:cubicBezTo>
+                  <a:pt x="206904" y="46567"/>
+                  <a:pt x="268288" y="34396"/>
+                  <a:pt x="307975" y="25400"/>
+                </a:cubicBezTo>
+                <a:cubicBezTo>
+                  <a:pt x="347662" y="16404"/>
+                  <a:pt x="370681" y="8202"/>
+                  <a:pt x="393700" y="0"/>
+                </a:cubicBezTo>
+              </a:path>
+            </a:pathLst>
+          </a:custGeom>
+          <a:noFill/>
+          <a:ln>
+            <a:solidFill>
+              <a:schemeClr val="accent2"/>
+            </a:solidFill>
+          </a:ln>
+        </p:spPr>
+        <p:style>
+          <a:lnRef idx="2">
+            <a:schemeClr val="accent1">
+              <a:shade val="50000"/>
+            </a:schemeClr>
+          </a:lnRef>
+          <a:fillRef idx="1">
+            <a:schemeClr val="accent1"/>
+          </a:fillRef>
+          <a:effectRef idx="0">
+            <a:schemeClr val="accent1"/>
+          </a:effectRef>
+          <a:fontRef idx="minor">
+            <a:schemeClr val="lt1"/>
+          </a:fontRef>
+        </p:style>
+        <p:txBody>
+          <a:bodyPr rtlCol="0" anchor="ctr"/>
+          <a:lstStyle/>
+          <a:p>
+            <a:pPr algn="ctr"/>
+            <a:endParaRPr lang="ko-KR" altLang="en-US"/>
+          </a:p>
+        </p:txBody>
+      </p:sp>
+      <p:sp>
+        <p:nvSpPr>
+          <p:cNvPr id="39" name="직사각형 38">
+            <a:extLst>
+              <a:ext uri="{FF2B5EF4-FFF2-40B4-BE49-F238E27FC236}">
+                <a16:creationId xmlns:a16="http://schemas.microsoft.com/office/drawing/2014/main" id="{8A76943B-6549-400F-AC9A-F0CFE9C71327}"/>
+              </a:ext>
+            </a:extLst>
+          </p:cNvPr>
+          <p:cNvSpPr/>
+          <p:nvPr/>
+        </p:nvSpPr>
+        <p:spPr>
+          <a:xfrm>
+            <a:off x="3879915" y="2495859"/>
+            <a:ext cx="490538" cy="327087"/>
+          </a:xfrm>
+          <a:prstGeom prst="rect">
+            <a:avLst/>
+          </a:prstGeom>
+          <a:noFill/>
+          <a:ln>
+            <a:solidFill>
+              <a:schemeClr val="tx1"/>
+            </a:solidFill>
+          </a:ln>
+        </p:spPr>
+        <p:style>
+          <a:lnRef idx="2">
+            <a:schemeClr val="accent1">
+              <a:shade val="50000"/>
+            </a:schemeClr>
+          </a:lnRef>
+          <a:fillRef idx="1">
+            <a:schemeClr val="accent1"/>
+          </a:fillRef>
+          <a:effectRef idx="0">
+            <a:schemeClr val="accent1"/>
+          </a:effectRef>
+          <a:fontRef idx="minor">
+            <a:schemeClr val="lt1"/>
+          </a:fontRef>
+        </p:style>
+        <p:txBody>
+          <a:bodyPr rtlCol="0" anchor="ctr"/>
+          <a:lstStyle/>
+          <a:p>
+            <a:pPr algn="ctr"/>
+            <a:endParaRPr lang="ko-KR" altLang="en-US"/>
+          </a:p>
+        </p:txBody>
+      </p:sp>
+      <p:cxnSp>
+        <p:nvCxnSpPr>
+          <p:cNvPr id="40" name="직선 화살표 연결선 39">
+            <a:extLst>
+              <a:ext uri="{FF2B5EF4-FFF2-40B4-BE49-F238E27FC236}">
+                <a16:creationId xmlns:a16="http://schemas.microsoft.com/office/drawing/2014/main" id="{07357CC6-456B-453D-823A-D6A77777E1B2}"/>
+              </a:ext>
+            </a:extLst>
+          </p:cNvPr>
+          <p:cNvCxnSpPr/>
+          <p:nvPr/>
+        </p:nvCxnSpPr>
+        <p:spPr>
+          <a:xfrm>
+            <a:off x="3919474" y="2773702"/>
+            <a:ext cx="414594" cy="0"/>
+          </a:xfrm>
+          <a:prstGeom prst="straightConnector1">
+            <a:avLst/>
+          </a:prstGeom>
+          <a:ln>
+            <a:solidFill>
+              <a:schemeClr val="tx1"/>
+            </a:solidFill>
+            <a:headEnd type="none" w="med" len="med"/>
+            <a:tailEnd type="none" w="med" len="med"/>
+          </a:ln>
+        </p:spPr>
+        <p:style>
+          <a:lnRef idx="1">
+            <a:schemeClr val="accent1"/>
+          </a:lnRef>
+          <a:fillRef idx="0">
+            <a:schemeClr val="accent1"/>
+          </a:fillRef>
+          <a:effectRef idx="0">
+            <a:schemeClr val="accent1"/>
+          </a:effectRef>
+          <a:fontRef idx="minor">
+            <a:schemeClr val="tx1"/>
+          </a:fontRef>
+        </p:style>
+      </p:cxnSp>
+      <p:cxnSp>
+        <p:nvCxnSpPr>
+          <p:cNvPr id="41" name="직선 화살표 연결선 40">
+            <a:extLst>
+              <a:ext uri="{FF2B5EF4-FFF2-40B4-BE49-F238E27FC236}">
+                <a16:creationId xmlns:a16="http://schemas.microsoft.com/office/drawing/2014/main" id="{F2ED4C2F-8DB7-4DD4-937C-813A60BB905F}"/>
+              </a:ext>
+            </a:extLst>
+          </p:cNvPr>
+          <p:cNvCxnSpPr>
+            <a:cxnSpLocks/>
+          </p:cNvCxnSpPr>
+          <p:nvPr/>
+        </p:nvCxnSpPr>
+        <p:spPr>
+          <a:xfrm rot="5400000">
+            <a:off x="4012138" y="2679243"/>
+            <a:ext cx="234028" cy="0"/>
+          </a:xfrm>
+          <a:prstGeom prst="straightConnector1">
+            <a:avLst/>
+          </a:prstGeom>
+          <a:ln>
+            <a:solidFill>
+              <a:schemeClr val="tx1"/>
+            </a:solidFill>
+            <a:headEnd type="none" w="med" len="med"/>
+            <a:tailEnd type="none" w="med" len="med"/>
+          </a:ln>
+        </p:spPr>
+        <p:style>
+          <a:lnRef idx="1">
+            <a:schemeClr val="accent1"/>
+          </a:lnRef>
+          <a:fillRef idx="0">
+            <a:schemeClr val="accent1"/>
+          </a:fillRef>
+          <a:effectRef idx="0">
+            <a:schemeClr val="accent1"/>
+          </a:effectRef>
+          <a:fontRef idx="minor">
+            <a:schemeClr val="tx1"/>
+          </a:fontRef>
+        </p:style>
+      </p:cxnSp>
+      <p:sp>
+        <p:nvSpPr>
+          <p:cNvPr id="42" name="직사각형 41">
+            <a:extLst>
+              <a:ext uri="{FF2B5EF4-FFF2-40B4-BE49-F238E27FC236}">
+                <a16:creationId xmlns:a16="http://schemas.microsoft.com/office/drawing/2014/main" id="{42E4C323-46BE-4458-A23A-425D0BAE95A0}"/>
+              </a:ext>
+            </a:extLst>
+          </p:cNvPr>
+          <p:cNvSpPr/>
+          <p:nvPr/>
+        </p:nvSpPr>
+        <p:spPr>
+          <a:xfrm>
+            <a:off x="4494061" y="2495859"/>
+            <a:ext cx="490538" cy="327087"/>
+          </a:xfrm>
+          <a:prstGeom prst="rect">
+            <a:avLst/>
+          </a:prstGeom>
+          <a:noFill/>
+          <a:ln>
+            <a:solidFill>
+              <a:schemeClr val="tx1"/>
+            </a:solidFill>
+          </a:ln>
+        </p:spPr>
+        <p:style>
+          <a:lnRef idx="2">
+            <a:schemeClr val="accent1">
+              <a:shade val="50000"/>
+            </a:schemeClr>
+          </a:lnRef>
+          <a:fillRef idx="1">
+            <a:schemeClr val="accent1"/>
+          </a:fillRef>
+          <a:effectRef idx="0">
+            <a:schemeClr val="accent1"/>
+          </a:effectRef>
+          <a:fontRef idx="minor">
+            <a:schemeClr val="lt1"/>
+          </a:fontRef>
+        </p:style>
+        <p:txBody>
+          <a:bodyPr rtlCol="0" anchor="ctr"/>
+          <a:lstStyle/>
+          <a:p>
+            <a:pPr algn="ctr"/>
+            <a:endParaRPr lang="ko-KR" altLang="en-US"/>
+          </a:p>
+        </p:txBody>
+      </p:sp>
+      <p:cxnSp>
+        <p:nvCxnSpPr>
+          <p:cNvPr id="43" name="직선 화살표 연결선 42">
+            <a:extLst>
+              <a:ext uri="{FF2B5EF4-FFF2-40B4-BE49-F238E27FC236}">
+                <a16:creationId xmlns:a16="http://schemas.microsoft.com/office/drawing/2014/main" id="{7A27835D-E7DD-4737-B240-94B3DC7BD76C}"/>
+              </a:ext>
+            </a:extLst>
+          </p:cNvPr>
+          <p:cNvCxnSpPr/>
+          <p:nvPr/>
+        </p:nvCxnSpPr>
+        <p:spPr>
+          <a:xfrm>
+            <a:off x="4533620" y="2773702"/>
+            <a:ext cx="414594" cy="0"/>
+          </a:xfrm>
+          <a:prstGeom prst="straightConnector1">
+            <a:avLst/>
+          </a:prstGeom>
+          <a:ln>
+            <a:solidFill>
+              <a:schemeClr val="tx1"/>
+            </a:solidFill>
+            <a:headEnd type="none" w="med" len="med"/>
+            <a:tailEnd type="none" w="med" len="med"/>
+          </a:ln>
+        </p:spPr>
+        <p:style>
+          <a:lnRef idx="1">
+            <a:schemeClr val="accent1"/>
+          </a:lnRef>
+          <a:fillRef idx="0">
+            <a:schemeClr val="accent1"/>
+          </a:fillRef>
+          <a:effectRef idx="0">
+            <a:schemeClr val="accent1"/>
+          </a:effectRef>
+          <a:fontRef idx="minor">
+            <a:schemeClr val="tx1"/>
+          </a:fontRef>
+        </p:style>
+      </p:cxnSp>
+      <p:cxnSp>
+        <p:nvCxnSpPr>
+          <p:cNvPr id="44" name="직선 화살표 연결선 43">
+            <a:extLst>
+              <a:ext uri="{FF2B5EF4-FFF2-40B4-BE49-F238E27FC236}">
+                <a16:creationId xmlns:a16="http://schemas.microsoft.com/office/drawing/2014/main" id="{492DF501-32FF-4BF7-8F2F-366C4680B875}"/>
+              </a:ext>
+            </a:extLst>
+          </p:cNvPr>
+          <p:cNvCxnSpPr>
+            <a:cxnSpLocks/>
+          </p:cNvCxnSpPr>
+          <p:nvPr/>
+        </p:nvCxnSpPr>
+        <p:spPr>
+          <a:xfrm rot="5400000">
+            <a:off x="4626284" y="2679243"/>
+            <a:ext cx="234028" cy="0"/>
+          </a:xfrm>
+          <a:prstGeom prst="straightConnector1">
+            <a:avLst/>
+          </a:prstGeom>
+          <a:ln>
+            <a:solidFill>
+              <a:schemeClr val="tx1"/>
+            </a:solidFill>
+            <a:headEnd type="none" w="med" len="med"/>
+            <a:tailEnd type="none" w="med" len="med"/>
+          </a:ln>
+        </p:spPr>
+        <p:style>
+          <a:lnRef idx="1">
+            <a:schemeClr val="accent1"/>
+          </a:lnRef>
+          <a:fillRef idx="0">
+            <a:schemeClr val="accent1"/>
+          </a:fillRef>
+          <a:effectRef idx="0">
+            <a:schemeClr val="accent1"/>
+          </a:effectRef>
+          <a:fontRef idx="minor">
+            <a:schemeClr val="tx1"/>
+          </a:fontRef>
+        </p:style>
+      </p:cxnSp>
+      <p:sp>
+        <p:nvSpPr>
+          <p:cNvPr id="48" name="자유형: 도형 47">
+            <a:extLst>
+              <a:ext uri="{FF2B5EF4-FFF2-40B4-BE49-F238E27FC236}">
+                <a16:creationId xmlns:a16="http://schemas.microsoft.com/office/drawing/2014/main" id="{3580F689-AF1B-4CFC-8D62-ECC68A30AE7E}"/>
+              </a:ext>
+            </a:extLst>
+          </p:cNvPr>
+          <p:cNvSpPr/>
+          <p:nvPr/>
+        </p:nvSpPr>
+        <p:spPr>
+          <a:xfrm flipH="1">
+            <a:off x="6400000" y="2532402"/>
+            <a:ext cx="381000" cy="219075"/>
+          </a:xfrm>
+          <a:custGeom>
+            <a:avLst/>
+            <a:gdLst>
+              <a:gd name="connsiteX0" fmla="*/ 0 w 381000"/>
+              <a:gd name="connsiteY0" fmla="*/ 219075 h 219075"/>
+              <a:gd name="connsiteX1" fmla="*/ 136525 w 381000"/>
+              <a:gd name="connsiteY1" fmla="*/ 193675 h 219075"/>
+              <a:gd name="connsiteX2" fmla="*/ 263525 w 381000"/>
+              <a:gd name="connsiteY2" fmla="*/ 127000 h 219075"/>
+              <a:gd name="connsiteX3" fmla="*/ 346075 w 381000"/>
+              <a:gd name="connsiteY3" fmla="*/ 53975 h 219075"/>
+              <a:gd name="connsiteX4" fmla="*/ 381000 w 381000"/>
+              <a:gd name="connsiteY4" fmla="*/ 0 h 219075"/>
+            </a:gdLst>
+            <a:ahLst/>
+            <a:cxnLst>
+              <a:cxn ang="0">
+                <a:pos x="connsiteX0" y="connsiteY0"/>
+              </a:cxn>
+              <a:cxn ang="0">
+                <a:pos x="connsiteX1" y="connsiteY1"/>
+              </a:cxn>
+              <a:cxn ang="0">
+                <a:pos x="connsiteX2" y="connsiteY2"/>
+              </a:cxn>
+              <a:cxn ang="0">
+                <a:pos x="connsiteX3" y="connsiteY3"/>
+              </a:cxn>
+              <a:cxn ang="0">
+                <a:pos x="connsiteX4" y="connsiteY4"/>
+              </a:cxn>
+            </a:cxnLst>
+            <a:rect l="l" t="t" r="r" b="b"/>
+            <a:pathLst>
+              <a:path w="381000" h="219075">
+                <a:moveTo>
+                  <a:pt x="0" y="219075"/>
+                </a:moveTo>
+                <a:cubicBezTo>
+                  <a:pt x="46302" y="214048"/>
+                  <a:pt x="92604" y="209021"/>
+                  <a:pt x="136525" y="193675"/>
+                </a:cubicBezTo>
+                <a:cubicBezTo>
+                  <a:pt x="180446" y="178329"/>
+                  <a:pt x="228600" y="150283"/>
+                  <a:pt x="263525" y="127000"/>
+                </a:cubicBezTo>
+                <a:cubicBezTo>
+                  <a:pt x="298450" y="103717"/>
+                  <a:pt x="326496" y="75142"/>
+                  <a:pt x="346075" y="53975"/>
+                </a:cubicBezTo>
+                <a:cubicBezTo>
+                  <a:pt x="365654" y="32808"/>
+                  <a:pt x="373327" y="16404"/>
+                  <a:pt x="381000" y="0"/>
+                </a:cubicBezTo>
+              </a:path>
+            </a:pathLst>
+          </a:custGeom>
+          <a:noFill/>
+          <a:ln>
+            <a:solidFill>
+              <a:schemeClr val="accent2"/>
+            </a:solidFill>
+          </a:ln>
+        </p:spPr>
+        <p:style>
+          <a:lnRef idx="2">
+            <a:schemeClr val="accent1">
+              <a:shade val="50000"/>
+            </a:schemeClr>
+          </a:lnRef>
+          <a:fillRef idx="1">
+            <a:schemeClr val="accent1"/>
+          </a:fillRef>
+          <a:effectRef idx="0">
+            <a:schemeClr val="accent1"/>
+          </a:effectRef>
+          <a:fontRef idx="minor">
+            <a:schemeClr val="lt1"/>
+          </a:fontRef>
+        </p:style>
+        <p:txBody>
+          <a:bodyPr rtlCol="0" anchor="ctr"/>
+          <a:lstStyle/>
+          <a:p>
+            <a:pPr algn="ctr"/>
+            <a:endParaRPr lang="ko-KR" altLang="en-US"/>
+          </a:p>
+        </p:txBody>
+      </p:sp>
+      <p:sp>
+        <p:nvSpPr>
+          <p:cNvPr id="51" name="직사각형 50">
+            <a:extLst>
+              <a:ext uri="{FF2B5EF4-FFF2-40B4-BE49-F238E27FC236}">
+                <a16:creationId xmlns:a16="http://schemas.microsoft.com/office/drawing/2014/main" id="{48D200A1-D08B-41EB-BE8C-518B37310008}"/>
+              </a:ext>
+            </a:extLst>
+          </p:cNvPr>
+          <p:cNvSpPr/>
+          <p:nvPr/>
+        </p:nvSpPr>
+        <p:spPr>
+          <a:xfrm flipH="1">
+            <a:off x="6336500" y="2495859"/>
+            <a:ext cx="490538" cy="327087"/>
+          </a:xfrm>
+          <a:prstGeom prst="rect">
+            <a:avLst/>
+          </a:prstGeom>
+          <a:noFill/>
+          <a:ln>
+            <a:solidFill>
+              <a:schemeClr val="tx1"/>
+            </a:solidFill>
+          </a:ln>
+        </p:spPr>
+        <p:style>
+          <a:lnRef idx="2">
+            <a:schemeClr val="accent1">
+              <a:shade val="50000"/>
+            </a:schemeClr>
+          </a:lnRef>
+          <a:fillRef idx="1">
+            <a:schemeClr val="accent1"/>
+          </a:fillRef>
+          <a:effectRef idx="0">
+            <a:schemeClr val="accent1"/>
+          </a:effectRef>
+          <a:fontRef idx="minor">
+            <a:schemeClr val="lt1"/>
+          </a:fontRef>
+        </p:style>
+        <p:txBody>
+          <a:bodyPr rtlCol="0" anchor="ctr"/>
+          <a:lstStyle/>
+          <a:p>
+            <a:pPr algn="ctr"/>
+            <a:endParaRPr lang="ko-KR" altLang="en-US"/>
+          </a:p>
+        </p:txBody>
+      </p:sp>
+      <p:cxnSp>
+        <p:nvCxnSpPr>
+          <p:cNvPr id="52" name="직선 화살표 연결선 51">
+            <a:extLst>
+              <a:ext uri="{FF2B5EF4-FFF2-40B4-BE49-F238E27FC236}">
+                <a16:creationId xmlns:a16="http://schemas.microsoft.com/office/drawing/2014/main" id="{234295AD-8A8D-49EE-999A-09526AD56EEA}"/>
+              </a:ext>
+            </a:extLst>
+          </p:cNvPr>
+          <p:cNvCxnSpPr/>
+          <p:nvPr/>
+        </p:nvCxnSpPr>
+        <p:spPr>
+          <a:xfrm flipH="1">
+            <a:off x="6372885" y="2773702"/>
+            <a:ext cx="414594" cy="0"/>
+          </a:xfrm>
+          <a:prstGeom prst="straightConnector1">
+            <a:avLst/>
+          </a:prstGeom>
+          <a:ln>
+            <a:solidFill>
+              <a:schemeClr val="tx1"/>
+            </a:solidFill>
+            <a:headEnd type="none" w="med" len="med"/>
+            <a:tailEnd type="none" w="med" len="med"/>
+          </a:ln>
+        </p:spPr>
+        <p:style>
+          <a:lnRef idx="1">
+            <a:schemeClr val="accent1"/>
+          </a:lnRef>
+          <a:fillRef idx="0">
+            <a:schemeClr val="accent1"/>
+          </a:fillRef>
+          <a:effectRef idx="0">
+            <a:schemeClr val="accent1"/>
+          </a:effectRef>
+          <a:fontRef idx="minor">
+            <a:schemeClr val="tx1"/>
+          </a:fontRef>
+        </p:style>
+      </p:cxnSp>
+      <p:cxnSp>
+        <p:nvCxnSpPr>
+          <p:cNvPr id="53" name="직선 화살표 연결선 52">
+            <a:extLst>
+              <a:ext uri="{FF2B5EF4-FFF2-40B4-BE49-F238E27FC236}">
+                <a16:creationId xmlns:a16="http://schemas.microsoft.com/office/drawing/2014/main" id="{F2408F80-BEE6-4651-8ABC-10BEC067C84F}"/>
+              </a:ext>
+            </a:extLst>
+          </p:cNvPr>
+          <p:cNvCxnSpPr>
+            <a:cxnSpLocks/>
+          </p:cNvCxnSpPr>
+          <p:nvPr/>
+        </p:nvCxnSpPr>
+        <p:spPr>
+          <a:xfrm rot="16200000" flipH="1">
+            <a:off x="6460787" y="2679243"/>
+            <a:ext cx="234028" cy="0"/>
+          </a:xfrm>
+          <a:prstGeom prst="straightConnector1">
+            <a:avLst/>
+          </a:prstGeom>
+          <a:ln>
+            <a:solidFill>
+              <a:schemeClr val="tx1"/>
+            </a:solidFill>
+            <a:headEnd type="none" w="med" len="med"/>
+            <a:tailEnd type="none" w="med" len="med"/>
+          </a:ln>
+        </p:spPr>
+        <p:style>
+          <a:lnRef idx="1">
+            <a:schemeClr val="accent1"/>
+          </a:lnRef>
+          <a:fillRef idx="0">
+            <a:schemeClr val="accent1"/>
+          </a:fillRef>
+          <a:effectRef idx="0">
+            <a:schemeClr val="accent1"/>
+          </a:effectRef>
+          <a:fontRef idx="minor">
+            <a:schemeClr val="tx1"/>
+          </a:fontRef>
+        </p:style>
+      </p:cxnSp>
+      <p:sp>
+        <p:nvSpPr>
+          <p:cNvPr id="49" name="자유형: 도형 48">
+            <a:extLst>
+              <a:ext uri="{FF2B5EF4-FFF2-40B4-BE49-F238E27FC236}">
+                <a16:creationId xmlns:a16="http://schemas.microsoft.com/office/drawing/2014/main" id="{402D4642-79E7-4493-AE65-259105E6DEA5}"/>
+              </a:ext>
+            </a:extLst>
+          </p:cNvPr>
+          <p:cNvSpPr/>
+          <p:nvPr/>
+        </p:nvSpPr>
+        <p:spPr>
+          <a:xfrm flipH="1">
+            <a:off x="5758866" y="2580027"/>
+            <a:ext cx="406400" cy="158750"/>
+          </a:xfrm>
+          <a:custGeom>
+            <a:avLst/>
+            <a:gdLst>
+              <a:gd name="connsiteX0" fmla="*/ 0 w 406400"/>
+              <a:gd name="connsiteY0" fmla="*/ 158750 h 158750"/>
+              <a:gd name="connsiteX1" fmla="*/ 136525 w 406400"/>
+              <a:gd name="connsiteY1" fmla="*/ 136525 h 158750"/>
+              <a:gd name="connsiteX2" fmla="*/ 282575 w 406400"/>
+              <a:gd name="connsiteY2" fmla="*/ 85725 h 158750"/>
+              <a:gd name="connsiteX3" fmla="*/ 406400 w 406400"/>
+              <a:gd name="connsiteY3" fmla="*/ 0 h 158750"/>
+            </a:gdLst>
+            <a:ahLst/>
+            <a:cxnLst>
+              <a:cxn ang="0">
+                <a:pos x="connsiteX0" y="connsiteY0"/>
+              </a:cxn>
+              <a:cxn ang="0">
+                <a:pos x="connsiteX1" y="connsiteY1"/>
+              </a:cxn>
+              <a:cxn ang="0">
+                <a:pos x="connsiteX2" y="connsiteY2"/>
+              </a:cxn>
+              <a:cxn ang="0">
+                <a:pos x="connsiteX3" y="connsiteY3"/>
+              </a:cxn>
+            </a:cxnLst>
+            <a:rect l="l" t="t" r="r" b="b"/>
+            <a:pathLst>
+              <a:path w="406400" h="158750">
+                <a:moveTo>
+                  <a:pt x="0" y="158750"/>
+                </a:moveTo>
+                <a:cubicBezTo>
+                  <a:pt x="44714" y="153723"/>
+                  <a:pt x="89429" y="148696"/>
+                  <a:pt x="136525" y="136525"/>
+                </a:cubicBezTo>
+                <a:cubicBezTo>
+                  <a:pt x="183621" y="124354"/>
+                  <a:pt x="237596" y="108479"/>
+                  <a:pt x="282575" y="85725"/>
+                </a:cubicBezTo>
+                <a:cubicBezTo>
+                  <a:pt x="327554" y="62971"/>
+                  <a:pt x="366977" y="31485"/>
+                  <a:pt x="406400" y="0"/>
+                </a:cubicBezTo>
+              </a:path>
+            </a:pathLst>
+          </a:custGeom>
+          <a:noFill/>
+          <a:ln>
+            <a:solidFill>
+              <a:schemeClr val="accent2"/>
+            </a:solidFill>
+          </a:ln>
+        </p:spPr>
+        <p:style>
+          <a:lnRef idx="2">
+            <a:schemeClr val="accent1">
+              <a:shade val="50000"/>
+            </a:schemeClr>
+          </a:lnRef>
+          <a:fillRef idx="1">
+            <a:schemeClr val="accent1"/>
+          </a:fillRef>
+          <a:effectRef idx="0">
+            <a:schemeClr val="accent1"/>
+          </a:effectRef>
+          <a:fontRef idx="minor">
+            <a:schemeClr val="lt1"/>
+          </a:fontRef>
+        </p:style>
+        <p:txBody>
+          <a:bodyPr rtlCol="0" anchor="ctr"/>
+          <a:lstStyle/>
+          <a:p>
+            <a:pPr algn="ctr"/>
+            <a:endParaRPr lang="ko-KR" altLang="en-US"/>
+          </a:p>
+        </p:txBody>
+      </p:sp>
+      <p:sp>
+        <p:nvSpPr>
+          <p:cNvPr id="54" name="직사각형 53">
+            <a:extLst>
+              <a:ext uri="{FF2B5EF4-FFF2-40B4-BE49-F238E27FC236}">
+                <a16:creationId xmlns:a16="http://schemas.microsoft.com/office/drawing/2014/main" id="{7D9435C8-6BBB-4561-B962-C4428A867368}"/>
+              </a:ext>
+            </a:extLst>
+          </p:cNvPr>
+          <p:cNvSpPr/>
+          <p:nvPr/>
+        </p:nvSpPr>
+        <p:spPr>
+          <a:xfrm flipH="1">
+            <a:off x="5722353" y="2495859"/>
+            <a:ext cx="490538" cy="327087"/>
+          </a:xfrm>
+          <a:prstGeom prst="rect">
+            <a:avLst/>
+          </a:prstGeom>
+          <a:noFill/>
+          <a:ln>
+            <a:solidFill>
+              <a:schemeClr val="tx1"/>
+            </a:solidFill>
+          </a:ln>
+        </p:spPr>
+        <p:style>
+          <a:lnRef idx="2">
+            <a:schemeClr val="accent1">
+              <a:shade val="50000"/>
+            </a:schemeClr>
+          </a:lnRef>
+          <a:fillRef idx="1">
+            <a:schemeClr val="accent1"/>
+          </a:fillRef>
+          <a:effectRef idx="0">
+            <a:schemeClr val="accent1"/>
+          </a:effectRef>
+          <a:fontRef idx="minor">
+            <a:schemeClr val="lt1"/>
+          </a:fontRef>
+        </p:style>
+        <p:txBody>
+          <a:bodyPr rtlCol="0" anchor="ctr"/>
+          <a:lstStyle/>
+          <a:p>
+            <a:pPr algn="ctr"/>
+            <a:endParaRPr lang="ko-KR" altLang="en-US"/>
+          </a:p>
+        </p:txBody>
+      </p:sp>
+      <p:cxnSp>
+        <p:nvCxnSpPr>
+          <p:cNvPr id="55" name="직선 화살표 연결선 54">
+            <a:extLst>
+              <a:ext uri="{FF2B5EF4-FFF2-40B4-BE49-F238E27FC236}">
+                <a16:creationId xmlns:a16="http://schemas.microsoft.com/office/drawing/2014/main" id="{34ED536C-A09B-4312-AA13-C6DED77DF093}"/>
+              </a:ext>
+            </a:extLst>
+          </p:cNvPr>
+          <p:cNvCxnSpPr/>
+          <p:nvPr/>
+        </p:nvCxnSpPr>
+        <p:spPr>
+          <a:xfrm flipH="1">
+            <a:off x="5758738" y="2773702"/>
+            <a:ext cx="414594" cy="0"/>
+          </a:xfrm>
+          <a:prstGeom prst="straightConnector1">
+            <a:avLst/>
+          </a:prstGeom>
+          <a:ln>
+            <a:solidFill>
+              <a:schemeClr val="tx1"/>
+            </a:solidFill>
+            <a:headEnd type="none" w="med" len="med"/>
+            <a:tailEnd type="none" w="med" len="med"/>
+          </a:ln>
+        </p:spPr>
+        <p:style>
+          <a:lnRef idx="1">
+            <a:schemeClr val="accent1"/>
+          </a:lnRef>
+          <a:fillRef idx="0">
+            <a:schemeClr val="accent1"/>
+          </a:fillRef>
+          <a:effectRef idx="0">
+            <a:schemeClr val="accent1"/>
+          </a:effectRef>
+          <a:fontRef idx="minor">
+            <a:schemeClr val="tx1"/>
+          </a:fontRef>
+        </p:style>
+      </p:cxnSp>
+      <p:cxnSp>
+        <p:nvCxnSpPr>
+          <p:cNvPr id="56" name="직선 화살표 연결선 55">
+            <a:extLst>
+              <a:ext uri="{FF2B5EF4-FFF2-40B4-BE49-F238E27FC236}">
+                <a16:creationId xmlns:a16="http://schemas.microsoft.com/office/drawing/2014/main" id="{3B00E3DD-9534-4253-9016-81C464A27013}"/>
+              </a:ext>
+            </a:extLst>
+          </p:cNvPr>
+          <p:cNvCxnSpPr>
+            <a:cxnSpLocks/>
+          </p:cNvCxnSpPr>
+          <p:nvPr/>
+        </p:nvCxnSpPr>
+        <p:spPr>
+          <a:xfrm rot="16200000" flipH="1">
+            <a:off x="5846640" y="2679243"/>
+            <a:ext cx="234028" cy="0"/>
+          </a:xfrm>
+          <a:prstGeom prst="straightConnector1">
+            <a:avLst/>
+          </a:prstGeom>
+          <a:ln>
+            <a:solidFill>
+              <a:schemeClr val="tx1"/>
+            </a:solidFill>
+            <a:headEnd type="none" w="med" len="med"/>
+            <a:tailEnd type="none" w="med" len="med"/>
+          </a:ln>
+        </p:spPr>
+        <p:style>
+          <a:lnRef idx="1">
+            <a:schemeClr val="accent1"/>
+          </a:lnRef>
+          <a:fillRef idx="0">
+            <a:schemeClr val="accent1"/>
+          </a:fillRef>
+          <a:effectRef idx="0">
+            <a:schemeClr val="accent1"/>
+          </a:effectRef>
+          <a:fontRef idx="minor">
+            <a:schemeClr val="tx1"/>
+          </a:fontRef>
+        </p:style>
+      </p:cxnSp>
+      <p:sp>
+        <p:nvSpPr>
+          <p:cNvPr id="50" name="자유형: 도형 49">
+            <a:extLst>
+              <a:ext uri="{FF2B5EF4-FFF2-40B4-BE49-F238E27FC236}">
+                <a16:creationId xmlns:a16="http://schemas.microsoft.com/office/drawing/2014/main" id="{B11CEAA4-FF82-42CF-B7F5-35994DF9FF08}"/>
+              </a:ext>
+            </a:extLst>
+          </p:cNvPr>
+          <p:cNvSpPr/>
+          <p:nvPr/>
+        </p:nvSpPr>
+        <p:spPr>
+          <a:xfrm flipH="1">
+            <a:off x="5151111" y="2646702"/>
+            <a:ext cx="393700" cy="69850"/>
+          </a:xfrm>
+          <a:custGeom>
+            <a:avLst/>
+            <a:gdLst>
+              <a:gd name="connsiteX0" fmla="*/ 0 w 393700"/>
+              <a:gd name="connsiteY0" fmla="*/ 69850 h 69850"/>
+              <a:gd name="connsiteX1" fmla="*/ 155575 w 393700"/>
+              <a:gd name="connsiteY1" fmla="*/ 53975 h 69850"/>
+              <a:gd name="connsiteX2" fmla="*/ 307975 w 393700"/>
+              <a:gd name="connsiteY2" fmla="*/ 25400 h 69850"/>
+              <a:gd name="connsiteX3" fmla="*/ 393700 w 393700"/>
+              <a:gd name="connsiteY3" fmla="*/ 0 h 69850"/>
+            </a:gdLst>
+            <a:ahLst/>
+            <a:cxnLst>
+              <a:cxn ang="0">
+                <a:pos x="connsiteX0" y="connsiteY0"/>
+              </a:cxn>
+              <a:cxn ang="0">
+                <a:pos x="connsiteX1" y="connsiteY1"/>
+              </a:cxn>
+              <a:cxn ang="0">
+                <a:pos x="connsiteX2" y="connsiteY2"/>
+              </a:cxn>
+              <a:cxn ang="0">
+                <a:pos x="connsiteX3" y="connsiteY3"/>
+              </a:cxn>
+            </a:cxnLst>
+            <a:rect l="l" t="t" r="r" b="b"/>
+            <a:pathLst>
+              <a:path w="393700" h="69850">
+                <a:moveTo>
+                  <a:pt x="0" y="69850"/>
+                </a:moveTo>
+                <a:cubicBezTo>
+                  <a:pt x="52123" y="65616"/>
+                  <a:pt x="104246" y="61383"/>
+                  <a:pt x="155575" y="53975"/>
+                </a:cubicBezTo>
+                <a:cubicBezTo>
+                  <a:pt x="206904" y="46567"/>
+                  <a:pt x="268288" y="34396"/>
+                  <a:pt x="307975" y="25400"/>
+                </a:cubicBezTo>
+                <a:cubicBezTo>
+                  <a:pt x="347662" y="16404"/>
+                  <a:pt x="370681" y="8202"/>
+                  <a:pt x="393700" y="0"/>
+                </a:cubicBezTo>
+              </a:path>
+            </a:pathLst>
+          </a:custGeom>
+          <a:noFill/>
+          <a:ln>
+            <a:solidFill>
+              <a:schemeClr val="accent2"/>
+            </a:solidFill>
+          </a:ln>
+        </p:spPr>
+        <p:style>
+          <a:lnRef idx="2">
+            <a:schemeClr val="accent1">
+              <a:shade val="50000"/>
+            </a:schemeClr>
+          </a:lnRef>
+          <a:fillRef idx="1">
+            <a:schemeClr val="accent1"/>
+          </a:fillRef>
+          <a:effectRef idx="0">
+            <a:schemeClr val="accent1"/>
+          </a:effectRef>
+          <a:fontRef idx="minor">
+            <a:schemeClr val="lt1"/>
+          </a:fontRef>
+        </p:style>
+        <p:txBody>
+          <a:bodyPr rtlCol="0" anchor="ctr"/>
+          <a:lstStyle/>
+          <a:p>
+            <a:pPr algn="ctr"/>
+            <a:endParaRPr lang="ko-KR" altLang="en-US"/>
+          </a:p>
+        </p:txBody>
+      </p:sp>
+      <p:sp>
+        <p:nvSpPr>
+          <p:cNvPr id="57" name="직사각형 56">
+            <a:extLst>
+              <a:ext uri="{FF2B5EF4-FFF2-40B4-BE49-F238E27FC236}">
+                <a16:creationId xmlns:a16="http://schemas.microsoft.com/office/drawing/2014/main" id="{366FD3FA-3747-4FF7-B9CB-C28C97D2F645}"/>
+              </a:ext>
+            </a:extLst>
+          </p:cNvPr>
+          <p:cNvSpPr/>
+          <p:nvPr/>
+        </p:nvSpPr>
+        <p:spPr>
+          <a:xfrm flipH="1">
+            <a:off x="5108207" y="2495859"/>
+            <a:ext cx="490538" cy="327087"/>
+          </a:xfrm>
+          <a:prstGeom prst="rect">
+            <a:avLst/>
+          </a:prstGeom>
+          <a:noFill/>
+          <a:ln>
+            <a:solidFill>
+              <a:schemeClr val="tx1"/>
+            </a:solidFill>
+          </a:ln>
+        </p:spPr>
+        <p:style>
+          <a:lnRef idx="2">
+            <a:schemeClr val="accent1">
+              <a:shade val="50000"/>
+            </a:schemeClr>
+          </a:lnRef>
+          <a:fillRef idx="1">
+            <a:schemeClr val="accent1"/>
+          </a:fillRef>
+          <a:effectRef idx="0">
+            <a:schemeClr val="accent1"/>
+          </a:effectRef>
+          <a:fontRef idx="minor">
+            <a:schemeClr val="lt1"/>
+          </a:fontRef>
+        </p:style>
+        <p:txBody>
+          <a:bodyPr rtlCol="0" anchor="ctr"/>
+          <a:lstStyle/>
+          <a:p>
+            <a:pPr algn="ctr"/>
+            <a:endParaRPr lang="ko-KR" altLang="en-US"/>
+          </a:p>
+        </p:txBody>
+      </p:sp>
+      <p:cxnSp>
+        <p:nvCxnSpPr>
+          <p:cNvPr id="58" name="직선 화살표 연결선 57">
+            <a:extLst>
+              <a:ext uri="{FF2B5EF4-FFF2-40B4-BE49-F238E27FC236}">
+                <a16:creationId xmlns:a16="http://schemas.microsoft.com/office/drawing/2014/main" id="{479DA991-84A8-4848-970E-E47E23EA8915}"/>
+              </a:ext>
+            </a:extLst>
+          </p:cNvPr>
+          <p:cNvCxnSpPr/>
+          <p:nvPr/>
+        </p:nvCxnSpPr>
+        <p:spPr>
+          <a:xfrm flipH="1">
+            <a:off x="5144592" y="2773702"/>
+            <a:ext cx="414594" cy="0"/>
+          </a:xfrm>
+          <a:prstGeom prst="straightConnector1">
+            <a:avLst/>
+          </a:prstGeom>
+          <a:ln>
+            <a:solidFill>
+              <a:schemeClr val="tx1"/>
+            </a:solidFill>
+            <a:headEnd type="none" w="med" len="med"/>
+            <a:tailEnd type="none" w="med" len="med"/>
+          </a:ln>
+        </p:spPr>
+        <p:style>
+          <a:lnRef idx="1">
+            <a:schemeClr val="accent1"/>
+          </a:lnRef>
+          <a:fillRef idx="0">
+            <a:schemeClr val="accent1"/>
+          </a:fillRef>
+          <a:effectRef idx="0">
+            <a:schemeClr val="accent1"/>
+          </a:effectRef>
+          <a:fontRef idx="minor">
+            <a:schemeClr val="tx1"/>
+          </a:fontRef>
+        </p:style>
+      </p:cxnSp>
+      <p:cxnSp>
+        <p:nvCxnSpPr>
+          <p:cNvPr id="59" name="직선 화살표 연결선 58">
+            <a:extLst>
+              <a:ext uri="{FF2B5EF4-FFF2-40B4-BE49-F238E27FC236}">
+                <a16:creationId xmlns:a16="http://schemas.microsoft.com/office/drawing/2014/main" id="{49B79B03-8847-4471-9913-75E8FC9CB5BA}"/>
+              </a:ext>
+            </a:extLst>
+          </p:cNvPr>
+          <p:cNvCxnSpPr>
+            <a:cxnSpLocks/>
+          </p:cNvCxnSpPr>
+          <p:nvPr/>
+        </p:nvCxnSpPr>
+        <p:spPr>
+          <a:xfrm rot="16200000" flipH="1">
+            <a:off x="5232494" y="2679243"/>
+            <a:ext cx="234028" cy="0"/>
+          </a:xfrm>
+          <a:prstGeom prst="straightConnector1">
+            <a:avLst/>
+          </a:prstGeom>
+          <a:ln>
+            <a:solidFill>
+              <a:schemeClr val="tx1"/>
+            </a:solidFill>
+            <a:headEnd type="none" w="med" len="med"/>
+            <a:tailEnd type="none" w="med" len="med"/>
+          </a:ln>
+        </p:spPr>
+        <p:style>
+          <a:lnRef idx="1">
+            <a:schemeClr val="accent1"/>
+          </a:lnRef>
+          <a:fillRef idx="0">
+            <a:schemeClr val="accent1"/>
+          </a:fillRef>
+          <a:effectRef idx="0">
+            <a:schemeClr val="accent1"/>
+          </a:effectRef>
+          <a:fontRef idx="minor">
+            <a:schemeClr val="tx1"/>
+          </a:fontRef>
+        </p:style>
+      </p:cxnSp>
+      <p:cxnSp>
+        <p:nvCxnSpPr>
+          <p:cNvPr id="69" name="직선 화살표 연결선 68">
+            <a:extLst>
+              <a:ext uri="{FF2B5EF4-FFF2-40B4-BE49-F238E27FC236}">
+                <a16:creationId xmlns:a16="http://schemas.microsoft.com/office/drawing/2014/main" id="{053B932A-FFB4-48E3-92D4-9C5184D66FE9}"/>
+              </a:ext>
+            </a:extLst>
+          </p:cNvPr>
+          <p:cNvCxnSpPr/>
+          <p:nvPr/>
+        </p:nvCxnSpPr>
+        <p:spPr>
+          <a:xfrm>
+            <a:off x="4533620" y="2692739"/>
+            <a:ext cx="414594" cy="0"/>
+          </a:xfrm>
+          <a:prstGeom prst="straightConnector1">
+            <a:avLst/>
+          </a:prstGeom>
+          <a:ln w="12700">
+            <a:solidFill>
+              <a:schemeClr val="accent2"/>
+            </a:solidFill>
+            <a:headEnd type="none" w="med" len="med"/>
+            <a:tailEnd type="none" w="med" len="med"/>
+          </a:ln>
+        </p:spPr>
+        <p:style>
+          <a:lnRef idx="1">
+            <a:schemeClr val="accent1"/>
+          </a:lnRef>
+          <a:fillRef idx="0">
+            <a:schemeClr val="accent1"/>
+          </a:fillRef>
+          <a:effectRef idx="0">
+            <a:schemeClr val="accent1"/>
+          </a:effectRef>
+          <a:fontRef idx="minor">
+            <a:schemeClr val="tx1"/>
+          </a:fontRef>
+        </p:style>
+      </p:cxnSp>
+      <p:cxnSp>
+        <p:nvCxnSpPr>
+          <p:cNvPr id="79" name="직선 화살표 연결선 78">
+            <a:extLst>
+              <a:ext uri="{FF2B5EF4-FFF2-40B4-BE49-F238E27FC236}">
+                <a16:creationId xmlns:a16="http://schemas.microsoft.com/office/drawing/2014/main" id="{6875C526-0961-48AC-A5C5-8EAF69900AD2}"/>
+              </a:ext>
+            </a:extLst>
+          </p:cNvPr>
+          <p:cNvCxnSpPr>
+            <a:cxnSpLocks/>
+          </p:cNvCxnSpPr>
+          <p:nvPr/>
+        </p:nvCxnSpPr>
+        <p:spPr>
+          <a:xfrm flipH="1">
+            <a:off x="2896892" y="2245246"/>
+            <a:ext cx="1625" cy="223924"/>
+          </a:xfrm>
+          <a:prstGeom prst="straightConnector1">
+            <a:avLst/>
+          </a:prstGeom>
+          <a:ln>
+            <a:solidFill>
+              <a:schemeClr val="tx1"/>
+            </a:solidFill>
+            <a:tailEnd type="triangle"/>
+          </a:ln>
+        </p:spPr>
+        <p:style>
+          <a:lnRef idx="1">
+            <a:schemeClr val="accent1"/>
+          </a:lnRef>
+          <a:fillRef idx="0">
+            <a:schemeClr val="accent1"/>
+          </a:fillRef>
+          <a:effectRef idx="0">
+            <a:schemeClr val="accent1"/>
+          </a:effectRef>
+          <a:fontRef idx="minor">
+            <a:schemeClr val="tx1"/>
+          </a:fontRef>
+        </p:style>
+      </p:cxnSp>
+      <p:cxnSp>
+        <p:nvCxnSpPr>
+          <p:cNvPr id="80" name="직선 화살표 연결선 79">
+            <a:extLst>
+              <a:ext uri="{FF2B5EF4-FFF2-40B4-BE49-F238E27FC236}">
+                <a16:creationId xmlns:a16="http://schemas.microsoft.com/office/drawing/2014/main" id="{2CB0C87A-BAF0-4AAC-A214-1A59A9A52251}"/>
+              </a:ext>
+            </a:extLst>
+          </p:cNvPr>
+          <p:cNvCxnSpPr>
+            <a:cxnSpLocks/>
+          </p:cNvCxnSpPr>
+          <p:nvPr/>
+        </p:nvCxnSpPr>
+        <p:spPr>
+          <a:xfrm flipH="1">
+            <a:off x="3500537" y="2245246"/>
+            <a:ext cx="1625" cy="223924"/>
+          </a:xfrm>
+          <a:prstGeom prst="straightConnector1">
+            <a:avLst/>
+          </a:prstGeom>
+          <a:ln>
+            <a:solidFill>
+              <a:schemeClr val="tx1"/>
+            </a:solidFill>
+            <a:tailEnd type="triangle"/>
+          </a:ln>
+        </p:spPr>
+        <p:style>
+          <a:lnRef idx="1">
+            <a:schemeClr val="accent1"/>
+          </a:lnRef>
+          <a:fillRef idx="0">
+            <a:schemeClr val="accent1"/>
+          </a:fillRef>
+          <a:effectRef idx="0">
+            <a:schemeClr val="accent1"/>
+          </a:effectRef>
+          <a:fontRef idx="minor">
+            <a:schemeClr val="tx1"/>
+          </a:fontRef>
+        </p:style>
+      </p:cxnSp>
+      <p:cxnSp>
+        <p:nvCxnSpPr>
+          <p:cNvPr id="81" name="직선 화살표 연결선 80">
+            <a:extLst>
+              <a:ext uri="{FF2B5EF4-FFF2-40B4-BE49-F238E27FC236}">
+                <a16:creationId xmlns:a16="http://schemas.microsoft.com/office/drawing/2014/main" id="{649CDEFE-1087-4D2C-8BF0-BE82E73D20E6}"/>
+              </a:ext>
+            </a:extLst>
+          </p:cNvPr>
+          <p:cNvCxnSpPr>
+            <a:cxnSpLocks/>
+          </p:cNvCxnSpPr>
+          <p:nvPr/>
+        </p:nvCxnSpPr>
+        <p:spPr>
+          <a:xfrm flipH="1">
+            <a:off x="4134166" y="2245246"/>
+            <a:ext cx="1625" cy="223924"/>
+          </a:xfrm>
+          <a:prstGeom prst="straightConnector1">
+            <a:avLst/>
+          </a:prstGeom>
+          <a:ln>
+            <a:solidFill>
+              <a:schemeClr val="tx1"/>
+            </a:solidFill>
+            <a:tailEnd type="triangle"/>
+          </a:ln>
+        </p:spPr>
+        <p:style>
+          <a:lnRef idx="1">
+            <a:schemeClr val="accent1"/>
+          </a:lnRef>
+          <a:fillRef idx="0">
+            <a:schemeClr val="accent1"/>
+          </a:fillRef>
+          <a:effectRef idx="0">
+            <a:schemeClr val="accent1"/>
+          </a:effectRef>
+          <a:fontRef idx="minor">
+            <a:schemeClr val="tx1"/>
+          </a:fontRef>
+        </p:style>
+      </p:cxnSp>
+      <p:cxnSp>
+        <p:nvCxnSpPr>
+          <p:cNvPr id="82" name="직선 화살표 연결선 81">
+            <a:extLst>
+              <a:ext uri="{FF2B5EF4-FFF2-40B4-BE49-F238E27FC236}">
+                <a16:creationId xmlns:a16="http://schemas.microsoft.com/office/drawing/2014/main" id="{35697E9B-1AFA-4F06-8FD9-DD30CF5FFA23}"/>
+              </a:ext>
+            </a:extLst>
+          </p:cNvPr>
+          <p:cNvCxnSpPr>
+            <a:cxnSpLocks/>
+          </p:cNvCxnSpPr>
+          <p:nvPr/>
+        </p:nvCxnSpPr>
+        <p:spPr>
+          <a:xfrm>
+            <a:off x="4735768" y="1733294"/>
+            <a:ext cx="1" cy="735876"/>
+          </a:xfrm>
+          <a:prstGeom prst="straightConnector1">
+            <a:avLst/>
+          </a:prstGeom>
+          <a:ln>
+            <a:solidFill>
+              <a:schemeClr val="tx1"/>
+            </a:solidFill>
+            <a:tailEnd type="triangle"/>
+          </a:ln>
+        </p:spPr>
+        <p:style>
+          <a:lnRef idx="1">
+            <a:schemeClr val="accent1"/>
+          </a:lnRef>
+          <a:fillRef idx="0">
+            <a:schemeClr val="accent1"/>
+          </a:fillRef>
+          <a:effectRef idx="0">
+            <a:schemeClr val="accent1"/>
+          </a:effectRef>
+          <a:fontRef idx="minor">
+            <a:schemeClr val="tx1"/>
+          </a:fontRef>
+        </p:style>
+      </p:cxnSp>
+      <p:cxnSp>
+        <p:nvCxnSpPr>
+          <p:cNvPr id="83" name="직선 화살표 연결선 82">
+            <a:extLst>
+              <a:ext uri="{FF2B5EF4-FFF2-40B4-BE49-F238E27FC236}">
+                <a16:creationId xmlns:a16="http://schemas.microsoft.com/office/drawing/2014/main" id="{7612B784-211E-471B-BCC4-B7EB9CB894A1}"/>
+              </a:ext>
+            </a:extLst>
+          </p:cNvPr>
+          <p:cNvCxnSpPr>
+            <a:cxnSpLocks/>
+          </p:cNvCxnSpPr>
+          <p:nvPr/>
+        </p:nvCxnSpPr>
+        <p:spPr>
+          <a:xfrm flipH="1">
+            <a:off x="5337370" y="2245246"/>
+            <a:ext cx="1625" cy="223924"/>
+          </a:xfrm>
+          <a:prstGeom prst="straightConnector1">
+            <a:avLst/>
+          </a:prstGeom>
+          <a:ln>
+            <a:solidFill>
+              <a:schemeClr val="tx1"/>
+            </a:solidFill>
+            <a:tailEnd type="triangle"/>
+          </a:ln>
+        </p:spPr>
+        <p:style>
+          <a:lnRef idx="1">
+            <a:schemeClr val="accent1"/>
+          </a:lnRef>
+          <a:fillRef idx="0">
+            <a:schemeClr val="accent1"/>
+          </a:fillRef>
+          <a:effectRef idx="0">
+            <a:schemeClr val="accent1"/>
+          </a:effectRef>
+          <a:fontRef idx="minor">
+            <a:schemeClr val="tx1"/>
+          </a:fontRef>
+        </p:style>
+      </p:cxnSp>
+      <p:cxnSp>
+        <p:nvCxnSpPr>
+          <p:cNvPr id="84" name="직선 화살표 연결선 83">
+            <a:extLst>
+              <a:ext uri="{FF2B5EF4-FFF2-40B4-BE49-F238E27FC236}">
+                <a16:creationId xmlns:a16="http://schemas.microsoft.com/office/drawing/2014/main" id="{0787353A-E47F-4C3D-99CC-2979166C8C5F}"/>
+              </a:ext>
+            </a:extLst>
+          </p:cNvPr>
+          <p:cNvCxnSpPr>
+            <a:cxnSpLocks/>
+          </p:cNvCxnSpPr>
+          <p:nvPr/>
+        </p:nvCxnSpPr>
+        <p:spPr>
+          <a:xfrm flipH="1">
+            <a:off x="5961253" y="2245246"/>
+            <a:ext cx="1625" cy="223924"/>
+          </a:xfrm>
+          <a:prstGeom prst="straightConnector1">
+            <a:avLst/>
+          </a:prstGeom>
+          <a:ln>
+            <a:solidFill>
+              <a:schemeClr val="tx1"/>
+            </a:solidFill>
+            <a:tailEnd type="triangle"/>
+          </a:ln>
+        </p:spPr>
+        <p:style>
+          <a:lnRef idx="1">
+            <a:schemeClr val="accent1"/>
+          </a:lnRef>
+          <a:fillRef idx="0">
+            <a:schemeClr val="accent1"/>
+          </a:fillRef>
+          <a:effectRef idx="0">
+            <a:schemeClr val="accent1"/>
+          </a:effectRef>
+          <a:fontRef idx="minor">
+            <a:schemeClr val="tx1"/>
+          </a:fontRef>
+        </p:style>
+      </p:cxnSp>
+      <p:cxnSp>
+        <p:nvCxnSpPr>
+          <p:cNvPr id="85" name="직선 화살표 연결선 84">
+            <a:extLst>
+              <a:ext uri="{FF2B5EF4-FFF2-40B4-BE49-F238E27FC236}">
+                <a16:creationId xmlns:a16="http://schemas.microsoft.com/office/drawing/2014/main" id="{32C14474-EEF0-4AFC-A9A9-413679F60CA8}"/>
+              </a:ext>
+            </a:extLst>
+          </p:cNvPr>
+          <p:cNvCxnSpPr>
+            <a:cxnSpLocks/>
+          </p:cNvCxnSpPr>
+          <p:nvPr/>
+        </p:nvCxnSpPr>
+        <p:spPr>
+          <a:xfrm flipH="1">
+            <a:off x="6581471" y="2245246"/>
+            <a:ext cx="1625" cy="223924"/>
+          </a:xfrm>
+          <a:prstGeom prst="straightConnector1">
+            <a:avLst/>
+          </a:prstGeom>
+          <a:ln>
+            <a:solidFill>
+              <a:schemeClr val="tx1"/>
+            </a:solidFill>
+            <a:tailEnd type="triangle"/>
+          </a:ln>
+        </p:spPr>
+        <p:style>
+          <a:lnRef idx="1">
+            <a:schemeClr val="accent1"/>
+          </a:lnRef>
+          <a:fillRef idx="0">
+            <a:schemeClr val="accent1"/>
+          </a:fillRef>
+          <a:effectRef idx="0">
+            <a:schemeClr val="accent1"/>
+          </a:effectRef>
+          <a:fontRef idx="minor">
+            <a:schemeClr val="tx1"/>
+          </a:fontRef>
+        </p:style>
+      </p:cxnSp>
+      <p:cxnSp>
+        <p:nvCxnSpPr>
+          <p:cNvPr id="89" name="직선 연결선 88">
+            <a:extLst>
+              <a:ext uri="{FF2B5EF4-FFF2-40B4-BE49-F238E27FC236}">
+                <a16:creationId xmlns:a16="http://schemas.microsoft.com/office/drawing/2014/main" id="{E0CE3E31-5DCF-4E08-B10D-C39FDC12B4DF}"/>
+              </a:ext>
+            </a:extLst>
+          </p:cNvPr>
+          <p:cNvCxnSpPr>
+            <a:cxnSpLocks/>
+          </p:cNvCxnSpPr>
+          <p:nvPr/>
+        </p:nvCxnSpPr>
+        <p:spPr>
+          <a:xfrm flipV="1">
+            <a:off x="2896892" y="1750564"/>
+            <a:ext cx="532749" cy="497229"/>
+          </a:xfrm>
+          <a:prstGeom prst="line">
+            <a:avLst/>
+          </a:prstGeom>
+          <a:ln>
+            <a:solidFill>
+              <a:schemeClr val="tx1"/>
+            </a:solidFill>
+          </a:ln>
+        </p:spPr>
+        <p:style>
+          <a:lnRef idx="1">
+            <a:schemeClr val="accent1"/>
+          </a:lnRef>
+          <a:fillRef idx="0">
+            <a:schemeClr val="accent1"/>
+          </a:fillRef>
+          <a:effectRef idx="0">
+            <a:schemeClr val="accent1"/>
+          </a:effectRef>
+          <a:fontRef idx="minor">
+            <a:schemeClr val="tx1"/>
+          </a:fontRef>
+        </p:style>
+      </p:cxnSp>
+      <p:cxnSp>
+        <p:nvCxnSpPr>
+          <p:cNvPr id="91" name="직선 연결선 90">
+            <a:extLst>
+              <a:ext uri="{FF2B5EF4-FFF2-40B4-BE49-F238E27FC236}">
+                <a16:creationId xmlns:a16="http://schemas.microsoft.com/office/drawing/2014/main" id="{E4E910C2-672F-4519-9B6C-C69FA80AB40F}"/>
+              </a:ext>
+            </a:extLst>
+          </p:cNvPr>
+          <p:cNvCxnSpPr>
+            <a:cxnSpLocks/>
+          </p:cNvCxnSpPr>
+          <p:nvPr/>
+        </p:nvCxnSpPr>
+        <p:spPr>
+          <a:xfrm flipV="1">
+            <a:off x="3501276" y="1755342"/>
+            <a:ext cx="311780" cy="489706"/>
+          </a:xfrm>
+          <a:prstGeom prst="line">
+            <a:avLst/>
+          </a:prstGeom>
+          <a:ln>
+            <a:solidFill>
+              <a:schemeClr val="tx1"/>
+            </a:solidFill>
+          </a:ln>
+        </p:spPr>
+        <p:style>
+          <a:lnRef idx="1">
+            <a:schemeClr val="accent1"/>
+          </a:lnRef>
+          <a:fillRef idx="0">
+            <a:schemeClr val="accent1"/>
+          </a:fillRef>
+          <a:effectRef idx="0">
+            <a:schemeClr val="accent1"/>
+          </a:effectRef>
+          <a:fontRef idx="minor">
+            <a:schemeClr val="tx1"/>
+          </a:fontRef>
+        </p:style>
+      </p:cxnSp>
+      <p:cxnSp>
+        <p:nvCxnSpPr>
+          <p:cNvPr id="96" name="직선 연결선 95">
+            <a:extLst>
+              <a:ext uri="{FF2B5EF4-FFF2-40B4-BE49-F238E27FC236}">
+                <a16:creationId xmlns:a16="http://schemas.microsoft.com/office/drawing/2014/main" id="{F8C2A949-0EA3-4DA6-B5E6-34A883E21F2B}"/>
+              </a:ext>
+            </a:extLst>
+          </p:cNvPr>
+          <p:cNvCxnSpPr>
+            <a:cxnSpLocks/>
+          </p:cNvCxnSpPr>
+          <p:nvPr/>
+        </p:nvCxnSpPr>
+        <p:spPr>
+          <a:xfrm flipV="1">
+            <a:off x="4136966" y="1749937"/>
+            <a:ext cx="158128" cy="498482"/>
+          </a:xfrm>
+          <a:prstGeom prst="line">
+            <a:avLst/>
+          </a:prstGeom>
+          <a:ln>
+            <a:solidFill>
+              <a:schemeClr val="tx1"/>
+            </a:solidFill>
+          </a:ln>
+        </p:spPr>
+        <p:style>
+          <a:lnRef idx="1">
+            <a:schemeClr val="accent1"/>
+          </a:lnRef>
+          <a:fillRef idx="0">
+            <a:schemeClr val="accent1"/>
+          </a:fillRef>
+          <a:effectRef idx="0">
+            <a:schemeClr val="accent1"/>
+          </a:effectRef>
+          <a:fontRef idx="minor">
+            <a:schemeClr val="tx1"/>
+          </a:fontRef>
+        </p:style>
+      </p:cxnSp>
+      <p:cxnSp>
+        <p:nvCxnSpPr>
+          <p:cNvPr id="103" name="직선 연결선 102">
+            <a:extLst>
+              <a:ext uri="{FF2B5EF4-FFF2-40B4-BE49-F238E27FC236}">
+                <a16:creationId xmlns:a16="http://schemas.microsoft.com/office/drawing/2014/main" id="{B86EEBED-1E94-4AFA-BB27-43190B03E8AA}"/>
+              </a:ext>
+            </a:extLst>
+          </p:cNvPr>
+          <p:cNvCxnSpPr>
+            <a:cxnSpLocks/>
+          </p:cNvCxnSpPr>
+          <p:nvPr/>
+        </p:nvCxnSpPr>
+        <p:spPr>
+          <a:xfrm flipH="1" flipV="1">
+            <a:off x="6036415" y="1737455"/>
+            <a:ext cx="545193" cy="508843"/>
+          </a:xfrm>
+          <a:prstGeom prst="line">
+            <a:avLst/>
+          </a:prstGeom>
+          <a:ln>
+            <a:solidFill>
+              <a:schemeClr val="tx1"/>
+            </a:solidFill>
+          </a:ln>
+        </p:spPr>
+        <p:style>
+          <a:lnRef idx="1">
+            <a:schemeClr val="accent1"/>
+          </a:lnRef>
+          <a:fillRef idx="0">
+            <a:schemeClr val="accent1"/>
+          </a:fillRef>
+          <a:effectRef idx="0">
+            <a:schemeClr val="accent1"/>
+          </a:effectRef>
+          <a:fontRef idx="minor">
+            <a:schemeClr val="tx1"/>
+          </a:fontRef>
+        </p:style>
+      </p:cxnSp>
+      <p:cxnSp>
+        <p:nvCxnSpPr>
+          <p:cNvPr id="104" name="직선 연결선 103">
+            <a:extLst>
+              <a:ext uri="{FF2B5EF4-FFF2-40B4-BE49-F238E27FC236}">
+                <a16:creationId xmlns:a16="http://schemas.microsoft.com/office/drawing/2014/main" id="{8F38FE6B-4AB4-47E9-9529-937FA32588BA}"/>
+              </a:ext>
+            </a:extLst>
+          </p:cNvPr>
+          <p:cNvCxnSpPr>
+            <a:cxnSpLocks/>
+          </p:cNvCxnSpPr>
+          <p:nvPr/>
+        </p:nvCxnSpPr>
+        <p:spPr>
+          <a:xfrm flipH="1" flipV="1">
+            <a:off x="5639751" y="1737537"/>
+            <a:ext cx="325490" cy="511239"/>
+          </a:xfrm>
+          <a:prstGeom prst="line">
+            <a:avLst/>
+          </a:prstGeom>
+          <a:ln>
+            <a:solidFill>
+              <a:schemeClr val="tx1"/>
+            </a:solidFill>
+          </a:ln>
+        </p:spPr>
+        <p:style>
+          <a:lnRef idx="1">
+            <a:schemeClr val="accent1"/>
+          </a:lnRef>
+          <a:fillRef idx="0">
+            <a:schemeClr val="accent1"/>
+          </a:fillRef>
+          <a:effectRef idx="0">
+            <a:schemeClr val="accent1"/>
+          </a:effectRef>
+          <a:fontRef idx="minor">
+            <a:schemeClr val="tx1"/>
+          </a:fontRef>
+        </p:style>
+      </p:cxnSp>
+      <p:cxnSp>
+        <p:nvCxnSpPr>
+          <p:cNvPr id="105" name="직선 연결선 104">
+            <a:extLst>
+              <a:ext uri="{FF2B5EF4-FFF2-40B4-BE49-F238E27FC236}">
+                <a16:creationId xmlns:a16="http://schemas.microsoft.com/office/drawing/2014/main" id="{FF86EFB3-4606-4B10-BDE9-C2E3F4F228FF}"/>
+              </a:ext>
+            </a:extLst>
+          </p:cNvPr>
+          <p:cNvCxnSpPr>
+            <a:cxnSpLocks/>
+          </p:cNvCxnSpPr>
+          <p:nvPr/>
+        </p:nvCxnSpPr>
+        <p:spPr>
+          <a:xfrm flipH="1" flipV="1">
+            <a:off x="5177484" y="1733294"/>
+            <a:ext cx="163836" cy="516475"/>
+          </a:xfrm>
+          <a:prstGeom prst="line">
+            <a:avLst/>
+          </a:prstGeom>
+          <a:ln>
+            <a:solidFill>
+              <a:schemeClr val="tx1"/>
+            </a:solidFill>
+          </a:ln>
+        </p:spPr>
+        <p:style>
+          <a:lnRef idx="1">
+            <a:schemeClr val="accent1"/>
+          </a:lnRef>
+          <a:fillRef idx="0">
+            <a:schemeClr val="accent1"/>
+          </a:fillRef>
+          <a:effectRef idx="0">
+            <a:schemeClr val="accent1"/>
+          </a:effectRef>
+          <a:fontRef idx="minor">
+            <a:schemeClr val="tx1"/>
+          </a:fontRef>
+        </p:style>
+      </p:cxnSp>
+      <p:sp>
+        <p:nvSpPr>
+          <p:cNvPr id="115" name="TextBox 114">
+            <a:extLst>
+              <a:ext uri="{FF2B5EF4-FFF2-40B4-BE49-F238E27FC236}">
+                <a16:creationId xmlns:a16="http://schemas.microsoft.com/office/drawing/2014/main" id="{3BB5BC93-3245-4349-A760-97B15F2D644C}"/>
+              </a:ext>
+            </a:extLst>
+          </p:cNvPr>
+          <p:cNvSpPr txBox="1"/>
+          <p:nvPr/>
+        </p:nvSpPr>
+        <p:spPr>
+          <a:xfrm>
+            <a:off x="2668784" y="3059044"/>
+            <a:ext cx="456215" cy="369332"/>
+          </a:xfrm>
+          <a:prstGeom prst="rect">
+            <a:avLst/>
+          </a:prstGeom>
+          <a:noFill/>
+          <a:ln>
+            <a:solidFill>
+              <a:schemeClr val="tx1"/>
+            </a:solidFill>
+          </a:ln>
+        </p:spPr>
+        <p:txBody>
+          <a:bodyPr wrap="none" rtlCol="0">
+            <a:spAutoFit/>
+          </a:bodyPr>
+          <a:lstStyle/>
+          <a:p>
+            <a:r>
+              <a:rPr lang="en-US" altLang="ko-KR" i="1" dirty="0"/>
+              <a:t>F.T.</a:t>
+            </a:r>
+            <a:endParaRPr lang="ko-KR" altLang="en-US" i="1" dirty="0"/>
+          </a:p>
+        </p:txBody>
+      </p:sp>
+      <p:cxnSp>
+        <p:nvCxnSpPr>
+          <p:cNvPr id="117" name="직선 화살표 연결선 116">
+            <a:extLst>
+              <a:ext uri="{FF2B5EF4-FFF2-40B4-BE49-F238E27FC236}">
+                <a16:creationId xmlns:a16="http://schemas.microsoft.com/office/drawing/2014/main" id="{4508BA58-A887-4AF8-8E79-E9E0D7D90FDE}"/>
+              </a:ext>
+            </a:extLst>
+          </p:cNvPr>
+          <p:cNvCxnSpPr>
+            <a:cxnSpLocks/>
+          </p:cNvCxnSpPr>
+          <p:nvPr/>
+        </p:nvCxnSpPr>
+        <p:spPr>
+          <a:xfrm flipH="1">
+            <a:off x="2896892" y="2827622"/>
+            <a:ext cx="1625" cy="223924"/>
+          </a:xfrm>
+          <a:prstGeom prst="straightConnector1">
+            <a:avLst/>
+          </a:prstGeom>
+          <a:ln>
+            <a:solidFill>
+              <a:schemeClr val="tx1"/>
+            </a:solidFill>
+            <a:tailEnd type="triangle"/>
+          </a:ln>
+        </p:spPr>
+        <p:style>
+          <a:lnRef idx="1">
+            <a:schemeClr val="accent1"/>
+          </a:lnRef>
+          <a:fillRef idx="0">
+            <a:schemeClr val="accent1"/>
+          </a:fillRef>
+          <a:effectRef idx="0">
+            <a:schemeClr val="accent1"/>
+          </a:effectRef>
+          <a:fontRef idx="minor">
+            <a:schemeClr val="tx1"/>
+          </a:fontRef>
+        </p:style>
+      </p:cxnSp>
+      <p:sp>
+        <p:nvSpPr>
+          <p:cNvPr id="118" name="TextBox 117">
+            <a:extLst>
+              <a:ext uri="{FF2B5EF4-FFF2-40B4-BE49-F238E27FC236}">
+                <a16:creationId xmlns:a16="http://schemas.microsoft.com/office/drawing/2014/main" id="{0CE24D9E-E86A-4E34-A418-C1E0764C1497}"/>
+              </a:ext>
+            </a:extLst>
+          </p:cNvPr>
+          <p:cNvSpPr txBox="1"/>
+          <p:nvPr/>
+        </p:nvSpPr>
+        <p:spPr>
+          <a:xfrm>
+            <a:off x="3286898" y="3059044"/>
+            <a:ext cx="456215" cy="369332"/>
+          </a:xfrm>
+          <a:prstGeom prst="rect">
+            <a:avLst/>
+          </a:prstGeom>
+          <a:noFill/>
+          <a:ln>
+            <a:solidFill>
+              <a:schemeClr val="tx1"/>
+            </a:solidFill>
+          </a:ln>
+        </p:spPr>
+        <p:txBody>
+          <a:bodyPr wrap="none" rtlCol="0">
+            <a:spAutoFit/>
+          </a:bodyPr>
+          <a:lstStyle/>
+          <a:p>
+            <a:r>
+              <a:rPr lang="en-US" altLang="ko-KR" i="1" dirty="0"/>
+              <a:t>F.T.</a:t>
+            </a:r>
+            <a:endParaRPr lang="ko-KR" altLang="en-US" i="1" dirty="0"/>
+          </a:p>
+        </p:txBody>
+      </p:sp>
+      <p:cxnSp>
+        <p:nvCxnSpPr>
+          <p:cNvPr id="119" name="직선 화살표 연결선 118">
+            <a:extLst>
+              <a:ext uri="{FF2B5EF4-FFF2-40B4-BE49-F238E27FC236}">
+                <a16:creationId xmlns:a16="http://schemas.microsoft.com/office/drawing/2014/main" id="{F3254C7F-516D-46AC-9A5A-4DFD6F398F8D}"/>
+              </a:ext>
+            </a:extLst>
+          </p:cNvPr>
+          <p:cNvCxnSpPr>
+            <a:cxnSpLocks/>
+          </p:cNvCxnSpPr>
+          <p:nvPr/>
+        </p:nvCxnSpPr>
+        <p:spPr>
+          <a:xfrm flipH="1">
+            <a:off x="3515006" y="2827622"/>
+            <a:ext cx="1625" cy="223924"/>
+          </a:xfrm>
+          <a:prstGeom prst="straightConnector1">
+            <a:avLst/>
+          </a:prstGeom>
+          <a:ln>
+            <a:solidFill>
+              <a:schemeClr val="tx1"/>
+            </a:solidFill>
+            <a:tailEnd type="triangle"/>
+          </a:ln>
+        </p:spPr>
+        <p:style>
+          <a:lnRef idx="1">
+            <a:schemeClr val="accent1"/>
+          </a:lnRef>
+          <a:fillRef idx="0">
+            <a:schemeClr val="accent1"/>
+          </a:fillRef>
+          <a:effectRef idx="0">
+            <a:schemeClr val="accent1"/>
+          </a:effectRef>
+          <a:fontRef idx="minor">
+            <a:schemeClr val="tx1"/>
+          </a:fontRef>
+        </p:style>
+      </p:cxnSp>
+      <p:sp>
+        <p:nvSpPr>
+          <p:cNvPr id="120" name="TextBox 119">
+            <a:extLst>
+              <a:ext uri="{FF2B5EF4-FFF2-40B4-BE49-F238E27FC236}">
+                <a16:creationId xmlns:a16="http://schemas.microsoft.com/office/drawing/2014/main" id="{02F408C8-E86D-4437-BEDB-6DB14321D0CE}"/>
+              </a:ext>
+            </a:extLst>
+          </p:cNvPr>
+          <p:cNvSpPr txBox="1"/>
+          <p:nvPr/>
+        </p:nvSpPr>
+        <p:spPr>
+          <a:xfrm>
+            <a:off x="3901044" y="3059044"/>
+            <a:ext cx="456215" cy="369332"/>
+          </a:xfrm>
+          <a:prstGeom prst="rect">
+            <a:avLst/>
+          </a:prstGeom>
+          <a:noFill/>
+          <a:ln>
+            <a:solidFill>
+              <a:schemeClr val="tx1"/>
+            </a:solidFill>
+          </a:ln>
+        </p:spPr>
+        <p:txBody>
+          <a:bodyPr wrap="none" rtlCol="0">
+            <a:spAutoFit/>
+          </a:bodyPr>
+          <a:lstStyle/>
+          <a:p>
+            <a:r>
+              <a:rPr lang="en-US" altLang="ko-KR" i="1" dirty="0"/>
+              <a:t>F.T.</a:t>
+            </a:r>
+            <a:endParaRPr lang="ko-KR" altLang="en-US" i="1" dirty="0"/>
+          </a:p>
+        </p:txBody>
+      </p:sp>
+      <p:cxnSp>
+        <p:nvCxnSpPr>
+          <p:cNvPr id="121" name="직선 화살표 연결선 120">
+            <a:extLst>
+              <a:ext uri="{FF2B5EF4-FFF2-40B4-BE49-F238E27FC236}">
+                <a16:creationId xmlns:a16="http://schemas.microsoft.com/office/drawing/2014/main" id="{924188B5-D153-43C6-9FF4-722FFC53D737}"/>
+              </a:ext>
+            </a:extLst>
+          </p:cNvPr>
+          <p:cNvCxnSpPr>
+            <a:cxnSpLocks/>
+          </p:cNvCxnSpPr>
+          <p:nvPr/>
+        </p:nvCxnSpPr>
+        <p:spPr>
+          <a:xfrm flipH="1">
+            <a:off x="4129152" y="2827622"/>
+            <a:ext cx="1625" cy="223924"/>
+          </a:xfrm>
+          <a:prstGeom prst="straightConnector1">
+            <a:avLst/>
+          </a:prstGeom>
+          <a:ln>
+            <a:solidFill>
+              <a:schemeClr val="tx1"/>
+            </a:solidFill>
+            <a:tailEnd type="triangle"/>
+          </a:ln>
+        </p:spPr>
+        <p:style>
+          <a:lnRef idx="1">
+            <a:schemeClr val="accent1"/>
+          </a:lnRef>
+          <a:fillRef idx="0">
+            <a:schemeClr val="accent1"/>
+          </a:fillRef>
+          <a:effectRef idx="0">
+            <a:schemeClr val="accent1"/>
+          </a:effectRef>
+          <a:fontRef idx="minor">
+            <a:schemeClr val="tx1"/>
+          </a:fontRef>
+        </p:style>
+      </p:cxnSp>
+      <p:sp>
+        <p:nvSpPr>
+          <p:cNvPr id="122" name="TextBox 121">
+            <a:extLst>
+              <a:ext uri="{FF2B5EF4-FFF2-40B4-BE49-F238E27FC236}">
+                <a16:creationId xmlns:a16="http://schemas.microsoft.com/office/drawing/2014/main" id="{67949018-D070-4DF8-8F42-0C8F89B91B21}"/>
+              </a:ext>
+            </a:extLst>
+          </p:cNvPr>
+          <p:cNvSpPr txBox="1"/>
+          <p:nvPr/>
+        </p:nvSpPr>
+        <p:spPr>
+          <a:xfrm>
+            <a:off x="4507346" y="3059044"/>
+            <a:ext cx="456215" cy="369332"/>
+          </a:xfrm>
+          <a:prstGeom prst="rect">
+            <a:avLst/>
+          </a:prstGeom>
+          <a:noFill/>
+          <a:ln>
+            <a:solidFill>
+              <a:schemeClr val="tx1"/>
+            </a:solidFill>
+          </a:ln>
+        </p:spPr>
+        <p:txBody>
+          <a:bodyPr wrap="none" rtlCol="0">
+            <a:spAutoFit/>
+          </a:bodyPr>
+          <a:lstStyle/>
+          <a:p>
+            <a:r>
+              <a:rPr lang="en-US" altLang="ko-KR" i="1" dirty="0"/>
+              <a:t>F.T.</a:t>
+            </a:r>
+            <a:endParaRPr lang="ko-KR" altLang="en-US" i="1" dirty="0"/>
+          </a:p>
+        </p:txBody>
+      </p:sp>
+      <p:cxnSp>
+        <p:nvCxnSpPr>
+          <p:cNvPr id="123" name="직선 화살표 연결선 122">
+            <a:extLst>
+              <a:ext uri="{FF2B5EF4-FFF2-40B4-BE49-F238E27FC236}">
+                <a16:creationId xmlns:a16="http://schemas.microsoft.com/office/drawing/2014/main" id="{3C32566A-7CB2-4391-B5BC-074EA0A0C7CE}"/>
+              </a:ext>
+            </a:extLst>
+          </p:cNvPr>
+          <p:cNvCxnSpPr>
+            <a:cxnSpLocks/>
+          </p:cNvCxnSpPr>
+          <p:nvPr/>
+        </p:nvCxnSpPr>
+        <p:spPr>
+          <a:xfrm flipH="1">
+            <a:off x="4735454" y="2827622"/>
+            <a:ext cx="1625" cy="223924"/>
+          </a:xfrm>
+          <a:prstGeom prst="straightConnector1">
+            <a:avLst/>
+          </a:prstGeom>
+          <a:ln>
+            <a:solidFill>
+              <a:schemeClr val="tx1"/>
+            </a:solidFill>
+            <a:tailEnd type="triangle"/>
+          </a:ln>
+        </p:spPr>
+        <p:style>
+          <a:lnRef idx="1">
+            <a:schemeClr val="accent1"/>
+          </a:lnRef>
+          <a:fillRef idx="0">
+            <a:schemeClr val="accent1"/>
+          </a:fillRef>
+          <a:effectRef idx="0">
+            <a:schemeClr val="accent1"/>
+          </a:effectRef>
+          <a:fontRef idx="minor">
+            <a:schemeClr val="tx1"/>
+          </a:fontRef>
+        </p:style>
+      </p:cxnSp>
+      <p:sp>
+        <p:nvSpPr>
+          <p:cNvPr id="124" name="TextBox 123">
+            <a:extLst>
+              <a:ext uri="{FF2B5EF4-FFF2-40B4-BE49-F238E27FC236}">
+                <a16:creationId xmlns:a16="http://schemas.microsoft.com/office/drawing/2014/main" id="{5A64B5CD-C1A8-4335-88CD-1003C9C7A646}"/>
+              </a:ext>
+            </a:extLst>
+          </p:cNvPr>
+          <p:cNvSpPr txBox="1"/>
+          <p:nvPr/>
+        </p:nvSpPr>
+        <p:spPr>
+          <a:xfrm>
+            <a:off x="5125460" y="3059044"/>
+            <a:ext cx="456215" cy="369332"/>
+          </a:xfrm>
+          <a:prstGeom prst="rect">
+            <a:avLst/>
+          </a:prstGeom>
+          <a:noFill/>
+          <a:ln>
+            <a:solidFill>
+              <a:schemeClr val="tx1"/>
+            </a:solidFill>
+          </a:ln>
+        </p:spPr>
+        <p:txBody>
+          <a:bodyPr wrap="none" rtlCol="0">
+            <a:spAutoFit/>
+          </a:bodyPr>
+          <a:lstStyle/>
+          <a:p>
+            <a:r>
+              <a:rPr lang="en-US" altLang="ko-KR" i="1" dirty="0"/>
+              <a:t>F.T.</a:t>
+            </a:r>
+            <a:endParaRPr lang="ko-KR" altLang="en-US" i="1" dirty="0"/>
+          </a:p>
+        </p:txBody>
+      </p:sp>
+      <p:cxnSp>
+        <p:nvCxnSpPr>
+          <p:cNvPr id="125" name="직선 화살표 연결선 124">
+            <a:extLst>
+              <a:ext uri="{FF2B5EF4-FFF2-40B4-BE49-F238E27FC236}">
+                <a16:creationId xmlns:a16="http://schemas.microsoft.com/office/drawing/2014/main" id="{240D24C0-B51C-4F8B-8DDC-E9EA93F70C86}"/>
+              </a:ext>
+            </a:extLst>
+          </p:cNvPr>
+          <p:cNvCxnSpPr>
+            <a:cxnSpLocks/>
+          </p:cNvCxnSpPr>
+          <p:nvPr/>
+        </p:nvCxnSpPr>
+        <p:spPr>
+          <a:xfrm flipH="1">
+            <a:off x="5353568" y="2827622"/>
+            <a:ext cx="1625" cy="223924"/>
+          </a:xfrm>
+          <a:prstGeom prst="straightConnector1">
+            <a:avLst/>
+          </a:prstGeom>
+          <a:ln>
+            <a:solidFill>
+              <a:schemeClr val="tx1"/>
+            </a:solidFill>
+            <a:tailEnd type="triangle"/>
+          </a:ln>
+        </p:spPr>
+        <p:style>
+          <a:lnRef idx="1">
+            <a:schemeClr val="accent1"/>
+          </a:lnRef>
+          <a:fillRef idx="0">
+            <a:schemeClr val="accent1"/>
+          </a:fillRef>
+          <a:effectRef idx="0">
+            <a:schemeClr val="accent1"/>
+          </a:effectRef>
+          <a:fontRef idx="minor">
+            <a:schemeClr val="tx1"/>
+          </a:fontRef>
+        </p:style>
+      </p:cxnSp>
+      <p:sp>
+        <p:nvSpPr>
+          <p:cNvPr id="126" name="TextBox 125">
+            <a:extLst>
+              <a:ext uri="{FF2B5EF4-FFF2-40B4-BE49-F238E27FC236}">
+                <a16:creationId xmlns:a16="http://schemas.microsoft.com/office/drawing/2014/main" id="{005BBE2B-B014-4012-B820-EB49B70F513A}"/>
+              </a:ext>
+            </a:extLst>
+          </p:cNvPr>
+          <p:cNvSpPr txBox="1"/>
+          <p:nvPr/>
+        </p:nvSpPr>
+        <p:spPr>
+          <a:xfrm>
+            <a:off x="5739606" y="3059044"/>
+            <a:ext cx="456215" cy="369332"/>
+          </a:xfrm>
+          <a:prstGeom prst="rect">
+            <a:avLst/>
+          </a:prstGeom>
+          <a:noFill/>
+          <a:ln>
+            <a:solidFill>
+              <a:schemeClr val="tx1"/>
+            </a:solidFill>
+          </a:ln>
+        </p:spPr>
+        <p:txBody>
+          <a:bodyPr wrap="none" rtlCol="0">
+            <a:spAutoFit/>
+          </a:bodyPr>
+          <a:lstStyle/>
+          <a:p>
+            <a:r>
+              <a:rPr lang="en-US" altLang="ko-KR" i="1" dirty="0"/>
+              <a:t>F.T.</a:t>
+            </a:r>
+            <a:endParaRPr lang="ko-KR" altLang="en-US" i="1" dirty="0"/>
+          </a:p>
+        </p:txBody>
+      </p:sp>
+      <p:cxnSp>
+        <p:nvCxnSpPr>
+          <p:cNvPr id="127" name="직선 화살표 연결선 126">
+            <a:extLst>
+              <a:ext uri="{FF2B5EF4-FFF2-40B4-BE49-F238E27FC236}">
+                <a16:creationId xmlns:a16="http://schemas.microsoft.com/office/drawing/2014/main" id="{5A27C267-C6D0-451D-9868-1936A83C0AB7}"/>
+              </a:ext>
+            </a:extLst>
+          </p:cNvPr>
+          <p:cNvCxnSpPr>
+            <a:cxnSpLocks/>
+          </p:cNvCxnSpPr>
+          <p:nvPr/>
+        </p:nvCxnSpPr>
+        <p:spPr>
+          <a:xfrm flipH="1">
+            <a:off x="5967714" y="2827622"/>
+            <a:ext cx="1625" cy="223924"/>
+          </a:xfrm>
+          <a:prstGeom prst="straightConnector1">
+            <a:avLst/>
+          </a:prstGeom>
+          <a:ln>
+            <a:solidFill>
+              <a:schemeClr val="tx1"/>
+            </a:solidFill>
+            <a:tailEnd type="triangle"/>
+          </a:ln>
+        </p:spPr>
+        <p:style>
+          <a:lnRef idx="1">
+            <a:schemeClr val="accent1"/>
+          </a:lnRef>
+          <a:fillRef idx="0">
+            <a:schemeClr val="accent1"/>
+          </a:fillRef>
+          <a:effectRef idx="0">
+            <a:schemeClr val="accent1"/>
+          </a:effectRef>
+          <a:fontRef idx="minor">
+            <a:schemeClr val="tx1"/>
+          </a:fontRef>
+        </p:style>
+      </p:cxnSp>
+      <p:sp>
+        <p:nvSpPr>
+          <p:cNvPr id="128" name="TextBox 127">
+            <a:extLst>
+              <a:ext uri="{FF2B5EF4-FFF2-40B4-BE49-F238E27FC236}">
+                <a16:creationId xmlns:a16="http://schemas.microsoft.com/office/drawing/2014/main" id="{8562C356-6D23-4DF9-97C3-3E121C9D5E08}"/>
+              </a:ext>
+            </a:extLst>
+          </p:cNvPr>
+          <p:cNvSpPr txBox="1"/>
+          <p:nvPr/>
+        </p:nvSpPr>
+        <p:spPr>
+          <a:xfrm>
+            <a:off x="6353663" y="3059044"/>
+            <a:ext cx="456215" cy="369332"/>
+          </a:xfrm>
+          <a:prstGeom prst="rect">
+            <a:avLst/>
+          </a:prstGeom>
+          <a:noFill/>
+          <a:ln>
+            <a:solidFill>
+              <a:schemeClr val="tx1"/>
+            </a:solidFill>
+          </a:ln>
+        </p:spPr>
+        <p:txBody>
+          <a:bodyPr wrap="none" rtlCol="0">
+            <a:spAutoFit/>
+          </a:bodyPr>
+          <a:lstStyle/>
+          <a:p>
+            <a:r>
+              <a:rPr lang="en-US" altLang="ko-KR" i="1" dirty="0"/>
+              <a:t>F.T.</a:t>
+            </a:r>
+            <a:endParaRPr lang="ko-KR" altLang="en-US" i="1" dirty="0"/>
+          </a:p>
+        </p:txBody>
+      </p:sp>
+      <p:cxnSp>
+        <p:nvCxnSpPr>
+          <p:cNvPr id="129" name="직선 화살표 연결선 128">
+            <a:extLst>
+              <a:ext uri="{FF2B5EF4-FFF2-40B4-BE49-F238E27FC236}">
+                <a16:creationId xmlns:a16="http://schemas.microsoft.com/office/drawing/2014/main" id="{FFD95647-7AE7-4295-90CF-915F2B54C848}"/>
+              </a:ext>
+            </a:extLst>
+          </p:cNvPr>
+          <p:cNvCxnSpPr>
+            <a:cxnSpLocks/>
+          </p:cNvCxnSpPr>
+          <p:nvPr/>
+        </p:nvCxnSpPr>
+        <p:spPr>
+          <a:xfrm flipH="1">
+            <a:off x="6581771" y="2827622"/>
+            <a:ext cx="1625" cy="223924"/>
+          </a:xfrm>
+          <a:prstGeom prst="straightConnector1">
+            <a:avLst/>
+          </a:prstGeom>
+          <a:ln>
+            <a:solidFill>
+              <a:schemeClr val="tx1"/>
+            </a:solidFill>
+            <a:tailEnd type="triangle"/>
+          </a:ln>
+        </p:spPr>
+        <p:style>
+          <a:lnRef idx="1">
+            <a:schemeClr val="accent1"/>
+          </a:lnRef>
+          <a:fillRef idx="0">
+            <a:schemeClr val="accent1"/>
+          </a:fillRef>
+          <a:effectRef idx="0">
+            <a:schemeClr val="accent1"/>
+          </a:effectRef>
+          <a:fontRef idx="minor">
+            <a:schemeClr val="tx1"/>
+          </a:fontRef>
+        </p:style>
+      </p:cxnSp>
+      <p:sp>
+        <p:nvSpPr>
+          <p:cNvPr id="130" name="직사각형 129">
+            <a:extLst>
+              <a:ext uri="{FF2B5EF4-FFF2-40B4-BE49-F238E27FC236}">
+                <a16:creationId xmlns:a16="http://schemas.microsoft.com/office/drawing/2014/main" id="{DD743826-1B14-4C0E-87D5-67850E692FF1}"/>
+              </a:ext>
+            </a:extLst>
+          </p:cNvPr>
+          <p:cNvSpPr/>
+          <p:nvPr/>
+        </p:nvSpPr>
+        <p:spPr>
+          <a:xfrm>
+            <a:off x="3859160" y="3899910"/>
+            <a:ext cx="1747640" cy="1657216"/>
+          </a:xfrm>
+          <a:prstGeom prst="rect">
+            <a:avLst/>
+          </a:prstGeom>
+          <a:solidFill>
+            <a:schemeClr val="bg1"/>
+          </a:solidFill>
+        </p:spPr>
+        <p:style>
+          <a:lnRef idx="2">
+            <a:schemeClr val="accent1">
+              <a:shade val="50000"/>
+            </a:schemeClr>
+          </a:lnRef>
+          <a:fillRef idx="1">
+            <a:schemeClr val="accent1"/>
+          </a:fillRef>
+          <a:effectRef idx="0">
+            <a:schemeClr val="accent1"/>
+          </a:effectRef>
+          <a:fontRef idx="minor">
+            <a:schemeClr val="lt1"/>
+          </a:fontRef>
+        </p:style>
+        <p:txBody>
+          <a:bodyPr rtlCol="0" anchor="ctr"/>
+          <a:lstStyle/>
+          <a:p>
+            <a:pPr algn="ctr"/>
+            <a:endParaRPr lang="ko-KR" altLang="en-US"/>
+          </a:p>
+        </p:txBody>
+      </p:sp>
+      <p:cxnSp>
+        <p:nvCxnSpPr>
+          <p:cNvPr id="133" name="직선 연결선 132">
+            <a:extLst>
+              <a:ext uri="{FF2B5EF4-FFF2-40B4-BE49-F238E27FC236}">
+                <a16:creationId xmlns:a16="http://schemas.microsoft.com/office/drawing/2014/main" id="{8E38CBF8-8BCB-437B-B57B-1AAB9D8FB9AA}"/>
+              </a:ext>
+            </a:extLst>
+          </p:cNvPr>
+          <p:cNvCxnSpPr>
+            <a:stCxn id="130" idx="1"/>
+            <a:endCxn id="130" idx="3"/>
+          </p:cNvCxnSpPr>
+          <p:nvPr/>
+        </p:nvCxnSpPr>
+        <p:spPr>
+          <a:xfrm>
+            <a:off x="3859160" y="4728518"/>
+            <a:ext cx="1747640" cy="0"/>
+          </a:xfrm>
+          <a:prstGeom prst="line">
+            <a:avLst/>
+          </a:prstGeom>
+          <a:ln w="19050">
+            <a:solidFill>
+              <a:schemeClr val="tx1"/>
+            </a:solidFill>
+          </a:ln>
+        </p:spPr>
+        <p:style>
+          <a:lnRef idx="1">
+            <a:schemeClr val="accent1"/>
+          </a:lnRef>
+          <a:fillRef idx="0">
+            <a:schemeClr val="accent1"/>
+          </a:fillRef>
+          <a:effectRef idx="0">
+            <a:schemeClr val="accent1"/>
+          </a:effectRef>
+          <a:fontRef idx="minor">
+            <a:schemeClr val="tx1"/>
+          </a:fontRef>
+        </p:style>
+      </p:cxnSp>
+      <p:cxnSp>
+        <p:nvCxnSpPr>
+          <p:cNvPr id="134" name="직선 연결선 133">
+            <a:extLst>
+              <a:ext uri="{FF2B5EF4-FFF2-40B4-BE49-F238E27FC236}">
+                <a16:creationId xmlns:a16="http://schemas.microsoft.com/office/drawing/2014/main" id="{3DC59281-FF58-4535-AC09-CA399A05912A}"/>
+              </a:ext>
+            </a:extLst>
+          </p:cNvPr>
+          <p:cNvCxnSpPr>
+            <a:cxnSpLocks/>
+            <a:stCxn id="130" idx="0"/>
+            <a:endCxn id="130" idx="2"/>
+          </p:cNvCxnSpPr>
+          <p:nvPr/>
+        </p:nvCxnSpPr>
+        <p:spPr>
+          <a:xfrm>
+            <a:off x="4732980" y="3899910"/>
+            <a:ext cx="0" cy="1657216"/>
+          </a:xfrm>
+          <a:prstGeom prst="line">
+            <a:avLst/>
+          </a:prstGeom>
+          <a:ln w="19050">
+            <a:solidFill>
+              <a:schemeClr val="tx1"/>
+            </a:solidFill>
+          </a:ln>
+        </p:spPr>
+        <p:style>
+          <a:lnRef idx="1">
+            <a:schemeClr val="accent1"/>
+          </a:lnRef>
+          <a:fillRef idx="0">
+            <a:schemeClr val="accent1"/>
+          </a:fillRef>
+          <a:effectRef idx="0">
+            <a:schemeClr val="accent1"/>
+          </a:effectRef>
+          <a:fontRef idx="minor">
+            <a:schemeClr val="tx1"/>
+          </a:fontRef>
+        </p:style>
+      </p:cxnSp>
+      <p:sp>
+        <p:nvSpPr>
+          <p:cNvPr id="137" name="오른쪽 중괄호 136">
+            <a:extLst>
+              <a:ext uri="{FF2B5EF4-FFF2-40B4-BE49-F238E27FC236}">
+                <a16:creationId xmlns:a16="http://schemas.microsoft.com/office/drawing/2014/main" id="{6A35A4B3-4188-4EB0-8136-C66CA2B72751}"/>
+              </a:ext>
+            </a:extLst>
+          </p:cNvPr>
+          <p:cNvSpPr/>
+          <p:nvPr/>
+        </p:nvSpPr>
+        <p:spPr>
+          <a:xfrm>
+            <a:off x="5633401" y="3899910"/>
+            <a:ext cx="155448" cy="828604"/>
+          </a:xfrm>
+          <a:prstGeom prst="rightBrace">
+            <a:avLst>
+              <a:gd name="adj1" fmla="val 47140"/>
+              <a:gd name="adj2" fmla="val 50000"/>
+            </a:avLst>
+          </a:prstGeom>
+          <a:ln>
+            <a:solidFill>
+              <a:schemeClr val="tx1"/>
+            </a:solidFill>
+          </a:ln>
+        </p:spPr>
+        <p:style>
+          <a:lnRef idx="1">
+            <a:schemeClr val="accent1"/>
+          </a:lnRef>
+          <a:fillRef idx="0">
+            <a:schemeClr val="accent1"/>
+          </a:fillRef>
+          <a:effectRef idx="0">
+            <a:schemeClr val="accent1"/>
+          </a:effectRef>
+          <a:fontRef idx="minor">
+            <a:schemeClr val="tx1"/>
+          </a:fontRef>
+        </p:style>
+        <p:txBody>
+          <a:bodyPr rtlCol="0" anchor="ctr"/>
+          <a:lstStyle/>
+          <a:p>
+            <a:pPr algn="ctr"/>
+            <a:endParaRPr lang="ko-KR" altLang="en-US"/>
+          </a:p>
+        </p:txBody>
+      </p:sp>
+      <p:sp>
+        <p:nvSpPr>
+          <p:cNvPr id="138" name="TextBox 137">
+            <a:extLst>
+              <a:ext uri="{FF2B5EF4-FFF2-40B4-BE49-F238E27FC236}">
+                <a16:creationId xmlns:a16="http://schemas.microsoft.com/office/drawing/2014/main" id="{30607819-D5FE-477A-BEAB-4A605034134B}"/>
+              </a:ext>
+            </a:extLst>
+          </p:cNvPr>
+          <p:cNvSpPr txBox="1"/>
+          <p:nvPr/>
+        </p:nvSpPr>
+        <p:spPr>
+          <a:xfrm>
+            <a:off x="5752388" y="4160323"/>
+            <a:ext cx="989373" cy="276999"/>
+          </a:xfrm>
+          <a:prstGeom prst="rect">
+            <a:avLst/>
+          </a:prstGeom>
+          <a:noFill/>
+        </p:spPr>
+        <p:txBody>
+          <a:bodyPr wrap="none" rtlCol="0">
+            <a:spAutoFit/>
+          </a:bodyPr>
+          <a:lstStyle/>
+          <a:p>
+            <a:r>
+              <a:rPr lang="ko-KR" altLang="en-US" sz="1200" dirty="0"/>
+              <a:t>양의 주파수</a:t>
+            </a:r>
+          </a:p>
+        </p:txBody>
+      </p:sp>
+      <p:sp>
+        <p:nvSpPr>
+          <p:cNvPr id="139" name="오른쪽 중괄호 138">
+            <a:extLst>
+              <a:ext uri="{FF2B5EF4-FFF2-40B4-BE49-F238E27FC236}">
+                <a16:creationId xmlns:a16="http://schemas.microsoft.com/office/drawing/2014/main" id="{8829D4DC-A1B3-4DD2-8B26-444E4A22580E}"/>
+              </a:ext>
+            </a:extLst>
+          </p:cNvPr>
+          <p:cNvSpPr/>
+          <p:nvPr/>
+        </p:nvSpPr>
+        <p:spPr>
+          <a:xfrm>
+            <a:off x="5633401" y="4728522"/>
+            <a:ext cx="155448" cy="828604"/>
+          </a:xfrm>
+          <a:prstGeom prst="rightBrace">
+            <a:avLst>
+              <a:gd name="adj1" fmla="val 47140"/>
+              <a:gd name="adj2" fmla="val 50000"/>
+            </a:avLst>
+          </a:prstGeom>
+          <a:ln>
+            <a:solidFill>
+              <a:schemeClr val="tx1"/>
+            </a:solidFill>
+          </a:ln>
+        </p:spPr>
+        <p:style>
+          <a:lnRef idx="1">
+            <a:schemeClr val="accent1"/>
+          </a:lnRef>
+          <a:fillRef idx="0">
+            <a:schemeClr val="accent1"/>
+          </a:fillRef>
+          <a:effectRef idx="0">
+            <a:schemeClr val="accent1"/>
+          </a:effectRef>
+          <a:fontRef idx="minor">
+            <a:schemeClr val="tx1"/>
+          </a:fontRef>
+        </p:style>
+        <p:txBody>
+          <a:bodyPr rtlCol="0" anchor="ctr"/>
+          <a:lstStyle/>
+          <a:p>
+            <a:pPr algn="ctr"/>
+            <a:endParaRPr lang="ko-KR" altLang="en-US"/>
+          </a:p>
+        </p:txBody>
+      </p:sp>
+      <p:sp>
+        <p:nvSpPr>
+          <p:cNvPr id="140" name="TextBox 139">
+            <a:extLst>
+              <a:ext uri="{FF2B5EF4-FFF2-40B4-BE49-F238E27FC236}">
+                <a16:creationId xmlns:a16="http://schemas.microsoft.com/office/drawing/2014/main" id="{8929C805-D752-4288-8432-66C5D0559D77}"/>
+              </a:ext>
+            </a:extLst>
+          </p:cNvPr>
+          <p:cNvSpPr txBox="1"/>
+          <p:nvPr/>
+        </p:nvSpPr>
+        <p:spPr>
+          <a:xfrm>
+            <a:off x="5752388" y="4988935"/>
+            <a:ext cx="989373" cy="276999"/>
+          </a:xfrm>
+          <a:prstGeom prst="rect">
+            <a:avLst/>
+          </a:prstGeom>
+          <a:noFill/>
+        </p:spPr>
+        <p:txBody>
+          <a:bodyPr wrap="none" rtlCol="0">
+            <a:spAutoFit/>
+          </a:bodyPr>
+          <a:lstStyle/>
+          <a:p>
+            <a:r>
+              <a:rPr lang="ko-KR" altLang="en-US" sz="1200" dirty="0"/>
+              <a:t>음의 주파수</a:t>
+            </a:r>
+          </a:p>
+        </p:txBody>
+      </p:sp>
+      <p:cxnSp>
+        <p:nvCxnSpPr>
+          <p:cNvPr id="142" name="직선 화살표 연결선 141">
+            <a:extLst>
+              <a:ext uri="{FF2B5EF4-FFF2-40B4-BE49-F238E27FC236}">
+                <a16:creationId xmlns:a16="http://schemas.microsoft.com/office/drawing/2014/main" id="{8FCB2E04-B545-4EDE-9B98-FE9235587A43}"/>
+              </a:ext>
+            </a:extLst>
+          </p:cNvPr>
+          <p:cNvCxnSpPr/>
+          <p:nvPr/>
+        </p:nvCxnSpPr>
+        <p:spPr>
+          <a:xfrm>
+            <a:off x="3859160" y="5752296"/>
+            <a:ext cx="1774241" cy="0"/>
+          </a:xfrm>
+          <a:prstGeom prst="straightConnector1">
+            <a:avLst/>
+          </a:prstGeom>
+          <a:ln>
+            <a:solidFill>
+              <a:schemeClr val="tx1"/>
+            </a:solidFill>
+            <a:tailEnd type="triangle"/>
+          </a:ln>
+        </p:spPr>
+        <p:style>
+          <a:lnRef idx="1">
+            <a:schemeClr val="accent1"/>
+          </a:lnRef>
+          <a:fillRef idx="0">
+            <a:schemeClr val="accent1"/>
+          </a:fillRef>
+          <a:effectRef idx="0">
+            <a:schemeClr val="accent1"/>
+          </a:effectRef>
+          <a:fontRef idx="minor">
+            <a:schemeClr val="tx1"/>
+          </a:fontRef>
+        </p:style>
+      </p:cxnSp>
+      <p:cxnSp>
+        <p:nvCxnSpPr>
+          <p:cNvPr id="143" name="직선 화살표 연결선 142">
+            <a:extLst>
+              <a:ext uri="{FF2B5EF4-FFF2-40B4-BE49-F238E27FC236}">
+                <a16:creationId xmlns:a16="http://schemas.microsoft.com/office/drawing/2014/main" id="{CA29E0AA-14B9-4D11-B332-3588A30B8B19}"/>
+              </a:ext>
+            </a:extLst>
+          </p:cNvPr>
+          <p:cNvCxnSpPr>
+            <a:cxnSpLocks/>
+          </p:cNvCxnSpPr>
+          <p:nvPr/>
+        </p:nvCxnSpPr>
+        <p:spPr>
+          <a:xfrm rot="16200000">
+            <a:off x="2759898" y="4728514"/>
+            <a:ext cx="1774241" cy="0"/>
+          </a:xfrm>
+          <a:prstGeom prst="straightConnector1">
+            <a:avLst/>
+          </a:prstGeom>
+          <a:ln>
+            <a:solidFill>
+              <a:schemeClr val="tx1"/>
+            </a:solidFill>
+            <a:tailEnd type="triangle"/>
+          </a:ln>
+        </p:spPr>
+        <p:style>
+          <a:lnRef idx="1">
+            <a:schemeClr val="accent1"/>
+          </a:lnRef>
+          <a:fillRef idx="0">
+            <a:schemeClr val="accent1"/>
+          </a:fillRef>
+          <a:effectRef idx="0">
+            <a:schemeClr val="accent1"/>
+          </a:effectRef>
+          <a:fontRef idx="minor">
+            <a:schemeClr val="tx1"/>
+          </a:fontRef>
+        </p:style>
+      </p:cxnSp>
+      <p:cxnSp>
+        <p:nvCxnSpPr>
+          <p:cNvPr id="145" name="직선 연결선 144">
+            <a:extLst>
+              <a:ext uri="{FF2B5EF4-FFF2-40B4-BE49-F238E27FC236}">
+                <a16:creationId xmlns:a16="http://schemas.microsoft.com/office/drawing/2014/main" id="{358FFE40-B943-4EEA-BEA3-7F06537D6443}"/>
+              </a:ext>
+            </a:extLst>
+          </p:cNvPr>
+          <p:cNvCxnSpPr/>
+          <p:nvPr/>
+        </p:nvCxnSpPr>
+        <p:spPr>
+          <a:xfrm>
+            <a:off x="4727722" y="5707052"/>
+            <a:ext cx="0" cy="90487"/>
+          </a:xfrm>
+          <a:prstGeom prst="line">
+            <a:avLst/>
+          </a:prstGeom>
+          <a:ln w="9525">
+            <a:solidFill>
+              <a:schemeClr val="tx1"/>
+            </a:solidFill>
+          </a:ln>
+        </p:spPr>
+        <p:style>
+          <a:lnRef idx="1">
+            <a:schemeClr val="accent1"/>
+          </a:lnRef>
+          <a:fillRef idx="0">
+            <a:schemeClr val="accent1"/>
+          </a:fillRef>
+          <a:effectRef idx="0">
+            <a:schemeClr val="accent1"/>
+          </a:effectRef>
+          <a:fontRef idx="minor">
+            <a:schemeClr val="tx1"/>
+          </a:fontRef>
+        </p:style>
+      </p:cxnSp>
+      <p:cxnSp>
+        <p:nvCxnSpPr>
+          <p:cNvPr id="146" name="직선 연결선 145">
+            <a:extLst>
+              <a:ext uri="{FF2B5EF4-FFF2-40B4-BE49-F238E27FC236}">
+                <a16:creationId xmlns:a16="http://schemas.microsoft.com/office/drawing/2014/main" id="{B1D11E90-B5CD-42E0-AAF4-5A74EFE5A253}"/>
+              </a:ext>
+            </a:extLst>
+          </p:cNvPr>
+          <p:cNvCxnSpPr/>
+          <p:nvPr/>
+        </p:nvCxnSpPr>
+        <p:spPr>
+          <a:xfrm>
+            <a:off x="5101430" y="5707052"/>
+            <a:ext cx="0" cy="90487"/>
+          </a:xfrm>
+          <a:prstGeom prst="line">
+            <a:avLst/>
+          </a:prstGeom>
+          <a:ln w="9525">
+            <a:solidFill>
+              <a:schemeClr val="tx1"/>
+            </a:solidFill>
+          </a:ln>
+        </p:spPr>
+        <p:style>
+          <a:lnRef idx="1">
+            <a:schemeClr val="accent1"/>
+          </a:lnRef>
+          <a:fillRef idx="0">
+            <a:schemeClr val="accent1"/>
+          </a:fillRef>
+          <a:effectRef idx="0">
+            <a:schemeClr val="accent1"/>
+          </a:effectRef>
+          <a:fontRef idx="minor">
+            <a:schemeClr val="tx1"/>
+          </a:fontRef>
+        </p:style>
+      </p:cxnSp>
+      <p:cxnSp>
+        <p:nvCxnSpPr>
+          <p:cNvPr id="147" name="직선 연결선 146">
+            <a:extLst>
+              <a:ext uri="{FF2B5EF4-FFF2-40B4-BE49-F238E27FC236}">
+                <a16:creationId xmlns:a16="http://schemas.microsoft.com/office/drawing/2014/main" id="{394E3AF8-8CBF-40A4-B1B0-1FA3BFF13AE2}"/>
+              </a:ext>
+            </a:extLst>
+          </p:cNvPr>
+          <p:cNvCxnSpPr/>
+          <p:nvPr/>
+        </p:nvCxnSpPr>
+        <p:spPr>
+          <a:xfrm>
+            <a:off x="5475135" y="5707052"/>
+            <a:ext cx="0" cy="90487"/>
+          </a:xfrm>
+          <a:prstGeom prst="line">
+            <a:avLst/>
+          </a:prstGeom>
+          <a:ln w="9525">
+            <a:solidFill>
+              <a:schemeClr val="tx1"/>
+            </a:solidFill>
+          </a:ln>
+        </p:spPr>
+        <p:style>
+          <a:lnRef idx="1">
+            <a:schemeClr val="accent1"/>
+          </a:lnRef>
+          <a:fillRef idx="0">
+            <a:schemeClr val="accent1"/>
+          </a:fillRef>
+          <a:effectRef idx="0">
+            <a:schemeClr val="accent1"/>
+          </a:effectRef>
+          <a:fontRef idx="minor">
+            <a:schemeClr val="tx1"/>
+          </a:fontRef>
+        </p:style>
+      </p:cxnSp>
+      <p:cxnSp>
+        <p:nvCxnSpPr>
+          <p:cNvPr id="157" name="직선 연결선 156">
+            <a:extLst>
+              <a:ext uri="{FF2B5EF4-FFF2-40B4-BE49-F238E27FC236}">
+                <a16:creationId xmlns:a16="http://schemas.microsoft.com/office/drawing/2014/main" id="{3639CF94-37ED-4B3E-B0DF-9AE15BCB76C9}"/>
+              </a:ext>
+            </a:extLst>
+          </p:cNvPr>
+          <p:cNvCxnSpPr/>
+          <p:nvPr/>
+        </p:nvCxnSpPr>
+        <p:spPr>
+          <a:xfrm>
+            <a:off x="4914576" y="5707052"/>
+            <a:ext cx="0" cy="90487"/>
+          </a:xfrm>
+          <a:prstGeom prst="line">
+            <a:avLst/>
+          </a:prstGeom>
+          <a:ln w="9525">
+            <a:solidFill>
+              <a:schemeClr val="tx1"/>
+            </a:solidFill>
+          </a:ln>
+        </p:spPr>
+        <p:style>
+          <a:lnRef idx="1">
+            <a:schemeClr val="accent1"/>
+          </a:lnRef>
+          <a:fillRef idx="0">
+            <a:schemeClr val="accent1"/>
+          </a:fillRef>
+          <a:effectRef idx="0">
+            <a:schemeClr val="accent1"/>
+          </a:effectRef>
+          <a:fontRef idx="minor">
+            <a:schemeClr val="tx1"/>
+          </a:fontRef>
+        </p:style>
+      </p:cxnSp>
+      <p:cxnSp>
+        <p:nvCxnSpPr>
+          <p:cNvPr id="158" name="직선 연결선 157">
+            <a:extLst>
+              <a:ext uri="{FF2B5EF4-FFF2-40B4-BE49-F238E27FC236}">
+                <a16:creationId xmlns:a16="http://schemas.microsoft.com/office/drawing/2014/main" id="{87725360-21C6-43B3-B7A7-0BF6C08E611F}"/>
+              </a:ext>
+            </a:extLst>
+          </p:cNvPr>
+          <p:cNvCxnSpPr/>
+          <p:nvPr/>
+        </p:nvCxnSpPr>
+        <p:spPr>
+          <a:xfrm>
+            <a:off x="5288284" y="5707052"/>
+            <a:ext cx="0" cy="90487"/>
+          </a:xfrm>
+          <a:prstGeom prst="line">
+            <a:avLst/>
+          </a:prstGeom>
+          <a:ln w="9525">
+            <a:solidFill>
+              <a:schemeClr val="tx1"/>
+            </a:solidFill>
+          </a:ln>
+        </p:spPr>
+        <p:style>
+          <a:lnRef idx="1">
+            <a:schemeClr val="accent1"/>
+          </a:lnRef>
+          <a:fillRef idx="0">
+            <a:schemeClr val="accent1"/>
+          </a:fillRef>
+          <a:effectRef idx="0">
+            <a:schemeClr val="accent1"/>
+          </a:effectRef>
+          <a:fontRef idx="minor">
+            <a:schemeClr val="tx1"/>
+          </a:fontRef>
+        </p:style>
+      </p:cxnSp>
+      <p:cxnSp>
+        <p:nvCxnSpPr>
+          <p:cNvPr id="159" name="직선 연결선 158">
+            <a:extLst>
+              <a:ext uri="{FF2B5EF4-FFF2-40B4-BE49-F238E27FC236}">
+                <a16:creationId xmlns:a16="http://schemas.microsoft.com/office/drawing/2014/main" id="{1CCB6274-CDA9-406A-980C-C5CB00C00C40}"/>
+              </a:ext>
+            </a:extLst>
+          </p:cNvPr>
+          <p:cNvCxnSpPr/>
+          <p:nvPr/>
+        </p:nvCxnSpPr>
+        <p:spPr>
+          <a:xfrm>
+            <a:off x="4167160" y="5707052"/>
+            <a:ext cx="0" cy="90487"/>
+          </a:xfrm>
+          <a:prstGeom prst="line">
+            <a:avLst/>
+          </a:prstGeom>
+          <a:ln w="9525">
+            <a:solidFill>
+              <a:schemeClr val="tx1"/>
+            </a:solidFill>
+          </a:ln>
+        </p:spPr>
+        <p:style>
+          <a:lnRef idx="1">
+            <a:schemeClr val="accent1"/>
+          </a:lnRef>
+          <a:fillRef idx="0">
+            <a:schemeClr val="accent1"/>
+          </a:fillRef>
+          <a:effectRef idx="0">
+            <a:schemeClr val="accent1"/>
+          </a:effectRef>
+          <a:fontRef idx="minor">
+            <a:schemeClr val="tx1"/>
+          </a:fontRef>
+        </p:style>
+      </p:cxnSp>
+      <p:cxnSp>
+        <p:nvCxnSpPr>
+          <p:cNvPr id="160" name="직선 연결선 159">
+            <a:extLst>
+              <a:ext uri="{FF2B5EF4-FFF2-40B4-BE49-F238E27FC236}">
+                <a16:creationId xmlns:a16="http://schemas.microsoft.com/office/drawing/2014/main" id="{9CA4034A-8DB5-4F09-ABEA-AC7518D1600C}"/>
+              </a:ext>
+            </a:extLst>
+          </p:cNvPr>
+          <p:cNvCxnSpPr/>
+          <p:nvPr/>
+        </p:nvCxnSpPr>
+        <p:spPr>
+          <a:xfrm>
+            <a:off x="4540868" y="5707052"/>
+            <a:ext cx="0" cy="90487"/>
+          </a:xfrm>
+          <a:prstGeom prst="line">
+            <a:avLst/>
+          </a:prstGeom>
+          <a:ln w="9525">
+            <a:solidFill>
+              <a:schemeClr val="tx1"/>
+            </a:solidFill>
+          </a:ln>
+        </p:spPr>
+        <p:style>
+          <a:lnRef idx="1">
+            <a:schemeClr val="accent1"/>
+          </a:lnRef>
+          <a:fillRef idx="0">
+            <a:schemeClr val="accent1"/>
+          </a:fillRef>
+          <a:effectRef idx="0">
+            <a:schemeClr val="accent1"/>
+          </a:effectRef>
+          <a:fontRef idx="minor">
+            <a:schemeClr val="tx1"/>
+          </a:fontRef>
+        </p:style>
+      </p:cxnSp>
+      <p:cxnSp>
+        <p:nvCxnSpPr>
+          <p:cNvPr id="161" name="직선 연결선 160">
+            <a:extLst>
+              <a:ext uri="{FF2B5EF4-FFF2-40B4-BE49-F238E27FC236}">
+                <a16:creationId xmlns:a16="http://schemas.microsoft.com/office/drawing/2014/main" id="{F3E12BE0-365F-4C77-AF15-90FCE7267C58}"/>
+              </a:ext>
+            </a:extLst>
+          </p:cNvPr>
+          <p:cNvCxnSpPr/>
+          <p:nvPr/>
+        </p:nvCxnSpPr>
+        <p:spPr>
+          <a:xfrm>
+            <a:off x="3980306" y="5707052"/>
+            <a:ext cx="0" cy="90487"/>
+          </a:xfrm>
+          <a:prstGeom prst="line">
+            <a:avLst/>
+          </a:prstGeom>
+          <a:ln w="9525">
+            <a:solidFill>
+              <a:schemeClr val="tx1"/>
+            </a:solidFill>
+          </a:ln>
+        </p:spPr>
+        <p:style>
+          <a:lnRef idx="1">
+            <a:schemeClr val="accent1"/>
+          </a:lnRef>
+          <a:fillRef idx="0">
+            <a:schemeClr val="accent1"/>
+          </a:fillRef>
+          <a:effectRef idx="0">
+            <a:schemeClr val="accent1"/>
+          </a:effectRef>
+          <a:fontRef idx="minor">
+            <a:schemeClr val="tx1"/>
+          </a:fontRef>
+        </p:style>
+      </p:cxnSp>
+      <p:cxnSp>
+        <p:nvCxnSpPr>
+          <p:cNvPr id="162" name="직선 연결선 161">
+            <a:extLst>
+              <a:ext uri="{FF2B5EF4-FFF2-40B4-BE49-F238E27FC236}">
+                <a16:creationId xmlns:a16="http://schemas.microsoft.com/office/drawing/2014/main" id="{36CA1D93-E5CF-410B-9E4D-087FC8BCD422}"/>
+              </a:ext>
+            </a:extLst>
+          </p:cNvPr>
+          <p:cNvCxnSpPr/>
+          <p:nvPr/>
+        </p:nvCxnSpPr>
+        <p:spPr>
+          <a:xfrm>
+            <a:off x="4354014" y="5707052"/>
+            <a:ext cx="0" cy="90487"/>
+          </a:xfrm>
+          <a:prstGeom prst="line">
+            <a:avLst/>
+          </a:prstGeom>
+          <a:ln w="9525">
+            <a:solidFill>
+              <a:schemeClr val="tx1"/>
+            </a:solidFill>
+          </a:ln>
+        </p:spPr>
+        <p:style>
+          <a:lnRef idx="1">
+            <a:schemeClr val="accent1"/>
+          </a:lnRef>
+          <a:fillRef idx="0">
+            <a:schemeClr val="accent1"/>
+          </a:fillRef>
+          <a:effectRef idx="0">
+            <a:schemeClr val="accent1"/>
+          </a:effectRef>
+          <a:fontRef idx="minor">
+            <a:schemeClr val="tx1"/>
+          </a:fontRef>
+        </p:style>
+      </p:cxnSp>
+      <p:cxnSp>
+        <p:nvCxnSpPr>
+          <p:cNvPr id="165" name="직선 연결선 164">
+            <a:extLst>
+              <a:ext uri="{FF2B5EF4-FFF2-40B4-BE49-F238E27FC236}">
+                <a16:creationId xmlns:a16="http://schemas.microsoft.com/office/drawing/2014/main" id="{FAD49DED-24D1-44D0-A159-43B2C14D2CF2}"/>
+              </a:ext>
+            </a:extLst>
+          </p:cNvPr>
+          <p:cNvCxnSpPr/>
+          <p:nvPr/>
+        </p:nvCxnSpPr>
+        <p:spPr>
+          <a:xfrm rot="5400000">
+            <a:off x="3647018" y="4683272"/>
+            <a:ext cx="0" cy="90487"/>
+          </a:xfrm>
+          <a:prstGeom prst="line">
+            <a:avLst/>
+          </a:prstGeom>
+          <a:ln w="9525">
+            <a:solidFill>
+              <a:schemeClr val="tx1"/>
+            </a:solidFill>
+          </a:ln>
+        </p:spPr>
+        <p:style>
+          <a:lnRef idx="1">
+            <a:schemeClr val="accent1"/>
+          </a:lnRef>
+          <a:fillRef idx="0">
+            <a:schemeClr val="accent1"/>
+          </a:fillRef>
+          <a:effectRef idx="0">
+            <a:schemeClr val="accent1"/>
+          </a:effectRef>
+          <a:fontRef idx="minor">
+            <a:schemeClr val="tx1"/>
+          </a:fontRef>
+        </p:style>
+      </p:cxnSp>
+      <p:cxnSp>
+        <p:nvCxnSpPr>
+          <p:cNvPr id="166" name="직선 연결선 165">
+            <a:extLst>
+              <a:ext uri="{FF2B5EF4-FFF2-40B4-BE49-F238E27FC236}">
+                <a16:creationId xmlns:a16="http://schemas.microsoft.com/office/drawing/2014/main" id="{D1DAD731-9B27-4FFE-96A9-00518AE8C70C}"/>
+              </a:ext>
+            </a:extLst>
+          </p:cNvPr>
+          <p:cNvCxnSpPr/>
+          <p:nvPr/>
+        </p:nvCxnSpPr>
+        <p:spPr>
+          <a:xfrm rot="5400000">
+            <a:off x="3647018" y="5056980"/>
+            <a:ext cx="0" cy="90487"/>
+          </a:xfrm>
+          <a:prstGeom prst="line">
+            <a:avLst/>
+          </a:prstGeom>
+          <a:ln w="9525">
+            <a:solidFill>
+              <a:schemeClr val="tx1"/>
+            </a:solidFill>
+          </a:ln>
+        </p:spPr>
+        <p:style>
+          <a:lnRef idx="1">
+            <a:schemeClr val="accent1"/>
+          </a:lnRef>
+          <a:fillRef idx="0">
+            <a:schemeClr val="accent1"/>
+          </a:fillRef>
+          <a:effectRef idx="0">
+            <a:schemeClr val="accent1"/>
+          </a:effectRef>
+          <a:fontRef idx="minor">
+            <a:schemeClr val="tx1"/>
+          </a:fontRef>
+        </p:style>
+      </p:cxnSp>
+      <p:cxnSp>
+        <p:nvCxnSpPr>
+          <p:cNvPr id="167" name="직선 연결선 166">
+            <a:extLst>
+              <a:ext uri="{FF2B5EF4-FFF2-40B4-BE49-F238E27FC236}">
+                <a16:creationId xmlns:a16="http://schemas.microsoft.com/office/drawing/2014/main" id="{B8BFEC53-ECE9-42FF-8C53-ABD53BC6957F}"/>
+              </a:ext>
+            </a:extLst>
+          </p:cNvPr>
+          <p:cNvCxnSpPr/>
+          <p:nvPr/>
+        </p:nvCxnSpPr>
+        <p:spPr>
+          <a:xfrm rot="5400000">
+            <a:off x="3647018" y="5430685"/>
+            <a:ext cx="0" cy="90487"/>
+          </a:xfrm>
+          <a:prstGeom prst="line">
+            <a:avLst/>
+          </a:prstGeom>
+          <a:ln w="9525">
+            <a:solidFill>
+              <a:schemeClr val="tx1"/>
+            </a:solidFill>
+          </a:ln>
+        </p:spPr>
+        <p:style>
+          <a:lnRef idx="1">
+            <a:schemeClr val="accent1"/>
+          </a:lnRef>
+          <a:fillRef idx="0">
+            <a:schemeClr val="accent1"/>
+          </a:fillRef>
+          <a:effectRef idx="0">
+            <a:schemeClr val="accent1"/>
+          </a:effectRef>
+          <a:fontRef idx="minor">
+            <a:schemeClr val="tx1"/>
+          </a:fontRef>
+        </p:style>
+      </p:cxnSp>
+      <p:cxnSp>
+        <p:nvCxnSpPr>
+          <p:cNvPr id="168" name="직선 연결선 167">
+            <a:extLst>
+              <a:ext uri="{FF2B5EF4-FFF2-40B4-BE49-F238E27FC236}">
+                <a16:creationId xmlns:a16="http://schemas.microsoft.com/office/drawing/2014/main" id="{BEAA111B-BEDF-46A2-A5FA-1C0844775046}"/>
+              </a:ext>
+            </a:extLst>
+          </p:cNvPr>
+          <p:cNvCxnSpPr/>
+          <p:nvPr/>
+        </p:nvCxnSpPr>
+        <p:spPr>
+          <a:xfrm rot="5400000">
+            <a:off x="3647018" y="4870126"/>
+            <a:ext cx="0" cy="90487"/>
+          </a:xfrm>
+          <a:prstGeom prst="line">
+            <a:avLst/>
+          </a:prstGeom>
+          <a:ln w="9525">
+            <a:solidFill>
+              <a:schemeClr val="tx1"/>
+            </a:solidFill>
+          </a:ln>
+        </p:spPr>
+        <p:style>
+          <a:lnRef idx="1">
+            <a:schemeClr val="accent1"/>
+          </a:lnRef>
+          <a:fillRef idx="0">
+            <a:schemeClr val="accent1"/>
+          </a:fillRef>
+          <a:effectRef idx="0">
+            <a:schemeClr val="accent1"/>
+          </a:effectRef>
+          <a:fontRef idx="minor">
+            <a:schemeClr val="tx1"/>
+          </a:fontRef>
+        </p:style>
+      </p:cxnSp>
+      <p:cxnSp>
+        <p:nvCxnSpPr>
+          <p:cNvPr id="169" name="직선 연결선 168">
+            <a:extLst>
+              <a:ext uri="{FF2B5EF4-FFF2-40B4-BE49-F238E27FC236}">
+                <a16:creationId xmlns:a16="http://schemas.microsoft.com/office/drawing/2014/main" id="{D7F76645-6B94-4F0F-BC30-652F78A298F2}"/>
+              </a:ext>
+            </a:extLst>
+          </p:cNvPr>
+          <p:cNvCxnSpPr/>
+          <p:nvPr/>
+        </p:nvCxnSpPr>
+        <p:spPr>
+          <a:xfrm rot="5400000">
+            <a:off x="3647018" y="5243834"/>
+            <a:ext cx="0" cy="90487"/>
+          </a:xfrm>
+          <a:prstGeom prst="line">
+            <a:avLst/>
+          </a:prstGeom>
+          <a:ln w="9525">
+            <a:solidFill>
+              <a:schemeClr val="tx1"/>
+            </a:solidFill>
+          </a:ln>
+        </p:spPr>
+        <p:style>
+          <a:lnRef idx="1">
+            <a:schemeClr val="accent1"/>
+          </a:lnRef>
+          <a:fillRef idx="0">
+            <a:schemeClr val="accent1"/>
+          </a:fillRef>
+          <a:effectRef idx="0">
+            <a:schemeClr val="accent1"/>
+          </a:effectRef>
+          <a:fontRef idx="minor">
+            <a:schemeClr val="tx1"/>
+          </a:fontRef>
+        </p:style>
+      </p:cxnSp>
+      <p:cxnSp>
+        <p:nvCxnSpPr>
+          <p:cNvPr id="170" name="직선 연결선 169">
+            <a:extLst>
+              <a:ext uri="{FF2B5EF4-FFF2-40B4-BE49-F238E27FC236}">
+                <a16:creationId xmlns:a16="http://schemas.microsoft.com/office/drawing/2014/main" id="{D20B99E9-4DBA-405F-A064-4F7514EB61E9}"/>
+              </a:ext>
+            </a:extLst>
+          </p:cNvPr>
+          <p:cNvCxnSpPr/>
+          <p:nvPr/>
+        </p:nvCxnSpPr>
+        <p:spPr>
+          <a:xfrm rot="5400000">
+            <a:off x="3647018" y="4122710"/>
+            <a:ext cx="0" cy="90487"/>
+          </a:xfrm>
+          <a:prstGeom prst="line">
+            <a:avLst/>
+          </a:prstGeom>
+          <a:ln w="9525">
+            <a:solidFill>
+              <a:schemeClr val="tx1"/>
+            </a:solidFill>
+          </a:ln>
+        </p:spPr>
+        <p:style>
+          <a:lnRef idx="1">
+            <a:schemeClr val="accent1"/>
+          </a:lnRef>
+          <a:fillRef idx="0">
+            <a:schemeClr val="accent1"/>
+          </a:fillRef>
+          <a:effectRef idx="0">
+            <a:schemeClr val="accent1"/>
+          </a:effectRef>
+          <a:fontRef idx="minor">
+            <a:schemeClr val="tx1"/>
+          </a:fontRef>
+        </p:style>
+      </p:cxnSp>
+      <p:cxnSp>
+        <p:nvCxnSpPr>
+          <p:cNvPr id="171" name="직선 연결선 170">
+            <a:extLst>
+              <a:ext uri="{FF2B5EF4-FFF2-40B4-BE49-F238E27FC236}">
+                <a16:creationId xmlns:a16="http://schemas.microsoft.com/office/drawing/2014/main" id="{07B5DD36-7B9D-4FA6-91F5-7C596C185035}"/>
+              </a:ext>
+            </a:extLst>
+          </p:cNvPr>
+          <p:cNvCxnSpPr/>
+          <p:nvPr/>
+        </p:nvCxnSpPr>
+        <p:spPr>
+          <a:xfrm rot="5400000">
+            <a:off x="3647018" y="4496418"/>
+            <a:ext cx="0" cy="90487"/>
+          </a:xfrm>
+          <a:prstGeom prst="line">
+            <a:avLst/>
+          </a:prstGeom>
+          <a:ln w="9525">
+            <a:solidFill>
+              <a:schemeClr val="tx1"/>
+            </a:solidFill>
+          </a:ln>
+        </p:spPr>
+        <p:style>
+          <a:lnRef idx="1">
+            <a:schemeClr val="accent1"/>
+          </a:lnRef>
+          <a:fillRef idx="0">
+            <a:schemeClr val="accent1"/>
+          </a:fillRef>
+          <a:effectRef idx="0">
+            <a:schemeClr val="accent1"/>
+          </a:effectRef>
+          <a:fontRef idx="minor">
+            <a:schemeClr val="tx1"/>
+          </a:fontRef>
+        </p:style>
+      </p:cxnSp>
+      <p:cxnSp>
+        <p:nvCxnSpPr>
+          <p:cNvPr id="172" name="직선 연결선 171">
+            <a:extLst>
+              <a:ext uri="{FF2B5EF4-FFF2-40B4-BE49-F238E27FC236}">
+                <a16:creationId xmlns:a16="http://schemas.microsoft.com/office/drawing/2014/main" id="{B85A599D-ABEE-4EA1-9027-8CC553B950BF}"/>
+              </a:ext>
+            </a:extLst>
+          </p:cNvPr>
+          <p:cNvCxnSpPr/>
+          <p:nvPr/>
+        </p:nvCxnSpPr>
+        <p:spPr>
+          <a:xfrm rot="5400000">
+            <a:off x="3647018" y="3935856"/>
+            <a:ext cx="0" cy="90487"/>
+          </a:xfrm>
+          <a:prstGeom prst="line">
+            <a:avLst/>
+          </a:prstGeom>
+          <a:ln w="9525">
+            <a:solidFill>
+              <a:schemeClr val="tx1"/>
+            </a:solidFill>
+          </a:ln>
+        </p:spPr>
+        <p:style>
+          <a:lnRef idx="1">
+            <a:schemeClr val="accent1"/>
+          </a:lnRef>
+          <a:fillRef idx="0">
+            <a:schemeClr val="accent1"/>
+          </a:fillRef>
+          <a:effectRef idx="0">
+            <a:schemeClr val="accent1"/>
+          </a:effectRef>
+          <a:fontRef idx="minor">
+            <a:schemeClr val="tx1"/>
+          </a:fontRef>
+        </p:style>
+      </p:cxnSp>
+      <p:cxnSp>
+        <p:nvCxnSpPr>
+          <p:cNvPr id="173" name="직선 연결선 172">
+            <a:extLst>
+              <a:ext uri="{FF2B5EF4-FFF2-40B4-BE49-F238E27FC236}">
+                <a16:creationId xmlns:a16="http://schemas.microsoft.com/office/drawing/2014/main" id="{1F107877-239A-455A-96BB-655DB219CB1C}"/>
+              </a:ext>
+            </a:extLst>
+          </p:cNvPr>
+          <p:cNvCxnSpPr/>
+          <p:nvPr/>
+        </p:nvCxnSpPr>
+        <p:spPr>
+          <a:xfrm rot="5400000">
+            <a:off x="3647018" y="4309564"/>
+            <a:ext cx="0" cy="90487"/>
+          </a:xfrm>
+          <a:prstGeom prst="line">
+            <a:avLst/>
+          </a:prstGeom>
+          <a:ln w="9525">
+            <a:solidFill>
+              <a:schemeClr val="tx1"/>
+            </a:solidFill>
+          </a:ln>
+        </p:spPr>
+        <p:style>
+          <a:lnRef idx="1">
+            <a:schemeClr val="accent1"/>
+          </a:lnRef>
+          <a:fillRef idx="0">
+            <a:schemeClr val="accent1"/>
+          </a:fillRef>
+          <a:effectRef idx="0">
+            <a:schemeClr val="accent1"/>
+          </a:effectRef>
+          <a:fontRef idx="minor">
+            <a:schemeClr val="tx1"/>
+          </a:fontRef>
+        </p:style>
+      </p:cxnSp>
+      <mc:AlternateContent xmlns:mc="http://schemas.openxmlformats.org/markup-compatibility/2006">
+        <mc:Choice xmlns:a14="http://schemas.microsoft.com/office/drawing/2010/main" Requires="a14">
+          <p:sp>
+            <p:nvSpPr>
+              <p:cNvPr id="174" name="TextBox 173">
+                <a:extLst>
+                  <a:ext uri="{FF2B5EF4-FFF2-40B4-BE49-F238E27FC236}">
+                    <a16:creationId xmlns:a16="http://schemas.microsoft.com/office/drawing/2014/main" id="{79A7E3E0-3A41-439C-8C5D-D72D5A486CF4}"/>
+                  </a:ext>
+                </a:extLst>
+              </p:cNvPr>
+              <p:cNvSpPr txBox="1"/>
+              <p:nvPr/>
+            </p:nvSpPr>
+            <p:spPr>
+              <a:xfrm>
+                <a:off x="4604929" y="5777139"/>
+                <a:ext cx="245580" cy="184666"/>
+              </a:xfrm>
+              <a:prstGeom prst="rect">
+                <a:avLst/>
+              </a:prstGeom>
+              <a:noFill/>
+            </p:spPr>
+            <p:txBody>
+              <a:bodyPr wrap="none" rtlCol="0">
+                <a:spAutoFit/>
+              </a:bodyPr>
+              <a:lstStyle/>
+              <a:p>
+                <a14:m>
+                  <m:oMathPara xmlns:m="http://schemas.openxmlformats.org/officeDocument/2006/math">
+                    <m:oMathParaPr>
+                      <m:jc m:val="centerGroup"/>
+                    </m:oMathParaPr>
+                    <m:oMath xmlns:m="http://schemas.openxmlformats.org/officeDocument/2006/math">
+                      <m:r>
+                        <a:rPr lang="en-US" altLang="ko-KR" sz="600" b="0" i="1" smtClean="0">
+                          <a:solidFill>
+                            <a:schemeClr val="tx1"/>
+                          </a:solidFill>
+                          <a:latin typeface="Cambria Math" panose="02040503050406030204" pitchFamily="18" charset="0"/>
+                        </a:rPr>
+                        <m:t>0</m:t>
+                      </m:r>
+                    </m:oMath>
+                  </m:oMathPara>
+                </a14:m>
+                <a:endParaRPr lang="ko-KR" altLang="en-US" sz="600" dirty="0">
+                  <a:solidFill>
+                    <a:schemeClr val="tx1"/>
+                  </a:solidFill>
+                </a:endParaRPr>
+              </a:p>
+            </p:txBody>
+          </p:sp>
+        </mc:Choice>
+        <mc:Fallback>
+          <p:sp>
+            <p:nvSpPr>
+              <p:cNvPr id="174" name="TextBox 173">
+                <a:extLst>
+                  <a:ext uri="{FF2B5EF4-FFF2-40B4-BE49-F238E27FC236}">
+                    <a16:creationId xmlns:a16="http://schemas.microsoft.com/office/drawing/2014/main" id="{79A7E3E0-3A41-439C-8C5D-D72D5A486CF4}"/>
+                  </a:ext>
+                </a:extLst>
+              </p:cNvPr>
+              <p:cNvSpPr txBox="1">
+                <a:spLocks noRot="1" noChangeAspect="1" noMove="1" noResize="1" noEditPoints="1" noAdjustHandles="1" noChangeArrowheads="1" noChangeShapeType="1" noTextEdit="1"/>
+              </p:cNvSpPr>
+              <p:nvPr/>
+            </p:nvSpPr>
+            <p:spPr>
+              <a:xfrm>
+                <a:off x="4604929" y="5777139"/>
+                <a:ext cx="245580" cy="184666"/>
+              </a:xfrm>
+              <a:prstGeom prst="rect">
+                <a:avLst/>
+              </a:prstGeom>
+              <a:blipFill>
+                <a:blip r:embed="rId12"/>
+                <a:stretch>
+                  <a:fillRect/>
+                </a:stretch>
+              </a:blipFill>
+            </p:spPr>
+            <p:txBody>
+              <a:bodyPr/>
+              <a:lstStyle/>
+              <a:p>
+                <a:r>
+                  <a:rPr lang="ko-KR" altLang="en-US">
+                    <a:noFill/>
+                  </a:rPr>
+                  <a:t> </a:t>
+                </a:r>
+              </a:p>
+            </p:txBody>
+          </p:sp>
+        </mc:Fallback>
+      </mc:AlternateContent>
+      <mc:AlternateContent xmlns:mc="http://schemas.openxmlformats.org/markup-compatibility/2006">
+        <mc:Choice xmlns:a14="http://schemas.microsoft.com/office/drawing/2010/main" Requires="a14">
+          <p:sp>
+            <p:nvSpPr>
+              <p:cNvPr id="175" name="TextBox 174">
+                <a:extLst>
+                  <a:ext uri="{FF2B5EF4-FFF2-40B4-BE49-F238E27FC236}">
+                    <a16:creationId xmlns:a16="http://schemas.microsoft.com/office/drawing/2014/main" id="{85FDC612-89AE-4AA7-8B8E-9C4BAE1975FC}"/>
+                  </a:ext>
+                </a:extLst>
+              </p:cNvPr>
+              <p:cNvSpPr txBox="1"/>
+              <p:nvPr/>
+            </p:nvSpPr>
+            <p:spPr>
+              <a:xfrm>
+                <a:off x="4791779" y="5777139"/>
+                <a:ext cx="245580" cy="184666"/>
+              </a:xfrm>
+              <a:prstGeom prst="rect">
+                <a:avLst/>
+              </a:prstGeom>
+              <a:noFill/>
+            </p:spPr>
+            <p:txBody>
+              <a:bodyPr wrap="none" rtlCol="0">
+                <a:spAutoFit/>
+              </a:bodyPr>
+              <a:lstStyle/>
+              <a:p>
+                <a14:m>
+                  <m:oMathPara xmlns:m="http://schemas.openxmlformats.org/officeDocument/2006/math">
+                    <m:oMathParaPr>
+                      <m:jc m:val="centerGroup"/>
+                    </m:oMathParaPr>
+                    <m:oMath xmlns:m="http://schemas.openxmlformats.org/officeDocument/2006/math">
+                      <m:r>
+                        <a:rPr lang="en-US" altLang="ko-KR" sz="600" b="0" i="1" smtClean="0">
+                          <a:solidFill>
+                            <a:schemeClr val="tx1"/>
+                          </a:solidFill>
+                          <a:latin typeface="Cambria Math" panose="02040503050406030204" pitchFamily="18" charset="0"/>
+                        </a:rPr>
+                        <m:t>1</m:t>
+                      </m:r>
+                    </m:oMath>
+                  </m:oMathPara>
+                </a14:m>
+                <a:endParaRPr lang="ko-KR" altLang="en-US" sz="600" dirty="0">
+                  <a:solidFill>
+                    <a:schemeClr val="tx1"/>
+                  </a:solidFill>
+                </a:endParaRPr>
+              </a:p>
+            </p:txBody>
+          </p:sp>
+        </mc:Choice>
+        <mc:Fallback>
+          <p:sp>
+            <p:nvSpPr>
+              <p:cNvPr id="175" name="TextBox 174">
+                <a:extLst>
+                  <a:ext uri="{FF2B5EF4-FFF2-40B4-BE49-F238E27FC236}">
+                    <a16:creationId xmlns:a16="http://schemas.microsoft.com/office/drawing/2014/main" id="{85FDC612-89AE-4AA7-8B8E-9C4BAE1975FC}"/>
+                  </a:ext>
+                </a:extLst>
+              </p:cNvPr>
+              <p:cNvSpPr txBox="1">
+                <a:spLocks noRot="1" noChangeAspect="1" noMove="1" noResize="1" noEditPoints="1" noAdjustHandles="1" noChangeArrowheads="1" noChangeShapeType="1" noTextEdit="1"/>
+              </p:cNvSpPr>
+              <p:nvPr/>
+            </p:nvSpPr>
+            <p:spPr>
+              <a:xfrm>
+                <a:off x="4791779" y="5777139"/>
+                <a:ext cx="245580" cy="184666"/>
+              </a:xfrm>
+              <a:prstGeom prst="rect">
+                <a:avLst/>
+              </a:prstGeom>
+              <a:blipFill>
+                <a:blip r:embed="rId13"/>
+                <a:stretch>
+                  <a:fillRect/>
+                </a:stretch>
+              </a:blipFill>
+            </p:spPr>
+            <p:txBody>
+              <a:bodyPr/>
+              <a:lstStyle/>
+              <a:p>
+                <a:r>
+                  <a:rPr lang="ko-KR" altLang="en-US">
+                    <a:noFill/>
+                  </a:rPr>
+                  <a:t> </a:t>
+                </a:r>
+              </a:p>
+            </p:txBody>
+          </p:sp>
+        </mc:Fallback>
+      </mc:AlternateContent>
+      <mc:AlternateContent xmlns:mc="http://schemas.openxmlformats.org/markup-compatibility/2006">
+        <mc:Choice xmlns:a14="http://schemas.microsoft.com/office/drawing/2010/main" Requires="a14">
+          <p:sp>
+            <p:nvSpPr>
+              <p:cNvPr id="176" name="TextBox 175">
+                <a:extLst>
+                  <a:ext uri="{FF2B5EF4-FFF2-40B4-BE49-F238E27FC236}">
+                    <a16:creationId xmlns:a16="http://schemas.microsoft.com/office/drawing/2014/main" id="{C6177D2E-4AC5-4E03-8B56-FCA8A9E5439D}"/>
+                  </a:ext>
+                </a:extLst>
+              </p:cNvPr>
+              <p:cNvSpPr txBox="1"/>
+              <p:nvPr/>
+            </p:nvSpPr>
+            <p:spPr>
+              <a:xfrm>
+                <a:off x="4985351" y="5777139"/>
+                <a:ext cx="245580" cy="184666"/>
+              </a:xfrm>
+              <a:prstGeom prst="rect">
+                <a:avLst/>
+              </a:prstGeom>
+              <a:noFill/>
+            </p:spPr>
+            <p:txBody>
+              <a:bodyPr wrap="none" rtlCol="0">
+                <a:spAutoFit/>
+              </a:bodyPr>
+              <a:lstStyle/>
+              <a:p>
+                <a14:m>
+                  <m:oMathPara xmlns:m="http://schemas.openxmlformats.org/officeDocument/2006/math">
+                    <m:oMathParaPr>
+                      <m:jc m:val="centerGroup"/>
+                    </m:oMathParaPr>
+                    <m:oMath xmlns:m="http://schemas.openxmlformats.org/officeDocument/2006/math">
+                      <m:r>
+                        <a:rPr lang="en-US" altLang="ko-KR" sz="600" b="0" i="1" smtClean="0">
+                          <a:solidFill>
+                            <a:schemeClr val="tx1"/>
+                          </a:solidFill>
+                          <a:latin typeface="Cambria Math" panose="02040503050406030204" pitchFamily="18" charset="0"/>
+                        </a:rPr>
+                        <m:t>2</m:t>
+                      </m:r>
+                    </m:oMath>
+                  </m:oMathPara>
+                </a14:m>
+                <a:endParaRPr lang="ko-KR" altLang="en-US" sz="600" dirty="0">
+                  <a:solidFill>
+                    <a:schemeClr val="tx1"/>
+                  </a:solidFill>
+                </a:endParaRPr>
+              </a:p>
+            </p:txBody>
+          </p:sp>
+        </mc:Choice>
+        <mc:Fallback>
+          <p:sp>
+            <p:nvSpPr>
+              <p:cNvPr id="176" name="TextBox 175">
+                <a:extLst>
+                  <a:ext uri="{FF2B5EF4-FFF2-40B4-BE49-F238E27FC236}">
+                    <a16:creationId xmlns:a16="http://schemas.microsoft.com/office/drawing/2014/main" id="{C6177D2E-4AC5-4E03-8B56-FCA8A9E5439D}"/>
+                  </a:ext>
+                </a:extLst>
+              </p:cNvPr>
+              <p:cNvSpPr txBox="1">
+                <a:spLocks noRot="1" noChangeAspect="1" noMove="1" noResize="1" noEditPoints="1" noAdjustHandles="1" noChangeArrowheads="1" noChangeShapeType="1" noTextEdit="1"/>
+              </p:cNvSpPr>
+              <p:nvPr/>
+            </p:nvSpPr>
+            <p:spPr>
+              <a:xfrm>
+                <a:off x="4985351" y="5777139"/>
+                <a:ext cx="245580" cy="184666"/>
+              </a:xfrm>
+              <a:prstGeom prst="rect">
+                <a:avLst/>
+              </a:prstGeom>
+              <a:blipFill>
+                <a:blip r:embed="rId14"/>
+                <a:stretch>
+                  <a:fillRect/>
+                </a:stretch>
+              </a:blipFill>
+            </p:spPr>
+            <p:txBody>
+              <a:bodyPr/>
+              <a:lstStyle/>
+              <a:p>
+                <a:r>
+                  <a:rPr lang="ko-KR" altLang="en-US">
+                    <a:noFill/>
+                  </a:rPr>
+                  <a:t> </a:t>
+                </a:r>
+              </a:p>
+            </p:txBody>
+          </p:sp>
+        </mc:Fallback>
+      </mc:AlternateContent>
+      <mc:AlternateContent xmlns:mc="http://schemas.openxmlformats.org/markup-compatibility/2006">
+        <mc:Choice xmlns:a14="http://schemas.microsoft.com/office/drawing/2010/main" Requires="a14">
+          <p:sp>
+            <p:nvSpPr>
+              <p:cNvPr id="177" name="TextBox 176">
+                <a:extLst>
+                  <a:ext uri="{FF2B5EF4-FFF2-40B4-BE49-F238E27FC236}">
+                    <a16:creationId xmlns:a16="http://schemas.microsoft.com/office/drawing/2014/main" id="{166DC531-D145-4841-886D-C5C4CB8CA352}"/>
+                  </a:ext>
+                </a:extLst>
+              </p:cNvPr>
+              <p:cNvSpPr txBox="1"/>
+              <p:nvPr/>
+            </p:nvSpPr>
+            <p:spPr>
+              <a:xfrm>
+                <a:off x="5159256" y="5777139"/>
+                <a:ext cx="245580" cy="184666"/>
+              </a:xfrm>
+              <a:prstGeom prst="rect">
+                <a:avLst/>
+              </a:prstGeom>
+              <a:noFill/>
+            </p:spPr>
+            <p:txBody>
+              <a:bodyPr wrap="none" rtlCol="0">
+                <a:spAutoFit/>
+              </a:bodyPr>
+              <a:lstStyle/>
+              <a:p>
+                <a14:m>
+                  <m:oMathPara xmlns:m="http://schemas.openxmlformats.org/officeDocument/2006/math">
+                    <m:oMathParaPr>
+                      <m:jc m:val="centerGroup"/>
+                    </m:oMathParaPr>
+                    <m:oMath xmlns:m="http://schemas.openxmlformats.org/officeDocument/2006/math">
+                      <m:r>
+                        <a:rPr lang="en-US" altLang="ko-KR" sz="600" b="0" i="1" smtClean="0">
+                          <a:solidFill>
+                            <a:schemeClr val="tx1"/>
+                          </a:solidFill>
+                          <a:latin typeface="Cambria Math" panose="02040503050406030204" pitchFamily="18" charset="0"/>
+                        </a:rPr>
+                        <m:t>3</m:t>
+                      </m:r>
+                    </m:oMath>
+                  </m:oMathPara>
+                </a14:m>
+                <a:endParaRPr lang="ko-KR" altLang="en-US" sz="600" dirty="0">
+                  <a:solidFill>
+                    <a:schemeClr val="tx1"/>
+                  </a:solidFill>
+                </a:endParaRPr>
+              </a:p>
+            </p:txBody>
+          </p:sp>
+        </mc:Choice>
+        <mc:Fallback>
+          <p:sp>
+            <p:nvSpPr>
+              <p:cNvPr id="177" name="TextBox 176">
+                <a:extLst>
+                  <a:ext uri="{FF2B5EF4-FFF2-40B4-BE49-F238E27FC236}">
+                    <a16:creationId xmlns:a16="http://schemas.microsoft.com/office/drawing/2014/main" id="{166DC531-D145-4841-886D-C5C4CB8CA352}"/>
+                  </a:ext>
+                </a:extLst>
+              </p:cNvPr>
+              <p:cNvSpPr txBox="1">
+                <a:spLocks noRot="1" noChangeAspect="1" noMove="1" noResize="1" noEditPoints="1" noAdjustHandles="1" noChangeArrowheads="1" noChangeShapeType="1" noTextEdit="1"/>
+              </p:cNvSpPr>
+              <p:nvPr/>
+            </p:nvSpPr>
+            <p:spPr>
+              <a:xfrm>
+                <a:off x="5159256" y="5777139"/>
+                <a:ext cx="245580" cy="184666"/>
+              </a:xfrm>
+              <a:prstGeom prst="rect">
+                <a:avLst/>
+              </a:prstGeom>
+              <a:blipFill>
+                <a:blip r:embed="rId15"/>
+                <a:stretch>
+                  <a:fillRect/>
+                </a:stretch>
+              </a:blipFill>
+            </p:spPr>
+            <p:txBody>
+              <a:bodyPr/>
+              <a:lstStyle/>
+              <a:p>
+                <a:r>
+                  <a:rPr lang="ko-KR" altLang="en-US">
+                    <a:noFill/>
+                  </a:rPr>
+                  <a:t> </a:t>
+                </a:r>
+              </a:p>
+            </p:txBody>
+          </p:sp>
+        </mc:Fallback>
+      </mc:AlternateContent>
+      <mc:AlternateContent xmlns:mc="http://schemas.openxmlformats.org/markup-compatibility/2006">
+        <mc:Choice xmlns:a14="http://schemas.microsoft.com/office/drawing/2010/main" Requires="a14">
+          <p:sp>
+            <p:nvSpPr>
+              <p:cNvPr id="178" name="TextBox 177">
+                <a:extLst>
+                  <a:ext uri="{FF2B5EF4-FFF2-40B4-BE49-F238E27FC236}">
+                    <a16:creationId xmlns:a16="http://schemas.microsoft.com/office/drawing/2014/main" id="{4925B040-B8F0-47DD-A167-ED67257F5EF0}"/>
+                  </a:ext>
+                </a:extLst>
+              </p:cNvPr>
+              <p:cNvSpPr txBox="1"/>
+              <p:nvPr/>
+            </p:nvSpPr>
+            <p:spPr>
+              <a:xfrm>
+                <a:off x="5347010" y="5777139"/>
+                <a:ext cx="245580" cy="184666"/>
+              </a:xfrm>
+              <a:prstGeom prst="rect">
+                <a:avLst/>
+              </a:prstGeom>
+              <a:noFill/>
+            </p:spPr>
+            <p:txBody>
+              <a:bodyPr wrap="none" rtlCol="0">
+                <a:spAutoFit/>
+              </a:bodyPr>
+              <a:lstStyle/>
+              <a:p>
+                <a14:m>
+                  <m:oMathPara xmlns:m="http://schemas.openxmlformats.org/officeDocument/2006/math">
+                    <m:oMathParaPr>
+                      <m:jc m:val="centerGroup"/>
+                    </m:oMathParaPr>
+                    <m:oMath xmlns:m="http://schemas.openxmlformats.org/officeDocument/2006/math">
+                      <m:r>
+                        <a:rPr lang="en-US" altLang="ko-KR" sz="600" b="0" i="1" smtClean="0">
+                          <a:solidFill>
+                            <a:schemeClr val="tx1"/>
+                          </a:solidFill>
+                          <a:latin typeface="Cambria Math" panose="02040503050406030204" pitchFamily="18" charset="0"/>
+                        </a:rPr>
+                        <m:t>4</m:t>
+                      </m:r>
+                    </m:oMath>
+                  </m:oMathPara>
+                </a14:m>
+                <a:endParaRPr lang="ko-KR" altLang="en-US" sz="600" dirty="0">
+                  <a:solidFill>
+                    <a:schemeClr val="tx1"/>
+                  </a:solidFill>
+                </a:endParaRPr>
+              </a:p>
+            </p:txBody>
+          </p:sp>
+        </mc:Choice>
+        <mc:Fallback>
+          <p:sp>
+            <p:nvSpPr>
+              <p:cNvPr id="178" name="TextBox 177">
+                <a:extLst>
+                  <a:ext uri="{FF2B5EF4-FFF2-40B4-BE49-F238E27FC236}">
+                    <a16:creationId xmlns:a16="http://schemas.microsoft.com/office/drawing/2014/main" id="{4925B040-B8F0-47DD-A167-ED67257F5EF0}"/>
+                  </a:ext>
+                </a:extLst>
+              </p:cNvPr>
+              <p:cNvSpPr txBox="1">
+                <a:spLocks noRot="1" noChangeAspect="1" noMove="1" noResize="1" noEditPoints="1" noAdjustHandles="1" noChangeArrowheads="1" noChangeShapeType="1" noTextEdit="1"/>
+              </p:cNvSpPr>
+              <p:nvPr/>
+            </p:nvSpPr>
+            <p:spPr>
+              <a:xfrm>
+                <a:off x="5347010" y="5777139"/>
+                <a:ext cx="245580" cy="184666"/>
+              </a:xfrm>
+              <a:prstGeom prst="rect">
+                <a:avLst/>
+              </a:prstGeom>
+              <a:blipFill>
+                <a:blip r:embed="rId16"/>
+                <a:stretch>
+                  <a:fillRect/>
+                </a:stretch>
+              </a:blipFill>
+            </p:spPr>
+            <p:txBody>
+              <a:bodyPr/>
+              <a:lstStyle/>
+              <a:p>
+                <a:r>
+                  <a:rPr lang="ko-KR" altLang="en-US">
+                    <a:noFill/>
+                  </a:rPr>
+                  <a:t> </a:t>
+                </a:r>
+              </a:p>
+            </p:txBody>
+          </p:sp>
+        </mc:Fallback>
+      </mc:AlternateContent>
+      <mc:AlternateContent xmlns:mc="http://schemas.openxmlformats.org/markup-compatibility/2006">
+        <mc:Choice xmlns:a14="http://schemas.microsoft.com/office/drawing/2010/main" Requires="a14">
+          <p:sp>
+            <p:nvSpPr>
+              <p:cNvPr id="181" name="TextBox 180">
+                <a:extLst>
+                  <a:ext uri="{FF2B5EF4-FFF2-40B4-BE49-F238E27FC236}">
+                    <a16:creationId xmlns:a16="http://schemas.microsoft.com/office/drawing/2014/main" id="{CD194D4E-4503-4640-B503-743A202A77E5}"/>
+                  </a:ext>
+                </a:extLst>
+              </p:cNvPr>
+              <p:cNvSpPr txBox="1"/>
+              <p:nvPr/>
+            </p:nvSpPr>
+            <p:spPr>
+              <a:xfrm>
+                <a:off x="3830589" y="5777139"/>
+                <a:ext cx="303288" cy="184666"/>
+              </a:xfrm>
+              <a:prstGeom prst="rect">
+                <a:avLst/>
+              </a:prstGeom>
+              <a:noFill/>
+            </p:spPr>
+            <p:txBody>
+              <a:bodyPr wrap="none" rtlCol="0">
+                <a:spAutoFit/>
+              </a:bodyPr>
+              <a:lstStyle/>
+              <a:p>
+                <a14:m>
+                  <m:oMathPara xmlns:m="http://schemas.openxmlformats.org/officeDocument/2006/math">
+                    <m:oMathParaPr>
+                      <m:jc m:val="centerGroup"/>
+                    </m:oMathParaPr>
+                    <m:oMath xmlns:m="http://schemas.openxmlformats.org/officeDocument/2006/math">
+                      <m:r>
+                        <a:rPr lang="en-US" altLang="ko-KR" sz="600" b="0" i="1" smtClean="0">
+                          <a:solidFill>
+                            <a:schemeClr val="tx1"/>
+                          </a:solidFill>
+                          <a:latin typeface="Cambria Math" panose="02040503050406030204" pitchFamily="18" charset="0"/>
+                        </a:rPr>
+                        <m:t>−4</m:t>
+                      </m:r>
+                    </m:oMath>
+                  </m:oMathPara>
+                </a14:m>
+                <a:endParaRPr lang="ko-KR" altLang="en-US" sz="600" dirty="0">
+                  <a:solidFill>
+                    <a:schemeClr val="tx1"/>
+                  </a:solidFill>
+                </a:endParaRPr>
+              </a:p>
+            </p:txBody>
+          </p:sp>
+        </mc:Choice>
+        <mc:Fallback>
+          <p:sp>
+            <p:nvSpPr>
+              <p:cNvPr id="181" name="TextBox 180">
+                <a:extLst>
+                  <a:ext uri="{FF2B5EF4-FFF2-40B4-BE49-F238E27FC236}">
+                    <a16:creationId xmlns:a16="http://schemas.microsoft.com/office/drawing/2014/main" id="{CD194D4E-4503-4640-B503-743A202A77E5}"/>
+                  </a:ext>
+                </a:extLst>
+              </p:cNvPr>
+              <p:cNvSpPr txBox="1">
+                <a:spLocks noRot="1" noChangeAspect="1" noMove="1" noResize="1" noEditPoints="1" noAdjustHandles="1" noChangeArrowheads="1" noChangeShapeType="1" noTextEdit="1"/>
+              </p:cNvSpPr>
+              <p:nvPr/>
+            </p:nvSpPr>
+            <p:spPr>
+              <a:xfrm>
+                <a:off x="3830589" y="5777139"/>
+                <a:ext cx="303288" cy="184666"/>
+              </a:xfrm>
+              <a:prstGeom prst="rect">
+                <a:avLst/>
+              </a:prstGeom>
+              <a:blipFill>
+                <a:blip r:embed="rId17"/>
+                <a:stretch>
+                  <a:fillRect/>
+                </a:stretch>
+              </a:blipFill>
+            </p:spPr>
+            <p:txBody>
+              <a:bodyPr/>
+              <a:lstStyle/>
+              <a:p>
+                <a:r>
+                  <a:rPr lang="ko-KR" altLang="en-US">
+                    <a:noFill/>
+                  </a:rPr>
+                  <a:t> </a:t>
+                </a:r>
+              </a:p>
+            </p:txBody>
+          </p:sp>
+        </mc:Fallback>
+      </mc:AlternateContent>
+      <mc:AlternateContent xmlns:mc="http://schemas.openxmlformats.org/markup-compatibility/2006">
+        <mc:Choice xmlns:a14="http://schemas.microsoft.com/office/drawing/2010/main" Requires="a14">
+          <p:sp>
+            <p:nvSpPr>
+              <p:cNvPr id="182" name="TextBox 181">
+                <a:extLst>
+                  <a:ext uri="{FF2B5EF4-FFF2-40B4-BE49-F238E27FC236}">
+                    <a16:creationId xmlns:a16="http://schemas.microsoft.com/office/drawing/2014/main" id="{B1F4D7FD-1E9E-4B66-BAC7-8EB9A6A7F709}"/>
+                  </a:ext>
+                </a:extLst>
+              </p:cNvPr>
+              <p:cNvSpPr txBox="1"/>
+              <p:nvPr/>
+            </p:nvSpPr>
+            <p:spPr>
+              <a:xfrm>
+                <a:off x="4024161" y="5777139"/>
+                <a:ext cx="303288" cy="184666"/>
+              </a:xfrm>
+              <a:prstGeom prst="rect">
+                <a:avLst/>
+              </a:prstGeom>
+              <a:noFill/>
+            </p:spPr>
+            <p:txBody>
+              <a:bodyPr wrap="none" rtlCol="0">
+                <a:spAutoFit/>
+              </a:bodyPr>
+              <a:lstStyle/>
+              <a:p>
+                <a14:m>
+                  <m:oMathPara xmlns:m="http://schemas.openxmlformats.org/officeDocument/2006/math">
+                    <m:oMathParaPr>
+                      <m:jc m:val="centerGroup"/>
+                    </m:oMathParaPr>
+                    <m:oMath xmlns:m="http://schemas.openxmlformats.org/officeDocument/2006/math">
+                      <m:r>
+                        <a:rPr lang="en-US" altLang="ko-KR" sz="600" b="0" i="1" smtClean="0">
+                          <a:solidFill>
+                            <a:schemeClr val="tx1"/>
+                          </a:solidFill>
+                          <a:latin typeface="Cambria Math" panose="02040503050406030204" pitchFamily="18" charset="0"/>
+                        </a:rPr>
+                        <m:t>−3</m:t>
+                      </m:r>
+                    </m:oMath>
+                  </m:oMathPara>
+                </a14:m>
+                <a:endParaRPr lang="ko-KR" altLang="en-US" sz="600" dirty="0">
+                  <a:solidFill>
+                    <a:schemeClr val="tx1"/>
+                  </a:solidFill>
+                </a:endParaRPr>
+              </a:p>
+            </p:txBody>
+          </p:sp>
+        </mc:Choice>
+        <mc:Fallback>
+          <p:sp>
+            <p:nvSpPr>
+              <p:cNvPr id="182" name="TextBox 181">
+                <a:extLst>
+                  <a:ext uri="{FF2B5EF4-FFF2-40B4-BE49-F238E27FC236}">
+                    <a16:creationId xmlns:a16="http://schemas.microsoft.com/office/drawing/2014/main" id="{B1F4D7FD-1E9E-4B66-BAC7-8EB9A6A7F709}"/>
+                  </a:ext>
+                </a:extLst>
+              </p:cNvPr>
+              <p:cNvSpPr txBox="1">
+                <a:spLocks noRot="1" noChangeAspect="1" noMove="1" noResize="1" noEditPoints="1" noAdjustHandles="1" noChangeArrowheads="1" noChangeShapeType="1" noTextEdit="1"/>
+              </p:cNvSpPr>
+              <p:nvPr/>
+            </p:nvSpPr>
+            <p:spPr>
+              <a:xfrm>
+                <a:off x="4024161" y="5777139"/>
+                <a:ext cx="303288" cy="184666"/>
+              </a:xfrm>
+              <a:prstGeom prst="rect">
+                <a:avLst/>
+              </a:prstGeom>
+              <a:blipFill>
+                <a:blip r:embed="rId18"/>
+                <a:stretch>
+                  <a:fillRect/>
+                </a:stretch>
+              </a:blipFill>
+            </p:spPr>
+            <p:txBody>
+              <a:bodyPr/>
+              <a:lstStyle/>
+              <a:p>
+                <a:r>
+                  <a:rPr lang="ko-KR" altLang="en-US">
+                    <a:noFill/>
+                  </a:rPr>
+                  <a:t> </a:t>
+                </a:r>
+              </a:p>
+            </p:txBody>
+          </p:sp>
+        </mc:Fallback>
+      </mc:AlternateContent>
+      <mc:AlternateContent xmlns:mc="http://schemas.openxmlformats.org/markup-compatibility/2006">
+        <mc:Choice xmlns:a14="http://schemas.microsoft.com/office/drawing/2010/main" Requires="a14">
+          <p:sp>
+            <p:nvSpPr>
+              <p:cNvPr id="183" name="TextBox 182">
+                <a:extLst>
+                  <a:ext uri="{FF2B5EF4-FFF2-40B4-BE49-F238E27FC236}">
+                    <a16:creationId xmlns:a16="http://schemas.microsoft.com/office/drawing/2014/main" id="{334E9449-81C9-4A60-9574-F8194AEEAC6B}"/>
+                  </a:ext>
+                </a:extLst>
+              </p:cNvPr>
+              <p:cNvSpPr txBox="1"/>
+              <p:nvPr/>
+            </p:nvSpPr>
+            <p:spPr>
+              <a:xfrm>
+                <a:off x="4198066" y="5777139"/>
+                <a:ext cx="303288" cy="184666"/>
+              </a:xfrm>
+              <a:prstGeom prst="rect">
+                <a:avLst/>
+              </a:prstGeom>
+              <a:noFill/>
+            </p:spPr>
+            <p:txBody>
+              <a:bodyPr wrap="none" rtlCol="0">
+                <a:spAutoFit/>
+              </a:bodyPr>
+              <a:lstStyle/>
+              <a:p>
+                <a14:m>
+                  <m:oMathPara xmlns:m="http://schemas.openxmlformats.org/officeDocument/2006/math">
+                    <m:oMathParaPr>
+                      <m:jc m:val="centerGroup"/>
+                    </m:oMathParaPr>
+                    <m:oMath xmlns:m="http://schemas.openxmlformats.org/officeDocument/2006/math">
+                      <m:r>
+                        <a:rPr lang="en-US" altLang="ko-KR" sz="600" b="0" i="1" smtClean="0">
+                          <a:solidFill>
+                            <a:schemeClr val="tx1"/>
+                          </a:solidFill>
+                          <a:latin typeface="Cambria Math" panose="02040503050406030204" pitchFamily="18" charset="0"/>
+                        </a:rPr>
+                        <m:t>−2</m:t>
+                      </m:r>
+                    </m:oMath>
+                  </m:oMathPara>
+                </a14:m>
+                <a:endParaRPr lang="ko-KR" altLang="en-US" sz="600" dirty="0">
+                  <a:solidFill>
+                    <a:schemeClr val="tx1"/>
+                  </a:solidFill>
+                </a:endParaRPr>
+              </a:p>
+            </p:txBody>
+          </p:sp>
+        </mc:Choice>
+        <mc:Fallback>
+          <p:sp>
+            <p:nvSpPr>
+              <p:cNvPr id="183" name="TextBox 182">
+                <a:extLst>
+                  <a:ext uri="{FF2B5EF4-FFF2-40B4-BE49-F238E27FC236}">
+                    <a16:creationId xmlns:a16="http://schemas.microsoft.com/office/drawing/2014/main" id="{334E9449-81C9-4A60-9574-F8194AEEAC6B}"/>
+                  </a:ext>
+                </a:extLst>
+              </p:cNvPr>
+              <p:cNvSpPr txBox="1">
+                <a:spLocks noRot="1" noChangeAspect="1" noMove="1" noResize="1" noEditPoints="1" noAdjustHandles="1" noChangeArrowheads="1" noChangeShapeType="1" noTextEdit="1"/>
+              </p:cNvSpPr>
+              <p:nvPr/>
+            </p:nvSpPr>
+            <p:spPr>
+              <a:xfrm>
+                <a:off x="4198066" y="5777139"/>
+                <a:ext cx="303288" cy="184666"/>
+              </a:xfrm>
+              <a:prstGeom prst="rect">
+                <a:avLst/>
+              </a:prstGeom>
+              <a:blipFill>
+                <a:blip r:embed="rId19"/>
+                <a:stretch>
+                  <a:fillRect/>
+                </a:stretch>
+              </a:blipFill>
+            </p:spPr>
+            <p:txBody>
+              <a:bodyPr/>
+              <a:lstStyle/>
+              <a:p>
+                <a:r>
+                  <a:rPr lang="ko-KR" altLang="en-US">
+                    <a:noFill/>
+                  </a:rPr>
+                  <a:t> </a:t>
+                </a:r>
+              </a:p>
+            </p:txBody>
+          </p:sp>
+        </mc:Fallback>
+      </mc:AlternateContent>
+      <mc:AlternateContent xmlns:mc="http://schemas.openxmlformats.org/markup-compatibility/2006">
+        <mc:Choice xmlns:a14="http://schemas.microsoft.com/office/drawing/2010/main" Requires="a14">
+          <p:sp>
+            <p:nvSpPr>
+              <p:cNvPr id="184" name="TextBox 183">
+                <a:extLst>
+                  <a:ext uri="{FF2B5EF4-FFF2-40B4-BE49-F238E27FC236}">
+                    <a16:creationId xmlns:a16="http://schemas.microsoft.com/office/drawing/2014/main" id="{D5DC4F81-39D8-4A54-A64A-61B4200B6751}"/>
+                  </a:ext>
+                </a:extLst>
+              </p:cNvPr>
+              <p:cNvSpPr txBox="1"/>
+              <p:nvPr/>
+            </p:nvSpPr>
+            <p:spPr>
+              <a:xfrm>
+                <a:off x="4385820" y="5777139"/>
+                <a:ext cx="303288" cy="184666"/>
+              </a:xfrm>
+              <a:prstGeom prst="rect">
+                <a:avLst/>
+              </a:prstGeom>
+              <a:noFill/>
+            </p:spPr>
+            <p:txBody>
+              <a:bodyPr wrap="none" rtlCol="0">
+                <a:spAutoFit/>
+              </a:bodyPr>
+              <a:lstStyle/>
+              <a:p>
+                <a14:m>
+                  <m:oMathPara xmlns:m="http://schemas.openxmlformats.org/officeDocument/2006/math">
+                    <m:oMathParaPr>
+                      <m:jc m:val="centerGroup"/>
+                    </m:oMathParaPr>
+                    <m:oMath xmlns:m="http://schemas.openxmlformats.org/officeDocument/2006/math">
+                      <m:r>
+                        <a:rPr lang="en-US" altLang="ko-KR" sz="600" b="0" i="1" smtClean="0">
+                          <a:solidFill>
+                            <a:schemeClr val="tx1"/>
+                          </a:solidFill>
+                          <a:latin typeface="Cambria Math" panose="02040503050406030204" pitchFamily="18" charset="0"/>
+                        </a:rPr>
+                        <m:t>−1</m:t>
+                      </m:r>
+                    </m:oMath>
+                  </m:oMathPara>
+                </a14:m>
+                <a:endParaRPr lang="ko-KR" altLang="en-US" sz="600" dirty="0">
+                  <a:solidFill>
+                    <a:schemeClr val="tx1"/>
+                  </a:solidFill>
+                </a:endParaRPr>
+              </a:p>
+            </p:txBody>
+          </p:sp>
+        </mc:Choice>
+        <mc:Fallback>
+          <p:sp>
+            <p:nvSpPr>
+              <p:cNvPr id="184" name="TextBox 183">
+                <a:extLst>
+                  <a:ext uri="{FF2B5EF4-FFF2-40B4-BE49-F238E27FC236}">
+                    <a16:creationId xmlns:a16="http://schemas.microsoft.com/office/drawing/2014/main" id="{D5DC4F81-39D8-4A54-A64A-61B4200B6751}"/>
+                  </a:ext>
+                </a:extLst>
+              </p:cNvPr>
+              <p:cNvSpPr txBox="1">
+                <a:spLocks noRot="1" noChangeAspect="1" noMove="1" noResize="1" noEditPoints="1" noAdjustHandles="1" noChangeArrowheads="1" noChangeShapeType="1" noTextEdit="1"/>
+              </p:cNvSpPr>
+              <p:nvPr/>
+            </p:nvSpPr>
+            <p:spPr>
+              <a:xfrm>
+                <a:off x="4385820" y="5777139"/>
+                <a:ext cx="303288" cy="184666"/>
+              </a:xfrm>
+              <a:prstGeom prst="rect">
+                <a:avLst/>
+              </a:prstGeom>
+              <a:blipFill>
+                <a:blip r:embed="rId20"/>
+                <a:stretch>
+                  <a:fillRect/>
+                </a:stretch>
+              </a:blipFill>
+            </p:spPr>
+            <p:txBody>
+              <a:bodyPr/>
+              <a:lstStyle/>
+              <a:p>
+                <a:r>
+                  <a:rPr lang="ko-KR" altLang="en-US">
+                    <a:noFill/>
+                  </a:rPr>
+                  <a:t> </a:t>
+                </a:r>
+              </a:p>
+            </p:txBody>
+          </p:sp>
+        </mc:Fallback>
+      </mc:AlternateContent>
+      <mc:AlternateContent xmlns:mc="http://schemas.openxmlformats.org/markup-compatibility/2006">
+        <mc:Choice xmlns:a14="http://schemas.microsoft.com/office/drawing/2010/main" Requires="a14">
+          <p:sp>
+            <p:nvSpPr>
+              <p:cNvPr id="188" name="TextBox 187">
+                <a:extLst>
+                  <a:ext uri="{FF2B5EF4-FFF2-40B4-BE49-F238E27FC236}">
+                    <a16:creationId xmlns:a16="http://schemas.microsoft.com/office/drawing/2014/main" id="{A22ECED5-9AA8-47E9-9732-6EA64E31F802}"/>
+                  </a:ext>
+                </a:extLst>
+              </p:cNvPr>
+              <p:cNvSpPr txBox="1"/>
+              <p:nvPr/>
+            </p:nvSpPr>
+            <p:spPr>
+              <a:xfrm>
+                <a:off x="3413082" y="4643671"/>
+                <a:ext cx="245580" cy="184666"/>
+              </a:xfrm>
+              <a:prstGeom prst="rect">
+                <a:avLst/>
+              </a:prstGeom>
+              <a:noFill/>
+            </p:spPr>
+            <p:txBody>
+              <a:bodyPr wrap="none" rtlCol="0">
+                <a:spAutoFit/>
+              </a:bodyPr>
+              <a:lstStyle/>
+              <a:p>
+                <a14:m>
+                  <m:oMathPara xmlns:m="http://schemas.openxmlformats.org/officeDocument/2006/math">
+                    <m:oMathParaPr>
+                      <m:jc m:val="centerGroup"/>
+                    </m:oMathParaPr>
+                    <m:oMath xmlns:m="http://schemas.openxmlformats.org/officeDocument/2006/math">
+                      <m:r>
+                        <a:rPr lang="en-US" altLang="ko-KR" sz="600" b="0" i="1" smtClean="0">
+                          <a:solidFill>
+                            <a:schemeClr val="tx1"/>
+                          </a:solidFill>
+                          <a:latin typeface="Cambria Math" panose="02040503050406030204" pitchFamily="18" charset="0"/>
+                        </a:rPr>
+                        <m:t>0</m:t>
+                      </m:r>
+                    </m:oMath>
+                  </m:oMathPara>
+                </a14:m>
+                <a:endParaRPr lang="ko-KR" altLang="en-US" sz="600" dirty="0">
+                  <a:solidFill>
+                    <a:schemeClr val="tx1"/>
+                  </a:solidFill>
+                </a:endParaRPr>
+              </a:p>
+            </p:txBody>
+          </p:sp>
+        </mc:Choice>
+        <mc:Fallback>
+          <p:sp>
+            <p:nvSpPr>
+              <p:cNvPr id="188" name="TextBox 187">
+                <a:extLst>
+                  <a:ext uri="{FF2B5EF4-FFF2-40B4-BE49-F238E27FC236}">
+                    <a16:creationId xmlns:a16="http://schemas.microsoft.com/office/drawing/2014/main" id="{A22ECED5-9AA8-47E9-9732-6EA64E31F802}"/>
+                  </a:ext>
+                </a:extLst>
+              </p:cNvPr>
+              <p:cNvSpPr txBox="1">
+                <a:spLocks noRot="1" noChangeAspect="1" noMove="1" noResize="1" noEditPoints="1" noAdjustHandles="1" noChangeArrowheads="1" noChangeShapeType="1" noTextEdit="1"/>
+              </p:cNvSpPr>
+              <p:nvPr/>
+            </p:nvSpPr>
+            <p:spPr>
+              <a:xfrm>
+                <a:off x="3413082" y="4643671"/>
+                <a:ext cx="245580" cy="184666"/>
+              </a:xfrm>
+              <a:prstGeom prst="rect">
+                <a:avLst/>
+              </a:prstGeom>
+              <a:blipFill>
+                <a:blip r:embed="rId21"/>
+                <a:stretch>
+                  <a:fillRect/>
+                </a:stretch>
+              </a:blipFill>
+            </p:spPr>
+            <p:txBody>
+              <a:bodyPr/>
+              <a:lstStyle/>
+              <a:p>
+                <a:r>
+                  <a:rPr lang="ko-KR" altLang="en-US">
+                    <a:noFill/>
+                  </a:rPr>
+                  <a:t> </a:t>
+                </a:r>
+              </a:p>
+            </p:txBody>
+          </p:sp>
+        </mc:Fallback>
+      </mc:AlternateContent>
+      <mc:AlternateContent xmlns:mc="http://schemas.openxmlformats.org/markup-compatibility/2006">
+        <mc:Choice xmlns:a14="http://schemas.microsoft.com/office/drawing/2010/main" Requires="a14">
+          <p:sp>
+            <p:nvSpPr>
+              <p:cNvPr id="194" name="TextBox 193">
+                <a:extLst>
+                  <a:ext uri="{FF2B5EF4-FFF2-40B4-BE49-F238E27FC236}">
+                    <a16:creationId xmlns:a16="http://schemas.microsoft.com/office/drawing/2014/main" id="{79E8023D-74B9-4F28-B48E-3ED2F4FAA38C}"/>
+                  </a:ext>
+                </a:extLst>
+              </p:cNvPr>
+              <p:cNvSpPr txBox="1"/>
+              <p:nvPr/>
+            </p:nvSpPr>
+            <p:spPr>
+              <a:xfrm>
+                <a:off x="3413082" y="4456821"/>
+                <a:ext cx="245580" cy="184666"/>
+              </a:xfrm>
+              <a:prstGeom prst="rect">
+                <a:avLst/>
+              </a:prstGeom>
+              <a:noFill/>
+            </p:spPr>
+            <p:txBody>
+              <a:bodyPr wrap="none" rtlCol="0">
+                <a:spAutoFit/>
+              </a:bodyPr>
+              <a:lstStyle/>
+              <a:p>
+                <a14:m>
+                  <m:oMathPara xmlns:m="http://schemas.openxmlformats.org/officeDocument/2006/math">
+                    <m:oMathParaPr>
+                      <m:jc m:val="centerGroup"/>
+                    </m:oMathParaPr>
+                    <m:oMath xmlns:m="http://schemas.openxmlformats.org/officeDocument/2006/math">
+                      <m:r>
+                        <a:rPr lang="en-US" altLang="ko-KR" sz="600" b="0" i="1" smtClean="0">
+                          <a:solidFill>
+                            <a:schemeClr val="tx1"/>
+                          </a:solidFill>
+                          <a:latin typeface="Cambria Math" panose="02040503050406030204" pitchFamily="18" charset="0"/>
+                        </a:rPr>
+                        <m:t>1</m:t>
+                      </m:r>
+                    </m:oMath>
+                  </m:oMathPara>
+                </a14:m>
+                <a:endParaRPr lang="ko-KR" altLang="en-US" sz="600" dirty="0">
+                  <a:solidFill>
+                    <a:schemeClr val="tx1"/>
+                  </a:solidFill>
+                </a:endParaRPr>
+              </a:p>
+            </p:txBody>
+          </p:sp>
+        </mc:Choice>
+        <mc:Fallback>
+          <p:sp>
+            <p:nvSpPr>
+              <p:cNvPr id="194" name="TextBox 193">
+                <a:extLst>
+                  <a:ext uri="{FF2B5EF4-FFF2-40B4-BE49-F238E27FC236}">
+                    <a16:creationId xmlns:a16="http://schemas.microsoft.com/office/drawing/2014/main" id="{79E8023D-74B9-4F28-B48E-3ED2F4FAA38C}"/>
+                  </a:ext>
+                </a:extLst>
+              </p:cNvPr>
+              <p:cNvSpPr txBox="1">
+                <a:spLocks noRot="1" noChangeAspect="1" noMove="1" noResize="1" noEditPoints="1" noAdjustHandles="1" noChangeArrowheads="1" noChangeShapeType="1" noTextEdit="1"/>
+              </p:cNvSpPr>
+              <p:nvPr/>
+            </p:nvSpPr>
+            <p:spPr>
+              <a:xfrm>
+                <a:off x="3413082" y="4456821"/>
+                <a:ext cx="245580" cy="184666"/>
+              </a:xfrm>
+              <a:prstGeom prst="rect">
+                <a:avLst/>
+              </a:prstGeom>
+              <a:blipFill>
+                <a:blip r:embed="rId22"/>
+                <a:stretch>
+                  <a:fillRect/>
+                </a:stretch>
+              </a:blipFill>
+            </p:spPr>
+            <p:txBody>
+              <a:bodyPr/>
+              <a:lstStyle/>
+              <a:p>
+                <a:r>
+                  <a:rPr lang="ko-KR" altLang="en-US">
+                    <a:noFill/>
+                  </a:rPr>
+                  <a:t> </a:t>
+                </a:r>
+              </a:p>
+            </p:txBody>
+          </p:sp>
+        </mc:Fallback>
+      </mc:AlternateContent>
+      <mc:AlternateContent xmlns:mc="http://schemas.openxmlformats.org/markup-compatibility/2006">
+        <mc:Choice xmlns:a14="http://schemas.microsoft.com/office/drawing/2010/main" Requires="a14">
+          <p:sp>
+            <p:nvSpPr>
+              <p:cNvPr id="195" name="TextBox 194">
+                <a:extLst>
+                  <a:ext uri="{FF2B5EF4-FFF2-40B4-BE49-F238E27FC236}">
+                    <a16:creationId xmlns:a16="http://schemas.microsoft.com/office/drawing/2014/main" id="{129E82E8-FCC2-4B8E-816A-9984EFB8EFE3}"/>
+                  </a:ext>
+                </a:extLst>
+              </p:cNvPr>
+              <p:cNvSpPr txBox="1"/>
+              <p:nvPr/>
+            </p:nvSpPr>
+            <p:spPr>
+              <a:xfrm>
+                <a:off x="3413082" y="4263249"/>
+                <a:ext cx="245580" cy="184666"/>
+              </a:xfrm>
+              <a:prstGeom prst="rect">
+                <a:avLst/>
+              </a:prstGeom>
+              <a:noFill/>
+            </p:spPr>
+            <p:txBody>
+              <a:bodyPr wrap="none" rtlCol="0">
+                <a:spAutoFit/>
+              </a:bodyPr>
+              <a:lstStyle/>
+              <a:p>
+                <a14:m>
+                  <m:oMathPara xmlns:m="http://schemas.openxmlformats.org/officeDocument/2006/math">
+                    <m:oMathParaPr>
+                      <m:jc m:val="centerGroup"/>
+                    </m:oMathParaPr>
+                    <m:oMath xmlns:m="http://schemas.openxmlformats.org/officeDocument/2006/math">
+                      <m:r>
+                        <a:rPr lang="en-US" altLang="ko-KR" sz="600" b="0" i="1" smtClean="0">
+                          <a:solidFill>
+                            <a:schemeClr val="tx1"/>
+                          </a:solidFill>
+                          <a:latin typeface="Cambria Math" panose="02040503050406030204" pitchFamily="18" charset="0"/>
+                        </a:rPr>
+                        <m:t>2</m:t>
+                      </m:r>
+                    </m:oMath>
+                  </m:oMathPara>
+                </a14:m>
+                <a:endParaRPr lang="ko-KR" altLang="en-US" sz="600" dirty="0">
+                  <a:solidFill>
+                    <a:schemeClr val="tx1"/>
+                  </a:solidFill>
+                </a:endParaRPr>
+              </a:p>
+            </p:txBody>
+          </p:sp>
+        </mc:Choice>
+        <mc:Fallback>
+          <p:sp>
+            <p:nvSpPr>
+              <p:cNvPr id="195" name="TextBox 194">
+                <a:extLst>
+                  <a:ext uri="{FF2B5EF4-FFF2-40B4-BE49-F238E27FC236}">
+                    <a16:creationId xmlns:a16="http://schemas.microsoft.com/office/drawing/2014/main" id="{129E82E8-FCC2-4B8E-816A-9984EFB8EFE3}"/>
+                  </a:ext>
+                </a:extLst>
+              </p:cNvPr>
+              <p:cNvSpPr txBox="1">
+                <a:spLocks noRot="1" noChangeAspect="1" noMove="1" noResize="1" noEditPoints="1" noAdjustHandles="1" noChangeArrowheads="1" noChangeShapeType="1" noTextEdit="1"/>
+              </p:cNvSpPr>
+              <p:nvPr/>
+            </p:nvSpPr>
+            <p:spPr>
+              <a:xfrm>
+                <a:off x="3413082" y="4263249"/>
+                <a:ext cx="245580" cy="184666"/>
+              </a:xfrm>
+              <a:prstGeom prst="rect">
+                <a:avLst/>
+              </a:prstGeom>
+              <a:blipFill>
+                <a:blip r:embed="rId23"/>
+                <a:stretch>
+                  <a:fillRect/>
+                </a:stretch>
+              </a:blipFill>
+            </p:spPr>
+            <p:txBody>
+              <a:bodyPr/>
+              <a:lstStyle/>
+              <a:p>
+                <a:r>
+                  <a:rPr lang="ko-KR" altLang="en-US">
+                    <a:noFill/>
+                  </a:rPr>
+                  <a:t> </a:t>
+                </a:r>
+              </a:p>
+            </p:txBody>
+          </p:sp>
+        </mc:Fallback>
+      </mc:AlternateContent>
+      <mc:AlternateContent xmlns:mc="http://schemas.openxmlformats.org/markup-compatibility/2006">
+        <mc:Choice xmlns:a14="http://schemas.microsoft.com/office/drawing/2010/main" Requires="a14">
+          <p:sp>
+            <p:nvSpPr>
+              <p:cNvPr id="196" name="TextBox 195">
+                <a:extLst>
+                  <a:ext uri="{FF2B5EF4-FFF2-40B4-BE49-F238E27FC236}">
+                    <a16:creationId xmlns:a16="http://schemas.microsoft.com/office/drawing/2014/main" id="{198CB0D1-A727-4D77-A640-9C2E6B5FEDB6}"/>
+                  </a:ext>
+                </a:extLst>
+              </p:cNvPr>
+              <p:cNvSpPr txBox="1"/>
+              <p:nvPr/>
+            </p:nvSpPr>
+            <p:spPr>
+              <a:xfrm>
+                <a:off x="3413082" y="4089344"/>
+                <a:ext cx="245580" cy="184666"/>
+              </a:xfrm>
+              <a:prstGeom prst="rect">
+                <a:avLst/>
+              </a:prstGeom>
+              <a:noFill/>
+            </p:spPr>
+            <p:txBody>
+              <a:bodyPr wrap="none" rtlCol="0">
+                <a:spAutoFit/>
+              </a:bodyPr>
+              <a:lstStyle/>
+              <a:p>
+                <a14:m>
+                  <m:oMathPara xmlns:m="http://schemas.openxmlformats.org/officeDocument/2006/math">
+                    <m:oMathParaPr>
+                      <m:jc m:val="centerGroup"/>
+                    </m:oMathParaPr>
+                    <m:oMath xmlns:m="http://schemas.openxmlformats.org/officeDocument/2006/math">
+                      <m:r>
+                        <a:rPr lang="en-US" altLang="ko-KR" sz="600" b="0" i="1" smtClean="0">
+                          <a:solidFill>
+                            <a:schemeClr val="tx1"/>
+                          </a:solidFill>
+                          <a:latin typeface="Cambria Math" panose="02040503050406030204" pitchFamily="18" charset="0"/>
+                        </a:rPr>
+                        <m:t>3</m:t>
+                      </m:r>
+                    </m:oMath>
+                  </m:oMathPara>
+                </a14:m>
+                <a:endParaRPr lang="ko-KR" altLang="en-US" sz="600" dirty="0">
+                  <a:solidFill>
+                    <a:schemeClr val="tx1"/>
+                  </a:solidFill>
+                </a:endParaRPr>
+              </a:p>
+            </p:txBody>
+          </p:sp>
+        </mc:Choice>
+        <mc:Fallback>
+          <p:sp>
+            <p:nvSpPr>
+              <p:cNvPr id="196" name="TextBox 195">
+                <a:extLst>
+                  <a:ext uri="{FF2B5EF4-FFF2-40B4-BE49-F238E27FC236}">
+                    <a16:creationId xmlns:a16="http://schemas.microsoft.com/office/drawing/2014/main" id="{198CB0D1-A727-4D77-A640-9C2E6B5FEDB6}"/>
+                  </a:ext>
+                </a:extLst>
+              </p:cNvPr>
+              <p:cNvSpPr txBox="1">
+                <a:spLocks noRot="1" noChangeAspect="1" noMove="1" noResize="1" noEditPoints="1" noAdjustHandles="1" noChangeArrowheads="1" noChangeShapeType="1" noTextEdit="1"/>
+              </p:cNvSpPr>
+              <p:nvPr/>
+            </p:nvSpPr>
+            <p:spPr>
+              <a:xfrm>
+                <a:off x="3413082" y="4089344"/>
+                <a:ext cx="245580" cy="184666"/>
+              </a:xfrm>
+              <a:prstGeom prst="rect">
+                <a:avLst/>
+              </a:prstGeom>
+              <a:blipFill>
+                <a:blip r:embed="rId24"/>
+                <a:stretch>
+                  <a:fillRect/>
+                </a:stretch>
+              </a:blipFill>
+            </p:spPr>
+            <p:txBody>
+              <a:bodyPr/>
+              <a:lstStyle/>
+              <a:p>
+                <a:r>
+                  <a:rPr lang="ko-KR" altLang="en-US">
+                    <a:noFill/>
+                  </a:rPr>
+                  <a:t> </a:t>
+                </a:r>
+              </a:p>
+            </p:txBody>
+          </p:sp>
+        </mc:Fallback>
+      </mc:AlternateContent>
+      <mc:AlternateContent xmlns:mc="http://schemas.openxmlformats.org/markup-compatibility/2006">
+        <mc:Choice xmlns:a14="http://schemas.microsoft.com/office/drawing/2010/main" Requires="a14">
+          <p:sp>
+            <p:nvSpPr>
+              <p:cNvPr id="197" name="TextBox 196">
+                <a:extLst>
+                  <a:ext uri="{FF2B5EF4-FFF2-40B4-BE49-F238E27FC236}">
+                    <a16:creationId xmlns:a16="http://schemas.microsoft.com/office/drawing/2014/main" id="{A4541576-17B0-48FE-B4DF-65D319A86AB2}"/>
+                  </a:ext>
+                </a:extLst>
+              </p:cNvPr>
+              <p:cNvSpPr txBox="1"/>
+              <p:nvPr/>
+            </p:nvSpPr>
+            <p:spPr>
+              <a:xfrm>
+                <a:off x="3413082" y="3901590"/>
+                <a:ext cx="245580" cy="184666"/>
+              </a:xfrm>
+              <a:prstGeom prst="rect">
+                <a:avLst/>
+              </a:prstGeom>
+              <a:noFill/>
+            </p:spPr>
+            <p:txBody>
+              <a:bodyPr wrap="none" rtlCol="0">
+                <a:spAutoFit/>
+              </a:bodyPr>
+              <a:lstStyle/>
+              <a:p>
+                <a14:m>
+                  <m:oMathPara xmlns:m="http://schemas.openxmlformats.org/officeDocument/2006/math">
+                    <m:oMathParaPr>
+                      <m:jc m:val="centerGroup"/>
+                    </m:oMathParaPr>
+                    <m:oMath xmlns:m="http://schemas.openxmlformats.org/officeDocument/2006/math">
+                      <m:r>
+                        <a:rPr lang="en-US" altLang="ko-KR" sz="600" b="0" i="1" smtClean="0">
+                          <a:solidFill>
+                            <a:schemeClr val="tx1"/>
+                          </a:solidFill>
+                          <a:latin typeface="Cambria Math" panose="02040503050406030204" pitchFamily="18" charset="0"/>
+                        </a:rPr>
+                        <m:t>4</m:t>
+                      </m:r>
+                    </m:oMath>
+                  </m:oMathPara>
+                </a14:m>
+                <a:endParaRPr lang="ko-KR" altLang="en-US" sz="600" dirty="0">
+                  <a:solidFill>
+                    <a:schemeClr val="tx1"/>
+                  </a:solidFill>
+                </a:endParaRPr>
+              </a:p>
+            </p:txBody>
+          </p:sp>
+        </mc:Choice>
+        <mc:Fallback>
+          <p:sp>
+            <p:nvSpPr>
+              <p:cNvPr id="197" name="TextBox 196">
+                <a:extLst>
+                  <a:ext uri="{FF2B5EF4-FFF2-40B4-BE49-F238E27FC236}">
+                    <a16:creationId xmlns:a16="http://schemas.microsoft.com/office/drawing/2014/main" id="{A4541576-17B0-48FE-B4DF-65D319A86AB2}"/>
+                  </a:ext>
+                </a:extLst>
+              </p:cNvPr>
+              <p:cNvSpPr txBox="1">
+                <a:spLocks noRot="1" noChangeAspect="1" noMove="1" noResize="1" noEditPoints="1" noAdjustHandles="1" noChangeArrowheads="1" noChangeShapeType="1" noTextEdit="1"/>
+              </p:cNvSpPr>
+              <p:nvPr/>
+            </p:nvSpPr>
+            <p:spPr>
+              <a:xfrm>
+                <a:off x="3413082" y="3901590"/>
+                <a:ext cx="245580" cy="184666"/>
+              </a:xfrm>
+              <a:prstGeom prst="rect">
+                <a:avLst/>
+              </a:prstGeom>
+              <a:blipFill>
+                <a:blip r:embed="rId25"/>
+                <a:stretch>
+                  <a:fillRect/>
+                </a:stretch>
+              </a:blipFill>
+            </p:spPr>
+            <p:txBody>
+              <a:bodyPr/>
+              <a:lstStyle/>
+              <a:p>
+                <a:r>
+                  <a:rPr lang="ko-KR" altLang="en-US">
+                    <a:noFill/>
+                  </a:rPr>
+                  <a:t> </a:t>
+                </a:r>
+              </a:p>
+            </p:txBody>
+          </p:sp>
+        </mc:Fallback>
+      </mc:AlternateContent>
+      <mc:AlternateContent xmlns:mc="http://schemas.openxmlformats.org/markup-compatibility/2006">
+        <mc:Choice xmlns:a14="http://schemas.microsoft.com/office/drawing/2010/main" Requires="a14">
+          <p:sp>
+            <p:nvSpPr>
+              <p:cNvPr id="190" name="TextBox 189">
+                <a:extLst>
+                  <a:ext uri="{FF2B5EF4-FFF2-40B4-BE49-F238E27FC236}">
+                    <a16:creationId xmlns:a16="http://schemas.microsoft.com/office/drawing/2014/main" id="{212A2D69-FB0E-4761-AFC3-B83269BC5747}"/>
+                  </a:ext>
+                </a:extLst>
+              </p:cNvPr>
+              <p:cNvSpPr txBox="1"/>
+              <p:nvPr/>
+            </p:nvSpPr>
+            <p:spPr>
+              <a:xfrm>
+                <a:off x="3355374" y="5389157"/>
+                <a:ext cx="303288" cy="184666"/>
+              </a:xfrm>
+              <a:prstGeom prst="rect">
+                <a:avLst/>
+              </a:prstGeom>
+              <a:noFill/>
+            </p:spPr>
+            <p:txBody>
+              <a:bodyPr wrap="none" rtlCol="0">
+                <a:spAutoFit/>
+              </a:bodyPr>
+              <a:lstStyle/>
+              <a:p>
+                <a14:m>
+                  <m:oMathPara xmlns:m="http://schemas.openxmlformats.org/officeDocument/2006/math">
+                    <m:oMathParaPr>
+                      <m:jc m:val="centerGroup"/>
+                    </m:oMathParaPr>
+                    <m:oMath xmlns:m="http://schemas.openxmlformats.org/officeDocument/2006/math">
+                      <m:r>
+                        <a:rPr lang="en-US" altLang="ko-KR" sz="600" b="0" i="1" smtClean="0">
+                          <a:solidFill>
+                            <a:schemeClr val="tx1"/>
+                          </a:solidFill>
+                          <a:latin typeface="Cambria Math" panose="02040503050406030204" pitchFamily="18" charset="0"/>
+                        </a:rPr>
+                        <m:t>−4</m:t>
+                      </m:r>
+                    </m:oMath>
+                  </m:oMathPara>
+                </a14:m>
+                <a:endParaRPr lang="ko-KR" altLang="en-US" sz="600" dirty="0">
+                  <a:solidFill>
+                    <a:schemeClr val="tx1"/>
+                  </a:solidFill>
+                </a:endParaRPr>
+              </a:p>
+            </p:txBody>
+          </p:sp>
+        </mc:Choice>
+        <mc:Fallback>
+          <p:sp>
+            <p:nvSpPr>
+              <p:cNvPr id="190" name="TextBox 189">
+                <a:extLst>
+                  <a:ext uri="{FF2B5EF4-FFF2-40B4-BE49-F238E27FC236}">
+                    <a16:creationId xmlns:a16="http://schemas.microsoft.com/office/drawing/2014/main" id="{212A2D69-FB0E-4761-AFC3-B83269BC5747}"/>
+                  </a:ext>
+                </a:extLst>
+              </p:cNvPr>
+              <p:cNvSpPr txBox="1">
+                <a:spLocks noRot="1" noChangeAspect="1" noMove="1" noResize="1" noEditPoints="1" noAdjustHandles="1" noChangeArrowheads="1" noChangeShapeType="1" noTextEdit="1"/>
+              </p:cNvSpPr>
+              <p:nvPr/>
+            </p:nvSpPr>
+            <p:spPr>
+              <a:xfrm>
+                <a:off x="3355374" y="5389157"/>
+                <a:ext cx="303288" cy="184666"/>
+              </a:xfrm>
+              <a:prstGeom prst="rect">
+                <a:avLst/>
+              </a:prstGeom>
+              <a:blipFill>
+                <a:blip r:embed="rId26"/>
+                <a:stretch>
+                  <a:fillRect/>
+                </a:stretch>
+              </a:blipFill>
+            </p:spPr>
+            <p:txBody>
+              <a:bodyPr/>
+              <a:lstStyle/>
+              <a:p>
+                <a:r>
+                  <a:rPr lang="ko-KR" altLang="en-US">
+                    <a:noFill/>
+                  </a:rPr>
+                  <a:t> </a:t>
+                </a:r>
+              </a:p>
+            </p:txBody>
+          </p:sp>
+        </mc:Fallback>
+      </mc:AlternateContent>
+      <mc:AlternateContent xmlns:mc="http://schemas.openxmlformats.org/markup-compatibility/2006">
+        <mc:Choice xmlns:a14="http://schemas.microsoft.com/office/drawing/2010/main" Requires="a14">
+          <p:sp>
+            <p:nvSpPr>
+              <p:cNvPr id="191" name="TextBox 190">
+                <a:extLst>
+                  <a:ext uri="{FF2B5EF4-FFF2-40B4-BE49-F238E27FC236}">
+                    <a16:creationId xmlns:a16="http://schemas.microsoft.com/office/drawing/2014/main" id="{4269104A-EE37-4CD8-BA43-8FE5E78DF871}"/>
+                  </a:ext>
+                </a:extLst>
+              </p:cNvPr>
+              <p:cNvSpPr txBox="1"/>
+              <p:nvPr/>
+            </p:nvSpPr>
+            <p:spPr>
+              <a:xfrm>
+                <a:off x="3355374" y="5195585"/>
+                <a:ext cx="303288" cy="184666"/>
+              </a:xfrm>
+              <a:prstGeom prst="rect">
+                <a:avLst/>
+              </a:prstGeom>
+              <a:noFill/>
+            </p:spPr>
+            <p:txBody>
+              <a:bodyPr wrap="none" rtlCol="0">
+                <a:spAutoFit/>
+              </a:bodyPr>
+              <a:lstStyle/>
+              <a:p>
+                <a14:m>
+                  <m:oMathPara xmlns:m="http://schemas.openxmlformats.org/officeDocument/2006/math">
+                    <m:oMathParaPr>
+                      <m:jc m:val="centerGroup"/>
+                    </m:oMathParaPr>
+                    <m:oMath xmlns:m="http://schemas.openxmlformats.org/officeDocument/2006/math">
+                      <m:r>
+                        <a:rPr lang="en-US" altLang="ko-KR" sz="600" b="0" i="1" smtClean="0">
+                          <a:solidFill>
+                            <a:schemeClr val="tx1"/>
+                          </a:solidFill>
+                          <a:latin typeface="Cambria Math" panose="02040503050406030204" pitchFamily="18" charset="0"/>
+                        </a:rPr>
+                        <m:t>−3</m:t>
+                      </m:r>
+                    </m:oMath>
+                  </m:oMathPara>
+                </a14:m>
+                <a:endParaRPr lang="ko-KR" altLang="en-US" sz="600" dirty="0">
+                  <a:solidFill>
+                    <a:schemeClr val="tx1"/>
+                  </a:solidFill>
+                </a:endParaRPr>
+              </a:p>
+            </p:txBody>
+          </p:sp>
+        </mc:Choice>
+        <mc:Fallback>
+          <p:sp>
+            <p:nvSpPr>
+              <p:cNvPr id="191" name="TextBox 190">
+                <a:extLst>
+                  <a:ext uri="{FF2B5EF4-FFF2-40B4-BE49-F238E27FC236}">
+                    <a16:creationId xmlns:a16="http://schemas.microsoft.com/office/drawing/2014/main" id="{4269104A-EE37-4CD8-BA43-8FE5E78DF871}"/>
+                  </a:ext>
+                </a:extLst>
+              </p:cNvPr>
+              <p:cNvSpPr txBox="1">
+                <a:spLocks noRot="1" noChangeAspect="1" noMove="1" noResize="1" noEditPoints="1" noAdjustHandles="1" noChangeArrowheads="1" noChangeShapeType="1" noTextEdit="1"/>
+              </p:cNvSpPr>
+              <p:nvPr/>
+            </p:nvSpPr>
+            <p:spPr>
+              <a:xfrm>
+                <a:off x="3355374" y="5195585"/>
+                <a:ext cx="303288" cy="184666"/>
+              </a:xfrm>
+              <a:prstGeom prst="rect">
+                <a:avLst/>
+              </a:prstGeom>
+              <a:blipFill>
+                <a:blip r:embed="rId27"/>
+                <a:stretch>
+                  <a:fillRect/>
+                </a:stretch>
+              </a:blipFill>
+            </p:spPr>
+            <p:txBody>
+              <a:bodyPr/>
+              <a:lstStyle/>
+              <a:p>
+                <a:r>
+                  <a:rPr lang="ko-KR" altLang="en-US">
+                    <a:noFill/>
+                  </a:rPr>
+                  <a:t> </a:t>
+                </a:r>
+              </a:p>
+            </p:txBody>
+          </p:sp>
+        </mc:Fallback>
+      </mc:AlternateContent>
+      <mc:AlternateContent xmlns:mc="http://schemas.openxmlformats.org/markup-compatibility/2006">
+        <mc:Choice xmlns:a14="http://schemas.microsoft.com/office/drawing/2010/main" Requires="a14">
+          <p:sp>
+            <p:nvSpPr>
+              <p:cNvPr id="192" name="TextBox 191">
+                <a:extLst>
+                  <a:ext uri="{FF2B5EF4-FFF2-40B4-BE49-F238E27FC236}">
+                    <a16:creationId xmlns:a16="http://schemas.microsoft.com/office/drawing/2014/main" id="{ED2C281C-B634-455D-8D60-D6B31EFF9CF5}"/>
+                  </a:ext>
+                </a:extLst>
+              </p:cNvPr>
+              <p:cNvSpPr txBox="1"/>
+              <p:nvPr/>
+            </p:nvSpPr>
+            <p:spPr>
+              <a:xfrm>
+                <a:off x="3355374" y="5021680"/>
+                <a:ext cx="303288" cy="184666"/>
+              </a:xfrm>
+              <a:prstGeom prst="rect">
+                <a:avLst/>
+              </a:prstGeom>
+              <a:noFill/>
+            </p:spPr>
+            <p:txBody>
+              <a:bodyPr wrap="none" rtlCol="0">
+                <a:spAutoFit/>
+              </a:bodyPr>
+              <a:lstStyle/>
+              <a:p>
+                <a14:m>
+                  <m:oMathPara xmlns:m="http://schemas.openxmlformats.org/officeDocument/2006/math">
+                    <m:oMathParaPr>
+                      <m:jc m:val="centerGroup"/>
+                    </m:oMathParaPr>
+                    <m:oMath xmlns:m="http://schemas.openxmlformats.org/officeDocument/2006/math">
+                      <m:r>
+                        <a:rPr lang="en-US" altLang="ko-KR" sz="600" b="0" i="1" smtClean="0">
+                          <a:solidFill>
+                            <a:schemeClr val="tx1"/>
+                          </a:solidFill>
+                          <a:latin typeface="Cambria Math" panose="02040503050406030204" pitchFamily="18" charset="0"/>
+                        </a:rPr>
+                        <m:t>−2</m:t>
+                      </m:r>
+                    </m:oMath>
+                  </m:oMathPara>
+                </a14:m>
+                <a:endParaRPr lang="ko-KR" altLang="en-US" sz="600" dirty="0">
+                  <a:solidFill>
+                    <a:schemeClr val="tx1"/>
+                  </a:solidFill>
+                </a:endParaRPr>
+              </a:p>
+            </p:txBody>
+          </p:sp>
+        </mc:Choice>
+        <mc:Fallback>
+          <p:sp>
+            <p:nvSpPr>
+              <p:cNvPr id="192" name="TextBox 191">
+                <a:extLst>
+                  <a:ext uri="{FF2B5EF4-FFF2-40B4-BE49-F238E27FC236}">
+                    <a16:creationId xmlns:a16="http://schemas.microsoft.com/office/drawing/2014/main" id="{ED2C281C-B634-455D-8D60-D6B31EFF9CF5}"/>
+                  </a:ext>
+                </a:extLst>
+              </p:cNvPr>
+              <p:cNvSpPr txBox="1">
+                <a:spLocks noRot="1" noChangeAspect="1" noMove="1" noResize="1" noEditPoints="1" noAdjustHandles="1" noChangeArrowheads="1" noChangeShapeType="1" noTextEdit="1"/>
+              </p:cNvSpPr>
+              <p:nvPr/>
+            </p:nvSpPr>
+            <p:spPr>
+              <a:xfrm>
+                <a:off x="3355374" y="5021680"/>
+                <a:ext cx="303288" cy="184666"/>
+              </a:xfrm>
+              <a:prstGeom prst="rect">
+                <a:avLst/>
+              </a:prstGeom>
+              <a:blipFill>
+                <a:blip r:embed="rId28"/>
+                <a:stretch>
+                  <a:fillRect/>
+                </a:stretch>
+              </a:blipFill>
+            </p:spPr>
+            <p:txBody>
+              <a:bodyPr/>
+              <a:lstStyle/>
+              <a:p>
+                <a:r>
+                  <a:rPr lang="ko-KR" altLang="en-US">
+                    <a:noFill/>
+                  </a:rPr>
+                  <a:t> </a:t>
+                </a:r>
+              </a:p>
+            </p:txBody>
+          </p:sp>
+        </mc:Fallback>
+      </mc:AlternateContent>
+      <mc:AlternateContent xmlns:mc="http://schemas.openxmlformats.org/markup-compatibility/2006">
+        <mc:Choice xmlns:a14="http://schemas.microsoft.com/office/drawing/2010/main" Requires="a14">
+          <p:sp>
+            <p:nvSpPr>
+              <p:cNvPr id="193" name="TextBox 192">
+                <a:extLst>
+                  <a:ext uri="{FF2B5EF4-FFF2-40B4-BE49-F238E27FC236}">
+                    <a16:creationId xmlns:a16="http://schemas.microsoft.com/office/drawing/2014/main" id="{37EE98E0-BE29-4442-B736-E05125D610DA}"/>
+                  </a:ext>
+                </a:extLst>
+              </p:cNvPr>
+              <p:cNvSpPr txBox="1"/>
+              <p:nvPr/>
+            </p:nvSpPr>
+            <p:spPr>
+              <a:xfrm>
+                <a:off x="3355374" y="4833926"/>
+                <a:ext cx="303288" cy="184666"/>
+              </a:xfrm>
+              <a:prstGeom prst="rect">
+                <a:avLst/>
+              </a:prstGeom>
+              <a:noFill/>
+            </p:spPr>
+            <p:txBody>
+              <a:bodyPr wrap="none" rtlCol="0">
+                <a:spAutoFit/>
+              </a:bodyPr>
+              <a:lstStyle/>
+              <a:p>
+                <a14:m>
+                  <m:oMathPara xmlns:m="http://schemas.openxmlformats.org/officeDocument/2006/math">
+                    <m:oMathParaPr>
+                      <m:jc m:val="centerGroup"/>
+                    </m:oMathParaPr>
+                    <m:oMath xmlns:m="http://schemas.openxmlformats.org/officeDocument/2006/math">
+                      <m:r>
+                        <a:rPr lang="en-US" altLang="ko-KR" sz="600" b="0" i="1" smtClean="0">
+                          <a:solidFill>
+                            <a:schemeClr val="tx1"/>
+                          </a:solidFill>
+                          <a:latin typeface="Cambria Math" panose="02040503050406030204" pitchFamily="18" charset="0"/>
+                        </a:rPr>
+                        <m:t>−1</m:t>
+                      </m:r>
+                    </m:oMath>
+                  </m:oMathPara>
+                </a14:m>
+                <a:endParaRPr lang="ko-KR" altLang="en-US" sz="600" dirty="0">
+                  <a:solidFill>
+                    <a:schemeClr val="tx1"/>
+                  </a:solidFill>
+                </a:endParaRPr>
+              </a:p>
+            </p:txBody>
+          </p:sp>
+        </mc:Choice>
+        <mc:Fallback>
+          <p:sp>
+            <p:nvSpPr>
+              <p:cNvPr id="193" name="TextBox 192">
+                <a:extLst>
+                  <a:ext uri="{FF2B5EF4-FFF2-40B4-BE49-F238E27FC236}">
+                    <a16:creationId xmlns:a16="http://schemas.microsoft.com/office/drawing/2014/main" id="{37EE98E0-BE29-4442-B736-E05125D610DA}"/>
+                  </a:ext>
+                </a:extLst>
+              </p:cNvPr>
+              <p:cNvSpPr txBox="1">
+                <a:spLocks noRot="1" noChangeAspect="1" noMove="1" noResize="1" noEditPoints="1" noAdjustHandles="1" noChangeArrowheads="1" noChangeShapeType="1" noTextEdit="1"/>
+              </p:cNvSpPr>
+              <p:nvPr/>
+            </p:nvSpPr>
+            <p:spPr>
+              <a:xfrm>
+                <a:off x="3355374" y="4833926"/>
+                <a:ext cx="303288" cy="184666"/>
+              </a:xfrm>
+              <a:prstGeom prst="rect">
+                <a:avLst/>
+              </a:prstGeom>
+              <a:blipFill>
+                <a:blip r:embed="rId20"/>
+                <a:stretch>
+                  <a:fillRect/>
+                </a:stretch>
+              </a:blipFill>
+            </p:spPr>
+            <p:txBody>
+              <a:bodyPr/>
+              <a:lstStyle/>
+              <a:p>
+                <a:r>
+                  <a:rPr lang="ko-KR" altLang="en-US">
+                    <a:noFill/>
+                  </a:rPr>
+                  <a:t> </a:t>
+                </a:r>
+              </a:p>
+            </p:txBody>
+          </p:sp>
+        </mc:Fallback>
+      </mc:AlternateContent>
+      <p:sp>
+        <p:nvSpPr>
+          <p:cNvPr id="199" name="오른쪽 중괄호 198">
+            <a:extLst>
+              <a:ext uri="{FF2B5EF4-FFF2-40B4-BE49-F238E27FC236}">
+                <a16:creationId xmlns:a16="http://schemas.microsoft.com/office/drawing/2014/main" id="{3BD1252D-B098-4071-B1A5-A8D4FA398228}"/>
+              </a:ext>
+            </a:extLst>
+          </p:cNvPr>
+          <p:cNvSpPr/>
+          <p:nvPr/>
+        </p:nvSpPr>
+        <p:spPr>
+          <a:xfrm rot="5400000">
+            <a:off x="5072111" y="5743483"/>
+            <a:ext cx="155448" cy="828604"/>
+          </a:xfrm>
+          <a:prstGeom prst="rightBrace">
+            <a:avLst>
+              <a:gd name="adj1" fmla="val 47140"/>
+              <a:gd name="adj2" fmla="val 50000"/>
+            </a:avLst>
+          </a:prstGeom>
+          <a:ln>
+            <a:solidFill>
+              <a:schemeClr val="tx1"/>
+            </a:solidFill>
+          </a:ln>
+        </p:spPr>
+        <p:style>
+          <a:lnRef idx="1">
+            <a:schemeClr val="accent1"/>
+          </a:lnRef>
+          <a:fillRef idx="0">
+            <a:schemeClr val="accent1"/>
+          </a:fillRef>
+          <a:effectRef idx="0">
+            <a:schemeClr val="accent1"/>
+          </a:effectRef>
+          <a:fontRef idx="minor">
+            <a:schemeClr val="tx1"/>
+          </a:fontRef>
+        </p:style>
+        <p:txBody>
+          <a:bodyPr rtlCol="0" anchor="ctr"/>
+          <a:lstStyle/>
+          <a:p>
+            <a:pPr algn="ctr"/>
+            <a:endParaRPr lang="ko-KR" altLang="en-US"/>
+          </a:p>
+        </p:txBody>
+      </p:sp>
+      <p:sp>
+        <p:nvSpPr>
+          <p:cNvPr id="200" name="TextBox 199">
+            <a:extLst>
+              <a:ext uri="{FF2B5EF4-FFF2-40B4-BE49-F238E27FC236}">
+                <a16:creationId xmlns:a16="http://schemas.microsoft.com/office/drawing/2014/main" id="{0E743488-4E2F-45B4-9F21-8EC00545FF86}"/>
+              </a:ext>
+            </a:extLst>
+          </p:cNvPr>
+          <p:cNvSpPr txBox="1"/>
+          <p:nvPr/>
+        </p:nvSpPr>
+        <p:spPr>
+          <a:xfrm>
+            <a:off x="4890809" y="6222765"/>
+            <a:ext cx="543739" cy="523220"/>
+          </a:xfrm>
+          <a:prstGeom prst="rect">
+            <a:avLst/>
+          </a:prstGeom>
+          <a:noFill/>
+        </p:spPr>
+        <p:txBody>
+          <a:bodyPr wrap="none" rtlCol="0">
+            <a:spAutoFit/>
+          </a:bodyPr>
+          <a:lstStyle/>
+          <a:p>
+            <a:r>
+              <a:rPr lang="ko-KR" altLang="en-US" sz="1400" dirty="0"/>
+              <a:t>감쇄</a:t>
+            </a:r>
+            <a:endParaRPr lang="en-US" altLang="ko-KR" sz="1400" dirty="0"/>
+          </a:p>
+          <a:p>
+            <a:r>
+              <a:rPr lang="ko-KR" altLang="en-US" sz="1400" dirty="0"/>
+              <a:t>신호</a:t>
+            </a:r>
+          </a:p>
+        </p:txBody>
+      </p:sp>
+      <p:sp>
+        <p:nvSpPr>
+          <p:cNvPr id="201" name="오른쪽 중괄호 200">
+            <a:extLst>
+              <a:ext uri="{FF2B5EF4-FFF2-40B4-BE49-F238E27FC236}">
+                <a16:creationId xmlns:a16="http://schemas.microsoft.com/office/drawing/2014/main" id="{FC2B7937-9A69-4133-AAA6-926097ECE5DA}"/>
+              </a:ext>
+            </a:extLst>
+          </p:cNvPr>
+          <p:cNvSpPr/>
+          <p:nvPr/>
+        </p:nvSpPr>
+        <p:spPr>
+          <a:xfrm rot="5400000">
+            <a:off x="4243499" y="5743483"/>
+            <a:ext cx="155448" cy="828604"/>
+          </a:xfrm>
+          <a:prstGeom prst="rightBrace">
+            <a:avLst>
+              <a:gd name="adj1" fmla="val 47140"/>
+              <a:gd name="adj2" fmla="val 50000"/>
+            </a:avLst>
+          </a:prstGeom>
+          <a:ln>
+            <a:solidFill>
+              <a:schemeClr val="tx1"/>
+            </a:solidFill>
+          </a:ln>
+        </p:spPr>
+        <p:style>
+          <a:lnRef idx="1">
+            <a:schemeClr val="accent1"/>
+          </a:lnRef>
+          <a:fillRef idx="0">
+            <a:schemeClr val="accent1"/>
+          </a:fillRef>
+          <a:effectRef idx="0">
+            <a:schemeClr val="accent1"/>
+          </a:effectRef>
+          <a:fontRef idx="minor">
+            <a:schemeClr val="tx1"/>
+          </a:fontRef>
+        </p:style>
+        <p:txBody>
+          <a:bodyPr rtlCol="0" anchor="ctr"/>
+          <a:lstStyle/>
+          <a:p>
+            <a:pPr algn="ctr"/>
+            <a:endParaRPr lang="ko-KR" altLang="en-US"/>
+          </a:p>
+        </p:txBody>
+      </p:sp>
+      <p:sp>
+        <p:nvSpPr>
+          <p:cNvPr id="202" name="TextBox 201">
+            <a:extLst>
+              <a:ext uri="{FF2B5EF4-FFF2-40B4-BE49-F238E27FC236}">
+                <a16:creationId xmlns:a16="http://schemas.microsoft.com/office/drawing/2014/main" id="{F791BB6B-2445-40C4-BBD8-86D0EBE6132B}"/>
+              </a:ext>
+            </a:extLst>
+          </p:cNvPr>
+          <p:cNvSpPr txBox="1"/>
+          <p:nvPr/>
+        </p:nvSpPr>
+        <p:spPr>
+          <a:xfrm>
+            <a:off x="4062198" y="6222765"/>
+            <a:ext cx="543739" cy="523220"/>
+          </a:xfrm>
+          <a:prstGeom prst="rect">
+            <a:avLst/>
+          </a:prstGeom>
+          <a:noFill/>
+        </p:spPr>
+        <p:txBody>
+          <a:bodyPr wrap="none" rtlCol="0">
+            <a:spAutoFit/>
+          </a:bodyPr>
+          <a:lstStyle/>
+          <a:p>
+            <a:r>
+              <a:rPr lang="ko-KR" altLang="en-US" sz="1400" dirty="0"/>
+              <a:t>발산</a:t>
+            </a:r>
+            <a:endParaRPr lang="en-US" altLang="ko-KR" sz="1400" dirty="0"/>
+          </a:p>
+          <a:p>
+            <a:r>
+              <a:rPr lang="ko-KR" altLang="en-US" sz="1400" dirty="0"/>
+              <a:t>신호</a:t>
+            </a:r>
+          </a:p>
+        </p:txBody>
+      </p:sp>
+      <mc:AlternateContent xmlns:mc="http://schemas.openxmlformats.org/markup-compatibility/2006">
+        <mc:Choice xmlns:a14="http://schemas.microsoft.com/office/drawing/2010/main" Requires="a14">
+          <p:sp>
+            <p:nvSpPr>
+              <p:cNvPr id="204" name="TextBox 203">
+                <a:extLst>
+                  <a:ext uri="{FF2B5EF4-FFF2-40B4-BE49-F238E27FC236}">
+                    <a16:creationId xmlns:a16="http://schemas.microsoft.com/office/drawing/2014/main" id="{980C17E4-C2EF-4596-AC37-ACA3ABA53B28}"/>
+                  </a:ext>
+                </a:extLst>
+              </p:cNvPr>
+              <p:cNvSpPr txBox="1"/>
+              <p:nvPr/>
+            </p:nvSpPr>
+            <p:spPr>
+              <a:xfrm rot="16200000">
+                <a:off x="2732328" y="4595280"/>
+                <a:ext cx="1242521" cy="261610"/>
+              </a:xfrm>
+              <a:prstGeom prst="rect">
+                <a:avLst/>
+              </a:prstGeom>
+              <a:noFill/>
+            </p:spPr>
+            <p:txBody>
+              <a:bodyPr wrap="none" rtlCol="0">
+                <a:spAutoFit/>
+              </a:bodyPr>
+              <a:lstStyle/>
+              <a:p>
+                <a:pPr algn="ctr"/>
+                <a:r>
+                  <a:rPr lang="en-US" altLang="ko-KR" sz="1100" dirty="0"/>
+                  <a:t>Imaginary axis(</a:t>
+                </a:r>
+                <a14:m>
+                  <m:oMath xmlns:m="http://schemas.openxmlformats.org/officeDocument/2006/math">
+                    <m:r>
+                      <a:rPr lang="en-US" altLang="ko-KR" sz="1100" b="0" i="1" smtClean="0">
+                        <a:latin typeface="Cambria Math" panose="02040503050406030204" pitchFamily="18" charset="0"/>
+                      </a:rPr>
+                      <m:t>𝑗</m:t>
+                    </m:r>
+                    <m:r>
+                      <a:rPr lang="en-US" altLang="ko-KR" sz="1100" b="0" i="1" smtClean="0">
+                        <a:latin typeface="Cambria Math" panose="02040503050406030204" pitchFamily="18" charset="0"/>
+                      </a:rPr>
+                      <m:t>𝜔</m:t>
+                    </m:r>
+                  </m:oMath>
+                </a14:m>
+                <a:r>
+                  <a:rPr lang="en-US" altLang="ko-KR" sz="1100" dirty="0"/>
+                  <a:t>)</a:t>
+                </a:r>
+                <a:endParaRPr lang="ko-KR" altLang="en-US" sz="1100" dirty="0"/>
+              </a:p>
+            </p:txBody>
+          </p:sp>
+        </mc:Choice>
+        <mc:Fallback>
+          <p:sp>
+            <p:nvSpPr>
+              <p:cNvPr id="204" name="TextBox 203">
+                <a:extLst>
+                  <a:ext uri="{FF2B5EF4-FFF2-40B4-BE49-F238E27FC236}">
+                    <a16:creationId xmlns:a16="http://schemas.microsoft.com/office/drawing/2014/main" id="{980C17E4-C2EF-4596-AC37-ACA3ABA53B28}"/>
+                  </a:ext>
+                </a:extLst>
+              </p:cNvPr>
+              <p:cNvSpPr txBox="1">
+                <a:spLocks noRot="1" noChangeAspect="1" noMove="1" noResize="1" noEditPoints="1" noAdjustHandles="1" noChangeArrowheads="1" noChangeShapeType="1" noTextEdit="1"/>
+              </p:cNvSpPr>
+              <p:nvPr/>
+            </p:nvSpPr>
+            <p:spPr>
+              <a:xfrm rot="16200000">
+                <a:off x="2732328" y="4595280"/>
+                <a:ext cx="1242521" cy="261610"/>
+              </a:xfrm>
+              <a:prstGeom prst="rect">
+                <a:avLst/>
+              </a:prstGeom>
+              <a:blipFill>
+                <a:blip r:embed="rId29"/>
+                <a:stretch>
+                  <a:fillRect r="-16279"/>
+                </a:stretch>
+              </a:blipFill>
+            </p:spPr>
+            <p:txBody>
+              <a:bodyPr/>
+              <a:lstStyle/>
+              <a:p>
+                <a:r>
+                  <a:rPr lang="ko-KR" altLang="en-US">
+                    <a:noFill/>
+                  </a:rPr>
+                  <a:t> </a:t>
+                </a:r>
+              </a:p>
+            </p:txBody>
+          </p:sp>
+        </mc:Fallback>
+      </mc:AlternateContent>
+      <mc:AlternateContent xmlns:mc="http://schemas.openxmlformats.org/markup-compatibility/2006">
+        <mc:Choice xmlns:a14="http://schemas.microsoft.com/office/drawing/2010/main" Requires="a14">
+          <p:sp>
+            <p:nvSpPr>
+              <p:cNvPr id="216" name="TextBox 215">
+                <a:extLst>
+                  <a:ext uri="{FF2B5EF4-FFF2-40B4-BE49-F238E27FC236}">
+                    <a16:creationId xmlns:a16="http://schemas.microsoft.com/office/drawing/2014/main" id="{3B1E397E-0B34-4C45-A45C-F7A86FD3EAF5}"/>
+                  </a:ext>
+                </a:extLst>
+              </p:cNvPr>
+              <p:cNvSpPr txBox="1"/>
+              <p:nvPr/>
+            </p:nvSpPr>
+            <p:spPr>
+              <a:xfrm>
+                <a:off x="4306160" y="5862760"/>
+                <a:ext cx="850168" cy="261610"/>
+              </a:xfrm>
+              <a:prstGeom prst="rect">
+                <a:avLst/>
+              </a:prstGeom>
+              <a:noFill/>
+            </p:spPr>
+            <p:txBody>
+              <a:bodyPr wrap="none" rtlCol="0">
+                <a:spAutoFit/>
+              </a:bodyPr>
+              <a:lstStyle/>
+              <a:p>
+                <a:pPr algn="ctr"/>
+                <a:r>
+                  <a:rPr lang="en-US" altLang="ko-KR" sz="1100" dirty="0"/>
+                  <a:t>Real axis(</a:t>
+                </a:r>
+                <a14:m>
+                  <m:oMath xmlns:m="http://schemas.openxmlformats.org/officeDocument/2006/math">
+                    <m:r>
+                      <a:rPr lang="en-US" altLang="ko-KR" sz="1100" b="0" i="1" smtClean="0">
+                        <a:latin typeface="Cambria Math" panose="02040503050406030204" pitchFamily="18" charset="0"/>
+                      </a:rPr>
+                      <m:t>𝜎</m:t>
+                    </m:r>
+                  </m:oMath>
+                </a14:m>
+                <a:r>
+                  <a:rPr lang="en-US" altLang="ko-KR" sz="1100" dirty="0"/>
+                  <a:t>)</a:t>
+                </a:r>
+                <a:endParaRPr lang="ko-KR" altLang="en-US" sz="1100" dirty="0"/>
+              </a:p>
+            </p:txBody>
+          </p:sp>
+        </mc:Choice>
+        <mc:Fallback>
+          <p:sp>
+            <p:nvSpPr>
+              <p:cNvPr id="216" name="TextBox 215">
+                <a:extLst>
+                  <a:ext uri="{FF2B5EF4-FFF2-40B4-BE49-F238E27FC236}">
+                    <a16:creationId xmlns:a16="http://schemas.microsoft.com/office/drawing/2014/main" id="{3B1E397E-0B34-4C45-A45C-F7A86FD3EAF5}"/>
+                  </a:ext>
+                </a:extLst>
+              </p:cNvPr>
+              <p:cNvSpPr txBox="1">
+                <a:spLocks noRot="1" noChangeAspect="1" noMove="1" noResize="1" noEditPoints="1" noAdjustHandles="1" noChangeArrowheads="1" noChangeShapeType="1" noTextEdit="1"/>
+              </p:cNvSpPr>
+              <p:nvPr/>
+            </p:nvSpPr>
+            <p:spPr>
+              <a:xfrm>
+                <a:off x="4306160" y="5862760"/>
+                <a:ext cx="850168" cy="261610"/>
+              </a:xfrm>
+              <a:prstGeom prst="rect">
+                <a:avLst/>
+              </a:prstGeom>
+              <a:blipFill>
+                <a:blip r:embed="rId30"/>
+                <a:stretch>
+                  <a:fillRect b="-16279"/>
+                </a:stretch>
+              </a:blipFill>
+            </p:spPr>
+            <p:txBody>
+              <a:bodyPr/>
+              <a:lstStyle/>
+              <a:p>
+                <a:r>
+                  <a:rPr lang="ko-KR" altLang="en-US">
+                    <a:noFill/>
+                  </a:rPr>
+                  <a:t> </a:t>
+                </a:r>
+              </a:p>
+            </p:txBody>
+          </p:sp>
+        </mc:Fallback>
+      </mc:AlternateContent>
+      <p:cxnSp>
+        <p:nvCxnSpPr>
+          <p:cNvPr id="218" name="직선 연결선 217">
+            <a:extLst>
+              <a:ext uri="{FF2B5EF4-FFF2-40B4-BE49-F238E27FC236}">
+                <a16:creationId xmlns:a16="http://schemas.microsoft.com/office/drawing/2014/main" id="{77A7782C-68D0-40DD-9E2A-2583DA350829}"/>
+              </a:ext>
+            </a:extLst>
+          </p:cNvPr>
+          <p:cNvCxnSpPr/>
+          <p:nvPr/>
+        </p:nvCxnSpPr>
+        <p:spPr>
+          <a:xfrm flipV="1">
+            <a:off x="5289189" y="3899910"/>
+            <a:ext cx="0" cy="1657216"/>
+          </a:xfrm>
+          <a:prstGeom prst="line">
+            <a:avLst/>
+          </a:prstGeom>
+          <a:ln w="19050">
+            <a:solidFill>
+              <a:schemeClr val="accent2"/>
+            </a:solidFill>
+          </a:ln>
+        </p:spPr>
+        <p:style>
+          <a:lnRef idx="1">
+            <a:schemeClr val="accent1"/>
+          </a:lnRef>
+          <a:fillRef idx="0">
+            <a:schemeClr val="accent1"/>
+          </a:fillRef>
+          <a:effectRef idx="0">
+            <a:schemeClr val="accent1"/>
+          </a:effectRef>
+          <a:fontRef idx="minor">
+            <a:schemeClr val="tx1"/>
+          </a:fontRef>
+        </p:style>
+      </p:cxnSp>
+      <p:cxnSp>
+        <p:nvCxnSpPr>
+          <p:cNvPr id="219" name="직선 연결선 218">
+            <a:extLst>
+              <a:ext uri="{FF2B5EF4-FFF2-40B4-BE49-F238E27FC236}">
+                <a16:creationId xmlns:a16="http://schemas.microsoft.com/office/drawing/2014/main" id="{97D2EED6-8342-45D5-A584-B7A487053A73}"/>
+              </a:ext>
+            </a:extLst>
+          </p:cNvPr>
+          <p:cNvCxnSpPr/>
+          <p:nvPr/>
+        </p:nvCxnSpPr>
+        <p:spPr>
+          <a:xfrm flipV="1">
+            <a:off x="5103373" y="3899910"/>
+            <a:ext cx="0" cy="1657216"/>
+          </a:xfrm>
+          <a:prstGeom prst="line">
+            <a:avLst/>
+          </a:prstGeom>
+          <a:ln w="19050">
+            <a:solidFill>
+              <a:schemeClr val="accent2"/>
+            </a:solidFill>
+          </a:ln>
+        </p:spPr>
+        <p:style>
+          <a:lnRef idx="1">
+            <a:schemeClr val="accent1"/>
+          </a:lnRef>
+          <a:fillRef idx="0">
+            <a:schemeClr val="accent1"/>
+          </a:fillRef>
+          <a:effectRef idx="0">
+            <a:schemeClr val="accent1"/>
+          </a:effectRef>
+          <a:fontRef idx="minor">
+            <a:schemeClr val="tx1"/>
+          </a:fontRef>
+        </p:style>
+      </p:cxnSp>
+      <p:cxnSp>
+        <p:nvCxnSpPr>
+          <p:cNvPr id="220" name="직선 연결선 219">
+            <a:extLst>
+              <a:ext uri="{FF2B5EF4-FFF2-40B4-BE49-F238E27FC236}">
+                <a16:creationId xmlns:a16="http://schemas.microsoft.com/office/drawing/2014/main" id="{1D95D832-FACC-4D97-9BFE-5B5EB38C03AE}"/>
+              </a:ext>
+            </a:extLst>
+          </p:cNvPr>
+          <p:cNvCxnSpPr/>
+          <p:nvPr/>
+        </p:nvCxnSpPr>
+        <p:spPr>
+          <a:xfrm flipV="1">
+            <a:off x="4917559" y="3899910"/>
+            <a:ext cx="0" cy="1657216"/>
+          </a:xfrm>
+          <a:prstGeom prst="line">
+            <a:avLst/>
+          </a:prstGeom>
+          <a:ln w="19050">
+            <a:solidFill>
+              <a:schemeClr val="accent2"/>
+            </a:solidFill>
+          </a:ln>
+        </p:spPr>
+        <p:style>
+          <a:lnRef idx="1">
+            <a:schemeClr val="accent1"/>
+          </a:lnRef>
+          <a:fillRef idx="0">
+            <a:schemeClr val="accent1"/>
+          </a:fillRef>
+          <a:effectRef idx="0">
+            <a:schemeClr val="accent1"/>
+          </a:effectRef>
+          <a:fontRef idx="minor">
+            <a:schemeClr val="tx1"/>
+          </a:fontRef>
+        </p:style>
+      </p:cxnSp>
+      <p:cxnSp>
+        <p:nvCxnSpPr>
+          <p:cNvPr id="221" name="직선 연결선 220">
+            <a:extLst>
+              <a:ext uri="{FF2B5EF4-FFF2-40B4-BE49-F238E27FC236}">
+                <a16:creationId xmlns:a16="http://schemas.microsoft.com/office/drawing/2014/main" id="{1ADACBED-3322-4A2A-980F-ACB0861F769F}"/>
+              </a:ext>
+            </a:extLst>
+          </p:cNvPr>
+          <p:cNvCxnSpPr/>
+          <p:nvPr/>
+        </p:nvCxnSpPr>
+        <p:spPr>
+          <a:xfrm flipV="1">
+            <a:off x="4731745" y="3899910"/>
+            <a:ext cx="0" cy="1657216"/>
+          </a:xfrm>
+          <a:prstGeom prst="line">
+            <a:avLst/>
+          </a:prstGeom>
+          <a:ln w="19050">
+            <a:solidFill>
+              <a:schemeClr val="accent2"/>
+            </a:solidFill>
+          </a:ln>
+        </p:spPr>
+        <p:style>
+          <a:lnRef idx="1">
+            <a:schemeClr val="accent1"/>
+          </a:lnRef>
+          <a:fillRef idx="0">
+            <a:schemeClr val="accent1"/>
+          </a:fillRef>
+          <a:effectRef idx="0">
+            <a:schemeClr val="accent1"/>
+          </a:effectRef>
+          <a:fontRef idx="minor">
+            <a:schemeClr val="tx1"/>
+          </a:fontRef>
+        </p:style>
+      </p:cxnSp>
+      <p:cxnSp>
+        <p:nvCxnSpPr>
+          <p:cNvPr id="222" name="직선 연결선 221">
+            <a:extLst>
+              <a:ext uri="{FF2B5EF4-FFF2-40B4-BE49-F238E27FC236}">
+                <a16:creationId xmlns:a16="http://schemas.microsoft.com/office/drawing/2014/main" id="{42E4AC02-1AA1-4383-AF6B-C2968EE37422}"/>
+              </a:ext>
+            </a:extLst>
+          </p:cNvPr>
+          <p:cNvCxnSpPr/>
+          <p:nvPr/>
+        </p:nvCxnSpPr>
+        <p:spPr>
+          <a:xfrm flipV="1">
+            <a:off x="4545931" y="3899910"/>
+            <a:ext cx="0" cy="1657216"/>
+          </a:xfrm>
+          <a:prstGeom prst="line">
+            <a:avLst/>
+          </a:prstGeom>
+          <a:ln w="19050">
+            <a:solidFill>
+              <a:schemeClr val="accent2"/>
+            </a:solidFill>
+          </a:ln>
+        </p:spPr>
+        <p:style>
+          <a:lnRef idx="1">
+            <a:schemeClr val="accent1"/>
+          </a:lnRef>
+          <a:fillRef idx="0">
+            <a:schemeClr val="accent1"/>
+          </a:fillRef>
+          <a:effectRef idx="0">
+            <a:schemeClr val="accent1"/>
+          </a:effectRef>
+          <a:fontRef idx="minor">
+            <a:schemeClr val="tx1"/>
+          </a:fontRef>
+        </p:style>
+      </p:cxnSp>
+      <p:cxnSp>
+        <p:nvCxnSpPr>
+          <p:cNvPr id="223" name="직선 연결선 222">
+            <a:extLst>
+              <a:ext uri="{FF2B5EF4-FFF2-40B4-BE49-F238E27FC236}">
+                <a16:creationId xmlns:a16="http://schemas.microsoft.com/office/drawing/2014/main" id="{9611BD29-DBFE-4DF6-9346-EC89E9440617}"/>
+              </a:ext>
+            </a:extLst>
+          </p:cNvPr>
+          <p:cNvCxnSpPr/>
+          <p:nvPr/>
+        </p:nvCxnSpPr>
+        <p:spPr>
+          <a:xfrm flipV="1">
+            <a:off x="4360117" y="3899910"/>
+            <a:ext cx="0" cy="1657216"/>
+          </a:xfrm>
+          <a:prstGeom prst="line">
+            <a:avLst/>
+          </a:prstGeom>
+          <a:ln w="19050">
+            <a:solidFill>
+              <a:schemeClr val="accent2"/>
+            </a:solidFill>
+          </a:ln>
+        </p:spPr>
+        <p:style>
+          <a:lnRef idx="1">
+            <a:schemeClr val="accent1"/>
+          </a:lnRef>
+          <a:fillRef idx="0">
+            <a:schemeClr val="accent1"/>
+          </a:fillRef>
+          <a:effectRef idx="0">
+            <a:schemeClr val="accent1"/>
+          </a:effectRef>
+          <a:fontRef idx="minor">
+            <a:schemeClr val="tx1"/>
+          </a:fontRef>
+        </p:style>
+      </p:cxnSp>
+      <p:cxnSp>
+        <p:nvCxnSpPr>
+          <p:cNvPr id="224" name="직선 연결선 223">
+            <a:extLst>
+              <a:ext uri="{FF2B5EF4-FFF2-40B4-BE49-F238E27FC236}">
+                <a16:creationId xmlns:a16="http://schemas.microsoft.com/office/drawing/2014/main" id="{FA78B150-FC12-468F-8ADE-ECB3E8172C31}"/>
+              </a:ext>
+            </a:extLst>
+          </p:cNvPr>
+          <p:cNvCxnSpPr/>
+          <p:nvPr/>
+        </p:nvCxnSpPr>
+        <p:spPr>
+          <a:xfrm flipV="1">
+            <a:off x="4174303" y="3899910"/>
+            <a:ext cx="0" cy="1657216"/>
+          </a:xfrm>
+          <a:prstGeom prst="line">
+            <a:avLst/>
+          </a:prstGeom>
+          <a:ln w="19050">
+            <a:solidFill>
+              <a:schemeClr val="accent2"/>
+            </a:solidFill>
+          </a:ln>
+        </p:spPr>
+        <p:style>
+          <a:lnRef idx="1">
+            <a:schemeClr val="accent1"/>
+          </a:lnRef>
+          <a:fillRef idx="0">
+            <a:schemeClr val="accent1"/>
+          </a:fillRef>
+          <a:effectRef idx="0">
+            <a:schemeClr val="accent1"/>
+          </a:effectRef>
+          <a:fontRef idx="minor">
+            <a:schemeClr val="tx1"/>
+          </a:fontRef>
+        </p:style>
+      </p:cxnSp>
+      <p:cxnSp>
+        <p:nvCxnSpPr>
+          <p:cNvPr id="232" name="직선 화살표 연결선 231">
+            <a:extLst>
+              <a:ext uri="{FF2B5EF4-FFF2-40B4-BE49-F238E27FC236}">
+                <a16:creationId xmlns:a16="http://schemas.microsoft.com/office/drawing/2014/main" id="{CB64D61F-D1FF-431D-9E61-32CAB953788B}"/>
+              </a:ext>
+            </a:extLst>
+          </p:cNvPr>
+          <p:cNvCxnSpPr>
+            <a:cxnSpLocks/>
+          </p:cNvCxnSpPr>
+          <p:nvPr/>
+        </p:nvCxnSpPr>
+        <p:spPr>
+          <a:xfrm flipH="1">
+            <a:off x="5289880" y="3677573"/>
+            <a:ext cx="1625" cy="223924"/>
+          </a:xfrm>
+          <a:prstGeom prst="straightConnector1">
+            <a:avLst/>
+          </a:prstGeom>
+          <a:ln>
+            <a:solidFill>
+              <a:schemeClr val="tx1"/>
+            </a:solidFill>
+            <a:tailEnd type="triangle"/>
+          </a:ln>
+        </p:spPr>
+        <p:style>
+          <a:lnRef idx="1">
+            <a:schemeClr val="accent1"/>
+          </a:lnRef>
+          <a:fillRef idx="0">
+            <a:schemeClr val="accent1"/>
+          </a:fillRef>
+          <a:effectRef idx="0">
+            <a:schemeClr val="accent1"/>
+          </a:effectRef>
+          <a:fontRef idx="minor">
+            <a:schemeClr val="tx1"/>
+          </a:fontRef>
+        </p:style>
+      </p:cxnSp>
+      <p:cxnSp>
+        <p:nvCxnSpPr>
+          <p:cNvPr id="233" name="직선 화살표 연결선 232">
+            <a:extLst>
+              <a:ext uri="{FF2B5EF4-FFF2-40B4-BE49-F238E27FC236}">
+                <a16:creationId xmlns:a16="http://schemas.microsoft.com/office/drawing/2014/main" id="{ADB594D9-0033-40D5-A02B-9F29C28FAE7E}"/>
+              </a:ext>
+            </a:extLst>
+          </p:cNvPr>
+          <p:cNvCxnSpPr>
+            <a:cxnSpLocks/>
+          </p:cNvCxnSpPr>
+          <p:nvPr/>
+        </p:nvCxnSpPr>
+        <p:spPr>
+          <a:xfrm flipH="1">
+            <a:off x="5103752" y="3677573"/>
+            <a:ext cx="1625" cy="223924"/>
+          </a:xfrm>
+          <a:prstGeom prst="straightConnector1">
+            <a:avLst/>
+          </a:prstGeom>
+          <a:ln>
+            <a:solidFill>
+              <a:schemeClr val="tx1"/>
+            </a:solidFill>
+            <a:tailEnd type="triangle"/>
+          </a:ln>
+        </p:spPr>
+        <p:style>
+          <a:lnRef idx="1">
+            <a:schemeClr val="accent1"/>
+          </a:lnRef>
+          <a:fillRef idx="0">
+            <a:schemeClr val="accent1"/>
+          </a:fillRef>
+          <a:effectRef idx="0">
+            <a:schemeClr val="accent1"/>
+          </a:effectRef>
+          <a:fontRef idx="minor">
+            <a:schemeClr val="tx1"/>
+          </a:fontRef>
+        </p:style>
+      </p:cxnSp>
+      <p:cxnSp>
+        <p:nvCxnSpPr>
+          <p:cNvPr id="234" name="직선 화살표 연결선 233">
+            <a:extLst>
+              <a:ext uri="{FF2B5EF4-FFF2-40B4-BE49-F238E27FC236}">
+                <a16:creationId xmlns:a16="http://schemas.microsoft.com/office/drawing/2014/main" id="{8CDB4F0C-6412-46DD-BA16-67943A26B13E}"/>
+              </a:ext>
+            </a:extLst>
+          </p:cNvPr>
+          <p:cNvCxnSpPr>
+            <a:cxnSpLocks/>
+          </p:cNvCxnSpPr>
+          <p:nvPr/>
+        </p:nvCxnSpPr>
+        <p:spPr>
+          <a:xfrm flipH="1">
+            <a:off x="4917625" y="3677573"/>
+            <a:ext cx="1625" cy="223924"/>
+          </a:xfrm>
+          <a:prstGeom prst="straightConnector1">
+            <a:avLst/>
+          </a:prstGeom>
+          <a:ln>
+            <a:solidFill>
+              <a:schemeClr val="tx1"/>
+            </a:solidFill>
+            <a:tailEnd type="triangle"/>
+          </a:ln>
+        </p:spPr>
+        <p:style>
+          <a:lnRef idx="1">
+            <a:schemeClr val="accent1"/>
+          </a:lnRef>
+          <a:fillRef idx="0">
+            <a:schemeClr val="accent1"/>
+          </a:fillRef>
+          <a:effectRef idx="0">
+            <a:schemeClr val="accent1"/>
+          </a:effectRef>
+          <a:fontRef idx="minor">
+            <a:schemeClr val="tx1"/>
+          </a:fontRef>
+        </p:style>
+      </p:cxnSp>
+      <p:cxnSp>
+        <p:nvCxnSpPr>
+          <p:cNvPr id="235" name="직선 화살표 연결선 234">
+            <a:extLst>
+              <a:ext uri="{FF2B5EF4-FFF2-40B4-BE49-F238E27FC236}">
+                <a16:creationId xmlns:a16="http://schemas.microsoft.com/office/drawing/2014/main" id="{B9470FE1-F446-4D34-878A-4CD20B3BE1A4}"/>
+              </a:ext>
+            </a:extLst>
+          </p:cNvPr>
+          <p:cNvCxnSpPr>
+            <a:cxnSpLocks/>
+            <a:stCxn id="122" idx="2"/>
+          </p:cNvCxnSpPr>
+          <p:nvPr/>
+        </p:nvCxnSpPr>
+        <p:spPr>
+          <a:xfrm flipH="1">
+            <a:off x="4731500" y="3428376"/>
+            <a:ext cx="3954" cy="473121"/>
+          </a:xfrm>
+          <a:prstGeom prst="straightConnector1">
+            <a:avLst/>
+          </a:prstGeom>
+          <a:ln>
+            <a:solidFill>
+              <a:schemeClr val="tx1"/>
+            </a:solidFill>
+            <a:tailEnd type="triangle"/>
+          </a:ln>
+        </p:spPr>
+        <p:style>
+          <a:lnRef idx="1">
+            <a:schemeClr val="accent1"/>
+          </a:lnRef>
+          <a:fillRef idx="0">
+            <a:schemeClr val="accent1"/>
+          </a:fillRef>
+          <a:effectRef idx="0">
+            <a:schemeClr val="accent1"/>
+          </a:effectRef>
+          <a:fontRef idx="minor">
+            <a:schemeClr val="tx1"/>
+          </a:fontRef>
+        </p:style>
+      </p:cxnSp>
+      <p:cxnSp>
+        <p:nvCxnSpPr>
+          <p:cNvPr id="236" name="직선 화살표 연결선 235">
+            <a:extLst>
+              <a:ext uri="{FF2B5EF4-FFF2-40B4-BE49-F238E27FC236}">
+                <a16:creationId xmlns:a16="http://schemas.microsoft.com/office/drawing/2014/main" id="{13EC0A36-0353-47EF-8A75-E00B124BE412}"/>
+              </a:ext>
+            </a:extLst>
+          </p:cNvPr>
+          <p:cNvCxnSpPr>
+            <a:cxnSpLocks/>
+          </p:cNvCxnSpPr>
+          <p:nvPr/>
+        </p:nvCxnSpPr>
+        <p:spPr>
+          <a:xfrm flipH="1">
+            <a:off x="4545371" y="3677573"/>
+            <a:ext cx="1625" cy="223924"/>
+          </a:xfrm>
+          <a:prstGeom prst="straightConnector1">
+            <a:avLst/>
+          </a:prstGeom>
+          <a:ln>
+            <a:solidFill>
+              <a:schemeClr val="tx1"/>
+            </a:solidFill>
+            <a:tailEnd type="triangle"/>
+          </a:ln>
+        </p:spPr>
+        <p:style>
+          <a:lnRef idx="1">
+            <a:schemeClr val="accent1"/>
+          </a:lnRef>
+          <a:fillRef idx="0">
+            <a:schemeClr val="accent1"/>
+          </a:fillRef>
+          <a:effectRef idx="0">
+            <a:schemeClr val="accent1"/>
+          </a:effectRef>
+          <a:fontRef idx="minor">
+            <a:schemeClr val="tx1"/>
+          </a:fontRef>
+        </p:style>
+      </p:cxnSp>
+      <p:cxnSp>
+        <p:nvCxnSpPr>
+          <p:cNvPr id="237" name="직선 화살표 연결선 236">
+            <a:extLst>
+              <a:ext uri="{FF2B5EF4-FFF2-40B4-BE49-F238E27FC236}">
+                <a16:creationId xmlns:a16="http://schemas.microsoft.com/office/drawing/2014/main" id="{3AD1F1A9-9AAE-405B-9002-91BA28BC684E}"/>
+              </a:ext>
+            </a:extLst>
+          </p:cNvPr>
+          <p:cNvCxnSpPr>
+            <a:cxnSpLocks/>
+          </p:cNvCxnSpPr>
+          <p:nvPr/>
+        </p:nvCxnSpPr>
+        <p:spPr>
+          <a:xfrm flipH="1">
+            <a:off x="4359244" y="3677573"/>
+            <a:ext cx="1625" cy="223924"/>
+          </a:xfrm>
+          <a:prstGeom prst="straightConnector1">
+            <a:avLst/>
+          </a:prstGeom>
+          <a:ln>
+            <a:solidFill>
+              <a:schemeClr val="tx1"/>
+            </a:solidFill>
+            <a:tailEnd type="triangle"/>
+          </a:ln>
+        </p:spPr>
+        <p:style>
+          <a:lnRef idx="1">
+            <a:schemeClr val="accent1"/>
+          </a:lnRef>
+          <a:fillRef idx="0">
+            <a:schemeClr val="accent1"/>
+          </a:fillRef>
+          <a:effectRef idx="0">
+            <a:schemeClr val="accent1"/>
+          </a:effectRef>
+          <a:fontRef idx="minor">
+            <a:schemeClr val="tx1"/>
+          </a:fontRef>
+        </p:style>
+      </p:cxnSp>
+      <p:cxnSp>
+        <p:nvCxnSpPr>
+          <p:cNvPr id="238" name="직선 화살표 연결선 237">
+            <a:extLst>
+              <a:ext uri="{FF2B5EF4-FFF2-40B4-BE49-F238E27FC236}">
+                <a16:creationId xmlns:a16="http://schemas.microsoft.com/office/drawing/2014/main" id="{0AA765C1-3009-4F03-94C9-A56DE20557B1}"/>
+              </a:ext>
+            </a:extLst>
+          </p:cNvPr>
+          <p:cNvCxnSpPr>
+            <a:cxnSpLocks/>
+          </p:cNvCxnSpPr>
+          <p:nvPr/>
+        </p:nvCxnSpPr>
+        <p:spPr>
+          <a:xfrm flipH="1">
+            <a:off x="4173117" y="3677573"/>
+            <a:ext cx="1625" cy="223924"/>
+          </a:xfrm>
+          <a:prstGeom prst="straightConnector1">
+            <a:avLst/>
+          </a:prstGeom>
+          <a:ln>
+            <a:solidFill>
+              <a:schemeClr val="tx1"/>
+            </a:solidFill>
+            <a:tailEnd type="triangle"/>
+          </a:ln>
+        </p:spPr>
+        <p:style>
+          <a:lnRef idx="1">
+            <a:schemeClr val="accent1"/>
+          </a:lnRef>
+          <a:fillRef idx="0">
+            <a:schemeClr val="accent1"/>
+          </a:fillRef>
+          <a:effectRef idx="0">
+            <a:schemeClr val="accent1"/>
+          </a:effectRef>
+          <a:fontRef idx="minor">
+            <a:schemeClr val="tx1"/>
+          </a:fontRef>
+        </p:style>
+      </p:cxnSp>
+      <p:cxnSp>
+        <p:nvCxnSpPr>
+          <p:cNvPr id="240" name="직선 연결선 239">
+            <a:extLst>
+              <a:ext uri="{FF2B5EF4-FFF2-40B4-BE49-F238E27FC236}">
+                <a16:creationId xmlns:a16="http://schemas.microsoft.com/office/drawing/2014/main" id="{0609C550-4741-4408-BB05-696A245387CD}"/>
+              </a:ext>
+            </a:extLst>
+          </p:cNvPr>
+          <p:cNvCxnSpPr>
+            <a:cxnSpLocks/>
+            <a:stCxn id="128" idx="2"/>
+          </p:cNvCxnSpPr>
+          <p:nvPr/>
+        </p:nvCxnSpPr>
+        <p:spPr>
+          <a:xfrm flipH="1">
+            <a:off x="5294634" y="3428376"/>
+            <a:ext cx="1287137" cy="249197"/>
+          </a:xfrm>
+          <a:prstGeom prst="line">
+            <a:avLst/>
+          </a:prstGeom>
+        </p:spPr>
+        <p:style>
+          <a:lnRef idx="1">
+            <a:schemeClr val="dk1"/>
+          </a:lnRef>
+          <a:fillRef idx="0">
+            <a:schemeClr val="dk1"/>
+          </a:fillRef>
+          <a:effectRef idx="0">
+            <a:schemeClr val="dk1"/>
+          </a:effectRef>
+          <a:fontRef idx="minor">
+            <a:schemeClr val="tx1"/>
+          </a:fontRef>
+        </p:style>
+      </p:cxnSp>
+      <p:cxnSp>
+        <p:nvCxnSpPr>
+          <p:cNvPr id="242" name="직선 연결선 241">
+            <a:extLst>
+              <a:ext uri="{FF2B5EF4-FFF2-40B4-BE49-F238E27FC236}">
+                <a16:creationId xmlns:a16="http://schemas.microsoft.com/office/drawing/2014/main" id="{5174436D-13F3-4BD5-B32A-3F3EC32B4ED0}"/>
+              </a:ext>
+            </a:extLst>
+          </p:cNvPr>
+          <p:cNvCxnSpPr>
+            <a:cxnSpLocks/>
+            <a:stCxn id="126" idx="2"/>
+          </p:cNvCxnSpPr>
+          <p:nvPr/>
+        </p:nvCxnSpPr>
+        <p:spPr>
+          <a:xfrm flipH="1">
+            <a:off x="5115170" y="3428376"/>
+            <a:ext cx="852544" cy="249197"/>
+          </a:xfrm>
+          <a:prstGeom prst="line">
+            <a:avLst/>
+          </a:prstGeom>
+        </p:spPr>
+        <p:style>
+          <a:lnRef idx="1">
+            <a:schemeClr val="dk1"/>
+          </a:lnRef>
+          <a:fillRef idx="0">
+            <a:schemeClr val="dk1"/>
+          </a:fillRef>
+          <a:effectRef idx="0">
+            <a:schemeClr val="dk1"/>
+          </a:effectRef>
+          <a:fontRef idx="minor">
+            <a:schemeClr val="tx1"/>
+          </a:fontRef>
+        </p:style>
+      </p:cxnSp>
+      <p:cxnSp>
+        <p:nvCxnSpPr>
+          <p:cNvPr id="244" name="직선 연결선 243">
+            <a:extLst>
+              <a:ext uri="{FF2B5EF4-FFF2-40B4-BE49-F238E27FC236}">
+                <a16:creationId xmlns:a16="http://schemas.microsoft.com/office/drawing/2014/main" id="{AE747697-4368-4FE2-9DF9-C86FE0B94F91}"/>
+              </a:ext>
+            </a:extLst>
+          </p:cNvPr>
+          <p:cNvCxnSpPr>
+            <a:cxnSpLocks/>
+            <a:stCxn id="124" idx="2"/>
+          </p:cNvCxnSpPr>
+          <p:nvPr/>
+        </p:nvCxnSpPr>
+        <p:spPr>
+          <a:xfrm flipH="1">
+            <a:off x="4921714" y="3428376"/>
+            <a:ext cx="431854" cy="249197"/>
+          </a:xfrm>
+          <a:prstGeom prst="line">
+            <a:avLst/>
+          </a:prstGeom>
+        </p:spPr>
+        <p:style>
+          <a:lnRef idx="1">
+            <a:schemeClr val="dk1"/>
+          </a:lnRef>
+          <a:fillRef idx="0">
+            <a:schemeClr val="dk1"/>
+          </a:fillRef>
+          <a:effectRef idx="0">
+            <a:schemeClr val="dk1"/>
+          </a:effectRef>
+          <a:fontRef idx="minor">
+            <a:schemeClr val="tx1"/>
+          </a:fontRef>
+        </p:style>
+      </p:cxnSp>
+      <p:cxnSp>
+        <p:nvCxnSpPr>
+          <p:cNvPr id="249" name="직선 연결선 248">
+            <a:extLst>
+              <a:ext uri="{FF2B5EF4-FFF2-40B4-BE49-F238E27FC236}">
+                <a16:creationId xmlns:a16="http://schemas.microsoft.com/office/drawing/2014/main" id="{8825AA02-D803-4411-8010-6C8090635DE5}"/>
+              </a:ext>
+            </a:extLst>
+          </p:cNvPr>
+          <p:cNvCxnSpPr>
+            <a:cxnSpLocks/>
+            <a:stCxn id="120" idx="2"/>
+          </p:cNvCxnSpPr>
+          <p:nvPr/>
+        </p:nvCxnSpPr>
+        <p:spPr>
+          <a:xfrm>
+            <a:off x="4129152" y="3428376"/>
+            <a:ext cx="420350" cy="249197"/>
+          </a:xfrm>
+          <a:prstGeom prst="line">
+            <a:avLst/>
+          </a:prstGeom>
+        </p:spPr>
+        <p:style>
+          <a:lnRef idx="1">
+            <a:schemeClr val="dk1"/>
+          </a:lnRef>
+          <a:fillRef idx="0">
+            <a:schemeClr val="dk1"/>
+          </a:fillRef>
+          <a:effectRef idx="0">
+            <a:schemeClr val="dk1"/>
+          </a:effectRef>
+          <a:fontRef idx="minor">
+            <a:schemeClr val="tx1"/>
+          </a:fontRef>
+        </p:style>
+      </p:cxnSp>
+      <p:cxnSp>
+        <p:nvCxnSpPr>
+          <p:cNvPr id="251" name="직선 연결선 250">
+            <a:extLst>
+              <a:ext uri="{FF2B5EF4-FFF2-40B4-BE49-F238E27FC236}">
+                <a16:creationId xmlns:a16="http://schemas.microsoft.com/office/drawing/2014/main" id="{F1B4F560-554F-412C-97A5-00009EE5C70D}"/>
+              </a:ext>
+            </a:extLst>
+          </p:cNvPr>
+          <p:cNvCxnSpPr>
+            <a:cxnSpLocks/>
+            <a:stCxn id="118" idx="2"/>
+          </p:cNvCxnSpPr>
+          <p:nvPr/>
+        </p:nvCxnSpPr>
+        <p:spPr>
+          <a:xfrm>
+            <a:off x="3515006" y="3428376"/>
+            <a:ext cx="843818" cy="249197"/>
+          </a:xfrm>
+          <a:prstGeom prst="line">
+            <a:avLst/>
+          </a:prstGeom>
+        </p:spPr>
+        <p:style>
+          <a:lnRef idx="1">
+            <a:schemeClr val="dk1"/>
+          </a:lnRef>
+          <a:fillRef idx="0">
+            <a:schemeClr val="dk1"/>
+          </a:fillRef>
+          <a:effectRef idx="0">
+            <a:schemeClr val="dk1"/>
+          </a:effectRef>
+          <a:fontRef idx="minor">
+            <a:schemeClr val="tx1"/>
+          </a:fontRef>
+        </p:style>
+      </p:cxnSp>
+      <p:cxnSp>
+        <p:nvCxnSpPr>
+          <p:cNvPr id="253" name="직선 연결선 252">
+            <a:extLst>
+              <a:ext uri="{FF2B5EF4-FFF2-40B4-BE49-F238E27FC236}">
+                <a16:creationId xmlns:a16="http://schemas.microsoft.com/office/drawing/2014/main" id="{27B86E10-593D-4095-AE27-24C441B0B9EF}"/>
+              </a:ext>
+            </a:extLst>
+          </p:cNvPr>
+          <p:cNvCxnSpPr>
+            <a:cxnSpLocks/>
+            <a:stCxn id="115" idx="2"/>
+          </p:cNvCxnSpPr>
+          <p:nvPr/>
+        </p:nvCxnSpPr>
+        <p:spPr>
+          <a:xfrm>
+            <a:off x="2896892" y="3428376"/>
+            <a:ext cx="1280181" cy="249197"/>
+          </a:xfrm>
+          <a:prstGeom prst="line">
+            <a:avLst/>
+          </a:prstGeom>
+        </p:spPr>
+        <p:style>
+          <a:lnRef idx="1">
+            <a:schemeClr val="dk1"/>
+          </a:lnRef>
+          <a:fillRef idx="0">
+            <a:schemeClr val="dk1"/>
+          </a:fillRef>
+          <a:effectRef idx="0">
+            <a:schemeClr val="dk1"/>
+          </a:effectRef>
+          <a:fontRef idx="minor">
+            <a:schemeClr val="tx1"/>
+          </a:fontRef>
+        </p:style>
+      </p:cxnSp>
+      <mc:AlternateContent xmlns:mc="http://schemas.openxmlformats.org/markup-compatibility/2006">
+        <mc:Choice xmlns:a14="http://schemas.microsoft.com/office/drawing/2010/main" Requires="a14">
+          <p:sp>
+            <p:nvSpPr>
+              <p:cNvPr id="255" name="TextBox 254">
+                <a:extLst>
+                  <a:ext uri="{FF2B5EF4-FFF2-40B4-BE49-F238E27FC236}">
+                    <a16:creationId xmlns:a16="http://schemas.microsoft.com/office/drawing/2014/main" id="{E64E531B-4DFE-4CFF-8DAD-522A4755C11F}"/>
+                  </a:ext>
+                </a:extLst>
+              </p:cNvPr>
+              <p:cNvSpPr txBox="1"/>
+              <p:nvPr/>
+            </p:nvSpPr>
+            <p:spPr>
+              <a:xfrm>
+                <a:off x="3909131" y="3998676"/>
+                <a:ext cx="569297" cy="338554"/>
+              </a:xfrm>
+              <a:prstGeom prst="rect">
+                <a:avLst/>
+              </a:prstGeom>
               <a:solidFill>
-                <a:schemeClr val="tx1"/>
+                <a:schemeClr val="bg1"/>
               </a:solidFill>
-              <a:tailEnd type="triangle"/>
-            </a:ln>
-          </p:spPr>
-          <p:style>
-            <a:lnRef idx="1">
-              <a:schemeClr val="accent1"/>
-            </a:lnRef>
-            <a:fillRef idx="0">
-              <a:schemeClr val="accent1"/>
-            </a:fillRef>
-            <a:effectRef idx="0">
-              <a:schemeClr val="accent1"/>
-            </a:effectRef>
-            <a:fontRef idx="minor">
-              <a:schemeClr val="tx1"/>
-            </a:fontRef>
-          </p:style>
-        </p:cxnSp>
-        <mc:AlternateContent xmlns:mc="http://schemas.openxmlformats.org/markup-compatibility/2006">
-          <mc:Choice xmlns:a14="http://schemas.microsoft.com/office/drawing/2010/main" Requires="a14">
-            <p:sp>
-              <p:nvSpPr>
-                <p:cNvPr id="7" name="TextBox 6">
-                  <a:extLst>
-                    <a:ext uri="{FF2B5EF4-FFF2-40B4-BE49-F238E27FC236}">
-                      <a16:creationId xmlns:a16="http://schemas.microsoft.com/office/drawing/2014/main" id="{F4BC21A2-CE56-4ECB-A95E-DC82BDFFF4F9}"/>
-                    </a:ext>
-                  </a:extLst>
-                </p:cNvPr>
-                <p:cNvSpPr txBox="1"/>
-                <p:nvPr/>
-              </p:nvSpPr>
-              <p:spPr>
-                <a:xfrm>
-                  <a:off x="3813585" y="2145621"/>
-                  <a:ext cx="238161" cy="262899"/>
-                </a:xfrm>
-                <a:prstGeom prst="rect">
-                  <a:avLst/>
-                </a:prstGeom>
-                <a:noFill/>
-              </p:spPr>
-              <p:txBody>
-                <a:bodyPr wrap="none" rtlCol="0">
-                  <a:spAutoFit/>
-                </a:bodyPr>
-                <a:lstStyle/>
-                <a:p>
-                  <a:pPr/>
-                  <a14:m>
-                    <m:oMathPara xmlns:m="http://schemas.openxmlformats.org/officeDocument/2006/math">
-                      <m:oMathParaPr>
-                        <m:jc m:val="centerGroup"/>
-                      </m:oMathParaPr>
-                      <m:oMath xmlns:m="http://schemas.openxmlformats.org/officeDocument/2006/math">
-                        <m:r>
-                          <a:rPr lang="en-US" altLang="ko-KR" b="0" i="1" smtClean="0">
-                            <a:latin typeface="Cambria Math" panose="02040503050406030204" pitchFamily="18" charset="0"/>
-                          </a:rPr>
-                          <m:t>𝑡</m:t>
-                        </m:r>
-                      </m:oMath>
-                    </m:oMathPara>
-                  </a14:m>
-                  <a:endParaRPr lang="ko-KR" altLang="en-US" dirty="0"/>
-                </a:p>
-              </p:txBody>
-            </p:sp>
-          </mc:Choice>
-          <mc:Fallback>
-            <p:sp>
-              <p:nvSpPr>
-                <p:cNvPr id="7" name="TextBox 6">
-                  <a:extLst>
-                    <a:ext uri="{FF2B5EF4-FFF2-40B4-BE49-F238E27FC236}">
-                      <a16:creationId xmlns:a16="http://schemas.microsoft.com/office/drawing/2014/main" id="{F4BC21A2-CE56-4ECB-A95E-DC82BDFFF4F9}"/>
-                    </a:ext>
-                  </a:extLst>
-                </p:cNvPr>
-                <p:cNvSpPr txBox="1">
-                  <a:spLocks noRot="1" noChangeAspect="1" noMove="1" noResize="1" noEditPoints="1" noAdjustHandles="1" noChangeArrowheads="1" noChangeShapeType="1" noTextEdit="1"/>
-                </p:cNvSpPr>
-                <p:nvPr/>
-              </p:nvSpPr>
-              <p:spPr>
-                <a:xfrm>
-                  <a:off x="3813585" y="2145621"/>
-                  <a:ext cx="238161" cy="262899"/>
-                </a:xfrm>
-                <a:prstGeom prst="rect">
-                  <a:avLst/>
-                </a:prstGeom>
-                <a:blipFill>
-                  <a:blip r:embed="rId3"/>
-                  <a:stretch>
-                    <a:fillRect r="-7692" b="-27907"/>
-                  </a:stretch>
-                </a:blipFill>
-              </p:spPr>
-              <p:txBody>
-                <a:bodyPr/>
-                <a:lstStyle/>
-                <a:p>
-                  <a:r>
-                    <a:rPr lang="ko-KR" altLang="en-US">
-                      <a:noFill/>
-                    </a:rPr>
-                    <a:t> </a:t>
-                  </a:r>
-                </a:p>
-              </p:txBody>
-            </p:sp>
-          </mc:Fallback>
-        </mc:AlternateContent>
-        <mc:AlternateContent xmlns:mc="http://schemas.openxmlformats.org/markup-compatibility/2006">
-          <mc:Choice xmlns:a14="http://schemas.microsoft.com/office/drawing/2010/main" Requires="a14">
-            <p:sp>
-              <p:nvSpPr>
-                <p:cNvPr id="8" name="TextBox 7">
-                  <a:extLst>
-                    <a:ext uri="{FF2B5EF4-FFF2-40B4-BE49-F238E27FC236}">
-                      <a16:creationId xmlns:a16="http://schemas.microsoft.com/office/drawing/2014/main" id="{67CC2C7C-4CE0-451E-AFC5-5FDD664B7CD4}"/>
-                    </a:ext>
-                  </a:extLst>
-                </p:cNvPr>
-                <p:cNvSpPr txBox="1"/>
-                <p:nvPr/>
-              </p:nvSpPr>
-              <p:spPr>
-                <a:xfrm>
-                  <a:off x="1292982" y="2601250"/>
-                  <a:ext cx="260388" cy="262899"/>
-                </a:xfrm>
-                <a:prstGeom prst="rect">
-                  <a:avLst/>
-                </a:prstGeom>
-                <a:noFill/>
-              </p:spPr>
-              <p:txBody>
-                <a:bodyPr wrap="none" rtlCol="0">
-                  <a:spAutoFit/>
-                </a:bodyPr>
-                <a:lstStyle/>
-                <a:p>
-                  <a:pPr/>
-                  <a14:m>
-                    <m:oMathPara xmlns:m="http://schemas.openxmlformats.org/officeDocument/2006/math">
-                      <m:oMathParaPr>
-                        <m:jc m:val="centerGroup"/>
-                      </m:oMathParaPr>
-                      <m:oMath xmlns:m="http://schemas.openxmlformats.org/officeDocument/2006/math">
-                        <m:r>
-                          <a:rPr lang="en-US" altLang="ko-KR" b="0" i="1" smtClean="0">
-                            <a:latin typeface="Cambria Math" panose="02040503050406030204" pitchFamily="18" charset="0"/>
-                          </a:rPr>
-                          <m:t>0</m:t>
-                        </m:r>
-                      </m:oMath>
-                    </m:oMathPara>
-                  </a14:m>
-                  <a:endParaRPr lang="ko-KR" altLang="en-US" dirty="0"/>
-                </a:p>
-              </p:txBody>
-            </p:sp>
-          </mc:Choice>
-          <mc:Fallback>
-            <p:sp>
-              <p:nvSpPr>
-                <p:cNvPr id="8" name="TextBox 7">
-                  <a:extLst>
-                    <a:ext uri="{FF2B5EF4-FFF2-40B4-BE49-F238E27FC236}">
-                      <a16:creationId xmlns:a16="http://schemas.microsoft.com/office/drawing/2014/main" id="{67CC2C7C-4CE0-451E-AFC5-5FDD664B7CD4}"/>
-                    </a:ext>
-                  </a:extLst>
-                </p:cNvPr>
-                <p:cNvSpPr txBox="1">
-                  <a:spLocks noRot="1" noChangeAspect="1" noMove="1" noResize="1" noEditPoints="1" noAdjustHandles="1" noChangeArrowheads="1" noChangeShapeType="1" noTextEdit="1"/>
-                </p:cNvSpPr>
-                <p:nvPr/>
-              </p:nvSpPr>
-              <p:spPr>
-                <a:xfrm>
-                  <a:off x="1292982" y="2601250"/>
-                  <a:ext cx="260388" cy="262899"/>
-                </a:xfrm>
-                <a:prstGeom prst="rect">
-                  <a:avLst/>
-                </a:prstGeom>
-                <a:blipFill>
-                  <a:blip r:embed="rId4"/>
-                  <a:stretch>
-                    <a:fillRect r="-16279" b="-30233"/>
-                  </a:stretch>
-                </a:blipFill>
-              </p:spPr>
-              <p:txBody>
-                <a:bodyPr/>
-                <a:lstStyle/>
-                <a:p>
-                  <a:r>
-                    <a:rPr lang="ko-KR" altLang="en-US">
-                      <a:noFill/>
-                    </a:rPr>
-                    <a:t> </a:t>
-                  </a:r>
-                </a:p>
-              </p:txBody>
-            </p:sp>
-          </mc:Fallback>
-        </mc:AlternateContent>
-        <mc:AlternateContent xmlns:mc="http://schemas.openxmlformats.org/markup-compatibility/2006">
-          <mc:Choice xmlns:a14="http://schemas.microsoft.com/office/drawing/2010/main" Requires="a14">
-            <p:sp>
-              <p:nvSpPr>
-                <p:cNvPr id="9" name="TextBox 8">
-                  <a:extLst>
-                    <a:ext uri="{FF2B5EF4-FFF2-40B4-BE49-F238E27FC236}">
-                      <a16:creationId xmlns:a16="http://schemas.microsoft.com/office/drawing/2014/main" id="{BEC784C3-78A3-4A08-90E3-EF9D69DA1606}"/>
-                    </a:ext>
-                  </a:extLst>
-                </p:cNvPr>
-                <p:cNvSpPr txBox="1"/>
-                <p:nvPr/>
-              </p:nvSpPr>
-              <p:spPr>
-                <a:xfrm>
-                  <a:off x="1013602" y="1342074"/>
-                  <a:ext cx="2518766" cy="369332"/>
-                </a:xfrm>
-                <a:prstGeom prst="rect">
-                  <a:avLst/>
-                </a:prstGeom>
-                <a:noFill/>
-              </p:spPr>
-              <p:txBody>
-                <a:bodyPr wrap="none" rtlCol="0">
-                  <a:spAutoFit/>
-                </a:bodyPr>
-                <a:lstStyle/>
-                <a:p>
-                  <a:pPr/>
-                  <a14:m>
-                    <m:oMathPara xmlns:m="http://schemas.openxmlformats.org/officeDocument/2006/math">
-                      <m:oMathParaPr>
-                        <m:jc m:val="center"/>
-                      </m:oMathParaPr>
-                      <m:oMath xmlns:m="http://schemas.openxmlformats.org/officeDocument/2006/math">
-                        <m:r>
-                          <a:rPr lang="en-US" altLang="ko-KR" b="0" i="1" smtClean="0">
-                            <a:latin typeface="Cambria Math" panose="02040503050406030204" pitchFamily="18" charset="0"/>
-                          </a:rPr>
-                          <m:t>𝑥</m:t>
-                        </m:r>
-                        <m:d>
-                          <m:dPr>
-                            <m:ctrlPr>
-                              <a:rPr lang="en-US" altLang="ko-KR" b="0" i="1" smtClean="0">
-                                <a:latin typeface="Cambria Math" panose="02040503050406030204" pitchFamily="18" charset="0"/>
-                              </a:rPr>
-                            </m:ctrlPr>
-                          </m:dPr>
-                          <m:e>
-                            <m:r>
-                              <a:rPr lang="en-US" altLang="ko-KR" b="0" i="1" smtClean="0">
-                                <a:latin typeface="Cambria Math" panose="02040503050406030204" pitchFamily="18" charset="0"/>
-                              </a:rPr>
-                              <m:t>𝑡</m:t>
-                            </m:r>
-                          </m:e>
-                        </m:d>
-                        <m:r>
-                          <a:rPr lang="en-US" altLang="ko-KR" b="0" i="1" smtClean="0">
-                            <a:latin typeface="Cambria Math" panose="02040503050406030204" pitchFamily="18" charset="0"/>
-                          </a:rPr>
-                          <m:t>=</m:t>
-                        </m:r>
-                        <m:sSup>
-                          <m:sSupPr>
-                            <m:ctrlPr>
-                              <a:rPr lang="en-US" altLang="ko-KR" b="0" i="1" smtClean="0">
-                                <a:latin typeface="Cambria Math" panose="02040503050406030204" pitchFamily="18" charset="0"/>
-                              </a:rPr>
-                            </m:ctrlPr>
-                          </m:sSupPr>
-                          <m:e>
-                            <m:r>
-                              <a:rPr lang="en-US" altLang="ko-KR" b="0" i="1" smtClean="0">
-                                <a:latin typeface="Cambria Math" panose="02040503050406030204" pitchFamily="18" charset="0"/>
-                              </a:rPr>
-                              <m:t>𝑒</m:t>
-                            </m:r>
-                          </m:e>
-                          <m:sup>
-                            <m:r>
-                              <a:rPr lang="en-US" altLang="ko-KR" b="0" i="1" smtClean="0">
-                                <a:latin typeface="Cambria Math" panose="02040503050406030204" pitchFamily="18" charset="0"/>
-                              </a:rPr>
-                              <m:t>𝑎𝑡</m:t>
-                            </m:r>
-                          </m:sup>
-                        </m:sSup>
-                        <m:func>
-                          <m:funcPr>
-                            <m:ctrlPr>
-                              <a:rPr lang="en-US" altLang="ko-KR" b="0" i="1" smtClean="0">
-                                <a:latin typeface="Cambria Math" panose="02040503050406030204" pitchFamily="18" charset="0"/>
-                              </a:rPr>
-                            </m:ctrlPr>
-                          </m:funcPr>
-                          <m:fName>
-                            <m:r>
-                              <m:rPr>
-                                <m:sty m:val="p"/>
-                              </m:rPr>
-                              <a:rPr lang="en-US" altLang="ko-KR" b="0" i="0" smtClean="0">
-                                <a:latin typeface="Cambria Math" panose="02040503050406030204" pitchFamily="18" charset="0"/>
-                              </a:rPr>
-                              <m:t>cos</m:t>
-                            </m:r>
-                          </m:fName>
-                          <m:e>
-                            <m:d>
-                              <m:dPr>
-                                <m:ctrlPr>
-                                  <a:rPr lang="en-US" altLang="ko-KR" b="0" i="1" smtClean="0">
-                                    <a:latin typeface="Cambria Math" panose="02040503050406030204" pitchFamily="18" charset="0"/>
-                                  </a:rPr>
-                                </m:ctrlPr>
-                              </m:dPr>
-                              <m:e>
-                                <m:r>
-                                  <a:rPr lang="en-US" altLang="ko-KR" b="0" i="1" smtClean="0">
-                                    <a:latin typeface="Cambria Math" panose="02040503050406030204" pitchFamily="18" charset="0"/>
-                                  </a:rPr>
-                                  <m:t>𝑏𝑡</m:t>
-                                </m:r>
-                              </m:e>
-                            </m:d>
-                          </m:e>
-                        </m:func>
-                        <m:r>
-                          <a:rPr lang="en-US" altLang="ko-KR" b="0" i="1" smtClean="0">
-                            <a:latin typeface="Cambria Math" panose="02040503050406030204" pitchFamily="18" charset="0"/>
-                          </a:rPr>
-                          <m:t>𝑢</m:t>
-                        </m:r>
-                        <m:r>
-                          <a:rPr lang="en-US" altLang="ko-KR" b="0" i="1" smtClean="0">
-                            <a:latin typeface="Cambria Math" panose="02040503050406030204" pitchFamily="18" charset="0"/>
-                          </a:rPr>
-                          <m:t>(</m:t>
-                        </m:r>
-                        <m:r>
-                          <a:rPr lang="en-US" altLang="ko-KR" b="0" i="1" smtClean="0">
-                            <a:latin typeface="Cambria Math" panose="02040503050406030204" pitchFamily="18" charset="0"/>
-                          </a:rPr>
-                          <m:t>𝑡</m:t>
-                        </m:r>
-                        <m:r>
-                          <a:rPr lang="en-US" altLang="ko-KR" b="0" i="1" smtClean="0">
-                            <a:latin typeface="Cambria Math" panose="02040503050406030204" pitchFamily="18" charset="0"/>
-                          </a:rPr>
-                          <m:t>)</m:t>
-                        </m:r>
-                      </m:oMath>
-                    </m:oMathPara>
-                  </a14:m>
-                  <a:endParaRPr lang="ko-KR" altLang="en-US" dirty="0"/>
-                </a:p>
-              </p:txBody>
-            </p:sp>
-          </mc:Choice>
-          <mc:Fallback>
-            <p:sp>
-              <p:nvSpPr>
-                <p:cNvPr id="9" name="TextBox 8">
-                  <a:extLst>
-                    <a:ext uri="{FF2B5EF4-FFF2-40B4-BE49-F238E27FC236}">
-                      <a16:creationId xmlns:a16="http://schemas.microsoft.com/office/drawing/2014/main" id="{BEC784C3-78A3-4A08-90E3-EF9D69DA1606}"/>
-                    </a:ext>
-                  </a:extLst>
-                </p:cNvPr>
-                <p:cNvSpPr txBox="1">
-                  <a:spLocks noRot="1" noChangeAspect="1" noMove="1" noResize="1" noEditPoints="1" noAdjustHandles="1" noChangeArrowheads="1" noChangeShapeType="1" noTextEdit="1"/>
-                </p:cNvSpPr>
-                <p:nvPr/>
-              </p:nvSpPr>
-              <p:spPr>
-                <a:xfrm>
-                  <a:off x="1013602" y="1342074"/>
-                  <a:ext cx="2518766" cy="369332"/>
-                </a:xfrm>
-                <a:prstGeom prst="rect">
-                  <a:avLst/>
-                </a:prstGeom>
-                <a:blipFill>
-                  <a:blip r:embed="rId5"/>
-                  <a:stretch>
-                    <a:fillRect b="-13115"/>
-                  </a:stretch>
-                </a:blipFill>
-              </p:spPr>
-              <p:txBody>
-                <a:bodyPr/>
-                <a:lstStyle/>
-                <a:p>
-                  <a:r>
-                    <a:rPr lang="ko-KR" altLang="en-US">
-                      <a:noFill/>
-                    </a:rPr>
-                    <a:t> </a:t>
-                  </a:r>
-                </a:p>
-              </p:txBody>
-            </p:sp>
-          </mc:Fallback>
-        </mc:AlternateContent>
-      </p:grpSp>
+              <a:ln>
+                <a:solidFill>
+                  <a:schemeClr val="tx1"/>
+                </a:solidFill>
+              </a:ln>
+            </p:spPr>
+            <p:txBody>
+              <a:bodyPr wrap="square" rtlCol="0">
+                <a:spAutoFit/>
+              </a:bodyPr>
+              <a:lstStyle/>
+              <a:p>
+                <a:pPr/>
+                <a14:m>
+                  <m:oMathPara xmlns:m="http://schemas.openxmlformats.org/officeDocument/2006/math">
+                    <m:oMathParaPr>
+                      <m:jc m:val="center"/>
+                    </m:oMathParaPr>
+                    <m:oMath xmlns:m="http://schemas.openxmlformats.org/officeDocument/2006/math">
+                      <m:r>
+                        <a:rPr lang="en-US" altLang="ko-KR" sz="1600" b="0" i="1" smtClean="0">
+                          <a:latin typeface="Cambria Math" panose="02040503050406030204" pitchFamily="18" charset="0"/>
+                        </a:rPr>
+                        <m:t>𝑋</m:t>
+                      </m:r>
+                      <m:r>
+                        <a:rPr lang="en-US" altLang="ko-KR" sz="1600" b="0" i="1" smtClean="0">
+                          <a:latin typeface="Cambria Math" panose="02040503050406030204" pitchFamily="18" charset="0"/>
+                        </a:rPr>
+                        <m:t>(</m:t>
+                      </m:r>
+                      <m:r>
+                        <a:rPr lang="en-US" altLang="ko-KR" sz="1600" b="0" i="1" smtClean="0">
+                          <a:latin typeface="Cambria Math" panose="02040503050406030204" pitchFamily="18" charset="0"/>
+                        </a:rPr>
+                        <m:t>𝑠</m:t>
+                      </m:r>
+                      <m:r>
+                        <a:rPr lang="en-US" altLang="ko-KR" sz="1600" b="0" i="1" smtClean="0">
+                          <a:latin typeface="Cambria Math" panose="02040503050406030204" pitchFamily="18" charset="0"/>
+                        </a:rPr>
+                        <m:t>)</m:t>
+                      </m:r>
+                    </m:oMath>
+                  </m:oMathPara>
+                </a14:m>
+                <a:endParaRPr lang="ko-KR" altLang="en-US" sz="1600" dirty="0"/>
+              </a:p>
+            </p:txBody>
+          </p:sp>
+        </mc:Choice>
+        <mc:Fallback>
+          <p:sp>
+            <p:nvSpPr>
+              <p:cNvPr id="255" name="TextBox 254">
+                <a:extLst>
+                  <a:ext uri="{FF2B5EF4-FFF2-40B4-BE49-F238E27FC236}">
+                    <a16:creationId xmlns:a16="http://schemas.microsoft.com/office/drawing/2014/main" id="{E64E531B-4DFE-4CFF-8DAD-522A4755C11F}"/>
+                  </a:ext>
+                </a:extLst>
+              </p:cNvPr>
+              <p:cNvSpPr txBox="1">
+                <a:spLocks noRot="1" noChangeAspect="1" noMove="1" noResize="1" noEditPoints="1" noAdjustHandles="1" noChangeArrowheads="1" noChangeShapeType="1" noTextEdit="1"/>
+              </p:cNvSpPr>
+              <p:nvPr/>
+            </p:nvSpPr>
+            <p:spPr>
+              <a:xfrm>
+                <a:off x="3909131" y="3998676"/>
+                <a:ext cx="569297" cy="338554"/>
+              </a:xfrm>
+              <a:prstGeom prst="rect">
+                <a:avLst/>
+              </a:prstGeom>
+              <a:blipFill>
+                <a:blip r:embed="rId31"/>
+                <a:stretch>
+                  <a:fillRect r="-2083" b="-8772"/>
+                </a:stretch>
+              </a:blipFill>
+              <a:ln>
+                <a:solidFill>
+                  <a:schemeClr val="tx1"/>
+                </a:solidFill>
+              </a:ln>
+            </p:spPr>
+            <p:txBody>
+              <a:bodyPr/>
+              <a:lstStyle/>
+              <a:p>
+                <a:r>
+                  <a:rPr lang="ko-KR" altLang="en-US">
+                    <a:noFill/>
+                  </a:rPr>
+                  <a:t> </a:t>
+                </a:r>
+              </a:p>
+            </p:txBody>
+          </p:sp>
+        </mc:Fallback>
+      </mc:AlternateContent>
+      <mc:AlternateContent xmlns:mc="http://schemas.openxmlformats.org/markup-compatibility/2006">
+        <mc:Choice xmlns:a14="http://schemas.microsoft.com/office/drawing/2010/main" Requires="a14">
+          <p:sp>
+            <p:nvSpPr>
+              <p:cNvPr id="256" name="TextBox 255">
+                <a:extLst>
+                  <a:ext uri="{FF2B5EF4-FFF2-40B4-BE49-F238E27FC236}">
+                    <a16:creationId xmlns:a16="http://schemas.microsoft.com/office/drawing/2014/main" id="{B14058C9-2294-48AF-9BE0-4701CA9955C5}"/>
+                  </a:ext>
+                </a:extLst>
+              </p:cNvPr>
+              <p:cNvSpPr txBox="1"/>
+              <p:nvPr/>
+            </p:nvSpPr>
+            <p:spPr>
+              <a:xfrm>
+                <a:off x="3492901" y="388188"/>
+                <a:ext cx="569297" cy="338554"/>
+              </a:xfrm>
+              <a:prstGeom prst="rect">
+                <a:avLst/>
+              </a:prstGeom>
+              <a:solidFill>
+                <a:schemeClr val="bg1"/>
+              </a:solidFill>
+              <a:ln>
+                <a:solidFill>
+                  <a:schemeClr val="tx1"/>
+                </a:solidFill>
+              </a:ln>
+            </p:spPr>
+            <p:txBody>
+              <a:bodyPr wrap="square" rtlCol="0">
+                <a:spAutoFit/>
+              </a:bodyPr>
+              <a:lstStyle/>
+              <a:p>
+                <a:pPr/>
+                <a14:m>
+                  <m:oMathPara xmlns:m="http://schemas.openxmlformats.org/officeDocument/2006/math">
+                    <m:oMathParaPr>
+                      <m:jc m:val="center"/>
+                    </m:oMathParaPr>
+                    <m:oMath xmlns:m="http://schemas.openxmlformats.org/officeDocument/2006/math">
+                      <m:r>
+                        <a:rPr lang="en-US" altLang="ko-KR" sz="1600" b="0" i="1" smtClean="0">
+                          <a:latin typeface="Cambria Math" panose="02040503050406030204" pitchFamily="18" charset="0"/>
+                        </a:rPr>
+                        <m:t>𝑥</m:t>
+                      </m:r>
+                      <m:r>
+                        <a:rPr lang="en-US" altLang="ko-KR" sz="1600" b="0" i="1" smtClean="0">
+                          <a:latin typeface="Cambria Math" panose="02040503050406030204" pitchFamily="18" charset="0"/>
+                        </a:rPr>
+                        <m:t>(</m:t>
+                      </m:r>
+                      <m:r>
+                        <a:rPr lang="en-US" altLang="ko-KR" sz="1600" b="0" i="1" smtClean="0">
+                          <a:latin typeface="Cambria Math" panose="02040503050406030204" pitchFamily="18" charset="0"/>
+                        </a:rPr>
+                        <m:t>𝑡</m:t>
+                      </m:r>
+                      <m:r>
+                        <a:rPr lang="en-US" altLang="ko-KR" sz="1600" b="0" i="1" smtClean="0">
+                          <a:latin typeface="Cambria Math" panose="02040503050406030204" pitchFamily="18" charset="0"/>
+                        </a:rPr>
+                        <m:t>)</m:t>
+                      </m:r>
+                    </m:oMath>
+                  </m:oMathPara>
+                </a14:m>
+                <a:endParaRPr lang="ko-KR" altLang="en-US" sz="1600" dirty="0"/>
+              </a:p>
+            </p:txBody>
+          </p:sp>
+        </mc:Choice>
+        <mc:Fallback>
+          <p:sp>
+            <p:nvSpPr>
+              <p:cNvPr id="256" name="TextBox 255">
+                <a:extLst>
+                  <a:ext uri="{FF2B5EF4-FFF2-40B4-BE49-F238E27FC236}">
+                    <a16:creationId xmlns:a16="http://schemas.microsoft.com/office/drawing/2014/main" id="{B14058C9-2294-48AF-9BE0-4701CA9955C5}"/>
+                  </a:ext>
+                </a:extLst>
+              </p:cNvPr>
+              <p:cNvSpPr txBox="1">
+                <a:spLocks noRot="1" noChangeAspect="1" noMove="1" noResize="1" noEditPoints="1" noAdjustHandles="1" noChangeArrowheads="1" noChangeShapeType="1" noTextEdit="1"/>
+              </p:cNvSpPr>
+              <p:nvPr/>
+            </p:nvSpPr>
+            <p:spPr>
+              <a:xfrm>
+                <a:off x="3492901" y="388188"/>
+                <a:ext cx="569297" cy="338554"/>
+              </a:xfrm>
+              <a:prstGeom prst="rect">
+                <a:avLst/>
+              </a:prstGeom>
+              <a:blipFill>
+                <a:blip r:embed="rId32"/>
+                <a:stretch>
+                  <a:fillRect b="-8772"/>
+                </a:stretch>
+              </a:blipFill>
+              <a:ln>
+                <a:solidFill>
+                  <a:schemeClr val="tx1"/>
+                </a:solidFill>
+              </a:ln>
+            </p:spPr>
+            <p:txBody>
+              <a:bodyPr/>
+              <a:lstStyle/>
+              <a:p>
+                <a:r>
+                  <a:rPr lang="ko-KR" altLang="en-US">
+                    <a:noFill/>
+                  </a:rPr>
+                  <a:t> </a:t>
+                </a:r>
+              </a:p>
+            </p:txBody>
+          </p:sp>
+        </mc:Fallback>
+      </mc:AlternateContent>
+      <mc:AlternateContent xmlns:mc="http://schemas.openxmlformats.org/markup-compatibility/2006">
+        <mc:Choice xmlns:a14="http://schemas.microsoft.com/office/drawing/2010/main" Requires="a14">
+          <p:sp>
+            <p:nvSpPr>
+              <p:cNvPr id="260" name="TextBox 259">
+                <a:extLst>
+                  <a:ext uri="{FF2B5EF4-FFF2-40B4-BE49-F238E27FC236}">
+                    <a16:creationId xmlns:a16="http://schemas.microsoft.com/office/drawing/2014/main" id="{9D0145B2-0014-405D-9A17-521AEBB7774B}"/>
+                  </a:ext>
+                </a:extLst>
+              </p:cNvPr>
+              <p:cNvSpPr txBox="1"/>
+              <p:nvPr/>
+            </p:nvSpPr>
+            <p:spPr>
+              <a:xfrm>
+                <a:off x="2289606" y="2189861"/>
+                <a:ext cx="631968" cy="261610"/>
+              </a:xfrm>
+              <a:prstGeom prst="rect">
+                <a:avLst/>
+              </a:prstGeom>
+              <a:noFill/>
+            </p:spPr>
+            <p:txBody>
+              <a:bodyPr wrap="none" rtlCol="0">
+                <a:spAutoFit/>
+              </a:bodyPr>
+              <a:lstStyle/>
+              <a:p>
+                <a14:m>
+                  <m:oMath xmlns:m="http://schemas.openxmlformats.org/officeDocument/2006/math">
+                    <m:r>
+                      <a:rPr lang="en-US" altLang="ko-KR" sz="1100" b="0" i="1" smtClean="0">
+                        <a:solidFill>
+                          <a:schemeClr val="accent2"/>
+                        </a:solidFill>
+                        <a:latin typeface="Cambria Math" panose="02040503050406030204" pitchFamily="18" charset="0"/>
+                      </a:rPr>
+                      <m:t>𝜎</m:t>
+                    </m:r>
+                    <m:r>
+                      <a:rPr lang="en-US" altLang="ko-KR" sz="1100" b="0" i="1" smtClean="0">
+                        <a:solidFill>
+                          <a:schemeClr val="accent2"/>
+                        </a:solidFill>
+                        <a:latin typeface="Cambria Math" panose="02040503050406030204" pitchFamily="18" charset="0"/>
+                      </a:rPr>
+                      <m:t>=−</m:t>
+                    </m:r>
+                  </m:oMath>
+                </a14:m>
+                <a:r>
+                  <a:rPr lang="en-US" altLang="ko-KR" sz="1100" dirty="0">
+                    <a:solidFill>
+                      <a:schemeClr val="accent2"/>
+                    </a:solidFill>
+                  </a:rPr>
+                  <a:t>3</a:t>
+                </a:r>
+                <a:endParaRPr lang="ko-KR" altLang="en-US" sz="1100" dirty="0">
+                  <a:solidFill>
+                    <a:schemeClr val="accent2"/>
+                  </a:solidFill>
+                </a:endParaRPr>
+              </a:p>
+            </p:txBody>
+          </p:sp>
+        </mc:Choice>
+        <mc:Fallback>
+          <p:sp>
+            <p:nvSpPr>
+              <p:cNvPr id="260" name="TextBox 259">
+                <a:extLst>
+                  <a:ext uri="{FF2B5EF4-FFF2-40B4-BE49-F238E27FC236}">
+                    <a16:creationId xmlns:a16="http://schemas.microsoft.com/office/drawing/2014/main" id="{9D0145B2-0014-405D-9A17-521AEBB7774B}"/>
+                  </a:ext>
+                </a:extLst>
+              </p:cNvPr>
+              <p:cNvSpPr txBox="1">
+                <a:spLocks noRot="1" noChangeAspect="1" noMove="1" noResize="1" noEditPoints="1" noAdjustHandles="1" noChangeArrowheads="1" noChangeShapeType="1" noTextEdit="1"/>
+              </p:cNvSpPr>
+              <p:nvPr/>
+            </p:nvSpPr>
+            <p:spPr>
+              <a:xfrm>
+                <a:off x="2289606" y="2189861"/>
+                <a:ext cx="631968" cy="261610"/>
+              </a:xfrm>
+              <a:prstGeom prst="rect">
+                <a:avLst/>
+              </a:prstGeom>
+              <a:blipFill>
+                <a:blip r:embed="rId33"/>
+                <a:stretch>
+                  <a:fillRect b="-16279"/>
+                </a:stretch>
+              </a:blipFill>
+            </p:spPr>
+            <p:txBody>
+              <a:bodyPr/>
+              <a:lstStyle/>
+              <a:p>
+                <a:r>
+                  <a:rPr lang="ko-KR" altLang="en-US">
+                    <a:noFill/>
+                  </a:rPr>
+                  <a:t> </a:t>
+                </a:r>
+              </a:p>
+            </p:txBody>
+          </p:sp>
+        </mc:Fallback>
+      </mc:AlternateContent>
     </p:spTree>
     <p:extLst>
       <p:ext uri="{BB962C8B-B14F-4D97-AF65-F5344CB8AC3E}">

--- a/pics/2019-08-12_Laplace_Transform/pics.pptx
+++ b/pics/2019-08-12_Laplace_Transform/pics.pptx
@@ -15,6 +15,7 @@
     <p:sldId id="258" r:id="rId9"/>
     <p:sldId id="261" r:id="rId10"/>
     <p:sldId id="262" r:id="rId11"/>
+    <p:sldId id="266" r:id="rId12"/>
   </p:sldIdLst>
   <p:sldSz cx="9144000" cy="6858000" type="screen4x3"/>
   <p:notesSz cx="6858000" cy="9144000"/>
@@ -6526,6 +6527,1672 @@
 </p:sld>
 </file>
 
+<file path=ppt/slides/slide11.xml><?xml version="1.0" encoding="utf-8"?>
+<p:sld xmlns:a="http://schemas.openxmlformats.org/drawingml/2006/main" xmlns:r="http://schemas.openxmlformats.org/officeDocument/2006/relationships" xmlns:p="http://schemas.openxmlformats.org/presentationml/2006/main">
+  <p:cSld>
+    <p:spTree>
+      <p:nvGrpSpPr>
+        <p:cNvPr id="1" name=""/>
+        <p:cNvGrpSpPr/>
+        <p:nvPr/>
+      </p:nvGrpSpPr>
+      <p:grpSpPr>
+        <a:xfrm>
+          <a:off x="0" y="0"/>
+          <a:ext cx="0" cy="0"/>
+          <a:chOff x="0" y="0"/>
+          <a:chExt cx="0" cy="0"/>
+        </a:xfrm>
+      </p:grpSpPr>
+      <p:grpSp>
+        <p:nvGrpSpPr>
+          <p:cNvPr id="50" name="그룹 49">
+            <a:extLst>
+              <a:ext uri="{FF2B5EF4-FFF2-40B4-BE49-F238E27FC236}">
+                <a16:creationId xmlns:a16="http://schemas.microsoft.com/office/drawing/2014/main" id="{989BB7A7-5271-4542-BF76-7A820E705F59}"/>
+              </a:ext>
+            </a:extLst>
+          </p:cNvPr>
+          <p:cNvGrpSpPr/>
+          <p:nvPr/>
+        </p:nvGrpSpPr>
+        <p:grpSpPr>
+          <a:xfrm>
+            <a:off x="198120" y="570882"/>
+            <a:ext cx="8747760" cy="2168354"/>
+            <a:chOff x="-1663702" y="-424643"/>
+            <a:chExt cx="16139163" cy="4000500"/>
+          </a:xfrm>
+        </p:grpSpPr>
+        <p:pic>
+          <p:nvPicPr>
+            <p:cNvPr id="45" name="그림 44">
+              <a:extLst>
+                <a:ext uri="{FF2B5EF4-FFF2-40B4-BE49-F238E27FC236}">
+                  <a16:creationId xmlns:a16="http://schemas.microsoft.com/office/drawing/2014/main" id="{04CC7C9C-86B4-40E9-819E-A6F54AE05E9A}"/>
+                </a:ext>
+              </a:extLst>
+            </p:cNvPr>
+            <p:cNvPicPr>
+              <a:picLocks noChangeAspect="1"/>
+            </p:cNvPicPr>
+            <p:nvPr/>
+          </p:nvPicPr>
+          <p:blipFill>
+            <a:blip r:embed="rId2"/>
+            <a:stretch>
+              <a:fillRect/>
+            </a:stretch>
+          </p:blipFill>
+          <p:spPr>
+            <a:xfrm>
+              <a:off x="-1663702" y="-424643"/>
+              <a:ext cx="5334000" cy="4000500"/>
+            </a:xfrm>
+            <a:prstGeom prst="rect">
+              <a:avLst/>
+            </a:prstGeom>
+          </p:spPr>
+        </p:pic>
+        <p:pic>
+          <p:nvPicPr>
+            <p:cNvPr id="47" name="그림 46">
+              <a:extLst>
+                <a:ext uri="{FF2B5EF4-FFF2-40B4-BE49-F238E27FC236}">
+                  <a16:creationId xmlns:a16="http://schemas.microsoft.com/office/drawing/2014/main" id="{A9837BF5-4C5B-476A-9EA3-B6690C223CBB}"/>
+                </a:ext>
+              </a:extLst>
+            </p:cNvPr>
+            <p:cNvPicPr>
+              <a:picLocks noChangeAspect="1"/>
+            </p:cNvPicPr>
+            <p:nvPr/>
+          </p:nvPicPr>
+          <p:blipFill>
+            <a:blip r:embed="rId3"/>
+            <a:stretch>
+              <a:fillRect/>
+            </a:stretch>
+          </p:blipFill>
+          <p:spPr>
+            <a:xfrm>
+              <a:off x="3738880" y="-424643"/>
+              <a:ext cx="5334000" cy="4000500"/>
+            </a:xfrm>
+            <a:prstGeom prst="rect">
+              <a:avLst/>
+            </a:prstGeom>
+          </p:spPr>
+        </p:pic>
+        <p:pic>
+          <p:nvPicPr>
+            <p:cNvPr id="49" name="그림 48">
+              <a:extLst>
+                <a:ext uri="{FF2B5EF4-FFF2-40B4-BE49-F238E27FC236}">
+                  <a16:creationId xmlns:a16="http://schemas.microsoft.com/office/drawing/2014/main" id="{FB9A7E8B-1CEA-4064-B069-46EB7C6468AE}"/>
+                </a:ext>
+              </a:extLst>
+            </p:cNvPr>
+            <p:cNvPicPr>
+              <a:picLocks noChangeAspect="1"/>
+            </p:cNvPicPr>
+            <p:nvPr/>
+          </p:nvPicPr>
+          <p:blipFill>
+            <a:blip r:embed="rId4"/>
+            <a:stretch>
+              <a:fillRect/>
+            </a:stretch>
+          </p:blipFill>
+          <p:spPr>
+            <a:xfrm>
+              <a:off x="9141461" y="-424643"/>
+              <a:ext cx="5334000" cy="4000500"/>
+            </a:xfrm>
+            <a:prstGeom prst="rect">
+              <a:avLst/>
+            </a:prstGeom>
+          </p:spPr>
+        </p:pic>
+      </p:grpSp>
+      <p:grpSp>
+        <p:nvGrpSpPr>
+          <p:cNvPr id="35" name="그룹 34">
+            <a:extLst>
+              <a:ext uri="{FF2B5EF4-FFF2-40B4-BE49-F238E27FC236}">
+                <a16:creationId xmlns:a16="http://schemas.microsoft.com/office/drawing/2014/main" id="{436AB637-2F9D-471F-A47D-3019875252D6}"/>
+              </a:ext>
+            </a:extLst>
+          </p:cNvPr>
+          <p:cNvGrpSpPr/>
+          <p:nvPr/>
+        </p:nvGrpSpPr>
+        <p:grpSpPr>
+          <a:xfrm>
+            <a:off x="198120" y="3113983"/>
+            <a:ext cx="4373880" cy="3280410"/>
+            <a:chOff x="1928553" y="2591234"/>
+            <a:chExt cx="5286894" cy="3965170"/>
+          </a:xfrm>
+        </p:grpSpPr>
+        <p:pic>
+          <p:nvPicPr>
+            <p:cNvPr id="32" name="그림 31">
+              <a:extLst>
+                <a:ext uri="{FF2B5EF4-FFF2-40B4-BE49-F238E27FC236}">
+                  <a16:creationId xmlns:a16="http://schemas.microsoft.com/office/drawing/2014/main" id="{BA146896-BA84-4499-A41A-41588005C4DA}"/>
+                </a:ext>
+              </a:extLst>
+            </p:cNvPr>
+            <p:cNvPicPr>
+              <a:picLocks noChangeAspect="1"/>
+            </p:cNvPicPr>
+            <p:nvPr/>
+          </p:nvPicPr>
+          <p:blipFill>
+            <a:blip r:embed="rId5"/>
+            <a:stretch>
+              <a:fillRect/>
+            </a:stretch>
+          </p:blipFill>
+          <p:spPr>
+            <a:xfrm>
+              <a:off x="1928553" y="2591234"/>
+              <a:ext cx="5286894" cy="3965170"/>
+            </a:xfrm>
+            <a:prstGeom prst="rect">
+              <a:avLst/>
+            </a:prstGeom>
+          </p:spPr>
+        </p:pic>
+        <p:sp>
+          <p:nvSpPr>
+            <p:cNvPr id="33" name="직사각형 32">
+              <a:extLst>
+                <a:ext uri="{FF2B5EF4-FFF2-40B4-BE49-F238E27FC236}">
+                  <a16:creationId xmlns:a16="http://schemas.microsoft.com/office/drawing/2014/main" id="{821C9557-EC0C-47F5-BA0A-19EAD1504D44}"/>
+                </a:ext>
+              </a:extLst>
+            </p:cNvPr>
+            <p:cNvSpPr/>
+            <p:nvPr/>
+          </p:nvSpPr>
+          <p:spPr>
+            <a:xfrm>
+              <a:off x="5031740" y="3954780"/>
+              <a:ext cx="99060" cy="99060"/>
+            </a:xfrm>
+            <a:prstGeom prst="rect">
+              <a:avLst/>
+            </a:prstGeom>
+            <a:solidFill>
+              <a:srgbClr val="800000"/>
+            </a:solidFill>
+            <a:ln>
+              <a:noFill/>
+            </a:ln>
+          </p:spPr>
+          <p:style>
+            <a:lnRef idx="2">
+              <a:schemeClr val="accent1">
+                <a:shade val="50000"/>
+              </a:schemeClr>
+            </a:lnRef>
+            <a:fillRef idx="1">
+              <a:schemeClr val="accent1"/>
+            </a:fillRef>
+            <a:effectRef idx="0">
+              <a:schemeClr val="accent1"/>
+            </a:effectRef>
+            <a:fontRef idx="minor">
+              <a:schemeClr val="lt1"/>
+            </a:fontRef>
+          </p:style>
+          <p:txBody>
+            <a:bodyPr rtlCol="0" anchor="ctr"/>
+            <a:lstStyle/>
+            <a:p>
+              <a:pPr algn="ctr"/>
+              <a:endParaRPr lang="ko-KR" altLang="en-US" sz="1600"/>
+            </a:p>
+          </p:txBody>
+        </p:sp>
+        <p:sp>
+          <p:nvSpPr>
+            <p:cNvPr id="34" name="직사각형 33">
+              <a:extLst>
+                <a:ext uri="{FF2B5EF4-FFF2-40B4-BE49-F238E27FC236}">
+                  <a16:creationId xmlns:a16="http://schemas.microsoft.com/office/drawing/2014/main" id="{2AEBE8A1-2A3A-4352-B69B-DCB5670DB025}"/>
+                </a:ext>
+              </a:extLst>
+            </p:cNvPr>
+            <p:cNvSpPr/>
+            <p:nvPr/>
+          </p:nvSpPr>
+          <p:spPr>
+            <a:xfrm>
+              <a:off x="5031740" y="4945380"/>
+              <a:ext cx="99060" cy="99060"/>
+            </a:xfrm>
+            <a:prstGeom prst="rect">
+              <a:avLst/>
+            </a:prstGeom>
+            <a:solidFill>
+              <a:srgbClr val="800000"/>
+            </a:solidFill>
+            <a:ln>
+              <a:noFill/>
+            </a:ln>
+          </p:spPr>
+          <p:style>
+            <a:lnRef idx="2">
+              <a:schemeClr val="accent1">
+                <a:shade val="50000"/>
+              </a:schemeClr>
+            </a:lnRef>
+            <a:fillRef idx="1">
+              <a:schemeClr val="accent1"/>
+            </a:fillRef>
+            <a:effectRef idx="0">
+              <a:schemeClr val="accent1"/>
+            </a:effectRef>
+            <a:fontRef idx="minor">
+              <a:schemeClr val="lt1"/>
+            </a:fontRef>
+          </p:style>
+          <p:txBody>
+            <a:bodyPr rtlCol="0" anchor="ctr"/>
+            <a:lstStyle/>
+            <a:p>
+              <a:pPr algn="ctr"/>
+              <a:endParaRPr lang="ko-KR" altLang="en-US" sz="1600"/>
+            </a:p>
+          </p:txBody>
+        </p:sp>
+      </p:grpSp>
+      <p:cxnSp>
+        <p:nvCxnSpPr>
+          <p:cNvPr id="37" name="직선 연결선 36">
+            <a:extLst>
+              <a:ext uri="{FF2B5EF4-FFF2-40B4-BE49-F238E27FC236}">
+                <a16:creationId xmlns:a16="http://schemas.microsoft.com/office/drawing/2014/main" id="{0763E4D9-7B17-4CFC-8CD5-0277B1197926}"/>
+              </a:ext>
+            </a:extLst>
+          </p:cNvPr>
+          <p:cNvCxnSpPr>
+            <a:cxnSpLocks/>
+          </p:cNvCxnSpPr>
+          <p:nvPr/>
+        </p:nvCxnSpPr>
+        <p:spPr>
+          <a:xfrm>
+            <a:off x="2790622" y="3349526"/>
+            <a:ext cx="0" cy="2683434"/>
+          </a:xfrm>
+          <a:prstGeom prst="line">
+            <a:avLst/>
+          </a:prstGeom>
+          <a:ln w="19050">
+            <a:solidFill>
+              <a:srgbClr val="FF0000"/>
+            </a:solidFill>
+            <a:prstDash val="dash"/>
+          </a:ln>
+        </p:spPr>
+        <p:style>
+          <a:lnRef idx="1">
+            <a:schemeClr val="accent1"/>
+          </a:lnRef>
+          <a:fillRef idx="0">
+            <a:schemeClr val="accent1"/>
+          </a:fillRef>
+          <a:effectRef idx="0">
+            <a:schemeClr val="accent1"/>
+          </a:effectRef>
+          <a:fontRef idx="minor">
+            <a:schemeClr val="tx1"/>
+          </a:fontRef>
+        </p:style>
+      </p:cxnSp>
+      <p:cxnSp>
+        <p:nvCxnSpPr>
+          <p:cNvPr id="39" name="직선 연결선 38">
+            <a:extLst>
+              <a:ext uri="{FF2B5EF4-FFF2-40B4-BE49-F238E27FC236}">
+                <a16:creationId xmlns:a16="http://schemas.microsoft.com/office/drawing/2014/main" id="{08512680-652C-4566-81F3-789890578934}"/>
+              </a:ext>
+            </a:extLst>
+          </p:cNvPr>
+          <p:cNvCxnSpPr>
+            <a:cxnSpLocks/>
+          </p:cNvCxnSpPr>
+          <p:nvPr/>
+        </p:nvCxnSpPr>
+        <p:spPr>
+          <a:xfrm>
+            <a:off x="2960832" y="3349526"/>
+            <a:ext cx="0" cy="2683434"/>
+          </a:xfrm>
+          <a:prstGeom prst="line">
+            <a:avLst/>
+          </a:prstGeom>
+          <a:ln w="19050">
+            <a:solidFill>
+              <a:srgbClr val="FF0000"/>
+            </a:solidFill>
+            <a:prstDash val="dash"/>
+          </a:ln>
+        </p:spPr>
+        <p:style>
+          <a:lnRef idx="1">
+            <a:schemeClr val="accent1"/>
+          </a:lnRef>
+          <a:fillRef idx="0">
+            <a:schemeClr val="accent1"/>
+          </a:fillRef>
+          <a:effectRef idx="0">
+            <a:schemeClr val="accent1"/>
+          </a:effectRef>
+          <a:fontRef idx="minor">
+            <a:schemeClr val="tx1"/>
+          </a:fontRef>
+        </p:style>
+      </p:cxnSp>
+      <p:cxnSp>
+        <p:nvCxnSpPr>
+          <p:cNvPr id="40" name="직선 연결선 39">
+            <a:extLst>
+              <a:ext uri="{FF2B5EF4-FFF2-40B4-BE49-F238E27FC236}">
+                <a16:creationId xmlns:a16="http://schemas.microsoft.com/office/drawing/2014/main" id="{696AC451-7D00-4CC4-BC4C-CE2148979CC0}"/>
+              </a:ext>
+            </a:extLst>
+          </p:cNvPr>
+          <p:cNvCxnSpPr>
+            <a:cxnSpLocks/>
+          </p:cNvCxnSpPr>
+          <p:nvPr/>
+        </p:nvCxnSpPr>
+        <p:spPr>
+          <a:xfrm>
+            <a:off x="3131042" y="3349526"/>
+            <a:ext cx="0" cy="2683434"/>
+          </a:xfrm>
+          <a:prstGeom prst="line">
+            <a:avLst/>
+          </a:prstGeom>
+          <a:ln w="19050">
+            <a:solidFill>
+              <a:srgbClr val="FF0000"/>
+            </a:solidFill>
+            <a:prstDash val="dash"/>
+          </a:ln>
+        </p:spPr>
+        <p:style>
+          <a:lnRef idx="1">
+            <a:schemeClr val="accent1"/>
+          </a:lnRef>
+          <a:fillRef idx="0">
+            <a:schemeClr val="accent1"/>
+          </a:fillRef>
+          <a:effectRef idx="0">
+            <a:schemeClr val="accent1"/>
+          </a:effectRef>
+          <a:fontRef idx="minor">
+            <a:schemeClr val="tx1"/>
+          </a:fontRef>
+        </p:style>
+      </p:cxnSp>
+      <p:sp>
+        <p:nvSpPr>
+          <p:cNvPr id="42" name="직사각형 41">
+            <a:extLst>
+              <a:ext uri="{FF2B5EF4-FFF2-40B4-BE49-F238E27FC236}">
+                <a16:creationId xmlns:a16="http://schemas.microsoft.com/office/drawing/2014/main" id="{80257478-C769-4D60-B807-EA8E0686E672}"/>
+              </a:ext>
+            </a:extLst>
+          </p:cNvPr>
+          <p:cNvSpPr/>
+          <p:nvPr/>
+        </p:nvSpPr>
+        <p:spPr>
+          <a:xfrm>
+            <a:off x="767461" y="3349526"/>
+            <a:ext cx="2023156" cy="2683434"/>
+          </a:xfrm>
+          <a:prstGeom prst="rect">
+            <a:avLst/>
+          </a:prstGeom>
+          <a:solidFill>
+            <a:schemeClr val="tx1">
+              <a:alpha val="70000"/>
+            </a:schemeClr>
+          </a:solidFill>
+          <a:ln>
+            <a:noFill/>
+          </a:ln>
+        </p:spPr>
+        <p:style>
+          <a:lnRef idx="2">
+            <a:schemeClr val="accent1">
+              <a:shade val="50000"/>
+            </a:schemeClr>
+          </a:lnRef>
+          <a:fillRef idx="1">
+            <a:schemeClr val="accent1"/>
+          </a:fillRef>
+          <a:effectRef idx="0">
+            <a:schemeClr val="accent1"/>
+          </a:effectRef>
+          <a:fontRef idx="minor">
+            <a:schemeClr val="lt1"/>
+          </a:fontRef>
+        </p:style>
+        <p:txBody>
+          <a:bodyPr rtlCol="0" anchor="ctr"/>
+          <a:lstStyle/>
+          <a:p>
+            <a:pPr algn="ctr"/>
+            <a:endParaRPr lang="ko-KR" altLang="en-US" sz="1600"/>
+          </a:p>
+        </p:txBody>
+      </p:sp>
+      <mc:AlternateContent xmlns:mc="http://schemas.openxmlformats.org/markup-compatibility/2006">
+        <mc:Choice xmlns:a14="http://schemas.microsoft.com/office/drawing/2010/main" Requires="a14">
+          <p:sp>
+            <p:nvSpPr>
+              <p:cNvPr id="43" name="TextBox 42">
+                <a:extLst>
+                  <a:ext uri="{FF2B5EF4-FFF2-40B4-BE49-F238E27FC236}">
+                    <a16:creationId xmlns:a16="http://schemas.microsoft.com/office/drawing/2014/main" id="{679E50EC-DD02-4CA6-9B7D-DB4B898AA3CE}"/>
+                  </a:ext>
+                </a:extLst>
+              </p:cNvPr>
+              <p:cNvSpPr txBox="1"/>
+              <p:nvPr/>
+            </p:nvSpPr>
+            <p:spPr>
+              <a:xfrm>
+                <a:off x="1085980" y="4601413"/>
+                <a:ext cx="1492716" cy="584775"/>
+              </a:xfrm>
+              <a:prstGeom prst="rect">
+                <a:avLst/>
+              </a:prstGeom>
+              <a:noFill/>
+            </p:spPr>
+            <p:txBody>
+              <a:bodyPr wrap="none" rtlCol="0">
+                <a:spAutoFit/>
+              </a:bodyPr>
+              <a:lstStyle/>
+              <a:p>
+                <a:r>
+                  <a:rPr lang="ko-KR" altLang="en-US" sz="1600" dirty="0">
+                    <a:solidFill>
+                      <a:schemeClr val="bg1"/>
+                    </a:solidFill>
+                    <a:latin typeface="마루 부리 Beta" panose="020B0600000101010101" pitchFamily="50" charset="-127"/>
+                    <a:ea typeface="마루 부리 Beta" panose="020B0600000101010101" pitchFamily="50" charset="-127"/>
+                  </a:rPr>
+                  <a:t>수렴 구간 아님</a:t>
+                </a:r>
+                <a:endParaRPr lang="en-US" altLang="ko-KR" sz="1600" dirty="0">
+                  <a:solidFill>
+                    <a:schemeClr val="bg1"/>
+                  </a:solidFill>
+                  <a:latin typeface="마루 부리 Beta" panose="020B0600000101010101" pitchFamily="50" charset="-127"/>
+                  <a:ea typeface="마루 부리 Beta" panose="020B0600000101010101" pitchFamily="50" charset="-127"/>
+                </a:endParaRPr>
+              </a:p>
+              <a:p>
+                <a14:m>
+                  <m:oMathPara xmlns:m="http://schemas.openxmlformats.org/officeDocument/2006/math">
+                    <m:oMathParaPr>
+                      <m:jc m:val="centerGroup"/>
+                    </m:oMathParaPr>
+                    <m:oMath xmlns:m="http://schemas.openxmlformats.org/officeDocument/2006/math">
+                      <m:r>
+                        <a:rPr lang="en-US" altLang="ko-KR" sz="1600" b="0" i="1" smtClean="0">
+                          <a:solidFill>
+                            <a:schemeClr val="bg1"/>
+                          </a:solidFill>
+                          <a:latin typeface="Cambria Math" panose="02040503050406030204" pitchFamily="18" charset="0"/>
+                          <a:ea typeface="마루 부리 Beta" panose="020B0600000101010101" pitchFamily="50" charset="-127"/>
+                        </a:rPr>
+                        <m:t>𝜎</m:t>
+                      </m:r>
+                      <m:r>
+                        <a:rPr lang="en-US" altLang="ko-KR" sz="1600" b="0" i="1" smtClean="0">
+                          <a:solidFill>
+                            <a:schemeClr val="bg1"/>
+                          </a:solidFill>
+                          <a:latin typeface="Cambria Math" panose="02040503050406030204" pitchFamily="18" charset="0"/>
+                          <a:ea typeface="마루 부리 Beta" panose="020B0600000101010101" pitchFamily="50" charset="-127"/>
+                        </a:rPr>
+                        <m:t>&lt;2</m:t>
+                      </m:r>
+                    </m:oMath>
+                  </m:oMathPara>
+                </a14:m>
+                <a:endParaRPr lang="en-US" altLang="ko-KR" sz="1600" dirty="0">
+                  <a:solidFill>
+                    <a:schemeClr val="bg1"/>
+                  </a:solidFill>
+                  <a:latin typeface="마루 부리 Beta" panose="020B0600000101010101" pitchFamily="50" charset="-127"/>
+                  <a:ea typeface="마루 부리 Beta" panose="020B0600000101010101" pitchFamily="50" charset="-127"/>
+                </a:endParaRPr>
+              </a:p>
+            </p:txBody>
+          </p:sp>
+        </mc:Choice>
+        <mc:Fallback>
+          <p:sp>
+            <p:nvSpPr>
+              <p:cNvPr id="43" name="TextBox 42">
+                <a:extLst>
+                  <a:ext uri="{FF2B5EF4-FFF2-40B4-BE49-F238E27FC236}">
+                    <a16:creationId xmlns:a16="http://schemas.microsoft.com/office/drawing/2014/main" id="{679E50EC-DD02-4CA6-9B7D-DB4B898AA3CE}"/>
+                  </a:ext>
+                </a:extLst>
+              </p:cNvPr>
+              <p:cNvSpPr txBox="1">
+                <a:spLocks noRot="1" noChangeAspect="1" noMove="1" noResize="1" noEditPoints="1" noAdjustHandles="1" noChangeArrowheads="1" noChangeShapeType="1" noTextEdit="1"/>
+              </p:cNvSpPr>
+              <p:nvPr/>
+            </p:nvSpPr>
+            <p:spPr>
+              <a:xfrm>
+                <a:off x="1085980" y="4601413"/>
+                <a:ext cx="1492716" cy="584775"/>
+              </a:xfrm>
+              <a:prstGeom prst="rect">
+                <a:avLst/>
+              </a:prstGeom>
+              <a:blipFill>
+                <a:blip r:embed="rId6"/>
+                <a:stretch>
+                  <a:fillRect l="-2041" t="-2083" r="-1224"/>
+                </a:stretch>
+              </a:blipFill>
+            </p:spPr>
+            <p:txBody>
+              <a:bodyPr/>
+              <a:lstStyle/>
+              <a:p>
+                <a:r>
+                  <a:rPr lang="ko-KR" altLang="en-US">
+                    <a:noFill/>
+                  </a:rPr>
+                  <a:t> </a:t>
+                </a:r>
+              </a:p>
+            </p:txBody>
+          </p:sp>
+        </mc:Fallback>
+      </mc:AlternateContent>
+      <mc:AlternateContent xmlns:mc="http://schemas.openxmlformats.org/markup-compatibility/2006">
+        <mc:Choice xmlns:a14="http://schemas.microsoft.com/office/drawing/2010/main" Requires="a14">
+          <p:sp>
+            <p:nvSpPr>
+              <p:cNvPr id="51" name="TextBox 50">
+                <a:extLst>
+                  <a:ext uri="{FF2B5EF4-FFF2-40B4-BE49-F238E27FC236}">
+                    <a16:creationId xmlns:a16="http://schemas.microsoft.com/office/drawing/2014/main" id="{E0AC95BA-199D-4C65-A6F2-227A357E74CE}"/>
+                  </a:ext>
+                </a:extLst>
+              </p:cNvPr>
+              <p:cNvSpPr txBox="1"/>
+              <p:nvPr/>
+            </p:nvSpPr>
+            <p:spPr>
+              <a:xfrm>
+                <a:off x="1694759" y="3021446"/>
+                <a:ext cx="738087" cy="338554"/>
+              </a:xfrm>
+              <a:prstGeom prst="rect">
+                <a:avLst/>
+              </a:prstGeom>
+              <a:noFill/>
+            </p:spPr>
+            <p:txBody>
+              <a:bodyPr wrap="none" rtlCol="0">
+                <a:spAutoFit/>
+              </a:bodyPr>
+              <a:lstStyle/>
+              <a:p>
+                <a14:m>
+                  <m:oMathPara xmlns:m="http://schemas.openxmlformats.org/officeDocument/2006/math">
+                    <m:oMathParaPr>
+                      <m:jc m:val="centerGroup"/>
+                    </m:oMathParaPr>
+                    <m:oMath xmlns:m="http://schemas.openxmlformats.org/officeDocument/2006/math">
+                      <m:r>
+                        <a:rPr lang="en-US" altLang="ko-KR" sz="1600" b="0" i="1" smtClean="0">
+                          <a:latin typeface="Cambria Math" panose="02040503050406030204" pitchFamily="18" charset="0"/>
+                        </a:rPr>
+                        <m:t>𝜎</m:t>
+                      </m:r>
+                      <m:r>
+                        <a:rPr lang="en-US" altLang="ko-KR" sz="1600" b="0" i="1" smtClean="0">
+                          <a:latin typeface="Cambria Math" panose="02040503050406030204" pitchFamily="18" charset="0"/>
+                        </a:rPr>
+                        <m:t>=2</m:t>
+                      </m:r>
+                    </m:oMath>
+                  </m:oMathPara>
+                </a14:m>
+                <a:endParaRPr lang="ko-KR" altLang="en-US" sz="1600" dirty="0"/>
+              </a:p>
+            </p:txBody>
+          </p:sp>
+        </mc:Choice>
+        <mc:Fallback>
+          <p:sp>
+            <p:nvSpPr>
+              <p:cNvPr id="51" name="TextBox 50">
+                <a:extLst>
+                  <a:ext uri="{FF2B5EF4-FFF2-40B4-BE49-F238E27FC236}">
+                    <a16:creationId xmlns:a16="http://schemas.microsoft.com/office/drawing/2014/main" id="{E0AC95BA-199D-4C65-A6F2-227A357E74CE}"/>
+                  </a:ext>
+                </a:extLst>
+              </p:cNvPr>
+              <p:cNvSpPr txBox="1">
+                <a:spLocks noRot="1" noChangeAspect="1" noMove="1" noResize="1" noEditPoints="1" noAdjustHandles="1" noChangeArrowheads="1" noChangeShapeType="1" noTextEdit="1"/>
+              </p:cNvSpPr>
+              <p:nvPr/>
+            </p:nvSpPr>
+            <p:spPr>
+              <a:xfrm>
+                <a:off x="1694759" y="3021446"/>
+                <a:ext cx="738087" cy="338554"/>
+              </a:xfrm>
+              <a:prstGeom prst="rect">
+                <a:avLst/>
+              </a:prstGeom>
+              <a:blipFill>
+                <a:blip r:embed="rId7"/>
+                <a:stretch>
+                  <a:fillRect/>
+                </a:stretch>
+              </a:blipFill>
+            </p:spPr>
+            <p:txBody>
+              <a:bodyPr/>
+              <a:lstStyle/>
+              <a:p>
+                <a:r>
+                  <a:rPr lang="ko-KR" altLang="en-US">
+                    <a:noFill/>
+                  </a:rPr>
+                  <a:t> </a:t>
+                </a:r>
+              </a:p>
+            </p:txBody>
+          </p:sp>
+        </mc:Fallback>
+      </mc:AlternateContent>
+      <mc:AlternateContent xmlns:mc="http://schemas.openxmlformats.org/markup-compatibility/2006">
+        <mc:Choice xmlns:a14="http://schemas.microsoft.com/office/drawing/2010/main" Requires="a14">
+          <p:sp>
+            <p:nvSpPr>
+              <p:cNvPr id="52" name="TextBox 51">
+                <a:extLst>
+                  <a:ext uri="{FF2B5EF4-FFF2-40B4-BE49-F238E27FC236}">
+                    <a16:creationId xmlns:a16="http://schemas.microsoft.com/office/drawing/2014/main" id="{6428ACFE-A788-411B-90AF-4857241AB9EF}"/>
+                  </a:ext>
+                </a:extLst>
+              </p:cNvPr>
+              <p:cNvSpPr txBox="1"/>
+              <p:nvPr/>
+            </p:nvSpPr>
+            <p:spPr>
+              <a:xfrm>
+                <a:off x="2626821" y="2896472"/>
+                <a:ext cx="738087" cy="338554"/>
+              </a:xfrm>
+              <a:prstGeom prst="rect">
+                <a:avLst/>
+              </a:prstGeom>
+              <a:noFill/>
+            </p:spPr>
+            <p:txBody>
+              <a:bodyPr wrap="none" rtlCol="0">
+                <a:spAutoFit/>
+              </a:bodyPr>
+              <a:lstStyle/>
+              <a:p>
+                <a14:m>
+                  <m:oMathPara xmlns:m="http://schemas.openxmlformats.org/officeDocument/2006/math">
+                    <m:oMathParaPr>
+                      <m:jc m:val="centerGroup"/>
+                    </m:oMathParaPr>
+                    <m:oMath xmlns:m="http://schemas.openxmlformats.org/officeDocument/2006/math">
+                      <m:r>
+                        <a:rPr lang="en-US" altLang="ko-KR" sz="1600" b="0" i="1" smtClean="0">
+                          <a:latin typeface="Cambria Math" panose="02040503050406030204" pitchFamily="18" charset="0"/>
+                        </a:rPr>
+                        <m:t>𝜎</m:t>
+                      </m:r>
+                      <m:r>
+                        <a:rPr lang="en-US" altLang="ko-KR" sz="1600" b="0" i="1" smtClean="0">
+                          <a:latin typeface="Cambria Math" panose="02040503050406030204" pitchFamily="18" charset="0"/>
+                        </a:rPr>
+                        <m:t>=3</m:t>
+                      </m:r>
+                    </m:oMath>
+                  </m:oMathPara>
+                </a14:m>
+                <a:endParaRPr lang="ko-KR" altLang="en-US" sz="1600" dirty="0"/>
+              </a:p>
+            </p:txBody>
+          </p:sp>
+        </mc:Choice>
+        <mc:Fallback>
+          <p:sp>
+            <p:nvSpPr>
+              <p:cNvPr id="52" name="TextBox 51">
+                <a:extLst>
+                  <a:ext uri="{FF2B5EF4-FFF2-40B4-BE49-F238E27FC236}">
+                    <a16:creationId xmlns:a16="http://schemas.microsoft.com/office/drawing/2014/main" id="{6428ACFE-A788-411B-90AF-4857241AB9EF}"/>
+                  </a:ext>
+                </a:extLst>
+              </p:cNvPr>
+              <p:cNvSpPr txBox="1">
+                <a:spLocks noRot="1" noChangeAspect="1" noMove="1" noResize="1" noEditPoints="1" noAdjustHandles="1" noChangeArrowheads="1" noChangeShapeType="1" noTextEdit="1"/>
+              </p:cNvSpPr>
+              <p:nvPr/>
+            </p:nvSpPr>
+            <p:spPr>
+              <a:xfrm>
+                <a:off x="2626821" y="2896472"/>
+                <a:ext cx="738087" cy="338554"/>
+              </a:xfrm>
+              <a:prstGeom prst="rect">
+                <a:avLst/>
+              </a:prstGeom>
+              <a:blipFill>
+                <a:blip r:embed="rId8"/>
+                <a:stretch>
+                  <a:fillRect/>
+                </a:stretch>
+              </a:blipFill>
+            </p:spPr>
+            <p:txBody>
+              <a:bodyPr/>
+              <a:lstStyle/>
+              <a:p>
+                <a:r>
+                  <a:rPr lang="ko-KR" altLang="en-US">
+                    <a:noFill/>
+                  </a:rPr>
+                  <a:t> </a:t>
+                </a:r>
+              </a:p>
+            </p:txBody>
+          </p:sp>
+        </mc:Fallback>
+      </mc:AlternateContent>
+      <mc:AlternateContent xmlns:mc="http://schemas.openxmlformats.org/markup-compatibility/2006">
+        <mc:Choice xmlns:a14="http://schemas.microsoft.com/office/drawing/2010/main" Requires="a14">
+          <p:sp>
+            <p:nvSpPr>
+              <p:cNvPr id="53" name="TextBox 52">
+                <a:extLst>
+                  <a:ext uri="{FF2B5EF4-FFF2-40B4-BE49-F238E27FC236}">
+                    <a16:creationId xmlns:a16="http://schemas.microsoft.com/office/drawing/2014/main" id="{6000AB13-2453-4D3E-ACA1-7A0BCBB5E589}"/>
+                  </a:ext>
+                </a:extLst>
+              </p:cNvPr>
+              <p:cNvSpPr txBox="1"/>
+              <p:nvPr/>
+            </p:nvSpPr>
+            <p:spPr>
+              <a:xfrm>
+                <a:off x="3580988" y="3021446"/>
+                <a:ext cx="738087" cy="338554"/>
+              </a:xfrm>
+              <a:prstGeom prst="rect">
+                <a:avLst/>
+              </a:prstGeom>
+              <a:noFill/>
+            </p:spPr>
+            <p:txBody>
+              <a:bodyPr wrap="none" rtlCol="0">
+                <a:spAutoFit/>
+              </a:bodyPr>
+              <a:lstStyle/>
+              <a:p>
+                <a14:m>
+                  <m:oMathPara xmlns:m="http://schemas.openxmlformats.org/officeDocument/2006/math">
+                    <m:oMathParaPr>
+                      <m:jc m:val="centerGroup"/>
+                    </m:oMathParaPr>
+                    <m:oMath xmlns:m="http://schemas.openxmlformats.org/officeDocument/2006/math">
+                      <m:r>
+                        <a:rPr lang="en-US" altLang="ko-KR" sz="1600" b="0" i="1" smtClean="0">
+                          <a:latin typeface="Cambria Math" panose="02040503050406030204" pitchFamily="18" charset="0"/>
+                        </a:rPr>
+                        <m:t>𝜎</m:t>
+                      </m:r>
+                      <m:r>
+                        <a:rPr lang="en-US" altLang="ko-KR" sz="1600" b="0" i="1" smtClean="0">
+                          <a:latin typeface="Cambria Math" panose="02040503050406030204" pitchFamily="18" charset="0"/>
+                        </a:rPr>
+                        <m:t>=4</m:t>
+                      </m:r>
+                    </m:oMath>
+                  </m:oMathPara>
+                </a14:m>
+                <a:endParaRPr lang="ko-KR" altLang="en-US" sz="1600" dirty="0"/>
+              </a:p>
+            </p:txBody>
+          </p:sp>
+        </mc:Choice>
+        <mc:Fallback>
+          <p:sp>
+            <p:nvSpPr>
+              <p:cNvPr id="53" name="TextBox 52">
+                <a:extLst>
+                  <a:ext uri="{FF2B5EF4-FFF2-40B4-BE49-F238E27FC236}">
+                    <a16:creationId xmlns:a16="http://schemas.microsoft.com/office/drawing/2014/main" id="{6000AB13-2453-4D3E-ACA1-7A0BCBB5E589}"/>
+                  </a:ext>
+                </a:extLst>
+              </p:cNvPr>
+              <p:cNvSpPr txBox="1">
+                <a:spLocks noRot="1" noChangeAspect="1" noMove="1" noResize="1" noEditPoints="1" noAdjustHandles="1" noChangeArrowheads="1" noChangeShapeType="1" noTextEdit="1"/>
+              </p:cNvSpPr>
+              <p:nvPr/>
+            </p:nvSpPr>
+            <p:spPr>
+              <a:xfrm>
+                <a:off x="3580988" y="3021446"/>
+                <a:ext cx="738087" cy="338554"/>
+              </a:xfrm>
+              <a:prstGeom prst="rect">
+                <a:avLst/>
+              </a:prstGeom>
+              <a:blipFill>
+                <a:blip r:embed="rId9"/>
+                <a:stretch>
+                  <a:fillRect/>
+                </a:stretch>
+              </a:blipFill>
+            </p:spPr>
+            <p:txBody>
+              <a:bodyPr/>
+              <a:lstStyle/>
+              <a:p>
+                <a:r>
+                  <a:rPr lang="ko-KR" altLang="en-US">
+                    <a:noFill/>
+                  </a:rPr>
+                  <a:t> </a:t>
+                </a:r>
+              </a:p>
+            </p:txBody>
+          </p:sp>
+        </mc:Fallback>
+      </mc:AlternateContent>
+      <p:cxnSp>
+        <p:nvCxnSpPr>
+          <p:cNvPr id="55" name="직선 화살표 연결선 54">
+            <a:extLst>
+              <a:ext uri="{FF2B5EF4-FFF2-40B4-BE49-F238E27FC236}">
+                <a16:creationId xmlns:a16="http://schemas.microsoft.com/office/drawing/2014/main" id="{355E93CC-CCE2-4F4D-BA4B-E5CB5546590D}"/>
+              </a:ext>
+            </a:extLst>
+          </p:cNvPr>
+          <p:cNvCxnSpPr>
+            <a:cxnSpLocks/>
+          </p:cNvCxnSpPr>
+          <p:nvPr/>
+        </p:nvCxnSpPr>
+        <p:spPr>
+          <a:xfrm>
+            <a:off x="2322006" y="3214225"/>
+            <a:ext cx="471821" cy="112772"/>
+          </a:xfrm>
+          <a:prstGeom prst="straightConnector1">
+            <a:avLst/>
+          </a:prstGeom>
+          <a:ln>
+            <a:tailEnd type="triangle"/>
+          </a:ln>
+        </p:spPr>
+        <p:style>
+          <a:lnRef idx="1">
+            <a:schemeClr val="accent1"/>
+          </a:lnRef>
+          <a:fillRef idx="0">
+            <a:schemeClr val="accent1"/>
+          </a:fillRef>
+          <a:effectRef idx="0">
+            <a:schemeClr val="accent1"/>
+          </a:effectRef>
+          <a:fontRef idx="minor">
+            <a:schemeClr val="tx1"/>
+          </a:fontRef>
+        </p:style>
+      </p:cxnSp>
+      <p:cxnSp>
+        <p:nvCxnSpPr>
+          <p:cNvPr id="56" name="직선 화살표 연결선 55">
+            <a:extLst>
+              <a:ext uri="{FF2B5EF4-FFF2-40B4-BE49-F238E27FC236}">
+                <a16:creationId xmlns:a16="http://schemas.microsoft.com/office/drawing/2014/main" id="{D3883BD0-F37C-4912-BA74-C3AA1170D898}"/>
+              </a:ext>
+            </a:extLst>
+          </p:cNvPr>
+          <p:cNvCxnSpPr>
+            <a:cxnSpLocks/>
+          </p:cNvCxnSpPr>
+          <p:nvPr/>
+        </p:nvCxnSpPr>
+        <p:spPr>
+          <a:xfrm>
+            <a:off x="2960832" y="3141860"/>
+            <a:ext cx="0" cy="198010"/>
+          </a:xfrm>
+          <a:prstGeom prst="straightConnector1">
+            <a:avLst/>
+          </a:prstGeom>
+          <a:ln>
+            <a:tailEnd type="triangle"/>
+          </a:ln>
+        </p:spPr>
+        <p:style>
+          <a:lnRef idx="1">
+            <a:schemeClr val="accent1"/>
+          </a:lnRef>
+          <a:fillRef idx="0">
+            <a:schemeClr val="accent1"/>
+          </a:fillRef>
+          <a:effectRef idx="0">
+            <a:schemeClr val="accent1"/>
+          </a:effectRef>
+          <a:fontRef idx="minor">
+            <a:schemeClr val="tx1"/>
+          </a:fontRef>
+        </p:style>
+      </p:cxnSp>
+      <p:cxnSp>
+        <p:nvCxnSpPr>
+          <p:cNvPr id="60" name="직선 화살표 연결선 59">
+            <a:extLst>
+              <a:ext uri="{FF2B5EF4-FFF2-40B4-BE49-F238E27FC236}">
+                <a16:creationId xmlns:a16="http://schemas.microsoft.com/office/drawing/2014/main" id="{05DD7F11-8DC4-4B3F-88F8-8B0EAF508179}"/>
+              </a:ext>
+            </a:extLst>
+          </p:cNvPr>
+          <p:cNvCxnSpPr>
+            <a:cxnSpLocks/>
+          </p:cNvCxnSpPr>
+          <p:nvPr/>
+        </p:nvCxnSpPr>
+        <p:spPr>
+          <a:xfrm flipH="1">
+            <a:off x="3133099" y="3205467"/>
+            <a:ext cx="471821" cy="112772"/>
+          </a:xfrm>
+          <a:prstGeom prst="straightConnector1">
+            <a:avLst/>
+          </a:prstGeom>
+          <a:ln>
+            <a:tailEnd type="triangle"/>
+          </a:ln>
+        </p:spPr>
+        <p:style>
+          <a:lnRef idx="1">
+            <a:schemeClr val="accent1"/>
+          </a:lnRef>
+          <a:fillRef idx="0">
+            <a:schemeClr val="accent1"/>
+          </a:fillRef>
+          <a:effectRef idx="0">
+            <a:schemeClr val="accent1"/>
+          </a:effectRef>
+          <a:fontRef idx="minor">
+            <a:schemeClr val="tx1"/>
+          </a:fontRef>
+        </p:style>
+      </p:cxnSp>
+      <p:pic>
+        <p:nvPicPr>
+          <p:cNvPr id="65" name="그림 64">
+            <a:extLst>
+              <a:ext uri="{FF2B5EF4-FFF2-40B4-BE49-F238E27FC236}">
+                <a16:creationId xmlns:a16="http://schemas.microsoft.com/office/drawing/2014/main" id="{BB8B3970-7536-4BA5-98F4-0FDD4F0ABB13}"/>
+              </a:ext>
+            </a:extLst>
+          </p:cNvPr>
+          <p:cNvPicPr>
+            <a:picLocks noChangeAspect="1"/>
+          </p:cNvPicPr>
+          <p:nvPr/>
+        </p:nvPicPr>
+        <p:blipFill>
+          <a:blip r:embed="rId10"/>
+          <a:stretch>
+            <a:fillRect/>
+          </a:stretch>
+        </p:blipFill>
+        <p:spPr>
+          <a:xfrm>
+            <a:off x="4287256" y="2855627"/>
+            <a:ext cx="4718354" cy="3538765"/>
+          </a:xfrm>
+          <a:prstGeom prst="rect">
+            <a:avLst/>
+          </a:prstGeom>
+        </p:spPr>
+      </p:pic>
+      <p:cxnSp>
+        <p:nvCxnSpPr>
+          <p:cNvPr id="67" name="직선 연결선 66">
+            <a:extLst>
+              <a:ext uri="{FF2B5EF4-FFF2-40B4-BE49-F238E27FC236}">
+                <a16:creationId xmlns:a16="http://schemas.microsoft.com/office/drawing/2014/main" id="{51BDEF3D-5C87-4643-BCE2-C1890EC9DF5E}"/>
+              </a:ext>
+            </a:extLst>
+          </p:cNvPr>
+          <p:cNvCxnSpPr>
+            <a:cxnSpLocks/>
+          </p:cNvCxnSpPr>
+          <p:nvPr/>
+        </p:nvCxnSpPr>
+        <p:spPr>
+          <a:xfrm flipH="1">
+            <a:off x="6667832" y="4754188"/>
+            <a:ext cx="609269" cy="1136072"/>
+          </a:xfrm>
+          <a:prstGeom prst="line">
+            <a:avLst/>
+          </a:prstGeom>
+          <a:ln w="19050">
+            <a:solidFill>
+              <a:srgbClr val="FF0000"/>
+            </a:solidFill>
+            <a:prstDash val="dash"/>
+          </a:ln>
+        </p:spPr>
+        <p:style>
+          <a:lnRef idx="1">
+            <a:schemeClr val="accent1"/>
+          </a:lnRef>
+          <a:fillRef idx="0">
+            <a:schemeClr val="accent1"/>
+          </a:fillRef>
+          <a:effectRef idx="0">
+            <a:schemeClr val="accent1"/>
+          </a:effectRef>
+          <a:fontRef idx="minor">
+            <a:schemeClr val="tx1"/>
+          </a:fontRef>
+        </p:style>
+      </p:cxnSp>
+      <mc:AlternateContent xmlns:mc="http://schemas.openxmlformats.org/markup-compatibility/2006">
+        <mc:Choice xmlns:a14="http://schemas.microsoft.com/office/drawing/2010/main" Requires="a14">
+          <p:sp>
+            <p:nvSpPr>
+              <p:cNvPr id="72" name="TextBox 71">
+                <a:extLst>
+                  <a:ext uri="{FF2B5EF4-FFF2-40B4-BE49-F238E27FC236}">
+                    <a16:creationId xmlns:a16="http://schemas.microsoft.com/office/drawing/2014/main" id="{58381B3D-680F-4D6B-B5FF-DB4C775786B6}"/>
+                  </a:ext>
+                </a:extLst>
+              </p:cNvPr>
+              <p:cNvSpPr txBox="1"/>
+              <p:nvPr/>
+            </p:nvSpPr>
+            <p:spPr>
+              <a:xfrm>
+                <a:off x="6121266" y="4368080"/>
+                <a:ext cx="738087" cy="338554"/>
+              </a:xfrm>
+              <a:prstGeom prst="rect">
+                <a:avLst/>
+              </a:prstGeom>
+              <a:noFill/>
+            </p:spPr>
+            <p:txBody>
+              <a:bodyPr wrap="none" rtlCol="0">
+                <a:spAutoFit/>
+              </a:bodyPr>
+              <a:lstStyle/>
+              <a:p>
+                <a14:m>
+                  <m:oMathPara xmlns:m="http://schemas.openxmlformats.org/officeDocument/2006/math">
+                    <m:oMathParaPr>
+                      <m:jc m:val="centerGroup"/>
+                    </m:oMathParaPr>
+                    <m:oMath xmlns:m="http://schemas.openxmlformats.org/officeDocument/2006/math">
+                      <m:r>
+                        <a:rPr lang="en-US" altLang="ko-KR" sz="1600" b="0" i="1" smtClean="0">
+                          <a:latin typeface="Cambria Math" panose="02040503050406030204" pitchFamily="18" charset="0"/>
+                        </a:rPr>
+                        <m:t>𝜎</m:t>
+                      </m:r>
+                      <m:r>
+                        <a:rPr lang="en-US" altLang="ko-KR" sz="1600" b="0" i="1" smtClean="0">
+                          <a:latin typeface="Cambria Math" panose="02040503050406030204" pitchFamily="18" charset="0"/>
+                        </a:rPr>
+                        <m:t>=2</m:t>
+                      </m:r>
+                    </m:oMath>
+                  </m:oMathPara>
+                </a14:m>
+                <a:endParaRPr lang="ko-KR" altLang="en-US" sz="1600" dirty="0"/>
+              </a:p>
+            </p:txBody>
+          </p:sp>
+        </mc:Choice>
+        <mc:Fallback>
+          <p:sp>
+            <p:nvSpPr>
+              <p:cNvPr id="72" name="TextBox 71">
+                <a:extLst>
+                  <a:ext uri="{FF2B5EF4-FFF2-40B4-BE49-F238E27FC236}">
+                    <a16:creationId xmlns:a16="http://schemas.microsoft.com/office/drawing/2014/main" id="{58381B3D-680F-4D6B-B5FF-DB4C775786B6}"/>
+                  </a:ext>
+                </a:extLst>
+              </p:cNvPr>
+              <p:cNvSpPr txBox="1">
+                <a:spLocks noRot="1" noChangeAspect="1" noMove="1" noResize="1" noEditPoints="1" noAdjustHandles="1" noChangeArrowheads="1" noChangeShapeType="1" noTextEdit="1"/>
+              </p:cNvSpPr>
+              <p:nvPr/>
+            </p:nvSpPr>
+            <p:spPr>
+              <a:xfrm>
+                <a:off x="6121266" y="4368080"/>
+                <a:ext cx="738087" cy="338554"/>
+              </a:xfrm>
+              <a:prstGeom prst="rect">
+                <a:avLst/>
+              </a:prstGeom>
+              <a:blipFill>
+                <a:blip r:embed="rId11"/>
+                <a:stretch>
+                  <a:fillRect/>
+                </a:stretch>
+              </a:blipFill>
+            </p:spPr>
+            <p:txBody>
+              <a:bodyPr/>
+              <a:lstStyle/>
+              <a:p>
+                <a:r>
+                  <a:rPr lang="ko-KR" altLang="en-US">
+                    <a:noFill/>
+                  </a:rPr>
+                  <a:t> </a:t>
+                </a:r>
+              </a:p>
+            </p:txBody>
+          </p:sp>
+        </mc:Fallback>
+      </mc:AlternateContent>
+      <mc:AlternateContent xmlns:mc="http://schemas.openxmlformats.org/markup-compatibility/2006">
+        <mc:Choice xmlns:a14="http://schemas.microsoft.com/office/drawing/2010/main" Requires="a14">
+          <p:sp>
+            <p:nvSpPr>
+              <p:cNvPr id="73" name="TextBox 72">
+                <a:extLst>
+                  <a:ext uri="{FF2B5EF4-FFF2-40B4-BE49-F238E27FC236}">
+                    <a16:creationId xmlns:a16="http://schemas.microsoft.com/office/drawing/2014/main" id="{6C720470-0F35-49F4-AF84-49D431FFC45E}"/>
+                  </a:ext>
+                </a:extLst>
+              </p:cNvPr>
+              <p:cNvSpPr txBox="1"/>
+              <p:nvPr/>
+            </p:nvSpPr>
+            <p:spPr>
+              <a:xfrm>
+                <a:off x="7114288" y="4265966"/>
+                <a:ext cx="738087" cy="338554"/>
+              </a:xfrm>
+              <a:prstGeom prst="rect">
+                <a:avLst/>
+              </a:prstGeom>
+              <a:noFill/>
+            </p:spPr>
+            <p:txBody>
+              <a:bodyPr wrap="none" rtlCol="0">
+                <a:spAutoFit/>
+              </a:bodyPr>
+              <a:lstStyle/>
+              <a:p>
+                <a14:m>
+                  <m:oMathPara xmlns:m="http://schemas.openxmlformats.org/officeDocument/2006/math">
+                    <m:oMathParaPr>
+                      <m:jc m:val="centerGroup"/>
+                    </m:oMathParaPr>
+                    <m:oMath xmlns:m="http://schemas.openxmlformats.org/officeDocument/2006/math">
+                      <m:r>
+                        <a:rPr lang="en-US" altLang="ko-KR" sz="1600" b="0" i="1" smtClean="0">
+                          <a:latin typeface="Cambria Math" panose="02040503050406030204" pitchFamily="18" charset="0"/>
+                        </a:rPr>
+                        <m:t>𝜎</m:t>
+                      </m:r>
+                      <m:r>
+                        <a:rPr lang="en-US" altLang="ko-KR" sz="1600" b="0" i="1" smtClean="0">
+                          <a:latin typeface="Cambria Math" panose="02040503050406030204" pitchFamily="18" charset="0"/>
+                        </a:rPr>
+                        <m:t>=3</m:t>
+                      </m:r>
+                    </m:oMath>
+                  </m:oMathPara>
+                </a14:m>
+                <a:endParaRPr lang="ko-KR" altLang="en-US" sz="1600" dirty="0"/>
+              </a:p>
+            </p:txBody>
+          </p:sp>
+        </mc:Choice>
+        <mc:Fallback>
+          <p:sp>
+            <p:nvSpPr>
+              <p:cNvPr id="73" name="TextBox 72">
+                <a:extLst>
+                  <a:ext uri="{FF2B5EF4-FFF2-40B4-BE49-F238E27FC236}">
+                    <a16:creationId xmlns:a16="http://schemas.microsoft.com/office/drawing/2014/main" id="{6C720470-0F35-49F4-AF84-49D431FFC45E}"/>
+                  </a:ext>
+                </a:extLst>
+              </p:cNvPr>
+              <p:cNvSpPr txBox="1">
+                <a:spLocks noRot="1" noChangeAspect="1" noMove="1" noResize="1" noEditPoints="1" noAdjustHandles="1" noChangeArrowheads="1" noChangeShapeType="1" noTextEdit="1"/>
+              </p:cNvSpPr>
+              <p:nvPr/>
+            </p:nvSpPr>
+            <p:spPr>
+              <a:xfrm>
+                <a:off x="7114288" y="4265966"/>
+                <a:ext cx="738087" cy="338554"/>
+              </a:xfrm>
+              <a:prstGeom prst="rect">
+                <a:avLst/>
+              </a:prstGeom>
+              <a:blipFill>
+                <a:blip r:embed="rId12"/>
+                <a:stretch>
+                  <a:fillRect/>
+                </a:stretch>
+              </a:blipFill>
+            </p:spPr>
+            <p:txBody>
+              <a:bodyPr/>
+              <a:lstStyle/>
+              <a:p>
+                <a:r>
+                  <a:rPr lang="ko-KR" altLang="en-US">
+                    <a:noFill/>
+                  </a:rPr>
+                  <a:t> </a:t>
+                </a:r>
+              </a:p>
+            </p:txBody>
+          </p:sp>
+        </mc:Fallback>
+      </mc:AlternateContent>
+      <mc:AlternateContent xmlns:mc="http://schemas.openxmlformats.org/markup-compatibility/2006">
+        <mc:Choice xmlns:a14="http://schemas.microsoft.com/office/drawing/2010/main" Requires="a14">
+          <p:sp>
+            <p:nvSpPr>
+              <p:cNvPr id="74" name="TextBox 73">
+                <a:extLst>
+                  <a:ext uri="{FF2B5EF4-FFF2-40B4-BE49-F238E27FC236}">
+                    <a16:creationId xmlns:a16="http://schemas.microsoft.com/office/drawing/2014/main" id="{1DD4319A-3646-4419-9D68-492CA334794C}"/>
+                  </a:ext>
+                </a:extLst>
+              </p:cNvPr>
+              <p:cNvSpPr txBox="1"/>
+              <p:nvPr/>
+            </p:nvSpPr>
+            <p:spPr>
+              <a:xfrm>
+                <a:off x="8100557" y="4412383"/>
+                <a:ext cx="738087" cy="338554"/>
+              </a:xfrm>
+              <a:prstGeom prst="rect">
+                <a:avLst/>
+              </a:prstGeom>
+              <a:noFill/>
+            </p:spPr>
+            <p:txBody>
+              <a:bodyPr wrap="none" rtlCol="0">
+                <a:spAutoFit/>
+              </a:bodyPr>
+              <a:lstStyle/>
+              <a:p>
+                <a14:m>
+                  <m:oMathPara xmlns:m="http://schemas.openxmlformats.org/officeDocument/2006/math">
+                    <m:oMathParaPr>
+                      <m:jc m:val="centerGroup"/>
+                    </m:oMathParaPr>
+                    <m:oMath xmlns:m="http://schemas.openxmlformats.org/officeDocument/2006/math">
+                      <m:r>
+                        <a:rPr lang="en-US" altLang="ko-KR" sz="1600" b="0" i="1" smtClean="0">
+                          <a:latin typeface="Cambria Math" panose="02040503050406030204" pitchFamily="18" charset="0"/>
+                        </a:rPr>
+                        <m:t>𝜎</m:t>
+                      </m:r>
+                      <m:r>
+                        <a:rPr lang="en-US" altLang="ko-KR" sz="1600" b="0" i="1" smtClean="0">
+                          <a:latin typeface="Cambria Math" panose="02040503050406030204" pitchFamily="18" charset="0"/>
+                        </a:rPr>
+                        <m:t>=4</m:t>
+                      </m:r>
+                    </m:oMath>
+                  </m:oMathPara>
+                </a14:m>
+                <a:endParaRPr lang="ko-KR" altLang="en-US" sz="1600" dirty="0"/>
+              </a:p>
+            </p:txBody>
+          </p:sp>
+        </mc:Choice>
+        <mc:Fallback>
+          <p:sp>
+            <p:nvSpPr>
+              <p:cNvPr id="74" name="TextBox 73">
+                <a:extLst>
+                  <a:ext uri="{FF2B5EF4-FFF2-40B4-BE49-F238E27FC236}">
+                    <a16:creationId xmlns:a16="http://schemas.microsoft.com/office/drawing/2014/main" id="{1DD4319A-3646-4419-9D68-492CA334794C}"/>
+                  </a:ext>
+                </a:extLst>
+              </p:cNvPr>
+              <p:cNvSpPr txBox="1">
+                <a:spLocks noRot="1" noChangeAspect="1" noMove="1" noResize="1" noEditPoints="1" noAdjustHandles="1" noChangeArrowheads="1" noChangeShapeType="1" noTextEdit="1"/>
+              </p:cNvSpPr>
+              <p:nvPr/>
+            </p:nvSpPr>
+            <p:spPr>
+              <a:xfrm>
+                <a:off x="8100557" y="4412383"/>
+                <a:ext cx="738087" cy="338554"/>
+              </a:xfrm>
+              <a:prstGeom prst="rect">
+                <a:avLst/>
+              </a:prstGeom>
+              <a:blipFill>
+                <a:blip r:embed="rId13"/>
+                <a:stretch>
+                  <a:fillRect/>
+                </a:stretch>
+              </a:blipFill>
+            </p:spPr>
+            <p:txBody>
+              <a:bodyPr/>
+              <a:lstStyle/>
+              <a:p>
+                <a:r>
+                  <a:rPr lang="ko-KR" altLang="en-US">
+                    <a:noFill/>
+                  </a:rPr>
+                  <a:t> </a:t>
+                </a:r>
+              </a:p>
+            </p:txBody>
+          </p:sp>
+        </mc:Fallback>
+      </mc:AlternateContent>
+      <p:cxnSp>
+        <p:nvCxnSpPr>
+          <p:cNvPr id="75" name="직선 화살표 연결선 74">
+            <a:extLst>
+              <a:ext uri="{FF2B5EF4-FFF2-40B4-BE49-F238E27FC236}">
+                <a16:creationId xmlns:a16="http://schemas.microsoft.com/office/drawing/2014/main" id="{50EAB896-0071-47E1-9451-87AE9A4F8BBC}"/>
+              </a:ext>
+            </a:extLst>
+          </p:cNvPr>
+          <p:cNvCxnSpPr>
+            <a:cxnSpLocks/>
+          </p:cNvCxnSpPr>
+          <p:nvPr/>
+        </p:nvCxnSpPr>
+        <p:spPr>
+          <a:xfrm>
+            <a:off x="6748513" y="4560859"/>
+            <a:ext cx="471821" cy="112772"/>
+          </a:xfrm>
+          <a:prstGeom prst="straightConnector1">
+            <a:avLst/>
+          </a:prstGeom>
+          <a:ln>
+            <a:tailEnd type="triangle"/>
+          </a:ln>
+        </p:spPr>
+        <p:style>
+          <a:lnRef idx="1">
+            <a:schemeClr val="accent1"/>
+          </a:lnRef>
+          <a:fillRef idx="0">
+            <a:schemeClr val="accent1"/>
+          </a:fillRef>
+          <a:effectRef idx="0">
+            <a:schemeClr val="accent1"/>
+          </a:effectRef>
+          <a:fontRef idx="minor">
+            <a:schemeClr val="tx1"/>
+          </a:fontRef>
+        </p:style>
+      </p:cxnSp>
+      <p:cxnSp>
+        <p:nvCxnSpPr>
+          <p:cNvPr id="76" name="직선 화살표 연결선 75">
+            <a:extLst>
+              <a:ext uri="{FF2B5EF4-FFF2-40B4-BE49-F238E27FC236}">
+                <a16:creationId xmlns:a16="http://schemas.microsoft.com/office/drawing/2014/main" id="{ECE4A498-C476-46C5-BD67-6F94F21A017D}"/>
+              </a:ext>
+            </a:extLst>
+          </p:cNvPr>
+          <p:cNvCxnSpPr>
+            <a:cxnSpLocks/>
+          </p:cNvCxnSpPr>
+          <p:nvPr/>
+        </p:nvCxnSpPr>
+        <p:spPr>
+          <a:xfrm>
+            <a:off x="7448299" y="4511354"/>
+            <a:ext cx="0" cy="198010"/>
+          </a:xfrm>
+          <a:prstGeom prst="straightConnector1">
+            <a:avLst/>
+          </a:prstGeom>
+          <a:ln>
+            <a:tailEnd type="triangle"/>
+          </a:ln>
+        </p:spPr>
+        <p:style>
+          <a:lnRef idx="1">
+            <a:schemeClr val="accent1"/>
+          </a:lnRef>
+          <a:fillRef idx="0">
+            <a:schemeClr val="accent1"/>
+          </a:fillRef>
+          <a:effectRef idx="0">
+            <a:schemeClr val="accent1"/>
+          </a:effectRef>
+          <a:fontRef idx="minor">
+            <a:schemeClr val="tx1"/>
+          </a:fontRef>
+        </p:style>
+      </p:cxnSp>
+      <p:cxnSp>
+        <p:nvCxnSpPr>
+          <p:cNvPr id="77" name="직선 화살표 연결선 76">
+            <a:extLst>
+              <a:ext uri="{FF2B5EF4-FFF2-40B4-BE49-F238E27FC236}">
+                <a16:creationId xmlns:a16="http://schemas.microsoft.com/office/drawing/2014/main" id="{191CACDE-8937-4968-B714-A18D4112FC4E}"/>
+              </a:ext>
+            </a:extLst>
+          </p:cNvPr>
+          <p:cNvCxnSpPr>
+            <a:cxnSpLocks/>
+          </p:cNvCxnSpPr>
+          <p:nvPr/>
+        </p:nvCxnSpPr>
+        <p:spPr>
+          <a:xfrm flipH="1">
+            <a:off x="7652668" y="4596404"/>
+            <a:ext cx="471821" cy="112772"/>
+          </a:xfrm>
+          <a:prstGeom prst="straightConnector1">
+            <a:avLst/>
+          </a:prstGeom>
+          <a:ln>
+            <a:tailEnd type="triangle"/>
+          </a:ln>
+        </p:spPr>
+        <p:style>
+          <a:lnRef idx="1">
+            <a:schemeClr val="accent1"/>
+          </a:lnRef>
+          <a:fillRef idx="0">
+            <a:schemeClr val="accent1"/>
+          </a:fillRef>
+          <a:effectRef idx="0">
+            <a:schemeClr val="accent1"/>
+          </a:effectRef>
+          <a:fontRef idx="minor">
+            <a:schemeClr val="tx1"/>
+          </a:fontRef>
+        </p:style>
+      </p:cxnSp>
+      <p:pic>
+        <p:nvPicPr>
+          <p:cNvPr id="80" name="그림 79">
+            <a:extLst>
+              <a:ext uri="{FF2B5EF4-FFF2-40B4-BE49-F238E27FC236}">
+                <a16:creationId xmlns:a16="http://schemas.microsoft.com/office/drawing/2014/main" id="{6B94D762-A28E-4216-B654-3B859ECA17AD}"/>
+              </a:ext>
+            </a:extLst>
+          </p:cNvPr>
+          <p:cNvPicPr>
+            <a:picLocks noChangeAspect="1"/>
+          </p:cNvPicPr>
+          <p:nvPr/>
+        </p:nvPicPr>
+        <p:blipFill>
+          <a:blip r:embed="rId14"/>
+          <a:stretch>
+            <a:fillRect/>
+          </a:stretch>
+        </p:blipFill>
+        <p:spPr>
+          <a:xfrm>
+            <a:off x="5160946" y="3936787"/>
+            <a:ext cx="1823477" cy="2698180"/>
+          </a:xfrm>
+          <a:prstGeom prst="rect">
+            <a:avLst/>
+          </a:prstGeom>
+          <a:scene3d>
+            <a:camera prst="isometricBottomDown">
+              <a:rot lat="3740790" lon="19979526" rev="19898351"/>
+            </a:camera>
+            <a:lightRig rig="threePt" dir="t"/>
+          </a:scene3d>
+        </p:spPr>
+      </p:pic>
+      <p:cxnSp>
+        <p:nvCxnSpPr>
+          <p:cNvPr id="83" name="직선 연결선 82">
+            <a:extLst>
+              <a:ext uri="{FF2B5EF4-FFF2-40B4-BE49-F238E27FC236}">
+                <a16:creationId xmlns:a16="http://schemas.microsoft.com/office/drawing/2014/main" id="{722A444A-F2E9-41AB-A3E0-D3642E649473}"/>
+              </a:ext>
+            </a:extLst>
+          </p:cNvPr>
+          <p:cNvCxnSpPr>
+            <a:cxnSpLocks/>
+          </p:cNvCxnSpPr>
+          <p:nvPr/>
+        </p:nvCxnSpPr>
+        <p:spPr>
+          <a:xfrm flipH="1">
+            <a:off x="6984423" y="4754188"/>
+            <a:ext cx="609269" cy="1136072"/>
+          </a:xfrm>
+          <a:prstGeom prst="line">
+            <a:avLst/>
+          </a:prstGeom>
+          <a:ln w="19050">
+            <a:solidFill>
+              <a:srgbClr val="FF0000"/>
+            </a:solidFill>
+            <a:prstDash val="dash"/>
+          </a:ln>
+        </p:spPr>
+        <p:style>
+          <a:lnRef idx="1">
+            <a:schemeClr val="accent1"/>
+          </a:lnRef>
+          <a:fillRef idx="0">
+            <a:schemeClr val="accent1"/>
+          </a:fillRef>
+          <a:effectRef idx="0">
+            <a:schemeClr val="accent1"/>
+          </a:effectRef>
+          <a:fontRef idx="minor">
+            <a:schemeClr val="tx1"/>
+          </a:fontRef>
+        </p:style>
+      </p:cxnSp>
+      <p:cxnSp>
+        <p:nvCxnSpPr>
+          <p:cNvPr id="84" name="직선 연결선 83">
+            <a:extLst>
+              <a:ext uri="{FF2B5EF4-FFF2-40B4-BE49-F238E27FC236}">
+                <a16:creationId xmlns:a16="http://schemas.microsoft.com/office/drawing/2014/main" id="{0F4B36C5-8503-4292-88CE-D057E74EF376}"/>
+              </a:ext>
+            </a:extLst>
+          </p:cNvPr>
+          <p:cNvCxnSpPr>
+            <a:cxnSpLocks/>
+          </p:cNvCxnSpPr>
+          <p:nvPr/>
+        </p:nvCxnSpPr>
+        <p:spPr>
+          <a:xfrm flipH="1">
+            <a:off x="6834383" y="4754188"/>
+            <a:ext cx="609269" cy="1136072"/>
+          </a:xfrm>
+          <a:prstGeom prst="line">
+            <a:avLst/>
+          </a:prstGeom>
+          <a:ln w="19050">
+            <a:solidFill>
+              <a:srgbClr val="FF0000"/>
+            </a:solidFill>
+            <a:prstDash val="dash"/>
+          </a:ln>
+        </p:spPr>
+        <p:style>
+          <a:lnRef idx="1">
+            <a:schemeClr val="accent1"/>
+          </a:lnRef>
+          <a:fillRef idx="0">
+            <a:schemeClr val="accent1"/>
+          </a:fillRef>
+          <a:effectRef idx="0">
+            <a:schemeClr val="accent1"/>
+          </a:effectRef>
+          <a:fontRef idx="minor">
+            <a:schemeClr val="tx1"/>
+          </a:fontRef>
+        </p:style>
+      </p:cxnSp>
+    </p:spTree>
+    <p:extLst>
+      <p:ext uri="{BB962C8B-B14F-4D97-AF65-F5344CB8AC3E}">
+        <p14:creationId xmlns:p14="http://schemas.microsoft.com/office/powerpoint/2010/main" val="2593592920"/>
+      </p:ext>
+    </p:extLst>
+  </p:cSld>
+  <p:clrMapOvr>
+    <a:masterClrMapping/>
+  </p:clrMapOvr>
+</p:sld>
+</file>
+
 <file path=ppt/slides/slide2.xml><?xml version="1.0" encoding="utf-8"?>
 <p:sld xmlns:a="http://schemas.openxmlformats.org/drawingml/2006/main" xmlns:r="http://schemas.openxmlformats.org/officeDocument/2006/relationships" xmlns:p="http://schemas.openxmlformats.org/presentationml/2006/main">
   <p:cSld>
@@ -8467,8 +10134,8 @@
           </a:fontRef>
         </p:style>
       </p:cxnSp>
-      <mc:AlternateContent xmlns:mc="http://schemas.openxmlformats.org/markup-compatibility/2006">
-        <mc:Choice xmlns:a14="http://schemas.microsoft.com/office/drawing/2010/main" Requires="a14">
+      <mc:AlternateContent xmlns:mc="http://schemas.openxmlformats.org/markup-compatibility/2006" xmlns:a14="http://schemas.microsoft.com/office/drawing/2010/main">
+        <mc:Choice Requires="a14">
           <p:sp>
             <p:nvSpPr>
               <p:cNvPr id="7" name="TextBox 6">
@@ -8518,7 +10185,7 @@
             </p:txBody>
           </p:sp>
         </mc:Choice>
-        <mc:Fallback>
+        <mc:Fallback xmlns="">
           <p:sp>
             <p:nvSpPr>
               <p:cNvPr id="7" name="TextBox 6">
@@ -8563,8 +10230,8 @@
           </p:sp>
         </mc:Fallback>
       </mc:AlternateContent>
-      <mc:AlternateContent xmlns:mc="http://schemas.openxmlformats.org/markup-compatibility/2006">
-        <mc:Choice xmlns:a14="http://schemas.microsoft.com/office/drawing/2010/main" Requires="a14">
+      <mc:AlternateContent xmlns:mc="http://schemas.openxmlformats.org/markup-compatibility/2006" xmlns:a14="http://schemas.microsoft.com/office/drawing/2010/main">
+        <mc:Choice Requires="a14">
           <p:sp>
             <p:nvSpPr>
               <p:cNvPr id="8" name="TextBox 7">
@@ -8614,7 +10281,7 @@
             </p:txBody>
           </p:sp>
         </mc:Choice>
-        <mc:Fallback>
+        <mc:Fallback xmlns="">
           <p:sp>
             <p:nvSpPr>
               <p:cNvPr id="8" name="TextBox 7">
@@ -8659,8 +10326,8 @@
           </p:sp>
         </mc:Fallback>
       </mc:AlternateContent>
-      <mc:AlternateContent xmlns:mc="http://schemas.openxmlformats.org/markup-compatibility/2006">
-        <mc:Choice xmlns:a14="http://schemas.microsoft.com/office/drawing/2010/main" Requires="a14">
+      <mc:AlternateContent xmlns:mc="http://schemas.openxmlformats.org/markup-compatibility/2006" xmlns:a14="http://schemas.microsoft.com/office/drawing/2010/main">
+        <mc:Choice Requires="a14">
           <p:sp>
             <p:nvSpPr>
               <p:cNvPr id="70" name="TextBox 69">
@@ -8692,6 +10359,7 @@
               </a:bodyPr>
               <a:lstStyle/>
               <a:p>
+                <a:pPr/>
                 <a14:m>
                   <m:oMathPara xmlns:m="http://schemas.openxmlformats.org/officeDocument/2006/math">
                     <m:oMathParaPr>
@@ -8758,7 +10426,7 @@
             </p:txBody>
           </p:sp>
         </mc:Choice>
-        <mc:Fallback>
+        <mc:Fallback xmlns="">
           <p:sp>
             <p:nvSpPr>
               <p:cNvPr id="70" name="TextBox 69">
@@ -8806,8 +10474,8 @@
           </p:sp>
         </mc:Fallback>
       </mc:AlternateContent>
-      <mc:AlternateContent xmlns:mc="http://schemas.openxmlformats.org/markup-compatibility/2006">
-        <mc:Choice xmlns:a14="http://schemas.microsoft.com/office/drawing/2010/main" Requires="a14">
+      <mc:AlternateContent xmlns:mc="http://schemas.openxmlformats.org/markup-compatibility/2006" xmlns:a14="http://schemas.microsoft.com/office/drawing/2010/main">
+        <mc:Choice Requires="a14">
           <p:sp>
             <p:nvSpPr>
               <p:cNvPr id="71" name="TextBox 70">
@@ -8836,6 +10504,7 @@
               </a:bodyPr>
               <a:lstStyle/>
               <a:p>
+                <a:pPr/>
                 <a14:m>
                   <m:oMathPara xmlns:m="http://schemas.openxmlformats.org/officeDocument/2006/math">
                     <m:oMathParaPr>
@@ -8872,7 +10541,7 @@
             </p:txBody>
           </p:sp>
         </mc:Choice>
-        <mc:Fallback>
+        <mc:Fallback xmlns="">
           <p:sp>
             <p:nvSpPr>
               <p:cNvPr id="71" name="TextBox 70">
@@ -8917,8 +10586,8 @@
           </p:sp>
         </mc:Fallback>
       </mc:AlternateContent>
-      <mc:AlternateContent xmlns:mc="http://schemas.openxmlformats.org/markup-compatibility/2006">
-        <mc:Choice xmlns:a14="http://schemas.microsoft.com/office/drawing/2010/main" Requires="a14">
+      <mc:AlternateContent xmlns:mc="http://schemas.openxmlformats.org/markup-compatibility/2006" xmlns:a14="http://schemas.microsoft.com/office/drawing/2010/main">
+        <mc:Choice Requires="a14">
           <p:sp>
             <p:nvSpPr>
               <p:cNvPr id="72" name="TextBox 71">
@@ -8947,6 +10616,7 @@
               </a:bodyPr>
               <a:lstStyle/>
               <a:p>
+                <a:pPr/>
                 <a14:m>
                   <m:oMathPara xmlns:m="http://schemas.openxmlformats.org/officeDocument/2006/math">
                     <m:oMathParaPr>
@@ -8983,7 +10653,7 @@
             </p:txBody>
           </p:sp>
         </mc:Choice>
-        <mc:Fallback>
+        <mc:Fallback xmlns="">
           <p:sp>
             <p:nvSpPr>
               <p:cNvPr id="72" name="TextBox 71">
@@ -9028,8 +10698,8 @@
           </p:sp>
         </mc:Fallback>
       </mc:AlternateContent>
-      <mc:AlternateContent xmlns:mc="http://schemas.openxmlformats.org/markup-compatibility/2006">
-        <mc:Choice xmlns:a14="http://schemas.microsoft.com/office/drawing/2010/main" Requires="a14">
+      <mc:AlternateContent xmlns:mc="http://schemas.openxmlformats.org/markup-compatibility/2006" xmlns:a14="http://schemas.microsoft.com/office/drawing/2010/main">
+        <mc:Choice Requires="a14">
           <p:sp>
             <p:nvSpPr>
               <p:cNvPr id="73" name="TextBox 72">
@@ -9058,6 +10728,7 @@
               </a:bodyPr>
               <a:lstStyle/>
               <a:p>
+                <a:pPr/>
                 <a14:m>
                   <m:oMathPara xmlns:m="http://schemas.openxmlformats.org/officeDocument/2006/math">
                     <m:oMathParaPr>
@@ -9094,7 +10765,7 @@
             </p:txBody>
           </p:sp>
         </mc:Choice>
-        <mc:Fallback>
+        <mc:Fallback xmlns="">
           <p:sp>
             <p:nvSpPr>
               <p:cNvPr id="73" name="TextBox 72">
@@ -9139,8 +10810,8 @@
           </p:sp>
         </mc:Fallback>
       </mc:AlternateContent>
-      <mc:AlternateContent xmlns:mc="http://schemas.openxmlformats.org/markup-compatibility/2006">
-        <mc:Choice xmlns:a14="http://schemas.microsoft.com/office/drawing/2010/main" Requires="a14">
+      <mc:AlternateContent xmlns:mc="http://schemas.openxmlformats.org/markup-compatibility/2006" xmlns:a14="http://schemas.microsoft.com/office/drawing/2010/main">
+        <mc:Choice Requires="a14">
           <p:sp>
             <p:nvSpPr>
               <p:cNvPr id="74" name="TextBox 73">
@@ -9169,6 +10840,7 @@
               </a:bodyPr>
               <a:lstStyle/>
               <a:p>
+                <a:pPr/>
                 <a14:m>
                   <m:oMathPara xmlns:m="http://schemas.openxmlformats.org/officeDocument/2006/math">
                     <m:oMathParaPr>
@@ -9205,7 +10877,7 @@
             </p:txBody>
           </p:sp>
         </mc:Choice>
-        <mc:Fallback>
+        <mc:Fallback xmlns="">
           <p:sp>
             <p:nvSpPr>
               <p:cNvPr id="74" name="TextBox 73">
@@ -9250,8 +10922,8 @@
           </p:sp>
         </mc:Fallback>
       </mc:AlternateContent>
-      <mc:AlternateContent xmlns:mc="http://schemas.openxmlformats.org/markup-compatibility/2006">
-        <mc:Choice xmlns:a14="http://schemas.microsoft.com/office/drawing/2010/main" Requires="a14">
+      <mc:AlternateContent xmlns:mc="http://schemas.openxmlformats.org/markup-compatibility/2006" xmlns:a14="http://schemas.microsoft.com/office/drawing/2010/main">
+        <mc:Choice Requires="a14">
           <p:sp>
             <p:nvSpPr>
               <p:cNvPr id="75" name="TextBox 74">
@@ -9280,6 +10952,7 @@
               </a:bodyPr>
               <a:lstStyle/>
               <a:p>
+                <a:pPr/>
                 <a14:m>
                   <m:oMathPara xmlns:m="http://schemas.openxmlformats.org/officeDocument/2006/math">
                     <m:oMathParaPr>
@@ -9325,7 +10998,7 @@
             </p:txBody>
           </p:sp>
         </mc:Choice>
-        <mc:Fallback>
+        <mc:Fallback xmlns="">
           <p:sp>
             <p:nvSpPr>
               <p:cNvPr id="75" name="TextBox 74">
@@ -9370,8 +11043,8 @@
           </p:sp>
         </mc:Fallback>
       </mc:AlternateContent>
-      <mc:AlternateContent xmlns:mc="http://schemas.openxmlformats.org/markup-compatibility/2006">
-        <mc:Choice xmlns:a14="http://schemas.microsoft.com/office/drawing/2010/main" Requires="a14">
+      <mc:AlternateContent xmlns:mc="http://schemas.openxmlformats.org/markup-compatibility/2006" xmlns:a14="http://schemas.microsoft.com/office/drawing/2010/main">
+        <mc:Choice Requires="a14">
           <p:sp>
             <p:nvSpPr>
               <p:cNvPr id="76" name="TextBox 75">
@@ -9400,6 +11073,7 @@
               </a:bodyPr>
               <a:lstStyle/>
               <a:p>
+                <a:pPr/>
                 <a14:m>
                   <m:oMathPara xmlns:m="http://schemas.openxmlformats.org/officeDocument/2006/math">
                     <m:oMathParaPr>
@@ -9445,7 +11119,7 @@
             </p:txBody>
           </p:sp>
         </mc:Choice>
-        <mc:Fallback>
+        <mc:Fallback xmlns="">
           <p:sp>
             <p:nvSpPr>
               <p:cNvPr id="76" name="TextBox 75">
@@ -13430,8 +15104,8 @@
           </a:fontRef>
         </p:style>
       </p:cxnSp>
-      <mc:AlternateContent xmlns:mc="http://schemas.openxmlformats.org/markup-compatibility/2006">
-        <mc:Choice xmlns:a14="http://schemas.microsoft.com/office/drawing/2010/main" Requires="a14">
+      <mc:AlternateContent xmlns:mc="http://schemas.openxmlformats.org/markup-compatibility/2006" xmlns:a14="http://schemas.microsoft.com/office/drawing/2010/main">
+        <mc:Choice Requires="a14">
           <p:sp>
             <p:nvSpPr>
               <p:cNvPr id="174" name="TextBox 173">
@@ -13460,6 +15134,7 @@
               </a:bodyPr>
               <a:lstStyle/>
               <a:p>
+                <a:pPr/>
                 <a14:m>
                   <m:oMathPara xmlns:m="http://schemas.openxmlformats.org/officeDocument/2006/math">
                     <m:oMathParaPr>
@@ -13487,7 +15162,7 @@
             </p:txBody>
           </p:sp>
         </mc:Choice>
-        <mc:Fallback>
+        <mc:Fallback xmlns="">
           <p:sp>
             <p:nvSpPr>
               <p:cNvPr id="174" name="TextBox 173">
@@ -13532,8 +15207,8 @@
           </p:sp>
         </mc:Fallback>
       </mc:AlternateContent>
-      <mc:AlternateContent xmlns:mc="http://schemas.openxmlformats.org/markup-compatibility/2006">
-        <mc:Choice xmlns:a14="http://schemas.microsoft.com/office/drawing/2010/main" Requires="a14">
+      <mc:AlternateContent xmlns:mc="http://schemas.openxmlformats.org/markup-compatibility/2006" xmlns:a14="http://schemas.microsoft.com/office/drawing/2010/main">
+        <mc:Choice Requires="a14">
           <p:sp>
             <p:nvSpPr>
               <p:cNvPr id="175" name="TextBox 174">
@@ -13562,6 +15237,7 @@
               </a:bodyPr>
               <a:lstStyle/>
               <a:p>
+                <a:pPr/>
                 <a14:m>
                   <m:oMathPara xmlns:m="http://schemas.openxmlformats.org/officeDocument/2006/math">
                     <m:oMathParaPr>
@@ -13589,7 +15265,7 @@
             </p:txBody>
           </p:sp>
         </mc:Choice>
-        <mc:Fallback>
+        <mc:Fallback xmlns="">
           <p:sp>
             <p:nvSpPr>
               <p:cNvPr id="175" name="TextBox 174">
@@ -13634,8 +15310,8 @@
           </p:sp>
         </mc:Fallback>
       </mc:AlternateContent>
-      <mc:AlternateContent xmlns:mc="http://schemas.openxmlformats.org/markup-compatibility/2006">
-        <mc:Choice xmlns:a14="http://schemas.microsoft.com/office/drawing/2010/main" Requires="a14">
+      <mc:AlternateContent xmlns:mc="http://schemas.openxmlformats.org/markup-compatibility/2006" xmlns:a14="http://schemas.microsoft.com/office/drawing/2010/main">
+        <mc:Choice Requires="a14">
           <p:sp>
             <p:nvSpPr>
               <p:cNvPr id="176" name="TextBox 175">
@@ -13664,6 +15340,7 @@
               </a:bodyPr>
               <a:lstStyle/>
               <a:p>
+                <a:pPr/>
                 <a14:m>
                   <m:oMathPara xmlns:m="http://schemas.openxmlformats.org/officeDocument/2006/math">
                     <m:oMathParaPr>
@@ -13691,7 +15368,7 @@
             </p:txBody>
           </p:sp>
         </mc:Choice>
-        <mc:Fallback>
+        <mc:Fallback xmlns="">
           <p:sp>
             <p:nvSpPr>
               <p:cNvPr id="176" name="TextBox 175">
@@ -13736,8 +15413,8 @@
           </p:sp>
         </mc:Fallback>
       </mc:AlternateContent>
-      <mc:AlternateContent xmlns:mc="http://schemas.openxmlformats.org/markup-compatibility/2006">
-        <mc:Choice xmlns:a14="http://schemas.microsoft.com/office/drawing/2010/main" Requires="a14">
+      <mc:AlternateContent xmlns:mc="http://schemas.openxmlformats.org/markup-compatibility/2006" xmlns:a14="http://schemas.microsoft.com/office/drawing/2010/main">
+        <mc:Choice Requires="a14">
           <p:sp>
             <p:nvSpPr>
               <p:cNvPr id="177" name="TextBox 176">
@@ -13766,6 +15443,7 @@
               </a:bodyPr>
               <a:lstStyle/>
               <a:p>
+                <a:pPr/>
                 <a14:m>
                   <m:oMathPara xmlns:m="http://schemas.openxmlformats.org/officeDocument/2006/math">
                     <m:oMathParaPr>
@@ -13793,7 +15471,7 @@
             </p:txBody>
           </p:sp>
         </mc:Choice>
-        <mc:Fallback>
+        <mc:Fallback xmlns="">
           <p:sp>
             <p:nvSpPr>
               <p:cNvPr id="177" name="TextBox 176">
@@ -13838,8 +15516,8 @@
           </p:sp>
         </mc:Fallback>
       </mc:AlternateContent>
-      <mc:AlternateContent xmlns:mc="http://schemas.openxmlformats.org/markup-compatibility/2006">
-        <mc:Choice xmlns:a14="http://schemas.microsoft.com/office/drawing/2010/main" Requires="a14">
+      <mc:AlternateContent xmlns:mc="http://schemas.openxmlformats.org/markup-compatibility/2006" xmlns:a14="http://schemas.microsoft.com/office/drawing/2010/main">
+        <mc:Choice Requires="a14">
           <p:sp>
             <p:nvSpPr>
               <p:cNvPr id="178" name="TextBox 177">
@@ -13868,6 +15546,7 @@
               </a:bodyPr>
               <a:lstStyle/>
               <a:p>
+                <a:pPr/>
                 <a14:m>
                   <m:oMathPara xmlns:m="http://schemas.openxmlformats.org/officeDocument/2006/math">
                     <m:oMathParaPr>
@@ -13895,7 +15574,7 @@
             </p:txBody>
           </p:sp>
         </mc:Choice>
-        <mc:Fallback>
+        <mc:Fallback xmlns="">
           <p:sp>
             <p:nvSpPr>
               <p:cNvPr id="178" name="TextBox 177">
@@ -13940,8 +15619,8 @@
           </p:sp>
         </mc:Fallback>
       </mc:AlternateContent>
-      <mc:AlternateContent xmlns:mc="http://schemas.openxmlformats.org/markup-compatibility/2006">
-        <mc:Choice xmlns:a14="http://schemas.microsoft.com/office/drawing/2010/main" Requires="a14">
+      <mc:AlternateContent xmlns:mc="http://schemas.openxmlformats.org/markup-compatibility/2006" xmlns:a14="http://schemas.microsoft.com/office/drawing/2010/main">
+        <mc:Choice Requires="a14">
           <p:sp>
             <p:nvSpPr>
               <p:cNvPr id="181" name="TextBox 180">
@@ -13970,6 +15649,7 @@
               </a:bodyPr>
               <a:lstStyle/>
               <a:p>
+                <a:pPr/>
                 <a14:m>
                   <m:oMathPara xmlns:m="http://schemas.openxmlformats.org/officeDocument/2006/math">
                     <m:oMathParaPr>
@@ -13997,7 +15677,7 @@
             </p:txBody>
           </p:sp>
         </mc:Choice>
-        <mc:Fallback>
+        <mc:Fallback xmlns="">
           <p:sp>
             <p:nvSpPr>
               <p:cNvPr id="181" name="TextBox 180">
@@ -14042,8 +15722,8 @@
           </p:sp>
         </mc:Fallback>
       </mc:AlternateContent>
-      <mc:AlternateContent xmlns:mc="http://schemas.openxmlformats.org/markup-compatibility/2006">
-        <mc:Choice xmlns:a14="http://schemas.microsoft.com/office/drawing/2010/main" Requires="a14">
+      <mc:AlternateContent xmlns:mc="http://schemas.openxmlformats.org/markup-compatibility/2006" xmlns:a14="http://schemas.microsoft.com/office/drawing/2010/main">
+        <mc:Choice Requires="a14">
           <p:sp>
             <p:nvSpPr>
               <p:cNvPr id="182" name="TextBox 181">
@@ -14072,6 +15752,7 @@
               </a:bodyPr>
               <a:lstStyle/>
               <a:p>
+                <a:pPr/>
                 <a14:m>
                   <m:oMathPara xmlns:m="http://schemas.openxmlformats.org/officeDocument/2006/math">
                     <m:oMathParaPr>
@@ -14099,7 +15780,7 @@
             </p:txBody>
           </p:sp>
         </mc:Choice>
-        <mc:Fallback>
+        <mc:Fallback xmlns="">
           <p:sp>
             <p:nvSpPr>
               <p:cNvPr id="182" name="TextBox 181">
@@ -14144,8 +15825,8 @@
           </p:sp>
         </mc:Fallback>
       </mc:AlternateContent>
-      <mc:AlternateContent xmlns:mc="http://schemas.openxmlformats.org/markup-compatibility/2006">
-        <mc:Choice xmlns:a14="http://schemas.microsoft.com/office/drawing/2010/main" Requires="a14">
+      <mc:AlternateContent xmlns:mc="http://schemas.openxmlformats.org/markup-compatibility/2006" xmlns:a14="http://schemas.microsoft.com/office/drawing/2010/main">
+        <mc:Choice Requires="a14">
           <p:sp>
             <p:nvSpPr>
               <p:cNvPr id="183" name="TextBox 182">
@@ -14174,6 +15855,7 @@
               </a:bodyPr>
               <a:lstStyle/>
               <a:p>
+                <a:pPr/>
                 <a14:m>
                   <m:oMathPara xmlns:m="http://schemas.openxmlformats.org/officeDocument/2006/math">
                     <m:oMathParaPr>
@@ -14201,7 +15883,7 @@
             </p:txBody>
           </p:sp>
         </mc:Choice>
-        <mc:Fallback>
+        <mc:Fallback xmlns="">
           <p:sp>
             <p:nvSpPr>
               <p:cNvPr id="183" name="TextBox 182">
@@ -14246,8 +15928,8 @@
           </p:sp>
         </mc:Fallback>
       </mc:AlternateContent>
-      <mc:AlternateContent xmlns:mc="http://schemas.openxmlformats.org/markup-compatibility/2006">
-        <mc:Choice xmlns:a14="http://schemas.microsoft.com/office/drawing/2010/main" Requires="a14">
+      <mc:AlternateContent xmlns:mc="http://schemas.openxmlformats.org/markup-compatibility/2006" xmlns:a14="http://schemas.microsoft.com/office/drawing/2010/main">
+        <mc:Choice Requires="a14">
           <p:sp>
             <p:nvSpPr>
               <p:cNvPr id="184" name="TextBox 183">
@@ -14276,6 +15958,7 @@
               </a:bodyPr>
               <a:lstStyle/>
               <a:p>
+                <a:pPr/>
                 <a14:m>
                   <m:oMathPara xmlns:m="http://schemas.openxmlformats.org/officeDocument/2006/math">
                     <m:oMathParaPr>
@@ -14303,7 +15986,7 @@
             </p:txBody>
           </p:sp>
         </mc:Choice>
-        <mc:Fallback>
+        <mc:Fallback xmlns="">
           <p:sp>
             <p:nvSpPr>
               <p:cNvPr id="184" name="TextBox 183">
@@ -14348,8 +16031,8 @@
           </p:sp>
         </mc:Fallback>
       </mc:AlternateContent>
-      <mc:AlternateContent xmlns:mc="http://schemas.openxmlformats.org/markup-compatibility/2006">
-        <mc:Choice xmlns:a14="http://schemas.microsoft.com/office/drawing/2010/main" Requires="a14">
+      <mc:AlternateContent xmlns:mc="http://schemas.openxmlformats.org/markup-compatibility/2006" xmlns:a14="http://schemas.microsoft.com/office/drawing/2010/main">
+        <mc:Choice Requires="a14">
           <p:sp>
             <p:nvSpPr>
               <p:cNvPr id="188" name="TextBox 187">
@@ -14378,6 +16061,7 @@
               </a:bodyPr>
               <a:lstStyle/>
               <a:p>
+                <a:pPr/>
                 <a14:m>
                   <m:oMathPara xmlns:m="http://schemas.openxmlformats.org/officeDocument/2006/math">
                     <m:oMathParaPr>
@@ -14405,7 +16089,7 @@
             </p:txBody>
           </p:sp>
         </mc:Choice>
-        <mc:Fallback>
+        <mc:Fallback xmlns="">
           <p:sp>
             <p:nvSpPr>
               <p:cNvPr id="188" name="TextBox 187">
@@ -14450,8 +16134,8 @@
           </p:sp>
         </mc:Fallback>
       </mc:AlternateContent>
-      <mc:AlternateContent xmlns:mc="http://schemas.openxmlformats.org/markup-compatibility/2006">
-        <mc:Choice xmlns:a14="http://schemas.microsoft.com/office/drawing/2010/main" Requires="a14">
+      <mc:AlternateContent xmlns:mc="http://schemas.openxmlformats.org/markup-compatibility/2006" xmlns:a14="http://schemas.microsoft.com/office/drawing/2010/main">
+        <mc:Choice Requires="a14">
           <p:sp>
             <p:nvSpPr>
               <p:cNvPr id="194" name="TextBox 193">
@@ -14480,6 +16164,7 @@
               </a:bodyPr>
               <a:lstStyle/>
               <a:p>
+                <a:pPr/>
                 <a14:m>
                   <m:oMathPara xmlns:m="http://schemas.openxmlformats.org/officeDocument/2006/math">
                     <m:oMathParaPr>
@@ -14507,7 +16192,7 @@
             </p:txBody>
           </p:sp>
         </mc:Choice>
-        <mc:Fallback>
+        <mc:Fallback xmlns="">
           <p:sp>
             <p:nvSpPr>
               <p:cNvPr id="194" name="TextBox 193">
@@ -14552,8 +16237,8 @@
           </p:sp>
         </mc:Fallback>
       </mc:AlternateContent>
-      <mc:AlternateContent xmlns:mc="http://schemas.openxmlformats.org/markup-compatibility/2006">
-        <mc:Choice xmlns:a14="http://schemas.microsoft.com/office/drawing/2010/main" Requires="a14">
+      <mc:AlternateContent xmlns:mc="http://schemas.openxmlformats.org/markup-compatibility/2006" xmlns:a14="http://schemas.microsoft.com/office/drawing/2010/main">
+        <mc:Choice Requires="a14">
           <p:sp>
             <p:nvSpPr>
               <p:cNvPr id="195" name="TextBox 194">
@@ -14582,6 +16267,7 @@
               </a:bodyPr>
               <a:lstStyle/>
               <a:p>
+                <a:pPr/>
                 <a14:m>
                   <m:oMathPara xmlns:m="http://schemas.openxmlformats.org/officeDocument/2006/math">
                     <m:oMathParaPr>
@@ -14609,7 +16295,7 @@
             </p:txBody>
           </p:sp>
         </mc:Choice>
-        <mc:Fallback>
+        <mc:Fallback xmlns="">
           <p:sp>
             <p:nvSpPr>
               <p:cNvPr id="195" name="TextBox 194">
@@ -14654,8 +16340,8 @@
           </p:sp>
         </mc:Fallback>
       </mc:AlternateContent>
-      <mc:AlternateContent xmlns:mc="http://schemas.openxmlformats.org/markup-compatibility/2006">
-        <mc:Choice xmlns:a14="http://schemas.microsoft.com/office/drawing/2010/main" Requires="a14">
+      <mc:AlternateContent xmlns:mc="http://schemas.openxmlformats.org/markup-compatibility/2006" xmlns:a14="http://schemas.microsoft.com/office/drawing/2010/main">
+        <mc:Choice Requires="a14">
           <p:sp>
             <p:nvSpPr>
               <p:cNvPr id="196" name="TextBox 195">
@@ -14684,6 +16370,7 @@
               </a:bodyPr>
               <a:lstStyle/>
               <a:p>
+                <a:pPr/>
                 <a14:m>
                   <m:oMathPara xmlns:m="http://schemas.openxmlformats.org/officeDocument/2006/math">
                     <m:oMathParaPr>
@@ -14711,7 +16398,7 @@
             </p:txBody>
           </p:sp>
         </mc:Choice>
-        <mc:Fallback>
+        <mc:Fallback xmlns="">
           <p:sp>
             <p:nvSpPr>
               <p:cNvPr id="196" name="TextBox 195">
@@ -14756,8 +16443,8 @@
           </p:sp>
         </mc:Fallback>
       </mc:AlternateContent>
-      <mc:AlternateContent xmlns:mc="http://schemas.openxmlformats.org/markup-compatibility/2006">
-        <mc:Choice xmlns:a14="http://schemas.microsoft.com/office/drawing/2010/main" Requires="a14">
+      <mc:AlternateContent xmlns:mc="http://schemas.openxmlformats.org/markup-compatibility/2006" xmlns:a14="http://schemas.microsoft.com/office/drawing/2010/main">
+        <mc:Choice Requires="a14">
           <p:sp>
             <p:nvSpPr>
               <p:cNvPr id="197" name="TextBox 196">
@@ -14786,6 +16473,7 @@
               </a:bodyPr>
               <a:lstStyle/>
               <a:p>
+                <a:pPr/>
                 <a14:m>
                   <m:oMathPara xmlns:m="http://schemas.openxmlformats.org/officeDocument/2006/math">
                     <m:oMathParaPr>
@@ -14813,7 +16501,7 @@
             </p:txBody>
           </p:sp>
         </mc:Choice>
-        <mc:Fallback>
+        <mc:Fallback xmlns="">
           <p:sp>
             <p:nvSpPr>
               <p:cNvPr id="197" name="TextBox 196">
@@ -14858,8 +16546,8 @@
           </p:sp>
         </mc:Fallback>
       </mc:AlternateContent>
-      <mc:AlternateContent xmlns:mc="http://schemas.openxmlformats.org/markup-compatibility/2006">
-        <mc:Choice xmlns:a14="http://schemas.microsoft.com/office/drawing/2010/main" Requires="a14">
+      <mc:AlternateContent xmlns:mc="http://schemas.openxmlformats.org/markup-compatibility/2006" xmlns:a14="http://schemas.microsoft.com/office/drawing/2010/main">
+        <mc:Choice Requires="a14">
           <p:sp>
             <p:nvSpPr>
               <p:cNvPr id="190" name="TextBox 189">
@@ -14888,6 +16576,7 @@
               </a:bodyPr>
               <a:lstStyle/>
               <a:p>
+                <a:pPr/>
                 <a14:m>
                   <m:oMathPara xmlns:m="http://schemas.openxmlformats.org/officeDocument/2006/math">
                     <m:oMathParaPr>
@@ -14915,7 +16604,7 @@
             </p:txBody>
           </p:sp>
         </mc:Choice>
-        <mc:Fallback>
+        <mc:Fallback xmlns="">
           <p:sp>
             <p:nvSpPr>
               <p:cNvPr id="190" name="TextBox 189">
@@ -14960,8 +16649,8 @@
           </p:sp>
         </mc:Fallback>
       </mc:AlternateContent>
-      <mc:AlternateContent xmlns:mc="http://schemas.openxmlformats.org/markup-compatibility/2006">
-        <mc:Choice xmlns:a14="http://schemas.microsoft.com/office/drawing/2010/main" Requires="a14">
+      <mc:AlternateContent xmlns:mc="http://schemas.openxmlformats.org/markup-compatibility/2006" xmlns:a14="http://schemas.microsoft.com/office/drawing/2010/main">
+        <mc:Choice Requires="a14">
           <p:sp>
             <p:nvSpPr>
               <p:cNvPr id="191" name="TextBox 190">
@@ -14990,6 +16679,7 @@
               </a:bodyPr>
               <a:lstStyle/>
               <a:p>
+                <a:pPr/>
                 <a14:m>
                   <m:oMathPara xmlns:m="http://schemas.openxmlformats.org/officeDocument/2006/math">
                     <m:oMathParaPr>
@@ -15017,7 +16707,7 @@
             </p:txBody>
           </p:sp>
         </mc:Choice>
-        <mc:Fallback>
+        <mc:Fallback xmlns="">
           <p:sp>
             <p:nvSpPr>
               <p:cNvPr id="191" name="TextBox 190">
@@ -15062,8 +16752,8 @@
           </p:sp>
         </mc:Fallback>
       </mc:AlternateContent>
-      <mc:AlternateContent xmlns:mc="http://schemas.openxmlformats.org/markup-compatibility/2006">
-        <mc:Choice xmlns:a14="http://schemas.microsoft.com/office/drawing/2010/main" Requires="a14">
+      <mc:AlternateContent xmlns:mc="http://schemas.openxmlformats.org/markup-compatibility/2006" xmlns:a14="http://schemas.microsoft.com/office/drawing/2010/main">
+        <mc:Choice Requires="a14">
           <p:sp>
             <p:nvSpPr>
               <p:cNvPr id="192" name="TextBox 191">
@@ -15092,6 +16782,7 @@
               </a:bodyPr>
               <a:lstStyle/>
               <a:p>
+                <a:pPr/>
                 <a14:m>
                   <m:oMathPara xmlns:m="http://schemas.openxmlformats.org/officeDocument/2006/math">
                     <m:oMathParaPr>
@@ -15119,7 +16810,7 @@
             </p:txBody>
           </p:sp>
         </mc:Choice>
-        <mc:Fallback>
+        <mc:Fallback xmlns="">
           <p:sp>
             <p:nvSpPr>
               <p:cNvPr id="192" name="TextBox 191">
@@ -15164,8 +16855,8 @@
           </p:sp>
         </mc:Fallback>
       </mc:AlternateContent>
-      <mc:AlternateContent xmlns:mc="http://schemas.openxmlformats.org/markup-compatibility/2006">
-        <mc:Choice xmlns:a14="http://schemas.microsoft.com/office/drawing/2010/main" Requires="a14">
+      <mc:AlternateContent xmlns:mc="http://schemas.openxmlformats.org/markup-compatibility/2006" xmlns:a14="http://schemas.microsoft.com/office/drawing/2010/main">
+        <mc:Choice Requires="a14">
           <p:sp>
             <p:nvSpPr>
               <p:cNvPr id="193" name="TextBox 192">
@@ -15194,6 +16885,7 @@
               </a:bodyPr>
               <a:lstStyle/>
               <a:p>
+                <a:pPr/>
                 <a14:m>
                   <m:oMathPara xmlns:m="http://schemas.openxmlformats.org/officeDocument/2006/math">
                     <m:oMathParaPr>
@@ -15221,7 +16913,7 @@
             </p:txBody>
           </p:sp>
         </mc:Choice>
-        <mc:Fallback>
+        <mc:Fallback xmlns="">
           <p:sp>
             <p:nvSpPr>
               <p:cNvPr id="193" name="TextBox 192">
@@ -15454,8 +17146,8 @@
           </a:p>
         </p:txBody>
       </p:sp>
-      <mc:AlternateContent xmlns:mc="http://schemas.openxmlformats.org/markup-compatibility/2006">
-        <mc:Choice xmlns:a14="http://schemas.microsoft.com/office/drawing/2010/main" Requires="a14">
+      <mc:AlternateContent xmlns:mc="http://schemas.openxmlformats.org/markup-compatibility/2006" xmlns:a14="http://schemas.microsoft.com/office/drawing/2010/main">
+        <mc:Choice Requires="a14">
           <p:sp>
             <p:nvSpPr>
               <p:cNvPr id="204" name="TextBox 203">
@@ -15514,7 +17206,7 @@
             </p:txBody>
           </p:sp>
         </mc:Choice>
-        <mc:Fallback>
+        <mc:Fallback xmlns="">
           <p:sp>
             <p:nvSpPr>
               <p:cNvPr id="204" name="TextBox 203">
@@ -15559,8 +17251,8 @@
           </p:sp>
         </mc:Fallback>
       </mc:AlternateContent>
-      <mc:AlternateContent xmlns:mc="http://schemas.openxmlformats.org/markup-compatibility/2006">
-        <mc:Choice xmlns:a14="http://schemas.microsoft.com/office/drawing/2010/main" Requires="a14">
+      <mc:AlternateContent xmlns:mc="http://schemas.openxmlformats.org/markup-compatibility/2006" xmlns:a14="http://schemas.microsoft.com/office/drawing/2010/main">
+        <mc:Choice Requires="a14">
           <p:sp>
             <p:nvSpPr>
               <p:cNvPr id="216" name="TextBox 215">
@@ -15613,7 +17305,7 @@
             </p:txBody>
           </p:sp>
         </mc:Choice>
-        <mc:Fallback>
+        <mc:Fallback xmlns="">
           <p:sp>
             <p:nvSpPr>
               <p:cNvPr id="216" name="TextBox 215">
@@ -16488,8 +18180,8 @@
           </a:fontRef>
         </p:style>
       </p:cxnSp>
-      <mc:AlternateContent xmlns:mc="http://schemas.openxmlformats.org/markup-compatibility/2006">
-        <mc:Choice xmlns:a14="http://schemas.microsoft.com/office/drawing/2010/main" Requires="a14">
+      <mc:AlternateContent xmlns:mc="http://schemas.openxmlformats.org/markup-compatibility/2006" xmlns:a14="http://schemas.microsoft.com/office/drawing/2010/main">
+        <mc:Choice Requires="a14">
           <p:sp>
             <p:nvSpPr>
               <p:cNvPr id="255" name="TextBox 254">
@@ -16564,7 +18256,7 @@
             </p:txBody>
           </p:sp>
         </mc:Choice>
-        <mc:Fallback>
+        <mc:Fallback xmlns="">
           <p:sp>
             <p:nvSpPr>
               <p:cNvPr id="255" name="TextBox 254">
@@ -16614,8 +18306,8 @@
           </p:sp>
         </mc:Fallback>
       </mc:AlternateContent>
-      <mc:AlternateContent xmlns:mc="http://schemas.openxmlformats.org/markup-compatibility/2006">
-        <mc:Choice xmlns:a14="http://schemas.microsoft.com/office/drawing/2010/main" Requires="a14">
+      <mc:AlternateContent xmlns:mc="http://schemas.openxmlformats.org/markup-compatibility/2006" xmlns:a14="http://schemas.microsoft.com/office/drawing/2010/main">
+        <mc:Choice Requires="a14">
           <p:sp>
             <p:nvSpPr>
               <p:cNvPr id="256" name="TextBox 255">
@@ -16690,7 +18382,7 @@
             </p:txBody>
           </p:sp>
         </mc:Choice>
-        <mc:Fallback>
+        <mc:Fallback xmlns="">
           <p:sp>
             <p:nvSpPr>
               <p:cNvPr id="256" name="TextBox 255">
@@ -16740,8 +18432,8 @@
           </p:sp>
         </mc:Fallback>
       </mc:AlternateContent>
-      <mc:AlternateContent xmlns:mc="http://schemas.openxmlformats.org/markup-compatibility/2006">
-        <mc:Choice xmlns:a14="http://schemas.microsoft.com/office/drawing/2010/main" Requires="a14">
+      <mc:AlternateContent xmlns:mc="http://schemas.openxmlformats.org/markup-compatibility/2006" xmlns:a14="http://schemas.microsoft.com/office/drawing/2010/main">
+        <mc:Choice Requires="a14">
           <p:sp>
             <p:nvSpPr>
               <p:cNvPr id="260" name="TextBox 259">
@@ -16809,7 +18501,7 @@
             </p:txBody>
           </p:sp>
         </mc:Choice>
-        <mc:Fallback>
+        <mc:Fallback xmlns="">
           <p:sp>
             <p:nvSpPr>
               <p:cNvPr id="260" name="TextBox 259">

--- a/pics/2019-08-12_Laplace_Transform/pics.pptx
+++ b/pics/2019-08-12_Laplace_Transform/pics.pptx
@@ -16,6 +16,7 @@
     <p:sldId id="261" r:id="rId10"/>
     <p:sldId id="262" r:id="rId11"/>
     <p:sldId id="266" r:id="rId12"/>
+    <p:sldId id="267" r:id="rId13"/>
   </p:sldIdLst>
   <p:sldSz cx="9144000" cy="6858000" type="screen4x3"/>
   <p:notesSz cx="6858000" cy="9144000"/>
@@ -253,7 +254,7 @@
           <a:p>
             <a:fld id="{BFC48532-E652-433E-A703-484C3AEDFF2A}" type="datetimeFigureOut">
               <a:rPr lang="ko-KR" altLang="en-US" smtClean="0"/>
-              <a:t>2022-01-25</a:t>
+              <a:t>2022-01-26</a:t>
             </a:fld>
             <a:endParaRPr lang="ko-KR" altLang="en-US"/>
           </a:p>
@@ -423,7 +424,7 @@
           <a:p>
             <a:fld id="{BFC48532-E652-433E-A703-484C3AEDFF2A}" type="datetimeFigureOut">
               <a:rPr lang="ko-KR" altLang="en-US" smtClean="0"/>
-              <a:t>2022-01-25</a:t>
+              <a:t>2022-01-26</a:t>
             </a:fld>
             <a:endParaRPr lang="ko-KR" altLang="en-US"/>
           </a:p>
@@ -603,7 +604,7 @@
           <a:p>
             <a:fld id="{BFC48532-E652-433E-A703-484C3AEDFF2A}" type="datetimeFigureOut">
               <a:rPr lang="ko-KR" altLang="en-US" smtClean="0"/>
-              <a:t>2022-01-25</a:t>
+              <a:t>2022-01-26</a:t>
             </a:fld>
             <a:endParaRPr lang="ko-KR" altLang="en-US"/>
           </a:p>
@@ -773,7 +774,7 @@
           <a:p>
             <a:fld id="{BFC48532-E652-433E-A703-484C3AEDFF2A}" type="datetimeFigureOut">
               <a:rPr lang="ko-KR" altLang="en-US" smtClean="0"/>
-              <a:t>2022-01-25</a:t>
+              <a:t>2022-01-26</a:t>
             </a:fld>
             <a:endParaRPr lang="ko-KR" altLang="en-US"/>
           </a:p>
@@ -1017,7 +1018,7 @@
           <a:p>
             <a:fld id="{BFC48532-E652-433E-A703-484C3AEDFF2A}" type="datetimeFigureOut">
               <a:rPr lang="ko-KR" altLang="en-US" smtClean="0"/>
-              <a:t>2022-01-25</a:t>
+              <a:t>2022-01-26</a:t>
             </a:fld>
             <a:endParaRPr lang="ko-KR" altLang="en-US"/>
           </a:p>
@@ -1249,7 +1250,7 @@
           <a:p>
             <a:fld id="{BFC48532-E652-433E-A703-484C3AEDFF2A}" type="datetimeFigureOut">
               <a:rPr lang="ko-KR" altLang="en-US" smtClean="0"/>
-              <a:t>2022-01-25</a:t>
+              <a:t>2022-01-26</a:t>
             </a:fld>
             <a:endParaRPr lang="ko-KR" altLang="en-US"/>
           </a:p>
@@ -1616,7 +1617,7 @@
           <a:p>
             <a:fld id="{BFC48532-E652-433E-A703-484C3AEDFF2A}" type="datetimeFigureOut">
               <a:rPr lang="ko-KR" altLang="en-US" smtClean="0"/>
-              <a:t>2022-01-25</a:t>
+              <a:t>2022-01-26</a:t>
             </a:fld>
             <a:endParaRPr lang="ko-KR" altLang="en-US"/>
           </a:p>
@@ -1734,7 +1735,7 @@
           <a:p>
             <a:fld id="{BFC48532-E652-433E-A703-484C3AEDFF2A}" type="datetimeFigureOut">
               <a:rPr lang="ko-KR" altLang="en-US" smtClean="0"/>
-              <a:t>2022-01-25</a:t>
+              <a:t>2022-01-26</a:t>
             </a:fld>
             <a:endParaRPr lang="ko-KR" altLang="en-US"/>
           </a:p>
@@ -1829,7 +1830,7 @@
           <a:p>
             <a:fld id="{BFC48532-E652-433E-A703-484C3AEDFF2A}" type="datetimeFigureOut">
               <a:rPr lang="ko-KR" altLang="en-US" smtClean="0"/>
-              <a:t>2022-01-25</a:t>
+              <a:t>2022-01-26</a:t>
             </a:fld>
             <a:endParaRPr lang="ko-KR" altLang="en-US"/>
           </a:p>
@@ -2106,7 +2107,7 @@
           <a:p>
             <a:fld id="{BFC48532-E652-433E-A703-484C3AEDFF2A}" type="datetimeFigureOut">
               <a:rPr lang="ko-KR" altLang="en-US" smtClean="0"/>
-              <a:t>2022-01-25</a:t>
+              <a:t>2022-01-26</a:t>
             </a:fld>
             <a:endParaRPr lang="ko-KR" altLang="en-US"/>
           </a:p>
@@ -2363,7 +2364,7 @@
           <a:p>
             <a:fld id="{BFC48532-E652-433E-A703-484C3AEDFF2A}" type="datetimeFigureOut">
               <a:rPr lang="ko-KR" altLang="en-US" smtClean="0"/>
-              <a:t>2022-01-25</a:t>
+              <a:t>2022-01-26</a:t>
             </a:fld>
             <a:endParaRPr lang="ko-KR" altLang="en-US"/>
           </a:p>
@@ -2576,7 +2577,7 @@
           <a:p>
             <a:fld id="{BFC48532-E652-433E-A703-484C3AEDFF2A}" type="datetimeFigureOut">
               <a:rPr lang="ko-KR" altLang="en-US" smtClean="0"/>
-              <a:t>2022-01-25</a:t>
+              <a:t>2022-01-26</a:t>
             </a:fld>
             <a:endParaRPr lang="ko-KR" altLang="en-US"/>
           </a:p>
@@ -6996,8 +6997,8 @@
           </a:p>
         </p:txBody>
       </p:sp>
-      <mc:AlternateContent xmlns:mc="http://schemas.openxmlformats.org/markup-compatibility/2006">
-        <mc:Choice xmlns:a14="http://schemas.microsoft.com/office/drawing/2010/main" Requires="a14">
+      <mc:AlternateContent xmlns:mc="http://schemas.openxmlformats.org/markup-compatibility/2006" xmlns:a14="http://schemas.microsoft.com/office/drawing/2010/main">
+        <mc:Choice Requires="a14">
           <p:sp>
             <p:nvSpPr>
               <p:cNvPr id="43" name="TextBox 42">
@@ -7045,6 +7046,7 @@
                 </a:endParaRPr>
               </a:p>
               <a:p>
+                <a:pPr/>
                 <a14:m>
                   <m:oMathPara xmlns:m="http://schemas.openxmlformats.org/officeDocument/2006/math">
                     <m:oMathParaPr>
@@ -7085,7 +7087,7 @@
             </p:txBody>
           </p:sp>
         </mc:Choice>
-        <mc:Fallback>
+        <mc:Fallback xmlns="">
           <p:sp>
             <p:nvSpPr>
               <p:cNvPr id="43" name="TextBox 42">
@@ -7130,8 +7132,8 @@
           </p:sp>
         </mc:Fallback>
       </mc:AlternateContent>
-      <mc:AlternateContent xmlns:mc="http://schemas.openxmlformats.org/markup-compatibility/2006">
-        <mc:Choice xmlns:a14="http://schemas.microsoft.com/office/drawing/2010/main" Requires="a14">
+      <mc:AlternateContent xmlns:mc="http://schemas.openxmlformats.org/markup-compatibility/2006" xmlns:a14="http://schemas.microsoft.com/office/drawing/2010/main">
+        <mc:Choice Requires="a14">
           <p:sp>
             <p:nvSpPr>
               <p:cNvPr id="51" name="TextBox 50">
@@ -7160,6 +7162,7 @@
               </a:bodyPr>
               <a:lstStyle/>
               <a:p>
+                <a:pPr/>
                 <a14:m>
                   <m:oMathPara xmlns:m="http://schemas.openxmlformats.org/officeDocument/2006/math">
                     <m:oMathParaPr>
@@ -7186,7 +7189,7 @@
             </p:txBody>
           </p:sp>
         </mc:Choice>
-        <mc:Fallback>
+        <mc:Fallback xmlns="">
           <p:sp>
             <p:nvSpPr>
               <p:cNvPr id="51" name="TextBox 50">
@@ -7231,8 +7234,8 @@
           </p:sp>
         </mc:Fallback>
       </mc:AlternateContent>
-      <mc:AlternateContent xmlns:mc="http://schemas.openxmlformats.org/markup-compatibility/2006">
-        <mc:Choice xmlns:a14="http://schemas.microsoft.com/office/drawing/2010/main" Requires="a14">
+      <mc:AlternateContent xmlns:mc="http://schemas.openxmlformats.org/markup-compatibility/2006" xmlns:a14="http://schemas.microsoft.com/office/drawing/2010/main">
+        <mc:Choice Requires="a14">
           <p:sp>
             <p:nvSpPr>
               <p:cNvPr id="52" name="TextBox 51">
@@ -7261,6 +7264,7 @@
               </a:bodyPr>
               <a:lstStyle/>
               <a:p>
+                <a:pPr/>
                 <a14:m>
                   <m:oMathPara xmlns:m="http://schemas.openxmlformats.org/officeDocument/2006/math">
                     <m:oMathParaPr>
@@ -7287,7 +7291,7 @@
             </p:txBody>
           </p:sp>
         </mc:Choice>
-        <mc:Fallback>
+        <mc:Fallback xmlns="">
           <p:sp>
             <p:nvSpPr>
               <p:cNvPr id="52" name="TextBox 51">
@@ -7332,8 +7336,8 @@
           </p:sp>
         </mc:Fallback>
       </mc:AlternateContent>
-      <mc:AlternateContent xmlns:mc="http://schemas.openxmlformats.org/markup-compatibility/2006">
-        <mc:Choice xmlns:a14="http://schemas.microsoft.com/office/drawing/2010/main" Requires="a14">
+      <mc:AlternateContent xmlns:mc="http://schemas.openxmlformats.org/markup-compatibility/2006" xmlns:a14="http://schemas.microsoft.com/office/drawing/2010/main">
+        <mc:Choice Requires="a14">
           <p:sp>
             <p:nvSpPr>
               <p:cNvPr id="53" name="TextBox 52">
@@ -7362,6 +7366,7 @@
               </a:bodyPr>
               <a:lstStyle/>
               <a:p>
+                <a:pPr/>
                 <a14:m>
                   <m:oMathPara xmlns:m="http://schemas.openxmlformats.org/officeDocument/2006/math">
                     <m:oMathParaPr>
@@ -7388,7 +7393,7 @@
             </p:txBody>
           </p:sp>
         </mc:Choice>
-        <mc:Fallback>
+        <mc:Fallback xmlns="">
           <p:sp>
             <p:nvSpPr>
               <p:cNvPr id="53" name="TextBox 52">
@@ -7630,8 +7635,8 @@
           </a:fontRef>
         </p:style>
       </p:cxnSp>
-      <mc:AlternateContent xmlns:mc="http://schemas.openxmlformats.org/markup-compatibility/2006">
-        <mc:Choice xmlns:a14="http://schemas.microsoft.com/office/drawing/2010/main" Requires="a14">
+      <mc:AlternateContent xmlns:mc="http://schemas.openxmlformats.org/markup-compatibility/2006" xmlns:a14="http://schemas.microsoft.com/office/drawing/2010/main">
+        <mc:Choice Requires="a14">
           <p:sp>
             <p:nvSpPr>
               <p:cNvPr id="72" name="TextBox 71">
@@ -7660,6 +7665,7 @@
               </a:bodyPr>
               <a:lstStyle/>
               <a:p>
+                <a:pPr/>
                 <a14:m>
                   <m:oMathPara xmlns:m="http://schemas.openxmlformats.org/officeDocument/2006/math">
                     <m:oMathParaPr>
@@ -7686,7 +7692,7 @@
             </p:txBody>
           </p:sp>
         </mc:Choice>
-        <mc:Fallback>
+        <mc:Fallback xmlns="">
           <p:sp>
             <p:nvSpPr>
               <p:cNvPr id="72" name="TextBox 71">
@@ -7731,8 +7737,8 @@
           </p:sp>
         </mc:Fallback>
       </mc:AlternateContent>
-      <mc:AlternateContent xmlns:mc="http://schemas.openxmlformats.org/markup-compatibility/2006">
-        <mc:Choice xmlns:a14="http://schemas.microsoft.com/office/drawing/2010/main" Requires="a14">
+      <mc:AlternateContent xmlns:mc="http://schemas.openxmlformats.org/markup-compatibility/2006" xmlns:a14="http://schemas.microsoft.com/office/drawing/2010/main">
+        <mc:Choice Requires="a14">
           <p:sp>
             <p:nvSpPr>
               <p:cNvPr id="73" name="TextBox 72">
@@ -7761,6 +7767,7 @@
               </a:bodyPr>
               <a:lstStyle/>
               <a:p>
+                <a:pPr/>
                 <a14:m>
                   <m:oMathPara xmlns:m="http://schemas.openxmlformats.org/officeDocument/2006/math">
                     <m:oMathParaPr>
@@ -7787,7 +7794,7 @@
             </p:txBody>
           </p:sp>
         </mc:Choice>
-        <mc:Fallback>
+        <mc:Fallback xmlns="">
           <p:sp>
             <p:nvSpPr>
               <p:cNvPr id="73" name="TextBox 72">
@@ -7832,8 +7839,8 @@
           </p:sp>
         </mc:Fallback>
       </mc:AlternateContent>
-      <mc:AlternateContent xmlns:mc="http://schemas.openxmlformats.org/markup-compatibility/2006">
-        <mc:Choice xmlns:a14="http://schemas.microsoft.com/office/drawing/2010/main" Requires="a14">
+      <mc:AlternateContent xmlns:mc="http://schemas.openxmlformats.org/markup-compatibility/2006" xmlns:a14="http://schemas.microsoft.com/office/drawing/2010/main">
+        <mc:Choice Requires="a14">
           <p:sp>
             <p:nvSpPr>
               <p:cNvPr id="74" name="TextBox 73">
@@ -7862,6 +7869,7 @@
               </a:bodyPr>
               <a:lstStyle/>
               <a:p>
+                <a:pPr/>
                 <a14:m>
                   <m:oMathPara xmlns:m="http://schemas.openxmlformats.org/officeDocument/2006/math">
                     <m:oMathParaPr>
@@ -7888,7 +7896,7 @@
             </p:txBody>
           </p:sp>
         </mc:Choice>
-        <mc:Fallback>
+        <mc:Fallback xmlns="">
           <p:sp>
             <p:nvSpPr>
               <p:cNvPr id="74" name="TextBox 73">
@@ -8184,6 +8192,604 @@
     <p:extLst>
       <p:ext uri="{BB962C8B-B14F-4D97-AF65-F5344CB8AC3E}">
         <p14:creationId xmlns:p14="http://schemas.microsoft.com/office/powerpoint/2010/main" val="2593592920"/>
+      </p:ext>
+    </p:extLst>
+  </p:cSld>
+  <p:clrMapOvr>
+    <a:masterClrMapping/>
+  </p:clrMapOvr>
+</p:sld>
+</file>
+
+<file path=ppt/slides/slide12.xml><?xml version="1.0" encoding="utf-8"?>
+<p:sld xmlns:a="http://schemas.openxmlformats.org/drawingml/2006/main" xmlns:r="http://schemas.openxmlformats.org/officeDocument/2006/relationships" xmlns:p="http://schemas.openxmlformats.org/presentationml/2006/main">
+  <p:cSld>
+    <p:spTree>
+      <p:nvGrpSpPr>
+        <p:cNvPr id="1" name=""/>
+        <p:cNvGrpSpPr/>
+        <p:nvPr/>
+      </p:nvGrpSpPr>
+      <p:grpSpPr>
+        <a:xfrm>
+          <a:off x="0" y="0"/>
+          <a:ext cx="0" cy="0"/>
+          <a:chOff x="0" y="0"/>
+          <a:chExt cx="0" cy="0"/>
+        </a:xfrm>
+      </p:grpSpPr>
+      <p:pic>
+        <p:nvPicPr>
+          <p:cNvPr id="5" name="그림 4">
+            <a:extLst>
+              <a:ext uri="{FF2B5EF4-FFF2-40B4-BE49-F238E27FC236}">
+                <a16:creationId xmlns:a16="http://schemas.microsoft.com/office/drawing/2014/main" id="{527E875C-23D3-4E14-985C-D8182BBECBD1}"/>
+              </a:ext>
+            </a:extLst>
+          </p:cNvPr>
+          <p:cNvPicPr>
+            <a:picLocks noChangeAspect="1"/>
+          </p:cNvPicPr>
+          <p:nvPr/>
+        </p:nvPicPr>
+        <p:blipFill>
+          <a:blip r:embed="rId2"/>
+          <a:stretch>
+            <a:fillRect/>
+          </a:stretch>
+        </p:blipFill>
+        <p:spPr>
+          <a:xfrm>
+            <a:off x="-175098" y="459029"/>
+            <a:ext cx="9144000" cy="5939942"/>
+          </a:xfrm>
+          <a:prstGeom prst="rect">
+            <a:avLst/>
+          </a:prstGeom>
+        </p:spPr>
+      </p:pic>
+      <p:sp>
+        <p:nvSpPr>
+          <p:cNvPr id="6" name="직사각형 5">
+            <a:extLst>
+              <a:ext uri="{FF2B5EF4-FFF2-40B4-BE49-F238E27FC236}">
+                <a16:creationId xmlns:a16="http://schemas.microsoft.com/office/drawing/2014/main" id="{F12A0F0B-F7AC-40C2-91C6-1FD63A668826}"/>
+              </a:ext>
+            </a:extLst>
+          </p:cNvPr>
+          <p:cNvSpPr/>
+          <p:nvPr/>
+        </p:nvSpPr>
+        <p:spPr>
+          <a:xfrm>
+            <a:off x="1387696" y="914401"/>
+            <a:ext cx="4547062" cy="4813069"/>
+          </a:xfrm>
+          <a:prstGeom prst="rect">
+            <a:avLst/>
+          </a:prstGeom>
+          <a:gradFill>
+            <a:gsLst>
+              <a:gs pos="0">
+                <a:schemeClr val="accent1">
+                  <a:lumMod val="40000"/>
+                  <a:lumOff val="60000"/>
+                  <a:alpha val="2000"/>
+                </a:schemeClr>
+              </a:gs>
+              <a:gs pos="100000">
+                <a:schemeClr val="accent1">
+                  <a:lumMod val="45000"/>
+                  <a:lumOff val="55000"/>
+                  <a:alpha val="43000"/>
+                </a:schemeClr>
+              </a:gs>
+            </a:gsLst>
+            <a:lin ang="0" scaled="0"/>
+          </a:gradFill>
+          <a:ln>
+            <a:noFill/>
+          </a:ln>
+        </p:spPr>
+        <p:style>
+          <a:lnRef idx="2">
+            <a:schemeClr val="accent1">
+              <a:shade val="50000"/>
+            </a:schemeClr>
+          </a:lnRef>
+          <a:fillRef idx="1">
+            <a:schemeClr val="accent1"/>
+          </a:fillRef>
+          <a:effectRef idx="0">
+            <a:schemeClr val="accent1"/>
+          </a:effectRef>
+          <a:fontRef idx="minor">
+            <a:schemeClr val="lt1"/>
+          </a:fontRef>
+        </p:style>
+        <p:txBody>
+          <a:bodyPr rtlCol="0" anchor="ctr"/>
+          <a:lstStyle/>
+          <a:p>
+            <a:pPr algn="ctr"/>
+            <a:endParaRPr lang="ko-KR" altLang="en-US"/>
+          </a:p>
+        </p:txBody>
+      </p:sp>
+      <mc:AlternateContent xmlns:mc="http://schemas.openxmlformats.org/markup-compatibility/2006">
+        <mc:Choice xmlns:a14="http://schemas.microsoft.com/office/drawing/2010/main" Requires="a14">
+          <p:sp>
+            <p:nvSpPr>
+              <p:cNvPr id="7" name="TextBox 6">
+                <a:extLst>
+                  <a:ext uri="{FF2B5EF4-FFF2-40B4-BE49-F238E27FC236}">
+                    <a16:creationId xmlns:a16="http://schemas.microsoft.com/office/drawing/2014/main" id="{BA14341D-657F-4209-B825-F33B4D64E988}"/>
+                  </a:ext>
+                </a:extLst>
+              </p:cNvPr>
+              <p:cNvSpPr txBox="1"/>
+              <p:nvPr/>
+            </p:nvSpPr>
+            <p:spPr>
+              <a:xfrm>
+                <a:off x="1835010" y="1130530"/>
+                <a:ext cx="2146742" cy="830997"/>
+              </a:xfrm>
+              <a:prstGeom prst="rect">
+                <a:avLst/>
+              </a:prstGeom>
+              <a:noFill/>
+            </p:spPr>
+            <p:txBody>
+              <a:bodyPr wrap="none" rtlCol="0">
+                <a:spAutoFit/>
+              </a:bodyPr>
+              <a:lstStyle/>
+              <a:p>
+                <a:r>
+                  <a:rPr lang="ko-KR" altLang="en-US" sz="2400" dirty="0">
+                    <a:solidFill>
+                      <a:schemeClr val="tx1"/>
+                    </a:solidFill>
+                    <a:latin typeface="마루 부리 Beta" panose="020B0600000101010101" pitchFamily="50" charset="-127"/>
+                    <a:ea typeface="마루 부리 Beta" panose="020B0600000101010101" pitchFamily="50" charset="-127"/>
+                  </a:rPr>
+                  <a:t>수렴 구간 아님</a:t>
+                </a:r>
+                <a:endParaRPr lang="en-US" altLang="ko-KR" sz="2400" dirty="0">
+                  <a:solidFill>
+                    <a:schemeClr val="tx1"/>
+                  </a:solidFill>
+                  <a:latin typeface="마루 부리 Beta" panose="020B0600000101010101" pitchFamily="50" charset="-127"/>
+                  <a:ea typeface="마루 부리 Beta" panose="020B0600000101010101" pitchFamily="50" charset="-127"/>
+                </a:endParaRPr>
+              </a:p>
+              <a:p>
+                <a:pPr/>
+                <a14:m>
+                  <m:oMathPara xmlns:m="http://schemas.openxmlformats.org/officeDocument/2006/math">
+                    <m:oMathParaPr>
+                      <m:jc m:val="centerGroup"/>
+                    </m:oMathParaPr>
+                    <m:oMath xmlns:m="http://schemas.openxmlformats.org/officeDocument/2006/math">
+                      <m:r>
+                        <a:rPr lang="en-US" altLang="ko-KR" sz="2400" b="0" i="1" smtClean="0">
+                          <a:solidFill>
+                            <a:schemeClr val="tx1"/>
+                          </a:solidFill>
+                          <a:latin typeface="Cambria Math" panose="02040503050406030204" pitchFamily="18" charset="0"/>
+                          <a:ea typeface="마루 부리 Beta" panose="020B0600000101010101" pitchFamily="50" charset="-127"/>
+                        </a:rPr>
+                        <m:t>𝜎</m:t>
+                      </m:r>
+                      <m:r>
+                        <a:rPr lang="en-US" altLang="ko-KR" sz="2400" b="0" i="1" smtClean="0">
+                          <a:solidFill>
+                            <a:schemeClr val="tx1"/>
+                          </a:solidFill>
+                          <a:latin typeface="Cambria Math" panose="02040503050406030204" pitchFamily="18" charset="0"/>
+                          <a:ea typeface="마루 부리 Beta" panose="020B0600000101010101" pitchFamily="50" charset="-127"/>
+                        </a:rPr>
+                        <m:t>&lt;2</m:t>
+                      </m:r>
+                    </m:oMath>
+                  </m:oMathPara>
+                </a14:m>
+                <a:endParaRPr lang="en-US" altLang="ko-KR" sz="2400" dirty="0">
+                  <a:solidFill>
+                    <a:schemeClr val="tx1"/>
+                  </a:solidFill>
+                  <a:latin typeface="마루 부리 Beta" panose="020B0600000101010101" pitchFamily="50" charset="-127"/>
+                  <a:ea typeface="마루 부리 Beta" panose="020B0600000101010101" pitchFamily="50" charset="-127"/>
+                </a:endParaRPr>
+              </a:p>
+            </p:txBody>
+          </p:sp>
+        </mc:Choice>
+        <mc:Fallback>
+          <p:sp>
+            <p:nvSpPr>
+              <p:cNvPr id="7" name="TextBox 6">
+                <a:extLst>
+                  <a:ext uri="{FF2B5EF4-FFF2-40B4-BE49-F238E27FC236}">
+                    <a16:creationId xmlns:a16="http://schemas.microsoft.com/office/drawing/2014/main" id="{BA14341D-657F-4209-B825-F33B4D64E988}"/>
+                  </a:ext>
+                </a:extLst>
+              </p:cNvPr>
+              <p:cNvSpPr txBox="1">
+                <a:spLocks noRot="1" noChangeAspect="1" noMove="1" noResize="1" noEditPoints="1" noAdjustHandles="1" noChangeArrowheads="1" noChangeShapeType="1" noTextEdit="1"/>
+              </p:cNvSpPr>
+              <p:nvPr/>
+            </p:nvSpPr>
+            <p:spPr>
+              <a:xfrm>
+                <a:off x="1835010" y="1130530"/>
+                <a:ext cx="2146742" cy="830997"/>
+              </a:xfrm>
+              <a:prstGeom prst="rect">
+                <a:avLst/>
+              </a:prstGeom>
+              <a:blipFill>
+                <a:blip r:embed="rId3"/>
+                <a:stretch>
+                  <a:fillRect l="-4261" t="-5109" r="-3977"/>
+                </a:stretch>
+              </a:blipFill>
+            </p:spPr>
+            <p:txBody>
+              <a:bodyPr/>
+              <a:lstStyle/>
+              <a:p>
+                <a:r>
+                  <a:rPr lang="ko-KR" altLang="en-US">
+                    <a:noFill/>
+                  </a:rPr>
+                  <a:t> </a:t>
+                </a:r>
+              </a:p>
+            </p:txBody>
+          </p:sp>
+        </mc:Fallback>
+      </mc:AlternateContent>
+      <p:sp>
+        <p:nvSpPr>
+          <p:cNvPr id="8" name="직사각형 7">
+            <a:extLst>
+              <a:ext uri="{FF2B5EF4-FFF2-40B4-BE49-F238E27FC236}">
+                <a16:creationId xmlns:a16="http://schemas.microsoft.com/office/drawing/2014/main" id="{ABAFA69E-FD99-4694-B6B0-91A0A316258C}"/>
+              </a:ext>
+            </a:extLst>
+          </p:cNvPr>
+          <p:cNvSpPr/>
+          <p:nvPr/>
+        </p:nvSpPr>
+        <p:spPr>
+          <a:xfrm>
+            <a:off x="5934758" y="914401"/>
+            <a:ext cx="2061378" cy="4813069"/>
+          </a:xfrm>
+          <a:prstGeom prst="rect">
+            <a:avLst/>
+          </a:prstGeom>
+          <a:gradFill>
+            <a:gsLst>
+              <a:gs pos="0">
+                <a:schemeClr val="accent2">
+                  <a:lumMod val="60000"/>
+                  <a:lumOff val="40000"/>
+                  <a:alpha val="41000"/>
+                </a:schemeClr>
+              </a:gs>
+              <a:gs pos="100000">
+                <a:schemeClr val="accent2">
+                  <a:lumMod val="75000"/>
+                  <a:alpha val="0"/>
+                </a:schemeClr>
+              </a:gs>
+            </a:gsLst>
+            <a:lin ang="0" scaled="0"/>
+          </a:gradFill>
+          <a:ln>
+            <a:noFill/>
+          </a:ln>
+        </p:spPr>
+        <p:style>
+          <a:lnRef idx="2">
+            <a:schemeClr val="accent1">
+              <a:shade val="50000"/>
+            </a:schemeClr>
+          </a:lnRef>
+          <a:fillRef idx="1">
+            <a:schemeClr val="accent1"/>
+          </a:fillRef>
+          <a:effectRef idx="0">
+            <a:schemeClr val="accent1"/>
+          </a:effectRef>
+          <a:fontRef idx="minor">
+            <a:schemeClr val="lt1"/>
+          </a:fontRef>
+        </p:style>
+        <p:txBody>
+          <a:bodyPr rtlCol="0" anchor="ctr"/>
+          <a:lstStyle/>
+          <a:p>
+            <a:pPr algn="ctr"/>
+            <a:endParaRPr lang="ko-KR" altLang="en-US"/>
+          </a:p>
+        </p:txBody>
+      </p:sp>
+      <mc:AlternateContent xmlns:mc="http://schemas.openxmlformats.org/markup-compatibility/2006">
+        <mc:Choice xmlns:a14="http://schemas.microsoft.com/office/drawing/2010/main" Requires="a14">
+          <p:sp>
+            <p:nvSpPr>
+              <p:cNvPr id="9" name="TextBox 8">
+                <a:extLst>
+                  <a:ext uri="{FF2B5EF4-FFF2-40B4-BE49-F238E27FC236}">
+                    <a16:creationId xmlns:a16="http://schemas.microsoft.com/office/drawing/2014/main" id="{F88F7869-4F88-4544-808A-191DADDE2C58}"/>
+                  </a:ext>
+                </a:extLst>
+              </p:cNvPr>
+              <p:cNvSpPr txBox="1"/>
+              <p:nvPr/>
+            </p:nvSpPr>
+            <p:spPr>
+              <a:xfrm>
+                <a:off x="6315229" y="1130530"/>
+                <a:ext cx="1463862" cy="830997"/>
+              </a:xfrm>
+              <a:prstGeom prst="rect">
+                <a:avLst/>
+              </a:prstGeom>
+              <a:noFill/>
+            </p:spPr>
+            <p:txBody>
+              <a:bodyPr wrap="none" rtlCol="0">
+                <a:spAutoFit/>
+              </a:bodyPr>
+              <a:lstStyle/>
+              <a:p>
+                <a:r>
+                  <a:rPr lang="ko-KR" altLang="en-US" sz="2400" dirty="0">
+                    <a:solidFill>
+                      <a:schemeClr val="tx1"/>
+                    </a:solidFill>
+                    <a:latin typeface="마루 부리 Beta" panose="020B0600000101010101" pitchFamily="50" charset="-127"/>
+                    <a:ea typeface="마루 부리 Beta" panose="020B0600000101010101" pitchFamily="50" charset="-127"/>
+                  </a:rPr>
+                  <a:t>수렴 구간</a:t>
+                </a:r>
+                <a:endParaRPr lang="en-US" altLang="ko-KR" sz="2400" dirty="0">
+                  <a:solidFill>
+                    <a:schemeClr val="tx1"/>
+                  </a:solidFill>
+                  <a:latin typeface="마루 부리 Beta" panose="020B0600000101010101" pitchFamily="50" charset="-127"/>
+                  <a:ea typeface="마루 부리 Beta" panose="020B0600000101010101" pitchFamily="50" charset="-127"/>
+                </a:endParaRPr>
+              </a:p>
+              <a:p>
+                <a:pPr/>
+                <a14:m>
+                  <m:oMathPara xmlns:m="http://schemas.openxmlformats.org/officeDocument/2006/math">
+                    <m:oMathParaPr>
+                      <m:jc m:val="centerGroup"/>
+                    </m:oMathParaPr>
+                    <m:oMath xmlns:m="http://schemas.openxmlformats.org/officeDocument/2006/math">
+                      <m:r>
+                        <a:rPr lang="en-US" altLang="ko-KR" sz="2400" b="0" i="1" smtClean="0">
+                          <a:solidFill>
+                            <a:schemeClr val="tx1"/>
+                          </a:solidFill>
+                          <a:latin typeface="Cambria Math" panose="02040503050406030204" pitchFamily="18" charset="0"/>
+                          <a:ea typeface="마루 부리 Beta" panose="020B0600000101010101" pitchFamily="50" charset="-127"/>
+                        </a:rPr>
+                        <m:t>𝜎</m:t>
+                      </m:r>
+                      <m:r>
+                        <a:rPr lang="en-US" altLang="ko-KR" sz="2400" b="0" i="1" smtClean="0">
+                          <a:solidFill>
+                            <a:schemeClr val="tx1"/>
+                          </a:solidFill>
+                          <a:latin typeface="Cambria Math" panose="02040503050406030204" pitchFamily="18" charset="0"/>
+                          <a:ea typeface="마루 부리 Beta" panose="020B0600000101010101" pitchFamily="50" charset="-127"/>
+                        </a:rPr>
+                        <m:t>&gt;</m:t>
+                      </m:r>
+                      <m:r>
+                        <a:rPr lang="en-US" altLang="ko-KR" sz="2400" b="0" i="1" smtClean="0">
+                          <a:solidFill>
+                            <a:schemeClr val="tx1"/>
+                          </a:solidFill>
+                          <a:latin typeface="Cambria Math" panose="02040503050406030204" pitchFamily="18" charset="0"/>
+                          <a:ea typeface="마루 부리 Beta" panose="020B0600000101010101" pitchFamily="50" charset="-127"/>
+                        </a:rPr>
+                        <m:t>2</m:t>
+                      </m:r>
+                    </m:oMath>
+                  </m:oMathPara>
+                </a14:m>
+                <a:endParaRPr lang="en-US" altLang="ko-KR" sz="2400" dirty="0">
+                  <a:solidFill>
+                    <a:schemeClr val="tx1"/>
+                  </a:solidFill>
+                  <a:latin typeface="마루 부리 Beta" panose="020B0600000101010101" pitchFamily="50" charset="-127"/>
+                  <a:ea typeface="마루 부리 Beta" panose="020B0600000101010101" pitchFamily="50" charset="-127"/>
+                </a:endParaRPr>
+              </a:p>
+            </p:txBody>
+          </p:sp>
+        </mc:Choice>
+        <mc:Fallback>
+          <p:sp>
+            <p:nvSpPr>
+              <p:cNvPr id="9" name="TextBox 8">
+                <a:extLst>
+                  <a:ext uri="{FF2B5EF4-FFF2-40B4-BE49-F238E27FC236}">
+                    <a16:creationId xmlns:a16="http://schemas.microsoft.com/office/drawing/2014/main" id="{F88F7869-4F88-4544-808A-191DADDE2C58}"/>
+                  </a:ext>
+                </a:extLst>
+              </p:cNvPr>
+              <p:cNvSpPr txBox="1">
+                <a:spLocks noRot="1" noChangeAspect="1" noMove="1" noResize="1" noEditPoints="1" noAdjustHandles="1" noChangeArrowheads="1" noChangeShapeType="1" noTextEdit="1"/>
+              </p:cNvSpPr>
+              <p:nvPr/>
+            </p:nvSpPr>
+            <p:spPr>
+              <a:xfrm>
+                <a:off x="6315229" y="1130530"/>
+                <a:ext cx="1463862" cy="830997"/>
+              </a:xfrm>
+              <a:prstGeom prst="rect">
+                <a:avLst/>
+              </a:prstGeom>
+              <a:blipFill>
+                <a:blip r:embed="rId4"/>
+                <a:stretch>
+                  <a:fillRect l="-6667" t="-5109" r="-5833"/>
+                </a:stretch>
+              </a:blipFill>
+            </p:spPr>
+            <p:txBody>
+              <a:bodyPr/>
+              <a:lstStyle/>
+              <a:p>
+                <a:r>
+                  <a:rPr lang="ko-KR" altLang="en-US">
+                    <a:noFill/>
+                  </a:rPr>
+                  <a:t> </a:t>
+                </a:r>
+              </a:p>
+            </p:txBody>
+          </p:sp>
+        </mc:Fallback>
+      </mc:AlternateContent>
+      <p:sp>
+        <p:nvSpPr>
+          <p:cNvPr id="10" name="TextBox 9">
+            <a:extLst>
+              <a:ext uri="{FF2B5EF4-FFF2-40B4-BE49-F238E27FC236}">
+                <a16:creationId xmlns:a16="http://schemas.microsoft.com/office/drawing/2014/main" id="{5FC27B8E-3B41-4573-8CA6-8286A26BCFDF}"/>
+              </a:ext>
+            </a:extLst>
+          </p:cNvPr>
+          <p:cNvSpPr txBox="1"/>
+          <p:nvPr/>
+        </p:nvSpPr>
+        <p:spPr>
+          <a:xfrm>
+            <a:off x="5147363" y="914401"/>
+            <a:ext cx="787395" cy="461665"/>
+          </a:xfrm>
+          <a:prstGeom prst="rect">
+            <a:avLst/>
+          </a:prstGeom>
+          <a:noFill/>
+        </p:spPr>
+        <p:txBody>
+          <a:bodyPr wrap="none" rtlCol="0">
+            <a:spAutoFit/>
+          </a:bodyPr>
+          <a:lstStyle/>
+          <a:p>
+            <a:r>
+              <a:rPr lang="en-US" altLang="ko-KR" sz="2400" dirty="0">
+                <a:solidFill>
+                  <a:srgbClr val="FF0000"/>
+                </a:solidFill>
+                <a:latin typeface="마루 부리 Beta" panose="020B0600000101010101" pitchFamily="50" charset="-127"/>
+                <a:ea typeface="마루 부리 Beta" panose="020B0600000101010101" pitchFamily="50" charset="-127"/>
+              </a:rPr>
+              <a:t>pole</a:t>
+            </a:r>
+          </a:p>
+        </p:txBody>
+      </p:sp>
+      <p:sp>
+        <p:nvSpPr>
+          <p:cNvPr id="12" name="TextBox 11">
+            <a:extLst>
+              <a:ext uri="{FF2B5EF4-FFF2-40B4-BE49-F238E27FC236}">
+                <a16:creationId xmlns:a16="http://schemas.microsoft.com/office/drawing/2014/main" id="{1FAAE264-2BCE-4726-A26A-CFC85509AC4D}"/>
+              </a:ext>
+            </a:extLst>
+          </p:cNvPr>
+          <p:cNvSpPr txBox="1"/>
+          <p:nvPr/>
+        </p:nvSpPr>
+        <p:spPr>
+          <a:xfrm>
+            <a:off x="5147363" y="5051447"/>
+            <a:ext cx="787395" cy="461665"/>
+          </a:xfrm>
+          <a:prstGeom prst="rect">
+            <a:avLst/>
+          </a:prstGeom>
+          <a:noFill/>
+        </p:spPr>
+        <p:txBody>
+          <a:bodyPr wrap="none" rtlCol="0">
+            <a:spAutoFit/>
+          </a:bodyPr>
+          <a:lstStyle/>
+          <a:p>
+            <a:r>
+              <a:rPr lang="en-US" altLang="ko-KR" sz="2400" dirty="0">
+                <a:solidFill>
+                  <a:srgbClr val="FF0000"/>
+                </a:solidFill>
+                <a:latin typeface="마루 부리 Beta" panose="020B0600000101010101" pitchFamily="50" charset="-127"/>
+                <a:ea typeface="마루 부리 Beta" panose="020B0600000101010101" pitchFamily="50" charset="-127"/>
+              </a:rPr>
+              <a:t>pole</a:t>
+            </a:r>
+          </a:p>
+        </p:txBody>
+      </p:sp>
+      <p:sp>
+        <p:nvSpPr>
+          <p:cNvPr id="14" name="TextBox 13">
+            <a:extLst>
+              <a:ext uri="{FF2B5EF4-FFF2-40B4-BE49-F238E27FC236}">
+                <a16:creationId xmlns:a16="http://schemas.microsoft.com/office/drawing/2014/main" id="{2EC69321-6C5B-416F-A823-301F1884BE0B}"/>
+              </a:ext>
+            </a:extLst>
+          </p:cNvPr>
+          <p:cNvSpPr txBox="1"/>
+          <p:nvPr/>
+        </p:nvSpPr>
+        <p:spPr>
+          <a:xfrm>
+            <a:off x="5147363" y="2826443"/>
+            <a:ext cx="795411" cy="461665"/>
+          </a:xfrm>
+          <a:prstGeom prst="rect">
+            <a:avLst/>
+          </a:prstGeom>
+          <a:noFill/>
+        </p:spPr>
+        <p:txBody>
+          <a:bodyPr wrap="none" rtlCol="0">
+            <a:spAutoFit/>
+          </a:bodyPr>
+          <a:lstStyle/>
+          <a:p>
+            <a:r>
+              <a:rPr lang="en-US" altLang="ko-KR" sz="2400" dirty="0">
+                <a:solidFill>
+                  <a:srgbClr val="FF0000"/>
+                </a:solidFill>
+                <a:latin typeface="마루 부리 Beta" panose="020B0600000101010101" pitchFamily="50" charset="-127"/>
+                <a:ea typeface="마루 부리 Beta" panose="020B0600000101010101" pitchFamily="50" charset="-127"/>
+              </a:rPr>
+              <a:t>zero</a:t>
+            </a:r>
+          </a:p>
+        </p:txBody>
+      </p:sp>
+    </p:spTree>
+    <p:extLst>
+      <p:ext uri="{BB962C8B-B14F-4D97-AF65-F5344CB8AC3E}">
+        <p14:creationId xmlns:p14="http://schemas.microsoft.com/office/powerpoint/2010/main" val="26975834"/>
       </p:ext>
     </p:extLst>
   </p:cSld>
